--- a/docs/diagrams/StorageComponentClassDiagram.pptx
+++ b/docs/diagrams/StorageComponentClassDiagram.pptx
@@ -8,7 +8,7 @@
     <p:notesMasterId r:id="rId3"/>
   </p:notesMasterIdLst>
   <p:sldIdLst>
-    <p:sldId id="264" r:id="rId2"/>
+    <p:sldId id="265" r:id="rId2"/>
   </p:sldIdLst>
   <p:sldSz cx="9144000" cy="6858000" type="screen4x3"/>
   <p:notesSz cx="6858000" cy="9144000"/>
@@ -107,7 +107,507 @@
       </a:defRPr>
     </a:lvl9pPr>
   </p:defaultTextStyle>
+  <p:extLst>
+    <p:ext uri="{EFAFB233-063F-42B5-8137-9DF3F51BA10A}">
+      <p15:sldGuideLst xmlns:p15="http://schemas.microsoft.com/office/powerpoint/2012/main">
+        <p15:guide id="1" orient="horz" pos="1488">
+          <p15:clr>
+            <a:srgbClr val="A4A3A4"/>
+          </p15:clr>
+        </p15:guide>
+        <p15:guide id="2" pos="2880">
+          <p15:clr>
+            <a:srgbClr val="A4A3A4"/>
+          </p15:clr>
+        </p15:guide>
+      </p15:sldGuideLst>
+    </p:ext>
+  </p:extLst>
 </p:presentation>
+</file>
+
+<file path=ppt/changesInfos/changesInfo1.xml><?xml version="1.0" encoding="utf-8"?>
+<pc:chgInfo xmlns:a="http://schemas.openxmlformats.org/drawingml/2006/main" xmlns:r="http://schemas.openxmlformats.org/officeDocument/2006/relationships" xmlns:ac="http://schemas.microsoft.com/office/drawing/2013/main/command" xmlns:pc="http://schemas.microsoft.com/office/powerpoint/2013/main/command">
+  <pc:docChgLst>
+    <pc:chgData name="Shengmin Leong" userId="075411cc4697ef0d" providerId="LiveId" clId="{131F47FE-217A-48AA-BA1D-F68C4827F5CE}"/>
+    <pc:docChg chg="undo custSel addSld delSld modSld">
+      <pc:chgData name="Shengmin Leong" userId="075411cc4697ef0d" providerId="LiveId" clId="{131F47FE-217A-48AA-BA1D-F68C4827F5CE}" dt="2018-09-22T03:55:55.110" v="173" actId="2696"/>
+      <pc:docMkLst>
+        <pc:docMk/>
+      </pc:docMkLst>
+      <pc:sldChg chg="del">
+        <pc:chgData name="Shengmin Leong" userId="075411cc4697ef0d" providerId="LiveId" clId="{131F47FE-217A-48AA-BA1D-F68C4827F5CE}" dt="2018-09-22T03:55:55.110" v="173" actId="2696"/>
+        <pc:sldMkLst>
+          <pc:docMk/>
+          <pc:sldMk cId="1478832369" sldId="264"/>
+        </pc:sldMkLst>
+      </pc:sldChg>
+      <pc:sldChg chg="addSp delSp modSp add">
+        <pc:chgData name="Shengmin Leong" userId="075411cc4697ef0d" providerId="LiveId" clId="{131F47FE-217A-48AA-BA1D-F68C4827F5CE}" dt="2018-09-22T03:55:42.021" v="172" actId="1076"/>
+        <pc:sldMkLst>
+          <pc:docMk/>
+          <pc:sldMk cId="2429703687" sldId="265"/>
+        </pc:sldMkLst>
+        <pc:spChg chg="add mod">
+          <ac:chgData name="Shengmin Leong" userId="075411cc4697ef0d" providerId="LiveId" clId="{131F47FE-217A-48AA-BA1D-F68C4827F5CE}" dt="2018-09-22T03:54:11.281" v="146" actId="1076"/>
+          <ac:spMkLst>
+            <pc:docMk/>
+            <pc:sldMk cId="2429703687" sldId="265"/>
+            <ac:spMk id="2" creationId="{591191E2-7231-4502-BB6F-3B8F3002F39D}"/>
+          </ac:spMkLst>
+        </pc:spChg>
+        <pc:spChg chg="add mod">
+          <ac:chgData name="Shengmin Leong" userId="075411cc4697ef0d" providerId="LiveId" clId="{131F47FE-217A-48AA-BA1D-F68C4827F5CE}" dt="2018-09-20T06:26:29.359" v="6" actId="20577"/>
+          <ac:spMkLst>
+            <pc:docMk/>
+            <pc:sldMk cId="2429703687" sldId="265"/>
+            <ac:spMk id="3" creationId="{D382D195-BB7C-4E26-AEBF-DC12F1EA683C}"/>
+          </ac:spMkLst>
+        </pc:spChg>
+        <pc:spChg chg="add mod">
+          <ac:chgData name="Shengmin Leong" userId="075411cc4697ef0d" providerId="LiveId" clId="{131F47FE-217A-48AA-BA1D-F68C4827F5CE}" dt="2018-09-20T06:25:57.194" v="2" actId="1076"/>
+          <ac:spMkLst>
+            <pc:docMk/>
+            <pc:sldMk cId="2429703687" sldId="265"/>
+            <ac:spMk id="4" creationId="{1002776D-C406-4D65-9070-D156256D3642}"/>
+          </ac:spMkLst>
+        </pc:spChg>
+        <pc:spChg chg="add mod">
+          <ac:chgData name="Shengmin Leong" userId="075411cc4697ef0d" providerId="LiveId" clId="{131F47FE-217A-48AA-BA1D-F68C4827F5CE}" dt="2018-09-20T06:25:57.194" v="2" actId="1076"/>
+          <ac:spMkLst>
+            <pc:docMk/>
+            <pc:sldMk cId="2429703687" sldId="265"/>
+            <ac:spMk id="5" creationId="{27A2C74A-6D4B-427C-80D5-9B1822F8B74A}"/>
+          </ac:spMkLst>
+        </pc:spChg>
+        <pc:spChg chg="add mod">
+          <ac:chgData name="Shengmin Leong" userId="075411cc4697ef0d" providerId="LiveId" clId="{131F47FE-217A-48AA-BA1D-F68C4827F5CE}" dt="2018-09-20T06:25:57.194" v="2" actId="1076"/>
+          <ac:spMkLst>
+            <pc:docMk/>
+            <pc:sldMk cId="2429703687" sldId="265"/>
+            <ac:spMk id="6" creationId="{691EB206-98BA-4B35-8149-10757ED79453}"/>
+          </ac:spMkLst>
+        </pc:spChg>
+        <pc:spChg chg="add mod">
+          <ac:chgData name="Shengmin Leong" userId="075411cc4697ef0d" providerId="LiveId" clId="{131F47FE-217A-48AA-BA1D-F68C4827F5CE}" dt="2018-09-20T06:25:57.194" v="2" actId="1076"/>
+          <ac:spMkLst>
+            <pc:docMk/>
+            <pc:sldMk cId="2429703687" sldId="265"/>
+            <ac:spMk id="9" creationId="{1D7F843D-52A2-47AB-81EA-596331869288}"/>
+          </ac:spMkLst>
+        </pc:spChg>
+        <pc:spChg chg="add mod">
+          <ac:chgData name="Shengmin Leong" userId="075411cc4697ef0d" providerId="LiveId" clId="{131F47FE-217A-48AA-BA1D-F68C4827F5CE}" dt="2018-09-20T06:25:57.194" v="2" actId="1076"/>
+          <ac:spMkLst>
+            <pc:docMk/>
+            <pc:sldMk cId="2429703687" sldId="265"/>
+            <ac:spMk id="11" creationId="{8AA2DB66-8B8E-46F8-965E-6B65ACB6423B}"/>
+          </ac:spMkLst>
+        </pc:spChg>
+        <pc:spChg chg="add mod">
+          <ac:chgData name="Shengmin Leong" userId="075411cc4697ef0d" providerId="LiveId" clId="{131F47FE-217A-48AA-BA1D-F68C4827F5CE}" dt="2018-09-20T06:26:40.350" v="10" actId="20577"/>
+          <ac:spMkLst>
+            <pc:docMk/>
+            <pc:sldMk cId="2429703687" sldId="265"/>
+            <ac:spMk id="13" creationId="{62CF4FBA-1A50-4849-8467-D8F6258FF4DC}"/>
+          </ac:spMkLst>
+        </pc:spChg>
+        <pc:spChg chg="add mod">
+          <ac:chgData name="Shengmin Leong" userId="075411cc4697ef0d" providerId="LiveId" clId="{131F47FE-217A-48AA-BA1D-F68C4827F5CE}" dt="2018-09-20T06:25:57.194" v="2" actId="1076"/>
+          <ac:spMkLst>
+            <pc:docMk/>
+            <pc:sldMk cId="2429703687" sldId="265"/>
+            <ac:spMk id="14" creationId="{3A5E82C0-D044-4375-A6CE-D32927174C6D}"/>
+          </ac:spMkLst>
+        </pc:spChg>
+        <pc:spChg chg="add mod">
+          <ac:chgData name="Shengmin Leong" userId="075411cc4697ef0d" providerId="LiveId" clId="{131F47FE-217A-48AA-BA1D-F68C4827F5CE}" dt="2018-09-20T06:25:57.194" v="2" actId="1076"/>
+          <ac:spMkLst>
+            <pc:docMk/>
+            <pc:sldMk cId="2429703687" sldId="265"/>
+            <ac:spMk id="16" creationId="{7E0D9B8F-702E-43B2-A7A8-6B65842C1058}"/>
+          </ac:spMkLst>
+        </pc:spChg>
+        <pc:spChg chg="add mod">
+          <ac:chgData name="Shengmin Leong" userId="075411cc4697ef0d" providerId="LiveId" clId="{131F47FE-217A-48AA-BA1D-F68C4827F5CE}" dt="2018-09-20T06:25:57.194" v="2" actId="1076"/>
+          <ac:spMkLst>
+            <pc:docMk/>
+            <pc:sldMk cId="2429703687" sldId="265"/>
+            <ac:spMk id="18" creationId="{C80EF177-C646-44F2-92D2-0DA9EEB3EF30}"/>
+          </ac:spMkLst>
+        </pc:spChg>
+        <pc:spChg chg="add mod">
+          <ac:chgData name="Shengmin Leong" userId="075411cc4697ef0d" providerId="LiveId" clId="{131F47FE-217A-48AA-BA1D-F68C4827F5CE}" dt="2018-09-20T06:25:57.194" v="2" actId="1076"/>
+          <ac:spMkLst>
+            <pc:docMk/>
+            <pc:sldMk cId="2429703687" sldId="265"/>
+            <ac:spMk id="19" creationId="{46EC2A9D-3519-40AD-9011-770D3D60ECB5}"/>
+          </ac:spMkLst>
+        </pc:spChg>
+        <pc:spChg chg="add mod">
+          <ac:chgData name="Shengmin Leong" userId="075411cc4697ef0d" providerId="LiveId" clId="{131F47FE-217A-48AA-BA1D-F68C4827F5CE}" dt="2018-09-20T06:26:47.562" v="18" actId="20577"/>
+          <ac:spMkLst>
+            <pc:docMk/>
+            <pc:sldMk cId="2429703687" sldId="265"/>
+            <ac:spMk id="20" creationId="{2BF9B653-5D8E-4DB1-B111-A30B899A1097}"/>
+          </ac:spMkLst>
+        </pc:spChg>
+        <pc:spChg chg="add mod">
+          <ac:chgData name="Shengmin Leong" userId="075411cc4697ef0d" providerId="LiveId" clId="{131F47FE-217A-48AA-BA1D-F68C4827F5CE}" dt="2018-09-22T03:55:28.400" v="159" actId="1076"/>
+          <ac:spMkLst>
+            <pc:docMk/>
+            <pc:sldMk cId="2429703687" sldId="265"/>
+            <ac:spMk id="22" creationId="{62C1A090-A787-4E0C-9AEB-2A20CC32546E}"/>
+          </ac:spMkLst>
+        </pc:spChg>
+        <pc:spChg chg="add mod">
+          <ac:chgData name="Shengmin Leong" userId="075411cc4697ef0d" providerId="LiveId" clId="{131F47FE-217A-48AA-BA1D-F68C4827F5CE}" dt="2018-09-22T03:52:19.618" v="117" actId="1076"/>
+          <ac:spMkLst>
+            <pc:docMk/>
+            <pc:sldMk cId="2429703687" sldId="265"/>
+            <ac:spMk id="23" creationId="{C0B60E26-3562-4E03-90C9-6887F932421D}"/>
+          </ac:spMkLst>
+        </pc:spChg>
+        <pc:spChg chg="add del">
+          <ac:chgData name="Shengmin Leong" userId="075411cc4697ef0d" providerId="LiveId" clId="{131F47FE-217A-48AA-BA1D-F68C4827F5CE}" dt="2018-09-21T14:20:24.565" v="32"/>
+          <ac:spMkLst>
+            <pc:docMk/>
+            <pc:sldMk cId="2429703687" sldId="265"/>
+            <ac:spMk id="25" creationId="{64F7A15B-3E9A-440A-892B-BE5993E7F5EE}"/>
+          </ac:spMkLst>
+        </pc:spChg>
+        <pc:spChg chg="add mod">
+          <ac:chgData name="Shengmin Leong" userId="075411cc4697ef0d" providerId="LiveId" clId="{131F47FE-217A-48AA-BA1D-F68C4827F5CE}" dt="2018-09-22T03:50:25.339" v="96" actId="1076"/>
+          <ac:spMkLst>
+            <pc:docMk/>
+            <pc:sldMk cId="2429703687" sldId="265"/>
+            <ac:spMk id="27" creationId="{F9264B93-5D5A-432B-A0A1-3988EAE2F085}"/>
+          </ac:spMkLst>
+        </pc:spChg>
+        <pc:spChg chg="add mod">
+          <ac:chgData name="Shengmin Leong" userId="075411cc4697ef0d" providerId="LiveId" clId="{131F47FE-217A-48AA-BA1D-F68C4827F5CE}" dt="2018-09-22T03:53:15.529" v="132" actId="1076"/>
+          <ac:spMkLst>
+            <pc:docMk/>
+            <pc:sldMk cId="2429703687" sldId="265"/>
+            <ac:spMk id="28" creationId="{9561671D-E151-445D-8F63-FE06A401298B}"/>
+          </ac:spMkLst>
+        </pc:spChg>
+        <pc:spChg chg="add mod">
+          <ac:chgData name="Shengmin Leong" userId="075411cc4697ef0d" providerId="LiveId" clId="{131F47FE-217A-48AA-BA1D-F68C4827F5CE}" dt="2018-09-22T03:55:42.021" v="172" actId="1076"/>
+          <ac:spMkLst>
+            <pc:docMk/>
+            <pc:sldMk cId="2429703687" sldId="265"/>
+            <ac:spMk id="62" creationId="{DB3A1DB6-01EC-47D8-BF4E-3F78F363C68D}"/>
+          </ac:spMkLst>
+        </pc:spChg>
+        <pc:inkChg chg="add del">
+          <ac:chgData name="Shengmin Leong" userId="075411cc4697ef0d" providerId="LiveId" clId="{131F47FE-217A-48AA-BA1D-F68C4827F5CE}" dt="2018-09-22T03:51:44.966" v="112"/>
+          <ac:inkMkLst>
+            <pc:docMk/>
+            <pc:sldMk cId="2429703687" sldId="265"/>
+            <ac:inkMk id="30" creationId="{2F5004AC-3899-4793-BF16-A6216B9E2A19}"/>
+          </ac:inkMkLst>
+        </pc:inkChg>
+        <pc:inkChg chg="add del">
+          <ac:chgData name="Shengmin Leong" userId="075411cc4697ef0d" providerId="LiveId" clId="{131F47FE-217A-48AA-BA1D-F68C4827F5CE}" dt="2018-09-22T03:51:52.359" v="115"/>
+          <ac:inkMkLst>
+            <pc:docMk/>
+            <pc:sldMk cId="2429703687" sldId="265"/>
+            <ac:inkMk id="31" creationId="{502FED0B-3CEC-4BAB-867C-996B00EC9683}"/>
+          </ac:inkMkLst>
+        </pc:inkChg>
+        <pc:inkChg chg="add del">
+          <ac:chgData name="Shengmin Leong" userId="075411cc4697ef0d" providerId="LiveId" clId="{131F47FE-217A-48AA-BA1D-F68C4827F5CE}" dt="2018-09-22T03:51:52.359" v="115"/>
+          <ac:inkMkLst>
+            <pc:docMk/>
+            <pc:sldMk cId="2429703687" sldId="265"/>
+            <ac:inkMk id="32" creationId="{0E6B7BE0-CD8F-4579-9C55-7CA14D69F189}"/>
+          </ac:inkMkLst>
+        </pc:inkChg>
+        <pc:inkChg chg="add del mod">
+          <ac:chgData name="Shengmin Leong" userId="075411cc4697ef0d" providerId="LiveId" clId="{131F47FE-217A-48AA-BA1D-F68C4827F5CE}" dt="2018-09-22T03:53:01.325" v="124" actId="478"/>
+          <ac:inkMkLst>
+            <pc:docMk/>
+            <pc:sldMk cId="2429703687" sldId="265"/>
+            <ac:inkMk id="33" creationId="{31AE1C43-2F78-4F18-86C1-3450E5AD5DC3}"/>
+          </ac:inkMkLst>
+        </pc:inkChg>
+        <pc:inkChg chg="add">
+          <ac:chgData name="Shengmin Leong" userId="075411cc4697ef0d" providerId="LiveId" clId="{131F47FE-217A-48AA-BA1D-F68C4827F5CE}" dt="2018-09-21T14:23:49.743" v="82"/>
+          <ac:inkMkLst>
+            <pc:docMk/>
+            <pc:sldMk cId="2429703687" sldId="265"/>
+            <ac:inkMk id="40" creationId="{13C13F15-D893-4D17-9AC9-EE007E49E477}"/>
+          </ac:inkMkLst>
+        </pc:inkChg>
+        <pc:inkChg chg="add del">
+          <ac:chgData name="Shengmin Leong" userId="075411cc4697ef0d" providerId="LiveId" clId="{131F47FE-217A-48AA-BA1D-F68C4827F5CE}" dt="2018-09-22T03:53:09.468" v="127"/>
+          <ac:inkMkLst>
+            <pc:docMk/>
+            <pc:sldMk cId="2429703687" sldId="265"/>
+            <ac:inkMk id="41" creationId="{25A3992B-63AB-4EC4-A136-673E84025D1A}"/>
+          </ac:inkMkLst>
+        </pc:inkChg>
+        <pc:inkChg chg="add del">
+          <ac:chgData name="Shengmin Leong" userId="075411cc4697ef0d" providerId="LiveId" clId="{131F47FE-217A-48AA-BA1D-F68C4827F5CE}" dt="2018-09-22T03:53:11.795" v="131"/>
+          <ac:inkMkLst>
+            <pc:docMk/>
+            <pc:sldMk cId="2429703687" sldId="265"/>
+            <ac:inkMk id="42" creationId="{CBAE9EDB-9F3B-468A-AE06-2596797F90F9}"/>
+          </ac:inkMkLst>
+        </pc:inkChg>
+        <pc:inkChg chg="add del">
+          <ac:chgData name="Shengmin Leong" userId="075411cc4697ef0d" providerId="LiveId" clId="{131F47FE-217A-48AA-BA1D-F68C4827F5CE}" dt="2018-09-22T03:53:10.324" v="129"/>
+          <ac:inkMkLst>
+            <pc:docMk/>
+            <pc:sldMk cId="2429703687" sldId="265"/>
+            <ac:inkMk id="43" creationId="{FB4B2E27-2F17-48FD-8FE1-3DC032D9D954}"/>
+          </ac:inkMkLst>
+        </pc:inkChg>
+        <pc:inkChg chg="add del">
+          <ac:chgData name="Shengmin Leong" userId="075411cc4697ef0d" providerId="LiveId" clId="{131F47FE-217A-48AA-BA1D-F68C4827F5CE}" dt="2018-09-22T03:53:10.917" v="130"/>
+          <ac:inkMkLst>
+            <pc:docMk/>
+            <pc:sldMk cId="2429703687" sldId="265"/>
+            <ac:inkMk id="44" creationId="{E07EE453-8EEF-4F40-971E-E704DA97E2B0}"/>
+          </ac:inkMkLst>
+        </pc:inkChg>
+        <pc:inkChg chg="add">
+          <ac:chgData name="Shengmin Leong" userId="075411cc4697ef0d" providerId="LiveId" clId="{131F47FE-217A-48AA-BA1D-F68C4827F5CE}" dt="2018-09-22T03:53:10.324" v="129"/>
+          <ac:inkMkLst>
+            <pc:docMk/>
+            <pc:sldMk cId="2429703687" sldId="265"/>
+            <ac:inkMk id="45" creationId="{07DAE886-FAAA-4C1D-BF7D-7BF9F8A55C21}"/>
+          </ac:inkMkLst>
+        </pc:inkChg>
+        <pc:inkChg chg="add del">
+          <ac:chgData name="Shengmin Leong" userId="075411cc4697ef0d" providerId="LiveId" clId="{131F47FE-217A-48AA-BA1D-F68C4827F5CE}" dt="2018-09-22T03:53:57.858" v="143"/>
+          <ac:inkMkLst>
+            <pc:docMk/>
+            <pc:sldMk cId="2429703687" sldId="265"/>
+            <ac:inkMk id="54" creationId="{5B03ADE8-FC2B-4A76-ABE5-2081A5B94679}"/>
+          </ac:inkMkLst>
+        </pc:inkChg>
+        <pc:inkChg chg="add del">
+          <ac:chgData name="Shengmin Leong" userId="075411cc4697ef0d" providerId="LiveId" clId="{131F47FE-217A-48AA-BA1D-F68C4827F5CE}" dt="2018-09-22T03:53:57.858" v="143"/>
+          <ac:inkMkLst>
+            <pc:docMk/>
+            <pc:sldMk cId="2429703687" sldId="265"/>
+            <ac:inkMk id="55" creationId="{22083EC7-DD59-4CDA-A356-66862CAAF1FC}"/>
+          </ac:inkMkLst>
+        </pc:inkChg>
+        <pc:inkChg chg="add">
+          <ac:chgData name="Shengmin Leong" userId="075411cc4697ef0d" providerId="LiveId" clId="{131F47FE-217A-48AA-BA1D-F68C4827F5CE}" dt="2018-09-22T03:53:57.858" v="143"/>
+          <ac:inkMkLst>
+            <pc:docMk/>
+            <pc:sldMk cId="2429703687" sldId="265"/>
+            <ac:inkMk id="56" creationId="{26CC177E-A2C5-496E-A299-450133D870D6}"/>
+          </ac:inkMkLst>
+        </pc:inkChg>
+        <pc:cxnChg chg="add mod">
+          <ac:chgData name="Shengmin Leong" userId="075411cc4697ef0d" providerId="LiveId" clId="{131F47FE-217A-48AA-BA1D-F68C4827F5CE}" dt="2018-09-20T06:25:57.194" v="2" actId="1076"/>
+          <ac:cxnSpMkLst>
+            <pc:docMk/>
+            <pc:sldMk cId="2429703687" sldId="265"/>
+            <ac:cxnSpMk id="7" creationId="{127A6C11-EAEB-44B8-BC73-081C72FBCA70}"/>
+          </ac:cxnSpMkLst>
+        </pc:cxnChg>
+        <pc:cxnChg chg="add mod">
+          <ac:chgData name="Shengmin Leong" userId="075411cc4697ef0d" providerId="LiveId" clId="{131F47FE-217A-48AA-BA1D-F68C4827F5CE}" dt="2018-09-20T06:25:57.194" v="2" actId="1076"/>
+          <ac:cxnSpMkLst>
+            <pc:docMk/>
+            <pc:sldMk cId="2429703687" sldId="265"/>
+            <ac:cxnSpMk id="8" creationId="{9182AAD7-45EA-4C1B-965D-A1A076C1049E}"/>
+          </ac:cxnSpMkLst>
+        </pc:cxnChg>
+        <pc:cxnChg chg="add mod">
+          <ac:chgData name="Shengmin Leong" userId="075411cc4697ef0d" providerId="LiveId" clId="{131F47FE-217A-48AA-BA1D-F68C4827F5CE}" dt="2018-09-20T06:25:57.194" v="2" actId="1076"/>
+          <ac:cxnSpMkLst>
+            <pc:docMk/>
+            <pc:sldMk cId="2429703687" sldId="265"/>
+            <ac:cxnSpMk id="10" creationId="{6E806771-1CF0-4B6D-9E2B-58AA7BB6487E}"/>
+          </ac:cxnSpMkLst>
+        </pc:cxnChg>
+        <pc:cxnChg chg="add mod">
+          <ac:chgData name="Shengmin Leong" userId="075411cc4697ef0d" providerId="LiveId" clId="{131F47FE-217A-48AA-BA1D-F68C4827F5CE}" dt="2018-09-20T06:25:57.194" v="2" actId="1076"/>
+          <ac:cxnSpMkLst>
+            <pc:docMk/>
+            <pc:sldMk cId="2429703687" sldId="265"/>
+            <ac:cxnSpMk id="12" creationId="{465AD41D-86B8-4286-A5BA-0EDB2E9AE664}"/>
+          </ac:cxnSpMkLst>
+        </pc:cxnChg>
+        <pc:cxnChg chg="add mod">
+          <ac:chgData name="Shengmin Leong" userId="075411cc4697ef0d" providerId="LiveId" clId="{131F47FE-217A-48AA-BA1D-F68C4827F5CE}" dt="2018-09-20T06:25:57.194" v="2" actId="1076"/>
+          <ac:cxnSpMkLst>
+            <pc:docMk/>
+            <pc:sldMk cId="2429703687" sldId="265"/>
+            <ac:cxnSpMk id="15" creationId="{E76E5B9D-1FD7-4E76-A0B0-64949A99DAB2}"/>
+          </ac:cxnSpMkLst>
+        </pc:cxnChg>
+        <pc:cxnChg chg="add mod">
+          <ac:chgData name="Shengmin Leong" userId="075411cc4697ef0d" providerId="LiveId" clId="{131F47FE-217A-48AA-BA1D-F68C4827F5CE}" dt="2018-09-20T06:25:57.194" v="2" actId="1076"/>
+          <ac:cxnSpMkLst>
+            <pc:docMk/>
+            <pc:sldMk cId="2429703687" sldId="265"/>
+            <ac:cxnSpMk id="17" creationId="{01336A1B-B925-4718-8E60-0C1E59BB1A4E}"/>
+          </ac:cxnSpMkLst>
+        </pc:cxnChg>
+        <pc:cxnChg chg="add mod">
+          <ac:chgData name="Shengmin Leong" userId="075411cc4697ef0d" providerId="LiveId" clId="{131F47FE-217A-48AA-BA1D-F68C4827F5CE}" dt="2018-09-22T03:55:08.537" v="151" actId="14100"/>
+          <ac:cxnSpMkLst>
+            <pc:docMk/>
+            <pc:sldMk cId="2429703687" sldId="265"/>
+            <ac:cxnSpMk id="21" creationId="{82B96457-F6EB-429E-A66E-1FFC0BF47319}"/>
+          </ac:cxnSpMkLst>
+        </pc:cxnChg>
+        <pc:cxnChg chg="add mod">
+          <ac:chgData name="Shengmin Leong" userId="075411cc4697ef0d" providerId="LiveId" clId="{131F47FE-217A-48AA-BA1D-F68C4827F5CE}" dt="2018-09-22T03:52:19.618" v="117" actId="1076"/>
+          <ac:cxnSpMkLst>
+            <pc:docMk/>
+            <pc:sldMk cId="2429703687" sldId="265"/>
+            <ac:cxnSpMk id="24" creationId="{19F52AF7-A3FC-4088-A08B-9E056AF52332}"/>
+          </ac:cxnSpMkLst>
+        </pc:cxnChg>
+        <pc:cxnChg chg="add mod">
+          <ac:chgData name="Shengmin Leong" userId="075411cc4697ef0d" providerId="LiveId" clId="{131F47FE-217A-48AA-BA1D-F68C4827F5CE}" dt="2018-09-22T03:53:47.832" v="140" actId="14100"/>
+          <ac:cxnSpMkLst>
+            <pc:docMk/>
+            <pc:sldMk cId="2429703687" sldId="265"/>
+            <ac:cxnSpMk id="26" creationId="{81594C5B-F1E2-477C-92B2-68709673E1AE}"/>
+          </ac:cxnSpMkLst>
+        </pc:cxnChg>
+        <pc:cxnChg chg="add del mod">
+          <ac:chgData name="Shengmin Leong" userId="075411cc4697ef0d" providerId="LiveId" clId="{131F47FE-217A-48AA-BA1D-F68C4827F5CE}" dt="2018-09-21T14:22:03.856" v="73" actId="478"/>
+          <ac:cxnSpMkLst>
+            <pc:docMk/>
+            <pc:sldMk cId="2429703687" sldId="265"/>
+            <ac:cxnSpMk id="28" creationId="{20DBDD99-A394-4F2D-8974-40F0EFE690B9}"/>
+          </ac:cxnSpMkLst>
+        </pc:cxnChg>
+        <pc:cxnChg chg="add">
+          <ac:chgData name="Shengmin Leong" userId="075411cc4697ef0d" providerId="LiveId" clId="{131F47FE-217A-48AA-BA1D-F68C4827F5CE}" dt="2018-09-22T03:52:10.215" v="116"/>
+          <ac:cxnSpMkLst>
+            <pc:docMk/>
+            <pc:sldMk cId="2429703687" sldId="265"/>
+            <ac:cxnSpMk id="36" creationId="{A2F544A5-510D-40DE-9612-20229E0B7C4D}"/>
+          </ac:cxnSpMkLst>
+        </pc:cxnChg>
+        <pc:cxnChg chg="add del mod">
+          <ac:chgData name="Shengmin Leong" userId="075411cc4697ef0d" providerId="LiveId" clId="{131F47FE-217A-48AA-BA1D-F68C4827F5CE}" dt="2018-09-21T14:22:55.286" v="79" actId="478"/>
+          <ac:cxnSpMkLst>
+            <pc:docMk/>
+            <pc:sldMk cId="2429703687" sldId="265"/>
+            <ac:cxnSpMk id="36" creationId="{DE168867-990C-4380-BD61-616F8E4C7FEC}"/>
+          </ac:cxnSpMkLst>
+        </pc:cxnChg>
+        <pc:cxnChg chg="add mod">
+          <ac:chgData name="Shengmin Leong" userId="075411cc4697ef0d" providerId="LiveId" clId="{131F47FE-217A-48AA-BA1D-F68C4827F5CE}" dt="2018-09-22T03:52:31.004" v="120" actId="14100"/>
+          <ac:cxnSpMkLst>
+            <pc:docMk/>
+            <pc:sldMk cId="2429703687" sldId="265"/>
+            <ac:cxnSpMk id="39" creationId="{CC785DB7-0510-48F8-8CB4-304825B9C109}"/>
+          </ac:cxnSpMkLst>
+        </pc:cxnChg>
+        <pc:cxnChg chg="add del">
+          <ac:chgData name="Shengmin Leong" userId="075411cc4697ef0d" providerId="LiveId" clId="{131F47FE-217A-48AA-BA1D-F68C4827F5CE}" dt="2018-09-22T03:55:15.807" v="155"/>
+          <ac:cxnSpMkLst>
+            <pc:docMk/>
+            <pc:sldMk cId="2429703687" sldId="265"/>
+            <ac:cxnSpMk id="61" creationId="{23CEEF25-1B93-45D5-B197-99C55E394BAD}"/>
+          </ac:cxnSpMkLst>
+        </pc:cxnChg>
+      </pc:sldChg>
+    </pc:docChg>
+  </pc:docChgLst>
+</pc:chgInfo>
+</file>
+
+<file path=ppt/ink/ink1.xml><?xml version="1.0" encoding="utf-8"?>
+<inkml:ink xmlns:inkml="http://www.w3.org/2003/InkML">
+  <inkml:definitions>
+    <inkml:context xml:id="ctx0">
+      <inkml:inkSource xml:id="inkSrc0">
+        <inkml:traceFormat>
+          <inkml:channel name="X" type="integer" max="1920" units="cm"/>
+          <inkml:channel name="Y" type="integer" max="1080" units="cm"/>
+          <inkml:channel name="T" type="integer" max="2.14748E9" units="dev"/>
+        </inkml:traceFormat>
+        <inkml:channelProperties>
+          <inkml:channelProperty channel="X" name="resolution" value="65.52901" units="1/cm"/>
+          <inkml:channelProperty channel="Y" name="resolution" value="65.45454" units="1/cm"/>
+          <inkml:channelProperty channel="T" name="resolution" value="1" units="1/dev"/>
+        </inkml:channelProperties>
+      </inkml:inkSource>
+      <inkml:timestamp xml:id="ts0" timeString="2018-09-21T14:23:49.736"/>
+    </inkml:context>
+    <inkml:brush xml:id="br0">
+      <inkml:brushProperty name="width" value="0.035" units="cm"/>
+      <inkml:brushProperty name="height" value="0.035" units="cm"/>
+      <inkml:brushProperty name="color" value="#FF8000"/>
+      <inkml:brushProperty name="fitToCurve" value="1"/>
+    </inkml:brush>
+  </inkml:definitions>
+  <inkml:trace contextRef="#ctx0" brushRef="#br0">0 167 0,'28'28'250,"-1"-28"-234,-27 27-16,27-27 15,-27 27-15,28 0 16,-1-27 15,-27 28 32,27-28 531,1-28-516,-1 1-63,0 27 1,1-27 62,-28 0-47,27-1 1,0 1 124,-27 0-109,27 27 0,-27-28-16,0 1 31,28 0 16,-28-1-15,27 28 140</inkml:trace>
+</inkml:ink>
+</file>
+
+<file path=ppt/ink/ink2.xml><?xml version="1.0" encoding="utf-8"?>
+<inkml:ink xmlns:inkml="http://www.w3.org/2003/InkML">
+  <inkml:definitions>
+    <inkml:context xml:id="ctx0">
+      <inkml:inkSource xml:id="inkSrc0">
+        <inkml:traceFormat>
+          <inkml:channel name="X" type="integer" max="1920" units="cm"/>
+          <inkml:channel name="Y" type="integer" max="1080" units="cm"/>
+          <inkml:channel name="T" type="integer" max="2.14748E9" units="dev"/>
+        </inkml:traceFormat>
+        <inkml:channelProperties>
+          <inkml:channelProperty channel="X" name="resolution" value="65.52901" units="1/cm"/>
+          <inkml:channelProperty channel="Y" name="resolution" value="65.45454" units="1/cm"/>
+          <inkml:channelProperty channel="T" name="resolution" value="1" units="1/dev"/>
+        </inkml:channelProperties>
+      </inkml:inkSource>
+      <inkml:timestamp xml:id="ts0" timeString="2018-09-22T03:53:07.212"/>
+    </inkml:context>
+    <inkml:brush xml:id="br0">
+      <inkml:brushProperty name="width" value="0.035" units="cm"/>
+      <inkml:brushProperty name="height" value="0.035" units="cm"/>
+      <inkml:brushProperty name="color" value="#FF8000"/>
+      <inkml:brushProperty name="fitToCurve" value="1"/>
+    </inkml:brush>
+  </inkml:definitions>
+  <inkml:trace contextRef="#ctx0" brushRef="#br0">0 0 0</inkml:trace>
+</inkml:ink>
+</file>
+
+<file path=ppt/ink/ink3.xml><?xml version="1.0" encoding="utf-8"?>
+<inkml:ink xmlns:inkml="http://www.w3.org/2003/InkML">
+  <inkml:definitions>
+    <inkml:context xml:id="ctx0">
+      <inkml:inkSource xml:id="inkSrc0">
+        <inkml:traceFormat>
+          <inkml:channel name="X" type="integer" max="1920" units="cm"/>
+          <inkml:channel name="Y" type="integer" max="1080" units="cm"/>
+          <inkml:channel name="T" type="integer" max="2.14748E9" units="dev"/>
+        </inkml:traceFormat>
+        <inkml:channelProperties>
+          <inkml:channelProperty channel="X" name="resolution" value="65.52901" units="1/cm"/>
+          <inkml:channelProperty channel="Y" name="resolution" value="65.45454" units="1/cm"/>
+          <inkml:channelProperty channel="T" name="resolution" value="1" units="1/dev"/>
+        </inkml:channelProperties>
+      </inkml:inkSource>
+      <inkml:timestamp xml:id="ts0" timeString="2018-09-22T03:53:54.793"/>
+    </inkml:context>
+    <inkml:brush xml:id="br0">
+      <inkml:brushProperty name="width" value="0.035" units="cm"/>
+      <inkml:brushProperty name="height" value="0.035" units="cm"/>
+      <inkml:brushProperty name="color" value="#FF8000"/>
+      <inkml:brushProperty name="fitToCurve" value="1"/>
+    </inkml:brush>
+  </inkml:definitions>
+  <inkml:trace contextRef="#ctx0" brushRef="#br0">0 54 0,'28'0'235,"-1"0"-220,-27 28-15,27-1 16,-27 0 62,28-27-47,-1 0 0,0 0-15,-27 27 0,0 1 140,28-28-109,-28 27 78,27 0 0,-27 1-47,27-28-62,-27 27 62,0 0-47,0 1-15,0-1 30,0 0 1</inkml:trace>
+  <inkml:trace contextRef="#ctx0" brushRef="#br0" timeOffset="2123">246 409 0,'0'-27'234,"0"0"-218,0-1 0,0 1 15,28 27-31,-1 0 78,0 0-31,0 0-47,1 0 16,-1 0-1,-27-27 1,0-1 187,27 1-172,-27 0 47,28 27-78,-1-28 47,-27 1 16,27 27-48,-27-27 1,0 0 0,28 27-1,-28-28 16,0 1 1,0 0-17</inkml:trace>
+</inkml:ink>
 </file>
 
 <file path=ppt/notesMasters/notesMaster1.xml><?xml version="1.0" encoding="utf-8"?>
@@ -192,7 +692,7 @@
           <a:p>
             <a:fld id="{F5CC4B3F-88C1-4FFA-B1B6-F41C21DC6924}" type="datetimeFigureOut">
               <a:rPr lang="en-US" smtClean="0"/>
-              <a:t>10/16/2016</a:t>
+              <a:t>9/22/2018</a:t>
             </a:fld>
             <a:endParaRPr lang="en-US"/>
           </a:p>
@@ -256,38 +756,37 @@
           <a:p>
             <a:pPr lvl="0"/>
             <a:r>
-              <a:rPr lang="en-US" smtClean="0"/>
+              <a:rPr lang="en-US"/>
               <a:t>Click to edit Master text styles</a:t>
             </a:r>
           </a:p>
           <a:p>
             <a:pPr lvl="1"/>
             <a:r>
-              <a:rPr lang="en-US" smtClean="0"/>
+              <a:rPr lang="en-US"/>
               <a:t>Second level</a:t>
             </a:r>
           </a:p>
           <a:p>
             <a:pPr lvl="2"/>
             <a:r>
-              <a:rPr lang="en-US" smtClean="0"/>
+              <a:rPr lang="en-US"/>
               <a:t>Third level</a:t>
             </a:r>
           </a:p>
           <a:p>
             <a:pPr lvl="3"/>
             <a:r>
-              <a:rPr lang="en-US" smtClean="0"/>
+              <a:rPr lang="en-US"/>
               <a:t>Fourth level</a:t>
             </a:r>
           </a:p>
           <a:p>
             <a:pPr lvl="4"/>
             <a:r>
-              <a:rPr lang="en-US" smtClean="0"/>
+              <a:rPr lang="en-US"/>
               <a:t>Fifth level</a:t>
             </a:r>
-            <a:endParaRPr lang="en-US"/>
           </a:p>
         </p:txBody>
       </p:sp>
@@ -498,10 +997,9 @@
           <a:lstStyle/>
           <a:p>
             <a:r>
-              <a:rPr lang="en-US" smtClean="0"/>
+              <a:rPr lang="en-US"/>
               <a:t>Click to edit Master title style</a:t>
             </a:r>
-            <a:endParaRPr lang="en-US"/>
           </a:p>
         </p:txBody>
       </p:sp>
@@ -617,10 +1115,9 @@
           </a:lstStyle>
           <a:p>
             <a:r>
-              <a:rPr lang="en-US" smtClean="0"/>
+              <a:rPr lang="en-US"/>
               <a:t>Click to edit Master subtitle style</a:t>
             </a:r>
-            <a:endParaRPr lang="en-US"/>
           </a:p>
         </p:txBody>
       </p:sp>
@@ -641,7 +1138,7 @@
           <a:p>
             <a:fld id="{78C97017-6FC3-485B-9764-EAC9E56C1D49}" type="datetimeFigureOut">
               <a:rPr lang="en-US" smtClean="0"/>
-              <a:t>10/16/2016</a:t>
+              <a:t>9/22/2018</a:t>
             </a:fld>
             <a:endParaRPr lang="en-US"/>
           </a:p>
@@ -735,10 +1232,9 @@
           <a:lstStyle/>
           <a:p>
             <a:r>
-              <a:rPr lang="en-US" smtClean="0"/>
+              <a:rPr lang="en-US"/>
               <a:t>Click to edit Master title style</a:t>
             </a:r>
-            <a:endParaRPr lang="en-US"/>
           </a:p>
         </p:txBody>
       </p:sp>
@@ -759,38 +1255,37 @@
           <a:p>
             <a:pPr lvl="0"/>
             <a:r>
-              <a:rPr lang="en-US" smtClean="0"/>
+              <a:rPr lang="en-US"/>
               <a:t>Click to edit Master text styles</a:t>
             </a:r>
           </a:p>
           <a:p>
             <a:pPr lvl="1"/>
             <a:r>
-              <a:rPr lang="en-US" smtClean="0"/>
+              <a:rPr lang="en-US"/>
               <a:t>Second level</a:t>
             </a:r>
           </a:p>
           <a:p>
             <a:pPr lvl="2"/>
             <a:r>
-              <a:rPr lang="en-US" smtClean="0"/>
+              <a:rPr lang="en-US"/>
               <a:t>Third level</a:t>
             </a:r>
           </a:p>
           <a:p>
             <a:pPr lvl="3"/>
             <a:r>
-              <a:rPr lang="en-US" smtClean="0"/>
+              <a:rPr lang="en-US"/>
               <a:t>Fourth level</a:t>
             </a:r>
           </a:p>
           <a:p>
             <a:pPr lvl="4"/>
             <a:r>
-              <a:rPr lang="en-US" smtClean="0"/>
+              <a:rPr lang="en-US"/>
               <a:t>Fifth level</a:t>
             </a:r>
-            <a:endParaRPr lang="en-US"/>
           </a:p>
         </p:txBody>
       </p:sp>
@@ -811,7 +1306,7 @@
           <a:p>
             <a:fld id="{78C97017-6FC3-485B-9764-EAC9E56C1D49}" type="datetimeFigureOut">
               <a:rPr lang="en-US" smtClean="0"/>
-              <a:t>10/16/2016</a:t>
+              <a:t>9/22/2018</a:t>
             </a:fld>
             <a:endParaRPr lang="en-US"/>
           </a:p>
@@ -910,10 +1405,9 @@
           <a:lstStyle/>
           <a:p>
             <a:r>
-              <a:rPr lang="en-US" smtClean="0"/>
+              <a:rPr lang="en-US"/>
               <a:t>Click to edit Master title style</a:t>
             </a:r>
-            <a:endParaRPr lang="en-US"/>
           </a:p>
         </p:txBody>
       </p:sp>
@@ -939,38 +1433,37 @@
           <a:p>
             <a:pPr lvl="0"/>
             <a:r>
-              <a:rPr lang="en-US" smtClean="0"/>
+              <a:rPr lang="en-US"/>
               <a:t>Click to edit Master text styles</a:t>
             </a:r>
           </a:p>
           <a:p>
             <a:pPr lvl="1"/>
             <a:r>
-              <a:rPr lang="en-US" smtClean="0"/>
+              <a:rPr lang="en-US"/>
               <a:t>Second level</a:t>
             </a:r>
           </a:p>
           <a:p>
             <a:pPr lvl="2"/>
             <a:r>
-              <a:rPr lang="en-US" smtClean="0"/>
+              <a:rPr lang="en-US"/>
               <a:t>Third level</a:t>
             </a:r>
           </a:p>
           <a:p>
             <a:pPr lvl="3"/>
             <a:r>
-              <a:rPr lang="en-US" smtClean="0"/>
+              <a:rPr lang="en-US"/>
               <a:t>Fourth level</a:t>
             </a:r>
           </a:p>
           <a:p>
             <a:pPr lvl="4"/>
             <a:r>
-              <a:rPr lang="en-US" smtClean="0"/>
+              <a:rPr lang="en-US"/>
               <a:t>Fifth level</a:t>
             </a:r>
-            <a:endParaRPr lang="en-US"/>
           </a:p>
         </p:txBody>
       </p:sp>
@@ -991,7 +1484,7 @@
           <a:p>
             <a:fld id="{78C97017-6FC3-485B-9764-EAC9E56C1D49}" type="datetimeFigureOut">
               <a:rPr lang="en-US" smtClean="0"/>
-              <a:t>10/16/2016</a:t>
+              <a:t>9/22/2018</a:t>
             </a:fld>
             <a:endParaRPr lang="en-US"/>
           </a:p>
@@ -1085,10 +1578,9 @@
           <a:lstStyle/>
           <a:p>
             <a:r>
-              <a:rPr lang="en-US" smtClean="0"/>
+              <a:rPr lang="en-US"/>
               <a:t>Click to edit Master title style</a:t>
             </a:r>
-            <a:endParaRPr lang="en-US"/>
           </a:p>
         </p:txBody>
       </p:sp>
@@ -1109,38 +1601,37 @@
           <a:p>
             <a:pPr lvl="0"/>
             <a:r>
-              <a:rPr lang="en-US" smtClean="0"/>
+              <a:rPr lang="en-US"/>
               <a:t>Click to edit Master text styles</a:t>
             </a:r>
           </a:p>
           <a:p>
             <a:pPr lvl="1"/>
             <a:r>
-              <a:rPr lang="en-US" smtClean="0"/>
+              <a:rPr lang="en-US"/>
               <a:t>Second level</a:t>
             </a:r>
           </a:p>
           <a:p>
             <a:pPr lvl="2"/>
             <a:r>
-              <a:rPr lang="en-US" smtClean="0"/>
+              <a:rPr lang="en-US"/>
               <a:t>Third level</a:t>
             </a:r>
           </a:p>
           <a:p>
             <a:pPr lvl="3"/>
             <a:r>
-              <a:rPr lang="en-US" smtClean="0"/>
+              <a:rPr lang="en-US"/>
               <a:t>Fourth level</a:t>
             </a:r>
           </a:p>
           <a:p>
             <a:pPr lvl="4"/>
             <a:r>
-              <a:rPr lang="en-US" smtClean="0"/>
+              <a:rPr lang="en-US"/>
               <a:t>Fifth level</a:t>
             </a:r>
-            <a:endParaRPr lang="en-US"/>
           </a:p>
         </p:txBody>
       </p:sp>
@@ -1161,7 +1652,7 @@
           <a:p>
             <a:fld id="{78C97017-6FC3-485B-9764-EAC9E56C1D49}" type="datetimeFigureOut">
               <a:rPr lang="en-US" smtClean="0"/>
-              <a:t>10/16/2016</a:t>
+              <a:t>9/22/2018</a:t>
             </a:fld>
             <a:endParaRPr lang="en-US"/>
           </a:p>
@@ -1264,10 +1755,9 @@
           </a:lstStyle>
           <a:p>
             <a:r>
-              <a:rPr lang="en-US" smtClean="0"/>
+              <a:rPr lang="en-US"/>
               <a:t>Click to edit Master title style</a:t>
             </a:r>
-            <a:endParaRPr lang="en-US"/>
           </a:p>
         </p:txBody>
       </p:sp>
@@ -1384,7 +1874,7 @@
           <a:p>
             <a:pPr lvl="0"/>
             <a:r>
-              <a:rPr lang="en-US" smtClean="0"/>
+              <a:rPr lang="en-US"/>
               <a:t>Click to edit Master text styles</a:t>
             </a:r>
           </a:p>
@@ -1407,7 +1897,7 @@
           <a:p>
             <a:fld id="{78C97017-6FC3-485B-9764-EAC9E56C1D49}" type="datetimeFigureOut">
               <a:rPr lang="en-US" smtClean="0"/>
-              <a:t>10/16/2016</a:t>
+              <a:t>9/22/2018</a:t>
             </a:fld>
             <a:endParaRPr lang="en-US"/>
           </a:p>
@@ -1501,10 +1991,9 @@
           <a:lstStyle/>
           <a:p>
             <a:r>
-              <a:rPr lang="en-US" smtClean="0"/>
+              <a:rPr lang="en-US"/>
               <a:t>Click to edit Master title style</a:t>
             </a:r>
-            <a:endParaRPr lang="en-US"/>
           </a:p>
         </p:txBody>
       </p:sp>
@@ -1558,38 +2047,37 @@
           <a:p>
             <a:pPr lvl="0"/>
             <a:r>
-              <a:rPr lang="en-US" smtClean="0"/>
+              <a:rPr lang="en-US"/>
               <a:t>Click to edit Master text styles</a:t>
             </a:r>
           </a:p>
           <a:p>
             <a:pPr lvl="1"/>
             <a:r>
-              <a:rPr lang="en-US" smtClean="0"/>
+              <a:rPr lang="en-US"/>
               <a:t>Second level</a:t>
             </a:r>
           </a:p>
           <a:p>
             <a:pPr lvl="2"/>
             <a:r>
-              <a:rPr lang="en-US" smtClean="0"/>
+              <a:rPr lang="en-US"/>
               <a:t>Third level</a:t>
             </a:r>
           </a:p>
           <a:p>
             <a:pPr lvl="3"/>
             <a:r>
-              <a:rPr lang="en-US" smtClean="0"/>
+              <a:rPr lang="en-US"/>
               <a:t>Fourth level</a:t>
             </a:r>
           </a:p>
           <a:p>
             <a:pPr lvl="4"/>
             <a:r>
-              <a:rPr lang="en-US" smtClean="0"/>
+              <a:rPr lang="en-US"/>
               <a:t>Fifth level</a:t>
             </a:r>
-            <a:endParaRPr lang="en-US"/>
           </a:p>
         </p:txBody>
       </p:sp>
@@ -1643,38 +2131,37 @@
           <a:p>
             <a:pPr lvl="0"/>
             <a:r>
-              <a:rPr lang="en-US" smtClean="0"/>
+              <a:rPr lang="en-US"/>
               <a:t>Click to edit Master text styles</a:t>
             </a:r>
           </a:p>
           <a:p>
             <a:pPr lvl="1"/>
             <a:r>
-              <a:rPr lang="en-US" smtClean="0"/>
+              <a:rPr lang="en-US"/>
               <a:t>Second level</a:t>
             </a:r>
           </a:p>
           <a:p>
             <a:pPr lvl="2"/>
             <a:r>
-              <a:rPr lang="en-US" smtClean="0"/>
+              <a:rPr lang="en-US"/>
               <a:t>Third level</a:t>
             </a:r>
           </a:p>
           <a:p>
             <a:pPr lvl="3"/>
             <a:r>
-              <a:rPr lang="en-US" smtClean="0"/>
+              <a:rPr lang="en-US"/>
               <a:t>Fourth level</a:t>
             </a:r>
           </a:p>
           <a:p>
             <a:pPr lvl="4"/>
             <a:r>
-              <a:rPr lang="en-US" smtClean="0"/>
+              <a:rPr lang="en-US"/>
               <a:t>Fifth level</a:t>
             </a:r>
-            <a:endParaRPr lang="en-US"/>
           </a:p>
         </p:txBody>
       </p:sp>
@@ -1695,7 +2182,7 @@
           <a:p>
             <a:fld id="{78C97017-6FC3-485B-9764-EAC9E56C1D49}" type="datetimeFigureOut">
               <a:rPr lang="en-US" smtClean="0"/>
-              <a:t>10/16/2016</a:t>
+              <a:t>9/22/2018</a:t>
             </a:fld>
             <a:endParaRPr lang="en-US"/>
           </a:p>
@@ -1793,10 +2280,9 @@
           </a:lstStyle>
           <a:p>
             <a:r>
-              <a:rPr lang="en-US" smtClean="0"/>
+              <a:rPr lang="en-US"/>
               <a:t>Click to edit Master title style</a:t>
             </a:r>
-            <a:endParaRPr lang="en-US"/>
           </a:p>
         </p:txBody>
       </p:sp>
@@ -1859,7 +2345,7 @@
           <a:p>
             <a:pPr lvl="0"/>
             <a:r>
-              <a:rPr lang="en-US" smtClean="0"/>
+              <a:rPr lang="en-US"/>
               <a:t>Click to edit Master text styles</a:t>
             </a:r>
           </a:p>
@@ -1915,38 +2401,37 @@
           <a:p>
             <a:pPr lvl="0"/>
             <a:r>
-              <a:rPr lang="en-US" smtClean="0"/>
+              <a:rPr lang="en-US"/>
               <a:t>Click to edit Master text styles</a:t>
             </a:r>
           </a:p>
           <a:p>
             <a:pPr lvl="1"/>
             <a:r>
-              <a:rPr lang="en-US" smtClean="0"/>
+              <a:rPr lang="en-US"/>
               <a:t>Second level</a:t>
             </a:r>
           </a:p>
           <a:p>
             <a:pPr lvl="2"/>
             <a:r>
-              <a:rPr lang="en-US" smtClean="0"/>
+              <a:rPr lang="en-US"/>
               <a:t>Third level</a:t>
             </a:r>
           </a:p>
           <a:p>
             <a:pPr lvl="3"/>
             <a:r>
-              <a:rPr lang="en-US" smtClean="0"/>
+              <a:rPr lang="en-US"/>
               <a:t>Fourth level</a:t>
             </a:r>
           </a:p>
           <a:p>
             <a:pPr lvl="4"/>
             <a:r>
-              <a:rPr lang="en-US" smtClean="0"/>
+              <a:rPr lang="en-US"/>
               <a:t>Fifth level</a:t>
             </a:r>
-            <a:endParaRPr lang="en-US"/>
           </a:p>
         </p:txBody>
       </p:sp>
@@ -2009,7 +2494,7 @@
           <a:p>
             <a:pPr lvl="0"/>
             <a:r>
-              <a:rPr lang="en-US" smtClean="0"/>
+              <a:rPr lang="en-US"/>
               <a:t>Click to edit Master text styles</a:t>
             </a:r>
           </a:p>
@@ -2065,38 +2550,37 @@
           <a:p>
             <a:pPr lvl="0"/>
             <a:r>
-              <a:rPr lang="en-US" smtClean="0"/>
+              <a:rPr lang="en-US"/>
               <a:t>Click to edit Master text styles</a:t>
             </a:r>
           </a:p>
           <a:p>
             <a:pPr lvl="1"/>
             <a:r>
-              <a:rPr lang="en-US" smtClean="0"/>
+              <a:rPr lang="en-US"/>
               <a:t>Second level</a:t>
             </a:r>
           </a:p>
           <a:p>
             <a:pPr lvl="2"/>
             <a:r>
-              <a:rPr lang="en-US" smtClean="0"/>
+              <a:rPr lang="en-US"/>
               <a:t>Third level</a:t>
             </a:r>
           </a:p>
           <a:p>
             <a:pPr lvl="3"/>
             <a:r>
-              <a:rPr lang="en-US" smtClean="0"/>
+              <a:rPr lang="en-US"/>
               <a:t>Fourth level</a:t>
             </a:r>
           </a:p>
           <a:p>
             <a:pPr lvl="4"/>
             <a:r>
-              <a:rPr lang="en-US" smtClean="0"/>
+              <a:rPr lang="en-US"/>
               <a:t>Fifth level</a:t>
             </a:r>
-            <a:endParaRPr lang="en-US"/>
           </a:p>
         </p:txBody>
       </p:sp>
@@ -2117,7 +2601,7 @@
           <a:p>
             <a:fld id="{78C97017-6FC3-485B-9764-EAC9E56C1D49}" type="datetimeFigureOut">
               <a:rPr lang="en-US" smtClean="0"/>
-              <a:t>10/16/2016</a:t>
+              <a:t>9/22/2018</a:t>
             </a:fld>
             <a:endParaRPr lang="en-US"/>
           </a:p>
@@ -2211,10 +2695,9 @@
           <a:lstStyle/>
           <a:p>
             <a:r>
-              <a:rPr lang="en-US" smtClean="0"/>
+              <a:rPr lang="en-US"/>
               <a:t>Click to edit Master title style</a:t>
             </a:r>
-            <a:endParaRPr lang="en-US"/>
           </a:p>
         </p:txBody>
       </p:sp>
@@ -2235,7 +2718,7 @@
           <a:p>
             <a:fld id="{78C97017-6FC3-485B-9764-EAC9E56C1D49}" type="datetimeFigureOut">
               <a:rPr lang="en-US" smtClean="0"/>
-              <a:t>10/16/2016</a:t>
+              <a:t>9/22/2018</a:t>
             </a:fld>
             <a:endParaRPr lang="en-US"/>
           </a:p>
@@ -2330,7 +2813,7 @@
           <a:p>
             <a:fld id="{78C97017-6FC3-485B-9764-EAC9E56C1D49}" type="datetimeFigureOut">
               <a:rPr lang="en-US" smtClean="0"/>
-              <a:t>10/16/2016</a:t>
+              <a:t>9/22/2018</a:t>
             </a:fld>
             <a:endParaRPr lang="en-US"/>
           </a:p>
@@ -2433,10 +2916,9 @@
           </a:lstStyle>
           <a:p>
             <a:r>
-              <a:rPr lang="en-US" smtClean="0"/>
+              <a:rPr lang="en-US"/>
               <a:t>Click to edit Master title style</a:t>
             </a:r>
-            <a:endParaRPr lang="en-US"/>
           </a:p>
         </p:txBody>
       </p:sp>
@@ -2490,38 +2972,37 @@
           <a:p>
             <a:pPr lvl="0"/>
             <a:r>
-              <a:rPr lang="en-US" smtClean="0"/>
+              <a:rPr lang="en-US"/>
               <a:t>Click to edit Master text styles</a:t>
             </a:r>
           </a:p>
           <a:p>
             <a:pPr lvl="1"/>
             <a:r>
-              <a:rPr lang="en-US" smtClean="0"/>
+              <a:rPr lang="en-US"/>
               <a:t>Second level</a:t>
             </a:r>
           </a:p>
           <a:p>
             <a:pPr lvl="2"/>
             <a:r>
-              <a:rPr lang="en-US" smtClean="0"/>
+              <a:rPr lang="en-US"/>
               <a:t>Third level</a:t>
             </a:r>
           </a:p>
           <a:p>
             <a:pPr lvl="3"/>
             <a:r>
-              <a:rPr lang="en-US" smtClean="0"/>
+              <a:rPr lang="en-US"/>
               <a:t>Fourth level</a:t>
             </a:r>
           </a:p>
           <a:p>
             <a:pPr lvl="4"/>
             <a:r>
-              <a:rPr lang="en-US" smtClean="0"/>
+              <a:rPr lang="en-US"/>
               <a:t>Fifth level</a:t>
             </a:r>
-            <a:endParaRPr lang="en-US"/>
           </a:p>
         </p:txBody>
       </p:sp>
@@ -2584,7 +3065,7 @@
           <a:p>
             <a:pPr lvl="0"/>
             <a:r>
-              <a:rPr lang="en-US" smtClean="0"/>
+              <a:rPr lang="en-US"/>
               <a:t>Click to edit Master text styles</a:t>
             </a:r>
           </a:p>
@@ -2607,7 +3088,7 @@
           <a:p>
             <a:fld id="{78C97017-6FC3-485B-9764-EAC9E56C1D49}" type="datetimeFigureOut">
               <a:rPr lang="en-US" smtClean="0"/>
-              <a:t>10/16/2016</a:t>
+              <a:t>9/22/2018</a:t>
             </a:fld>
             <a:endParaRPr lang="en-US"/>
           </a:p>
@@ -2710,10 +3191,9 @@
           </a:lstStyle>
           <a:p>
             <a:r>
-              <a:rPr lang="en-US" smtClean="0"/>
+              <a:rPr lang="en-US"/>
               <a:t>Click to edit Master title style</a:t>
             </a:r>
-            <a:endParaRPr lang="en-US"/>
           </a:p>
         </p:txBody>
       </p:sp>
@@ -2837,7 +3317,7 @@
           <a:p>
             <a:pPr lvl="0"/>
             <a:r>
-              <a:rPr lang="en-US" smtClean="0"/>
+              <a:rPr lang="en-US"/>
               <a:t>Click to edit Master text styles</a:t>
             </a:r>
           </a:p>
@@ -2860,7 +3340,7 @@
           <a:p>
             <a:fld id="{78C97017-6FC3-485B-9764-EAC9E56C1D49}" type="datetimeFigureOut">
               <a:rPr lang="en-US" smtClean="0"/>
-              <a:t>10/16/2016</a:t>
+              <a:t>9/22/2018</a:t>
             </a:fld>
             <a:endParaRPr lang="en-US"/>
           </a:p>
@@ -2969,10 +3449,9 @@
           <a:lstStyle/>
           <a:p>
             <a:r>
-              <a:rPr lang="en-US" smtClean="0"/>
+              <a:rPr lang="en-US"/>
               <a:t>Click to edit Master title style</a:t>
             </a:r>
-            <a:endParaRPr lang="en-US"/>
           </a:p>
         </p:txBody>
       </p:sp>
@@ -3003,38 +3482,37 @@
           <a:p>
             <a:pPr lvl="0"/>
             <a:r>
-              <a:rPr lang="en-US" smtClean="0"/>
+              <a:rPr lang="en-US"/>
               <a:t>Click to edit Master text styles</a:t>
             </a:r>
           </a:p>
           <a:p>
             <a:pPr lvl="1"/>
             <a:r>
-              <a:rPr lang="en-US" smtClean="0"/>
+              <a:rPr lang="en-US"/>
               <a:t>Second level</a:t>
             </a:r>
           </a:p>
           <a:p>
             <a:pPr lvl="2"/>
             <a:r>
-              <a:rPr lang="en-US" smtClean="0"/>
+              <a:rPr lang="en-US"/>
               <a:t>Third level</a:t>
             </a:r>
           </a:p>
           <a:p>
             <a:pPr lvl="3"/>
             <a:r>
-              <a:rPr lang="en-US" smtClean="0"/>
+              <a:rPr lang="en-US"/>
               <a:t>Fourth level</a:t>
             </a:r>
           </a:p>
           <a:p>
             <a:pPr lvl="4"/>
             <a:r>
-              <a:rPr lang="en-US" smtClean="0"/>
+              <a:rPr lang="en-US"/>
               <a:t>Fifth level</a:t>
             </a:r>
-            <a:endParaRPr lang="en-US"/>
           </a:p>
         </p:txBody>
       </p:sp>
@@ -3073,7 +3551,7 @@
           <a:p>
             <a:fld id="{78C97017-6FC3-485B-9764-EAC9E56C1D49}" type="datetimeFigureOut">
               <a:rPr lang="en-US" smtClean="0"/>
-              <a:t>10/16/2016</a:t>
+              <a:t>9/22/2018</a:t>
             </a:fld>
             <a:endParaRPr lang="en-US"/>
           </a:p>
@@ -3450,14 +3928,20 @@
       </p:grpSpPr>
       <p:sp>
         <p:nvSpPr>
-          <p:cNvPr id="118" name="Rectangle 65"/>
+          <p:cNvPr id="2" name="Rectangle 65">
+            <a:extLst>
+              <a:ext uri="{FF2B5EF4-FFF2-40B4-BE49-F238E27FC236}">
+                <a16:creationId xmlns:a16="http://schemas.microsoft.com/office/drawing/2014/main" id="{591191E2-7231-4502-BB6F-3B8F3002F39D}"/>
+              </a:ext>
+            </a:extLst>
+          </p:cNvPr>
           <p:cNvSpPr/>
           <p:nvPr/>
         </p:nvSpPr>
         <p:spPr>
           <a:xfrm>
-            <a:off x="1119865" y="2086382"/>
-            <a:ext cx="7871735" cy="1723618"/>
+            <a:off x="638287" y="2054106"/>
+            <a:ext cx="7867426" cy="2590800"/>
           </a:xfrm>
           <a:prstGeom prst="roundRect">
             <a:avLst>
@@ -3494,7 +3978,7 @@
           <a:lstStyle/>
           <a:p>
             <a:r>
-              <a:rPr lang="en-US" sz="1200" b="1" dirty="0" smtClean="0">
+              <a:rPr lang="en-US" sz="1200" b="1" dirty="0">
                 <a:solidFill>
                   <a:schemeClr val="accent6">
                     <a:lumMod val="75000"/>
@@ -3515,13 +3999,19 @@
       </p:sp>
       <p:sp>
         <p:nvSpPr>
-          <p:cNvPr id="2" name="Rectangle 8"/>
+          <p:cNvPr id="3" name="Rectangle 8">
+            <a:extLst>
+              <a:ext uri="{FF2B5EF4-FFF2-40B4-BE49-F238E27FC236}">
+                <a16:creationId xmlns:a16="http://schemas.microsoft.com/office/drawing/2014/main" id="{D382D195-BB7C-4E26-AEBF-DC12F1EA683C}"/>
+              </a:ext>
+            </a:extLst>
+          </p:cNvPr>
           <p:cNvSpPr/>
           <p:nvPr/>
         </p:nvSpPr>
         <p:spPr>
           <a:xfrm>
-            <a:off x="2877180" y="3158440"/>
+            <a:off x="2290715" y="3129458"/>
             <a:ext cx="1323049" cy="346760"/>
           </a:xfrm>
           <a:prstGeom prst="rect">
@@ -3561,7 +4051,7 @@
           <a:p>
             <a:pPr algn="ctr"/>
             <a:r>
-              <a:rPr lang="en-US" sz="1050" dirty="0" smtClean="0">
+              <a:rPr lang="en-US" sz="1050" dirty="0">
                 <a:solidFill>
                   <a:schemeClr val="bg1"/>
                 </a:solidFill>
@@ -3569,19 +4059,19 @@
               <a:t>&lt;&lt;interface&gt;&gt;</a:t>
             </a:r>
             <a:br>
-              <a:rPr lang="en-US" sz="1050" dirty="0" smtClean="0">
+              <a:rPr lang="en-US" sz="1050" dirty="0">
                 <a:solidFill>
                   <a:schemeClr val="bg1"/>
                 </a:solidFill>
               </a:rPr>
             </a:br>
             <a:r>
-              <a:rPr lang="en-US" sz="1050" dirty="0" err="1" smtClean="0">
+              <a:rPr lang="en-US" sz="1050" dirty="0" err="1">
                 <a:solidFill>
                   <a:schemeClr val="bg1"/>
                 </a:solidFill>
               </a:rPr>
-              <a:t>AddressBookStorage</a:t>
+              <a:t>SaveBookStorage</a:t>
             </a:r>
             <a:endParaRPr lang="en-SG" sz="1050" dirty="0">
               <a:solidFill>
@@ -3593,13 +4083,19 @@
       </p:sp>
       <p:sp>
         <p:nvSpPr>
-          <p:cNvPr id="9" name="Rectangle 62"/>
+          <p:cNvPr id="4" name="Rectangle 62">
+            <a:extLst>
+              <a:ext uri="{FF2B5EF4-FFF2-40B4-BE49-F238E27FC236}">
+                <a16:creationId xmlns:a16="http://schemas.microsoft.com/office/drawing/2014/main" id="{1002776D-C406-4D65-9070-D156256D3642}"/>
+              </a:ext>
+            </a:extLst>
+          </p:cNvPr>
           <p:cNvSpPr/>
           <p:nvPr/>
         </p:nvSpPr>
         <p:spPr>
           <a:xfrm rot="16200000">
-            <a:off x="1683963" y="2868687"/>
+            <a:off x="1097498" y="2839705"/>
             <a:ext cx="1093635" cy="346760"/>
           </a:xfrm>
           <a:prstGeom prst="rect">
@@ -3639,7 +4135,7 @@
           <a:p>
             <a:pPr algn="ctr"/>
             <a:r>
-              <a:rPr lang="en-US" sz="1050" dirty="0" err="1" smtClean="0">
+              <a:rPr lang="en-US" sz="1050" dirty="0" err="1">
                 <a:solidFill>
                   <a:schemeClr val="bg1"/>
                 </a:solidFill>
@@ -3656,13 +4152,19 @@
       </p:sp>
       <p:sp>
         <p:nvSpPr>
-          <p:cNvPr id="119" name="Rectangle 62"/>
+          <p:cNvPr id="5" name="Rectangle 62">
+            <a:extLst>
+              <a:ext uri="{FF2B5EF4-FFF2-40B4-BE49-F238E27FC236}">
+                <a16:creationId xmlns:a16="http://schemas.microsoft.com/office/drawing/2014/main" id="{27A2C74A-6D4B-427C-80D5-9B1822F8B74A}"/>
+              </a:ext>
+            </a:extLst>
+          </p:cNvPr>
           <p:cNvSpPr/>
           <p:nvPr/>
         </p:nvSpPr>
         <p:spPr>
           <a:xfrm rot="16200000">
-            <a:off x="956202" y="2861202"/>
+            <a:off x="369737" y="2832220"/>
             <a:ext cx="1093635" cy="346760"/>
           </a:xfrm>
           <a:prstGeom prst="rect">
@@ -3713,7 +4215,7 @@
           <a:p>
             <a:pPr algn="ctr"/>
             <a:r>
-              <a:rPr lang="en-US" sz="1050" dirty="0" smtClean="0">
+              <a:rPr lang="en-US" sz="1050" dirty="0">
                 <a:solidFill>
                   <a:schemeClr val="bg1"/>
                 </a:solidFill>
@@ -3730,13 +4232,19 @@
       </p:sp>
       <p:sp>
         <p:nvSpPr>
-          <p:cNvPr id="120" name="Isosceles Triangle 102"/>
+          <p:cNvPr id="6" name="Isosceles Triangle 102">
+            <a:extLst>
+              <a:ext uri="{FF2B5EF4-FFF2-40B4-BE49-F238E27FC236}">
+                <a16:creationId xmlns:a16="http://schemas.microsoft.com/office/drawing/2014/main" id="{691EB206-98BA-4B35-8149-10757ED79453}"/>
+              </a:ext>
+            </a:extLst>
+          </p:cNvPr>
           <p:cNvSpPr/>
           <p:nvPr/>
         </p:nvSpPr>
         <p:spPr>
           <a:xfrm rot="16200000">
-            <a:off x="1626910" y="2952291"/>
+            <a:off x="1040445" y="2923309"/>
             <a:ext cx="270504" cy="175523"/>
           </a:xfrm>
           <a:prstGeom prst="triangle">
@@ -3785,16 +4293,22 @@
       </p:sp>
       <p:cxnSp>
         <p:nvCxnSpPr>
-          <p:cNvPr id="58" name="Straight Arrow Connector 57"/>
+          <p:cNvPr id="7" name="Straight Arrow Connector 6">
+            <a:extLst>
+              <a:ext uri="{FF2B5EF4-FFF2-40B4-BE49-F238E27FC236}">
+                <a16:creationId xmlns:a16="http://schemas.microsoft.com/office/drawing/2014/main" id="{127A6C11-EAEB-44B8-BC73-081C72FBCA70}"/>
+              </a:ext>
+            </a:extLst>
+          </p:cNvPr>
           <p:cNvCxnSpPr>
-            <a:stCxn id="42" idx="3"/>
-            <a:endCxn id="2" idx="1"/>
+            <a:stCxn id="9" idx="3"/>
+            <a:endCxn id="3" idx="1"/>
           </p:cNvCxnSpPr>
           <p:nvPr/>
         </p:nvCxnSpPr>
         <p:spPr>
           <a:xfrm>
-            <a:off x="2656370" y="3326536"/>
+            <a:off x="2069905" y="3297554"/>
             <a:ext cx="220810" cy="5284"/>
           </a:xfrm>
           <a:prstGeom prst="straightConnector1">
@@ -3828,58 +4342,21 @@
       </p:cxnSp>
       <p:cxnSp>
         <p:nvCxnSpPr>
-          <p:cNvPr id="75" name="Elbow Connector 122"/>
-          <p:cNvCxnSpPr/>
-          <p:nvPr/>
-        </p:nvCxnSpPr>
-        <p:spPr>
-          <a:xfrm>
-            <a:off x="910091" y="3040053"/>
-            <a:ext cx="419548" cy="2860"/>
-          </a:xfrm>
-          <a:prstGeom prst="bentConnector3">
-            <a:avLst>
-              <a:gd name="adj1" fmla="val 50000"/>
-            </a:avLst>
-          </a:prstGeom>
-          <a:ln w="19050">
-            <a:solidFill>
-              <a:schemeClr val="bg1">
-                <a:lumMod val="75000"/>
-              </a:schemeClr>
-            </a:solidFill>
-            <a:prstDash val="sysDot"/>
-            <a:headEnd type="none" w="med" len="med"/>
-            <a:tailEnd type="arrow" w="med" len="med"/>
-          </a:ln>
-          <a:effectLst/>
-        </p:spPr>
-        <p:style>
-          <a:lnRef idx="1">
-            <a:schemeClr val="accent2"/>
-          </a:lnRef>
-          <a:fillRef idx="2">
-            <a:schemeClr val="accent2"/>
-          </a:fillRef>
-          <a:effectRef idx="1">
-            <a:schemeClr val="accent2"/>
-          </a:effectRef>
-          <a:fontRef idx="minor">
-            <a:schemeClr val="dk1"/>
-          </a:fontRef>
-        </p:style>
-      </p:cxnSp>
-      <p:cxnSp>
-        <p:nvCxnSpPr>
-          <p:cNvPr id="21" name="Straight Connector 20"/>
+          <p:cNvPr id="8" name="Straight Connector 7">
+            <a:extLst>
+              <a:ext uri="{FF2B5EF4-FFF2-40B4-BE49-F238E27FC236}">
+                <a16:creationId xmlns:a16="http://schemas.microsoft.com/office/drawing/2014/main" id="{9182AAD7-45EA-4C1B-965D-A1A076C1049E}"/>
+              </a:ext>
+            </a:extLst>
+          </p:cNvPr>
           <p:cNvCxnSpPr>
-            <a:stCxn id="120" idx="3"/>
+            <a:stCxn id="6" idx="3"/>
           </p:cNvCxnSpPr>
           <p:nvPr/>
         </p:nvCxnSpPr>
         <p:spPr>
           <a:xfrm flipV="1">
-            <a:off x="1849924" y="3040052"/>
+            <a:off x="1263459" y="3011070"/>
             <a:ext cx="216105" cy="1"/>
           </a:xfrm>
           <a:prstGeom prst="line">
@@ -3914,13 +4391,19 @@
       </p:cxnSp>
       <p:sp>
         <p:nvSpPr>
-          <p:cNvPr id="42" name="Flowchart: Decision 96"/>
+          <p:cNvPr id="9" name="Flowchart: Decision 96">
+            <a:extLst>
+              <a:ext uri="{FF2B5EF4-FFF2-40B4-BE49-F238E27FC236}">
+                <a16:creationId xmlns:a16="http://schemas.microsoft.com/office/drawing/2014/main" id="{1D7F843D-52A2-47AB-81EA-596331869288}"/>
+              </a:ext>
+            </a:extLst>
+          </p:cNvPr>
           <p:cNvSpPr/>
           <p:nvPr/>
         </p:nvSpPr>
         <p:spPr>
           <a:xfrm>
-            <a:off x="2420322" y="3239846"/>
+            <a:off x="1833857" y="3210864"/>
             <a:ext cx="236048" cy="173380"/>
           </a:xfrm>
           <a:prstGeom prst="flowChartDecision">
@@ -3965,16 +4448,22 @@
       </p:sp>
       <p:cxnSp>
         <p:nvCxnSpPr>
-          <p:cNvPr id="97" name="Elbow Connector 63"/>
+          <p:cNvPr id="10" name="Elbow Connector 63">
+            <a:extLst>
+              <a:ext uri="{FF2B5EF4-FFF2-40B4-BE49-F238E27FC236}">
+                <a16:creationId xmlns:a16="http://schemas.microsoft.com/office/drawing/2014/main" id="{6E806771-1CF0-4B6D-9E2B-58AA7BB6487E}"/>
+              </a:ext>
+            </a:extLst>
+          </p:cNvPr>
           <p:cNvCxnSpPr>
-            <a:stCxn id="99" idx="3"/>
-            <a:endCxn id="50" idx="1"/>
+            <a:stCxn id="11" idx="3"/>
+            <a:endCxn id="13" idx="1"/>
           </p:cNvCxnSpPr>
           <p:nvPr/>
         </p:nvCxnSpPr>
         <p:spPr>
           <a:xfrm flipV="1">
-            <a:off x="4398041" y="3331820"/>
+            <a:off x="3811576" y="3302838"/>
             <a:ext cx="223324" cy="1"/>
           </a:xfrm>
           <a:prstGeom prst="bentConnector3">
@@ -4011,13 +4500,19 @@
       </p:cxnSp>
       <p:sp>
         <p:nvSpPr>
-          <p:cNvPr id="99" name="Isosceles Triangle 102"/>
+          <p:cNvPr id="11" name="Isosceles Triangle 102">
+            <a:extLst>
+              <a:ext uri="{FF2B5EF4-FFF2-40B4-BE49-F238E27FC236}">
+                <a16:creationId xmlns:a16="http://schemas.microsoft.com/office/drawing/2014/main" id="{8AA2DB66-8B8E-46F8-965E-6B65ACB6423B}"/>
+              </a:ext>
+            </a:extLst>
+          </p:cNvPr>
           <p:cNvSpPr/>
           <p:nvPr/>
         </p:nvSpPr>
         <p:spPr>
           <a:xfrm rot="5400000" flipV="1">
-            <a:off x="4175027" y="3244059"/>
+            <a:off x="3588562" y="3215077"/>
             <a:ext cx="270504" cy="175523"/>
           </a:xfrm>
           <a:prstGeom prst="triangle">
@@ -4066,16 +4561,22 @@
       </p:sp>
       <p:cxnSp>
         <p:nvCxnSpPr>
-          <p:cNvPr id="124" name="Elbow Connector 122"/>
+          <p:cNvPr id="12" name="Elbow Connector 122">
+            <a:extLst>
+              <a:ext uri="{FF2B5EF4-FFF2-40B4-BE49-F238E27FC236}">
+                <a16:creationId xmlns:a16="http://schemas.microsoft.com/office/drawing/2014/main" id="{465AD41D-86B8-4286-A5BA-0EDB2E9AE664}"/>
+              </a:ext>
+            </a:extLst>
+          </p:cNvPr>
           <p:cNvCxnSpPr>
-            <a:stCxn id="50" idx="3"/>
-            <a:endCxn id="66" idx="1"/>
+            <a:stCxn id="13" idx="3"/>
+            <a:endCxn id="20" idx="1"/>
           </p:cNvCxnSpPr>
           <p:nvPr/>
         </p:nvCxnSpPr>
         <p:spPr>
           <a:xfrm>
-            <a:off x="5791200" y="3331820"/>
+            <a:off x="5204735" y="3302838"/>
             <a:ext cx="228600" cy="1970"/>
           </a:xfrm>
           <a:prstGeom prst="bentConnector3">
@@ -4112,13 +4613,19 @@
       </p:cxnSp>
       <p:sp>
         <p:nvSpPr>
-          <p:cNvPr id="50" name="Rectangle 8"/>
+          <p:cNvPr id="13" name="Rectangle 8">
+            <a:extLst>
+              <a:ext uri="{FF2B5EF4-FFF2-40B4-BE49-F238E27FC236}">
+                <a16:creationId xmlns:a16="http://schemas.microsoft.com/office/drawing/2014/main" id="{62CF4FBA-1A50-4849-8467-D8F6258FF4DC}"/>
+              </a:ext>
+            </a:extLst>
+          </p:cNvPr>
           <p:cNvSpPr/>
           <p:nvPr/>
         </p:nvSpPr>
         <p:spPr>
           <a:xfrm>
-            <a:off x="4621365" y="3158440"/>
+            <a:off x="4034900" y="3129458"/>
             <a:ext cx="1169835" cy="346760"/>
           </a:xfrm>
           <a:prstGeom prst="rect">
@@ -4147,27 +4654,17 @@
           <a:p>
             <a:pPr algn="ctr"/>
             <a:r>
-              <a:rPr lang="en-US" sz="1050" b="1" dirty="0" err="1" smtClean="0">
+              <a:rPr lang="en-US" sz="1050" b="1" dirty="0" err="1">
                 <a:solidFill>
                   <a:schemeClr val="accent6">
                     <a:lumMod val="75000"/>
                   </a:schemeClr>
                 </a:solidFill>
               </a:rPr>
-              <a:t>XmlAddressBook</a:t>
-            </a:r>
-            <a:r>
-              <a:rPr lang="en-US" sz="1050" b="1" dirty="0" smtClean="0">
-                <a:solidFill>
-                  <a:schemeClr val="accent6">
-                    <a:lumMod val="75000"/>
-                  </a:schemeClr>
-                </a:solidFill>
-              </a:rPr>
-              <a:t/>
+              <a:t>XmlSaveBook</a:t>
             </a:r>
             <a:br>
-              <a:rPr lang="en-US" sz="1050" b="1" dirty="0" smtClean="0">
+              <a:rPr lang="en-US" sz="1050" b="1" dirty="0">
                 <a:solidFill>
                   <a:schemeClr val="accent6">
                     <a:lumMod val="75000"/>
@@ -4176,7 +4673,7 @@
               </a:rPr>
             </a:br>
             <a:r>
-              <a:rPr lang="en-US" sz="1050" b="1" dirty="0" smtClean="0">
+              <a:rPr lang="en-US" sz="1050" b="1" dirty="0">
                 <a:solidFill>
                   <a:schemeClr val="accent6">
                     <a:lumMod val="75000"/>
@@ -4197,13 +4694,19 @@
       </p:sp>
       <p:sp>
         <p:nvSpPr>
-          <p:cNvPr id="52" name="Rectangle 8"/>
+          <p:cNvPr id="14" name="Rectangle 8">
+            <a:extLst>
+              <a:ext uri="{FF2B5EF4-FFF2-40B4-BE49-F238E27FC236}">
+                <a16:creationId xmlns:a16="http://schemas.microsoft.com/office/drawing/2014/main" id="{3A5E82C0-D044-4375-A6CE-D32927174C6D}"/>
+              </a:ext>
+            </a:extLst>
+          </p:cNvPr>
           <p:cNvSpPr/>
           <p:nvPr/>
         </p:nvSpPr>
         <p:spPr>
           <a:xfrm>
-            <a:off x="2873943" y="2558040"/>
+            <a:off x="2287478" y="2529058"/>
             <a:ext cx="1323049" cy="346760"/>
           </a:xfrm>
           <a:prstGeom prst="rect">
@@ -4243,7 +4746,7 @@
           <a:p>
             <a:pPr algn="ctr"/>
             <a:r>
-              <a:rPr lang="en-US" sz="1050" dirty="0" smtClean="0">
+              <a:rPr lang="en-US" sz="1050" dirty="0">
                 <a:solidFill>
                   <a:schemeClr val="bg1"/>
                 </a:solidFill>
@@ -4251,14 +4754,14 @@
               <a:t>&lt;&lt;interface&gt;&gt;</a:t>
             </a:r>
             <a:br>
-              <a:rPr lang="en-US" sz="1050" dirty="0" smtClean="0">
+              <a:rPr lang="en-US" sz="1050" dirty="0">
                 <a:solidFill>
                   <a:schemeClr val="bg1"/>
                 </a:solidFill>
               </a:rPr>
             </a:br>
             <a:r>
-              <a:rPr lang="en-US" sz="1050" dirty="0" err="1" smtClean="0">
+              <a:rPr lang="en-US" sz="1050" dirty="0" err="1">
                 <a:solidFill>
                   <a:schemeClr val="bg1"/>
                 </a:solidFill>
@@ -4275,16 +4778,22 @@
       </p:sp>
       <p:cxnSp>
         <p:nvCxnSpPr>
-          <p:cNvPr id="54" name="Straight Arrow Connector 53"/>
+          <p:cNvPr id="15" name="Straight Arrow Connector 14">
+            <a:extLst>
+              <a:ext uri="{FF2B5EF4-FFF2-40B4-BE49-F238E27FC236}">
+                <a16:creationId xmlns:a16="http://schemas.microsoft.com/office/drawing/2014/main" id="{E76E5B9D-1FD7-4E76-A0B0-64949A99DAB2}"/>
+              </a:ext>
+            </a:extLst>
+          </p:cNvPr>
           <p:cNvCxnSpPr>
-            <a:stCxn id="56" idx="3"/>
-            <a:endCxn id="52" idx="1"/>
+            <a:stCxn id="16" idx="3"/>
+            <a:endCxn id="14" idx="1"/>
           </p:cNvCxnSpPr>
           <p:nvPr/>
         </p:nvCxnSpPr>
         <p:spPr>
           <a:xfrm>
-            <a:off x="2653133" y="2726136"/>
+            <a:off x="2066668" y="2697154"/>
             <a:ext cx="220810" cy="5284"/>
           </a:xfrm>
           <a:prstGeom prst="straightConnector1">
@@ -4318,13 +4827,19 @@
       </p:cxnSp>
       <p:sp>
         <p:nvSpPr>
-          <p:cNvPr id="56" name="Flowchart: Decision 96"/>
+          <p:cNvPr id="16" name="Flowchart: Decision 96">
+            <a:extLst>
+              <a:ext uri="{FF2B5EF4-FFF2-40B4-BE49-F238E27FC236}">
+                <a16:creationId xmlns:a16="http://schemas.microsoft.com/office/drawing/2014/main" id="{7E0D9B8F-702E-43B2-A7A8-6B65842C1058}"/>
+              </a:ext>
+            </a:extLst>
+          </p:cNvPr>
           <p:cNvSpPr/>
           <p:nvPr/>
         </p:nvSpPr>
         <p:spPr>
           <a:xfrm>
-            <a:off x="2417085" y="2639446"/>
+            <a:off x="1830620" y="2610464"/>
             <a:ext cx="236048" cy="173380"/>
           </a:xfrm>
           <a:prstGeom prst="flowChartDecision">
@@ -4369,16 +4884,22 @@
       </p:sp>
       <p:cxnSp>
         <p:nvCxnSpPr>
-          <p:cNvPr id="60" name="Elbow Connector 63"/>
+          <p:cNvPr id="17" name="Elbow Connector 63">
+            <a:extLst>
+              <a:ext uri="{FF2B5EF4-FFF2-40B4-BE49-F238E27FC236}">
+                <a16:creationId xmlns:a16="http://schemas.microsoft.com/office/drawing/2014/main" id="{01336A1B-B925-4718-8E60-0C1E59BB1A4E}"/>
+              </a:ext>
+            </a:extLst>
+          </p:cNvPr>
           <p:cNvCxnSpPr>
-            <a:stCxn id="61" idx="3"/>
-            <a:endCxn id="65" idx="1"/>
+            <a:stCxn id="18" idx="3"/>
+            <a:endCxn id="19" idx="1"/>
           </p:cNvCxnSpPr>
           <p:nvPr/>
         </p:nvCxnSpPr>
         <p:spPr>
           <a:xfrm flipV="1">
-            <a:off x="4394804" y="2731420"/>
+            <a:off x="3808339" y="2702438"/>
             <a:ext cx="223324" cy="1"/>
           </a:xfrm>
           <a:prstGeom prst="bentConnector3">
@@ -4415,13 +4936,19 @@
       </p:cxnSp>
       <p:sp>
         <p:nvSpPr>
-          <p:cNvPr id="61" name="Isosceles Triangle 102"/>
+          <p:cNvPr id="18" name="Isosceles Triangle 102">
+            <a:extLst>
+              <a:ext uri="{FF2B5EF4-FFF2-40B4-BE49-F238E27FC236}">
+                <a16:creationId xmlns:a16="http://schemas.microsoft.com/office/drawing/2014/main" id="{C80EF177-C646-44F2-92D2-0DA9EEB3EF30}"/>
+              </a:ext>
+            </a:extLst>
+          </p:cNvPr>
           <p:cNvSpPr/>
           <p:nvPr/>
         </p:nvSpPr>
         <p:spPr>
           <a:xfrm rot="5400000" flipV="1">
-            <a:off x="4171790" y="2643659"/>
+            <a:off x="3585325" y="2614677"/>
             <a:ext cx="270504" cy="175523"/>
           </a:xfrm>
           <a:prstGeom prst="triangle">
@@ -4470,13 +4997,19 @@
       </p:sp>
       <p:sp>
         <p:nvSpPr>
-          <p:cNvPr id="65" name="Rectangle 8"/>
+          <p:cNvPr id="19" name="Rectangle 8">
+            <a:extLst>
+              <a:ext uri="{FF2B5EF4-FFF2-40B4-BE49-F238E27FC236}">
+                <a16:creationId xmlns:a16="http://schemas.microsoft.com/office/drawing/2014/main" id="{46EC2A9D-3519-40AD-9011-770D3D60ECB5}"/>
+              </a:ext>
+            </a:extLst>
+          </p:cNvPr>
           <p:cNvSpPr/>
           <p:nvPr/>
         </p:nvSpPr>
         <p:spPr>
           <a:xfrm>
-            <a:off x="4618128" y="2558040"/>
+            <a:off x="4031663" y="2529058"/>
             <a:ext cx="1093635" cy="346760"/>
           </a:xfrm>
           <a:prstGeom prst="rect">
@@ -4516,30 +5049,22 @@
           <a:p>
             <a:pPr algn="ctr"/>
             <a:r>
-              <a:rPr lang="en-US" sz="1050" dirty="0" err="1" smtClean="0">
+              <a:rPr lang="en-US" sz="1050" dirty="0" err="1">
                 <a:solidFill>
                   <a:schemeClr val="bg1"/>
                 </a:solidFill>
               </a:rPr>
               <a:t>JsonUserPrefs</a:t>
             </a:r>
-            <a:r>
-              <a:rPr lang="en-US" sz="1050" dirty="0" smtClean="0">
-                <a:solidFill>
-                  <a:schemeClr val="bg1"/>
-                </a:solidFill>
-              </a:rPr>
-              <a:t/>
-            </a:r>
             <a:br>
-              <a:rPr lang="en-US" sz="1050" dirty="0" smtClean="0">
+              <a:rPr lang="en-US" sz="1050" dirty="0">
                 <a:solidFill>
                   <a:schemeClr val="bg1"/>
                 </a:solidFill>
               </a:rPr>
             </a:br>
             <a:r>
-              <a:rPr lang="en-US" sz="1050" dirty="0" smtClean="0">
+              <a:rPr lang="en-US" sz="1050" dirty="0">
                 <a:solidFill>
                   <a:schemeClr val="bg1"/>
                 </a:solidFill>
@@ -4556,13 +5081,19 @@
       </p:sp>
       <p:sp>
         <p:nvSpPr>
-          <p:cNvPr id="66" name="Rectangle 8"/>
+          <p:cNvPr id="20" name="Rectangle 8">
+            <a:extLst>
+              <a:ext uri="{FF2B5EF4-FFF2-40B4-BE49-F238E27FC236}">
+                <a16:creationId xmlns:a16="http://schemas.microsoft.com/office/drawing/2014/main" id="{2BF9B653-5D8E-4DB1-B111-A30B899A1097}"/>
+              </a:ext>
+            </a:extLst>
+          </p:cNvPr>
           <p:cNvSpPr/>
           <p:nvPr/>
         </p:nvSpPr>
         <p:spPr>
           <a:xfrm>
-            <a:off x="6019800" y="3160410"/>
+            <a:off x="5433335" y="3131428"/>
             <a:ext cx="1200707" cy="346760"/>
           </a:xfrm>
           <a:prstGeom prst="rect">
@@ -4591,7 +5122,7 @@
           <a:p>
             <a:pPr algn="ctr"/>
             <a:r>
-              <a:rPr lang="en-US" sz="1050" b="1" dirty="0" err="1" smtClean="0">
+              <a:rPr lang="en-US" sz="1050" b="1" dirty="0" err="1">
                 <a:solidFill>
                   <a:schemeClr val="accent6">
                     <a:lumMod val="75000"/>
@@ -4600,18 +5131,8 @@
               </a:rPr>
               <a:t>XmlSerializable</a:t>
             </a:r>
-            <a:r>
-              <a:rPr lang="en-US" sz="1050" b="1" dirty="0" smtClean="0">
-                <a:solidFill>
-                  <a:schemeClr val="accent6">
-                    <a:lumMod val="75000"/>
-                  </a:schemeClr>
-                </a:solidFill>
-              </a:rPr>
-              <a:t/>
-            </a:r>
             <a:br>
-              <a:rPr lang="en-US" sz="1050" b="1" dirty="0" smtClean="0">
+              <a:rPr lang="en-US" sz="1050" b="1" dirty="0">
                 <a:solidFill>
                   <a:schemeClr val="accent6">
                     <a:lumMod val="75000"/>
@@ -4620,14 +5141,14 @@
               </a:rPr>
             </a:br>
             <a:r>
-              <a:rPr lang="en-US" sz="1050" b="1" dirty="0" err="1" smtClean="0">
+              <a:rPr lang="en-US" sz="1050" b="1" dirty="0" err="1">
                 <a:solidFill>
                   <a:schemeClr val="accent6">
                     <a:lumMod val="75000"/>
                   </a:schemeClr>
                 </a:solidFill>
               </a:rPr>
-              <a:t>AddressBook</a:t>
+              <a:t>SaveBook</a:t>
             </a:r>
             <a:endParaRPr lang="en-SG" sz="1050" b="1" dirty="0">
               <a:solidFill>
@@ -4641,16 +5162,510 @@
       </p:sp>
       <p:cxnSp>
         <p:nvCxnSpPr>
-          <p:cNvPr id="70" name="Elbow Connector 122"/>
+          <p:cNvPr id="21" name="Elbow Connector 122">
+            <a:extLst>
+              <a:ext uri="{FF2B5EF4-FFF2-40B4-BE49-F238E27FC236}">
+                <a16:creationId xmlns:a16="http://schemas.microsoft.com/office/drawing/2014/main" id="{82B96457-F6EB-429E-A66E-1FFC0BF47319}"/>
+              </a:ext>
+            </a:extLst>
+          </p:cNvPr>
           <p:cNvCxnSpPr>
-            <a:stCxn id="74" idx="0"/>
-            <a:endCxn id="73" idx="2"/>
+            <a:cxnSpLocks/>
+          </p:cNvCxnSpPr>
+          <p:nvPr/>
+        </p:nvCxnSpPr>
+        <p:spPr>
+          <a:xfrm rot="16200000" flipV="1">
+            <a:off x="6403673" y="2791139"/>
+            <a:ext cx="688499" cy="517635"/>
+          </a:xfrm>
+          <a:prstGeom prst="bentConnector3">
+            <a:avLst>
+              <a:gd name="adj1" fmla="val 50000"/>
+            </a:avLst>
+          </a:prstGeom>
+          <a:ln w="19050">
+            <a:prstDash val="sysDot"/>
+            <a:headEnd type="none" w="med" len="med"/>
+            <a:tailEnd type="arrow" w="med" len="med"/>
+          </a:ln>
+          <a:effectLst/>
+        </p:spPr>
+        <p:style>
+          <a:lnRef idx="1">
+            <a:schemeClr val="accent6"/>
+          </a:lnRef>
+          <a:fillRef idx="2">
+            <a:schemeClr val="accent6"/>
+          </a:fillRef>
+          <a:effectRef idx="1">
+            <a:schemeClr val="accent6"/>
+          </a:effectRef>
+          <a:fontRef idx="minor">
+            <a:schemeClr val="dk1"/>
+          </a:fontRef>
+        </p:style>
+      </p:cxnSp>
+      <p:sp>
+        <p:nvSpPr>
+          <p:cNvPr id="22" name="Rectangle 8">
+            <a:extLst>
+              <a:ext uri="{FF2B5EF4-FFF2-40B4-BE49-F238E27FC236}">
+                <a16:creationId xmlns:a16="http://schemas.microsoft.com/office/drawing/2014/main" id="{62C1A090-A787-4E0C-9AEB-2A20CC32546E}"/>
+              </a:ext>
+            </a:extLst>
+          </p:cNvPr>
+          <p:cNvSpPr/>
+          <p:nvPr/>
+        </p:nvSpPr>
+        <p:spPr>
+          <a:xfrm>
+            <a:off x="7201446" y="2617603"/>
+            <a:ext cx="1259718" cy="346760"/>
+          </a:xfrm>
+          <a:prstGeom prst="rect">
+            <a:avLst/>
+          </a:prstGeom>
+          <a:ln w="19050"/>
+          <a:effectLst/>
+        </p:spPr>
+        <p:style>
+          <a:lnRef idx="1">
+            <a:schemeClr val="accent6"/>
+          </a:lnRef>
+          <a:fillRef idx="2">
+            <a:schemeClr val="accent6"/>
+          </a:fillRef>
+          <a:effectRef idx="1">
+            <a:schemeClr val="accent6"/>
+          </a:effectRef>
+          <a:fontRef idx="minor">
+            <a:schemeClr val="dk1"/>
+          </a:fontRef>
+        </p:style>
+        <p:txBody>
+          <a:bodyPr rtlCol="0" anchor="ctr"/>
+          <a:lstStyle/>
+          <a:p>
+            <a:pPr algn="ctr"/>
+            <a:r>
+              <a:rPr lang="en-US" sz="1050" b="1" dirty="0" err="1">
+                <a:solidFill>
+                  <a:schemeClr val="accent6">
+                    <a:lumMod val="75000"/>
+                  </a:schemeClr>
+                </a:solidFill>
+              </a:rPr>
+              <a:t>XmlAdaptedTag</a:t>
+            </a:r>
+            <a:endParaRPr lang="en-SG" sz="1050" b="1" dirty="0">
+              <a:solidFill>
+                <a:schemeClr val="accent6">
+                  <a:lumMod val="75000"/>
+                </a:schemeClr>
+              </a:solidFill>
+            </a:endParaRPr>
+          </a:p>
+        </p:txBody>
+      </p:sp>
+      <p:sp>
+        <p:nvSpPr>
+          <p:cNvPr id="23" name="Rectangle 8">
+            <a:extLst>
+              <a:ext uri="{FF2B5EF4-FFF2-40B4-BE49-F238E27FC236}">
+                <a16:creationId xmlns:a16="http://schemas.microsoft.com/office/drawing/2014/main" id="{C0B60E26-3562-4E03-90C9-6887F932421D}"/>
+              </a:ext>
+            </a:extLst>
+          </p:cNvPr>
+          <p:cNvSpPr/>
+          <p:nvPr/>
+        </p:nvSpPr>
+        <p:spPr>
+          <a:xfrm>
+            <a:off x="7006738" y="3220825"/>
+            <a:ext cx="1259718" cy="346760"/>
+          </a:xfrm>
+          <a:prstGeom prst="rect">
+            <a:avLst/>
+          </a:prstGeom>
+          <a:ln w="19050"/>
+          <a:effectLst/>
+        </p:spPr>
+        <p:style>
+          <a:lnRef idx="1">
+            <a:schemeClr val="accent6"/>
+          </a:lnRef>
+          <a:fillRef idx="2">
+            <a:schemeClr val="accent6"/>
+          </a:fillRef>
+          <a:effectRef idx="1">
+            <a:schemeClr val="accent6"/>
+          </a:effectRef>
+          <a:fontRef idx="minor">
+            <a:schemeClr val="dk1"/>
+          </a:fontRef>
+        </p:style>
+        <p:txBody>
+          <a:bodyPr rtlCol="0" anchor="ctr"/>
+          <a:lstStyle/>
+          <a:p>
+            <a:pPr algn="ctr"/>
+            <a:r>
+              <a:rPr lang="en-US" sz="1050" b="1" dirty="0" err="1">
+                <a:solidFill>
+                  <a:schemeClr val="accent6">
+                    <a:lumMod val="75000"/>
+                  </a:schemeClr>
+                </a:solidFill>
+              </a:rPr>
+              <a:t>XmlAdaptedWish</a:t>
+            </a:r>
+            <a:endParaRPr lang="en-SG" sz="1050" b="1" dirty="0">
+              <a:solidFill>
+                <a:schemeClr val="accent6">
+                  <a:lumMod val="75000"/>
+                </a:schemeClr>
+              </a:solidFill>
+            </a:endParaRPr>
+          </a:p>
+        </p:txBody>
+      </p:sp>
+      <p:cxnSp>
+        <p:nvCxnSpPr>
+          <p:cNvPr id="24" name="Elbow Connector 122">
+            <a:extLst>
+              <a:ext uri="{FF2B5EF4-FFF2-40B4-BE49-F238E27FC236}">
+                <a16:creationId xmlns:a16="http://schemas.microsoft.com/office/drawing/2014/main" id="{19F52AF7-A3FC-4088-A08B-9E056AF52332}"/>
+              </a:ext>
+            </a:extLst>
+          </p:cNvPr>
+          <p:cNvCxnSpPr>
+            <a:stCxn id="20" idx="3"/>
+            <a:endCxn id="23" idx="1"/>
+          </p:cNvCxnSpPr>
+          <p:nvPr/>
+        </p:nvCxnSpPr>
+        <p:spPr>
+          <a:xfrm>
+            <a:off x="6634042" y="3304808"/>
+            <a:ext cx="372696" cy="89397"/>
+          </a:xfrm>
+          <a:prstGeom prst="bentConnector3">
+            <a:avLst>
+              <a:gd name="adj1" fmla="val 50000"/>
+            </a:avLst>
+          </a:prstGeom>
+          <a:ln w="19050">
+            <a:prstDash val="sysDot"/>
+            <a:headEnd type="none" w="med" len="med"/>
+            <a:tailEnd type="arrow" w="med" len="med"/>
+          </a:ln>
+          <a:effectLst/>
+        </p:spPr>
+        <p:style>
+          <a:lnRef idx="1">
+            <a:schemeClr val="accent6"/>
+          </a:lnRef>
+          <a:fillRef idx="2">
+            <a:schemeClr val="accent6"/>
+          </a:fillRef>
+          <a:effectRef idx="1">
+            <a:schemeClr val="accent6"/>
+          </a:effectRef>
+          <a:fontRef idx="minor">
+            <a:schemeClr val="dk1"/>
+          </a:fontRef>
+        </p:style>
+      </p:cxnSp>
+      <p:sp>
+        <p:nvSpPr>
+          <p:cNvPr id="27" name="Rectangle 8">
+            <a:extLst>
+              <a:ext uri="{FF2B5EF4-FFF2-40B4-BE49-F238E27FC236}">
+                <a16:creationId xmlns:a16="http://schemas.microsoft.com/office/drawing/2014/main" id="{F9264B93-5D5A-432B-A0A1-3988EAE2F085}"/>
+              </a:ext>
+            </a:extLst>
+          </p:cNvPr>
+          <p:cNvSpPr/>
+          <p:nvPr/>
+        </p:nvSpPr>
+        <p:spPr>
+          <a:xfrm>
+            <a:off x="6485017" y="3796045"/>
+            <a:ext cx="1870406" cy="283620"/>
+          </a:xfrm>
+          <a:prstGeom prst="rect">
+            <a:avLst/>
+          </a:prstGeom>
+          <a:ln w="19050"/>
+          <a:effectLst/>
+        </p:spPr>
+        <p:style>
+          <a:lnRef idx="1">
+            <a:schemeClr val="accent6"/>
+          </a:lnRef>
+          <a:fillRef idx="2">
+            <a:schemeClr val="accent6"/>
+          </a:fillRef>
+          <a:effectRef idx="1">
+            <a:schemeClr val="accent6"/>
+          </a:effectRef>
+          <a:fontRef idx="minor">
+            <a:schemeClr val="dk1"/>
+          </a:fontRef>
+        </p:style>
+        <p:txBody>
+          <a:bodyPr rtlCol="0" anchor="ctr"/>
+          <a:lstStyle/>
+          <a:p>
+            <a:pPr algn="ctr"/>
+            <a:r>
+              <a:rPr lang="en-US" sz="1050" b="1" dirty="0" err="1">
+                <a:solidFill>
+                  <a:schemeClr val="accent6">
+                    <a:lumMod val="75000"/>
+                  </a:schemeClr>
+                </a:solidFill>
+              </a:rPr>
+              <a:t>XmlAdaptedSavedAmount</a:t>
+            </a:r>
+            <a:endParaRPr lang="en-SG" sz="1050" b="1" dirty="0">
+              <a:solidFill>
+                <a:schemeClr val="accent6">
+                  <a:lumMod val="75000"/>
+                </a:schemeClr>
+              </a:solidFill>
+            </a:endParaRPr>
+          </a:p>
+        </p:txBody>
+      </p:sp>
+      <p:cxnSp>
+        <p:nvCxnSpPr>
+          <p:cNvPr id="39" name="Straight Arrow Connector 38">
+            <a:extLst>
+              <a:ext uri="{FF2B5EF4-FFF2-40B4-BE49-F238E27FC236}">
+                <a16:creationId xmlns:a16="http://schemas.microsoft.com/office/drawing/2014/main" id="{CC785DB7-0510-48F8-8CB4-304825B9C109}"/>
+              </a:ext>
+            </a:extLst>
+          </p:cNvPr>
+          <p:cNvCxnSpPr>
+            <a:cxnSpLocks/>
+            <a:stCxn id="23" idx="2"/>
+          </p:cNvCxnSpPr>
+          <p:nvPr/>
+        </p:nvCxnSpPr>
+        <p:spPr>
+          <a:xfrm flipH="1">
+            <a:off x="7625017" y="3567585"/>
+            <a:ext cx="11580" cy="153754"/>
+          </a:xfrm>
+          <a:prstGeom prst="straightConnector1">
+            <a:avLst/>
+          </a:prstGeom>
+          <a:ln w="9525" cap="flat" cmpd="sng" algn="ctr">
+            <a:solidFill>
+              <a:schemeClr val="accent6"/>
+            </a:solidFill>
+            <a:prstDash val="dash"/>
+            <a:round/>
+            <a:headEnd type="none" w="med" len="med"/>
+            <a:tailEnd type="none" w="med" len="med"/>
+          </a:ln>
+        </p:spPr>
+        <p:style>
+          <a:lnRef idx="0">
+            <a:scrgbClr r="0" g="0" b="0"/>
+          </a:lnRef>
+          <a:fillRef idx="0">
+            <a:scrgbClr r="0" g="0" b="0"/>
+          </a:fillRef>
+          <a:effectRef idx="0">
+            <a:scrgbClr r="0" g="0" b="0"/>
+          </a:effectRef>
+          <a:fontRef idx="minor">
+            <a:schemeClr val="tx1"/>
+          </a:fontRef>
+        </p:style>
+      </p:cxnSp>
+      <mc:AlternateContent xmlns:mc="http://schemas.openxmlformats.org/markup-compatibility/2006" xmlns:p14="http://schemas.microsoft.com/office/powerpoint/2010/main">
+        <mc:Choice Requires="p14">
+          <p:contentPart p14:bwMode="auto" r:id="rId2">
+            <p14:nvContentPartPr>
+              <p14:cNvPr id="40" name="Ink 39">
+                <a:extLst>
+                  <a:ext uri="{FF2B5EF4-FFF2-40B4-BE49-F238E27FC236}">
+                    <a16:creationId xmlns:a16="http://schemas.microsoft.com/office/drawing/2014/main" id="{13C13F15-D893-4D17-9AC9-EE007E49E477}"/>
+                  </a:ext>
+                </a:extLst>
+              </p14:cNvPr>
+              <p14:cNvContentPartPr/>
+              <p14:nvPr/>
+            </p14:nvContentPartPr>
+            <p14:xfrm>
+              <a:off x="7551035" y="3685885"/>
+              <a:ext cx="147960" cy="110160"/>
+            </p14:xfrm>
+          </p:contentPart>
+        </mc:Choice>
+        <mc:Fallback xmlns="">
+          <p:pic>
+            <p:nvPicPr>
+              <p:cNvPr id="40" name="Ink 39">
+                <a:extLst>
+                  <a:ext uri="{FF2B5EF4-FFF2-40B4-BE49-F238E27FC236}">
+                    <a16:creationId xmlns:a16="http://schemas.microsoft.com/office/drawing/2014/main" id="{13C13F15-D893-4D17-9AC9-EE007E49E477}"/>
+                  </a:ext>
+                </a:extLst>
+              </p:cNvPr>
+              <p:cNvPicPr/>
+              <p:nvPr/>
+            </p:nvPicPr>
+            <p:blipFill>
+              <a:blip r:embed="rId3"/>
+              <a:stretch>
+                <a:fillRect/>
+              </a:stretch>
+            </p:blipFill>
+            <p:spPr>
+              <a:xfrm>
+                <a:off x="7544915" y="3679765"/>
+                <a:ext cx="160200" cy="122400"/>
+              </a:xfrm>
+              <a:prstGeom prst="rect">
+                <a:avLst/>
+              </a:prstGeom>
+            </p:spPr>
+          </p:pic>
+        </mc:Fallback>
+      </mc:AlternateContent>
+      <p:sp>
+        <p:nvSpPr>
+          <p:cNvPr id="28" name="Rectangle 8">
+            <a:extLst>
+              <a:ext uri="{FF2B5EF4-FFF2-40B4-BE49-F238E27FC236}">
+                <a16:creationId xmlns:a16="http://schemas.microsoft.com/office/drawing/2014/main" id="{9561671D-E151-445D-8F63-FE06A401298B}"/>
+              </a:ext>
+            </a:extLst>
+          </p:cNvPr>
+          <p:cNvSpPr/>
+          <p:nvPr/>
+        </p:nvSpPr>
+        <p:spPr>
+          <a:xfrm>
+            <a:off x="4269532" y="3840930"/>
+            <a:ext cx="1870406" cy="283620"/>
+          </a:xfrm>
+          <a:prstGeom prst="rect">
+            <a:avLst/>
+          </a:prstGeom>
+          <a:ln w="19050"/>
+          <a:effectLst/>
+        </p:spPr>
+        <p:style>
+          <a:lnRef idx="1">
+            <a:schemeClr val="accent6"/>
+          </a:lnRef>
+          <a:fillRef idx="2">
+            <a:schemeClr val="accent6"/>
+          </a:fillRef>
+          <a:effectRef idx="1">
+            <a:schemeClr val="accent6"/>
+          </a:effectRef>
+          <a:fontRef idx="minor">
+            <a:schemeClr val="dk1"/>
+          </a:fontRef>
+        </p:style>
+        <p:txBody>
+          <a:bodyPr rtlCol="0" anchor="ctr"/>
+          <a:lstStyle/>
+          <a:p>
+            <a:pPr algn="ctr"/>
+            <a:r>
+              <a:rPr lang="en-US" sz="1050" b="1" dirty="0" err="1">
+                <a:solidFill>
+                  <a:schemeClr val="accent6">
+                    <a:lumMod val="75000"/>
+                  </a:schemeClr>
+                </a:solidFill>
+              </a:rPr>
+              <a:t>XmlAdaptedCostAmount</a:t>
+            </a:r>
+            <a:endParaRPr lang="en-SG" sz="1050" b="1" dirty="0">
+              <a:solidFill>
+                <a:schemeClr val="accent6">
+                  <a:lumMod val="75000"/>
+                </a:schemeClr>
+              </a:solidFill>
+            </a:endParaRPr>
+          </a:p>
+        </p:txBody>
+      </p:sp>
+      <p:cxnSp>
+        <p:nvCxnSpPr>
+          <p:cNvPr id="26" name="Connector: Elbow 25">
+            <a:extLst>
+              <a:ext uri="{FF2B5EF4-FFF2-40B4-BE49-F238E27FC236}">
+                <a16:creationId xmlns:a16="http://schemas.microsoft.com/office/drawing/2014/main" id="{81594C5B-F1E2-477C-92B2-68709673E1AE}"/>
+              </a:ext>
+            </a:extLst>
+          </p:cNvPr>
+          <p:cNvCxnSpPr>
+            <a:cxnSpLocks/>
+          </p:cNvCxnSpPr>
+          <p:nvPr/>
+        </p:nvCxnSpPr>
+        <p:spPr>
+          <a:xfrm flipV="1">
+            <a:off x="5029200" y="3577173"/>
+            <a:ext cx="2110189" cy="293613"/>
+          </a:xfrm>
+          <a:prstGeom prst="bentConnector3">
+            <a:avLst>
+              <a:gd name="adj1" fmla="val 610"/>
+            </a:avLst>
+          </a:prstGeom>
+          <a:ln w="9525" cap="flat" cmpd="sng" algn="ctr">
+            <a:solidFill>
+              <a:schemeClr val="accent6"/>
+            </a:solidFill>
+            <a:prstDash val="dash"/>
+            <a:round/>
+            <a:headEnd type="none" w="med" len="med"/>
+            <a:tailEnd type="none" w="med" len="med"/>
+          </a:ln>
+        </p:spPr>
+        <p:style>
+          <a:lnRef idx="0">
+            <a:scrgbClr r="0" g="0" b="0"/>
+          </a:lnRef>
+          <a:fillRef idx="0">
+            <a:scrgbClr r="0" g="0" b="0"/>
+          </a:fillRef>
+          <a:effectRef idx="0">
+            <a:scrgbClr r="0" g="0" b="0"/>
+          </a:effectRef>
+          <a:fontRef idx="minor">
+            <a:schemeClr val="tx1"/>
+          </a:fontRef>
+        </p:style>
+      </p:cxnSp>
+      <p:cxnSp>
+        <p:nvCxnSpPr>
+          <p:cNvPr id="36" name="Elbow Connector 122">
+            <a:extLst>
+              <a:ext uri="{FF2B5EF4-FFF2-40B4-BE49-F238E27FC236}">
+                <a16:creationId xmlns:a16="http://schemas.microsoft.com/office/drawing/2014/main" id="{A2F544A5-510D-40DE-9612-20229E0B7C4D}"/>
+              </a:ext>
+            </a:extLst>
+          </p:cNvPr>
+          <p:cNvCxnSpPr>
+            <a:cxnSpLocks/>
           </p:cNvCxnSpPr>
           <p:nvPr/>
         </p:nvCxnSpPr>
         <p:spPr>
           <a:xfrm rot="5400000" flipH="1" flipV="1">
-            <a:off x="8077993" y="2992020"/>
+            <a:off x="7643928" y="3115438"/>
             <a:ext cx="335208" cy="12700"/>
           </a:xfrm>
           <a:prstGeom prst="bentConnector3">
@@ -4680,16 +5695,124 @@
           </a:fontRef>
         </p:style>
       </p:cxnSp>
-      <p:sp>
-        <p:nvSpPr>
-          <p:cNvPr id="73" name="Rectangle 8"/>
+      <mc:AlternateContent xmlns:mc="http://schemas.openxmlformats.org/markup-compatibility/2006">
+        <mc:Choice xmlns:p14="http://schemas.microsoft.com/office/powerpoint/2010/main" Requires="p14">
+          <p:contentPart p14:bwMode="auto" r:id="rId4">
+            <p14:nvContentPartPr>
+              <p14:cNvPr id="41" name="Ink 40">
+                <a:extLst>
+                  <a:ext uri="{FF2B5EF4-FFF2-40B4-BE49-F238E27FC236}">
+                    <a16:creationId xmlns:a16="http://schemas.microsoft.com/office/drawing/2014/main" id="{25A3992B-63AB-4EC4-A136-673E84025D1A}"/>
+                  </a:ext>
+                </a:extLst>
+              </p14:cNvPr>
+              <p14:cNvContentPartPr/>
+              <p14:nvPr/>
+            </p14:nvContentPartPr>
+            <p14:xfrm>
+              <a:off x="4866875" y="3706765"/>
+              <a:ext cx="360" cy="360"/>
+            </p14:xfrm>
+          </p:contentPart>
+        </mc:Choice>
+        <mc:Fallback>
+          <p:pic>
+            <p:nvPicPr>
+              <p:cNvPr id="41" name="Ink 40">
+                <a:extLst>
+                  <a:ext uri="{FF2B5EF4-FFF2-40B4-BE49-F238E27FC236}">
+                    <a16:creationId xmlns:a16="http://schemas.microsoft.com/office/drawing/2014/main" id="{25A3992B-63AB-4EC4-A136-673E84025D1A}"/>
+                  </a:ext>
+                </a:extLst>
+              </p:cNvPr>
+              <p:cNvPicPr/>
+              <p:nvPr/>
+            </p:nvPicPr>
+            <p:blipFill>
+              <a:blip r:embed="rId5"/>
+              <a:stretch>
+                <a:fillRect/>
+              </a:stretch>
+            </p:blipFill>
+            <p:spPr>
+              <a:xfrm>
+                <a:off x="4860755" y="3700645"/>
+                <a:ext cx="12600" cy="12600"/>
+              </a:xfrm>
+              <a:prstGeom prst="rect">
+                <a:avLst/>
+              </a:prstGeom>
+            </p:spPr>
+          </p:pic>
+        </mc:Fallback>
+      </mc:AlternateContent>
+      <mc:AlternateContent xmlns:mc="http://schemas.openxmlformats.org/markup-compatibility/2006">
+        <mc:Choice xmlns:p14="http://schemas.microsoft.com/office/powerpoint/2010/main" Requires="p14">
+          <p:contentPart p14:bwMode="auto" r:id="rId6">
+            <p14:nvContentPartPr>
+              <p14:cNvPr id="56" name="Ink 55">
+                <a:extLst>
+                  <a:ext uri="{FF2B5EF4-FFF2-40B4-BE49-F238E27FC236}">
+                    <a16:creationId xmlns:a16="http://schemas.microsoft.com/office/drawing/2014/main" id="{26CC177E-A2C5-496E-A299-450133D870D6}"/>
+                  </a:ext>
+                </a:extLst>
+              </p14:cNvPr>
+              <p14:cNvContentPartPr/>
+              <p14:nvPr/>
+            </p14:nvContentPartPr>
+            <p14:xfrm>
+              <a:off x="4935635" y="3726565"/>
+              <a:ext cx="198000" cy="147600"/>
+            </p14:xfrm>
+          </p:contentPart>
+        </mc:Choice>
+        <mc:Fallback>
+          <p:pic>
+            <p:nvPicPr>
+              <p:cNvPr id="56" name="Ink 55">
+                <a:extLst>
+                  <a:ext uri="{FF2B5EF4-FFF2-40B4-BE49-F238E27FC236}">
+                    <a16:creationId xmlns:a16="http://schemas.microsoft.com/office/drawing/2014/main" id="{26CC177E-A2C5-496E-A299-450133D870D6}"/>
+                  </a:ext>
+                </a:extLst>
+              </p:cNvPr>
+              <p:cNvPicPr/>
+              <p:nvPr/>
+            </p:nvPicPr>
+            <p:blipFill>
+              <a:blip r:embed="rId7"/>
+              <a:stretch>
+                <a:fillRect/>
+              </a:stretch>
+            </p:blipFill>
+            <p:spPr>
+              <a:xfrm>
+                <a:off x="4929515" y="3720445"/>
+                <a:ext cx="210240" cy="159840"/>
+              </a:xfrm>
+              <a:prstGeom prst="rect">
+                <a:avLst/>
+              </a:prstGeom>
+            </p:spPr>
+          </p:pic>
+        </mc:Fallback>
+      </mc:AlternateContent>
+      <p:sp>
+        <p:nvSpPr>
+          <p:cNvPr id="62" name="Rectangle 8">
+            <a:extLst>
+              <a:ext uri="{FF2B5EF4-FFF2-40B4-BE49-F238E27FC236}">
+                <a16:creationId xmlns:a16="http://schemas.microsoft.com/office/drawing/2014/main" id="{DB3A1DB6-01EC-47D8-BF4E-3F78F363C68D}"/>
+              </a:ext>
+            </a:extLst>
+          </p:cNvPr>
           <p:cNvSpPr/>
           <p:nvPr/>
         </p:nvSpPr>
         <p:spPr>
           <a:xfrm>
-            <a:off x="7615738" y="2477656"/>
-            <a:ext cx="1259718" cy="346760"/>
+            <a:off x="5731224" y="2357308"/>
+            <a:ext cx="1346108" cy="350592"/>
           </a:xfrm>
           <a:prstGeom prst="rect">
             <a:avLst/>
@@ -4717,14 +5840,14 @@
           <a:p>
             <a:pPr algn="ctr"/>
             <a:r>
-              <a:rPr lang="en-US" sz="1050" b="1" dirty="0" err="1" smtClean="0">
+              <a:rPr lang="en-US" sz="1050" b="1" dirty="0" err="1">
                 <a:solidFill>
                   <a:schemeClr val="accent6">
                     <a:lumMod val="75000"/>
                   </a:schemeClr>
                 </a:solidFill>
               </a:rPr>
-              <a:t>XmlAdaptedTag</a:t>
+              <a:t>XmlAdaptedRemark</a:t>
             </a:r>
             <a:endParaRPr lang="en-SG" sz="1050" b="1" dirty="0">
               <a:solidFill>
@@ -4736,120 +5859,16 @@
           </a:p>
         </p:txBody>
       </p:sp>
-      <p:sp>
-        <p:nvSpPr>
-          <p:cNvPr id="74" name="Rectangle 8"/>
-          <p:cNvSpPr/>
-          <p:nvPr/>
-        </p:nvSpPr>
-        <p:spPr>
-          <a:xfrm>
-            <a:off x="7615738" y="3159624"/>
-            <a:ext cx="1259718" cy="346760"/>
-          </a:xfrm>
-          <a:prstGeom prst="rect">
-            <a:avLst/>
-          </a:prstGeom>
-          <a:ln w="19050"/>
-          <a:effectLst/>
-        </p:spPr>
-        <p:style>
-          <a:lnRef idx="1">
-            <a:schemeClr val="accent6"/>
-          </a:lnRef>
-          <a:fillRef idx="2">
-            <a:schemeClr val="accent6"/>
-          </a:fillRef>
-          <a:effectRef idx="1">
-            <a:schemeClr val="accent6"/>
-          </a:effectRef>
-          <a:fontRef idx="minor">
-            <a:schemeClr val="dk1"/>
-          </a:fontRef>
-        </p:style>
-        <p:txBody>
-          <a:bodyPr rtlCol="0" anchor="ctr"/>
-          <a:lstStyle/>
-          <a:p>
-            <a:pPr algn="ctr"/>
-            <a:r>
-              <a:rPr lang="en-US" sz="1050" b="1" dirty="0" err="1" smtClean="0">
-                <a:solidFill>
-                  <a:schemeClr val="accent6">
-                    <a:lumMod val="75000"/>
-                  </a:schemeClr>
-                </a:solidFill>
-              </a:rPr>
-              <a:t>XmlAdaptedPerson</a:t>
-            </a:r>
-            <a:endParaRPr lang="en-SG" sz="1050" b="1" dirty="0">
-              <a:solidFill>
-                <a:schemeClr val="accent6">
-                  <a:lumMod val="75000"/>
-                </a:schemeClr>
-              </a:solidFill>
-            </a:endParaRPr>
-          </a:p>
-        </p:txBody>
-      </p:sp>
-      <p:cxnSp>
-        <p:nvCxnSpPr>
-          <p:cNvPr id="77" name="Elbow Connector 122"/>
-          <p:cNvCxnSpPr>
-            <a:stCxn id="66" idx="3"/>
-            <a:endCxn id="74" idx="1"/>
-          </p:cNvCxnSpPr>
-          <p:nvPr/>
-        </p:nvCxnSpPr>
-        <p:spPr>
-          <a:xfrm flipV="1">
-            <a:off x="7220507" y="3333004"/>
-            <a:ext cx="395231" cy="786"/>
-          </a:xfrm>
-          <a:prstGeom prst="bentConnector3">
-            <a:avLst>
-              <a:gd name="adj1" fmla="val 50000"/>
-            </a:avLst>
-          </a:prstGeom>
-          <a:ln w="19050">
-            <a:prstDash val="sysDot"/>
-            <a:headEnd type="none" w="med" len="med"/>
-            <a:tailEnd type="arrow" w="med" len="med"/>
-          </a:ln>
-          <a:effectLst/>
-        </p:spPr>
-        <p:style>
-          <a:lnRef idx="1">
-            <a:schemeClr val="accent6"/>
-          </a:lnRef>
-          <a:fillRef idx="2">
-            <a:schemeClr val="accent6"/>
-          </a:fillRef>
-          <a:effectRef idx="1">
-            <a:schemeClr val="accent6"/>
-          </a:effectRef>
-          <a:fontRef idx="minor">
-            <a:schemeClr val="dk1"/>
-          </a:fontRef>
-        </p:style>
-      </p:cxnSp>
     </p:spTree>
     <p:extLst>
       <p:ext uri="{BB962C8B-B14F-4D97-AF65-F5344CB8AC3E}">
-        <p14:creationId xmlns:p14="http://schemas.microsoft.com/office/powerpoint/2010/main" val="1478832369"/>
+        <p14:creationId xmlns:p14="http://schemas.microsoft.com/office/powerpoint/2010/main" val="2429703687"/>
       </p:ext>
     </p:extLst>
   </p:cSld>
   <p:clrMapOvr>
     <a:masterClrMapping/>
   </p:clrMapOvr>
-  <p:timing>
-    <p:tnLst>
-      <p:par>
-        <p:cTn id="1" dur="indefinite" restart="never" nodeType="tmRoot"/>
-      </p:par>
-    </p:tnLst>
-  </p:timing>
 </p:sld>
 </file>
 

--- a/docs/diagrams/StorageComponentClassDiagram.pptx
+++ b/docs/diagrams/StorageComponentClassDiagram.pptx
@@ -692,7 +692,7 @@
           <a:p>
             <a:fld id="{F5CC4B3F-88C1-4FFA-B1B6-F41C21DC6924}" type="datetimeFigureOut">
               <a:rPr lang="en-US" smtClean="0"/>
-              <a:t>9/22/2018</a:t>
+              <a:t>25-Sep-18</a:t>
             </a:fld>
             <a:endParaRPr lang="en-US"/>
           </a:p>
@@ -1138,7 +1138,7 @@
           <a:p>
             <a:fld id="{78C97017-6FC3-485B-9764-EAC9E56C1D49}" type="datetimeFigureOut">
               <a:rPr lang="en-US" smtClean="0"/>
-              <a:t>9/22/2018</a:t>
+              <a:t>25-Sep-18</a:t>
             </a:fld>
             <a:endParaRPr lang="en-US"/>
           </a:p>
@@ -1306,7 +1306,7 @@
           <a:p>
             <a:fld id="{78C97017-6FC3-485B-9764-EAC9E56C1D49}" type="datetimeFigureOut">
               <a:rPr lang="en-US" smtClean="0"/>
-              <a:t>9/22/2018</a:t>
+              <a:t>25-Sep-18</a:t>
             </a:fld>
             <a:endParaRPr lang="en-US"/>
           </a:p>
@@ -1484,7 +1484,7 @@
           <a:p>
             <a:fld id="{78C97017-6FC3-485B-9764-EAC9E56C1D49}" type="datetimeFigureOut">
               <a:rPr lang="en-US" smtClean="0"/>
-              <a:t>9/22/2018</a:t>
+              <a:t>25-Sep-18</a:t>
             </a:fld>
             <a:endParaRPr lang="en-US"/>
           </a:p>
@@ -1652,7 +1652,7 @@
           <a:p>
             <a:fld id="{78C97017-6FC3-485B-9764-EAC9E56C1D49}" type="datetimeFigureOut">
               <a:rPr lang="en-US" smtClean="0"/>
-              <a:t>9/22/2018</a:t>
+              <a:t>25-Sep-18</a:t>
             </a:fld>
             <a:endParaRPr lang="en-US"/>
           </a:p>
@@ -1897,7 +1897,7 @@
           <a:p>
             <a:fld id="{78C97017-6FC3-485B-9764-EAC9E56C1D49}" type="datetimeFigureOut">
               <a:rPr lang="en-US" smtClean="0"/>
-              <a:t>9/22/2018</a:t>
+              <a:t>25-Sep-18</a:t>
             </a:fld>
             <a:endParaRPr lang="en-US"/>
           </a:p>
@@ -2182,7 +2182,7 @@
           <a:p>
             <a:fld id="{78C97017-6FC3-485B-9764-EAC9E56C1D49}" type="datetimeFigureOut">
               <a:rPr lang="en-US" smtClean="0"/>
-              <a:t>9/22/2018</a:t>
+              <a:t>25-Sep-18</a:t>
             </a:fld>
             <a:endParaRPr lang="en-US"/>
           </a:p>
@@ -2601,7 +2601,7 @@
           <a:p>
             <a:fld id="{78C97017-6FC3-485B-9764-EAC9E56C1D49}" type="datetimeFigureOut">
               <a:rPr lang="en-US" smtClean="0"/>
-              <a:t>9/22/2018</a:t>
+              <a:t>25-Sep-18</a:t>
             </a:fld>
             <a:endParaRPr lang="en-US"/>
           </a:p>
@@ -2718,7 +2718,7 @@
           <a:p>
             <a:fld id="{78C97017-6FC3-485B-9764-EAC9E56C1D49}" type="datetimeFigureOut">
               <a:rPr lang="en-US" smtClean="0"/>
-              <a:t>9/22/2018</a:t>
+              <a:t>25-Sep-18</a:t>
             </a:fld>
             <a:endParaRPr lang="en-US"/>
           </a:p>
@@ -2813,7 +2813,7 @@
           <a:p>
             <a:fld id="{78C97017-6FC3-485B-9764-EAC9E56C1D49}" type="datetimeFigureOut">
               <a:rPr lang="en-US" smtClean="0"/>
-              <a:t>9/22/2018</a:t>
+              <a:t>25-Sep-18</a:t>
             </a:fld>
             <a:endParaRPr lang="en-US"/>
           </a:p>
@@ -3088,7 +3088,7 @@
           <a:p>
             <a:fld id="{78C97017-6FC3-485B-9764-EAC9E56C1D49}" type="datetimeFigureOut">
               <a:rPr lang="en-US" smtClean="0"/>
-              <a:t>9/22/2018</a:t>
+              <a:t>25-Sep-18</a:t>
             </a:fld>
             <a:endParaRPr lang="en-US"/>
           </a:p>
@@ -3340,7 +3340,7 @@
           <a:p>
             <a:fld id="{78C97017-6FC3-485B-9764-EAC9E56C1D49}" type="datetimeFigureOut">
               <a:rPr lang="en-US" smtClean="0"/>
-              <a:t>9/22/2018</a:t>
+              <a:t>25-Sep-18</a:t>
             </a:fld>
             <a:endParaRPr lang="en-US"/>
           </a:p>
@@ -3551,7 +3551,7 @@
           <a:p>
             <a:fld id="{78C97017-6FC3-485B-9764-EAC9E56C1D49}" type="datetimeFigureOut">
               <a:rPr lang="en-US" smtClean="0"/>
-              <a:t>9/22/2018</a:t>
+              <a:t>25-Sep-18</a:t>
             </a:fld>
             <a:endParaRPr lang="en-US"/>
           </a:p>
@@ -4661,7 +4661,7 @@
                   </a:schemeClr>
                 </a:solidFill>
               </a:rPr>
-              <a:t>XmlSaveBook</a:t>
+              <a:t>XmlWishBook</a:t>
             </a:r>
             <a:br>
               <a:rPr lang="en-US" sz="1050" b="1" dirty="0">
@@ -5148,7 +5148,7 @@
                   </a:schemeClr>
                 </a:solidFill>
               </a:rPr>
-              <a:t>SaveBook</a:t>
+              <a:t>WishBook</a:t>
             </a:r>
             <a:endParaRPr lang="en-SG" sz="1050" b="1" dirty="0">
               <a:solidFill>
@@ -5695,8 +5695,8 @@
           </a:fontRef>
         </p:style>
       </p:cxnSp>
-      <mc:AlternateContent xmlns:mc="http://schemas.openxmlformats.org/markup-compatibility/2006">
-        <mc:Choice xmlns:p14="http://schemas.microsoft.com/office/powerpoint/2010/main" Requires="p14">
+      <mc:AlternateContent xmlns:mc="http://schemas.openxmlformats.org/markup-compatibility/2006" xmlns:p14="http://schemas.microsoft.com/office/powerpoint/2010/main">
+        <mc:Choice Requires="p14">
           <p:contentPart p14:bwMode="auto" r:id="rId4">
             <p14:nvContentPartPr>
               <p14:cNvPr id="41" name="Ink 40">
@@ -5715,7 +5715,7 @@
             </p14:xfrm>
           </p:contentPart>
         </mc:Choice>
-        <mc:Fallback>
+        <mc:Fallback xmlns="">
           <p:pic>
             <p:nvPicPr>
               <p:cNvPr id="41" name="Ink 40">
@@ -5746,8 +5746,8 @@
           </p:pic>
         </mc:Fallback>
       </mc:AlternateContent>
-      <mc:AlternateContent xmlns:mc="http://schemas.openxmlformats.org/markup-compatibility/2006">
-        <mc:Choice xmlns:p14="http://schemas.microsoft.com/office/powerpoint/2010/main" Requires="p14">
+      <mc:AlternateContent xmlns:mc="http://schemas.openxmlformats.org/markup-compatibility/2006" xmlns:p14="http://schemas.microsoft.com/office/powerpoint/2010/main">
+        <mc:Choice Requires="p14">
           <p:contentPart p14:bwMode="auto" r:id="rId6">
             <p14:nvContentPartPr>
               <p14:cNvPr id="56" name="Ink 55">
@@ -5766,7 +5766,7 @@
             </p14:xfrm>
           </p:contentPart>
         </mc:Choice>
-        <mc:Fallback>
+        <mc:Fallback xmlns="">
           <p:pic>
             <p:nvPicPr>
               <p:cNvPr id="56" name="Ink 55">
@@ -5859,6 +5859,113 @@
           </a:p>
         </p:txBody>
       </p:sp>
+      <p:sp>
+        <p:nvSpPr>
+          <p:cNvPr id="34" name="Rectangle 8">
+            <a:extLst>
+              <a:ext uri="{FF2B5EF4-FFF2-40B4-BE49-F238E27FC236}">
+                <a16:creationId xmlns:a16="http://schemas.microsoft.com/office/drawing/2014/main" id="{BDE6DCB7-FA25-4282-949A-5EEDA9F99B62}"/>
+              </a:ext>
+            </a:extLst>
+          </p:cNvPr>
+          <p:cNvSpPr/>
+          <p:nvPr/>
+        </p:nvSpPr>
+        <p:spPr>
+          <a:xfrm>
+            <a:off x="5782395" y="4207688"/>
+            <a:ext cx="1346108" cy="350592"/>
+          </a:xfrm>
+          <a:prstGeom prst="rect">
+            <a:avLst/>
+          </a:prstGeom>
+          <a:ln w="19050"/>
+          <a:effectLst/>
+        </p:spPr>
+        <p:style>
+          <a:lnRef idx="1">
+            <a:schemeClr val="accent6"/>
+          </a:lnRef>
+          <a:fillRef idx="2">
+            <a:schemeClr val="accent6"/>
+          </a:fillRef>
+          <a:effectRef idx="1">
+            <a:schemeClr val="accent6"/>
+          </a:effectRef>
+          <a:fontRef idx="minor">
+            <a:schemeClr val="dk1"/>
+          </a:fontRef>
+        </p:style>
+        <p:txBody>
+          <a:bodyPr rtlCol="0" anchor="ctr"/>
+          <a:lstStyle/>
+          <a:p>
+            <a:pPr algn="ctr"/>
+            <a:r>
+              <a:rPr lang="en-US" sz="1050" b="1" dirty="0" err="1">
+                <a:solidFill>
+                  <a:schemeClr val="accent6">
+                    <a:lumMod val="75000"/>
+                  </a:schemeClr>
+                </a:solidFill>
+              </a:rPr>
+              <a:t>XmlAdaptedURL</a:t>
+            </a:r>
+            <a:endParaRPr lang="en-SG" sz="1050" b="1" dirty="0">
+              <a:solidFill>
+                <a:schemeClr val="accent6">
+                  <a:lumMod val="75000"/>
+                </a:schemeClr>
+              </a:solidFill>
+            </a:endParaRPr>
+          </a:p>
+        </p:txBody>
+      </p:sp>
+      <p:cxnSp>
+        <p:nvCxnSpPr>
+          <p:cNvPr id="35" name="Elbow Connector 122">
+            <a:extLst>
+              <a:ext uri="{FF2B5EF4-FFF2-40B4-BE49-F238E27FC236}">
+                <a16:creationId xmlns:a16="http://schemas.microsoft.com/office/drawing/2014/main" id="{6FCE1030-78D5-49A6-AF9B-C3FCBE295FA0}"/>
+              </a:ext>
+            </a:extLst>
+          </p:cNvPr>
+          <p:cNvCxnSpPr>
+            <a:cxnSpLocks/>
+            <a:endCxn id="34" idx="0"/>
+          </p:cNvCxnSpPr>
+          <p:nvPr/>
+        </p:nvCxnSpPr>
+        <p:spPr>
+          <a:xfrm rot="10800000" flipV="1">
+            <a:off x="6455450" y="3577170"/>
+            <a:ext cx="930317" cy="630518"/>
+          </a:xfrm>
+          <a:prstGeom prst="bentConnector2">
+            <a:avLst/>
+          </a:prstGeom>
+          <a:ln w="19050">
+            <a:prstDash val="sysDot"/>
+            <a:headEnd type="none" w="med" len="med"/>
+            <a:tailEnd type="arrow" w="med" len="med"/>
+          </a:ln>
+          <a:effectLst/>
+        </p:spPr>
+        <p:style>
+          <a:lnRef idx="1">
+            <a:schemeClr val="accent6"/>
+          </a:lnRef>
+          <a:fillRef idx="2">
+            <a:schemeClr val="accent6"/>
+          </a:fillRef>
+          <a:effectRef idx="1">
+            <a:schemeClr val="accent6"/>
+          </a:effectRef>
+          <a:fontRef idx="minor">
+            <a:schemeClr val="dk1"/>
+          </a:fontRef>
+        </p:style>
+      </p:cxnSp>
     </p:spTree>
     <p:extLst>
       <p:ext uri="{BB962C8B-B14F-4D97-AF65-F5344CB8AC3E}">

--- a/docs/diagrams/StorageComponentClassDiagram.pptx
+++ b/docs/diagrams/StorageComponentClassDiagram.pptx
@@ -131,19 +131,12 @@
   <pc:docChgLst>
     <pc:chgData name="Shengmin Leong" userId="075411cc4697ef0d" providerId="LiveId" clId="{131F47FE-217A-48AA-BA1D-F68C4827F5CE}"/>
     <pc:docChg chg="undo custSel addSld delSld modSld">
-      <pc:chgData name="Shengmin Leong" userId="075411cc4697ef0d" providerId="LiveId" clId="{131F47FE-217A-48AA-BA1D-F68C4827F5CE}" dt="2018-09-22T03:55:55.110" v="173" actId="2696"/>
+      <pc:chgData name="Shengmin Leong" userId="075411cc4697ef0d" providerId="LiveId" clId="{131F47FE-217A-48AA-BA1D-F68C4827F5CE}" dt="2018-10-01T05:13:40.987" v="247" actId="14100"/>
       <pc:docMkLst>
         <pc:docMk/>
       </pc:docMkLst>
-      <pc:sldChg chg="del">
-        <pc:chgData name="Shengmin Leong" userId="075411cc4697ef0d" providerId="LiveId" clId="{131F47FE-217A-48AA-BA1D-F68C4827F5CE}" dt="2018-09-22T03:55:55.110" v="173" actId="2696"/>
-        <pc:sldMkLst>
-          <pc:docMk/>
-          <pc:sldMk cId="1478832369" sldId="264"/>
-        </pc:sldMkLst>
-      </pc:sldChg>
       <pc:sldChg chg="addSp delSp modSp add">
-        <pc:chgData name="Shengmin Leong" userId="075411cc4697ef0d" providerId="LiveId" clId="{131F47FE-217A-48AA-BA1D-F68C4827F5CE}" dt="2018-09-22T03:55:42.021" v="172" actId="1076"/>
+        <pc:chgData name="Shengmin Leong" userId="075411cc4697ef0d" providerId="LiveId" clId="{131F47FE-217A-48AA-BA1D-F68C4827F5CE}" dt="2018-10-01T05:13:40.987" v="247" actId="14100"/>
         <pc:sldMkLst>
           <pc:docMk/>
           <pc:sldMk cId="2429703687" sldId="265"/>
@@ -293,6 +286,14 @@
           </ac:spMkLst>
         </pc:spChg>
         <pc:spChg chg="add mod">
+          <ac:chgData name="Shengmin Leong" userId="075411cc4697ef0d" providerId="LiveId" clId="{131F47FE-217A-48AA-BA1D-F68C4827F5CE}" dt="2018-10-01T05:11:47.622" v="233" actId="1076"/>
+          <ac:spMkLst>
+            <pc:docMk/>
+            <pc:sldMk cId="2429703687" sldId="265"/>
+            <ac:spMk id="42" creationId="{BE411BDB-F8B3-4053-A484-7280EA6CEA17}"/>
+          </ac:spMkLst>
+        </pc:spChg>
+        <pc:spChg chg="add mod">
           <ac:chgData name="Shengmin Leong" userId="075411cc4697ef0d" providerId="LiveId" clId="{131F47FE-217A-48AA-BA1D-F68C4827F5CE}" dt="2018-09-22T03:55:42.021" v="172" actId="1076"/>
           <ac:spMkLst>
             <pc:docMk/>
@@ -357,11 +358,27 @@
           </ac:inkMkLst>
         </pc:inkChg>
         <pc:inkChg chg="add del">
+          <ac:chgData name="Shengmin Leong" userId="075411cc4697ef0d" providerId="LiveId" clId="{131F47FE-217A-48AA-BA1D-F68C4827F5CE}" dt="2018-10-01T05:12:38.763" v="239"/>
+          <ac:inkMkLst>
+            <pc:docMk/>
+            <pc:sldMk cId="2429703687" sldId="265"/>
+            <ac:inkMk id="43" creationId="{A2288729-2C55-4E7A-8808-98E20301CED9}"/>
+          </ac:inkMkLst>
+        </pc:inkChg>
+        <pc:inkChg chg="add del">
           <ac:chgData name="Shengmin Leong" userId="075411cc4697ef0d" providerId="LiveId" clId="{131F47FE-217A-48AA-BA1D-F68C4827F5CE}" dt="2018-09-22T03:53:10.324" v="129"/>
           <ac:inkMkLst>
             <pc:docMk/>
             <pc:sldMk cId="2429703687" sldId="265"/>
             <ac:inkMk id="43" creationId="{FB4B2E27-2F17-48FD-8FE1-3DC032D9D954}"/>
+          </ac:inkMkLst>
+        </pc:inkChg>
+        <pc:inkChg chg="add">
+          <ac:chgData name="Shengmin Leong" userId="075411cc4697ef0d" providerId="LiveId" clId="{131F47FE-217A-48AA-BA1D-F68C4827F5CE}" dt="2018-10-01T05:12:49.111" v="240"/>
+          <ac:inkMkLst>
+            <pc:docMk/>
+            <pc:sldMk cId="2429703687" sldId="265"/>
+            <ac:inkMk id="44" creationId="{97E62B3A-F7B6-4465-B7C9-A6D12BA30A44}"/>
           </ac:inkMkLst>
         </pc:inkChg>
         <pc:inkChg chg="add del">
@@ -482,6 +499,14 @@
             <pc:docMk/>
             <pc:sldMk cId="2429703687" sldId="265"/>
             <ac:cxnSpMk id="28" creationId="{20DBDD99-A394-4F2D-8974-40F0EFE690B9}"/>
+          </ac:cxnSpMkLst>
+        </pc:cxnChg>
+        <pc:cxnChg chg="add mod">
+          <ac:chgData name="Shengmin Leong" userId="075411cc4697ef0d" providerId="LiveId" clId="{131F47FE-217A-48AA-BA1D-F68C4827F5CE}" dt="2018-10-01T05:13:40.987" v="247" actId="14100"/>
+          <ac:cxnSpMkLst>
+            <pc:docMk/>
+            <pc:sldMk cId="2429703687" sldId="265"/>
+            <ac:cxnSpMk id="33" creationId="{B678C7D8-8C59-48BD-8FE4-1DA6A4CB7DA9}"/>
           </ac:cxnSpMkLst>
         </pc:cxnChg>
         <pc:cxnChg chg="add">
@@ -610,6 +635,35 @@
 </inkml:ink>
 </file>
 
+<file path=ppt/ink/ink4.xml><?xml version="1.0" encoding="utf-8"?>
+<inkml:ink xmlns:inkml="http://www.w3.org/2003/InkML">
+  <inkml:definitions>
+    <inkml:context xml:id="ctx0">
+      <inkml:inkSource xml:id="inkSrc0">
+        <inkml:traceFormat>
+          <inkml:channel name="X" type="integer" max="1920" units="cm"/>
+          <inkml:channel name="Y" type="integer" max="1080" units="cm"/>
+          <inkml:channel name="T" type="integer" max="2.14748E9" units="dev"/>
+        </inkml:traceFormat>
+        <inkml:channelProperties>
+          <inkml:channelProperty channel="X" name="resolution" value="65.52901" units="1/cm"/>
+          <inkml:channelProperty channel="Y" name="resolution" value="65.45454" units="1/cm"/>
+          <inkml:channelProperty channel="T" name="resolution" value="1" units="1/dev"/>
+        </inkml:channelProperties>
+      </inkml:inkSource>
+      <inkml:timestamp xml:id="ts0" timeString="2018-10-01T05:12:49.106"/>
+    </inkml:context>
+    <inkml:brush xml:id="br0">
+      <inkml:brushProperty name="width" value="0.035" units="cm"/>
+      <inkml:brushProperty name="height" value="0.035" units="cm"/>
+      <inkml:brushProperty name="color" value="#FF8000"/>
+      <inkml:brushProperty name="fitToCurve" value="1"/>
+    </inkml:brush>
+  </inkml:definitions>
+  <inkml:trace contextRef="#ctx0" brushRef="#br0">0 89 0,'0'22'281,"22"0"-234,-22 0 0,22-22 0,-22 22 31,23 0-47,-1-22-15,-22 22 0,22-22 15,0 22-15,0 0 30,-22 0-14,22 1 30,-22-46 344,0 1-359,0 0-47,22 22 32,-22-22 14,22 22-14,-22-22 30,0 0-31,0 0 16,22 0 16,-22 0-16,22 0-32,0 22 79,-22-22-94,0-1 63,0 1-32,23 0 47</inkml:trace>
+</inkml:ink>
+</file>
+
 <file path=ppt/notesMasters/notesMaster1.xml><?xml version="1.0" encoding="utf-8"?>
 <p:notesMaster xmlns:a="http://schemas.openxmlformats.org/drawingml/2006/main" xmlns:r="http://schemas.openxmlformats.org/officeDocument/2006/relationships" xmlns:p="http://schemas.openxmlformats.org/presentationml/2006/main">
   <p:cSld>
@@ -692,7 +746,7 @@
           <a:p>
             <a:fld id="{F5CC4B3F-88C1-4FFA-B1B6-F41C21DC6924}" type="datetimeFigureOut">
               <a:rPr lang="en-US" smtClean="0"/>
-              <a:t>25-Sep-18</a:t>
+              <a:t>10/1/2018</a:t>
             </a:fld>
             <a:endParaRPr lang="en-US"/>
           </a:p>
@@ -1138,7 +1192,7 @@
           <a:p>
             <a:fld id="{78C97017-6FC3-485B-9764-EAC9E56C1D49}" type="datetimeFigureOut">
               <a:rPr lang="en-US" smtClean="0"/>
-              <a:t>25-Sep-18</a:t>
+              <a:t>10/1/2018</a:t>
             </a:fld>
             <a:endParaRPr lang="en-US"/>
           </a:p>
@@ -1306,7 +1360,7 @@
           <a:p>
             <a:fld id="{78C97017-6FC3-485B-9764-EAC9E56C1D49}" type="datetimeFigureOut">
               <a:rPr lang="en-US" smtClean="0"/>
-              <a:t>25-Sep-18</a:t>
+              <a:t>10/1/2018</a:t>
             </a:fld>
             <a:endParaRPr lang="en-US"/>
           </a:p>
@@ -1484,7 +1538,7 @@
           <a:p>
             <a:fld id="{78C97017-6FC3-485B-9764-EAC9E56C1D49}" type="datetimeFigureOut">
               <a:rPr lang="en-US" smtClean="0"/>
-              <a:t>25-Sep-18</a:t>
+              <a:t>10/1/2018</a:t>
             </a:fld>
             <a:endParaRPr lang="en-US"/>
           </a:p>
@@ -1652,7 +1706,7 @@
           <a:p>
             <a:fld id="{78C97017-6FC3-485B-9764-EAC9E56C1D49}" type="datetimeFigureOut">
               <a:rPr lang="en-US" smtClean="0"/>
-              <a:t>25-Sep-18</a:t>
+              <a:t>10/1/2018</a:t>
             </a:fld>
             <a:endParaRPr lang="en-US"/>
           </a:p>
@@ -1897,7 +1951,7 @@
           <a:p>
             <a:fld id="{78C97017-6FC3-485B-9764-EAC9E56C1D49}" type="datetimeFigureOut">
               <a:rPr lang="en-US" smtClean="0"/>
-              <a:t>25-Sep-18</a:t>
+              <a:t>10/1/2018</a:t>
             </a:fld>
             <a:endParaRPr lang="en-US"/>
           </a:p>
@@ -2182,7 +2236,7 @@
           <a:p>
             <a:fld id="{78C97017-6FC3-485B-9764-EAC9E56C1D49}" type="datetimeFigureOut">
               <a:rPr lang="en-US" smtClean="0"/>
-              <a:t>25-Sep-18</a:t>
+              <a:t>10/1/2018</a:t>
             </a:fld>
             <a:endParaRPr lang="en-US"/>
           </a:p>
@@ -2601,7 +2655,7 @@
           <a:p>
             <a:fld id="{78C97017-6FC3-485B-9764-EAC9E56C1D49}" type="datetimeFigureOut">
               <a:rPr lang="en-US" smtClean="0"/>
-              <a:t>25-Sep-18</a:t>
+              <a:t>10/1/2018</a:t>
             </a:fld>
             <a:endParaRPr lang="en-US"/>
           </a:p>
@@ -2718,7 +2772,7 @@
           <a:p>
             <a:fld id="{78C97017-6FC3-485B-9764-EAC9E56C1D49}" type="datetimeFigureOut">
               <a:rPr lang="en-US" smtClean="0"/>
-              <a:t>25-Sep-18</a:t>
+              <a:t>10/1/2018</a:t>
             </a:fld>
             <a:endParaRPr lang="en-US"/>
           </a:p>
@@ -2813,7 +2867,7 @@
           <a:p>
             <a:fld id="{78C97017-6FC3-485B-9764-EAC9E56C1D49}" type="datetimeFigureOut">
               <a:rPr lang="en-US" smtClean="0"/>
-              <a:t>25-Sep-18</a:t>
+              <a:t>10/1/2018</a:t>
             </a:fld>
             <a:endParaRPr lang="en-US"/>
           </a:p>
@@ -3088,7 +3142,7 @@
           <a:p>
             <a:fld id="{78C97017-6FC3-485B-9764-EAC9E56C1D49}" type="datetimeFigureOut">
               <a:rPr lang="en-US" smtClean="0"/>
-              <a:t>25-Sep-18</a:t>
+              <a:t>10/1/2018</a:t>
             </a:fld>
             <a:endParaRPr lang="en-US"/>
           </a:p>
@@ -3340,7 +3394,7 @@
           <a:p>
             <a:fld id="{78C97017-6FC3-485B-9764-EAC9E56C1D49}" type="datetimeFigureOut">
               <a:rPr lang="en-US" smtClean="0"/>
-              <a:t>25-Sep-18</a:t>
+              <a:t>10/1/2018</a:t>
             </a:fld>
             <a:endParaRPr lang="en-US"/>
           </a:p>
@@ -3551,7 +3605,7 @@
           <a:p>
             <a:fld id="{78C97017-6FC3-485B-9764-EAC9E56C1D49}" type="datetimeFigureOut">
               <a:rPr lang="en-US" smtClean="0"/>
-              <a:t>25-Sep-18</a:t>
+              <a:t>10/1/2018</a:t>
             </a:fld>
             <a:endParaRPr lang="en-US"/>
           </a:p>
@@ -5966,6 +6020,170 @@
           </a:fontRef>
         </p:style>
       </p:cxnSp>
+      <p:cxnSp>
+        <p:nvCxnSpPr>
+          <p:cNvPr id="33" name="Connector: Elbow 32">
+            <a:extLst>
+              <a:ext uri="{FF2B5EF4-FFF2-40B4-BE49-F238E27FC236}">
+                <a16:creationId xmlns:a16="http://schemas.microsoft.com/office/drawing/2014/main" id="{B678C7D8-8C59-48BD-8FE4-1DA6A4CB7DA9}"/>
+              </a:ext>
+            </a:extLst>
+          </p:cNvPr>
+          <p:cNvCxnSpPr>
+            <a:cxnSpLocks/>
+            <a:stCxn id="13" idx="2"/>
+            <a:endCxn id="42" idx="0"/>
+          </p:cNvCxnSpPr>
+          <p:nvPr/>
+        </p:nvCxnSpPr>
+        <p:spPr>
+          <a:xfrm rot="5400000">
+            <a:off x="3714338" y="2930942"/>
+            <a:ext cx="360205" cy="1450757"/>
+          </a:xfrm>
+          <a:prstGeom prst="bentConnector3">
+            <a:avLst>
+              <a:gd name="adj1" fmla="val 50000"/>
+            </a:avLst>
+          </a:prstGeom>
+          <a:ln w="9525" cap="flat" cmpd="sng" algn="ctr">
+            <a:solidFill>
+              <a:schemeClr val="accent6"/>
+            </a:solidFill>
+            <a:prstDash val="dash"/>
+            <a:round/>
+            <a:headEnd type="none" w="med" len="med"/>
+            <a:tailEnd type="none" w="med" len="med"/>
+          </a:ln>
+        </p:spPr>
+        <p:style>
+          <a:lnRef idx="0">
+            <a:scrgbClr r="0" g="0" b="0"/>
+          </a:lnRef>
+          <a:fillRef idx="0">
+            <a:scrgbClr r="0" g="0" b="0"/>
+          </a:fillRef>
+          <a:effectRef idx="0">
+            <a:scrgbClr r="0" g="0" b="0"/>
+          </a:effectRef>
+          <a:fontRef idx="minor">
+            <a:schemeClr val="tx1"/>
+          </a:fontRef>
+        </p:style>
+      </p:cxnSp>
+      <p:sp>
+        <p:nvSpPr>
+          <p:cNvPr id="42" name="Rectangle 8">
+            <a:extLst>
+              <a:ext uri="{FF2B5EF4-FFF2-40B4-BE49-F238E27FC236}">
+                <a16:creationId xmlns:a16="http://schemas.microsoft.com/office/drawing/2014/main" id="{BE411BDB-F8B3-4053-A484-7280EA6CEA17}"/>
+              </a:ext>
+            </a:extLst>
+          </p:cNvPr>
+          <p:cNvSpPr/>
+          <p:nvPr/>
+        </p:nvSpPr>
+        <p:spPr>
+          <a:xfrm>
+            <a:off x="2233858" y="3836423"/>
+            <a:ext cx="1870406" cy="283620"/>
+          </a:xfrm>
+          <a:prstGeom prst="rect">
+            <a:avLst/>
+          </a:prstGeom>
+          <a:ln w="19050"/>
+          <a:effectLst/>
+        </p:spPr>
+        <p:style>
+          <a:lnRef idx="1">
+            <a:schemeClr val="accent6"/>
+          </a:lnRef>
+          <a:fillRef idx="2">
+            <a:schemeClr val="accent6"/>
+          </a:fillRef>
+          <a:effectRef idx="1">
+            <a:schemeClr val="accent6"/>
+          </a:effectRef>
+          <a:fontRef idx="minor">
+            <a:schemeClr val="dk1"/>
+          </a:fontRef>
+        </p:style>
+        <p:txBody>
+          <a:bodyPr rtlCol="0" anchor="ctr"/>
+          <a:lstStyle/>
+          <a:p>
+            <a:pPr algn="ctr"/>
+            <a:r>
+              <a:rPr lang="en-US" sz="1050" b="1" dirty="0" err="1">
+                <a:solidFill>
+                  <a:schemeClr val="accent6">
+                    <a:lumMod val="75000"/>
+                  </a:schemeClr>
+                </a:solidFill>
+              </a:rPr>
+              <a:t>XmlWishTransactions</a:t>
+            </a:r>
+            <a:endParaRPr lang="en-SG" sz="1050" b="1" dirty="0">
+              <a:solidFill>
+                <a:schemeClr val="accent6">
+                  <a:lumMod val="75000"/>
+                </a:schemeClr>
+              </a:solidFill>
+            </a:endParaRPr>
+          </a:p>
+        </p:txBody>
+      </p:sp>
+      <mc:AlternateContent xmlns:mc="http://schemas.openxmlformats.org/markup-compatibility/2006">
+        <mc:Choice xmlns:p14="http://schemas.microsoft.com/office/powerpoint/2010/main" Requires="p14">
+          <p:contentPart p14:bwMode="auto" r:id="rId8">
+            <p14:nvContentPartPr>
+              <p14:cNvPr id="44" name="Ink 43">
+                <a:extLst>
+                  <a:ext uri="{FF2B5EF4-FFF2-40B4-BE49-F238E27FC236}">
+                    <a16:creationId xmlns:a16="http://schemas.microsoft.com/office/drawing/2014/main" id="{97E62B3A-F7B6-4465-B7C9-A6D12BA30A44}"/>
+                  </a:ext>
+                </a:extLst>
+              </p14:cNvPr>
+              <p14:cNvContentPartPr/>
+              <p14:nvPr/>
+            </p14:nvContentPartPr>
+            <p14:xfrm>
+              <a:off x="3124753" y="3713150"/>
+              <a:ext cx="111960" cy="111960"/>
+            </p14:xfrm>
+          </p:contentPart>
+        </mc:Choice>
+        <mc:Fallback>
+          <p:pic>
+            <p:nvPicPr>
+              <p:cNvPr id="44" name="Ink 43">
+                <a:extLst>
+                  <a:ext uri="{FF2B5EF4-FFF2-40B4-BE49-F238E27FC236}">
+                    <a16:creationId xmlns:a16="http://schemas.microsoft.com/office/drawing/2014/main" id="{97E62B3A-F7B6-4465-B7C9-A6D12BA30A44}"/>
+                  </a:ext>
+                </a:extLst>
+              </p:cNvPr>
+              <p:cNvPicPr/>
+              <p:nvPr/>
+            </p:nvPicPr>
+            <p:blipFill>
+              <a:blip r:embed="rId9"/>
+              <a:stretch>
+                <a:fillRect/>
+              </a:stretch>
+            </p:blipFill>
+            <p:spPr>
+              <a:xfrm>
+                <a:off x="3118633" y="3707030"/>
+                <a:ext cx="124200" cy="124200"/>
+              </a:xfrm>
+              <a:prstGeom prst="rect">
+                <a:avLst/>
+              </a:prstGeom>
+            </p:spPr>
+          </p:pic>
+        </mc:Fallback>
+      </mc:AlternateContent>
     </p:spTree>
     <p:extLst>
       <p:ext uri="{BB962C8B-B14F-4D97-AF65-F5344CB8AC3E}">

--- a/docs/diagrams/StorageComponentClassDiagram.pptx
+++ b/docs/diagrams/StorageComponentClassDiagram.pptx
@@ -107,6 +107,22 @@
       </a:defRPr>
     </a:lvl9pPr>
   </p:defaultTextStyle>
+  <p:extLst>
+    <p:ext uri="{EFAFB233-063F-42B5-8137-9DF3F51BA10A}">
+      <p15:sldGuideLst xmlns:p15="http://schemas.microsoft.com/office/powerpoint/2012/main">
+        <p15:guide id="1" orient="horz" pos="1488">
+          <p15:clr>
+            <a:srgbClr val="A4A3A4"/>
+          </p15:clr>
+        </p15:guide>
+        <p15:guide id="2" pos="2880">
+          <p15:clr>
+            <a:srgbClr val="A4A3A4"/>
+          </p15:clr>
+        </p15:guide>
+      </p15:sldGuideLst>
+    </p:ext>
+  </p:extLst>
 </p:presentation>
 </file>
 
@@ -192,7 +208,7 @@
           <a:p>
             <a:fld id="{F5CC4B3F-88C1-4FFA-B1B6-F41C21DC6924}" type="datetimeFigureOut">
               <a:rPr lang="en-US" smtClean="0"/>
-              <a:t>10/16/2016</a:t>
+              <a:t>10/13/2018</a:t>
             </a:fld>
             <a:endParaRPr lang="en-US"/>
           </a:p>
@@ -256,38 +272,37 @@
           <a:p>
             <a:pPr lvl="0"/>
             <a:r>
-              <a:rPr lang="en-US" smtClean="0"/>
+              <a:rPr lang="en-US"/>
               <a:t>Click to edit Master text styles</a:t>
             </a:r>
           </a:p>
           <a:p>
             <a:pPr lvl="1"/>
             <a:r>
-              <a:rPr lang="en-US" smtClean="0"/>
+              <a:rPr lang="en-US"/>
               <a:t>Second level</a:t>
             </a:r>
           </a:p>
           <a:p>
             <a:pPr lvl="2"/>
             <a:r>
-              <a:rPr lang="en-US" smtClean="0"/>
+              <a:rPr lang="en-US"/>
               <a:t>Third level</a:t>
             </a:r>
           </a:p>
           <a:p>
             <a:pPr lvl="3"/>
             <a:r>
-              <a:rPr lang="en-US" smtClean="0"/>
+              <a:rPr lang="en-US"/>
               <a:t>Fourth level</a:t>
             </a:r>
           </a:p>
           <a:p>
             <a:pPr lvl="4"/>
             <a:r>
-              <a:rPr lang="en-US" smtClean="0"/>
+              <a:rPr lang="en-US"/>
               <a:t>Fifth level</a:t>
             </a:r>
-            <a:endParaRPr lang="en-US"/>
           </a:p>
         </p:txBody>
       </p:sp>
@@ -498,10 +513,9 @@
           <a:lstStyle/>
           <a:p>
             <a:r>
-              <a:rPr lang="en-US" smtClean="0"/>
+              <a:rPr lang="en-US"/>
               <a:t>Click to edit Master title style</a:t>
             </a:r>
-            <a:endParaRPr lang="en-US"/>
           </a:p>
         </p:txBody>
       </p:sp>
@@ -617,10 +631,9 @@
           </a:lstStyle>
           <a:p>
             <a:r>
-              <a:rPr lang="en-US" smtClean="0"/>
+              <a:rPr lang="en-US"/>
               <a:t>Click to edit Master subtitle style</a:t>
             </a:r>
-            <a:endParaRPr lang="en-US"/>
           </a:p>
         </p:txBody>
       </p:sp>
@@ -641,7 +654,7 @@
           <a:p>
             <a:fld id="{78C97017-6FC3-485B-9764-EAC9E56C1D49}" type="datetimeFigureOut">
               <a:rPr lang="en-US" smtClean="0"/>
-              <a:t>10/16/2016</a:t>
+              <a:t>10/13/2018</a:t>
             </a:fld>
             <a:endParaRPr lang="en-US"/>
           </a:p>
@@ -735,10 +748,9 @@
           <a:lstStyle/>
           <a:p>
             <a:r>
-              <a:rPr lang="en-US" smtClean="0"/>
+              <a:rPr lang="en-US"/>
               <a:t>Click to edit Master title style</a:t>
             </a:r>
-            <a:endParaRPr lang="en-US"/>
           </a:p>
         </p:txBody>
       </p:sp>
@@ -759,38 +771,37 @@
           <a:p>
             <a:pPr lvl="0"/>
             <a:r>
-              <a:rPr lang="en-US" smtClean="0"/>
+              <a:rPr lang="en-US"/>
               <a:t>Click to edit Master text styles</a:t>
             </a:r>
           </a:p>
           <a:p>
             <a:pPr lvl="1"/>
             <a:r>
-              <a:rPr lang="en-US" smtClean="0"/>
+              <a:rPr lang="en-US"/>
               <a:t>Second level</a:t>
             </a:r>
           </a:p>
           <a:p>
             <a:pPr lvl="2"/>
             <a:r>
-              <a:rPr lang="en-US" smtClean="0"/>
+              <a:rPr lang="en-US"/>
               <a:t>Third level</a:t>
             </a:r>
           </a:p>
           <a:p>
             <a:pPr lvl="3"/>
             <a:r>
-              <a:rPr lang="en-US" smtClean="0"/>
+              <a:rPr lang="en-US"/>
               <a:t>Fourth level</a:t>
             </a:r>
           </a:p>
           <a:p>
             <a:pPr lvl="4"/>
             <a:r>
-              <a:rPr lang="en-US" smtClean="0"/>
+              <a:rPr lang="en-US"/>
               <a:t>Fifth level</a:t>
             </a:r>
-            <a:endParaRPr lang="en-US"/>
           </a:p>
         </p:txBody>
       </p:sp>
@@ -811,7 +822,7 @@
           <a:p>
             <a:fld id="{78C97017-6FC3-485B-9764-EAC9E56C1D49}" type="datetimeFigureOut">
               <a:rPr lang="en-US" smtClean="0"/>
-              <a:t>10/16/2016</a:t>
+              <a:t>10/13/2018</a:t>
             </a:fld>
             <a:endParaRPr lang="en-US"/>
           </a:p>
@@ -910,10 +921,9 @@
           <a:lstStyle/>
           <a:p>
             <a:r>
-              <a:rPr lang="en-US" smtClean="0"/>
+              <a:rPr lang="en-US"/>
               <a:t>Click to edit Master title style</a:t>
             </a:r>
-            <a:endParaRPr lang="en-US"/>
           </a:p>
         </p:txBody>
       </p:sp>
@@ -939,38 +949,37 @@
           <a:p>
             <a:pPr lvl="0"/>
             <a:r>
-              <a:rPr lang="en-US" smtClean="0"/>
+              <a:rPr lang="en-US"/>
               <a:t>Click to edit Master text styles</a:t>
             </a:r>
           </a:p>
           <a:p>
             <a:pPr lvl="1"/>
             <a:r>
-              <a:rPr lang="en-US" smtClean="0"/>
+              <a:rPr lang="en-US"/>
               <a:t>Second level</a:t>
             </a:r>
           </a:p>
           <a:p>
             <a:pPr lvl="2"/>
             <a:r>
-              <a:rPr lang="en-US" smtClean="0"/>
+              <a:rPr lang="en-US"/>
               <a:t>Third level</a:t>
             </a:r>
           </a:p>
           <a:p>
             <a:pPr lvl="3"/>
             <a:r>
-              <a:rPr lang="en-US" smtClean="0"/>
+              <a:rPr lang="en-US"/>
               <a:t>Fourth level</a:t>
             </a:r>
           </a:p>
           <a:p>
             <a:pPr lvl="4"/>
             <a:r>
-              <a:rPr lang="en-US" smtClean="0"/>
+              <a:rPr lang="en-US"/>
               <a:t>Fifth level</a:t>
             </a:r>
-            <a:endParaRPr lang="en-US"/>
           </a:p>
         </p:txBody>
       </p:sp>
@@ -991,7 +1000,7 @@
           <a:p>
             <a:fld id="{78C97017-6FC3-485B-9764-EAC9E56C1D49}" type="datetimeFigureOut">
               <a:rPr lang="en-US" smtClean="0"/>
-              <a:t>10/16/2016</a:t>
+              <a:t>10/13/2018</a:t>
             </a:fld>
             <a:endParaRPr lang="en-US"/>
           </a:p>
@@ -1085,10 +1094,9 @@
           <a:lstStyle/>
           <a:p>
             <a:r>
-              <a:rPr lang="en-US" smtClean="0"/>
+              <a:rPr lang="en-US"/>
               <a:t>Click to edit Master title style</a:t>
             </a:r>
-            <a:endParaRPr lang="en-US"/>
           </a:p>
         </p:txBody>
       </p:sp>
@@ -1109,38 +1117,37 @@
           <a:p>
             <a:pPr lvl="0"/>
             <a:r>
-              <a:rPr lang="en-US" smtClean="0"/>
+              <a:rPr lang="en-US"/>
               <a:t>Click to edit Master text styles</a:t>
             </a:r>
           </a:p>
           <a:p>
             <a:pPr lvl="1"/>
             <a:r>
-              <a:rPr lang="en-US" smtClean="0"/>
+              <a:rPr lang="en-US"/>
               <a:t>Second level</a:t>
             </a:r>
           </a:p>
           <a:p>
             <a:pPr lvl="2"/>
             <a:r>
-              <a:rPr lang="en-US" smtClean="0"/>
+              <a:rPr lang="en-US"/>
               <a:t>Third level</a:t>
             </a:r>
           </a:p>
           <a:p>
             <a:pPr lvl="3"/>
             <a:r>
-              <a:rPr lang="en-US" smtClean="0"/>
+              <a:rPr lang="en-US"/>
               <a:t>Fourth level</a:t>
             </a:r>
           </a:p>
           <a:p>
             <a:pPr lvl="4"/>
             <a:r>
-              <a:rPr lang="en-US" smtClean="0"/>
+              <a:rPr lang="en-US"/>
               <a:t>Fifth level</a:t>
             </a:r>
-            <a:endParaRPr lang="en-US"/>
           </a:p>
         </p:txBody>
       </p:sp>
@@ -1161,7 +1168,7 @@
           <a:p>
             <a:fld id="{78C97017-6FC3-485B-9764-EAC9E56C1D49}" type="datetimeFigureOut">
               <a:rPr lang="en-US" smtClean="0"/>
-              <a:t>10/16/2016</a:t>
+              <a:t>10/13/2018</a:t>
             </a:fld>
             <a:endParaRPr lang="en-US"/>
           </a:p>
@@ -1264,10 +1271,9 @@
           </a:lstStyle>
           <a:p>
             <a:r>
-              <a:rPr lang="en-US" smtClean="0"/>
+              <a:rPr lang="en-US"/>
               <a:t>Click to edit Master title style</a:t>
             </a:r>
-            <a:endParaRPr lang="en-US"/>
           </a:p>
         </p:txBody>
       </p:sp>
@@ -1384,7 +1390,7 @@
           <a:p>
             <a:pPr lvl="0"/>
             <a:r>
-              <a:rPr lang="en-US" smtClean="0"/>
+              <a:rPr lang="en-US"/>
               <a:t>Click to edit Master text styles</a:t>
             </a:r>
           </a:p>
@@ -1407,7 +1413,7 @@
           <a:p>
             <a:fld id="{78C97017-6FC3-485B-9764-EAC9E56C1D49}" type="datetimeFigureOut">
               <a:rPr lang="en-US" smtClean="0"/>
-              <a:t>10/16/2016</a:t>
+              <a:t>10/13/2018</a:t>
             </a:fld>
             <a:endParaRPr lang="en-US"/>
           </a:p>
@@ -1501,10 +1507,9 @@
           <a:lstStyle/>
           <a:p>
             <a:r>
-              <a:rPr lang="en-US" smtClean="0"/>
+              <a:rPr lang="en-US"/>
               <a:t>Click to edit Master title style</a:t>
             </a:r>
-            <a:endParaRPr lang="en-US"/>
           </a:p>
         </p:txBody>
       </p:sp>
@@ -1558,38 +1563,37 @@
           <a:p>
             <a:pPr lvl="0"/>
             <a:r>
-              <a:rPr lang="en-US" smtClean="0"/>
+              <a:rPr lang="en-US"/>
               <a:t>Click to edit Master text styles</a:t>
             </a:r>
           </a:p>
           <a:p>
             <a:pPr lvl="1"/>
             <a:r>
-              <a:rPr lang="en-US" smtClean="0"/>
+              <a:rPr lang="en-US"/>
               <a:t>Second level</a:t>
             </a:r>
           </a:p>
           <a:p>
             <a:pPr lvl="2"/>
             <a:r>
-              <a:rPr lang="en-US" smtClean="0"/>
+              <a:rPr lang="en-US"/>
               <a:t>Third level</a:t>
             </a:r>
           </a:p>
           <a:p>
             <a:pPr lvl="3"/>
             <a:r>
-              <a:rPr lang="en-US" smtClean="0"/>
+              <a:rPr lang="en-US"/>
               <a:t>Fourth level</a:t>
             </a:r>
           </a:p>
           <a:p>
             <a:pPr lvl="4"/>
             <a:r>
-              <a:rPr lang="en-US" smtClean="0"/>
+              <a:rPr lang="en-US"/>
               <a:t>Fifth level</a:t>
             </a:r>
-            <a:endParaRPr lang="en-US"/>
           </a:p>
         </p:txBody>
       </p:sp>
@@ -1643,38 +1647,37 @@
           <a:p>
             <a:pPr lvl="0"/>
             <a:r>
-              <a:rPr lang="en-US" smtClean="0"/>
+              <a:rPr lang="en-US"/>
               <a:t>Click to edit Master text styles</a:t>
             </a:r>
           </a:p>
           <a:p>
             <a:pPr lvl="1"/>
             <a:r>
-              <a:rPr lang="en-US" smtClean="0"/>
+              <a:rPr lang="en-US"/>
               <a:t>Second level</a:t>
             </a:r>
           </a:p>
           <a:p>
             <a:pPr lvl="2"/>
             <a:r>
-              <a:rPr lang="en-US" smtClean="0"/>
+              <a:rPr lang="en-US"/>
               <a:t>Third level</a:t>
             </a:r>
           </a:p>
           <a:p>
             <a:pPr lvl="3"/>
             <a:r>
-              <a:rPr lang="en-US" smtClean="0"/>
+              <a:rPr lang="en-US"/>
               <a:t>Fourth level</a:t>
             </a:r>
           </a:p>
           <a:p>
             <a:pPr lvl="4"/>
             <a:r>
-              <a:rPr lang="en-US" smtClean="0"/>
+              <a:rPr lang="en-US"/>
               <a:t>Fifth level</a:t>
             </a:r>
-            <a:endParaRPr lang="en-US"/>
           </a:p>
         </p:txBody>
       </p:sp>
@@ -1695,7 +1698,7 @@
           <a:p>
             <a:fld id="{78C97017-6FC3-485B-9764-EAC9E56C1D49}" type="datetimeFigureOut">
               <a:rPr lang="en-US" smtClean="0"/>
-              <a:t>10/16/2016</a:t>
+              <a:t>10/13/2018</a:t>
             </a:fld>
             <a:endParaRPr lang="en-US"/>
           </a:p>
@@ -1793,10 +1796,9 @@
           </a:lstStyle>
           <a:p>
             <a:r>
-              <a:rPr lang="en-US" smtClean="0"/>
+              <a:rPr lang="en-US"/>
               <a:t>Click to edit Master title style</a:t>
             </a:r>
-            <a:endParaRPr lang="en-US"/>
           </a:p>
         </p:txBody>
       </p:sp>
@@ -1859,7 +1861,7 @@
           <a:p>
             <a:pPr lvl="0"/>
             <a:r>
-              <a:rPr lang="en-US" smtClean="0"/>
+              <a:rPr lang="en-US"/>
               <a:t>Click to edit Master text styles</a:t>
             </a:r>
           </a:p>
@@ -1915,38 +1917,37 @@
           <a:p>
             <a:pPr lvl="0"/>
             <a:r>
-              <a:rPr lang="en-US" smtClean="0"/>
+              <a:rPr lang="en-US"/>
               <a:t>Click to edit Master text styles</a:t>
             </a:r>
           </a:p>
           <a:p>
             <a:pPr lvl="1"/>
             <a:r>
-              <a:rPr lang="en-US" smtClean="0"/>
+              <a:rPr lang="en-US"/>
               <a:t>Second level</a:t>
             </a:r>
           </a:p>
           <a:p>
             <a:pPr lvl="2"/>
             <a:r>
-              <a:rPr lang="en-US" smtClean="0"/>
+              <a:rPr lang="en-US"/>
               <a:t>Third level</a:t>
             </a:r>
           </a:p>
           <a:p>
             <a:pPr lvl="3"/>
             <a:r>
-              <a:rPr lang="en-US" smtClean="0"/>
+              <a:rPr lang="en-US"/>
               <a:t>Fourth level</a:t>
             </a:r>
           </a:p>
           <a:p>
             <a:pPr lvl="4"/>
             <a:r>
-              <a:rPr lang="en-US" smtClean="0"/>
+              <a:rPr lang="en-US"/>
               <a:t>Fifth level</a:t>
             </a:r>
-            <a:endParaRPr lang="en-US"/>
           </a:p>
         </p:txBody>
       </p:sp>
@@ -2009,7 +2010,7 @@
           <a:p>
             <a:pPr lvl="0"/>
             <a:r>
-              <a:rPr lang="en-US" smtClean="0"/>
+              <a:rPr lang="en-US"/>
               <a:t>Click to edit Master text styles</a:t>
             </a:r>
           </a:p>
@@ -2065,38 +2066,37 @@
           <a:p>
             <a:pPr lvl="0"/>
             <a:r>
-              <a:rPr lang="en-US" smtClean="0"/>
+              <a:rPr lang="en-US"/>
               <a:t>Click to edit Master text styles</a:t>
             </a:r>
           </a:p>
           <a:p>
             <a:pPr lvl="1"/>
             <a:r>
-              <a:rPr lang="en-US" smtClean="0"/>
+              <a:rPr lang="en-US"/>
               <a:t>Second level</a:t>
             </a:r>
           </a:p>
           <a:p>
             <a:pPr lvl="2"/>
             <a:r>
-              <a:rPr lang="en-US" smtClean="0"/>
+              <a:rPr lang="en-US"/>
               <a:t>Third level</a:t>
             </a:r>
           </a:p>
           <a:p>
             <a:pPr lvl="3"/>
             <a:r>
-              <a:rPr lang="en-US" smtClean="0"/>
+              <a:rPr lang="en-US"/>
               <a:t>Fourth level</a:t>
             </a:r>
           </a:p>
           <a:p>
             <a:pPr lvl="4"/>
             <a:r>
-              <a:rPr lang="en-US" smtClean="0"/>
+              <a:rPr lang="en-US"/>
               <a:t>Fifth level</a:t>
             </a:r>
-            <a:endParaRPr lang="en-US"/>
           </a:p>
         </p:txBody>
       </p:sp>
@@ -2117,7 +2117,7 @@
           <a:p>
             <a:fld id="{78C97017-6FC3-485B-9764-EAC9E56C1D49}" type="datetimeFigureOut">
               <a:rPr lang="en-US" smtClean="0"/>
-              <a:t>10/16/2016</a:t>
+              <a:t>10/13/2018</a:t>
             </a:fld>
             <a:endParaRPr lang="en-US"/>
           </a:p>
@@ -2211,10 +2211,9 @@
           <a:lstStyle/>
           <a:p>
             <a:r>
-              <a:rPr lang="en-US" smtClean="0"/>
+              <a:rPr lang="en-US"/>
               <a:t>Click to edit Master title style</a:t>
             </a:r>
-            <a:endParaRPr lang="en-US"/>
           </a:p>
         </p:txBody>
       </p:sp>
@@ -2235,7 +2234,7 @@
           <a:p>
             <a:fld id="{78C97017-6FC3-485B-9764-EAC9E56C1D49}" type="datetimeFigureOut">
               <a:rPr lang="en-US" smtClean="0"/>
-              <a:t>10/16/2016</a:t>
+              <a:t>10/13/2018</a:t>
             </a:fld>
             <a:endParaRPr lang="en-US"/>
           </a:p>
@@ -2330,7 +2329,7 @@
           <a:p>
             <a:fld id="{78C97017-6FC3-485B-9764-EAC9E56C1D49}" type="datetimeFigureOut">
               <a:rPr lang="en-US" smtClean="0"/>
-              <a:t>10/16/2016</a:t>
+              <a:t>10/13/2018</a:t>
             </a:fld>
             <a:endParaRPr lang="en-US"/>
           </a:p>
@@ -2433,10 +2432,9 @@
           </a:lstStyle>
           <a:p>
             <a:r>
-              <a:rPr lang="en-US" smtClean="0"/>
+              <a:rPr lang="en-US"/>
               <a:t>Click to edit Master title style</a:t>
             </a:r>
-            <a:endParaRPr lang="en-US"/>
           </a:p>
         </p:txBody>
       </p:sp>
@@ -2490,38 +2488,37 @@
           <a:p>
             <a:pPr lvl="0"/>
             <a:r>
-              <a:rPr lang="en-US" smtClean="0"/>
+              <a:rPr lang="en-US"/>
               <a:t>Click to edit Master text styles</a:t>
             </a:r>
           </a:p>
           <a:p>
             <a:pPr lvl="1"/>
             <a:r>
-              <a:rPr lang="en-US" smtClean="0"/>
+              <a:rPr lang="en-US"/>
               <a:t>Second level</a:t>
             </a:r>
           </a:p>
           <a:p>
             <a:pPr lvl="2"/>
             <a:r>
-              <a:rPr lang="en-US" smtClean="0"/>
+              <a:rPr lang="en-US"/>
               <a:t>Third level</a:t>
             </a:r>
           </a:p>
           <a:p>
             <a:pPr lvl="3"/>
             <a:r>
-              <a:rPr lang="en-US" smtClean="0"/>
+              <a:rPr lang="en-US"/>
               <a:t>Fourth level</a:t>
             </a:r>
           </a:p>
           <a:p>
             <a:pPr lvl="4"/>
             <a:r>
-              <a:rPr lang="en-US" smtClean="0"/>
+              <a:rPr lang="en-US"/>
               <a:t>Fifth level</a:t>
             </a:r>
-            <a:endParaRPr lang="en-US"/>
           </a:p>
         </p:txBody>
       </p:sp>
@@ -2584,7 +2581,7 @@
           <a:p>
             <a:pPr lvl="0"/>
             <a:r>
-              <a:rPr lang="en-US" smtClean="0"/>
+              <a:rPr lang="en-US"/>
               <a:t>Click to edit Master text styles</a:t>
             </a:r>
           </a:p>
@@ -2607,7 +2604,7 @@
           <a:p>
             <a:fld id="{78C97017-6FC3-485B-9764-EAC9E56C1D49}" type="datetimeFigureOut">
               <a:rPr lang="en-US" smtClean="0"/>
-              <a:t>10/16/2016</a:t>
+              <a:t>10/13/2018</a:t>
             </a:fld>
             <a:endParaRPr lang="en-US"/>
           </a:p>
@@ -2710,10 +2707,9 @@
           </a:lstStyle>
           <a:p>
             <a:r>
-              <a:rPr lang="en-US" smtClean="0"/>
+              <a:rPr lang="en-US"/>
               <a:t>Click to edit Master title style</a:t>
             </a:r>
-            <a:endParaRPr lang="en-US"/>
           </a:p>
         </p:txBody>
       </p:sp>
@@ -2837,7 +2833,7 @@
           <a:p>
             <a:pPr lvl="0"/>
             <a:r>
-              <a:rPr lang="en-US" smtClean="0"/>
+              <a:rPr lang="en-US"/>
               <a:t>Click to edit Master text styles</a:t>
             </a:r>
           </a:p>
@@ -2860,7 +2856,7 @@
           <a:p>
             <a:fld id="{78C97017-6FC3-485B-9764-EAC9E56C1D49}" type="datetimeFigureOut">
               <a:rPr lang="en-US" smtClean="0"/>
-              <a:t>10/16/2016</a:t>
+              <a:t>10/13/2018</a:t>
             </a:fld>
             <a:endParaRPr lang="en-US"/>
           </a:p>
@@ -2969,10 +2965,9 @@
           <a:lstStyle/>
           <a:p>
             <a:r>
-              <a:rPr lang="en-US" smtClean="0"/>
+              <a:rPr lang="en-US"/>
               <a:t>Click to edit Master title style</a:t>
             </a:r>
-            <a:endParaRPr lang="en-US"/>
           </a:p>
         </p:txBody>
       </p:sp>
@@ -3003,38 +2998,37 @@
           <a:p>
             <a:pPr lvl="0"/>
             <a:r>
-              <a:rPr lang="en-US" smtClean="0"/>
+              <a:rPr lang="en-US"/>
               <a:t>Click to edit Master text styles</a:t>
             </a:r>
           </a:p>
           <a:p>
             <a:pPr lvl="1"/>
             <a:r>
-              <a:rPr lang="en-US" smtClean="0"/>
+              <a:rPr lang="en-US"/>
               <a:t>Second level</a:t>
             </a:r>
           </a:p>
           <a:p>
             <a:pPr lvl="2"/>
             <a:r>
-              <a:rPr lang="en-US" smtClean="0"/>
+              <a:rPr lang="en-US"/>
               <a:t>Third level</a:t>
             </a:r>
           </a:p>
           <a:p>
             <a:pPr lvl="3"/>
             <a:r>
-              <a:rPr lang="en-US" smtClean="0"/>
+              <a:rPr lang="en-US"/>
               <a:t>Fourth level</a:t>
             </a:r>
           </a:p>
           <a:p>
             <a:pPr lvl="4"/>
             <a:r>
-              <a:rPr lang="en-US" smtClean="0"/>
+              <a:rPr lang="en-US"/>
               <a:t>Fifth level</a:t>
             </a:r>
-            <a:endParaRPr lang="en-US"/>
           </a:p>
         </p:txBody>
       </p:sp>
@@ -3073,7 +3067,7 @@
           <a:p>
             <a:fld id="{78C97017-6FC3-485B-9764-EAC9E56C1D49}" type="datetimeFigureOut">
               <a:rPr lang="en-US" smtClean="0"/>
-              <a:t>10/16/2016</a:t>
+              <a:t>10/13/2018</a:t>
             </a:fld>
             <a:endParaRPr lang="en-US"/>
           </a:p>
@@ -3457,7 +3451,7 @@
         <p:spPr>
           <a:xfrm>
             <a:off x="1119865" y="2086382"/>
-            <a:ext cx="7871735" cy="1723618"/>
+            <a:ext cx="7871735" cy="3233318"/>
           </a:xfrm>
           <a:prstGeom prst="roundRect">
             <a:avLst>
@@ -3494,7 +3488,7 @@
           <a:lstStyle/>
           <a:p>
             <a:r>
-              <a:rPr lang="en-US" sz="1200" b="1" dirty="0" smtClean="0">
+              <a:rPr lang="en-US" sz="1200" b="1" dirty="0">
                 <a:solidFill>
                   <a:schemeClr val="accent6">
                     <a:lumMod val="75000"/>
@@ -3561,7 +3555,7 @@
           <a:p>
             <a:pPr algn="ctr"/>
             <a:r>
-              <a:rPr lang="en-US" sz="1050" dirty="0" smtClean="0">
+              <a:rPr lang="en-US" sz="1050" dirty="0">
                 <a:solidFill>
                   <a:schemeClr val="bg1"/>
                 </a:solidFill>
@@ -3569,14 +3563,14 @@
               <a:t>&lt;&lt;interface&gt;&gt;</a:t>
             </a:r>
             <a:br>
-              <a:rPr lang="en-US" sz="1050" dirty="0" smtClean="0">
+              <a:rPr lang="en-US" sz="1050" dirty="0">
                 <a:solidFill>
                   <a:schemeClr val="bg1"/>
                 </a:solidFill>
               </a:rPr>
             </a:br>
             <a:r>
-              <a:rPr lang="en-US" sz="1050" dirty="0" err="1" smtClean="0">
+              <a:rPr lang="en-US" sz="1050" dirty="0" err="1">
                 <a:solidFill>
                   <a:schemeClr val="bg1"/>
                 </a:solidFill>
@@ -3639,7 +3633,7 @@
           <a:p>
             <a:pPr algn="ctr"/>
             <a:r>
-              <a:rPr lang="en-US" sz="1050" dirty="0" err="1" smtClean="0">
+              <a:rPr lang="en-US" sz="1050" dirty="0" err="1">
                 <a:solidFill>
                   <a:schemeClr val="bg1"/>
                 </a:solidFill>
@@ -3713,7 +3707,7 @@
           <a:p>
             <a:pPr algn="ctr"/>
             <a:r>
-              <a:rPr lang="en-US" sz="1050" dirty="0" smtClean="0">
+              <a:rPr lang="en-US" sz="1050" dirty="0">
                 <a:solidFill>
                   <a:schemeClr val="bg1"/>
                 </a:solidFill>
@@ -4147,7 +4141,7 @@
           <a:p>
             <a:pPr algn="ctr"/>
             <a:r>
-              <a:rPr lang="en-US" sz="1050" b="1" dirty="0" err="1" smtClean="0">
+              <a:rPr lang="en-US" sz="1050" b="1" dirty="0" err="1">
                 <a:solidFill>
                   <a:schemeClr val="accent6">
                     <a:lumMod val="75000"/>
@@ -4156,18 +4150,8 @@
               </a:rPr>
               <a:t>XmlAddressBook</a:t>
             </a:r>
-            <a:r>
-              <a:rPr lang="en-US" sz="1050" b="1" dirty="0" smtClean="0">
-                <a:solidFill>
-                  <a:schemeClr val="accent6">
-                    <a:lumMod val="75000"/>
-                  </a:schemeClr>
-                </a:solidFill>
-              </a:rPr>
-              <a:t/>
-            </a:r>
             <a:br>
-              <a:rPr lang="en-US" sz="1050" b="1" dirty="0" smtClean="0">
+              <a:rPr lang="en-US" sz="1050" b="1" dirty="0">
                 <a:solidFill>
                   <a:schemeClr val="accent6">
                     <a:lumMod val="75000"/>
@@ -4176,7 +4160,7 @@
               </a:rPr>
             </a:br>
             <a:r>
-              <a:rPr lang="en-US" sz="1050" b="1" dirty="0" smtClean="0">
+              <a:rPr lang="en-US" sz="1050" b="1" dirty="0">
                 <a:solidFill>
                   <a:schemeClr val="accent6">
                     <a:lumMod val="75000"/>
@@ -4243,7 +4227,7 @@
           <a:p>
             <a:pPr algn="ctr"/>
             <a:r>
-              <a:rPr lang="en-US" sz="1050" dirty="0" smtClean="0">
+              <a:rPr lang="en-US" sz="1050" dirty="0">
                 <a:solidFill>
                   <a:schemeClr val="bg1"/>
                 </a:solidFill>
@@ -4251,14 +4235,14 @@
               <a:t>&lt;&lt;interface&gt;&gt;</a:t>
             </a:r>
             <a:br>
-              <a:rPr lang="en-US" sz="1050" dirty="0" smtClean="0">
+              <a:rPr lang="en-US" sz="1050" dirty="0">
                 <a:solidFill>
                   <a:schemeClr val="bg1"/>
                 </a:solidFill>
               </a:rPr>
             </a:br>
             <a:r>
-              <a:rPr lang="en-US" sz="1050" dirty="0" err="1" smtClean="0">
+              <a:rPr lang="en-US" sz="1050" dirty="0" err="1">
                 <a:solidFill>
                   <a:schemeClr val="bg1"/>
                 </a:solidFill>
@@ -4516,30 +4500,22 @@
           <a:p>
             <a:pPr algn="ctr"/>
             <a:r>
-              <a:rPr lang="en-US" sz="1050" dirty="0" err="1" smtClean="0">
+              <a:rPr lang="en-US" sz="1050" dirty="0" err="1">
                 <a:solidFill>
                   <a:schemeClr val="bg1"/>
                 </a:solidFill>
               </a:rPr>
               <a:t>JsonUserPrefs</a:t>
             </a:r>
-            <a:r>
-              <a:rPr lang="en-US" sz="1050" dirty="0" smtClean="0">
-                <a:solidFill>
-                  <a:schemeClr val="bg1"/>
-                </a:solidFill>
-              </a:rPr>
-              <a:t/>
-            </a:r>
             <a:br>
-              <a:rPr lang="en-US" sz="1050" dirty="0" smtClean="0">
+              <a:rPr lang="en-US" sz="1050" dirty="0">
                 <a:solidFill>
                   <a:schemeClr val="bg1"/>
                 </a:solidFill>
               </a:rPr>
             </a:br>
             <a:r>
-              <a:rPr lang="en-US" sz="1050" dirty="0" smtClean="0">
+              <a:rPr lang="en-US" sz="1050" dirty="0">
                 <a:solidFill>
                   <a:schemeClr val="bg1"/>
                 </a:solidFill>
@@ -4591,7 +4567,7 @@
           <a:p>
             <a:pPr algn="ctr"/>
             <a:r>
-              <a:rPr lang="en-US" sz="1050" b="1" dirty="0" err="1" smtClean="0">
+              <a:rPr lang="en-US" sz="1050" b="1" dirty="0" err="1">
                 <a:solidFill>
                   <a:schemeClr val="accent6">
                     <a:lumMod val="75000"/>
@@ -4600,18 +4576,8 @@
               </a:rPr>
               <a:t>XmlSerializable</a:t>
             </a:r>
-            <a:r>
-              <a:rPr lang="en-US" sz="1050" b="1" dirty="0" smtClean="0">
-                <a:solidFill>
-                  <a:schemeClr val="accent6">
-                    <a:lumMod val="75000"/>
-                  </a:schemeClr>
-                </a:solidFill>
-              </a:rPr>
-              <a:t/>
-            </a:r>
             <a:br>
-              <a:rPr lang="en-US" sz="1050" b="1" dirty="0" smtClean="0">
+              <a:rPr lang="en-US" sz="1050" b="1" dirty="0">
                 <a:solidFill>
                   <a:schemeClr val="accent6">
                     <a:lumMod val="75000"/>
@@ -4620,7 +4586,7 @@
               </a:rPr>
             </a:br>
             <a:r>
-              <a:rPr lang="en-US" sz="1050" b="1" dirty="0" err="1" smtClean="0">
+              <a:rPr lang="en-US" sz="1050" b="1" dirty="0" err="1">
                 <a:solidFill>
                   <a:schemeClr val="accent6">
                     <a:lumMod val="75000"/>
@@ -4643,15 +4609,16 @@
         <p:nvCxnSpPr>
           <p:cNvPr id="70" name="Elbow Connector 122"/>
           <p:cNvCxnSpPr>
-            <a:stCxn id="74" idx="0"/>
-            <a:endCxn id="73" idx="2"/>
+            <a:cxnSpLocks/>
+            <a:stCxn id="74" idx="2"/>
+            <a:endCxn id="73" idx="0"/>
           </p:cNvCxnSpPr>
           <p:nvPr/>
         </p:nvCxnSpPr>
         <p:spPr>
-          <a:xfrm rot="5400000" flipH="1" flipV="1">
-            <a:off x="8077993" y="2992020"/>
-            <a:ext cx="335208" cy="12700"/>
+          <a:xfrm rot="5400000">
+            <a:off x="8045825" y="3668130"/>
+            <a:ext cx="361518" cy="38027"/>
           </a:xfrm>
           <a:prstGeom prst="bentConnector3">
             <a:avLst>
@@ -4688,7 +4655,7 @@
         </p:nvSpPr>
         <p:spPr>
           <a:xfrm>
-            <a:off x="7615738" y="2477656"/>
+            <a:off x="7577711" y="3867902"/>
             <a:ext cx="1259718" cy="346760"/>
           </a:xfrm>
           <a:prstGeom prst="rect">
@@ -4717,7 +4684,7 @@
           <a:p>
             <a:pPr algn="ctr"/>
             <a:r>
-              <a:rPr lang="en-US" sz="1050" b="1" dirty="0" err="1" smtClean="0">
+              <a:rPr lang="en-US" sz="1050" b="1" dirty="0" err="1">
                 <a:solidFill>
                   <a:schemeClr val="accent6">
                     <a:lumMod val="75000"/>
@@ -4773,7 +4740,7 @@
           <a:p>
             <a:pPr algn="ctr"/>
             <a:r>
-              <a:rPr lang="en-US" sz="1050" b="1" dirty="0" err="1" smtClean="0">
+              <a:rPr lang="en-US" sz="1050" b="1" dirty="0" err="1">
                 <a:solidFill>
                   <a:schemeClr val="accent6">
                     <a:lumMod val="75000"/>
@@ -4805,6 +4772,647 @@
           <a:xfrm flipV="1">
             <a:off x="7220507" y="3333004"/>
             <a:ext cx="395231" cy="786"/>
+          </a:xfrm>
+          <a:prstGeom prst="bentConnector3">
+            <a:avLst>
+              <a:gd name="adj1" fmla="val 50000"/>
+            </a:avLst>
+          </a:prstGeom>
+          <a:ln w="19050">
+            <a:prstDash val="sysDot"/>
+            <a:headEnd type="none" w="med" len="med"/>
+            <a:tailEnd type="arrow" w="med" len="med"/>
+          </a:ln>
+          <a:effectLst/>
+        </p:spPr>
+        <p:style>
+          <a:lnRef idx="1">
+            <a:schemeClr val="accent6"/>
+          </a:lnRef>
+          <a:fillRef idx="2">
+            <a:schemeClr val="accent6"/>
+          </a:fillRef>
+          <a:effectRef idx="1">
+            <a:schemeClr val="accent6"/>
+          </a:effectRef>
+          <a:fontRef idx="minor">
+            <a:schemeClr val="dk1"/>
+          </a:fontRef>
+        </p:style>
+      </p:cxnSp>
+      <p:sp>
+        <p:nvSpPr>
+          <p:cNvPr id="39" name="Rectangle 8">
+            <a:extLst>
+              <a:ext uri="{FF2B5EF4-FFF2-40B4-BE49-F238E27FC236}">
+                <a16:creationId xmlns:a16="http://schemas.microsoft.com/office/drawing/2014/main" id="{C3CA084F-57AF-477F-AC8A-0BA6D1AE9B4E}"/>
+              </a:ext>
+            </a:extLst>
+          </p:cNvPr>
+          <p:cNvSpPr/>
+          <p:nvPr/>
+        </p:nvSpPr>
+        <p:spPr>
+          <a:xfrm>
+            <a:off x="6023344" y="3866617"/>
+            <a:ext cx="1259718" cy="346760"/>
+          </a:xfrm>
+          <a:prstGeom prst="rect">
+            <a:avLst/>
+          </a:prstGeom>
+          <a:ln w="19050"/>
+          <a:effectLst/>
+        </p:spPr>
+        <p:style>
+          <a:lnRef idx="1">
+            <a:schemeClr val="accent6"/>
+          </a:lnRef>
+          <a:fillRef idx="2">
+            <a:schemeClr val="accent6"/>
+          </a:fillRef>
+          <a:effectRef idx="1">
+            <a:schemeClr val="accent6"/>
+          </a:effectRef>
+          <a:fontRef idx="minor">
+            <a:schemeClr val="dk1"/>
+          </a:fontRef>
+        </p:style>
+        <p:txBody>
+          <a:bodyPr rtlCol="0" anchor="ctr"/>
+          <a:lstStyle/>
+          <a:p>
+            <a:pPr algn="ctr"/>
+            <a:r>
+              <a:rPr lang="en-US" sz="1050" b="1" dirty="0" err="1">
+                <a:solidFill>
+                  <a:schemeClr val="accent6">
+                    <a:lumMod val="75000"/>
+                  </a:schemeClr>
+                </a:solidFill>
+              </a:rPr>
+              <a:t>XmlAdaptedEvent</a:t>
+            </a:r>
+            <a:endParaRPr lang="en-SG" sz="1050" b="1" dirty="0">
+              <a:solidFill>
+                <a:schemeClr val="accent6">
+                  <a:lumMod val="75000"/>
+                </a:schemeClr>
+              </a:solidFill>
+            </a:endParaRPr>
+          </a:p>
+        </p:txBody>
+      </p:sp>
+      <p:cxnSp>
+        <p:nvCxnSpPr>
+          <p:cNvPr id="43" name="Elbow Connector 122">
+            <a:extLst>
+              <a:ext uri="{FF2B5EF4-FFF2-40B4-BE49-F238E27FC236}">
+                <a16:creationId xmlns:a16="http://schemas.microsoft.com/office/drawing/2014/main" id="{B67B120C-5ACC-4E5D-BB3D-77828D97E41E}"/>
+              </a:ext>
+            </a:extLst>
+          </p:cNvPr>
+          <p:cNvCxnSpPr>
+            <a:cxnSpLocks/>
+            <a:stCxn id="39" idx="2"/>
+            <a:endCxn id="63" idx="0"/>
+          </p:cNvCxnSpPr>
+          <p:nvPr/>
+        </p:nvCxnSpPr>
+        <p:spPr>
+          <a:xfrm rot="16200000" flipH="1">
+            <a:off x="7108754" y="3757825"/>
+            <a:ext cx="414194" cy="1325297"/>
+          </a:xfrm>
+          <a:prstGeom prst="bentConnector3">
+            <a:avLst>
+              <a:gd name="adj1" fmla="val 50000"/>
+            </a:avLst>
+          </a:prstGeom>
+          <a:ln w="19050">
+            <a:prstDash val="sysDot"/>
+            <a:headEnd type="none" w="med" len="med"/>
+            <a:tailEnd type="arrow" w="med" len="med"/>
+          </a:ln>
+          <a:effectLst/>
+        </p:spPr>
+        <p:style>
+          <a:lnRef idx="1">
+            <a:schemeClr val="accent6"/>
+          </a:lnRef>
+          <a:fillRef idx="2">
+            <a:schemeClr val="accent6"/>
+          </a:fillRef>
+          <a:effectRef idx="1">
+            <a:schemeClr val="accent6"/>
+          </a:effectRef>
+          <a:fontRef idx="minor">
+            <a:schemeClr val="dk1"/>
+          </a:fontRef>
+        </p:style>
+      </p:cxnSp>
+      <p:cxnSp>
+        <p:nvCxnSpPr>
+          <p:cNvPr id="51" name="Elbow Connector 122">
+            <a:extLst>
+              <a:ext uri="{FF2B5EF4-FFF2-40B4-BE49-F238E27FC236}">
+                <a16:creationId xmlns:a16="http://schemas.microsoft.com/office/drawing/2014/main" id="{5DDAC42F-782C-4FAF-ADAE-5112F97D8F94}"/>
+              </a:ext>
+            </a:extLst>
+          </p:cNvPr>
+          <p:cNvCxnSpPr>
+            <a:cxnSpLocks/>
+            <a:endCxn id="62" idx="0"/>
+          </p:cNvCxnSpPr>
+          <p:nvPr/>
+        </p:nvCxnSpPr>
+        <p:spPr>
+          <a:xfrm rot="10800000" flipV="1">
+            <a:off x="4572000" y="4026010"/>
+            <a:ext cx="1447800" cy="606960"/>
+          </a:xfrm>
+          <a:prstGeom prst="bentConnector2">
+            <a:avLst/>
+          </a:prstGeom>
+          <a:ln w="19050">
+            <a:prstDash val="sysDot"/>
+            <a:headEnd type="none" w="med" len="med"/>
+            <a:tailEnd type="arrow" w="med" len="med"/>
+          </a:ln>
+          <a:effectLst/>
+        </p:spPr>
+        <p:style>
+          <a:lnRef idx="1">
+            <a:schemeClr val="accent6"/>
+          </a:lnRef>
+          <a:fillRef idx="2">
+            <a:schemeClr val="accent6"/>
+          </a:fillRef>
+          <a:effectRef idx="1">
+            <a:schemeClr val="accent6"/>
+          </a:effectRef>
+          <a:fontRef idx="minor">
+            <a:schemeClr val="dk1"/>
+          </a:fontRef>
+        </p:style>
+      </p:cxnSp>
+      <p:cxnSp>
+        <p:nvCxnSpPr>
+          <p:cNvPr id="53" name="Elbow Connector 122">
+            <a:extLst>
+              <a:ext uri="{FF2B5EF4-FFF2-40B4-BE49-F238E27FC236}">
+                <a16:creationId xmlns:a16="http://schemas.microsoft.com/office/drawing/2014/main" id="{4BF805D6-F56C-4A59-878B-6D3AB1AA83C1}"/>
+              </a:ext>
+            </a:extLst>
+          </p:cNvPr>
+          <p:cNvCxnSpPr>
+            <a:cxnSpLocks/>
+            <a:endCxn id="73" idx="1"/>
+          </p:cNvCxnSpPr>
+          <p:nvPr/>
+        </p:nvCxnSpPr>
+        <p:spPr>
+          <a:xfrm>
+            <a:off x="7283062" y="4041282"/>
+            <a:ext cx="294649" cy="12700"/>
+          </a:xfrm>
+          <a:prstGeom prst="bentConnector3">
+            <a:avLst>
+              <a:gd name="adj1" fmla="val 50000"/>
+            </a:avLst>
+          </a:prstGeom>
+          <a:ln w="19050">
+            <a:prstDash val="sysDot"/>
+            <a:headEnd type="none" w="med" len="med"/>
+            <a:tailEnd type="arrow" w="med" len="med"/>
+          </a:ln>
+          <a:effectLst/>
+        </p:spPr>
+        <p:style>
+          <a:lnRef idx="1">
+            <a:schemeClr val="accent6"/>
+          </a:lnRef>
+          <a:fillRef idx="2">
+            <a:schemeClr val="accent6"/>
+          </a:fillRef>
+          <a:effectRef idx="1">
+            <a:schemeClr val="accent6"/>
+          </a:effectRef>
+          <a:fontRef idx="minor">
+            <a:schemeClr val="dk1"/>
+          </a:fontRef>
+        </p:style>
+      </p:cxnSp>
+      <p:sp>
+        <p:nvSpPr>
+          <p:cNvPr id="62" name="Rectangle 8">
+            <a:extLst>
+              <a:ext uri="{FF2B5EF4-FFF2-40B4-BE49-F238E27FC236}">
+                <a16:creationId xmlns:a16="http://schemas.microsoft.com/office/drawing/2014/main" id="{3770A15A-CBAA-4E96-AF1E-07AC3C4F1C91}"/>
+              </a:ext>
+            </a:extLst>
+          </p:cNvPr>
+          <p:cNvSpPr/>
+          <p:nvPr/>
+        </p:nvSpPr>
+        <p:spPr>
+          <a:xfrm>
+            <a:off x="3942141" y="4632970"/>
+            <a:ext cx="1259718" cy="346760"/>
+          </a:xfrm>
+          <a:prstGeom prst="rect">
+            <a:avLst/>
+          </a:prstGeom>
+          <a:ln w="19050"/>
+          <a:effectLst/>
+        </p:spPr>
+        <p:style>
+          <a:lnRef idx="1">
+            <a:schemeClr val="accent6"/>
+          </a:lnRef>
+          <a:fillRef idx="2">
+            <a:schemeClr val="accent6"/>
+          </a:fillRef>
+          <a:effectRef idx="1">
+            <a:schemeClr val="accent6"/>
+          </a:effectRef>
+          <a:fontRef idx="minor">
+            <a:schemeClr val="dk1"/>
+          </a:fontRef>
+        </p:style>
+        <p:txBody>
+          <a:bodyPr rtlCol="0" anchor="ctr"/>
+          <a:lstStyle/>
+          <a:p>
+            <a:pPr algn="ctr"/>
+            <a:r>
+              <a:rPr lang="en-US" sz="1050" b="1" dirty="0" err="1">
+                <a:solidFill>
+                  <a:schemeClr val="accent6">
+                    <a:lumMod val="75000"/>
+                  </a:schemeClr>
+                </a:solidFill>
+              </a:rPr>
+              <a:t>XmlAdaptedPoll</a:t>
+            </a:r>
+            <a:endParaRPr lang="en-SG" sz="1050" b="1" dirty="0">
+              <a:solidFill>
+                <a:schemeClr val="accent6">
+                  <a:lumMod val="75000"/>
+                </a:schemeClr>
+              </a:solidFill>
+            </a:endParaRPr>
+          </a:p>
+        </p:txBody>
+      </p:sp>
+      <p:sp>
+        <p:nvSpPr>
+          <p:cNvPr id="63" name="Rectangle 8">
+            <a:extLst>
+              <a:ext uri="{FF2B5EF4-FFF2-40B4-BE49-F238E27FC236}">
+                <a16:creationId xmlns:a16="http://schemas.microsoft.com/office/drawing/2014/main" id="{2BB9BC6E-0A1E-4B24-BC78-DD9B668DD5AF}"/>
+              </a:ext>
+            </a:extLst>
+          </p:cNvPr>
+          <p:cNvSpPr/>
+          <p:nvPr/>
+        </p:nvSpPr>
+        <p:spPr>
+          <a:xfrm>
+            <a:off x="7348641" y="4627571"/>
+            <a:ext cx="1259718" cy="346760"/>
+          </a:xfrm>
+          <a:prstGeom prst="rect">
+            <a:avLst/>
+          </a:prstGeom>
+          <a:ln w="19050"/>
+          <a:effectLst/>
+        </p:spPr>
+        <p:style>
+          <a:lnRef idx="1">
+            <a:schemeClr val="accent6"/>
+          </a:lnRef>
+          <a:fillRef idx="2">
+            <a:schemeClr val="accent6"/>
+          </a:fillRef>
+          <a:effectRef idx="1">
+            <a:schemeClr val="accent6"/>
+          </a:effectRef>
+          <a:fontRef idx="minor">
+            <a:schemeClr val="dk1"/>
+          </a:fontRef>
+        </p:style>
+        <p:txBody>
+          <a:bodyPr rtlCol="0" anchor="ctr"/>
+          <a:lstStyle/>
+          <a:p>
+            <a:pPr algn="ctr"/>
+            <a:r>
+              <a:rPr lang="en-US" sz="1050" b="1" dirty="0" err="1">
+                <a:solidFill>
+                  <a:schemeClr val="accent6">
+                    <a:lumMod val="75000"/>
+                  </a:schemeClr>
+                </a:solidFill>
+              </a:rPr>
+              <a:t>XmlPersonIndex</a:t>
+            </a:r>
+            <a:endParaRPr lang="en-SG" sz="1050" b="1" dirty="0">
+              <a:solidFill>
+                <a:schemeClr val="accent6">
+                  <a:lumMod val="75000"/>
+                </a:schemeClr>
+              </a:solidFill>
+            </a:endParaRPr>
+          </a:p>
+        </p:txBody>
+      </p:sp>
+      <p:cxnSp>
+        <p:nvCxnSpPr>
+          <p:cNvPr id="78" name="Elbow Connector 122">
+            <a:extLst>
+              <a:ext uri="{FF2B5EF4-FFF2-40B4-BE49-F238E27FC236}">
+                <a16:creationId xmlns:a16="http://schemas.microsoft.com/office/drawing/2014/main" id="{7F7E3864-1089-4AF4-84DB-D7CCB3006599}"/>
+              </a:ext>
+            </a:extLst>
+          </p:cNvPr>
+          <p:cNvCxnSpPr>
+            <a:cxnSpLocks/>
+            <a:stCxn id="62" idx="3"/>
+            <a:endCxn id="83" idx="1"/>
+          </p:cNvCxnSpPr>
+          <p:nvPr/>
+        </p:nvCxnSpPr>
+        <p:spPr>
+          <a:xfrm>
+            <a:off x="5201859" y="4806350"/>
+            <a:ext cx="323787" cy="1771"/>
+          </a:xfrm>
+          <a:prstGeom prst="bentConnector3">
+            <a:avLst>
+              <a:gd name="adj1" fmla="val 50000"/>
+            </a:avLst>
+          </a:prstGeom>
+          <a:ln w="19050">
+            <a:prstDash val="sysDot"/>
+            <a:headEnd type="none" w="med" len="med"/>
+            <a:tailEnd type="arrow" w="med" len="med"/>
+          </a:ln>
+          <a:effectLst/>
+        </p:spPr>
+        <p:style>
+          <a:lnRef idx="1">
+            <a:schemeClr val="accent6"/>
+          </a:lnRef>
+          <a:fillRef idx="2">
+            <a:schemeClr val="accent6"/>
+          </a:fillRef>
+          <a:effectRef idx="1">
+            <a:schemeClr val="accent6"/>
+          </a:effectRef>
+          <a:fontRef idx="minor">
+            <a:schemeClr val="dk1"/>
+          </a:fontRef>
+        </p:style>
+      </p:cxnSp>
+      <p:sp>
+        <p:nvSpPr>
+          <p:cNvPr id="83" name="Rectangle 8">
+            <a:extLst>
+              <a:ext uri="{FF2B5EF4-FFF2-40B4-BE49-F238E27FC236}">
+                <a16:creationId xmlns:a16="http://schemas.microsoft.com/office/drawing/2014/main" id="{E3F1142C-3789-4280-86D4-43C7BA79572A}"/>
+              </a:ext>
+            </a:extLst>
+          </p:cNvPr>
+          <p:cNvSpPr/>
+          <p:nvPr/>
+        </p:nvSpPr>
+        <p:spPr>
+          <a:xfrm>
+            <a:off x="5525646" y="4618653"/>
+            <a:ext cx="1407856" cy="378936"/>
+          </a:xfrm>
+          <a:prstGeom prst="rect">
+            <a:avLst/>
+          </a:prstGeom>
+          <a:ln w="19050"/>
+          <a:effectLst/>
+        </p:spPr>
+        <p:style>
+          <a:lnRef idx="1">
+            <a:schemeClr val="accent6"/>
+          </a:lnRef>
+          <a:fillRef idx="2">
+            <a:schemeClr val="accent6"/>
+          </a:fillRef>
+          <a:effectRef idx="1">
+            <a:schemeClr val="accent6"/>
+          </a:effectRef>
+          <a:fontRef idx="minor">
+            <a:schemeClr val="dk1"/>
+          </a:fontRef>
+        </p:style>
+        <p:txBody>
+          <a:bodyPr rtlCol="0" anchor="ctr"/>
+          <a:lstStyle/>
+          <a:p>
+            <a:pPr algn="ctr"/>
+            <a:r>
+              <a:rPr lang="en-US" sz="1050" b="1" dirty="0" err="1">
+                <a:solidFill>
+                  <a:schemeClr val="accent6">
+                    <a:lumMod val="75000"/>
+                  </a:schemeClr>
+                </a:solidFill>
+              </a:rPr>
+              <a:t>XmlAdaptedPollEntry</a:t>
+            </a:r>
+            <a:endParaRPr lang="en-SG" sz="1050" b="1" dirty="0">
+              <a:solidFill>
+                <a:schemeClr val="accent6">
+                  <a:lumMod val="75000"/>
+                </a:schemeClr>
+              </a:solidFill>
+            </a:endParaRPr>
+          </a:p>
+        </p:txBody>
+      </p:sp>
+      <p:cxnSp>
+        <p:nvCxnSpPr>
+          <p:cNvPr id="84" name="Elbow Connector 122">
+            <a:extLst>
+              <a:ext uri="{FF2B5EF4-FFF2-40B4-BE49-F238E27FC236}">
+                <a16:creationId xmlns:a16="http://schemas.microsoft.com/office/drawing/2014/main" id="{B72D6BC9-17C8-4E6C-B83B-3FCA347E7B70}"/>
+              </a:ext>
+            </a:extLst>
+          </p:cNvPr>
+          <p:cNvCxnSpPr>
+            <a:cxnSpLocks/>
+            <a:stCxn id="66" idx="2"/>
+            <a:endCxn id="39" idx="0"/>
+          </p:cNvCxnSpPr>
+          <p:nvPr/>
+        </p:nvCxnSpPr>
+        <p:spPr>
+          <a:xfrm rot="16200000" flipH="1">
+            <a:off x="6456955" y="3670368"/>
+            <a:ext cx="359447" cy="33049"/>
+          </a:xfrm>
+          <a:prstGeom prst="bentConnector3">
+            <a:avLst>
+              <a:gd name="adj1" fmla="val 50000"/>
+            </a:avLst>
+          </a:prstGeom>
+          <a:ln w="19050">
+            <a:prstDash val="sysDot"/>
+            <a:headEnd type="none" w="med" len="med"/>
+            <a:tailEnd type="arrow" w="med" len="med"/>
+          </a:ln>
+          <a:effectLst/>
+        </p:spPr>
+        <p:style>
+          <a:lnRef idx="1">
+            <a:schemeClr val="accent6"/>
+          </a:lnRef>
+          <a:fillRef idx="2">
+            <a:schemeClr val="accent6"/>
+          </a:fillRef>
+          <a:effectRef idx="1">
+            <a:schemeClr val="accent6"/>
+          </a:effectRef>
+          <a:fontRef idx="minor">
+            <a:schemeClr val="dk1"/>
+          </a:fontRef>
+        </p:style>
+      </p:cxnSp>
+      <p:cxnSp>
+        <p:nvCxnSpPr>
+          <p:cNvPr id="96" name="Elbow Connector 122">
+            <a:extLst>
+              <a:ext uri="{FF2B5EF4-FFF2-40B4-BE49-F238E27FC236}">
+                <a16:creationId xmlns:a16="http://schemas.microsoft.com/office/drawing/2014/main" id="{35500A84-0754-40B7-A7E2-8EF74DD0AA37}"/>
+              </a:ext>
+            </a:extLst>
+          </p:cNvPr>
+          <p:cNvCxnSpPr>
+            <a:cxnSpLocks/>
+            <a:endCxn id="63" idx="1"/>
+          </p:cNvCxnSpPr>
+          <p:nvPr/>
+        </p:nvCxnSpPr>
+        <p:spPr>
+          <a:xfrm>
+            <a:off x="6933502" y="4799370"/>
+            <a:ext cx="415139" cy="1581"/>
+          </a:xfrm>
+          <a:prstGeom prst="bentConnector3">
+            <a:avLst>
+              <a:gd name="adj1" fmla="val 50000"/>
+            </a:avLst>
+          </a:prstGeom>
+          <a:ln w="19050">
+            <a:prstDash val="sysDot"/>
+            <a:headEnd type="none" w="med" len="med"/>
+            <a:tailEnd type="arrow" w="med" len="med"/>
+          </a:ln>
+          <a:effectLst/>
+        </p:spPr>
+        <p:style>
+          <a:lnRef idx="1">
+            <a:schemeClr val="accent6"/>
+          </a:lnRef>
+          <a:fillRef idx="2">
+            <a:schemeClr val="accent6"/>
+          </a:fillRef>
+          <a:effectRef idx="1">
+            <a:schemeClr val="accent6"/>
+          </a:effectRef>
+          <a:fontRef idx="minor">
+            <a:schemeClr val="dk1"/>
+          </a:fontRef>
+        </p:style>
+      </p:cxnSp>
+      <p:sp>
+        <p:nvSpPr>
+          <p:cNvPr id="100" name="Rectangle 8">
+            <a:extLst>
+              <a:ext uri="{FF2B5EF4-FFF2-40B4-BE49-F238E27FC236}">
+                <a16:creationId xmlns:a16="http://schemas.microsoft.com/office/drawing/2014/main" id="{B36A384B-ACAA-4735-AB28-D01F3CC589B9}"/>
+              </a:ext>
+            </a:extLst>
+          </p:cNvPr>
+          <p:cNvSpPr/>
+          <p:nvPr/>
+        </p:nvSpPr>
+        <p:spPr>
+          <a:xfrm>
+            <a:off x="7533394" y="2463249"/>
+            <a:ext cx="1323049" cy="346760"/>
+          </a:xfrm>
+          <a:prstGeom prst="rect">
+            <a:avLst/>
+          </a:prstGeom>
+          <a:ln w="19050"/>
+          <a:effectLst/>
+        </p:spPr>
+        <p:style>
+          <a:lnRef idx="1">
+            <a:schemeClr val="accent6"/>
+          </a:lnRef>
+          <a:fillRef idx="2">
+            <a:schemeClr val="accent6"/>
+          </a:fillRef>
+          <a:effectRef idx="1">
+            <a:schemeClr val="accent6"/>
+          </a:effectRef>
+          <a:fontRef idx="minor">
+            <a:schemeClr val="dk1"/>
+          </a:fontRef>
+        </p:style>
+        <p:txBody>
+          <a:bodyPr rtlCol="0" anchor="ctr"/>
+          <a:lstStyle/>
+          <a:p>
+            <a:pPr algn="ctr"/>
+            <a:r>
+              <a:rPr lang="en-US" sz="1050" b="1" dirty="0" err="1">
+                <a:solidFill>
+                  <a:schemeClr val="accent6">
+                    <a:lumMod val="75000"/>
+                  </a:schemeClr>
+                </a:solidFill>
+              </a:rPr>
+              <a:t>XmlAdaptedInterest</a:t>
+            </a:r>
+            <a:endParaRPr lang="en-SG" sz="1050" b="1" dirty="0">
+              <a:solidFill>
+                <a:schemeClr val="accent6">
+                  <a:lumMod val="75000"/>
+                </a:schemeClr>
+              </a:solidFill>
+            </a:endParaRPr>
+          </a:p>
+        </p:txBody>
+      </p:sp>
+      <p:cxnSp>
+        <p:nvCxnSpPr>
+          <p:cNvPr id="101" name="Elbow Connector 122">
+            <a:extLst>
+              <a:ext uri="{FF2B5EF4-FFF2-40B4-BE49-F238E27FC236}">
+                <a16:creationId xmlns:a16="http://schemas.microsoft.com/office/drawing/2014/main" id="{6923E445-343E-4FEC-8D4B-7F7F5571D81F}"/>
+              </a:ext>
+            </a:extLst>
+          </p:cNvPr>
+          <p:cNvCxnSpPr>
+            <a:cxnSpLocks/>
+            <a:stCxn id="74" idx="0"/>
+            <a:endCxn id="100" idx="2"/>
+          </p:cNvCxnSpPr>
+          <p:nvPr/>
+        </p:nvCxnSpPr>
+        <p:spPr>
+          <a:xfrm rot="16200000" flipV="1">
+            <a:off x="8045451" y="2959478"/>
+            <a:ext cx="349615" cy="50678"/>
           </a:xfrm>
           <a:prstGeom prst="bentConnector3">
             <a:avLst>
@@ -4843,13 +5451,6 @@
   <p:clrMapOvr>
     <a:masterClrMapping/>
   </p:clrMapOvr>
-  <p:timing>
-    <p:tnLst>
-      <p:par>
-        <p:cTn id="1" dur="indefinite" restart="never" nodeType="tmRoot"/>
-      </p:par>
-    </p:tnLst>
-  </p:timing>
 </p:sld>
 </file>
 

--- a/docs/diagrams/StorageComponentClassDiagram.pptx
+++ b/docs/diagrams/StorageComponentClassDiagram.pptx
@@ -131,130 +131,130 @@
   <pc:docChgLst>
     <pc:chgData name="Shengmin Leong" userId="075411cc4697ef0d" providerId="LiveId" clId="{131F47FE-217A-48AA-BA1D-F68C4827F5CE}"/>
     <pc:docChg chg="undo custSel addSld delSld modSld">
-      <pc:chgData name="Shengmin Leong" userId="075411cc4697ef0d" providerId="LiveId" clId="{131F47FE-217A-48AA-BA1D-F68C4827F5CE}" dt="2018-10-01T05:13:40.987" v="247" actId="14100"/>
+      <pc:chgData name="Shengmin Leong" userId="075411cc4697ef0d" providerId="LiveId" clId="{131F47FE-217A-48AA-BA1D-F68C4827F5CE}" dt="2018-10-14T08:06:14.557" v="277" actId="931"/>
       <pc:docMkLst>
         <pc:docMk/>
       </pc:docMkLst>
       <pc:sldChg chg="addSp delSp modSp add">
-        <pc:chgData name="Shengmin Leong" userId="075411cc4697ef0d" providerId="LiveId" clId="{131F47FE-217A-48AA-BA1D-F68C4827F5CE}" dt="2018-10-01T05:13:40.987" v="247" actId="14100"/>
+        <pc:chgData name="Shengmin Leong" userId="075411cc4697ef0d" providerId="LiveId" clId="{131F47FE-217A-48AA-BA1D-F68C4827F5CE}" dt="2018-10-14T08:06:14.557" v="277" actId="931"/>
         <pc:sldMkLst>
           <pc:docMk/>
           <pc:sldMk cId="2429703687" sldId="265"/>
         </pc:sldMkLst>
-        <pc:spChg chg="add mod">
-          <ac:chgData name="Shengmin Leong" userId="075411cc4697ef0d" providerId="LiveId" clId="{131F47FE-217A-48AA-BA1D-F68C4827F5CE}" dt="2018-09-22T03:54:11.281" v="146" actId="1076"/>
+        <pc:spChg chg="add del mod">
+          <ac:chgData name="Shengmin Leong" userId="075411cc4697ef0d" providerId="LiveId" clId="{131F47FE-217A-48AA-BA1D-F68C4827F5CE}" dt="2018-10-14T08:06:10.062" v="276" actId="478"/>
           <ac:spMkLst>
             <pc:docMk/>
             <pc:sldMk cId="2429703687" sldId="265"/>
             <ac:spMk id="2" creationId="{591191E2-7231-4502-BB6F-3B8F3002F39D}"/>
           </ac:spMkLst>
         </pc:spChg>
-        <pc:spChg chg="add mod">
-          <ac:chgData name="Shengmin Leong" userId="075411cc4697ef0d" providerId="LiveId" clId="{131F47FE-217A-48AA-BA1D-F68C4827F5CE}" dt="2018-09-20T06:26:29.359" v="6" actId="20577"/>
+        <pc:spChg chg="add del mod">
+          <ac:chgData name="Shengmin Leong" userId="075411cc4697ef0d" providerId="LiveId" clId="{131F47FE-217A-48AA-BA1D-F68C4827F5CE}" dt="2018-10-14T08:06:10.062" v="276" actId="478"/>
           <ac:spMkLst>
             <pc:docMk/>
             <pc:sldMk cId="2429703687" sldId="265"/>
             <ac:spMk id="3" creationId="{D382D195-BB7C-4E26-AEBF-DC12F1EA683C}"/>
           </ac:spMkLst>
         </pc:spChg>
-        <pc:spChg chg="add mod">
-          <ac:chgData name="Shengmin Leong" userId="075411cc4697ef0d" providerId="LiveId" clId="{131F47FE-217A-48AA-BA1D-F68C4827F5CE}" dt="2018-09-20T06:25:57.194" v="2" actId="1076"/>
+        <pc:spChg chg="add del mod">
+          <ac:chgData name="Shengmin Leong" userId="075411cc4697ef0d" providerId="LiveId" clId="{131F47FE-217A-48AA-BA1D-F68C4827F5CE}" dt="2018-10-14T08:06:10.062" v="276" actId="478"/>
           <ac:spMkLst>
             <pc:docMk/>
             <pc:sldMk cId="2429703687" sldId="265"/>
             <ac:spMk id="4" creationId="{1002776D-C406-4D65-9070-D156256D3642}"/>
           </ac:spMkLst>
         </pc:spChg>
-        <pc:spChg chg="add mod">
-          <ac:chgData name="Shengmin Leong" userId="075411cc4697ef0d" providerId="LiveId" clId="{131F47FE-217A-48AA-BA1D-F68C4827F5CE}" dt="2018-09-20T06:25:57.194" v="2" actId="1076"/>
+        <pc:spChg chg="add del mod">
+          <ac:chgData name="Shengmin Leong" userId="075411cc4697ef0d" providerId="LiveId" clId="{131F47FE-217A-48AA-BA1D-F68C4827F5CE}" dt="2018-10-14T08:06:10.062" v="276" actId="478"/>
           <ac:spMkLst>
             <pc:docMk/>
             <pc:sldMk cId="2429703687" sldId="265"/>
             <ac:spMk id="5" creationId="{27A2C74A-6D4B-427C-80D5-9B1822F8B74A}"/>
           </ac:spMkLst>
         </pc:spChg>
-        <pc:spChg chg="add mod">
-          <ac:chgData name="Shengmin Leong" userId="075411cc4697ef0d" providerId="LiveId" clId="{131F47FE-217A-48AA-BA1D-F68C4827F5CE}" dt="2018-09-20T06:25:57.194" v="2" actId="1076"/>
+        <pc:spChg chg="add del mod">
+          <ac:chgData name="Shengmin Leong" userId="075411cc4697ef0d" providerId="LiveId" clId="{131F47FE-217A-48AA-BA1D-F68C4827F5CE}" dt="2018-10-14T08:06:10.062" v="276" actId="478"/>
           <ac:spMkLst>
             <pc:docMk/>
             <pc:sldMk cId="2429703687" sldId="265"/>
             <ac:spMk id="6" creationId="{691EB206-98BA-4B35-8149-10757ED79453}"/>
           </ac:spMkLst>
         </pc:spChg>
-        <pc:spChg chg="add mod">
-          <ac:chgData name="Shengmin Leong" userId="075411cc4697ef0d" providerId="LiveId" clId="{131F47FE-217A-48AA-BA1D-F68C4827F5CE}" dt="2018-09-20T06:25:57.194" v="2" actId="1076"/>
+        <pc:spChg chg="add del mod">
+          <ac:chgData name="Shengmin Leong" userId="075411cc4697ef0d" providerId="LiveId" clId="{131F47FE-217A-48AA-BA1D-F68C4827F5CE}" dt="2018-10-14T08:06:10.062" v="276" actId="478"/>
           <ac:spMkLst>
             <pc:docMk/>
             <pc:sldMk cId="2429703687" sldId="265"/>
             <ac:spMk id="9" creationId="{1D7F843D-52A2-47AB-81EA-596331869288}"/>
           </ac:spMkLst>
         </pc:spChg>
-        <pc:spChg chg="add mod">
-          <ac:chgData name="Shengmin Leong" userId="075411cc4697ef0d" providerId="LiveId" clId="{131F47FE-217A-48AA-BA1D-F68C4827F5CE}" dt="2018-09-20T06:25:57.194" v="2" actId="1076"/>
+        <pc:spChg chg="add del mod">
+          <ac:chgData name="Shengmin Leong" userId="075411cc4697ef0d" providerId="LiveId" clId="{131F47FE-217A-48AA-BA1D-F68C4827F5CE}" dt="2018-10-14T08:06:10.062" v="276" actId="478"/>
           <ac:spMkLst>
             <pc:docMk/>
             <pc:sldMk cId="2429703687" sldId="265"/>
             <ac:spMk id="11" creationId="{8AA2DB66-8B8E-46F8-965E-6B65ACB6423B}"/>
           </ac:spMkLst>
         </pc:spChg>
-        <pc:spChg chg="add mod">
-          <ac:chgData name="Shengmin Leong" userId="075411cc4697ef0d" providerId="LiveId" clId="{131F47FE-217A-48AA-BA1D-F68C4827F5CE}" dt="2018-09-20T06:26:40.350" v="10" actId="20577"/>
+        <pc:spChg chg="add del mod">
+          <ac:chgData name="Shengmin Leong" userId="075411cc4697ef0d" providerId="LiveId" clId="{131F47FE-217A-48AA-BA1D-F68C4827F5CE}" dt="2018-10-14T08:06:10.062" v="276" actId="478"/>
           <ac:spMkLst>
             <pc:docMk/>
             <pc:sldMk cId="2429703687" sldId="265"/>
             <ac:spMk id="13" creationId="{62CF4FBA-1A50-4849-8467-D8F6258FF4DC}"/>
           </ac:spMkLst>
         </pc:spChg>
-        <pc:spChg chg="add mod">
-          <ac:chgData name="Shengmin Leong" userId="075411cc4697ef0d" providerId="LiveId" clId="{131F47FE-217A-48AA-BA1D-F68C4827F5CE}" dt="2018-09-20T06:25:57.194" v="2" actId="1076"/>
+        <pc:spChg chg="add del mod">
+          <ac:chgData name="Shengmin Leong" userId="075411cc4697ef0d" providerId="LiveId" clId="{131F47FE-217A-48AA-BA1D-F68C4827F5CE}" dt="2018-10-14T08:06:10.062" v="276" actId="478"/>
           <ac:spMkLst>
             <pc:docMk/>
             <pc:sldMk cId="2429703687" sldId="265"/>
             <ac:spMk id="14" creationId="{3A5E82C0-D044-4375-A6CE-D32927174C6D}"/>
           </ac:spMkLst>
         </pc:spChg>
-        <pc:spChg chg="add mod">
-          <ac:chgData name="Shengmin Leong" userId="075411cc4697ef0d" providerId="LiveId" clId="{131F47FE-217A-48AA-BA1D-F68C4827F5CE}" dt="2018-09-20T06:25:57.194" v="2" actId="1076"/>
+        <pc:spChg chg="add del mod">
+          <ac:chgData name="Shengmin Leong" userId="075411cc4697ef0d" providerId="LiveId" clId="{131F47FE-217A-48AA-BA1D-F68C4827F5CE}" dt="2018-10-14T08:06:10.062" v="276" actId="478"/>
           <ac:spMkLst>
             <pc:docMk/>
             <pc:sldMk cId="2429703687" sldId="265"/>
             <ac:spMk id="16" creationId="{7E0D9B8F-702E-43B2-A7A8-6B65842C1058}"/>
           </ac:spMkLst>
         </pc:spChg>
-        <pc:spChg chg="add mod">
-          <ac:chgData name="Shengmin Leong" userId="075411cc4697ef0d" providerId="LiveId" clId="{131F47FE-217A-48AA-BA1D-F68C4827F5CE}" dt="2018-09-20T06:25:57.194" v="2" actId="1076"/>
+        <pc:spChg chg="add del mod">
+          <ac:chgData name="Shengmin Leong" userId="075411cc4697ef0d" providerId="LiveId" clId="{131F47FE-217A-48AA-BA1D-F68C4827F5CE}" dt="2018-10-14T08:06:10.062" v="276" actId="478"/>
           <ac:spMkLst>
             <pc:docMk/>
             <pc:sldMk cId="2429703687" sldId="265"/>
             <ac:spMk id="18" creationId="{C80EF177-C646-44F2-92D2-0DA9EEB3EF30}"/>
           </ac:spMkLst>
         </pc:spChg>
-        <pc:spChg chg="add mod">
-          <ac:chgData name="Shengmin Leong" userId="075411cc4697ef0d" providerId="LiveId" clId="{131F47FE-217A-48AA-BA1D-F68C4827F5CE}" dt="2018-09-20T06:25:57.194" v="2" actId="1076"/>
+        <pc:spChg chg="add del mod">
+          <ac:chgData name="Shengmin Leong" userId="075411cc4697ef0d" providerId="LiveId" clId="{131F47FE-217A-48AA-BA1D-F68C4827F5CE}" dt="2018-10-14T08:06:10.062" v="276" actId="478"/>
           <ac:spMkLst>
             <pc:docMk/>
             <pc:sldMk cId="2429703687" sldId="265"/>
             <ac:spMk id="19" creationId="{46EC2A9D-3519-40AD-9011-770D3D60ECB5}"/>
           </ac:spMkLst>
         </pc:spChg>
-        <pc:spChg chg="add mod">
-          <ac:chgData name="Shengmin Leong" userId="075411cc4697ef0d" providerId="LiveId" clId="{131F47FE-217A-48AA-BA1D-F68C4827F5CE}" dt="2018-09-20T06:26:47.562" v="18" actId="20577"/>
+        <pc:spChg chg="add del mod">
+          <ac:chgData name="Shengmin Leong" userId="075411cc4697ef0d" providerId="LiveId" clId="{131F47FE-217A-48AA-BA1D-F68C4827F5CE}" dt="2018-10-14T08:06:10.062" v="276" actId="478"/>
           <ac:spMkLst>
             <pc:docMk/>
             <pc:sldMk cId="2429703687" sldId="265"/>
             <ac:spMk id="20" creationId="{2BF9B653-5D8E-4DB1-B111-A30B899A1097}"/>
           </ac:spMkLst>
         </pc:spChg>
-        <pc:spChg chg="add mod">
-          <ac:chgData name="Shengmin Leong" userId="075411cc4697ef0d" providerId="LiveId" clId="{131F47FE-217A-48AA-BA1D-F68C4827F5CE}" dt="2018-09-22T03:55:28.400" v="159" actId="1076"/>
+        <pc:spChg chg="add del mod">
+          <ac:chgData name="Shengmin Leong" userId="075411cc4697ef0d" providerId="LiveId" clId="{131F47FE-217A-48AA-BA1D-F68C4827F5CE}" dt="2018-10-14T08:06:10.062" v="276" actId="478"/>
           <ac:spMkLst>
             <pc:docMk/>
             <pc:sldMk cId="2429703687" sldId="265"/>
             <ac:spMk id="22" creationId="{62C1A090-A787-4E0C-9AEB-2A20CC32546E}"/>
           </ac:spMkLst>
         </pc:spChg>
-        <pc:spChg chg="add mod">
-          <ac:chgData name="Shengmin Leong" userId="075411cc4697ef0d" providerId="LiveId" clId="{131F47FE-217A-48AA-BA1D-F68C4827F5CE}" dt="2018-09-22T03:52:19.618" v="117" actId="1076"/>
+        <pc:spChg chg="add del mod">
+          <ac:chgData name="Shengmin Leong" userId="075411cc4697ef0d" providerId="LiveId" clId="{131F47FE-217A-48AA-BA1D-F68C4827F5CE}" dt="2018-10-14T08:06:10.062" v="276" actId="478"/>
           <ac:spMkLst>
             <pc:docMk/>
             <pc:sldMk cId="2429703687" sldId="265"/>
@@ -269,38 +269,62 @@
             <ac:spMk id="25" creationId="{64F7A15B-3E9A-440A-892B-BE5993E7F5EE}"/>
           </ac:spMkLst>
         </pc:spChg>
-        <pc:spChg chg="add mod">
-          <ac:chgData name="Shengmin Leong" userId="075411cc4697ef0d" providerId="LiveId" clId="{131F47FE-217A-48AA-BA1D-F68C4827F5CE}" dt="2018-09-22T03:50:25.339" v="96" actId="1076"/>
+        <pc:spChg chg="add del mod">
+          <ac:chgData name="Shengmin Leong" userId="075411cc4697ef0d" providerId="LiveId" clId="{131F47FE-217A-48AA-BA1D-F68C4827F5CE}" dt="2018-10-14T08:06:10.062" v="276" actId="478"/>
           <ac:spMkLst>
             <pc:docMk/>
             <pc:sldMk cId="2429703687" sldId="265"/>
             <ac:spMk id="27" creationId="{F9264B93-5D5A-432B-A0A1-3988EAE2F085}"/>
           </ac:spMkLst>
         </pc:spChg>
-        <pc:spChg chg="add mod">
-          <ac:chgData name="Shengmin Leong" userId="075411cc4697ef0d" providerId="LiveId" clId="{131F47FE-217A-48AA-BA1D-F68C4827F5CE}" dt="2018-09-22T03:53:15.529" v="132" actId="1076"/>
+        <pc:spChg chg="add del mod">
+          <ac:chgData name="Shengmin Leong" userId="075411cc4697ef0d" providerId="LiveId" clId="{131F47FE-217A-48AA-BA1D-F68C4827F5CE}" dt="2018-10-14T08:06:10.062" v="276" actId="478"/>
           <ac:spMkLst>
             <pc:docMk/>
             <pc:sldMk cId="2429703687" sldId="265"/>
             <ac:spMk id="28" creationId="{9561671D-E151-445D-8F63-FE06A401298B}"/>
           </ac:spMkLst>
         </pc:spChg>
-        <pc:spChg chg="add mod">
-          <ac:chgData name="Shengmin Leong" userId="075411cc4697ef0d" providerId="LiveId" clId="{131F47FE-217A-48AA-BA1D-F68C4827F5CE}" dt="2018-10-01T05:11:47.622" v="233" actId="1076"/>
+        <pc:spChg chg="del mod">
+          <ac:chgData name="Shengmin Leong" userId="075411cc4697ef0d" providerId="LiveId" clId="{131F47FE-217A-48AA-BA1D-F68C4827F5CE}" dt="2018-10-14T08:06:10.062" v="276" actId="478"/>
+          <ac:spMkLst>
+            <pc:docMk/>
+            <pc:sldMk cId="2429703687" sldId="265"/>
+            <ac:spMk id="34" creationId="{BDE6DCB7-FA25-4282-949A-5EEDA9F99B62}"/>
+          </ac:spMkLst>
+        </pc:spChg>
+        <pc:spChg chg="add del mod">
+          <ac:chgData name="Shengmin Leong" userId="075411cc4697ef0d" providerId="LiveId" clId="{131F47FE-217A-48AA-BA1D-F68C4827F5CE}" dt="2018-10-14T08:06:10.062" v="276" actId="478"/>
           <ac:spMkLst>
             <pc:docMk/>
             <pc:sldMk cId="2429703687" sldId="265"/>
             <ac:spMk id="42" creationId="{BE411BDB-F8B3-4053-A484-7280EA6CEA17}"/>
           </ac:spMkLst>
         </pc:spChg>
-        <pc:spChg chg="add mod">
-          <ac:chgData name="Shengmin Leong" userId="075411cc4697ef0d" providerId="LiveId" clId="{131F47FE-217A-48AA-BA1D-F68C4827F5CE}" dt="2018-09-22T03:55:42.021" v="172" actId="1076"/>
+        <pc:spChg chg="add del mod">
+          <ac:chgData name="Shengmin Leong" userId="075411cc4697ef0d" providerId="LiveId" clId="{131F47FE-217A-48AA-BA1D-F68C4827F5CE}" dt="2018-10-14T08:06:10.062" v="276" actId="478"/>
           <ac:spMkLst>
             <pc:docMk/>
             <pc:sldMk cId="2429703687" sldId="265"/>
             <ac:spMk id="62" creationId="{DB3A1DB6-01EC-47D8-BF4E-3F78F363C68D}"/>
           </ac:spMkLst>
         </pc:spChg>
+        <pc:graphicFrameChg chg="add del mod">
+          <ac:chgData name="Shengmin Leong" userId="075411cc4697ef0d" providerId="LiveId" clId="{131F47FE-217A-48AA-BA1D-F68C4827F5CE}" dt="2018-10-14T07:49:00.265" v="275" actId="478"/>
+          <ac:graphicFrameMkLst>
+            <pc:docMk/>
+            <pc:sldMk cId="2429703687" sldId="265"/>
+            <ac:graphicFrameMk id="25" creationId="{7688EEF8-3D2E-445D-A792-14D48C2E102D}"/>
+          </ac:graphicFrameMkLst>
+        </pc:graphicFrameChg>
+        <pc:picChg chg="add mod">
+          <ac:chgData name="Shengmin Leong" userId="075411cc4697ef0d" providerId="LiveId" clId="{131F47FE-217A-48AA-BA1D-F68C4827F5CE}" dt="2018-10-14T08:06:14.557" v="277" actId="931"/>
+          <ac:picMkLst>
+            <pc:docMk/>
+            <pc:sldMk cId="2429703687" sldId="265"/>
+            <ac:picMk id="30" creationId="{6423D69F-3314-4098-AECE-43ED0AF5B26D}"/>
+          </ac:picMkLst>
+        </pc:picChg>
         <pc:inkChg chg="add del">
           <ac:chgData name="Shengmin Leong" userId="075411cc4697ef0d" providerId="LiveId" clId="{131F47FE-217A-48AA-BA1D-F68C4827F5CE}" dt="2018-09-22T03:51:44.966" v="112"/>
           <ac:inkMkLst>
@@ -333,16 +357,16 @@
             <ac:inkMk id="33" creationId="{31AE1C43-2F78-4F18-86C1-3450E5AD5DC3}"/>
           </ac:inkMkLst>
         </pc:inkChg>
-        <pc:inkChg chg="add">
-          <ac:chgData name="Shengmin Leong" userId="075411cc4697ef0d" providerId="LiveId" clId="{131F47FE-217A-48AA-BA1D-F68C4827F5CE}" dt="2018-09-21T14:23:49.743" v="82"/>
+        <pc:inkChg chg="add del mod">
+          <ac:chgData name="Shengmin Leong" userId="075411cc4697ef0d" providerId="LiveId" clId="{131F47FE-217A-48AA-BA1D-F68C4827F5CE}" dt="2018-10-14T08:06:10.062" v="276" actId="478"/>
           <ac:inkMkLst>
             <pc:docMk/>
             <pc:sldMk cId="2429703687" sldId="265"/>
             <ac:inkMk id="40" creationId="{13C13F15-D893-4D17-9AC9-EE007E49E477}"/>
           </ac:inkMkLst>
         </pc:inkChg>
-        <pc:inkChg chg="add del">
-          <ac:chgData name="Shengmin Leong" userId="075411cc4697ef0d" providerId="LiveId" clId="{131F47FE-217A-48AA-BA1D-F68C4827F5CE}" dt="2018-09-22T03:53:09.468" v="127"/>
+        <pc:inkChg chg="add del mod">
+          <ac:chgData name="Shengmin Leong" userId="075411cc4697ef0d" providerId="LiveId" clId="{131F47FE-217A-48AA-BA1D-F68C4827F5CE}" dt="2018-10-14T08:06:10.062" v="276" actId="478"/>
           <ac:inkMkLst>
             <pc:docMk/>
             <pc:sldMk cId="2429703687" sldId="265"/>
@@ -373,8 +397,8 @@
             <ac:inkMk id="43" creationId="{FB4B2E27-2F17-48FD-8FE1-3DC032D9D954}"/>
           </ac:inkMkLst>
         </pc:inkChg>
-        <pc:inkChg chg="add">
-          <ac:chgData name="Shengmin Leong" userId="075411cc4697ef0d" providerId="LiveId" clId="{131F47FE-217A-48AA-BA1D-F68C4827F5CE}" dt="2018-10-01T05:12:49.111" v="240"/>
+        <pc:inkChg chg="add del mod">
+          <ac:chgData name="Shengmin Leong" userId="075411cc4697ef0d" providerId="LiveId" clId="{131F47FE-217A-48AA-BA1D-F68C4827F5CE}" dt="2018-10-14T08:06:10.062" v="276" actId="478"/>
           <ac:inkMkLst>
             <pc:docMk/>
             <pc:sldMk cId="2429703687" sldId="265"/>
@@ -413,80 +437,80 @@
             <ac:inkMk id="55" creationId="{22083EC7-DD59-4CDA-A356-66862CAAF1FC}"/>
           </ac:inkMkLst>
         </pc:inkChg>
-        <pc:inkChg chg="add">
-          <ac:chgData name="Shengmin Leong" userId="075411cc4697ef0d" providerId="LiveId" clId="{131F47FE-217A-48AA-BA1D-F68C4827F5CE}" dt="2018-09-22T03:53:57.858" v="143"/>
+        <pc:inkChg chg="add del mod">
+          <ac:chgData name="Shengmin Leong" userId="075411cc4697ef0d" providerId="LiveId" clId="{131F47FE-217A-48AA-BA1D-F68C4827F5CE}" dt="2018-10-14T08:06:10.062" v="276" actId="478"/>
           <ac:inkMkLst>
             <pc:docMk/>
             <pc:sldMk cId="2429703687" sldId="265"/>
             <ac:inkMk id="56" creationId="{26CC177E-A2C5-496E-A299-450133D870D6}"/>
           </ac:inkMkLst>
         </pc:inkChg>
-        <pc:cxnChg chg="add mod">
-          <ac:chgData name="Shengmin Leong" userId="075411cc4697ef0d" providerId="LiveId" clId="{131F47FE-217A-48AA-BA1D-F68C4827F5CE}" dt="2018-09-20T06:25:57.194" v="2" actId="1076"/>
+        <pc:cxnChg chg="add del mod">
+          <ac:chgData name="Shengmin Leong" userId="075411cc4697ef0d" providerId="LiveId" clId="{131F47FE-217A-48AA-BA1D-F68C4827F5CE}" dt="2018-10-14T08:06:10.062" v="276" actId="478"/>
           <ac:cxnSpMkLst>
             <pc:docMk/>
             <pc:sldMk cId="2429703687" sldId="265"/>
             <ac:cxnSpMk id="7" creationId="{127A6C11-EAEB-44B8-BC73-081C72FBCA70}"/>
           </ac:cxnSpMkLst>
         </pc:cxnChg>
-        <pc:cxnChg chg="add mod">
-          <ac:chgData name="Shengmin Leong" userId="075411cc4697ef0d" providerId="LiveId" clId="{131F47FE-217A-48AA-BA1D-F68C4827F5CE}" dt="2018-09-20T06:25:57.194" v="2" actId="1076"/>
+        <pc:cxnChg chg="add del mod">
+          <ac:chgData name="Shengmin Leong" userId="075411cc4697ef0d" providerId="LiveId" clId="{131F47FE-217A-48AA-BA1D-F68C4827F5CE}" dt="2018-10-14T08:06:10.062" v="276" actId="478"/>
           <ac:cxnSpMkLst>
             <pc:docMk/>
             <pc:sldMk cId="2429703687" sldId="265"/>
             <ac:cxnSpMk id="8" creationId="{9182AAD7-45EA-4C1B-965D-A1A076C1049E}"/>
           </ac:cxnSpMkLst>
         </pc:cxnChg>
-        <pc:cxnChg chg="add mod">
-          <ac:chgData name="Shengmin Leong" userId="075411cc4697ef0d" providerId="LiveId" clId="{131F47FE-217A-48AA-BA1D-F68C4827F5CE}" dt="2018-09-20T06:25:57.194" v="2" actId="1076"/>
+        <pc:cxnChg chg="add del mod">
+          <ac:chgData name="Shengmin Leong" userId="075411cc4697ef0d" providerId="LiveId" clId="{131F47FE-217A-48AA-BA1D-F68C4827F5CE}" dt="2018-10-14T08:06:10.062" v="276" actId="478"/>
           <ac:cxnSpMkLst>
             <pc:docMk/>
             <pc:sldMk cId="2429703687" sldId="265"/>
             <ac:cxnSpMk id="10" creationId="{6E806771-1CF0-4B6D-9E2B-58AA7BB6487E}"/>
           </ac:cxnSpMkLst>
         </pc:cxnChg>
-        <pc:cxnChg chg="add mod">
-          <ac:chgData name="Shengmin Leong" userId="075411cc4697ef0d" providerId="LiveId" clId="{131F47FE-217A-48AA-BA1D-F68C4827F5CE}" dt="2018-09-20T06:25:57.194" v="2" actId="1076"/>
+        <pc:cxnChg chg="add del mod">
+          <ac:chgData name="Shengmin Leong" userId="075411cc4697ef0d" providerId="LiveId" clId="{131F47FE-217A-48AA-BA1D-F68C4827F5CE}" dt="2018-10-14T08:06:10.062" v="276" actId="478"/>
           <ac:cxnSpMkLst>
             <pc:docMk/>
             <pc:sldMk cId="2429703687" sldId="265"/>
             <ac:cxnSpMk id="12" creationId="{465AD41D-86B8-4286-A5BA-0EDB2E9AE664}"/>
           </ac:cxnSpMkLst>
         </pc:cxnChg>
-        <pc:cxnChg chg="add mod">
-          <ac:chgData name="Shengmin Leong" userId="075411cc4697ef0d" providerId="LiveId" clId="{131F47FE-217A-48AA-BA1D-F68C4827F5CE}" dt="2018-09-20T06:25:57.194" v="2" actId="1076"/>
+        <pc:cxnChg chg="add del mod">
+          <ac:chgData name="Shengmin Leong" userId="075411cc4697ef0d" providerId="LiveId" clId="{131F47FE-217A-48AA-BA1D-F68C4827F5CE}" dt="2018-10-14T08:06:10.062" v="276" actId="478"/>
           <ac:cxnSpMkLst>
             <pc:docMk/>
             <pc:sldMk cId="2429703687" sldId="265"/>
             <ac:cxnSpMk id="15" creationId="{E76E5B9D-1FD7-4E76-A0B0-64949A99DAB2}"/>
           </ac:cxnSpMkLst>
         </pc:cxnChg>
-        <pc:cxnChg chg="add mod">
-          <ac:chgData name="Shengmin Leong" userId="075411cc4697ef0d" providerId="LiveId" clId="{131F47FE-217A-48AA-BA1D-F68C4827F5CE}" dt="2018-09-20T06:25:57.194" v="2" actId="1076"/>
+        <pc:cxnChg chg="add del mod">
+          <ac:chgData name="Shengmin Leong" userId="075411cc4697ef0d" providerId="LiveId" clId="{131F47FE-217A-48AA-BA1D-F68C4827F5CE}" dt="2018-10-14T08:06:10.062" v="276" actId="478"/>
           <ac:cxnSpMkLst>
             <pc:docMk/>
             <pc:sldMk cId="2429703687" sldId="265"/>
             <ac:cxnSpMk id="17" creationId="{01336A1B-B925-4718-8E60-0C1E59BB1A4E}"/>
           </ac:cxnSpMkLst>
         </pc:cxnChg>
-        <pc:cxnChg chg="add mod">
-          <ac:chgData name="Shengmin Leong" userId="075411cc4697ef0d" providerId="LiveId" clId="{131F47FE-217A-48AA-BA1D-F68C4827F5CE}" dt="2018-09-22T03:55:08.537" v="151" actId="14100"/>
+        <pc:cxnChg chg="add del mod">
+          <ac:chgData name="Shengmin Leong" userId="075411cc4697ef0d" providerId="LiveId" clId="{131F47FE-217A-48AA-BA1D-F68C4827F5CE}" dt="2018-10-14T08:06:10.062" v="276" actId="478"/>
           <ac:cxnSpMkLst>
             <pc:docMk/>
             <pc:sldMk cId="2429703687" sldId="265"/>
             <ac:cxnSpMk id="21" creationId="{82B96457-F6EB-429E-A66E-1FFC0BF47319}"/>
           </ac:cxnSpMkLst>
         </pc:cxnChg>
-        <pc:cxnChg chg="add mod">
-          <ac:chgData name="Shengmin Leong" userId="075411cc4697ef0d" providerId="LiveId" clId="{131F47FE-217A-48AA-BA1D-F68C4827F5CE}" dt="2018-09-22T03:52:19.618" v="117" actId="1076"/>
+        <pc:cxnChg chg="add del mod">
+          <ac:chgData name="Shengmin Leong" userId="075411cc4697ef0d" providerId="LiveId" clId="{131F47FE-217A-48AA-BA1D-F68C4827F5CE}" dt="2018-10-14T08:06:10.062" v="276" actId="478"/>
           <ac:cxnSpMkLst>
             <pc:docMk/>
             <pc:sldMk cId="2429703687" sldId="265"/>
             <ac:cxnSpMk id="24" creationId="{19F52AF7-A3FC-4088-A08B-9E056AF52332}"/>
           </ac:cxnSpMkLst>
         </pc:cxnChg>
-        <pc:cxnChg chg="add mod">
-          <ac:chgData name="Shengmin Leong" userId="075411cc4697ef0d" providerId="LiveId" clId="{131F47FE-217A-48AA-BA1D-F68C4827F5CE}" dt="2018-09-22T03:53:47.832" v="140" actId="14100"/>
+        <pc:cxnChg chg="add del mod">
+          <ac:chgData name="Shengmin Leong" userId="075411cc4697ef0d" providerId="LiveId" clId="{131F47FE-217A-48AA-BA1D-F68C4827F5CE}" dt="2018-10-14T08:06:10.062" v="276" actId="478"/>
           <ac:cxnSpMkLst>
             <pc:docMk/>
             <pc:sldMk cId="2429703687" sldId="265"/>
@@ -501,16 +525,24 @@
             <ac:cxnSpMk id="28" creationId="{20DBDD99-A394-4F2D-8974-40F0EFE690B9}"/>
           </ac:cxnSpMkLst>
         </pc:cxnChg>
-        <pc:cxnChg chg="add mod">
-          <ac:chgData name="Shengmin Leong" userId="075411cc4697ef0d" providerId="LiveId" clId="{131F47FE-217A-48AA-BA1D-F68C4827F5CE}" dt="2018-10-01T05:13:40.987" v="247" actId="14100"/>
+        <pc:cxnChg chg="add del mod">
+          <ac:chgData name="Shengmin Leong" userId="075411cc4697ef0d" providerId="LiveId" clId="{131F47FE-217A-48AA-BA1D-F68C4827F5CE}" dt="2018-10-14T08:06:10.062" v="276" actId="478"/>
           <ac:cxnSpMkLst>
             <pc:docMk/>
             <pc:sldMk cId="2429703687" sldId="265"/>
             <ac:cxnSpMk id="33" creationId="{B678C7D8-8C59-48BD-8FE4-1DA6A4CB7DA9}"/>
           </ac:cxnSpMkLst>
         </pc:cxnChg>
-        <pc:cxnChg chg="add">
-          <ac:chgData name="Shengmin Leong" userId="075411cc4697ef0d" providerId="LiveId" clId="{131F47FE-217A-48AA-BA1D-F68C4827F5CE}" dt="2018-09-22T03:52:10.215" v="116"/>
+        <pc:cxnChg chg="del mod">
+          <ac:chgData name="Shengmin Leong" userId="075411cc4697ef0d" providerId="LiveId" clId="{131F47FE-217A-48AA-BA1D-F68C4827F5CE}" dt="2018-10-14T08:06:10.062" v="276" actId="478"/>
+          <ac:cxnSpMkLst>
+            <pc:docMk/>
+            <pc:sldMk cId="2429703687" sldId="265"/>
+            <ac:cxnSpMk id="35" creationId="{6FCE1030-78D5-49A6-AF9B-C3FCBE295FA0}"/>
+          </ac:cxnSpMkLst>
+        </pc:cxnChg>
+        <pc:cxnChg chg="add del mod">
+          <ac:chgData name="Shengmin Leong" userId="075411cc4697ef0d" providerId="LiveId" clId="{131F47FE-217A-48AA-BA1D-F68C4827F5CE}" dt="2018-10-14T08:06:10.062" v="276" actId="478"/>
           <ac:cxnSpMkLst>
             <pc:docMk/>
             <pc:sldMk cId="2429703687" sldId="265"/>
@@ -525,8 +557,8 @@
             <ac:cxnSpMk id="36" creationId="{DE168867-990C-4380-BD61-616F8E4C7FEC}"/>
           </ac:cxnSpMkLst>
         </pc:cxnChg>
-        <pc:cxnChg chg="add mod">
-          <ac:chgData name="Shengmin Leong" userId="075411cc4697ef0d" providerId="LiveId" clId="{131F47FE-217A-48AA-BA1D-F68C4827F5CE}" dt="2018-09-22T03:52:31.004" v="120" actId="14100"/>
+        <pc:cxnChg chg="add del mod">
+          <ac:chgData name="Shengmin Leong" userId="075411cc4697ef0d" providerId="LiveId" clId="{131F47FE-217A-48AA-BA1D-F68C4827F5CE}" dt="2018-10-14T08:06:10.062" v="276" actId="478"/>
           <ac:cxnSpMkLst>
             <pc:docMk/>
             <pc:sldMk cId="2429703687" sldId="265"/>
@@ -545,123 +577,6 @@
     </pc:docChg>
   </pc:docChgLst>
 </pc:chgInfo>
-</file>
-
-<file path=ppt/ink/ink1.xml><?xml version="1.0" encoding="utf-8"?>
-<inkml:ink xmlns:inkml="http://www.w3.org/2003/InkML">
-  <inkml:definitions>
-    <inkml:context xml:id="ctx0">
-      <inkml:inkSource xml:id="inkSrc0">
-        <inkml:traceFormat>
-          <inkml:channel name="X" type="integer" max="1920" units="cm"/>
-          <inkml:channel name="Y" type="integer" max="1080" units="cm"/>
-          <inkml:channel name="T" type="integer" max="2.14748E9" units="dev"/>
-        </inkml:traceFormat>
-        <inkml:channelProperties>
-          <inkml:channelProperty channel="X" name="resolution" value="65.52901" units="1/cm"/>
-          <inkml:channelProperty channel="Y" name="resolution" value="65.45454" units="1/cm"/>
-          <inkml:channelProperty channel="T" name="resolution" value="1" units="1/dev"/>
-        </inkml:channelProperties>
-      </inkml:inkSource>
-      <inkml:timestamp xml:id="ts0" timeString="2018-09-21T14:23:49.736"/>
-    </inkml:context>
-    <inkml:brush xml:id="br0">
-      <inkml:brushProperty name="width" value="0.035" units="cm"/>
-      <inkml:brushProperty name="height" value="0.035" units="cm"/>
-      <inkml:brushProperty name="color" value="#FF8000"/>
-      <inkml:brushProperty name="fitToCurve" value="1"/>
-    </inkml:brush>
-  </inkml:definitions>
-  <inkml:trace contextRef="#ctx0" brushRef="#br0">0 167 0,'28'28'250,"-1"-28"-234,-27 27-16,27-27 15,-27 27-15,28 0 16,-1-27 15,-27 28 32,27-28 531,1-28-516,-1 1-63,0 27 1,1-27 62,-28 0-47,27-1 1,0 1 124,-27 0-109,27 27 0,-27-28-16,0 1 31,28 0 16,-28-1-15,27 28 140</inkml:trace>
-</inkml:ink>
-</file>
-
-<file path=ppt/ink/ink2.xml><?xml version="1.0" encoding="utf-8"?>
-<inkml:ink xmlns:inkml="http://www.w3.org/2003/InkML">
-  <inkml:definitions>
-    <inkml:context xml:id="ctx0">
-      <inkml:inkSource xml:id="inkSrc0">
-        <inkml:traceFormat>
-          <inkml:channel name="X" type="integer" max="1920" units="cm"/>
-          <inkml:channel name="Y" type="integer" max="1080" units="cm"/>
-          <inkml:channel name="T" type="integer" max="2.14748E9" units="dev"/>
-        </inkml:traceFormat>
-        <inkml:channelProperties>
-          <inkml:channelProperty channel="X" name="resolution" value="65.52901" units="1/cm"/>
-          <inkml:channelProperty channel="Y" name="resolution" value="65.45454" units="1/cm"/>
-          <inkml:channelProperty channel="T" name="resolution" value="1" units="1/dev"/>
-        </inkml:channelProperties>
-      </inkml:inkSource>
-      <inkml:timestamp xml:id="ts0" timeString="2018-09-22T03:53:07.212"/>
-    </inkml:context>
-    <inkml:brush xml:id="br0">
-      <inkml:brushProperty name="width" value="0.035" units="cm"/>
-      <inkml:brushProperty name="height" value="0.035" units="cm"/>
-      <inkml:brushProperty name="color" value="#FF8000"/>
-      <inkml:brushProperty name="fitToCurve" value="1"/>
-    </inkml:brush>
-  </inkml:definitions>
-  <inkml:trace contextRef="#ctx0" brushRef="#br0">0 0 0</inkml:trace>
-</inkml:ink>
-</file>
-
-<file path=ppt/ink/ink3.xml><?xml version="1.0" encoding="utf-8"?>
-<inkml:ink xmlns:inkml="http://www.w3.org/2003/InkML">
-  <inkml:definitions>
-    <inkml:context xml:id="ctx0">
-      <inkml:inkSource xml:id="inkSrc0">
-        <inkml:traceFormat>
-          <inkml:channel name="X" type="integer" max="1920" units="cm"/>
-          <inkml:channel name="Y" type="integer" max="1080" units="cm"/>
-          <inkml:channel name="T" type="integer" max="2.14748E9" units="dev"/>
-        </inkml:traceFormat>
-        <inkml:channelProperties>
-          <inkml:channelProperty channel="X" name="resolution" value="65.52901" units="1/cm"/>
-          <inkml:channelProperty channel="Y" name="resolution" value="65.45454" units="1/cm"/>
-          <inkml:channelProperty channel="T" name="resolution" value="1" units="1/dev"/>
-        </inkml:channelProperties>
-      </inkml:inkSource>
-      <inkml:timestamp xml:id="ts0" timeString="2018-09-22T03:53:54.793"/>
-    </inkml:context>
-    <inkml:brush xml:id="br0">
-      <inkml:brushProperty name="width" value="0.035" units="cm"/>
-      <inkml:brushProperty name="height" value="0.035" units="cm"/>
-      <inkml:brushProperty name="color" value="#FF8000"/>
-      <inkml:brushProperty name="fitToCurve" value="1"/>
-    </inkml:brush>
-  </inkml:definitions>
-  <inkml:trace contextRef="#ctx0" brushRef="#br0">0 54 0,'28'0'235,"-1"0"-220,-27 28-15,27-1 16,-27 0 62,28-27-47,-1 0 0,0 0-15,-27 27 0,0 1 140,28-28-109,-28 27 78,27 0 0,-27 1-47,27-28-62,-27 27 62,0 0-47,0 1-15,0-1 30,0 0 1</inkml:trace>
-  <inkml:trace contextRef="#ctx0" brushRef="#br0" timeOffset="2123">246 409 0,'0'-27'234,"0"0"-218,0-1 0,0 1 15,28 27-31,-1 0 78,0 0-31,0 0-47,1 0 16,-1 0-1,-27-27 1,0-1 187,27 1-172,-27 0 47,28 27-78,-1-28 47,-27 1 16,27 27-48,-27-27 1,0 0 0,28 27-1,-28-28 16,0 1 1,0 0-17</inkml:trace>
-</inkml:ink>
-</file>
-
-<file path=ppt/ink/ink4.xml><?xml version="1.0" encoding="utf-8"?>
-<inkml:ink xmlns:inkml="http://www.w3.org/2003/InkML">
-  <inkml:definitions>
-    <inkml:context xml:id="ctx0">
-      <inkml:inkSource xml:id="inkSrc0">
-        <inkml:traceFormat>
-          <inkml:channel name="X" type="integer" max="1920" units="cm"/>
-          <inkml:channel name="Y" type="integer" max="1080" units="cm"/>
-          <inkml:channel name="T" type="integer" max="2.14748E9" units="dev"/>
-        </inkml:traceFormat>
-        <inkml:channelProperties>
-          <inkml:channelProperty channel="X" name="resolution" value="65.52901" units="1/cm"/>
-          <inkml:channelProperty channel="Y" name="resolution" value="65.45454" units="1/cm"/>
-          <inkml:channelProperty channel="T" name="resolution" value="1" units="1/dev"/>
-        </inkml:channelProperties>
-      </inkml:inkSource>
-      <inkml:timestamp xml:id="ts0" timeString="2018-10-01T05:12:49.106"/>
-    </inkml:context>
-    <inkml:brush xml:id="br0">
-      <inkml:brushProperty name="width" value="0.035" units="cm"/>
-      <inkml:brushProperty name="height" value="0.035" units="cm"/>
-      <inkml:brushProperty name="color" value="#FF8000"/>
-      <inkml:brushProperty name="fitToCurve" value="1"/>
-    </inkml:brush>
-  </inkml:definitions>
-  <inkml:trace contextRef="#ctx0" brushRef="#br0">0 89 0,'0'22'281,"22"0"-234,-22 0 0,22-22 0,-22 22 31,23 0-47,-1-22-15,-22 22 0,22-22 15,0 22-15,0 0 30,-22 0-14,22 1 30,-22-46 344,0 1-359,0 0-47,22 22 32,-22-22 14,22 22-14,-22-22 30,0 0-31,0 0 16,22 0 16,-22 0-16,22 0-32,0 22 79,-22-22-94,0-1 63,0 1-32,23 0 47</inkml:trace>
-</inkml:ink>
 </file>
 
 <file path=ppt/notesMasters/notesMaster1.xml><?xml version="1.0" encoding="utf-8"?>
@@ -746,7 +661,7 @@
           <a:p>
             <a:fld id="{F5CC4B3F-88C1-4FFA-B1B6-F41C21DC6924}" type="datetimeFigureOut">
               <a:rPr lang="en-US" smtClean="0"/>
-              <a:t>10/1/2018</a:t>
+              <a:t>10/14/2018</a:t>
             </a:fld>
             <a:endParaRPr lang="en-US"/>
           </a:p>
@@ -1013,6 +928,93 @@
 </p:notesMaster>
 </file>
 
+<file path=ppt/notesSlides/notesSlide1.xml><?xml version="1.0" encoding="utf-8"?>
+<p:notes xmlns:a="http://schemas.openxmlformats.org/drawingml/2006/main" xmlns:r="http://schemas.openxmlformats.org/officeDocument/2006/relationships" xmlns:p="http://schemas.openxmlformats.org/presentationml/2006/main">
+  <p:cSld>
+    <p:spTree>
+      <p:nvGrpSpPr>
+        <p:cNvPr id="1" name=""/>
+        <p:cNvGrpSpPr/>
+        <p:nvPr/>
+      </p:nvGrpSpPr>
+      <p:grpSpPr>
+        <a:xfrm>
+          <a:off x="0" y="0"/>
+          <a:ext cx="0" cy="0"/>
+          <a:chOff x="0" y="0"/>
+          <a:chExt cx="0" cy="0"/>
+        </a:xfrm>
+      </p:grpSpPr>
+      <p:sp>
+        <p:nvSpPr>
+          <p:cNvPr id="2" name="Slide Image Placeholder 1"/>
+          <p:cNvSpPr>
+            <a:spLocks noGrp="1" noRot="1" noChangeAspect="1"/>
+          </p:cNvSpPr>
+          <p:nvPr>
+            <p:ph type="sldImg"/>
+          </p:nvPr>
+        </p:nvSpPr>
+        <p:spPr/>
+      </p:sp>
+      <p:sp>
+        <p:nvSpPr>
+          <p:cNvPr id="3" name="Notes Placeholder 2"/>
+          <p:cNvSpPr>
+            <a:spLocks noGrp="1"/>
+          </p:cNvSpPr>
+          <p:nvPr>
+            <p:ph type="body" idx="1"/>
+          </p:nvPr>
+        </p:nvSpPr>
+        <p:spPr/>
+        <p:txBody>
+          <a:bodyPr/>
+          <a:lstStyle/>
+          <a:p>
+            <a:r>
+              <a:rPr lang="en-US" dirty="0"/>
+              <a:t>https://www.draw.io/?lightbox=1&amp;highlight=0000ff&amp;edit=_blank&amp;layers=1&amp;nav=1&amp;title=Untitled%20Diagram.xml#R7Vpbc9o4FP41PO6ObeELj4GG3em0M52lnaaPwha2N7LFyCJAf%2F3KWPIFGUqDRJxN8pCxj45k6fs%2BnaMLIzDLdn9RuE4%2BkwjhkWNFuxH4MHIcP%2FD4%2F9Kwrwxjz60MMU2jymQ3hkX6EwmjJaybNEJFx5ERglm67hpDkucoZB0bpJRsu24rgrtfXcMYKYZFCLFq%2FZ5GLKmsgWs19r9RGifyy7YlSpYwfIwp2eTieyMHrA5%2FVXEGZVvCv0hgRLYtE7gfgRklhFVP2W6GcAmthK2qNz9RWvebopxdUgEIop4g3iDZ5UPH2F6CcRgOKivYIzDdJilDizUMy9ItZ5%2FbEpZhUbxKMZ4RTOihLpjP585sxu0Fo%2BQRtUqWXBPWmJeIDiDK0O7kKOwaGy45RDLE6J67iAoSTaE2OxDv2xZ30pa0eHMkoVDoJa6bbjDjDwK2fgg9BTAUcTGJV0JZQmKSQ3zfWKcNpFYXPrRL2UNp%2FtMVbz%2BEUwSLpCahYJCyu1Lo3JCTHEnbPC37eaiA8kh6LDEJHyuTcCgb%2BRcxthdzD24Y4aamt58IWQu%2FanzloM7TwzEgGxoKr7GYtpDGSHi5%2FSRShCFLn7qtX8OIb4YRv02JfZaSKIUZKWPAOVbIGuUdUqzfIIVDT%2FcPdaP85UctG22ETa4kTFT9QlL%2B3Xq22pPudOXztdtE1QVR64j2uhsXKSEwowTnzSnBPhGAdUvBB6akMFYS3YIRyhP5Z5jz%2F1RRyumktoKRD8OzSY0SxnEhnNUPf0wsPVkuOMLKcZUsZ9s9WW6sIcm56jJh5ozuppwXRFflYoC%2FTvkoPcy%2FOl1yOL2YHcYtLNIgUJd2%2FuFl4zt0CtyXY8AGv16pXRHcTkcwuXhoxy%2B7G7%2FECuR58et5MWrSE6OcG60vJtomw7cC0S8UrYqXmBWa5oRjHcUly7lsVgBHw6xwFC4%2BFiRXcR02hsC9AEPgGsLQ1qbn72mRTAl5%2FD%2FJ2fVvKOeePHuTID%2FMPaRtYiV6MRe%2BUS5%2BE%2F6rtggd3jVS4d2Kip6MO5BpcRUvGqkIbkWFuo96yLAS94cd45V02xfjTaVbvdqVhxLyudn7nzsXeG2KD1TFt47LDSs%2BOKX4rxTmBQxLbRavTfLAVs%2FIzUm%2BZ4X5huO395JqVi98uJoXiKYQpz%2FhEiMZy4euaNe%2BIIiPDS3Ue44T37Ci5f1bR9HgRoo2dch%2FfMbf5NMmveq4nBsKX9cu5g9V%2BaDgvuWwLk%2Fui1bLRxcA7tGhtkxT8xP%2BY%2BCe8%2BcPVQ%2Bee0sArHcx6RCTlptD02LynbP%2B14sJvItJg5iAlrtH02IKxrZZMbnvYtIhpvFrEJMzMZvmJDLdXcBdBNcMReUGQNHawBf%2FvdtZY4t%2F9Sq2Qe8flEE6%2FM3Tcerze%2FBzTOHXuwcV%2BC3gE4ruMh642NBBBN4FILqmQFTPxBsQZ6RgrwND7%2Fhcqg9DUxMZqOdSDYbfKB46eP7E%2ByV4E1PY9V4ECOy%2Bwnjo2NU%2FyjknPE33vPy1%2BUl3la6bn82D%2B%2F8A</a:t>
+            </a:r>
+          </a:p>
+        </p:txBody>
+      </p:sp>
+      <p:sp>
+        <p:nvSpPr>
+          <p:cNvPr id="4" name="Slide Number Placeholder 3"/>
+          <p:cNvSpPr>
+            <a:spLocks noGrp="1"/>
+          </p:cNvSpPr>
+          <p:nvPr>
+            <p:ph type="sldNum" sz="quarter" idx="5"/>
+          </p:nvPr>
+        </p:nvSpPr>
+        <p:spPr/>
+        <p:txBody>
+          <a:bodyPr/>
+          <a:lstStyle/>
+          <a:p>
+            <a:fld id="{5A7AB025-77E3-4BD1-A2FD-B3183DBA47A3}" type="slidenum">
+              <a:rPr lang="en-US" smtClean="0"/>
+              <a:t>1</a:t>
+            </a:fld>
+            <a:endParaRPr lang="en-US"/>
+          </a:p>
+        </p:txBody>
+      </p:sp>
+    </p:spTree>
+    <p:extLst>
+      <p:ext uri="{BB962C8B-B14F-4D97-AF65-F5344CB8AC3E}">
+        <p14:creationId xmlns:p14="http://schemas.microsoft.com/office/powerpoint/2010/main" val="146476227"/>
+      </p:ext>
+    </p:extLst>
+  </p:cSld>
+  <p:clrMapOvr>
+    <a:masterClrMapping/>
+  </p:clrMapOvr>
+</p:notes>
+</file>
+
 <file path=ppt/slideLayouts/slideLayout1.xml><?xml version="1.0" encoding="utf-8"?>
 <p:sldLayout xmlns:a="http://schemas.openxmlformats.org/drawingml/2006/main" xmlns:r="http://schemas.openxmlformats.org/officeDocument/2006/relationships" xmlns:p="http://schemas.openxmlformats.org/presentationml/2006/main" type="title" preserve="1">
   <p:cSld name="Title Slide">
@@ -1192,7 +1194,7 @@
           <a:p>
             <a:fld id="{78C97017-6FC3-485B-9764-EAC9E56C1D49}" type="datetimeFigureOut">
               <a:rPr lang="en-US" smtClean="0"/>
-              <a:t>10/1/2018</a:t>
+              <a:t>10/14/2018</a:t>
             </a:fld>
             <a:endParaRPr lang="en-US"/>
           </a:p>
@@ -1360,7 +1362,7 @@
           <a:p>
             <a:fld id="{78C97017-6FC3-485B-9764-EAC9E56C1D49}" type="datetimeFigureOut">
               <a:rPr lang="en-US" smtClean="0"/>
-              <a:t>10/1/2018</a:t>
+              <a:t>10/14/2018</a:t>
             </a:fld>
             <a:endParaRPr lang="en-US"/>
           </a:p>
@@ -1538,7 +1540,7 @@
           <a:p>
             <a:fld id="{78C97017-6FC3-485B-9764-EAC9E56C1D49}" type="datetimeFigureOut">
               <a:rPr lang="en-US" smtClean="0"/>
-              <a:t>10/1/2018</a:t>
+              <a:t>10/14/2018</a:t>
             </a:fld>
             <a:endParaRPr lang="en-US"/>
           </a:p>
@@ -1706,7 +1708,7 @@
           <a:p>
             <a:fld id="{78C97017-6FC3-485B-9764-EAC9E56C1D49}" type="datetimeFigureOut">
               <a:rPr lang="en-US" smtClean="0"/>
-              <a:t>10/1/2018</a:t>
+              <a:t>10/14/2018</a:t>
             </a:fld>
             <a:endParaRPr lang="en-US"/>
           </a:p>
@@ -1951,7 +1953,7 @@
           <a:p>
             <a:fld id="{78C97017-6FC3-485B-9764-EAC9E56C1D49}" type="datetimeFigureOut">
               <a:rPr lang="en-US" smtClean="0"/>
-              <a:t>10/1/2018</a:t>
+              <a:t>10/14/2018</a:t>
             </a:fld>
             <a:endParaRPr lang="en-US"/>
           </a:p>
@@ -2236,7 +2238,7 @@
           <a:p>
             <a:fld id="{78C97017-6FC3-485B-9764-EAC9E56C1D49}" type="datetimeFigureOut">
               <a:rPr lang="en-US" smtClean="0"/>
-              <a:t>10/1/2018</a:t>
+              <a:t>10/14/2018</a:t>
             </a:fld>
             <a:endParaRPr lang="en-US"/>
           </a:p>
@@ -2655,7 +2657,7 @@
           <a:p>
             <a:fld id="{78C97017-6FC3-485B-9764-EAC9E56C1D49}" type="datetimeFigureOut">
               <a:rPr lang="en-US" smtClean="0"/>
-              <a:t>10/1/2018</a:t>
+              <a:t>10/14/2018</a:t>
             </a:fld>
             <a:endParaRPr lang="en-US"/>
           </a:p>
@@ -2772,7 +2774,7 @@
           <a:p>
             <a:fld id="{78C97017-6FC3-485B-9764-EAC9E56C1D49}" type="datetimeFigureOut">
               <a:rPr lang="en-US" smtClean="0"/>
-              <a:t>10/1/2018</a:t>
+              <a:t>10/14/2018</a:t>
             </a:fld>
             <a:endParaRPr lang="en-US"/>
           </a:p>
@@ -2867,7 +2869,7 @@
           <a:p>
             <a:fld id="{78C97017-6FC3-485B-9764-EAC9E56C1D49}" type="datetimeFigureOut">
               <a:rPr lang="en-US" smtClean="0"/>
-              <a:t>10/1/2018</a:t>
+              <a:t>10/14/2018</a:t>
             </a:fld>
             <a:endParaRPr lang="en-US"/>
           </a:p>
@@ -3142,7 +3144,7 @@
           <a:p>
             <a:fld id="{78C97017-6FC3-485B-9764-EAC9E56C1D49}" type="datetimeFigureOut">
               <a:rPr lang="en-US" smtClean="0"/>
-              <a:t>10/1/2018</a:t>
+              <a:t>10/14/2018</a:t>
             </a:fld>
             <a:endParaRPr lang="en-US"/>
           </a:p>
@@ -3394,7 +3396,7 @@
           <a:p>
             <a:fld id="{78C97017-6FC3-485B-9764-EAC9E56C1D49}" type="datetimeFigureOut">
               <a:rPr lang="en-US" smtClean="0"/>
-              <a:t>10/1/2018</a:t>
+              <a:t>10/14/2018</a:t>
             </a:fld>
             <a:endParaRPr lang="en-US"/>
           </a:p>
@@ -3605,7 +3607,7 @@
           <a:p>
             <a:fld id="{78C97017-6FC3-485B-9764-EAC9E56C1D49}" type="datetimeFigureOut">
               <a:rPr lang="en-US" smtClean="0"/>
-              <a:t>10/1/2018</a:t>
+              <a:t>10/14/2018</a:t>
             </a:fld>
             <a:endParaRPr lang="en-US"/>
           </a:p>
@@ -3980,2210 +3982,42 @@
           <a:chExt cx="0" cy="0"/>
         </a:xfrm>
       </p:grpSpPr>
-      <p:sp>
-        <p:nvSpPr>
-          <p:cNvPr id="2" name="Rectangle 65">
+      <p:pic>
+        <p:nvPicPr>
+          <p:cNvPr id="30" name="Picture 29">
             <a:extLst>
               <a:ext uri="{FF2B5EF4-FFF2-40B4-BE49-F238E27FC236}">
-                <a16:creationId xmlns:a16="http://schemas.microsoft.com/office/drawing/2014/main" id="{591191E2-7231-4502-BB6F-3B8F3002F39D}"/>
+                <a16:creationId xmlns:a16="http://schemas.microsoft.com/office/drawing/2014/main" id="{6423D69F-3314-4098-AECE-43ED0AF5B26D}"/>
               </a:ext>
             </a:extLst>
           </p:cNvPr>
-          <p:cNvSpPr/>
+          <p:cNvPicPr>
+            <a:picLocks noChangeAspect="1"/>
+          </p:cNvPicPr>
           <p:nvPr/>
-        </p:nvSpPr>
+        </p:nvPicPr>
+        <p:blipFill>
+          <a:blip r:embed="rId3">
+            <a:extLst>
+              <a:ext uri="{28A0092B-C50C-407E-A947-70E740481C1C}">
+                <a14:useLocalDpi xmlns:a14="http://schemas.microsoft.com/office/drawing/2010/main" val="0"/>
+              </a:ext>
+            </a:extLst>
+          </a:blip>
+          <a:stretch>
+            <a:fillRect/>
+          </a:stretch>
+        </p:blipFill>
         <p:spPr>
           <a:xfrm>
-            <a:off x="638287" y="2054106"/>
-            <a:ext cx="7867426" cy="2590800"/>
-          </a:xfrm>
-          <a:prstGeom prst="roundRect">
-            <a:avLst>
-              <a:gd name="adj" fmla="val 3484"/>
-            </a:avLst>
-          </a:prstGeom>
-          <a:solidFill>
-            <a:schemeClr val="accent6">
-              <a:lumMod val="20000"/>
-              <a:lumOff val="80000"/>
-            </a:schemeClr>
-          </a:solidFill>
-          <a:ln w="19050">
-            <a:noFill/>
-          </a:ln>
-          <a:effectLst/>
-        </p:spPr>
-        <p:style>
-          <a:lnRef idx="1">
-            <a:schemeClr val="accent2"/>
-          </a:lnRef>
-          <a:fillRef idx="2">
-            <a:schemeClr val="accent2"/>
-          </a:fillRef>
-          <a:effectRef idx="1">
-            <a:schemeClr val="accent2"/>
-          </a:effectRef>
-          <a:fontRef idx="minor">
-            <a:schemeClr val="dk1"/>
-          </a:fontRef>
-        </p:style>
-        <p:txBody>
-          <a:bodyPr rtlCol="0" anchor="t"/>
-          <a:lstStyle/>
-          <a:p>
-            <a:r>
-              <a:rPr lang="en-US" sz="1200" b="1" dirty="0">
-                <a:solidFill>
-                  <a:schemeClr val="accent6">
-                    <a:lumMod val="75000"/>
-                  </a:schemeClr>
-                </a:solidFill>
-              </a:rPr>
-              <a:t>Storage</a:t>
-            </a:r>
-            <a:endParaRPr lang="en-SG" sz="1200" b="1" dirty="0">
-              <a:solidFill>
-                <a:schemeClr val="accent6">
-                  <a:lumMod val="75000"/>
-                </a:schemeClr>
-              </a:solidFill>
-            </a:endParaRPr>
-          </a:p>
-        </p:txBody>
-      </p:sp>
-      <p:sp>
-        <p:nvSpPr>
-          <p:cNvPr id="3" name="Rectangle 8">
-            <a:extLst>
-              <a:ext uri="{FF2B5EF4-FFF2-40B4-BE49-F238E27FC236}">
-                <a16:creationId xmlns:a16="http://schemas.microsoft.com/office/drawing/2014/main" id="{D382D195-BB7C-4E26-AEBF-DC12F1EA683C}"/>
-              </a:ext>
-            </a:extLst>
-          </p:cNvPr>
-          <p:cNvSpPr/>
-          <p:nvPr/>
-        </p:nvSpPr>
-        <p:spPr>
-          <a:xfrm>
-            <a:off x="2290715" y="3129458"/>
-            <a:ext cx="1323049" cy="346760"/>
+            <a:off x="376237" y="2233612"/>
+            <a:ext cx="8391525" cy="2390775"/>
           </a:xfrm>
           <a:prstGeom prst="rect">
             <a:avLst/>
           </a:prstGeom>
-          <a:solidFill>
-            <a:schemeClr val="accent6">
-              <a:lumMod val="75000"/>
-            </a:schemeClr>
-          </a:solidFill>
-          <a:ln w="19050">
-            <a:solidFill>
-              <a:schemeClr val="accent6">
-                <a:lumMod val="75000"/>
-              </a:schemeClr>
-            </a:solidFill>
-          </a:ln>
-          <a:effectLst/>
         </p:spPr>
-        <p:style>
-          <a:lnRef idx="1">
-            <a:schemeClr val="accent2"/>
-          </a:lnRef>
-          <a:fillRef idx="2">
-            <a:schemeClr val="accent2"/>
-          </a:fillRef>
-          <a:effectRef idx="1">
-            <a:schemeClr val="accent2"/>
-          </a:effectRef>
-          <a:fontRef idx="minor">
-            <a:schemeClr val="dk1"/>
-          </a:fontRef>
-        </p:style>
-        <p:txBody>
-          <a:bodyPr rtlCol="0" anchor="ctr"/>
-          <a:lstStyle/>
-          <a:p>
-            <a:pPr algn="ctr"/>
-            <a:r>
-              <a:rPr lang="en-US" sz="1050" dirty="0">
-                <a:solidFill>
-                  <a:schemeClr val="bg1"/>
-                </a:solidFill>
-              </a:rPr>
-              <a:t>&lt;&lt;interface&gt;&gt;</a:t>
-            </a:r>
-            <a:br>
-              <a:rPr lang="en-US" sz="1050" dirty="0">
-                <a:solidFill>
-                  <a:schemeClr val="bg1"/>
-                </a:solidFill>
-              </a:rPr>
-            </a:br>
-            <a:r>
-              <a:rPr lang="en-US" sz="1050" dirty="0" err="1">
-                <a:solidFill>
-                  <a:schemeClr val="bg1"/>
-                </a:solidFill>
-              </a:rPr>
-              <a:t>SaveBookStorage</a:t>
-            </a:r>
-            <a:endParaRPr lang="en-SG" sz="1050" dirty="0">
-              <a:solidFill>
-                <a:schemeClr val="bg1"/>
-              </a:solidFill>
-            </a:endParaRPr>
-          </a:p>
-        </p:txBody>
-      </p:sp>
-      <p:sp>
-        <p:nvSpPr>
-          <p:cNvPr id="4" name="Rectangle 62">
-            <a:extLst>
-              <a:ext uri="{FF2B5EF4-FFF2-40B4-BE49-F238E27FC236}">
-                <a16:creationId xmlns:a16="http://schemas.microsoft.com/office/drawing/2014/main" id="{1002776D-C406-4D65-9070-D156256D3642}"/>
-              </a:ext>
-            </a:extLst>
-          </p:cNvPr>
-          <p:cNvSpPr/>
-          <p:nvPr/>
-        </p:nvSpPr>
-        <p:spPr>
-          <a:xfrm rot="16200000">
-            <a:off x="1097498" y="2839705"/>
-            <a:ext cx="1093635" cy="346760"/>
-          </a:xfrm>
-          <a:prstGeom prst="rect">
-            <a:avLst/>
-          </a:prstGeom>
-          <a:solidFill>
-            <a:schemeClr val="accent6">
-              <a:lumMod val="75000"/>
-            </a:schemeClr>
-          </a:solidFill>
-          <a:ln w="19050">
-            <a:solidFill>
-              <a:schemeClr val="accent6">
-                <a:lumMod val="75000"/>
-              </a:schemeClr>
-            </a:solidFill>
-          </a:ln>
-          <a:effectLst/>
-        </p:spPr>
-        <p:style>
-          <a:lnRef idx="1">
-            <a:schemeClr val="accent2"/>
-          </a:lnRef>
-          <a:fillRef idx="2">
-            <a:schemeClr val="accent2"/>
-          </a:fillRef>
-          <a:effectRef idx="1">
-            <a:schemeClr val="accent2"/>
-          </a:effectRef>
-          <a:fontRef idx="minor">
-            <a:schemeClr val="dk1"/>
-          </a:fontRef>
-        </p:style>
-        <p:txBody>
-          <a:bodyPr rtlCol="0" anchor="ctr"/>
-          <a:lstStyle/>
-          <a:p>
-            <a:pPr algn="ctr"/>
-            <a:r>
-              <a:rPr lang="en-US" sz="1050" dirty="0" err="1">
-                <a:solidFill>
-                  <a:schemeClr val="bg1"/>
-                </a:solidFill>
-              </a:rPr>
-              <a:t>StorageManager</a:t>
-            </a:r>
-            <a:endParaRPr lang="en-SG" sz="1050" dirty="0">
-              <a:solidFill>
-                <a:schemeClr val="bg1"/>
-              </a:solidFill>
-            </a:endParaRPr>
-          </a:p>
-        </p:txBody>
-      </p:sp>
-      <p:sp>
-        <p:nvSpPr>
-          <p:cNvPr id="5" name="Rectangle 62">
-            <a:extLst>
-              <a:ext uri="{FF2B5EF4-FFF2-40B4-BE49-F238E27FC236}">
-                <a16:creationId xmlns:a16="http://schemas.microsoft.com/office/drawing/2014/main" id="{27A2C74A-6D4B-427C-80D5-9B1822F8B74A}"/>
-              </a:ext>
-            </a:extLst>
-          </p:cNvPr>
-          <p:cNvSpPr/>
-          <p:nvPr/>
-        </p:nvSpPr>
-        <p:spPr>
-          <a:xfrm rot="16200000">
-            <a:off x="369737" y="2832220"/>
-            <a:ext cx="1093635" cy="346760"/>
-          </a:xfrm>
-          <a:prstGeom prst="rect">
-            <a:avLst/>
-          </a:prstGeom>
-          <a:solidFill>
-            <a:schemeClr val="accent6">
-              <a:lumMod val="75000"/>
-            </a:schemeClr>
-          </a:solidFill>
-          <a:ln w="19050">
-            <a:solidFill>
-              <a:schemeClr val="accent6">
-                <a:lumMod val="75000"/>
-              </a:schemeClr>
-            </a:solidFill>
-          </a:ln>
-          <a:effectLst/>
-        </p:spPr>
-        <p:style>
-          <a:lnRef idx="1">
-            <a:schemeClr val="accent2"/>
-          </a:lnRef>
-          <a:fillRef idx="2">
-            <a:schemeClr val="accent2"/>
-          </a:fillRef>
-          <a:effectRef idx="1">
-            <a:schemeClr val="accent2"/>
-          </a:effectRef>
-          <a:fontRef idx="minor">
-            <a:schemeClr val="dk1"/>
-          </a:fontRef>
-        </p:style>
-        <p:txBody>
-          <a:bodyPr rtlCol="0" anchor="ctr"/>
-          <a:lstStyle/>
-          <a:p>
-            <a:pPr algn="ctr"/>
-            <a:r>
-              <a:rPr lang="en-US" sz="1050" dirty="0">
-                <a:solidFill>
-                  <a:schemeClr val="bg1"/>
-                </a:solidFill>
-              </a:rPr>
-              <a:t>&lt;&lt;interface&gt;&gt;</a:t>
-            </a:r>
-          </a:p>
-          <a:p>
-            <a:pPr algn="ctr"/>
-            <a:r>
-              <a:rPr lang="en-US" sz="1050" dirty="0">
-                <a:solidFill>
-                  <a:schemeClr val="bg1"/>
-                </a:solidFill>
-              </a:rPr>
-              <a:t>Storage</a:t>
-            </a:r>
-            <a:endParaRPr lang="en-SG" sz="1050" dirty="0">
-              <a:solidFill>
-                <a:schemeClr val="bg1"/>
-              </a:solidFill>
-            </a:endParaRPr>
-          </a:p>
-        </p:txBody>
-      </p:sp>
-      <p:sp>
-        <p:nvSpPr>
-          <p:cNvPr id="6" name="Isosceles Triangle 102">
-            <a:extLst>
-              <a:ext uri="{FF2B5EF4-FFF2-40B4-BE49-F238E27FC236}">
-                <a16:creationId xmlns:a16="http://schemas.microsoft.com/office/drawing/2014/main" id="{691EB206-98BA-4B35-8149-10757ED79453}"/>
-              </a:ext>
-            </a:extLst>
-          </p:cNvPr>
-          <p:cNvSpPr/>
-          <p:nvPr/>
-        </p:nvSpPr>
-        <p:spPr>
-          <a:xfrm rot="16200000">
-            <a:off x="1040445" y="2923309"/>
-            <a:ext cx="270504" cy="175523"/>
-          </a:xfrm>
-          <a:prstGeom prst="triangle">
-            <a:avLst/>
-          </a:prstGeom>
-          <a:solidFill>
-            <a:schemeClr val="accent6">
-              <a:lumMod val="75000"/>
-            </a:schemeClr>
-          </a:solidFill>
-          <a:ln w="19050">
-            <a:solidFill>
-              <a:schemeClr val="accent6">
-                <a:lumMod val="75000"/>
-              </a:schemeClr>
-            </a:solidFill>
-          </a:ln>
-          <a:effectLst/>
-        </p:spPr>
-        <p:style>
-          <a:lnRef idx="1">
-            <a:schemeClr val="accent2"/>
-          </a:lnRef>
-          <a:fillRef idx="2">
-            <a:schemeClr val="accent2"/>
-          </a:fillRef>
-          <a:effectRef idx="1">
-            <a:schemeClr val="accent2"/>
-          </a:effectRef>
-          <a:fontRef idx="minor">
-            <a:schemeClr val="dk1"/>
-          </a:fontRef>
-        </p:style>
-        <p:txBody>
-          <a:bodyPr rtlCol="0" anchor="ctr"/>
-          <a:lstStyle/>
-          <a:p>
-            <a:pPr algn="ctr"/>
-            <a:endParaRPr lang="en-SG" sz="1050">
-              <a:solidFill>
-                <a:schemeClr val="bg1"/>
-              </a:solidFill>
-            </a:endParaRPr>
-          </a:p>
-        </p:txBody>
-      </p:sp>
-      <p:cxnSp>
-        <p:nvCxnSpPr>
-          <p:cNvPr id="7" name="Straight Arrow Connector 6">
-            <a:extLst>
-              <a:ext uri="{FF2B5EF4-FFF2-40B4-BE49-F238E27FC236}">
-                <a16:creationId xmlns:a16="http://schemas.microsoft.com/office/drawing/2014/main" id="{127A6C11-EAEB-44B8-BC73-081C72FBCA70}"/>
-              </a:ext>
-            </a:extLst>
-          </p:cNvPr>
-          <p:cNvCxnSpPr>
-            <a:stCxn id="9" idx="3"/>
-            <a:endCxn id="3" idx="1"/>
-          </p:cNvCxnSpPr>
-          <p:nvPr/>
-        </p:nvCxnSpPr>
-        <p:spPr>
-          <a:xfrm>
-            <a:off x="2069905" y="3297554"/>
-            <a:ext cx="220810" cy="5284"/>
-          </a:xfrm>
-          <a:prstGeom prst="straightConnector1">
-            <a:avLst/>
-          </a:prstGeom>
-          <a:ln w="19050">
-            <a:solidFill>
-              <a:schemeClr val="accent6">
-                <a:lumMod val="75000"/>
-              </a:schemeClr>
-            </a:solidFill>
-            <a:headEnd type="none" w="med" len="med"/>
-            <a:tailEnd type="arrow" w="med" len="med"/>
-          </a:ln>
-          <a:effectLst/>
-        </p:spPr>
-        <p:style>
-          <a:lnRef idx="1">
-            <a:schemeClr val="accent2"/>
-          </a:lnRef>
-          <a:fillRef idx="2">
-            <a:schemeClr val="accent2"/>
-          </a:fillRef>
-          <a:effectRef idx="1">
-            <a:schemeClr val="accent2"/>
-          </a:effectRef>
-          <a:fontRef idx="minor">
-            <a:schemeClr val="dk1"/>
-          </a:fontRef>
-        </p:style>
-      </p:cxnSp>
-      <p:cxnSp>
-        <p:nvCxnSpPr>
-          <p:cNvPr id="8" name="Straight Connector 7">
-            <a:extLst>
-              <a:ext uri="{FF2B5EF4-FFF2-40B4-BE49-F238E27FC236}">
-                <a16:creationId xmlns:a16="http://schemas.microsoft.com/office/drawing/2014/main" id="{9182AAD7-45EA-4C1B-965D-A1A076C1049E}"/>
-              </a:ext>
-            </a:extLst>
-          </p:cNvPr>
-          <p:cNvCxnSpPr>
-            <a:stCxn id="6" idx="3"/>
-          </p:cNvCxnSpPr>
-          <p:nvPr/>
-        </p:nvCxnSpPr>
-        <p:spPr>
-          <a:xfrm flipV="1">
-            <a:off x="1263459" y="3011070"/>
-            <a:ext cx="216105" cy="1"/>
-          </a:xfrm>
-          <a:prstGeom prst="line">
-            <a:avLst/>
-          </a:prstGeom>
-          <a:ln w="19050">
-            <a:solidFill>
-              <a:schemeClr val="accent6">
-                <a:lumMod val="75000"/>
-              </a:schemeClr>
-            </a:solidFill>
-            <a:prstDash val="sysDot"/>
-            <a:headEnd type="none" w="med" len="med"/>
-            <a:tailEnd type="none" w="med" len="med"/>
-          </a:ln>
-          <a:effectLst/>
-        </p:spPr>
-        <p:style>
-          <a:lnRef idx="1">
-            <a:schemeClr val="accent2"/>
-          </a:lnRef>
-          <a:fillRef idx="2">
-            <a:schemeClr val="accent2"/>
-          </a:fillRef>
-          <a:effectRef idx="1">
-            <a:schemeClr val="accent2"/>
-          </a:effectRef>
-          <a:fontRef idx="minor">
-            <a:schemeClr val="dk1"/>
-          </a:fontRef>
-        </p:style>
-      </p:cxnSp>
-      <p:sp>
-        <p:nvSpPr>
-          <p:cNvPr id="9" name="Flowchart: Decision 96">
-            <a:extLst>
-              <a:ext uri="{FF2B5EF4-FFF2-40B4-BE49-F238E27FC236}">
-                <a16:creationId xmlns:a16="http://schemas.microsoft.com/office/drawing/2014/main" id="{1D7F843D-52A2-47AB-81EA-596331869288}"/>
-              </a:ext>
-            </a:extLst>
-          </p:cNvPr>
-          <p:cNvSpPr/>
-          <p:nvPr/>
-        </p:nvSpPr>
-        <p:spPr>
-          <a:xfrm>
-            <a:off x="1833857" y="3210864"/>
-            <a:ext cx="236048" cy="173380"/>
-          </a:xfrm>
-          <a:prstGeom prst="flowChartDecision">
-            <a:avLst/>
-          </a:prstGeom>
-          <a:noFill/>
-          <a:ln w="19050">
-            <a:solidFill>
-              <a:schemeClr val="accent6">
-                <a:lumMod val="75000"/>
-              </a:schemeClr>
-            </a:solidFill>
-          </a:ln>
-          <a:effectLst/>
-        </p:spPr>
-        <p:style>
-          <a:lnRef idx="1">
-            <a:schemeClr val="accent2"/>
-          </a:lnRef>
-          <a:fillRef idx="2">
-            <a:schemeClr val="accent2"/>
-          </a:fillRef>
-          <a:effectRef idx="1">
-            <a:schemeClr val="accent2"/>
-          </a:effectRef>
-          <a:fontRef idx="minor">
-            <a:schemeClr val="dk1"/>
-          </a:fontRef>
-        </p:style>
-        <p:txBody>
-          <a:bodyPr rtlCol="0" anchor="ctr"/>
-          <a:lstStyle/>
-          <a:p>
-            <a:pPr algn="ctr"/>
-            <a:endParaRPr lang="en-US" sz="1050">
-              <a:solidFill>
-                <a:schemeClr val="bg1"/>
-              </a:solidFill>
-            </a:endParaRPr>
-          </a:p>
-        </p:txBody>
-      </p:sp>
-      <p:cxnSp>
-        <p:nvCxnSpPr>
-          <p:cNvPr id="10" name="Elbow Connector 63">
-            <a:extLst>
-              <a:ext uri="{FF2B5EF4-FFF2-40B4-BE49-F238E27FC236}">
-                <a16:creationId xmlns:a16="http://schemas.microsoft.com/office/drawing/2014/main" id="{6E806771-1CF0-4B6D-9E2B-58AA7BB6487E}"/>
-              </a:ext>
-            </a:extLst>
-          </p:cNvPr>
-          <p:cNvCxnSpPr>
-            <a:stCxn id="11" idx="3"/>
-            <a:endCxn id="13" idx="1"/>
-          </p:cNvCxnSpPr>
-          <p:nvPr/>
-        </p:nvCxnSpPr>
-        <p:spPr>
-          <a:xfrm flipV="1">
-            <a:off x="3811576" y="3302838"/>
-            <a:ext cx="223324" cy="1"/>
-          </a:xfrm>
-          <a:prstGeom prst="bentConnector3">
-            <a:avLst>
-              <a:gd name="adj1" fmla="val 50000"/>
-            </a:avLst>
-          </a:prstGeom>
-          <a:ln w="19050">
-            <a:solidFill>
-              <a:schemeClr val="accent6">
-                <a:lumMod val="75000"/>
-              </a:schemeClr>
-            </a:solidFill>
-            <a:prstDash val="sysDot"/>
-            <a:headEnd type="none" w="med" len="med"/>
-            <a:tailEnd type="none" w="med" len="med"/>
-          </a:ln>
-          <a:effectLst/>
-        </p:spPr>
-        <p:style>
-          <a:lnRef idx="1">
-            <a:schemeClr val="accent2"/>
-          </a:lnRef>
-          <a:fillRef idx="2">
-            <a:schemeClr val="accent2"/>
-          </a:fillRef>
-          <a:effectRef idx="1">
-            <a:schemeClr val="accent2"/>
-          </a:effectRef>
-          <a:fontRef idx="minor">
-            <a:schemeClr val="dk1"/>
-          </a:fontRef>
-        </p:style>
-      </p:cxnSp>
-      <p:sp>
-        <p:nvSpPr>
-          <p:cNvPr id="11" name="Isosceles Triangle 102">
-            <a:extLst>
-              <a:ext uri="{FF2B5EF4-FFF2-40B4-BE49-F238E27FC236}">
-                <a16:creationId xmlns:a16="http://schemas.microsoft.com/office/drawing/2014/main" id="{8AA2DB66-8B8E-46F8-965E-6B65ACB6423B}"/>
-              </a:ext>
-            </a:extLst>
-          </p:cNvPr>
-          <p:cNvSpPr/>
-          <p:nvPr/>
-        </p:nvSpPr>
-        <p:spPr>
-          <a:xfrm rot="5400000" flipV="1">
-            <a:off x="3588562" y="3215077"/>
-            <a:ext cx="270504" cy="175523"/>
-          </a:xfrm>
-          <a:prstGeom prst="triangle">
-            <a:avLst/>
-          </a:prstGeom>
-          <a:solidFill>
-            <a:schemeClr val="accent6">
-              <a:lumMod val="75000"/>
-            </a:schemeClr>
-          </a:solidFill>
-          <a:ln w="19050">
-            <a:solidFill>
-              <a:schemeClr val="accent6">
-                <a:lumMod val="75000"/>
-              </a:schemeClr>
-            </a:solidFill>
-          </a:ln>
-          <a:effectLst/>
-        </p:spPr>
-        <p:style>
-          <a:lnRef idx="1">
-            <a:schemeClr val="accent2"/>
-          </a:lnRef>
-          <a:fillRef idx="2">
-            <a:schemeClr val="accent2"/>
-          </a:fillRef>
-          <a:effectRef idx="1">
-            <a:schemeClr val="accent2"/>
-          </a:effectRef>
-          <a:fontRef idx="minor">
-            <a:schemeClr val="dk1"/>
-          </a:fontRef>
-        </p:style>
-        <p:txBody>
-          <a:bodyPr rtlCol="0" anchor="ctr"/>
-          <a:lstStyle/>
-          <a:p>
-            <a:pPr algn="ctr"/>
-            <a:endParaRPr lang="en-SG" sz="1050">
-              <a:solidFill>
-                <a:schemeClr val="bg1"/>
-              </a:solidFill>
-            </a:endParaRPr>
-          </a:p>
-        </p:txBody>
-      </p:sp>
-      <p:cxnSp>
-        <p:nvCxnSpPr>
-          <p:cNvPr id="12" name="Elbow Connector 122">
-            <a:extLst>
-              <a:ext uri="{FF2B5EF4-FFF2-40B4-BE49-F238E27FC236}">
-                <a16:creationId xmlns:a16="http://schemas.microsoft.com/office/drawing/2014/main" id="{465AD41D-86B8-4286-A5BA-0EDB2E9AE664}"/>
-              </a:ext>
-            </a:extLst>
-          </p:cNvPr>
-          <p:cNvCxnSpPr>
-            <a:stCxn id="13" idx="3"/>
-            <a:endCxn id="20" idx="1"/>
-          </p:cNvCxnSpPr>
-          <p:nvPr/>
-        </p:nvCxnSpPr>
-        <p:spPr>
-          <a:xfrm>
-            <a:off x="5204735" y="3302838"/>
-            <a:ext cx="228600" cy="1970"/>
-          </a:xfrm>
-          <a:prstGeom prst="bentConnector3">
-            <a:avLst>
-              <a:gd name="adj1" fmla="val 50000"/>
-            </a:avLst>
-          </a:prstGeom>
-          <a:ln w="19050">
-            <a:solidFill>
-              <a:schemeClr val="accent6">
-                <a:lumMod val="75000"/>
-              </a:schemeClr>
-            </a:solidFill>
-            <a:prstDash val="sysDot"/>
-            <a:headEnd type="none" w="med" len="med"/>
-            <a:tailEnd type="arrow" w="med" len="med"/>
-          </a:ln>
-          <a:effectLst/>
-        </p:spPr>
-        <p:style>
-          <a:lnRef idx="1">
-            <a:schemeClr val="accent2"/>
-          </a:lnRef>
-          <a:fillRef idx="2">
-            <a:schemeClr val="accent2"/>
-          </a:fillRef>
-          <a:effectRef idx="1">
-            <a:schemeClr val="accent2"/>
-          </a:effectRef>
-          <a:fontRef idx="minor">
-            <a:schemeClr val="dk1"/>
-          </a:fontRef>
-        </p:style>
-      </p:cxnSp>
-      <p:sp>
-        <p:nvSpPr>
-          <p:cNvPr id="13" name="Rectangle 8">
-            <a:extLst>
-              <a:ext uri="{FF2B5EF4-FFF2-40B4-BE49-F238E27FC236}">
-                <a16:creationId xmlns:a16="http://schemas.microsoft.com/office/drawing/2014/main" id="{62CF4FBA-1A50-4849-8467-D8F6258FF4DC}"/>
-              </a:ext>
-            </a:extLst>
-          </p:cNvPr>
-          <p:cNvSpPr/>
-          <p:nvPr/>
-        </p:nvSpPr>
-        <p:spPr>
-          <a:xfrm>
-            <a:off x="4034900" y="3129458"/>
-            <a:ext cx="1169835" cy="346760"/>
-          </a:xfrm>
-          <a:prstGeom prst="rect">
-            <a:avLst/>
-          </a:prstGeom>
-          <a:ln w="19050"/>
-          <a:effectLst/>
-        </p:spPr>
-        <p:style>
-          <a:lnRef idx="1">
-            <a:schemeClr val="accent6"/>
-          </a:lnRef>
-          <a:fillRef idx="2">
-            <a:schemeClr val="accent6"/>
-          </a:fillRef>
-          <a:effectRef idx="1">
-            <a:schemeClr val="accent6"/>
-          </a:effectRef>
-          <a:fontRef idx="minor">
-            <a:schemeClr val="dk1"/>
-          </a:fontRef>
-        </p:style>
-        <p:txBody>
-          <a:bodyPr rtlCol="0" anchor="ctr"/>
-          <a:lstStyle/>
-          <a:p>
-            <a:pPr algn="ctr"/>
-            <a:r>
-              <a:rPr lang="en-US" sz="1050" b="1" dirty="0" err="1">
-                <a:solidFill>
-                  <a:schemeClr val="accent6">
-                    <a:lumMod val="75000"/>
-                  </a:schemeClr>
-                </a:solidFill>
-              </a:rPr>
-              <a:t>XmlWishBook</a:t>
-            </a:r>
-            <a:br>
-              <a:rPr lang="en-US" sz="1050" b="1" dirty="0">
-                <a:solidFill>
-                  <a:schemeClr val="accent6">
-                    <a:lumMod val="75000"/>
-                  </a:schemeClr>
-                </a:solidFill>
-              </a:rPr>
-            </a:br>
-            <a:r>
-              <a:rPr lang="en-US" sz="1050" b="1" dirty="0">
-                <a:solidFill>
-                  <a:schemeClr val="accent6">
-                    <a:lumMod val="75000"/>
-                  </a:schemeClr>
-                </a:solidFill>
-              </a:rPr>
-              <a:t>Storage</a:t>
-            </a:r>
-            <a:endParaRPr lang="en-SG" sz="1050" b="1" dirty="0">
-              <a:solidFill>
-                <a:schemeClr val="accent6">
-                  <a:lumMod val="75000"/>
-                </a:schemeClr>
-              </a:solidFill>
-            </a:endParaRPr>
-          </a:p>
-        </p:txBody>
-      </p:sp>
-      <p:sp>
-        <p:nvSpPr>
-          <p:cNvPr id="14" name="Rectangle 8">
-            <a:extLst>
-              <a:ext uri="{FF2B5EF4-FFF2-40B4-BE49-F238E27FC236}">
-                <a16:creationId xmlns:a16="http://schemas.microsoft.com/office/drawing/2014/main" id="{3A5E82C0-D044-4375-A6CE-D32927174C6D}"/>
-              </a:ext>
-            </a:extLst>
-          </p:cNvPr>
-          <p:cNvSpPr/>
-          <p:nvPr/>
-        </p:nvSpPr>
-        <p:spPr>
-          <a:xfrm>
-            <a:off x="2287478" y="2529058"/>
-            <a:ext cx="1323049" cy="346760"/>
-          </a:xfrm>
-          <a:prstGeom prst="rect">
-            <a:avLst/>
-          </a:prstGeom>
-          <a:solidFill>
-            <a:schemeClr val="accent6">
-              <a:lumMod val="75000"/>
-            </a:schemeClr>
-          </a:solidFill>
-          <a:ln w="19050">
-            <a:solidFill>
-              <a:schemeClr val="accent6">
-                <a:lumMod val="75000"/>
-              </a:schemeClr>
-            </a:solidFill>
-          </a:ln>
-          <a:effectLst/>
-        </p:spPr>
-        <p:style>
-          <a:lnRef idx="1">
-            <a:schemeClr val="accent2"/>
-          </a:lnRef>
-          <a:fillRef idx="2">
-            <a:schemeClr val="accent2"/>
-          </a:fillRef>
-          <a:effectRef idx="1">
-            <a:schemeClr val="accent2"/>
-          </a:effectRef>
-          <a:fontRef idx="minor">
-            <a:schemeClr val="dk1"/>
-          </a:fontRef>
-        </p:style>
-        <p:txBody>
-          <a:bodyPr rtlCol="0" anchor="ctr"/>
-          <a:lstStyle/>
-          <a:p>
-            <a:pPr algn="ctr"/>
-            <a:r>
-              <a:rPr lang="en-US" sz="1050" dirty="0">
-                <a:solidFill>
-                  <a:schemeClr val="bg1"/>
-                </a:solidFill>
-              </a:rPr>
-              <a:t>&lt;&lt;interface&gt;&gt;</a:t>
-            </a:r>
-            <a:br>
-              <a:rPr lang="en-US" sz="1050" dirty="0">
-                <a:solidFill>
-                  <a:schemeClr val="bg1"/>
-                </a:solidFill>
-              </a:rPr>
-            </a:br>
-            <a:r>
-              <a:rPr lang="en-US" sz="1050" dirty="0" err="1">
-                <a:solidFill>
-                  <a:schemeClr val="bg1"/>
-                </a:solidFill>
-              </a:rPr>
-              <a:t>UserPrefsStorage</a:t>
-            </a:r>
-            <a:endParaRPr lang="en-SG" sz="1050" dirty="0">
-              <a:solidFill>
-                <a:schemeClr val="bg1"/>
-              </a:solidFill>
-            </a:endParaRPr>
-          </a:p>
-        </p:txBody>
-      </p:sp>
-      <p:cxnSp>
-        <p:nvCxnSpPr>
-          <p:cNvPr id="15" name="Straight Arrow Connector 14">
-            <a:extLst>
-              <a:ext uri="{FF2B5EF4-FFF2-40B4-BE49-F238E27FC236}">
-                <a16:creationId xmlns:a16="http://schemas.microsoft.com/office/drawing/2014/main" id="{E76E5B9D-1FD7-4E76-A0B0-64949A99DAB2}"/>
-              </a:ext>
-            </a:extLst>
-          </p:cNvPr>
-          <p:cNvCxnSpPr>
-            <a:stCxn id="16" idx="3"/>
-            <a:endCxn id="14" idx="1"/>
-          </p:cNvCxnSpPr>
-          <p:nvPr/>
-        </p:nvCxnSpPr>
-        <p:spPr>
-          <a:xfrm>
-            <a:off x="2066668" y="2697154"/>
-            <a:ext cx="220810" cy="5284"/>
-          </a:xfrm>
-          <a:prstGeom prst="straightConnector1">
-            <a:avLst/>
-          </a:prstGeom>
-          <a:ln w="19050">
-            <a:solidFill>
-              <a:schemeClr val="accent6">
-                <a:lumMod val="75000"/>
-              </a:schemeClr>
-            </a:solidFill>
-            <a:headEnd type="none" w="med" len="med"/>
-            <a:tailEnd type="arrow" w="med" len="med"/>
-          </a:ln>
-          <a:effectLst/>
-        </p:spPr>
-        <p:style>
-          <a:lnRef idx="1">
-            <a:schemeClr val="accent2"/>
-          </a:lnRef>
-          <a:fillRef idx="2">
-            <a:schemeClr val="accent2"/>
-          </a:fillRef>
-          <a:effectRef idx="1">
-            <a:schemeClr val="accent2"/>
-          </a:effectRef>
-          <a:fontRef idx="minor">
-            <a:schemeClr val="dk1"/>
-          </a:fontRef>
-        </p:style>
-      </p:cxnSp>
-      <p:sp>
-        <p:nvSpPr>
-          <p:cNvPr id="16" name="Flowchart: Decision 96">
-            <a:extLst>
-              <a:ext uri="{FF2B5EF4-FFF2-40B4-BE49-F238E27FC236}">
-                <a16:creationId xmlns:a16="http://schemas.microsoft.com/office/drawing/2014/main" id="{7E0D9B8F-702E-43B2-A7A8-6B65842C1058}"/>
-              </a:ext>
-            </a:extLst>
-          </p:cNvPr>
-          <p:cNvSpPr/>
-          <p:nvPr/>
-        </p:nvSpPr>
-        <p:spPr>
-          <a:xfrm>
-            <a:off x="1830620" y="2610464"/>
-            <a:ext cx="236048" cy="173380"/>
-          </a:xfrm>
-          <a:prstGeom prst="flowChartDecision">
-            <a:avLst/>
-          </a:prstGeom>
-          <a:noFill/>
-          <a:ln w="19050">
-            <a:solidFill>
-              <a:schemeClr val="accent6">
-                <a:lumMod val="75000"/>
-              </a:schemeClr>
-            </a:solidFill>
-          </a:ln>
-          <a:effectLst/>
-        </p:spPr>
-        <p:style>
-          <a:lnRef idx="1">
-            <a:schemeClr val="accent2"/>
-          </a:lnRef>
-          <a:fillRef idx="2">
-            <a:schemeClr val="accent2"/>
-          </a:fillRef>
-          <a:effectRef idx="1">
-            <a:schemeClr val="accent2"/>
-          </a:effectRef>
-          <a:fontRef idx="minor">
-            <a:schemeClr val="dk1"/>
-          </a:fontRef>
-        </p:style>
-        <p:txBody>
-          <a:bodyPr rtlCol="0" anchor="ctr"/>
-          <a:lstStyle/>
-          <a:p>
-            <a:pPr algn="ctr"/>
-            <a:endParaRPr lang="en-US" sz="1050">
-              <a:solidFill>
-                <a:schemeClr val="bg1"/>
-              </a:solidFill>
-            </a:endParaRPr>
-          </a:p>
-        </p:txBody>
-      </p:sp>
-      <p:cxnSp>
-        <p:nvCxnSpPr>
-          <p:cNvPr id="17" name="Elbow Connector 63">
-            <a:extLst>
-              <a:ext uri="{FF2B5EF4-FFF2-40B4-BE49-F238E27FC236}">
-                <a16:creationId xmlns:a16="http://schemas.microsoft.com/office/drawing/2014/main" id="{01336A1B-B925-4718-8E60-0C1E59BB1A4E}"/>
-              </a:ext>
-            </a:extLst>
-          </p:cNvPr>
-          <p:cNvCxnSpPr>
-            <a:stCxn id="18" idx="3"/>
-            <a:endCxn id="19" idx="1"/>
-          </p:cNvCxnSpPr>
-          <p:nvPr/>
-        </p:nvCxnSpPr>
-        <p:spPr>
-          <a:xfrm flipV="1">
-            <a:off x="3808339" y="2702438"/>
-            <a:ext cx="223324" cy="1"/>
-          </a:xfrm>
-          <a:prstGeom prst="bentConnector3">
-            <a:avLst>
-              <a:gd name="adj1" fmla="val 50000"/>
-            </a:avLst>
-          </a:prstGeom>
-          <a:ln w="19050">
-            <a:solidFill>
-              <a:schemeClr val="accent6">
-                <a:lumMod val="75000"/>
-              </a:schemeClr>
-            </a:solidFill>
-            <a:prstDash val="sysDot"/>
-            <a:headEnd type="none" w="med" len="med"/>
-            <a:tailEnd type="none" w="med" len="med"/>
-          </a:ln>
-          <a:effectLst/>
-        </p:spPr>
-        <p:style>
-          <a:lnRef idx="1">
-            <a:schemeClr val="accent2"/>
-          </a:lnRef>
-          <a:fillRef idx="2">
-            <a:schemeClr val="accent2"/>
-          </a:fillRef>
-          <a:effectRef idx="1">
-            <a:schemeClr val="accent2"/>
-          </a:effectRef>
-          <a:fontRef idx="minor">
-            <a:schemeClr val="dk1"/>
-          </a:fontRef>
-        </p:style>
-      </p:cxnSp>
-      <p:sp>
-        <p:nvSpPr>
-          <p:cNvPr id="18" name="Isosceles Triangle 102">
-            <a:extLst>
-              <a:ext uri="{FF2B5EF4-FFF2-40B4-BE49-F238E27FC236}">
-                <a16:creationId xmlns:a16="http://schemas.microsoft.com/office/drawing/2014/main" id="{C80EF177-C646-44F2-92D2-0DA9EEB3EF30}"/>
-              </a:ext>
-            </a:extLst>
-          </p:cNvPr>
-          <p:cNvSpPr/>
-          <p:nvPr/>
-        </p:nvSpPr>
-        <p:spPr>
-          <a:xfrm rot="5400000" flipV="1">
-            <a:off x="3585325" y="2614677"/>
-            <a:ext cx="270504" cy="175523"/>
-          </a:xfrm>
-          <a:prstGeom prst="triangle">
-            <a:avLst/>
-          </a:prstGeom>
-          <a:solidFill>
-            <a:schemeClr val="accent6">
-              <a:lumMod val="75000"/>
-            </a:schemeClr>
-          </a:solidFill>
-          <a:ln w="19050">
-            <a:solidFill>
-              <a:schemeClr val="accent6">
-                <a:lumMod val="75000"/>
-              </a:schemeClr>
-            </a:solidFill>
-          </a:ln>
-          <a:effectLst/>
-        </p:spPr>
-        <p:style>
-          <a:lnRef idx="1">
-            <a:schemeClr val="accent2"/>
-          </a:lnRef>
-          <a:fillRef idx="2">
-            <a:schemeClr val="accent2"/>
-          </a:fillRef>
-          <a:effectRef idx="1">
-            <a:schemeClr val="accent2"/>
-          </a:effectRef>
-          <a:fontRef idx="minor">
-            <a:schemeClr val="dk1"/>
-          </a:fontRef>
-        </p:style>
-        <p:txBody>
-          <a:bodyPr rtlCol="0" anchor="ctr"/>
-          <a:lstStyle/>
-          <a:p>
-            <a:pPr algn="ctr"/>
-            <a:endParaRPr lang="en-SG" sz="1050">
-              <a:solidFill>
-                <a:schemeClr val="bg1"/>
-              </a:solidFill>
-            </a:endParaRPr>
-          </a:p>
-        </p:txBody>
-      </p:sp>
-      <p:sp>
-        <p:nvSpPr>
-          <p:cNvPr id="19" name="Rectangle 8">
-            <a:extLst>
-              <a:ext uri="{FF2B5EF4-FFF2-40B4-BE49-F238E27FC236}">
-                <a16:creationId xmlns:a16="http://schemas.microsoft.com/office/drawing/2014/main" id="{46EC2A9D-3519-40AD-9011-770D3D60ECB5}"/>
-              </a:ext>
-            </a:extLst>
-          </p:cNvPr>
-          <p:cNvSpPr/>
-          <p:nvPr/>
-        </p:nvSpPr>
-        <p:spPr>
-          <a:xfrm>
-            <a:off x="4031663" y="2529058"/>
-            <a:ext cx="1093635" cy="346760"/>
-          </a:xfrm>
-          <a:prstGeom prst="rect">
-            <a:avLst/>
-          </a:prstGeom>
-          <a:solidFill>
-            <a:schemeClr val="accent6">
-              <a:lumMod val="75000"/>
-            </a:schemeClr>
-          </a:solidFill>
-          <a:ln w="19050">
-            <a:solidFill>
-              <a:schemeClr val="accent6">
-                <a:lumMod val="75000"/>
-              </a:schemeClr>
-            </a:solidFill>
-          </a:ln>
-          <a:effectLst/>
-        </p:spPr>
-        <p:style>
-          <a:lnRef idx="1">
-            <a:schemeClr val="accent2"/>
-          </a:lnRef>
-          <a:fillRef idx="2">
-            <a:schemeClr val="accent2"/>
-          </a:fillRef>
-          <a:effectRef idx="1">
-            <a:schemeClr val="accent2"/>
-          </a:effectRef>
-          <a:fontRef idx="minor">
-            <a:schemeClr val="dk1"/>
-          </a:fontRef>
-        </p:style>
-        <p:txBody>
-          <a:bodyPr rtlCol="0" anchor="ctr"/>
-          <a:lstStyle/>
-          <a:p>
-            <a:pPr algn="ctr"/>
-            <a:r>
-              <a:rPr lang="en-US" sz="1050" dirty="0" err="1">
-                <a:solidFill>
-                  <a:schemeClr val="bg1"/>
-                </a:solidFill>
-              </a:rPr>
-              <a:t>JsonUserPrefs</a:t>
-            </a:r>
-            <a:br>
-              <a:rPr lang="en-US" sz="1050" dirty="0">
-                <a:solidFill>
-                  <a:schemeClr val="bg1"/>
-                </a:solidFill>
-              </a:rPr>
-            </a:br>
-            <a:r>
-              <a:rPr lang="en-US" sz="1050" dirty="0">
-                <a:solidFill>
-                  <a:schemeClr val="bg1"/>
-                </a:solidFill>
-              </a:rPr>
-              <a:t>Storage</a:t>
-            </a:r>
-            <a:endParaRPr lang="en-SG" sz="1050" dirty="0">
-              <a:solidFill>
-                <a:schemeClr val="bg1"/>
-              </a:solidFill>
-            </a:endParaRPr>
-          </a:p>
-        </p:txBody>
-      </p:sp>
-      <p:sp>
-        <p:nvSpPr>
-          <p:cNvPr id="20" name="Rectangle 8">
-            <a:extLst>
-              <a:ext uri="{FF2B5EF4-FFF2-40B4-BE49-F238E27FC236}">
-                <a16:creationId xmlns:a16="http://schemas.microsoft.com/office/drawing/2014/main" id="{2BF9B653-5D8E-4DB1-B111-A30B899A1097}"/>
-              </a:ext>
-            </a:extLst>
-          </p:cNvPr>
-          <p:cNvSpPr/>
-          <p:nvPr/>
-        </p:nvSpPr>
-        <p:spPr>
-          <a:xfrm>
-            <a:off x="5433335" y="3131428"/>
-            <a:ext cx="1200707" cy="346760"/>
-          </a:xfrm>
-          <a:prstGeom prst="rect">
-            <a:avLst/>
-          </a:prstGeom>
-          <a:ln w="19050"/>
-          <a:effectLst/>
-        </p:spPr>
-        <p:style>
-          <a:lnRef idx="1">
-            <a:schemeClr val="accent6"/>
-          </a:lnRef>
-          <a:fillRef idx="2">
-            <a:schemeClr val="accent6"/>
-          </a:fillRef>
-          <a:effectRef idx="1">
-            <a:schemeClr val="accent6"/>
-          </a:effectRef>
-          <a:fontRef idx="minor">
-            <a:schemeClr val="dk1"/>
-          </a:fontRef>
-        </p:style>
-        <p:txBody>
-          <a:bodyPr rtlCol="0" anchor="ctr"/>
-          <a:lstStyle/>
-          <a:p>
-            <a:pPr algn="ctr"/>
-            <a:r>
-              <a:rPr lang="en-US" sz="1050" b="1" dirty="0" err="1">
-                <a:solidFill>
-                  <a:schemeClr val="accent6">
-                    <a:lumMod val="75000"/>
-                  </a:schemeClr>
-                </a:solidFill>
-              </a:rPr>
-              <a:t>XmlSerializable</a:t>
-            </a:r>
-            <a:br>
-              <a:rPr lang="en-US" sz="1050" b="1" dirty="0">
-                <a:solidFill>
-                  <a:schemeClr val="accent6">
-                    <a:lumMod val="75000"/>
-                  </a:schemeClr>
-                </a:solidFill>
-              </a:rPr>
-            </a:br>
-            <a:r>
-              <a:rPr lang="en-US" sz="1050" b="1" dirty="0" err="1">
-                <a:solidFill>
-                  <a:schemeClr val="accent6">
-                    <a:lumMod val="75000"/>
-                  </a:schemeClr>
-                </a:solidFill>
-              </a:rPr>
-              <a:t>WishBook</a:t>
-            </a:r>
-            <a:endParaRPr lang="en-SG" sz="1050" b="1" dirty="0">
-              <a:solidFill>
-                <a:schemeClr val="accent6">
-                  <a:lumMod val="75000"/>
-                </a:schemeClr>
-              </a:solidFill>
-            </a:endParaRPr>
-          </a:p>
-        </p:txBody>
-      </p:sp>
-      <p:cxnSp>
-        <p:nvCxnSpPr>
-          <p:cNvPr id="21" name="Elbow Connector 122">
-            <a:extLst>
-              <a:ext uri="{FF2B5EF4-FFF2-40B4-BE49-F238E27FC236}">
-                <a16:creationId xmlns:a16="http://schemas.microsoft.com/office/drawing/2014/main" id="{82B96457-F6EB-429E-A66E-1FFC0BF47319}"/>
-              </a:ext>
-            </a:extLst>
-          </p:cNvPr>
-          <p:cNvCxnSpPr>
-            <a:cxnSpLocks/>
-          </p:cNvCxnSpPr>
-          <p:nvPr/>
-        </p:nvCxnSpPr>
-        <p:spPr>
-          <a:xfrm rot="16200000" flipV="1">
-            <a:off x="6403673" y="2791139"/>
-            <a:ext cx="688499" cy="517635"/>
-          </a:xfrm>
-          <a:prstGeom prst="bentConnector3">
-            <a:avLst>
-              <a:gd name="adj1" fmla="val 50000"/>
-            </a:avLst>
-          </a:prstGeom>
-          <a:ln w="19050">
-            <a:prstDash val="sysDot"/>
-            <a:headEnd type="none" w="med" len="med"/>
-            <a:tailEnd type="arrow" w="med" len="med"/>
-          </a:ln>
-          <a:effectLst/>
-        </p:spPr>
-        <p:style>
-          <a:lnRef idx="1">
-            <a:schemeClr val="accent6"/>
-          </a:lnRef>
-          <a:fillRef idx="2">
-            <a:schemeClr val="accent6"/>
-          </a:fillRef>
-          <a:effectRef idx="1">
-            <a:schemeClr val="accent6"/>
-          </a:effectRef>
-          <a:fontRef idx="minor">
-            <a:schemeClr val="dk1"/>
-          </a:fontRef>
-        </p:style>
-      </p:cxnSp>
-      <p:sp>
-        <p:nvSpPr>
-          <p:cNvPr id="22" name="Rectangle 8">
-            <a:extLst>
-              <a:ext uri="{FF2B5EF4-FFF2-40B4-BE49-F238E27FC236}">
-                <a16:creationId xmlns:a16="http://schemas.microsoft.com/office/drawing/2014/main" id="{62C1A090-A787-4E0C-9AEB-2A20CC32546E}"/>
-              </a:ext>
-            </a:extLst>
-          </p:cNvPr>
-          <p:cNvSpPr/>
-          <p:nvPr/>
-        </p:nvSpPr>
-        <p:spPr>
-          <a:xfrm>
-            <a:off x="7201446" y="2617603"/>
-            <a:ext cx="1259718" cy="346760"/>
-          </a:xfrm>
-          <a:prstGeom prst="rect">
-            <a:avLst/>
-          </a:prstGeom>
-          <a:ln w="19050"/>
-          <a:effectLst/>
-        </p:spPr>
-        <p:style>
-          <a:lnRef idx="1">
-            <a:schemeClr val="accent6"/>
-          </a:lnRef>
-          <a:fillRef idx="2">
-            <a:schemeClr val="accent6"/>
-          </a:fillRef>
-          <a:effectRef idx="1">
-            <a:schemeClr val="accent6"/>
-          </a:effectRef>
-          <a:fontRef idx="minor">
-            <a:schemeClr val="dk1"/>
-          </a:fontRef>
-        </p:style>
-        <p:txBody>
-          <a:bodyPr rtlCol="0" anchor="ctr"/>
-          <a:lstStyle/>
-          <a:p>
-            <a:pPr algn="ctr"/>
-            <a:r>
-              <a:rPr lang="en-US" sz="1050" b="1" dirty="0" err="1">
-                <a:solidFill>
-                  <a:schemeClr val="accent6">
-                    <a:lumMod val="75000"/>
-                  </a:schemeClr>
-                </a:solidFill>
-              </a:rPr>
-              <a:t>XmlAdaptedTag</a:t>
-            </a:r>
-            <a:endParaRPr lang="en-SG" sz="1050" b="1" dirty="0">
-              <a:solidFill>
-                <a:schemeClr val="accent6">
-                  <a:lumMod val="75000"/>
-                </a:schemeClr>
-              </a:solidFill>
-            </a:endParaRPr>
-          </a:p>
-        </p:txBody>
-      </p:sp>
-      <p:sp>
-        <p:nvSpPr>
-          <p:cNvPr id="23" name="Rectangle 8">
-            <a:extLst>
-              <a:ext uri="{FF2B5EF4-FFF2-40B4-BE49-F238E27FC236}">
-                <a16:creationId xmlns:a16="http://schemas.microsoft.com/office/drawing/2014/main" id="{C0B60E26-3562-4E03-90C9-6887F932421D}"/>
-              </a:ext>
-            </a:extLst>
-          </p:cNvPr>
-          <p:cNvSpPr/>
-          <p:nvPr/>
-        </p:nvSpPr>
-        <p:spPr>
-          <a:xfrm>
-            <a:off x="7006738" y="3220825"/>
-            <a:ext cx="1259718" cy="346760"/>
-          </a:xfrm>
-          <a:prstGeom prst="rect">
-            <a:avLst/>
-          </a:prstGeom>
-          <a:ln w="19050"/>
-          <a:effectLst/>
-        </p:spPr>
-        <p:style>
-          <a:lnRef idx="1">
-            <a:schemeClr val="accent6"/>
-          </a:lnRef>
-          <a:fillRef idx="2">
-            <a:schemeClr val="accent6"/>
-          </a:fillRef>
-          <a:effectRef idx="1">
-            <a:schemeClr val="accent6"/>
-          </a:effectRef>
-          <a:fontRef idx="minor">
-            <a:schemeClr val="dk1"/>
-          </a:fontRef>
-        </p:style>
-        <p:txBody>
-          <a:bodyPr rtlCol="0" anchor="ctr"/>
-          <a:lstStyle/>
-          <a:p>
-            <a:pPr algn="ctr"/>
-            <a:r>
-              <a:rPr lang="en-US" sz="1050" b="1" dirty="0" err="1">
-                <a:solidFill>
-                  <a:schemeClr val="accent6">
-                    <a:lumMod val="75000"/>
-                  </a:schemeClr>
-                </a:solidFill>
-              </a:rPr>
-              <a:t>XmlAdaptedWish</a:t>
-            </a:r>
-            <a:endParaRPr lang="en-SG" sz="1050" b="1" dirty="0">
-              <a:solidFill>
-                <a:schemeClr val="accent6">
-                  <a:lumMod val="75000"/>
-                </a:schemeClr>
-              </a:solidFill>
-            </a:endParaRPr>
-          </a:p>
-        </p:txBody>
-      </p:sp>
-      <p:cxnSp>
-        <p:nvCxnSpPr>
-          <p:cNvPr id="24" name="Elbow Connector 122">
-            <a:extLst>
-              <a:ext uri="{FF2B5EF4-FFF2-40B4-BE49-F238E27FC236}">
-                <a16:creationId xmlns:a16="http://schemas.microsoft.com/office/drawing/2014/main" id="{19F52AF7-A3FC-4088-A08B-9E056AF52332}"/>
-              </a:ext>
-            </a:extLst>
-          </p:cNvPr>
-          <p:cNvCxnSpPr>
-            <a:stCxn id="20" idx="3"/>
-            <a:endCxn id="23" idx="1"/>
-          </p:cNvCxnSpPr>
-          <p:nvPr/>
-        </p:nvCxnSpPr>
-        <p:spPr>
-          <a:xfrm>
-            <a:off x="6634042" y="3304808"/>
-            <a:ext cx="372696" cy="89397"/>
-          </a:xfrm>
-          <a:prstGeom prst="bentConnector3">
-            <a:avLst>
-              <a:gd name="adj1" fmla="val 50000"/>
-            </a:avLst>
-          </a:prstGeom>
-          <a:ln w="19050">
-            <a:prstDash val="sysDot"/>
-            <a:headEnd type="none" w="med" len="med"/>
-            <a:tailEnd type="arrow" w="med" len="med"/>
-          </a:ln>
-          <a:effectLst/>
-        </p:spPr>
-        <p:style>
-          <a:lnRef idx="1">
-            <a:schemeClr val="accent6"/>
-          </a:lnRef>
-          <a:fillRef idx="2">
-            <a:schemeClr val="accent6"/>
-          </a:fillRef>
-          <a:effectRef idx="1">
-            <a:schemeClr val="accent6"/>
-          </a:effectRef>
-          <a:fontRef idx="minor">
-            <a:schemeClr val="dk1"/>
-          </a:fontRef>
-        </p:style>
-      </p:cxnSp>
-      <p:sp>
-        <p:nvSpPr>
-          <p:cNvPr id="27" name="Rectangle 8">
-            <a:extLst>
-              <a:ext uri="{FF2B5EF4-FFF2-40B4-BE49-F238E27FC236}">
-                <a16:creationId xmlns:a16="http://schemas.microsoft.com/office/drawing/2014/main" id="{F9264B93-5D5A-432B-A0A1-3988EAE2F085}"/>
-              </a:ext>
-            </a:extLst>
-          </p:cNvPr>
-          <p:cNvSpPr/>
-          <p:nvPr/>
-        </p:nvSpPr>
-        <p:spPr>
-          <a:xfrm>
-            <a:off x="6485017" y="3796045"/>
-            <a:ext cx="1870406" cy="283620"/>
-          </a:xfrm>
-          <a:prstGeom prst="rect">
-            <a:avLst/>
-          </a:prstGeom>
-          <a:ln w="19050"/>
-          <a:effectLst/>
-        </p:spPr>
-        <p:style>
-          <a:lnRef idx="1">
-            <a:schemeClr val="accent6"/>
-          </a:lnRef>
-          <a:fillRef idx="2">
-            <a:schemeClr val="accent6"/>
-          </a:fillRef>
-          <a:effectRef idx="1">
-            <a:schemeClr val="accent6"/>
-          </a:effectRef>
-          <a:fontRef idx="minor">
-            <a:schemeClr val="dk1"/>
-          </a:fontRef>
-        </p:style>
-        <p:txBody>
-          <a:bodyPr rtlCol="0" anchor="ctr"/>
-          <a:lstStyle/>
-          <a:p>
-            <a:pPr algn="ctr"/>
-            <a:r>
-              <a:rPr lang="en-US" sz="1050" b="1" dirty="0" err="1">
-                <a:solidFill>
-                  <a:schemeClr val="accent6">
-                    <a:lumMod val="75000"/>
-                  </a:schemeClr>
-                </a:solidFill>
-              </a:rPr>
-              <a:t>XmlAdaptedSavedAmount</a:t>
-            </a:r>
-            <a:endParaRPr lang="en-SG" sz="1050" b="1" dirty="0">
-              <a:solidFill>
-                <a:schemeClr val="accent6">
-                  <a:lumMod val="75000"/>
-                </a:schemeClr>
-              </a:solidFill>
-            </a:endParaRPr>
-          </a:p>
-        </p:txBody>
-      </p:sp>
-      <p:cxnSp>
-        <p:nvCxnSpPr>
-          <p:cNvPr id="39" name="Straight Arrow Connector 38">
-            <a:extLst>
-              <a:ext uri="{FF2B5EF4-FFF2-40B4-BE49-F238E27FC236}">
-                <a16:creationId xmlns:a16="http://schemas.microsoft.com/office/drawing/2014/main" id="{CC785DB7-0510-48F8-8CB4-304825B9C109}"/>
-              </a:ext>
-            </a:extLst>
-          </p:cNvPr>
-          <p:cNvCxnSpPr>
-            <a:cxnSpLocks/>
-            <a:stCxn id="23" idx="2"/>
-          </p:cNvCxnSpPr>
-          <p:nvPr/>
-        </p:nvCxnSpPr>
-        <p:spPr>
-          <a:xfrm flipH="1">
-            <a:off x="7625017" y="3567585"/>
-            <a:ext cx="11580" cy="153754"/>
-          </a:xfrm>
-          <a:prstGeom prst="straightConnector1">
-            <a:avLst/>
-          </a:prstGeom>
-          <a:ln w="9525" cap="flat" cmpd="sng" algn="ctr">
-            <a:solidFill>
-              <a:schemeClr val="accent6"/>
-            </a:solidFill>
-            <a:prstDash val="dash"/>
-            <a:round/>
-            <a:headEnd type="none" w="med" len="med"/>
-            <a:tailEnd type="none" w="med" len="med"/>
-          </a:ln>
-        </p:spPr>
-        <p:style>
-          <a:lnRef idx="0">
-            <a:scrgbClr r="0" g="0" b="0"/>
-          </a:lnRef>
-          <a:fillRef idx="0">
-            <a:scrgbClr r="0" g="0" b="0"/>
-          </a:fillRef>
-          <a:effectRef idx="0">
-            <a:scrgbClr r="0" g="0" b="0"/>
-          </a:effectRef>
-          <a:fontRef idx="minor">
-            <a:schemeClr val="tx1"/>
-          </a:fontRef>
-        </p:style>
-      </p:cxnSp>
-      <mc:AlternateContent xmlns:mc="http://schemas.openxmlformats.org/markup-compatibility/2006" xmlns:p14="http://schemas.microsoft.com/office/powerpoint/2010/main">
-        <mc:Choice Requires="p14">
-          <p:contentPart p14:bwMode="auto" r:id="rId2">
-            <p14:nvContentPartPr>
-              <p14:cNvPr id="40" name="Ink 39">
-                <a:extLst>
-                  <a:ext uri="{FF2B5EF4-FFF2-40B4-BE49-F238E27FC236}">
-                    <a16:creationId xmlns:a16="http://schemas.microsoft.com/office/drawing/2014/main" id="{13C13F15-D893-4D17-9AC9-EE007E49E477}"/>
-                  </a:ext>
-                </a:extLst>
-              </p14:cNvPr>
-              <p14:cNvContentPartPr/>
-              <p14:nvPr/>
-            </p14:nvContentPartPr>
-            <p14:xfrm>
-              <a:off x="7551035" y="3685885"/>
-              <a:ext cx="147960" cy="110160"/>
-            </p14:xfrm>
-          </p:contentPart>
-        </mc:Choice>
-        <mc:Fallback xmlns="">
-          <p:pic>
-            <p:nvPicPr>
-              <p:cNvPr id="40" name="Ink 39">
-                <a:extLst>
-                  <a:ext uri="{FF2B5EF4-FFF2-40B4-BE49-F238E27FC236}">
-                    <a16:creationId xmlns:a16="http://schemas.microsoft.com/office/drawing/2014/main" id="{13C13F15-D893-4D17-9AC9-EE007E49E477}"/>
-                  </a:ext>
-                </a:extLst>
-              </p:cNvPr>
-              <p:cNvPicPr/>
-              <p:nvPr/>
-            </p:nvPicPr>
-            <p:blipFill>
-              <a:blip r:embed="rId3"/>
-              <a:stretch>
-                <a:fillRect/>
-              </a:stretch>
-            </p:blipFill>
-            <p:spPr>
-              <a:xfrm>
-                <a:off x="7544915" y="3679765"/>
-                <a:ext cx="160200" cy="122400"/>
-              </a:xfrm>
-              <a:prstGeom prst="rect">
-                <a:avLst/>
-              </a:prstGeom>
-            </p:spPr>
-          </p:pic>
-        </mc:Fallback>
-      </mc:AlternateContent>
-      <p:sp>
-        <p:nvSpPr>
-          <p:cNvPr id="28" name="Rectangle 8">
-            <a:extLst>
-              <a:ext uri="{FF2B5EF4-FFF2-40B4-BE49-F238E27FC236}">
-                <a16:creationId xmlns:a16="http://schemas.microsoft.com/office/drawing/2014/main" id="{9561671D-E151-445D-8F63-FE06A401298B}"/>
-              </a:ext>
-            </a:extLst>
-          </p:cNvPr>
-          <p:cNvSpPr/>
-          <p:nvPr/>
-        </p:nvSpPr>
-        <p:spPr>
-          <a:xfrm>
-            <a:off x="4269532" y="3840930"/>
-            <a:ext cx="1870406" cy="283620"/>
-          </a:xfrm>
-          <a:prstGeom prst="rect">
-            <a:avLst/>
-          </a:prstGeom>
-          <a:ln w="19050"/>
-          <a:effectLst/>
-        </p:spPr>
-        <p:style>
-          <a:lnRef idx="1">
-            <a:schemeClr val="accent6"/>
-          </a:lnRef>
-          <a:fillRef idx="2">
-            <a:schemeClr val="accent6"/>
-          </a:fillRef>
-          <a:effectRef idx="1">
-            <a:schemeClr val="accent6"/>
-          </a:effectRef>
-          <a:fontRef idx="minor">
-            <a:schemeClr val="dk1"/>
-          </a:fontRef>
-        </p:style>
-        <p:txBody>
-          <a:bodyPr rtlCol="0" anchor="ctr"/>
-          <a:lstStyle/>
-          <a:p>
-            <a:pPr algn="ctr"/>
-            <a:r>
-              <a:rPr lang="en-US" sz="1050" b="1" dirty="0" err="1">
-                <a:solidFill>
-                  <a:schemeClr val="accent6">
-                    <a:lumMod val="75000"/>
-                  </a:schemeClr>
-                </a:solidFill>
-              </a:rPr>
-              <a:t>XmlAdaptedCostAmount</a:t>
-            </a:r>
-            <a:endParaRPr lang="en-SG" sz="1050" b="1" dirty="0">
-              <a:solidFill>
-                <a:schemeClr val="accent6">
-                  <a:lumMod val="75000"/>
-                </a:schemeClr>
-              </a:solidFill>
-            </a:endParaRPr>
-          </a:p>
-        </p:txBody>
-      </p:sp>
-      <p:cxnSp>
-        <p:nvCxnSpPr>
-          <p:cNvPr id="26" name="Connector: Elbow 25">
-            <a:extLst>
-              <a:ext uri="{FF2B5EF4-FFF2-40B4-BE49-F238E27FC236}">
-                <a16:creationId xmlns:a16="http://schemas.microsoft.com/office/drawing/2014/main" id="{81594C5B-F1E2-477C-92B2-68709673E1AE}"/>
-              </a:ext>
-            </a:extLst>
-          </p:cNvPr>
-          <p:cNvCxnSpPr>
-            <a:cxnSpLocks/>
-          </p:cNvCxnSpPr>
-          <p:nvPr/>
-        </p:nvCxnSpPr>
-        <p:spPr>
-          <a:xfrm flipV="1">
-            <a:off x="5029200" y="3577173"/>
-            <a:ext cx="2110189" cy="293613"/>
-          </a:xfrm>
-          <a:prstGeom prst="bentConnector3">
-            <a:avLst>
-              <a:gd name="adj1" fmla="val 610"/>
-            </a:avLst>
-          </a:prstGeom>
-          <a:ln w="9525" cap="flat" cmpd="sng" algn="ctr">
-            <a:solidFill>
-              <a:schemeClr val="accent6"/>
-            </a:solidFill>
-            <a:prstDash val="dash"/>
-            <a:round/>
-            <a:headEnd type="none" w="med" len="med"/>
-            <a:tailEnd type="none" w="med" len="med"/>
-          </a:ln>
-        </p:spPr>
-        <p:style>
-          <a:lnRef idx="0">
-            <a:scrgbClr r="0" g="0" b="0"/>
-          </a:lnRef>
-          <a:fillRef idx="0">
-            <a:scrgbClr r="0" g="0" b="0"/>
-          </a:fillRef>
-          <a:effectRef idx="0">
-            <a:scrgbClr r="0" g="0" b="0"/>
-          </a:effectRef>
-          <a:fontRef idx="minor">
-            <a:schemeClr val="tx1"/>
-          </a:fontRef>
-        </p:style>
-      </p:cxnSp>
-      <p:cxnSp>
-        <p:nvCxnSpPr>
-          <p:cNvPr id="36" name="Elbow Connector 122">
-            <a:extLst>
-              <a:ext uri="{FF2B5EF4-FFF2-40B4-BE49-F238E27FC236}">
-                <a16:creationId xmlns:a16="http://schemas.microsoft.com/office/drawing/2014/main" id="{A2F544A5-510D-40DE-9612-20229E0B7C4D}"/>
-              </a:ext>
-            </a:extLst>
-          </p:cNvPr>
-          <p:cNvCxnSpPr>
-            <a:cxnSpLocks/>
-          </p:cNvCxnSpPr>
-          <p:nvPr/>
-        </p:nvCxnSpPr>
-        <p:spPr>
-          <a:xfrm rot="5400000" flipH="1" flipV="1">
-            <a:off x="7643928" y="3115438"/>
-            <a:ext cx="335208" cy="12700"/>
-          </a:xfrm>
-          <a:prstGeom prst="bentConnector3">
-            <a:avLst>
-              <a:gd name="adj1" fmla="val 50000"/>
-            </a:avLst>
-          </a:prstGeom>
-          <a:ln w="19050">
-            <a:prstDash val="sysDot"/>
-            <a:headEnd type="none" w="med" len="med"/>
-            <a:tailEnd type="arrow" w="med" len="med"/>
-          </a:ln>
-          <a:effectLst/>
-        </p:spPr>
-        <p:style>
-          <a:lnRef idx="1">
-            <a:schemeClr val="accent6"/>
-          </a:lnRef>
-          <a:fillRef idx="2">
-            <a:schemeClr val="accent6"/>
-          </a:fillRef>
-          <a:effectRef idx="1">
-            <a:schemeClr val="accent6"/>
-          </a:effectRef>
-          <a:fontRef idx="minor">
-            <a:schemeClr val="dk1"/>
-          </a:fontRef>
-        </p:style>
-      </p:cxnSp>
-      <mc:AlternateContent xmlns:mc="http://schemas.openxmlformats.org/markup-compatibility/2006" xmlns:p14="http://schemas.microsoft.com/office/powerpoint/2010/main">
-        <mc:Choice Requires="p14">
-          <p:contentPart p14:bwMode="auto" r:id="rId4">
-            <p14:nvContentPartPr>
-              <p14:cNvPr id="41" name="Ink 40">
-                <a:extLst>
-                  <a:ext uri="{FF2B5EF4-FFF2-40B4-BE49-F238E27FC236}">
-                    <a16:creationId xmlns:a16="http://schemas.microsoft.com/office/drawing/2014/main" id="{25A3992B-63AB-4EC4-A136-673E84025D1A}"/>
-                  </a:ext>
-                </a:extLst>
-              </p14:cNvPr>
-              <p14:cNvContentPartPr/>
-              <p14:nvPr/>
-            </p14:nvContentPartPr>
-            <p14:xfrm>
-              <a:off x="4866875" y="3706765"/>
-              <a:ext cx="360" cy="360"/>
-            </p14:xfrm>
-          </p:contentPart>
-        </mc:Choice>
-        <mc:Fallback xmlns="">
-          <p:pic>
-            <p:nvPicPr>
-              <p:cNvPr id="41" name="Ink 40">
-                <a:extLst>
-                  <a:ext uri="{FF2B5EF4-FFF2-40B4-BE49-F238E27FC236}">
-                    <a16:creationId xmlns:a16="http://schemas.microsoft.com/office/drawing/2014/main" id="{25A3992B-63AB-4EC4-A136-673E84025D1A}"/>
-                  </a:ext>
-                </a:extLst>
-              </p:cNvPr>
-              <p:cNvPicPr/>
-              <p:nvPr/>
-            </p:nvPicPr>
-            <p:blipFill>
-              <a:blip r:embed="rId5"/>
-              <a:stretch>
-                <a:fillRect/>
-              </a:stretch>
-            </p:blipFill>
-            <p:spPr>
-              <a:xfrm>
-                <a:off x="4860755" y="3700645"/>
-                <a:ext cx="12600" cy="12600"/>
-              </a:xfrm>
-              <a:prstGeom prst="rect">
-                <a:avLst/>
-              </a:prstGeom>
-            </p:spPr>
-          </p:pic>
-        </mc:Fallback>
-      </mc:AlternateContent>
-      <mc:AlternateContent xmlns:mc="http://schemas.openxmlformats.org/markup-compatibility/2006" xmlns:p14="http://schemas.microsoft.com/office/powerpoint/2010/main">
-        <mc:Choice Requires="p14">
-          <p:contentPart p14:bwMode="auto" r:id="rId6">
-            <p14:nvContentPartPr>
-              <p14:cNvPr id="56" name="Ink 55">
-                <a:extLst>
-                  <a:ext uri="{FF2B5EF4-FFF2-40B4-BE49-F238E27FC236}">
-                    <a16:creationId xmlns:a16="http://schemas.microsoft.com/office/drawing/2014/main" id="{26CC177E-A2C5-496E-A299-450133D870D6}"/>
-                  </a:ext>
-                </a:extLst>
-              </p14:cNvPr>
-              <p14:cNvContentPartPr/>
-              <p14:nvPr/>
-            </p14:nvContentPartPr>
-            <p14:xfrm>
-              <a:off x="4935635" y="3726565"/>
-              <a:ext cx="198000" cy="147600"/>
-            </p14:xfrm>
-          </p:contentPart>
-        </mc:Choice>
-        <mc:Fallback xmlns="">
-          <p:pic>
-            <p:nvPicPr>
-              <p:cNvPr id="56" name="Ink 55">
-                <a:extLst>
-                  <a:ext uri="{FF2B5EF4-FFF2-40B4-BE49-F238E27FC236}">
-                    <a16:creationId xmlns:a16="http://schemas.microsoft.com/office/drawing/2014/main" id="{26CC177E-A2C5-496E-A299-450133D870D6}"/>
-                  </a:ext>
-                </a:extLst>
-              </p:cNvPr>
-              <p:cNvPicPr/>
-              <p:nvPr/>
-            </p:nvPicPr>
-            <p:blipFill>
-              <a:blip r:embed="rId7"/>
-              <a:stretch>
-                <a:fillRect/>
-              </a:stretch>
-            </p:blipFill>
-            <p:spPr>
-              <a:xfrm>
-                <a:off x="4929515" y="3720445"/>
-                <a:ext cx="210240" cy="159840"/>
-              </a:xfrm>
-              <a:prstGeom prst="rect">
-                <a:avLst/>
-              </a:prstGeom>
-            </p:spPr>
-          </p:pic>
-        </mc:Fallback>
-      </mc:AlternateContent>
-      <p:sp>
-        <p:nvSpPr>
-          <p:cNvPr id="62" name="Rectangle 8">
-            <a:extLst>
-              <a:ext uri="{FF2B5EF4-FFF2-40B4-BE49-F238E27FC236}">
-                <a16:creationId xmlns:a16="http://schemas.microsoft.com/office/drawing/2014/main" id="{DB3A1DB6-01EC-47D8-BF4E-3F78F363C68D}"/>
-              </a:ext>
-            </a:extLst>
-          </p:cNvPr>
-          <p:cNvSpPr/>
-          <p:nvPr/>
-        </p:nvSpPr>
-        <p:spPr>
-          <a:xfrm>
-            <a:off x="5731224" y="2357308"/>
-            <a:ext cx="1346108" cy="350592"/>
-          </a:xfrm>
-          <a:prstGeom prst="rect">
-            <a:avLst/>
-          </a:prstGeom>
-          <a:ln w="19050"/>
-          <a:effectLst/>
-        </p:spPr>
-        <p:style>
-          <a:lnRef idx="1">
-            <a:schemeClr val="accent6"/>
-          </a:lnRef>
-          <a:fillRef idx="2">
-            <a:schemeClr val="accent6"/>
-          </a:fillRef>
-          <a:effectRef idx="1">
-            <a:schemeClr val="accent6"/>
-          </a:effectRef>
-          <a:fontRef idx="minor">
-            <a:schemeClr val="dk1"/>
-          </a:fontRef>
-        </p:style>
-        <p:txBody>
-          <a:bodyPr rtlCol="0" anchor="ctr"/>
-          <a:lstStyle/>
-          <a:p>
-            <a:pPr algn="ctr"/>
-            <a:r>
-              <a:rPr lang="en-US" sz="1050" b="1" dirty="0" err="1">
-                <a:solidFill>
-                  <a:schemeClr val="accent6">
-                    <a:lumMod val="75000"/>
-                  </a:schemeClr>
-                </a:solidFill>
-              </a:rPr>
-              <a:t>XmlAdaptedRemark</a:t>
-            </a:r>
-            <a:endParaRPr lang="en-SG" sz="1050" b="1" dirty="0">
-              <a:solidFill>
-                <a:schemeClr val="accent6">
-                  <a:lumMod val="75000"/>
-                </a:schemeClr>
-              </a:solidFill>
-            </a:endParaRPr>
-          </a:p>
-        </p:txBody>
-      </p:sp>
-      <p:sp>
-        <p:nvSpPr>
-          <p:cNvPr id="34" name="Rectangle 8">
-            <a:extLst>
-              <a:ext uri="{FF2B5EF4-FFF2-40B4-BE49-F238E27FC236}">
-                <a16:creationId xmlns:a16="http://schemas.microsoft.com/office/drawing/2014/main" id="{BDE6DCB7-FA25-4282-949A-5EEDA9F99B62}"/>
-              </a:ext>
-            </a:extLst>
-          </p:cNvPr>
-          <p:cNvSpPr/>
-          <p:nvPr/>
-        </p:nvSpPr>
-        <p:spPr>
-          <a:xfrm>
-            <a:off x="5782395" y="4207688"/>
-            <a:ext cx="1346108" cy="350592"/>
-          </a:xfrm>
-          <a:prstGeom prst="rect">
-            <a:avLst/>
-          </a:prstGeom>
-          <a:ln w="19050"/>
-          <a:effectLst/>
-        </p:spPr>
-        <p:style>
-          <a:lnRef idx="1">
-            <a:schemeClr val="accent6"/>
-          </a:lnRef>
-          <a:fillRef idx="2">
-            <a:schemeClr val="accent6"/>
-          </a:fillRef>
-          <a:effectRef idx="1">
-            <a:schemeClr val="accent6"/>
-          </a:effectRef>
-          <a:fontRef idx="minor">
-            <a:schemeClr val="dk1"/>
-          </a:fontRef>
-        </p:style>
-        <p:txBody>
-          <a:bodyPr rtlCol="0" anchor="ctr"/>
-          <a:lstStyle/>
-          <a:p>
-            <a:pPr algn="ctr"/>
-            <a:r>
-              <a:rPr lang="en-US" sz="1050" b="1" dirty="0" err="1">
-                <a:solidFill>
-                  <a:schemeClr val="accent6">
-                    <a:lumMod val="75000"/>
-                  </a:schemeClr>
-                </a:solidFill>
-              </a:rPr>
-              <a:t>XmlAdaptedURL</a:t>
-            </a:r>
-            <a:endParaRPr lang="en-SG" sz="1050" b="1" dirty="0">
-              <a:solidFill>
-                <a:schemeClr val="accent6">
-                  <a:lumMod val="75000"/>
-                </a:schemeClr>
-              </a:solidFill>
-            </a:endParaRPr>
-          </a:p>
-        </p:txBody>
-      </p:sp>
-      <p:cxnSp>
-        <p:nvCxnSpPr>
-          <p:cNvPr id="35" name="Elbow Connector 122">
-            <a:extLst>
-              <a:ext uri="{FF2B5EF4-FFF2-40B4-BE49-F238E27FC236}">
-                <a16:creationId xmlns:a16="http://schemas.microsoft.com/office/drawing/2014/main" id="{6FCE1030-78D5-49A6-AF9B-C3FCBE295FA0}"/>
-              </a:ext>
-            </a:extLst>
-          </p:cNvPr>
-          <p:cNvCxnSpPr>
-            <a:cxnSpLocks/>
-            <a:endCxn id="34" idx="0"/>
-          </p:cNvCxnSpPr>
-          <p:nvPr/>
-        </p:nvCxnSpPr>
-        <p:spPr>
-          <a:xfrm rot="10800000" flipV="1">
-            <a:off x="6455450" y="3577170"/>
-            <a:ext cx="930317" cy="630518"/>
-          </a:xfrm>
-          <a:prstGeom prst="bentConnector2">
-            <a:avLst/>
-          </a:prstGeom>
-          <a:ln w="19050">
-            <a:prstDash val="sysDot"/>
-            <a:headEnd type="none" w="med" len="med"/>
-            <a:tailEnd type="arrow" w="med" len="med"/>
-          </a:ln>
-          <a:effectLst/>
-        </p:spPr>
-        <p:style>
-          <a:lnRef idx="1">
-            <a:schemeClr val="accent6"/>
-          </a:lnRef>
-          <a:fillRef idx="2">
-            <a:schemeClr val="accent6"/>
-          </a:fillRef>
-          <a:effectRef idx="1">
-            <a:schemeClr val="accent6"/>
-          </a:effectRef>
-          <a:fontRef idx="minor">
-            <a:schemeClr val="dk1"/>
-          </a:fontRef>
-        </p:style>
-      </p:cxnSp>
-      <p:cxnSp>
-        <p:nvCxnSpPr>
-          <p:cNvPr id="33" name="Connector: Elbow 32">
-            <a:extLst>
-              <a:ext uri="{FF2B5EF4-FFF2-40B4-BE49-F238E27FC236}">
-                <a16:creationId xmlns:a16="http://schemas.microsoft.com/office/drawing/2014/main" id="{B678C7D8-8C59-48BD-8FE4-1DA6A4CB7DA9}"/>
-              </a:ext>
-            </a:extLst>
-          </p:cNvPr>
-          <p:cNvCxnSpPr>
-            <a:cxnSpLocks/>
-            <a:stCxn id="13" idx="2"/>
-            <a:endCxn id="42" idx="0"/>
-          </p:cNvCxnSpPr>
-          <p:nvPr/>
-        </p:nvCxnSpPr>
-        <p:spPr>
-          <a:xfrm rot="5400000">
-            <a:off x="3714338" y="2930942"/>
-            <a:ext cx="360205" cy="1450757"/>
-          </a:xfrm>
-          <a:prstGeom prst="bentConnector3">
-            <a:avLst>
-              <a:gd name="adj1" fmla="val 50000"/>
-            </a:avLst>
-          </a:prstGeom>
-          <a:ln w="9525" cap="flat" cmpd="sng" algn="ctr">
-            <a:solidFill>
-              <a:schemeClr val="accent6"/>
-            </a:solidFill>
-            <a:prstDash val="dash"/>
-            <a:round/>
-            <a:headEnd type="none" w="med" len="med"/>
-            <a:tailEnd type="none" w="med" len="med"/>
-          </a:ln>
-        </p:spPr>
-        <p:style>
-          <a:lnRef idx="0">
-            <a:scrgbClr r="0" g="0" b="0"/>
-          </a:lnRef>
-          <a:fillRef idx="0">
-            <a:scrgbClr r="0" g="0" b="0"/>
-          </a:fillRef>
-          <a:effectRef idx="0">
-            <a:scrgbClr r="0" g="0" b="0"/>
-          </a:effectRef>
-          <a:fontRef idx="minor">
-            <a:schemeClr val="tx1"/>
-          </a:fontRef>
-        </p:style>
-      </p:cxnSp>
-      <p:sp>
-        <p:nvSpPr>
-          <p:cNvPr id="42" name="Rectangle 8">
-            <a:extLst>
-              <a:ext uri="{FF2B5EF4-FFF2-40B4-BE49-F238E27FC236}">
-                <a16:creationId xmlns:a16="http://schemas.microsoft.com/office/drawing/2014/main" id="{BE411BDB-F8B3-4053-A484-7280EA6CEA17}"/>
-              </a:ext>
-            </a:extLst>
-          </p:cNvPr>
-          <p:cNvSpPr/>
-          <p:nvPr/>
-        </p:nvSpPr>
-        <p:spPr>
-          <a:xfrm>
-            <a:off x="2233858" y="3836423"/>
-            <a:ext cx="1870406" cy="283620"/>
-          </a:xfrm>
-          <a:prstGeom prst="rect">
-            <a:avLst/>
-          </a:prstGeom>
-          <a:ln w="19050"/>
-          <a:effectLst/>
-        </p:spPr>
-        <p:style>
-          <a:lnRef idx="1">
-            <a:schemeClr val="accent6"/>
-          </a:lnRef>
-          <a:fillRef idx="2">
-            <a:schemeClr val="accent6"/>
-          </a:fillRef>
-          <a:effectRef idx="1">
-            <a:schemeClr val="accent6"/>
-          </a:effectRef>
-          <a:fontRef idx="minor">
-            <a:schemeClr val="dk1"/>
-          </a:fontRef>
-        </p:style>
-        <p:txBody>
-          <a:bodyPr rtlCol="0" anchor="ctr"/>
-          <a:lstStyle/>
-          <a:p>
-            <a:pPr algn="ctr"/>
-            <a:r>
-              <a:rPr lang="en-US" sz="1050" b="1" dirty="0" err="1">
-                <a:solidFill>
-                  <a:schemeClr val="accent6">
-                    <a:lumMod val="75000"/>
-                  </a:schemeClr>
-                </a:solidFill>
-              </a:rPr>
-              <a:t>XmlWishTransactions</a:t>
-            </a:r>
-            <a:endParaRPr lang="en-SG" sz="1050" b="1" dirty="0">
-              <a:solidFill>
-                <a:schemeClr val="accent6">
-                  <a:lumMod val="75000"/>
-                </a:schemeClr>
-              </a:solidFill>
-            </a:endParaRPr>
-          </a:p>
-        </p:txBody>
-      </p:sp>
-      <mc:AlternateContent xmlns:mc="http://schemas.openxmlformats.org/markup-compatibility/2006">
-        <mc:Choice xmlns:p14="http://schemas.microsoft.com/office/powerpoint/2010/main" Requires="p14">
-          <p:contentPart p14:bwMode="auto" r:id="rId8">
-            <p14:nvContentPartPr>
-              <p14:cNvPr id="44" name="Ink 43">
-                <a:extLst>
-                  <a:ext uri="{FF2B5EF4-FFF2-40B4-BE49-F238E27FC236}">
-                    <a16:creationId xmlns:a16="http://schemas.microsoft.com/office/drawing/2014/main" id="{97E62B3A-F7B6-4465-B7C9-A6D12BA30A44}"/>
-                  </a:ext>
-                </a:extLst>
-              </p14:cNvPr>
-              <p14:cNvContentPartPr/>
-              <p14:nvPr/>
-            </p14:nvContentPartPr>
-            <p14:xfrm>
-              <a:off x="3124753" y="3713150"/>
-              <a:ext cx="111960" cy="111960"/>
-            </p14:xfrm>
-          </p:contentPart>
-        </mc:Choice>
-        <mc:Fallback>
-          <p:pic>
-            <p:nvPicPr>
-              <p:cNvPr id="44" name="Ink 43">
-                <a:extLst>
-                  <a:ext uri="{FF2B5EF4-FFF2-40B4-BE49-F238E27FC236}">
-                    <a16:creationId xmlns:a16="http://schemas.microsoft.com/office/drawing/2014/main" id="{97E62B3A-F7B6-4465-B7C9-A6D12BA30A44}"/>
-                  </a:ext>
-                </a:extLst>
-              </p:cNvPr>
-              <p:cNvPicPr/>
-              <p:nvPr/>
-            </p:nvPicPr>
-            <p:blipFill>
-              <a:blip r:embed="rId9"/>
-              <a:stretch>
-                <a:fillRect/>
-              </a:stretch>
-            </p:blipFill>
-            <p:spPr>
-              <a:xfrm>
-                <a:off x="3118633" y="3707030"/>
-                <a:ext cx="124200" cy="124200"/>
-              </a:xfrm>
-              <a:prstGeom prst="rect">
-                <a:avLst/>
-              </a:prstGeom>
-            </p:spPr>
-          </p:pic>
-        </mc:Fallback>
-      </mc:AlternateContent>
+      </p:pic>
     </p:spTree>
     <p:extLst>
       <p:ext uri="{BB962C8B-B14F-4D97-AF65-F5344CB8AC3E}">
@@ -6765,4 +4599,24 @@
   <a:objectDefaults/>
   <a:extraClrSchemeLst/>
 </a:theme>
+</file>
+
+<file path=ppt/webextensions/taskpanes.xml><?xml version="1.0" encoding="utf-8"?>
+<wetp:taskpanes xmlns:wetp="http://schemas.microsoft.com/office/webextensions/taskpanes/2010/11">
+  <wetp:taskpane dockstate="right" visibility="0" width="525" row="7">
+    <wetp:webextensionref xmlns:r="http://schemas.openxmlformats.org/officeDocument/2006/relationships" r:id="rId1"/>
+  </wetp:taskpane>
+</wetp:taskpanes>
+</file>
+
+<file path=ppt/webextensions/webextension1.xml><?xml version="1.0" encoding="utf-8"?>
+<we:webextension xmlns:we="http://schemas.microsoft.com/office/webextensions/webextension/2010/11" id="{29ABB7D8-6561-4501-99DC-A880CCC1AA3B}">
+  <we:reference id="wa104381637" version="1.0.0.0" store="en-US" storeType="OMEX"/>
+  <we:alternateReferences>
+    <we:reference id="wa104381637" version="1.0.0.0" store="WA104381637" storeType="OMEX"/>
+  </we:alternateReferences>
+  <we:properties/>
+  <we:bindings/>
+  <we:snapshot xmlns:r="http://schemas.openxmlformats.org/officeDocument/2006/relationships"/>
+</we:webextension>
 </file>
--- a/docs/diagrams/StorageComponentClassDiagram.pptx
+++ b/docs/diagrams/StorageComponentClassDiagram.pptx
@@ -131,130 +131,130 @@
   <pc:docChgLst>
     <pc:chgData name="Shengmin Leong" userId="075411cc4697ef0d" providerId="LiveId" clId="{131F47FE-217A-48AA-BA1D-F68C4827F5CE}"/>
     <pc:docChg chg="undo custSel addSld delSld modSld">
-      <pc:chgData name="Shengmin Leong" userId="075411cc4697ef0d" providerId="LiveId" clId="{131F47FE-217A-48AA-BA1D-F68C4827F5CE}" dt="2018-10-14T08:06:14.557" v="277" actId="931"/>
+      <pc:chgData name="Shengmin Leong" userId="075411cc4697ef0d" providerId="LiveId" clId="{131F47FE-217A-48AA-BA1D-F68C4827F5CE}" dt="2018-10-01T05:13:40.987" v="247" actId="14100"/>
       <pc:docMkLst>
         <pc:docMk/>
       </pc:docMkLst>
       <pc:sldChg chg="addSp delSp modSp add">
-        <pc:chgData name="Shengmin Leong" userId="075411cc4697ef0d" providerId="LiveId" clId="{131F47FE-217A-48AA-BA1D-F68C4827F5CE}" dt="2018-10-14T08:06:14.557" v="277" actId="931"/>
+        <pc:chgData name="Shengmin Leong" userId="075411cc4697ef0d" providerId="LiveId" clId="{131F47FE-217A-48AA-BA1D-F68C4827F5CE}" dt="2018-10-01T05:13:40.987" v="247" actId="14100"/>
         <pc:sldMkLst>
           <pc:docMk/>
           <pc:sldMk cId="2429703687" sldId="265"/>
         </pc:sldMkLst>
-        <pc:spChg chg="add del mod">
-          <ac:chgData name="Shengmin Leong" userId="075411cc4697ef0d" providerId="LiveId" clId="{131F47FE-217A-48AA-BA1D-F68C4827F5CE}" dt="2018-10-14T08:06:10.062" v="276" actId="478"/>
+        <pc:spChg chg="add mod">
+          <ac:chgData name="Shengmin Leong" userId="075411cc4697ef0d" providerId="LiveId" clId="{131F47FE-217A-48AA-BA1D-F68C4827F5CE}" dt="2018-09-22T03:54:11.281" v="146" actId="1076"/>
           <ac:spMkLst>
             <pc:docMk/>
             <pc:sldMk cId="2429703687" sldId="265"/>
             <ac:spMk id="2" creationId="{591191E2-7231-4502-BB6F-3B8F3002F39D}"/>
           </ac:spMkLst>
         </pc:spChg>
-        <pc:spChg chg="add del mod">
-          <ac:chgData name="Shengmin Leong" userId="075411cc4697ef0d" providerId="LiveId" clId="{131F47FE-217A-48AA-BA1D-F68C4827F5CE}" dt="2018-10-14T08:06:10.062" v="276" actId="478"/>
+        <pc:spChg chg="add mod">
+          <ac:chgData name="Shengmin Leong" userId="075411cc4697ef0d" providerId="LiveId" clId="{131F47FE-217A-48AA-BA1D-F68C4827F5CE}" dt="2018-09-20T06:26:29.359" v="6" actId="20577"/>
           <ac:spMkLst>
             <pc:docMk/>
             <pc:sldMk cId="2429703687" sldId="265"/>
             <ac:spMk id="3" creationId="{D382D195-BB7C-4E26-AEBF-DC12F1EA683C}"/>
           </ac:spMkLst>
         </pc:spChg>
-        <pc:spChg chg="add del mod">
-          <ac:chgData name="Shengmin Leong" userId="075411cc4697ef0d" providerId="LiveId" clId="{131F47FE-217A-48AA-BA1D-F68C4827F5CE}" dt="2018-10-14T08:06:10.062" v="276" actId="478"/>
+        <pc:spChg chg="add mod">
+          <ac:chgData name="Shengmin Leong" userId="075411cc4697ef0d" providerId="LiveId" clId="{131F47FE-217A-48AA-BA1D-F68C4827F5CE}" dt="2018-09-20T06:25:57.194" v="2" actId="1076"/>
           <ac:spMkLst>
             <pc:docMk/>
             <pc:sldMk cId="2429703687" sldId="265"/>
             <ac:spMk id="4" creationId="{1002776D-C406-4D65-9070-D156256D3642}"/>
           </ac:spMkLst>
         </pc:spChg>
-        <pc:spChg chg="add del mod">
-          <ac:chgData name="Shengmin Leong" userId="075411cc4697ef0d" providerId="LiveId" clId="{131F47FE-217A-48AA-BA1D-F68C4827F5CE}" dt="2018-10-14T08:06:10.062" v="276" actId="478"/>
+        <pc:spChg chg="add mod">
+          <ac:chgData name="Shengmin Leong" userId="075411cc4697ef0d" providerId="LiveId" clId="{131F47FE-217A-48AA-BA1D-F68C4827F5CE}" dt="2018-09-20T06:25:57.194" v="2" actId="1076"/>
           <ac:spMkLst>
             <pc:docMk/>
             <pc:sldMk cId="2429703687" sldId="265"/>
             <ac:spMk id="5" creationId="{27A2C74A-6D4B-427C-80D5-9B1822F8B74A}"/>
           </ac:spMkLst>
         </pc:spChg>
-        <pc:spChg chg="add del mod">
-          <ac:chgData name="Shengmin Leong" userId="075411cc4697ef0d" providerId="LiveId" clId="{131F47FE-217A-48AA-BA1D-F68C4827F5CE}" dt="2018-10-14T08:06:10.062" v="276" actId="478"/>
+        <pc:spChg chg="add mod">
+          <ac:chgData name="Shengmin Leong" userId="075411cc4697ef0d" providerId="LiveId" clId="{131F47FE-217A-48AA-BA1D-F68C4827F5CE}" dt="2018-09-20T06:25:57.194" v="2" actId="1076"/>
           <ac:spMkLst>
             <pc:docMk/>
             <pc:sldMk cId="2429703687" sldId="265"/>
             <ac:spMk id="6" creationId="{691EB206-98BA-4B35-8149-10757ED79453}"/>
           </ac:spMkLst>
         </pc:spChg>
-        <pc:spChg chg="add del mod">
-          <ac:chgData name="Shengmin Leong" userId="075411cc4697ef0d" providerId="LiveId" clId="{131F47FE-217A-48AA-BA1D-F68C4827F5CE}" dt="2018-10-14T08:06:10.062" v="276" actId="478"/>
+        <pc:spChg chg="add mod">
+          <ac:chgData name="Shengmin Leong" userId="075411cc4697ef0d" providerId="LiveId" clId="{131F47FE-217A-48AA-BA1D-F68C4827F5CE}" dt="2018-09-20T06:25:57.194" v="2" actId="1076"/>
           <ac:spMkLst>
             <pc:docMk/>
             <pc:sldMk cId="2429703687" sldId="265"/>
             <ac:spMk id="9" creationId="{1D7F843D-52A2-47AB-81EA-596331869288}"/>
           </ac:spMkLst>
         </pc:spChg>
-        <pc:spChg chg="add del mod">
-          <ac:chgData name="Shengmin Leong" userId="075411cc4697ef0d" providerId="LiveId" clId="{131F47FE-217A-48AA-BA1D-F68C4827F5CE}" dt="2018-10-14T08:06:10.062" v="276" actId="478"/>
+        <pc:spChg chg="add mod">
+          <ac:chgData name="Shengmin Leong" userId="075411cc4697ef0d" providerId="LiveId" clId="{131F47FE-217A-48AA-BA1D-F68C4827F5CE}" dt="2018-09-20T06:25:57.194" v="2" actId="1076"/>
           <ac:spMkLst>
             <pc:docMk/>
             <pc:sldMk cId="2429703687" sldId="265"/>
             <ac:spMk id="11" creationId="{8AA2DB66-8B8E-46F8-965E-6B65ACB6423B}"/>
           </ac:spMkLst>
         </pc:spChg>
-        <pc:spChg chg="add del mod">
-          <ac:chgData name="Shengmin Leong" userId="075411cc4697ef0d" providerId="LiveId" clId="{131F47FE-217A-48AA-BA1D-F68C4827F5CE}" dt="2018-10-14T08:06:10.062" v="276" actId="478"/>
+        <pc:spChg chg="add mod">
+          <ac:chgData name="Shengmin Leong" userId="075411cc4697ef0d" providerId="LiveId" clId="{131F47FE-217A-48AA-BA1D-F68C4827F5CE}" dt="2018-09-20T06:26:40.350" v="10" actId="20577"/>
           <ac:spMkLst>
             <pc:docMk/>
             <pc:sldMk cId="2429703687" sldId="265"/>
             <ac:spMk id="13" creationId="{62CF4FBA-1A50-4849-8467-D8F6258FF4DC}"/>
           </ac:spMkLst>
         </pc:spChg>
-        <pc:spChg chg="add del mod">
-          <ac:chgData name="Shengmin Leong" userId="075411cc4697ef0d" providerId="LiveId" clId="{131F47FE-217A-48AA-BA1D-F68C4827F5CE}" dt="2018-10-14T08:06:10.062" v="276" actId="478"/>
+        <pc:spChg chg="add mod">
+          <ac:chgData name="Shengmin Leong" userId="075411cc4697ef0d" providerId="LiveId" clId="{131F47FE-217A-48AA-BA1D-F68C4827F5CE}" dt="2018-09-20T06:25:57.194" v="2" actId="1076"/>
           <ac:spMkLst>
             <pc:docMk/>
             <pc:sldMk cId="2429703687" sldId="265"/>
             <ac:spMk id="14" creationId="{3A5E82C0-D044-4375-A6CE-D32927174C6D}"/>
           </ac:spMkLst>
         </pc:spChg>
-        <pc:spChg chg="add del mod">
-          <ac:chgData name="Shengmin Leong" userId="075411cc4697ef0d" providerId="LiveId" clId="{131F47FE-217A-48AA-BA1D-F68C4827F5CE}" dt="2018-10-14T08:06:10.062" v="276" actId="478"/>
+        <pc:spChg chg="add mod">
+          <ac:chgData name="Shengmin Leong" userId="075411cc4697ef0d" providerId="LiveId" clId="{131F47FE-217A-48AA-BA1D-F68C4827F5CE}" dt="2018-09-20T06:25:57.194" v="2" actId="1076"/>
           <ac:spMkLst>
             <pc:docMk/>
             <pc:sldMk cId="2429703687" sldId="265"/>
             <ac:spMk id="16" creationId="{7E0D9B8F-702E-43B2-A7A8-6B65842C1058}"/>
           </ac:spMkLst>
         </pc:spChg>
-        <pc:spChg chg="add del mod">
-          <ac:chgData name="Shengmin Leong" userId="075411cc4697ef0d" providerId="LiveId" clId="{131F47FE-217A-48AA-BA1D-F68C4827F5CE}" dt="2018-10-14T08:06:10.062" v="276" actId="478"/>
+        <pc:spChg chg="add mod">
+          <ac:chgData name="Shengmin Leong" userId="075411cc4697ef0d" providerId="LiveId" clId="{131F47FE-217A-48AA-BA1D-F68C4827F5CE}" dt="2018-09-20T06:25:57.194" v="2" actId="1076"/>
           <ac:spMkLst>
             <pc:docMk/>
             <pc:sldMk cId="2429703687" sldId="265"/>
             <ac:spMk id="18" creationId="{C80EF177-C646-44F2-92D2-0DA9EEB3EF30}"/>
           </ac:spMkLst>
         </pc:spChg>
-        <pc:spChg chg="add del mod">
-          <ac:chgData name="Shengmin Leong" userId="075411cc4697ef0d" providerId="LiveId" clId="{131F47FE-217A-48AA-BA1D-F68C4827F5CE}" dt="2018-10-14T08:06:10.062" v="276" actId="478"/>
+        <pc:spChg chg="add mod">
+          <ac:chgData name="Shengmin Leong" userId="075411cc4697ef0d" providerId="LiveId" clId="{131F47FE-217A-48AA-BA1D-F68C4827F5CE}" dt="2018-09-20T06:25:57.194" v="2" actId="1076"/>
           <ac:spMkLst>
             <pc:docMk/>
             <pc:sldMk cId="2429703687" sldId="265"/>
             <ac:spMk id="19" creationId="{46EC2A9D-3519-40AD-9011-770D3D60ECB5}"/>
           </ac:spMkLst>
         </pc:spChg>
-        <pc:spChg chg="add del mod">
-          <ac:chgData name="Shengmin Leong" userId="075411cc4697ef0d" providerId="LiveId" clId="{131F47FE-217A-48AA-BA1D-F68C4827F5CE}" dt="2018-10-14T08:06:10.062" v="276" actId="478"/>
+        <pc:spChg chg="add mod">
+          <ac:chgData name="Shengmin Leong" userId="075411cc4697ef0d" providerId="LiveId" clId="{131F47FE-217A-48AA-BA1D-F68C4827F5CE}" dt="2018-09-20T06:26:47.562" v="18" actId="20577"/>
           <ac:spMkLst>
             <pc:docMk/>
             <pc:sldMk cId="2429703687" sldId="265"/>
             <ac:spMk id="20" creationId="{2BF9B653-5D8E-4DB1-B111-A30B899A1097}"/>
           </ac:spMkLst>
         </pc:spChg>
-        <pc:spChg chg="add del mod">
-          <ac:chgData name="Shengmin Leong" userId="075411cc4697ef0d" providerId="LiveId" clId="{131F47FE-217A-48AA-BA1D-F68C4827F5CE}" dt="2018-10-14T08:06:10.062" v="276" actId="478"/>
+        <pc:spChg chg="add mod">
+          <ac:chgData name="Shengmin Leong" userId="075411cc4697ef0d" providerId="LiveId" clId="{131F47FE-217A-48AA-BA1D-F68C4827F5CE}" dt="2018-09-22T03:55:28.400" v="159" actId="1076"/>
           <ac:spMkLst>
             <pc:docMk/>
             <pc:sldMk cId="2429703687" sldId="265"/>
             <ac:spMk id="22" creationId="{62C1A090-A787-4E0C-9AEB-2A20CC32546E}"/>
           </ac:spMkLst>
         </pc:spChg>
-        <pc:spChg chg="add del mod">
-          <ac:chgData name="Shengmin Leong" userId="075411cc4697ef0d" providerId="LiveId" clId="{131F47FE-217A-48AA-BA1D-F68C4827F5CE}" dt="2018-10-14T08:06:10.062" v="276" actId="478"/>
+        <pc:spChg chg="add mod">
+          <ac:chgData name="Shengmin Leong" userId="075411cc4697ef0d" providerId="LiveId" clId="{131F47FE-217A-48AA-BA1D-F68C4827F5CE}" dt="2018-09-22T03:52:19.618" v="117" actId="1076"/>
           <ac:spMkLst>
             <pc:docMk/>
             <pc:sldMk cId="2429703687" sldId="265"/>
@@ -269,62 +269,38 @@
             <ac:spMk id="25" creationId="{64F7A15B-3E9A-440A-892B-BE5993E7F5EE}"/>
           </ac:spMkLst>
         </pc:spChg>
-        <pc:spChg chg="add del mod">
-          <ac:chgData name="Shengmin Leong" userId="075411cc4697ef0d" providerId="LiveId" clId="{131F47FE-217A-48AA-BA1D-F68C4827F5CE}" dt="2018-10-14T08:06:10.062" v="276" actId="478"/>
+        <pc:spChg chg="add mod">
+          <ac:chgData name="Shengmin Leong" userId="075411cc4697ef0d" providerId="LiveId" clId="{131F47FE-217A-48AA-BA1D-F68C4827F5CE}" dt="2018-09-22T03:50:25.339" v="96" actId="1076"/>
           <ac:spMkLst>
             <pc:docMk/>
             <pc:sldMk cId="2429703687" sldId="265"/>
             <ac:spMk id="27" creationId="{F9264B93-5D5A-432B-A0A1-3988EAE2F085}"/>
           </ac:spMkLst>
         </pc:spChg>
-        <pc:spChg chg="add del mod">
-          <ac:chgData name="Shengmin Leong" userId="075411cc4697ef0d" providerId="LiveId" clId="{131F47FE-217A-48AA-BA1D-F68C4827F5CE}" dt="2018-10-14T08:06:10.062" v="276" actId="478"/>
+        <pc:spChg chg="add mod">
+          <ac:chgData name="Shengmin Leong" userId="075411cc4697ef0d" providerId="LiveId" clId="{131F47FE-217A-48AA-BA1D-F68C4827F5CE}" dt="2018-09-22T03:53:15.529" v="132" actId="1076"/>
           <ac:spMkLst>
             <pc:docMk/>
             <pc:sldMk cId="2429703687" sldId="265"/>
             <ac:spMk id="28" creationId="{9561671D-E151-445D-8F63-FE06A401298B}"/>
           </ac:spMkLst>
         </pc:spChg>
-        <pc:spChg chg="del mod">
-          <ac:chgData name="Shengmin Leong" userId="075411cc4697ef0d" providerId="LiveId" clId="{131F47FE-217A-48AA-BA1D-F68C4827F5CE}" dt="2018-10-14T08:06:10.062" v="276" actId="478"/>
-          <ac:spMkLst>
-            <pc:docMk/>
-            <pc:sldMk cId="2429703687" sldId="265"/>
-            <ac:spMk id="34" creationId="{BDE6DCB7-FA25-4282-949A-5EEDA9F99B62}"/>
-          </ac:spMkLst>
-        </pc:spChg>
-        <pc:spChg chg="add del mod">
-          <ac:chgData name="Shengmin Leong" userId="075411cc4697ef0d" providerId="LiveId" clId="{131F47FE-217A-48AA-BA1D-F68C4827F5CE}" dt="2018-10-14T08:06:10.062" v="276" actId="478"/>
+        <pc:spChg chg="add mod">
+          <ac:chgData name="Shengmin Leong" userId="075411cc4697ef0d" providerId="LiveId" clId="{131F47FE-217A-48AA-BA1D-F68C4827F5CE}" dt="2018-10-01T05:11:47.622" v="233" actId="1076"/>
           <ac:spMkLst>
             <pc:docMk/>
             <pc:sldMk cId="2429703687" sldId="265"/>
             <ac:spMk id="42" creationId="{BE411BDB-F8B3-4053-A484-7280EA6CEA17}"/>
           </ac:spMkLst>
         </pc:spChg>
-        <pc:spChg chg="add del mod">
-          <ac:chgData name="Shengmin Leong" userId="075411cc4697ef0d" providerId="LiveId" clId="{131F47FE-217A-48AA-BA1D-F68C4827F5CE}" dt="2018-10-14T08:06:10.062" v="276" actId="478"/>
+        <pc:spChg chg="add mod">
+          <ac:chgData name="Shengmin Leong" userId="075411cc4697ef0d" providerId="LiveId" clId="{131F47FE-217A-48AA-BA1D-F68C4827F5CE}" dt="2018-09-22T03:55:42.021" v="172" actId="1076"/>
           <ac:spMkLst>
             <pc:docMk/>
             <pc:sldMk cId="2429703687" sldId="265"/>
             <ac:spMk id="62" creationId="{DB3A1DB6-01EC-47D8-BF4E-3F78F363C68D}"/>
           </ac:spMkLst>
         </pc:spChg>
-        <pc:graphicFrameChg chg="add del mod">
-          <ac:chgData name="Shengmin Leong" userId="075411cc4697ef0d" providerId="LiveId" clId="{131F47FE-217A-48AA-BA1D-F68C4827F5CE}" dt="2018-10-14T07:49:00.265" v="275" actId="478"/>
-          <ac:graphicFrameMkLst>
-            <pc:docMk/>
-            <pc:sldMk cId="2429703687" sldId="265"/>
-            <ac:graphicFrameMk id="25" creationId="{7688EEF8-3D2E-445D-A792-14D48C2E102D}"/>
-          </ac:graphicFrameMkLst>
-        </pc:graphicFrameChg>
-        <pc:picChg chg="add mod">
-          <ac:chgData name="Shengmin Leong" userId="075411cc4697ef0d" providerId="LiveId" clId="{131F47FE-217A-48AA-BA1D-F68C4827F5CE}" dt="2018-10-14T08:06:14.557" v="277" actId="931"/>
-          <ac:picMkLst>
-            <pc:docMk/>
-            <pc:sldMk cId="2429703687" sldId="265"/>
-            <ac:picMk id="30" creationId="{6423D69F-3314-4098-AECE-43ED0AF5B26D}"/>
-          </ac:picMkLst>
-        </pc:picChg>
         <pc:inkChg chg="add del">
           <ac:chgData name="Shengmin Leong" userId="075411cc4697ef0d" providerId="LiveId" clId="{131F47FE-217A-48AA-BA1D-F68C4827F5CE}" dt="2018-09-22T03:51:44.966" v="112"/>
           <ac:inkMkLst>
@@ -357,16 +333,16 @@
             <ac:inkMk id="33" creationId="{31AE1C43-2F78-4F18-86C1-3450E5AD5DC3}"/>
           </ac:inkMkLst>
         </pc:inkChg>
-        <pc:inkChg chg="add del mod">
-          <ac:chgData name="Shengmin Leong" userId="075411cc4697ef0d" providerId="LiveId" clId="{131F47FE-217A-48AA-BA1D-F68C4827F5CE}" dt="2018-10-14T08:06:10.062" v="276" actId="478"/>
+        <pc:inkChg chg="add">
+          <ac:chgData name="Shengmin Leong" userId="075411cc4697ef0d" providerId="LiveId" clId="{131F47FE-217A-48AA-BA1D-F68C4827F5CE}" dt="2018-09-21T14:23:49.743" v="82"/>
           <ac:inkMkLst>
             <pc:docMk/>
             <pc:sldMk cId="2429703687" sldId="265"/>
             <ac:inkMk id="40" creationId="{13C13F15-D893-4D17-9AC9-EE007E49E477}"/>
           </ac:inkMkLst>
         </pc:inkChg>
-        <pc:inkChg chg="add del mod">
-          <ac:chgData name="Shengmin Leong" userId="075411cc4697ef0d" providerId="LiveId" clId="{131F47FE-217A-48AA-BA1D-F68C4827F5CE}" dt="2018-10-14T08:06:10.062" v="276" actId="478"/>
+        <pc:inkChg chg="add del">
+          <ac:chgData name="Shengmin Leong" userId="075411cc4697ef0d" providerId="LiveId" clId="{131F47FE-217A-48AA-BA1D-F68C4827F5CE}" dt="2018-09-22T03:53:09.468" v="127"/>
           <ac:inkMkLst>
             <pc:docMk/>
             <pc:sldMk cId="2429703687" sldId="265"/>
@@ -397,8 +373,8 @@
             <ac:inkMk id="43" creationId="{FB4B2E27-2F17-48FD-8FE1-3DC032D9D954}"/>
           </ac:inkMkLst>
         </pc:inkChg>
-        <pc:inkChg chg="add del mod">
-          <ac:chgData name="Shengmin Leong" userId="075411cc4697ef0d" providerId="LiveId" clId="{131F47FE-217A-48AA-BA1D-F68C4827F5CE}" dt="2018-10-14T08:06:10.062" v="276" actId="478"/>
+        <pc:inkChg chg="add">
+          <ac:chgData name="Shengmin Leong" userId="075411cc4697ef0d" providerId="LiveId" clId="{131F47FE-217A-48AA-BA1D-F68C4827F5CE}" dt="2018-10-01T05:12:49.111" v="240"/>
           <ac:inkMkLst>
             <pc:docMk/>
             <pc:sldMk cId="2429703687" sldId="265"/>
@@ -437,80 +413,80 @@
             <ac:inkMk id="55" creationId="{22083EC7-DD59-4CDA-A356-66862CAAF1FC}"/>
           </ac:inkMkLst>
         </pc:inkChg>
-        <pc:inkChg chg="add del mod">
-          <ac:chgData name="Shengmin Leong" userId="075411cc4697ef0d" providerId="LiveId" clId="{131F47FE-217A-48AA-BA1D-F68C4827F5CE}" dt="2018-10-14T08:06:10.062" v="276" actId="478"/>
+        <pc:inkChg chg="add">
+          <ac:chgData name="Shengmin Leong" userId="075411cc4697ef0d" providerId="LiveId" clId="{131F47FE-217A-48AA-BA1D-F68C4827F5CE}" dt="2018-09-22T03:53:57.858" v="143"/>
           <ac:inkMkLst>
             <pc:docMk/>
             <pc:sldMk cId="2429703687" sldId="265"/>
             <ac:inkMk id="56" creationId="{26CC177E-A2C5-496E-A299-450133D870D6}"/>
           </ac:inkMkLst>
         </pc:inkChg>
-        <pc:cxnChg chg="add del mod">
-          <ac:chgData name="Shengmin Leong" userId="075411cc4697ef0d" providerId="LiveId" clId="{131F47FE-217A-48AA-BA1D-F68C4827F5CE}" dt="2018-10-14T08:06:10.062" v="276" actId="478"/>
+        <pc:cxnChg chg="add mod">
+          <ac:chgData name="Shengmin Leong" userId="075411cc4697ef0d" providerId="LiveId" clId="{131F47FE-217A-48AA-BA1D-F68C4827F5CE}" dt="2018-09-20T06:25:57.194" v="2" actId="1076"/>
           <ac:cxnSpMkLst>
             <pc:docMk/>
             <pc:sldMk cId="2429703687" sldId="265"/>
             <ac:cxnSpMk id="7" creationId="{127A6C11-EAEB-44B8-BC73-081C72FBCA70}"/>
           </ac:cxnSpMkLst>
         </pc:cxnChg>
-        <pc:cxnChg chg="add del mod">
-          <ac:chgData name="Shengmin Leong" userId="075411cc4697ef0d" providerId="LiveId" clId="{131F47FE-217A-48AA-BA1D-F68C4827F5CE}" dt="2018-10-14T08:06:10.062" v="276" actId="478"/>
+        <pc:cxnChg chg="add mod">
+          <ac:chgData name="Shengmin Leong" userId="075411cc4697ef0d" providerId="LiveId" clId="{131F47FE-217A-48AA-BA1D-F68C4827F5CE}" dt="2018-09-20T06:25:57.194" v="2" actId="1076"/>
           <ac:cxnSpMkLst>
             <pc:docMk/>
             <pc:sldMk cId="2429703687" sldId="265"/>
             <ac:cxnSpMk id="8" creationId="{9182AAD7-45EA-4C1B-965D-A1A076C1049E}"/>
           </ac:cxnSpMkLst>
         </pc:cxnChg>
-        <pc:cxnChg chg="add del mod">
-          <ac:chgData name="Shengmin Leong" userId="075411cc4697ef0d" providerId="LiveId" clId="{131F47FE-217A-48AA-BA1D-F68C4827F5CE}" dt="2018-10-14T08:06:10.062" v="276" actId="478"/>
+        <pc:cxnChg chg="add mod">
+          <ac:chgData name="Shengmin Leong" userId="075411cc4697ef0d" providerId="LiveId" clId="{131F47FE-217A-48AA-BA1D-F68C4827F5CE}" dt="2018-09-20T06:25:57.194" v="2" actId="1076"/>
           <ac:cxnSpMkLst>
             <pc:docMk/>
             <pc:sldMk cId="2429703687" sldId="265"/>
             <ac:cxnSpMk id="10" creationId="{6E806771-1CF0-4B6D-9E2B-58AA7BB6487E}"/>
           </ac:cxnSpMkLst>
         </pc:cxnChg>
-        <pc:cxnChg chg="add del mod">
-          <ac:chgData name="Shengmin Leong" userId="075411cc4697ef0d" providerId="LiveId" clId="{131F47FE-217A-48AA-BA1D-F68C4827F5CE}" dt="2018-10-14T08:06:10.062" v="276" actId="478"/>
+        <pc:cxnChg chg="add mod">
+          <ac:chgData name="Shengmin Leong" userId="075411cc4697ef0d" providerId="LiveId" clId="{131F47FE-217A-48AA-BA1D-F68C4827F5CE}" dt="2018-09-20T06:25:57.194" v="2" actId="1076"/>
           <ac:cxnSpMkLst>
             <pc:docMk/>
             <pc:sldMk cId="2429703687" sldId="265"/>
             <ac:cxnSpMk id="12" creationId="{465AD41D-86B8-4286-A5BA-0EDB2E9AE664}"/>
           </ac:cxnSpMkLst>
         </pc:cxnChg>
-        <pc:cxnChg chg="add del mod">
-          <ac:chgData name="Shengmin Leong" userId="075411cc4697ef0d" providerId="LiveId" clId="{131F47FE-217A-48AA-BA1D-F68C4827F5CE}" dt="2018-10-14T08:06:10.062" v="276" actId="478"/>
+        <pc:cxnChg chg="add mod">
+          <ac:chgData name="Shengmin Leong" userId="075411cc4697ef0d" providerId="LiveId" clId="{131F47FE-217A-48AA-BA1D-F68C4827F5CE}" dt="2018-09-20T06:25:57.194" v="2" actId="1076"/>
           <ac:cxnSpMkLst>
             <pc:docMk/>
             <pc:sldMk cId="2429703687" sldId="265"/>
             <ac:cxnSpMk id="15" creationId="{E76E5B9D-1FD7-4E76-A0B0-64949A99DAB2}"/>
           </ac:cxnSpMkLst>
         </pc:cxnChg>
-        <pc:cxnChg chg="add del mod">
-          <ac:chgData name="Shengmin Leong" userId="075411cc4697ef0d" providerId="LiveId" clId="{131F47FE-217A-48AA-BA1D-F68C4827F5CE}" dt="2018-10-14T08:06:10.062" v="276" actId="478"/>
+        <pc:cxnChg chg="add mod">
+          <ac:chgData name="Shengmin Leong" userId="075411cc4697ef0d" providerId="LiveId" clId="{131F47FE-217A-48AA-BA1D-F68C4827F5CE}" dt="2018-09-20T06:25:57.194" v="2" actId="1076"/>
           <ac:cxnSpMkLst>
             <pc:docMk/>
             <pc:sldMk cId="2429703687" sldId="265"/>
             <ac:cxnSpMk id="17" creationId="{01336A1B-B925-4718-8E60-0C1E59BB1A4E}"/>
           </ac:cxnSpMkLst>
         </pc:cxnChg>
-        <pc:cxnChg chg="add del mod">
-          <ac:chgData name="Shengmin Leong" userId="075411cc4697ef0d" providerId="LiveId" clId="{131F47FE-217A-48AA-BA1D-F68C4827F5CE}" dt="2018-10-14T08:06:10.062" v="276" actId="478"/>
+        <pc:cxnChg chg="add mod">
+          <ac:chgData name="Shengmin Leong" userId="075411cc4697ef0d" providerId="LiveId" clId="{131F47FE-217A-48AA-BA1D-F68C4827F5CE}" dt="2018-09-22T03:55:08.537" v="151" actId="14100"/>
           <ac:cxnSpMkLst>
             <pc:docMk/>
             <pc:sldMk cId="2429703687" sldId="265"/>
             <ac:cxnSpMk id="21" creationId="{82B96457-F6EB-429E-A66E-1FFC0BF47319}"/>
           </ac:cxnSpMkLst>
         </pc:cxnChg>
-        <pc:cxnChg chg="add del mod">
-          <ac:chgData name="Shengmin Leong" userId="075411cc4697ef0d" providerId="LiveId" clId="{131F47FE-217A-48AA-BA1D-F68C4827F5CE}" dt="2018-10-14T08:06:10.062" v="276" actId="478"/>
+        <pc:cxnChg chg="add mod">
+          <ac:chgData name="Shengmin Leong" userId="075411cc4697ef0d" providerId="LiveId" clId="{131F47FE-217A-48AA-BA1D-F68C4827F5CE}" dt="2018-09-22T03:52:19.618" v="117" actId="1076"/>
           <ac:cxnSpMkLst>
             <pc:docMk/>
             <pc:sldMk cId="2429703687" sldId="265"/>
             <ac:cxnSpMk id="24" creationId="{19F52AF7-A3FC-4088-A08B-9E056AF52332}"/>
           </ac:cxnSpMkLst>
         </pc:cxnChg>
-        <pc:cxnChg chg="add del mod">
-          <ac:chgData name="Shengmin Leong" userId="075411cc4697ef0d" providerId="LiveId" clId="{131F47FE-217A-48AA-BA1D-F68C4827F5CE}" dt="2018-10-14T08:06:10.062" v="276" actId="478"/>
+        <pc:cxnChg chg="add mod">
+          <ac:chgData name="Shengmin Leong" userId="075411cc4697ef0d" providerId="LiveId" clId="{131F47FE-217A-48AA-BA1D-F68C4827F5CE}" dt="2018-09-22T03:53:47.832" v="140" actId="14100"/>
           <ac:cxnSpMkLst>
             <pc:docMk/>
             <pc:sldMk cId="2429703687" sldId="265"/>
@@ -525,24 +501,16 @@
             <ac:cxnSpMk id="28" creationId="{20DBDD99-A394-4F2D-8974-40F0EFE690B9}"/>
           </ac:cxnSpMkLst>
         </pc:cxnChg>
-        <pc:cxnChg chg="add del mod">
-          <ac:chgData name="Shengmin Leong" userId="075411cc4697ef0d" providerId="LiveId" clId="{131F47FE-217A-48AA-BA1D-F68C4827F5CE}" dt="2018-10-14T08:06:10.062" v="276" actId="478"/>
+        <pc:cxnChg chg="add mod">
+          <ac:chgData name="Shengmin Leong" userId="075411cc4697ef0d" providerId="LiveId" clId="{131F47FE-217A-48AA-BA1D-F68C4827F5CE}" dt="2018-10-01T05:13:40.987" v="247" actId="14100"/>
           <ac:cxnSpMkLst>
             <pc:docMk/>
             <pc:sldMk cId="2429703687" sldId="265"/>
             <ac:cxnSpMk id="33" creationId="{B678C7D8-8C59-48BD-8FE4-1DA6A4CB7DA9}"/>
           </ac:cxnSpMkLst>
         </pc:cxnChg>
-        <pc:cxnChg chg="del mod">
-          <ac:chgData name="Shengmin Leong" userId="075411cc4697ef0d" providerId="LiveId" clId="{131F47FE-217A-48AA-BA1D-F68C4827F5CE}" dt="2018-10-14T08:06:10.062" v="276" actId="478"/>
-          <ac:cxnSpMkLst>
-            <pc:docMk/>
-            <pc:sldMk cId="2429703687" sldId="265"/>
-            <ac:cxnSpMk id="35" creationId="{6FCE1030-78D5-49A6-AF9B-C3FCBE295FA0}"/>
-          </ac:cxnSpMkLst>
-        </pc:cxnChg>
-        <pc:cxnChg chg="add del mod">
-          <ac:chgData name="Shengmin Leong" userId="075411cc4697ef0d" providerId="LiveId" clId="{131F47FE-217A-48AA-BA1D-F68C4827F5CE}" dt="2018-10-14T08:06:10.062" v="276" actId="478"/>
+        <pc:cxnChg chg="add">
+          <ac:chgData name="Shengmin Leong" userId="075411cc4697ef0d" providerId="LiveId" clId="{131F47FE-217A-48AA-BA1D-F68C4827F5CE}" dt="2018-09-22T03:52:10.215" v="116"/>
           <ac:cxnSpMkLst>
             <pc:docMk/>
             <pc:sldMk cId="2429703687" sldId="265"/>
@@ -557,8 +525,8 @@
             <ac:cxnSpMk id="36" creationId="{DE168867-990C-4380-BD61-616F8E4C7FEC}"/>
           </ac:cxnSpMkLst>
         </pc:cxnChg>
-        <pc:cxnChg chg="add del mod">
-          <ac:chgData name="Shengmin Leong" userId="075411cc4697ef0d" providerId="LiveId" clId="{131F47FE-217A-48AA-BA1D-F68C4827F5CE}" dt="2018-10-14T08:06:10.062" v="276" actId="478"/>
+        <pc:cxnChg chg="add mod">
+          <ac:chgData name="Shengmin Leong" userId="075411cc4697ef0d" providerId="LiveId" clId="{131F47FE-217A-48AA-BA1D-F68C4827F5CE}" dt="2018-09-22T03:52:31.004" v="120" actId="14100"/>
           <ac:cxnSpMkLst>
             <pc:docMk/>
             <pc:sldMk cId="2429703687" sldId="265"/>
@@ -577,6 +545,123 @@
     </pc:docChg>
   </pc:docChgLst>
 </pc:chgInfo>
+</file>
+
+<file path=ppt/ink/ink1.xml><?xml version="1.0" encoding="utf-8"?>
+<inkml:ink xmlns:inkml="http://www.w3.org/2003/InkML">
+  <inkml:definitions>
+    <inkml:context xml:id="ctx0">
+      <inkml:inkSource xml:id="inkSrc0">
+        <inkml:traceFormat>
+          <inkml:channel name="X" type="integer" max="1920" units="cm"/>
+          <inkml:channel name="Y" type="integer" max="1080" units="cm"/>
+          <inkml:channel name="T" type="integer" max="2.14748E9" units="dev"/>
+        </inkml:traceFormat>
+        <inkml:channelProperties>
+          <inkml:channelProperty channel="X" name="resolution" value="65.52901" units="1/cm"/>
+          <inkml:channelProperty channel="Y" name="resolution" value="65.45454" units="1/cm"/>
+          <inkml:channelProperty channel="T" name="resolution" value="1" units="1/dev"/>
+        </inkml:channelProperties>
+      </inkml:inkSource>
+      <inkml:timestamp xml:id="ts0" timeString="2018-09-21T14:23:49.736"/>
+    </inkml:context>
+    <inkml:brush xml:id="br0">
+      <inkml:brushProperty name="width" value="0.035" units="cm"/>
+      <inkml:brushProperty name="height" value="0.035" units="cm"/>
+      <inkml:brushProperty name="color" value="#FF8000"/>
+      <inkml:brushProperty name="fitToCurve" value="1"/>
+    </inkml:brush>
+  </inkml:definitions>
+  <inkml:trace contextRef="#ctx0" brushRef="#br0">0 167 0,'28'28'250,"-1"-28"-234,-27 27-16,27-27 15,-27 27-15,28 0 16,-1-27 15,-27 28 32,27-28 531,1-28-516,-1 1-63,0 27 1,1-27 62,-28 0-47,27-1 1,0 1 124,-27 0-109,27 27 0,-27-28-16,0 1 31,28 0 16,-28-1-15,27 28 140</inkml:trace>
+</inkml:ink>
+</file>
+
+<file path=ppt/ink/ink2.xml><?xml version="1.0" encoding="utf-8"?>
+<inkml:ink xmlns:inkml="http://www.w3.org/2003/InkML">
+  <inkml:definitions>
+    <inkml:context xml:id="ctx0">
+      <inkml:inkSource xml:id="inkSrc0">
+        <inkml:traceFormat>
+          <inkml:channel name="X" type="integer" max="1920" units="cm"/>
+          <inkml:channel name="Y" type="integer" max="1080" units="cm"/>
+          <inkml:channel name="T" type="integer" max="2.14748E9" units="dev"/>
+        </inkml:traceFormat>
+        <inkml:channelProperties>
+          <inkml:channelProperty channel="X" name="resolution" value="65.52901" units="1/cm"/>
+          <inkml:channelProperty channel="Y" name="resolution" value="65.45454" units="1/cm"/>
+          <inkml:channelProperty channel="T" name="resolution" value="1" units="1/dev"/>
+        </inkml:channelProperties>
+      </inkml:inkSource>
+      <inkml:timestamp xml:id="ts0" timeString="2018-09-22T03:53:07.212"/>
+    </inkml:context>
+    <inkml:brush xml:id="br0">
+      <inkml:brushProperty name="width" value="0.035" units="cm"/>
+      <inkml:brushProperty name="height" value="0.035" units="cm"/>
+      <inkml:brushProperty name="color" value="#FF8000"/>
+      <inkml:brushProperty name="fitToCurve" value="1"/>
+    </inkml:brush>
+  </inkml:definitions>
+  <inkml:trace contextRef="#ctx0" brushRef="#br0">0 0 0</inkml:trace>
+</inkml:ink>
+</file>
+
+<file path=ppt/ink/ink3.xml><?xml version="1.0" encoding="utf-8"?>
+<inkml:ink xmlns:inkml="http://www.w3.org/2003/InkML">
+  <inkml:definitions>
+    <inkml:context xml:id="ctx0">
+      <inkml:inkSource xml:id="inkSrc0">
+        <inkml:traceFormat>
+          <inkml:channel name="X" type="integer" max="1920" units="cm"/>
+          <inkml:channel name="Y" type="integer" max="1080" units="cm"/>
+          <inkml:channel name="T" type="integer" max="2.14748E9" units="dev"/>
+        </inkml:traceFormat>
+        <inkml:channelProperties>
+          <inkml:channelProperty channel="X" name="resolution" value="65.52901" units="1/cm"/>
+          <inkml:channelProperty channel="Y" name="resolution" value="65.45454" units="1/cm"/>
+          <inkml:channelProperty channel="T" name="resolution" value="1" units="1/dev"/>
+        </inkml:channelProperties>
+      </inkml:inkSource>
+      <inkml:timestamp xml:id="ts0" timeString="2018-09-22T03:53:54.793"/>
+    </inkml:context>
+    <inkml:brush xml:id="br0">
+      <inkml:brushProperty name="width" value="0.035" units="cm"/>
+      <inkml:brushProperty name="height" value="0.035" units="cm"/>
+      <inkml:brushProperty name="color" value="#FF8000"/>
+      <inkml:brushProperty name="fitToCurve" value="1"/>
+    </inkml:brush>
+  </inkml:definitions>
+  <inkml:trace contextRef="#ctx0" brushRef="#br0">0 54 0,'28'0'235,"-1"0"-220,-27 28-15,27-1 16,-27 0 62,28-27-47,-1 0 0,0 0-15,-27 27 0,0 1 140,28-28-109,-28 27 78,27 0 0,-27 1-47,27-28-62,-27 27 62,0 0-47,0 1-15,0-1 30,0 0 1</inkml:trace>
+  <inkml:trace contextRef="#ctx0" brushRef="#br0" timeOffset="2123">246 409 0,'0'-27'234,"0"0"-218,0-1 0,0 1 15,28 27-31,-1 0 78,0 0-31,0 0-47,1 0 16,-1 0-1,-27-27 1,0-1 187,27 1-172,-27 0 47,28 27-78,-1-28 47,-27 1 16,27 27-48,-27-27 1,0 0 0,28 27-1,-28-28 16,0 1 1,0 0-17</inkml:trace>
+</inkml:ink>
+</file>
+
+<file path=ppt/ink/ink4.xml><?xml version="1.0" encoding="utf-8"?>
+<inkml:ink xmlns:inkml="http://www.w3.org/2003/InkML">
+  <inkml:definitions>
+    <inkml:context xml:id="ctx0">
+      <inkml:inkSource xml:id="inkSrc0">
+        <inkml:traceFormat>
+          <inkml:channel name="X" type="integer" max="1920" units="cm"/>
+          <inkml:channel name="Y" type="integer" max="1080" units="cm"/>
+          <inkml:channel name="T" type="integer" max="2.14748E9" units="dev"/>
+        </inkml:traceFormat>
+        <inkml:channelProperties>
+          <inkml:channelProperty channel="X" name="resolution" value="65.52901" units="1/cm"/>
+          <inkml:channelProperty channel="Y" name="resolution" value="65.45454" units="1/cm"/>
+          <inkml:channelProperty channel="T" name="resolution" value="1" units="1/dev"/>
+        </inkml:channelProperties>
+      </inkml:inkSource>
+      <inkml:timestamp xml:id="ts0" timeString="2018-10-01T05:12:49.106"/>
+    </inkml:context>
+    <inkml:brush xml:id="br0">
+      <inkml:brushProperty name="width" value="0.035" units="cm"/>
+      <inkml:brushProperty name="height" value="0.035" units="cm"/>
+      <inkml:brushProperty name="color" value="#FF8000"/>
+      <inkml:brushProperty name="fitToCurve" value="1"/>
+    </inkml:brush>
+  </inkml:definitions>
+  <inkml:trace contextRef="#ctx0" brushRef="#br0">0 89 0,'0'22'281,"22"0"-234,-22 0 0,22-22 0,-22 22 31,23 0-47,-1-22-15,-22 22 0,22-22 15,0 22-15,0 0 30,-22 0-14,22 1 30,-22-46 344,0 1-359,0 0-47,22 22 32,-22-22 14,22 22-14,-22-22 30,0 0-31,0 0 16,22 0 16,-22 0-16,22 0-32,0 22 79,-22-22-94,0-1 63,0 1-32,23 0 47</inkml:trace>
+</inkml:ink>
 </file>
 
 <file path=ppt/notesMasters/notesMaster1.xml><?xml version="1.0" encoding="utf-8"?>
@@ -661,7 +746,7 @@
           <a:p>
             <a:fld id="{F5CC4B3F-88C1-4FFA-B1B6-F41C21DC6924}" type="datetimeFigureOut">
               <a:rPr lang="en-US" smtClean="0"/>
-              <a:t>10/14/2018</a:t>
+              <a:t>10/1/2018</a:t>
             </a:fld>
             <a:endParaRPr lang="en-US"/>
           </a:p>
@@ -928,93 +1013,6 @@
 </p:notesMaster>
 </file>
 
-<file path=ppt/notesSlides/notesSlide1.xml><?xml version="1.0" encoding="utf-8"?>
-<p:notes xmlns:a="http://schemas.openxmlformats.org/drawingml/2006/main" xmlns:r="http://schemas.openxmlformats.org/officeDocument/2006/relationships" xmlns:p="http://schemas.openxmlformats.org/presentationml/2006/main">
-  <p:cSld>
-    <p:spTree>
-      <p:nvGrpSpPr>
-        <p:cNvPr id="1" name=""/>
-        <p:cNvGrpSpPr/>
-        <p:nvPr/>
-      </p:nvGrpSpPr>
-      <p:grpSpPr>
-        <a:xfrm>
-          <a:off x="0" y="0"/>
-          <a:ext cx="0" cy="0"/>
-          <a:chOff x="0" y="0"/>
-          <a:chExt cx="0" cy="0"/>
-        </a:xfrm>
-      </p:grpSpPr>
-      <p:sp>
-        <p:nvSpPr>
-          <p:cNvPr id="2" name="Slide Image Placeholder 1"/>
-          <p:cNvSpPr>
-            <a:spLocks noGrp="1" noRot="1" noChangeAspect="1"/>
-          </p:cNvSpPr>
-          <p:nvPr>
-            <p:ph type="sldImg"/>
-          </p:nvPr>
-        </p:nvSpPr>
-        <p:spPr/>
-      </p:sp>
-      <p:sp>
-        <p:nvSpPr>
-          <p:cNvPr id="3" name="Notes Placeholder 2"/>
-          <p:cNvSpPr>
-            <a:spLocks noGrp="1"/>
-          </p:cNvSpPr>
-          <p:nvPr>
-            <p:ph type="body" idx="1"/>
-          </p:nvPr>
-        </p:nvSpPr>
-        <p:spPr/>
-        <p:txBody>
-          <a:bodyPr/>
-          <a:lstStyle/>
-          <a:p>
-            <a:r>
-              <a:rPr lang="en-US" dirty="0"/>
-              <a:t>https://www.draw.io/?lightbox=1&amp;highlight=0000ff&amp;edit=_blank&amp;layers=1&amp;nav=1&amp;title=Untitled%20Diagram.xml#R7Vpbc9o4FP41PO6ObeELj4GG3em0M52lnaaPwha2N7LFyCJAf%2F3KWPIFGUqDRJxN8pCxj45k6fs%2BnaMLIzDLdn9RuE4%2BkwjhkWNFuxH4MHIcP%2FD4%2F9Kwrwxjz60MMU2jymQ3hkX6EwmjJaybNEJFx5ERglm67hpDkucoZB0bpJRsu24rgrtfXcMYKYZFCLFq%2FZ5GLKmsgWs19r9RGifyy7YlSpYwfIwp2eTieyMHrA5%2FVXEGZVvCv0hgRLYtE7gfgRklhFVP2W6GcAmthK2qNz9RWvebopxdUgEIop4g3iDZ5UPH2F6CcRgOKivYIzDdJilDizUMy9ItZ5%2FbEpZhUbxKMZ4RTOihLpjP585sxu0Fo%2BQRtUqWXBPWmJeIDiDK0O7kKOwaGy45RDLE6J67iAoSTaE2OxDv2xZ30pa0eHMkoVDoJa6bbjDjDwK2fgg9BTAUcTGJV0JZQmKSQ3zfWKcNpFYXPrRL2UNp%2FtMVbz%2BEUwSLpCahYJCyu1Lo3JCTHEnbPC37eaiA8kh6LDEJHyuTcCgb%2BRcxthdzD24Y4aamt58IWQu%2FanzloM7TwzEgGxoKr7GYtpDGSHi5%2FSRShCFLn7qtX8OIb4YRv02JfZaSKIUZKWPAOVbIGuUdUqzfIIVDT%2FcPdaP85UctG22ETa4kTFT9QlL%2B3Xq22pPudOXztdtE1QVR64j2uhsXKSEwowTnzSnBPhGAdUvBB6akMFYS3YIRyhP5Z5jz%2F1RRyumktoKRD8OzSY0SxnEhnNUPf0wsPVkuOMLKcZUsZ9s9WW6sIcm56jJh5ozuppwXRFflYoC%2FTvkoPcy%2FOl1yOL2YHcYtLNIgUJd2%2FuFl4zt0CtyXY8AGv16pXRHcTkcwuXhoxy%2B7G7%2FECuR58et5MWrSE6OcG60vJtomw7cC0S8UrYqXmBWa5oRjHcUly7lsVgBHw6xwFC4%2BFiRXcR02hsC9AEPgGsLQ1qbn72mRTAl5%2FD%2FJ2fVvKOeePHuTID%2FMPaRtYiV6MRe%2BUS5%2BE%2F6rtggd3jVS4d2Kip6MO5BpcRUvGqkIbkWFuo96yLAS94cd45V02xfjTaVbvdqVhxLyudn7nzsXeG2KD1TFt47LDSs%2BOKX4rxTmBQxLbRavTfLAVs%2FIzUm%2BZ4X5huO395JqVi98uJoXiKYQpz%2FhEiMZy4euaNe%2BIIiPDS3Ue44T37Ci5f1bR9HgRoo2dch%2FfMbf5NMmveq4nBsKX9cu5g9V%2BaDgvuWwLk%2Fui1bLRxcA7tGhtkxT8xP%2BY%2BCe8%2BcPVQ%2Bee0sArHcx6RCTlptD02LynbP%2B14sJvItJg5iAlrtH02IKxrZZMbnvYtIhpvFrEJMzMZvmJDLdXcBdBNcMReUGQNHawBf%2FvdtZY4t%2F9Sq2Qe8flEE6%2FM3Tcerze%2FBzTOHXuwcV%2BC3gE4ruMh642NBBBN4FILqmQFTPxBsQZ6RgrwND7%2Fhcqg9DUxMZqOdSDYbfKB46eP7E%2ByV4E1PY9V4ECOy%2Bwnjo2NU%2FyjknPE33vPy1%2BUl3la6bn82D%2B%2F8A</a:t>
-            </a:r>
-          </a:p>
-        </p:txBody>
-      </p:sp>
-      <p:sp>
-        <p:nvSpPr>
-          <p:cNvPr id="4" name="Slide Number Placeholder 3"/>
-          <p:cNvSpPr>
-            <a:spLocks noGrp="1"/>
-          </p:cNvSpPr>
-          <p:nvPr>
-            <p:ph type="sldNum" sz="quarter" idx="5"/>
-          </p:nvPr>
-        </p:nvSpPr>
-        <p:spPr/>
-        <p:txBody>
-          <a:bodyPr/>
-          <a:lstStyle/>
-          <a:p>
-            <a:fld id="{5A7AB025-77E3-4BD1-A2FD-B3183DBA47A3}" type="slidenum">
-              <a:rPr lang="en-US" smtClean="0"/>
-              <a:t>1</a:t>
-            </a:fld>
-            <a:endParaRPr lang="en-US"/>
-          </a:p>
-        </p:txBody>
-      </p:sp>
-    </p:spTree>
-    <p:extLst>
-      <p:ext uri="{BB962C8B-B14F-4D97-AF65-F5344CB8AC3E}">
-        <p14:creationId xmlns:p14="http://schemas.microsoft.com/office/powerpoint/2010/main" val="146476227"/>
-      </p:ext>
-    </p:extLst>
-  </p:cSld>
-  <p:clrMapOvr>
-    <a:masterClrMapping/>
-  </p:clrMapOvr>
-</p:notes>
-</file>
-
 <file path=ppt/slideLayouts/slideLayout1.xml><?xml version="1.0" encoding="utf-8"?>
 <p:sldLayout xmlns:a="http://schemas.openxmlformats.org/drawingml/2006/main" xmlns:r="http://schemas.openxmlformats.org/officeDocument/2006/relationships" xmlns:p="http://schemas.openxmlformats.org/presentationml/2006/main" type="title" preserve="1">
   <p:cSld name="Title Slide">
@@ -1194,7 +1192,7 @@
           <a:p>
             <a:fld id="{78C97017-6FC3-485B-9764-EAC9E56C1D49}" type="datetimeFigureOut">
               <a:rPr lang="en-US" smtClean="0"/>
-              <a:t>10/14/2018</a:t>
+              <a:t>10/1/2018</a:t>
             </a:fld>
             <a:endParaRPr lang="en-US"/>
           </a:p>
@@ -1362,7 +1360,7 @@
           <a:p>
             <a:fld id="{78C97017-6FC3-485B-9764-EAC9E56C1D49}" type="datetimeFigureOut">
               <a:rPr lang="en-US" smtClean="0"/>
-              <a:t>10/14/2018</a:t>
+              <a:t>10/1/2018</a:t>
             </a:fld>
             <a:endParaRPr lang="en-US"/>
           </a:p>
@@ -1540,7 +1538,7 @@
           <a:p>
             <a:fld id="{78C97017-6FC3-485B-9764-EAC9E56C1D49}" type="datetimeFigureOut">
               <a:rPr lang="en-US" smtClean="0"/>
-              <a:t>10/14/2018</a:t>
+              <a:t>10/1/2018</a:t>
             </a:fld>
             <a:endParaRPr lang="en-US"/>
           </a:p>
@@ -1708,7 +1706,7 @@
           <a:p>
             <a:fld id="{78C97017-6FC3-485B-9764-EAC9E56C1D49}" type="datetimeFigureOut">
               <a:rPr lang="en-US" smtClean="0"/>
-              <a:t>10/14/2018</a:t>
+              <a:t>10/1/2018</a:t>
             </a:fld>
             <a:endParaRPr lang="en-US"/>
           </a:p>
@@ -1953,7 +1951,7 @@
           <a:p>
             <a:fld id="{78C97017-6FC3-485B-9764-EAC9E56C1D49}" type="datetimeFigureOut">
               <a:rPr lang="en-US" smtClean="0"/>
-              <a:t>10/14/2018</a:t>
+              <a:t>10/1/2018</a:t>
             </a:fld>
             <a:endParaRPr lang="en-US"/>
           </a:p>
@@ -2238,7 +2236,7 @@
           <a:p>
             <a:fld id="{78C97017-6FC3-485B-9764-EAC9E56C1D49}" type="datetimeFigureOut">
               <a:rPr lang="en-US" smtClean="0"/>
-              <a:t>10/14/2018</a:t>
+              <a:t>10/1/2018</a:t>
             </a:fld>
             <a:endParaRPr lang="en-US"/>
           </a:p>
@@ -2657,7 +2655,7 @@
           <a:p>
             <a:fld id="{78C97017-6FC3-485B-9764-EAC9E56C1D49}" type="datetimeFigureOut">
               <a:rPr lang="en-US" smtClean="0"/>
-              <a:t>10/14/2018</a:t>
+              <a:t>10/1/2018</a:t>
             </a:fld>
             <a:endParaRPr lang="en-US"/>
           </a:p>
@@ -2774,7 +2772,7 @@
           <a:p>
             <a:fld id="{78C97017-6FC3-485B-9764-EAC9E56C1D49}" type="datetimeFigureOut">
               <a:rPr lang="en-US" smtClean="0"/>
-              <a:t>10/14/2018</a:t>
+              <a:t>10/1/2018</a:t>
             </a:fld>
             <a:endParaRPr lang="en-US"/>
           </a:p>
@@ -2869,7 +2867,7 @@
           <a:p>
             <a:fld id="{78C97017-6FC3-485B-9764-EAC9E56C1D49}" type="datetimeFigureOut">
               <a:rPr lang="en-US" smtClean="0"/>
-              <a:t>10/14/2018</a:t>
+              <a:t>10/1/2018</a:t>
             </a:fld>
             <a:endParaRPr lang="en-US"/>
           </a:p>
@@ -3144,7 +3142,7 @@
           <a:p>
             <a:fld id="{78C97017-6FC3-485B-9764-EAC9E56C1D49}" type="datetimeFigureOut">
               <a:rPr lang="en-US" smtClean="0"/>
-              <a:t>10/14/2018</a:t>
+              <a:t>10/1/2018</a:t>
             </a:fld>
             <a:endParaRPr lang="en-US"/>
           </a:p>
@@ -3396,7 +3394,7 @@
           <a:p>
             <a:fld id="{78C97017-6FC3-485B-9764-EAC9E56C1D49}" type="datetimeFigureOut">
               <a:rPr lang="en-US" smtClean="0"/>
-              <a:t>10/14/2018</a:t>
+              <a:t>10/1/2018</a:t>
             </a:fld>
             <a:endParaRPr lang="en-US"/>
           </a:p>
@@ -3607,7 +3605,7 @@
           <a:p>
             <a:fld id="{78C97017-6FC3-485B-9764-EAC9E56C1D49}" type="datetimeFigureOut">
               <a:rPr lang="en-US" smtClean="0"/>
-              <a:t>10/14/2018</a:t>
+              <a:t>10/1/2018</a:t>
             </a:fld>
             <a:endParaRPr lang="en-US"/>
           </a:p>
@@ -3982,42 +3980,2210 @@
           <a:chExt cx="0" cy="0"/>
         </a:xfrm>
       </p:grpSpPr>
-      <p:pic>
-        <p:nvPicPr>
-          <p:cNvPr id="30" name="Picture 29">
+      <p:sp>
+        <p:nvSpPr>
+          <p:cNvPr id="2" name="Rectangle 65">
             <a:extLst>
               <a:ext uri="{FF2B5EF4-FFF2-40B4-BE49-F238E27FC236}">
-                <a16:creationId xmlns:a16="http://schemas.microsoft.com/office/drawing/2014/main" id="{6423D69F-3314-4098-AECE-43ED0AF5B26D}"/>
+                <a16:creationId xmlns:a16="http://schemas.microsoft.com/office/drawing/2014/main" id="{591191E2-7231-4502-BB6F-3B8F3002F39D}"/>
               </a:ext>
             </a:extLst>
           </p:cNvPr>
-          <p:cNvPicPr>
-            <a:picLocks noChangeAspect="1"/>
-          </p:cNvPicPr>
+          <p:cNvSpPr/>
           <p:nvPr/>
-        </p:nvPicPr>
-        <p:blipFill>
-          <a:blip r:embed="rId3">
+        </p:nvSpPr>
+        <p:spPr>
+          <a:xfrm>
+            <a:off x="638287" y="2054106"/>
+            <a:ext cx="7867426" cy="2590800"/>
+          </a:xfrm>
+          <a:prstGeom prst="roundRect">
+            <a:avLst>
+              <a:gd name="adj" fmla="val 3484"/>
+            </a:avLst>
+          </a:prstGeom>
+          <a:solidFill>
+            <a:schemeClr val="accent6">
+              <a:lumMod val="20000"/>
+              <a:lumOff val="80000"/>
+            </a:schemeClr>
+          </a:solidFill>
+          <a:ln w="19050">
+            <a:noFill/>
+          </a:ln>
+          <a:effectLst/>
+        </p:spPr>
+        <p:style>
+          <a:lnRef idx="1">
+            <a:schemeClr val="accent2"/>
+          </a:lnRef>
+          <a:fillRef idx="2">
+            <a:schemeClr val="accent2"/>
+          </a:fillRef>
+          <a:effectRef idx="1">
+            <a:schemeClr val="accent2"/>
+          </a:effectRef>
+          <a:fontRef idx="minor">
+            <a:schemeClr val="dk1"/>
+          </a:fontRef>
+        </p:style>
+        <p:txBody>
+          <a:bodyPr rtlCol="0" anchor="t"/>
+          <a:lstStyle/>
+          <a:p>
+            <a:r>
+              <a:rPr lang="en-US" sz="1200" b="1" dirty="0">
+                <a:solidFill>
+                  <a:schemeClr val="accent6">
+                    <a:lumMod val="75000"/>
+                  </a:schemeClr>
+                </a:solidFill>
+              </a:rPr>
+              <a:t>Storage</a:t>
+            </a:r>
+            <a:endParaRPr lang="en-SG" sz="1200" b="1" dirty="0">
+              <a:solidFill>
+                <a:schemeClr val="accent6">
+                  <a:lumMod val="75000"/>
+                </a:schemeClr>
+              </a:solidFill>
+            </a:endParaRPr>
+          </a:p>
+        </p:txBody>
+      </p:sp>
+      <p:sp>
+        <p:nvSpPr>
+          <p:cNvPr id="3" name="Rectangle 8">
             <a:extLst>
-              <a:ext uri="{28A0092B-C50C-407E-A947-70E740481C1C}">
-                <a14:useLocalDpi xmlns:a14="http://schemas.microsoft.com/office/drawing/2010/main" val="0"/>
+              <a:ext uri="{FF2B5EF4-FFF2-40B4-BE49-F238E27FC236}">
+                <a16:creationId xmlns:a16="http://schemas.microsoft.com/office/drawing/2014/main" id="{D382D195-BB7C-4E26-AEBF-DC12F1EA683C}"/>
               </a:ext>
             </a:extLst>
-          </a:blip>
-          <a:stretch>
-            <a:fillRect/>
-          </a:stretch>
-        </p:blipFill>
+          </p:cNvPr>
+          <p:cNvSpPr/>
+          <p:nvPr/>
+        </p:nvSpPr>
         <p:spPr>
           <a:xfrm>
-            <a:off x="376237" y="2233612"/>
-            <a:ext cx="8391525" cy="2390775"/>
+            <a:off x="2290715" y="3129458"/>
+            <a:ext cx="1323049" cy="346760"/>
           </a:xfrm>
           <a:prstGeom prst="rect">
             <a:avLst/>
           </a:prstGeom>
+          <a:solidFill>
+            <a:schemeClr val="accent6">
+              <a:lumMod val="75000"/>
+            </a:schemeClr>
+          </a:solidFill>
+          <a:ln w="19050">
+            <a:solidFill>
+              <a:schemeClr val="accent6">
+                <a:lumMod val="75000"/>
+              </a:schemeClr>
+            </a:solidFill>
+          </a:ln>
+          <a:effectLst/>
         </p:spPr>
-      </p:pic>
+        <p:style>
+          <a:lnRef idx="1">
+            <a:schemeClr val="accent2"/>
+          </a:lnRef>
+          <a:fillRef idx="2">
+            <a:schemeClr val="accent2"/>
+          </a:fillRef>
+          <a:effectRef idx="1">
+            <a:schemeClr val="accent2"/>
+          </a:effectRef>
+          <a:fontRef idx="minor">
+            <a:schemeClr val="dk1"/>
+          </a:fontRef>
+        </p:style>
+        <p:txBody>
+          <a:bodyPr rtlCol="0" anchor="ctr"/>
+          <a:lstStyle/>
+          <a:p>
+            <a:pPr algn="ctr"/>
+            <a:r>
+              <a:rPr lang="en-US" sz="1050" dirty="0">
+                <a:solidFill>
+                  <a:schemeClr val="bg1"/>
+                </a:solidFill>
+              </a:rPr>
+              <a:t>&lt;&lt;interface&gt;&gt;</a:t>
+            </a:r>
+            <a:br>
+              <a:rPr lang="en-US" sz="1050" dirty="0">
+                <a:solidFill>
+                  <a:schemeClr val="bg1"/>
+                </a:solidFill>
+              </a:rPr>
+            </a:br>
+            <a:r>
+              <a:rPr lang="en-US" sz="1050" dirty="0" err="1">
+                <a:solidFill>
+                  <a:schemeClr val="bg1"/>
+                </a:solidFill>
+              </a:rPr>
+              <a:t>SaveBookStorage</a:t>
+            </a:r>
+            <a:endParaRPr lang="en-SG" sz="1050" dirty="0">
+              <a:solidFill>
+                <a:schemeClr val="bg1"/>
+              </a:solidFill>
+            </a:endParaRPr>
+          </a:p>
+        </p:txBody>
+      </p:sp>
+      <p:sp>
+        <p:nvSpPr>
+          <p:cNvPr id="4" name="Rectangle 62">
+            <a:extLst>
+              <a:ext uri="{FF2B5EF4-FFF2-40B4-BE49-F238E27FC236}">
+                <a16:creationId xmlns:a16="http://schemas.microsoft.com/office/drawing/2014/main" id="{1002776D-C406-4D65-9070-D156256D3642}"/>
+              </a:ext>
+            </a:extLst>
+          </p:cNvPr>
+          <p:cNvSpPr/>
+          <p:nvPr/>
+        </p:nvSpPr>
+        <p:spPr>
+          <a:xfrm rot="16200000">
+            <a:off x="1097498" y="2839705"/>
+            <a:ext cx="1093635" cy="346760"/>
+          </a:xfrm>
+          <a:prstGeom prst="rect">
+            <a:avLst/>
+          </a:prstGeom>
+          <a:solidFill>
+            <a:schemeClr val="accent6">
+              <a:lumMod val="75000"/>
+            </a:schemeClr>
+          </a:solidFill>
+          <a:ln w="19050">
+            <a:solidFill>
+              <a:schemeClr val="accent6">
+                <a:lumMod val="75000"/>
+              </a:schemeClr>
+            </a:solidFill>
+          </a:ln>
+          <a:effectLst/>
+        </p:spPr>
+        <p:style>
+          <a:lnRef idx="1">
+            <a:schemeClr val="accent2"/>
+          </a:lnRef>
+          <a:fillRef idx="2">
+            <a:schemeClr val="accent2"/>
+          </a:fillRef>
+          <a:effectRef idx="1">
+            <a:schemeClr val="accent2"/>
+          </a:effectRef>
+          <a:fontRef idx="minor">
+            <a:schemeClr val="dk1"/>
+          </a:fontRef>
+        </p:style>
+        <p:txBody>
+          <a:bodyPr rtlCol="0" anchor="ctr"/>
+          <a:lstStyle/>
+          <a:p>
+            <a:pPr algn="ctr"/>
+            <a:r>
+              <a:rPr lang="en-US" sz="1050" dirty="0" err="1">
+                <a:solidFill>
+                  <a:schemeClr val="bg1"/>
+                </a:solidFill>
+              </a:rPr>
+              <a:t>StorageManager</a:t>
+            </a:r>
+            <a:endParaRPr lang="en-SG" sz="1050" dirty="0">
+              <a:solidFill>
+                <a:schemeClr val="bg1"/>
+              </a:solidFill>
+            </a:endParaRPr>
+          </a:p>
+        </p:txBody>
+      </p:sp>
+      <p:sp>
+        <p:nvSpPr>
+          <p:cNvPr id="5" name="Rectangle 62">
+            <a:extLst>
+              <a:ext uri="{FF2B5EF4-FFF2-40B4-BE49-F238E27FC236}">
+                <a16:creationId xmlns:a16="http://schemas.microsoft.com/office/drawing/2014/main" id="{27A2C74A-6D4B-427C-80D5-9B1822F8B74A}"/>
+              </a:ext>
+            </a:extLst>
+          </p:cNvPr>
+          <p:cNvSpPr/>
+          <p:nvPr/>
+        </p:nvSpPr>
+        <p:spPr>
+          <a:xfrm rot="16200000">
+            <a:off x="369737" y="2832220"/>
+            <a:ext cx="1093635" cy="346760"/>
+          </a:xfrm>
+          <a:prstGeom prst="rect">
+            <a:avLst/>
+          </a:prstGeom>
+          <a:solidFill>
+            <a:schemeClr val="accent6">
+              <a:lumMod val="75000"/>
+            </a:schemeClr>
+          </a:solidFill>
+          <a:ln w="19050">
+            <a:solidFill>
+              <a:schemeClr val="accent6">
+                <a:lumMod val="75000"/>
+              </a:schemeClr>
+            </a:solidFill>
+          </a:ln>
+          <a:effectLst/>
+        </p:spPr>
+        <p:style>
+          <a:lnRef idx="1">
+            <a:schemeClr val="accent2"/>
+          </a:lnRef>
+          <a:fillRef idx="2">
+            <a:schemeClr val="accent2"/>
+          </a:fillRef>
+          <a:effectRef idx="1">
+            <a:schemeClr val="accent2"/>
+          </a:effectRef>
+          <a:fontRef idx="minor">
+            <a:schemeClr val="dk1"/>
+          </a:fontRef>
+        </p:style>
+        <p:txBody>
+          <a:bodyPr rtlCol="0" anchor="ctr"/>
+          <a:lstStyle/>
+          <a:p>
+            <a:pPr algn="ctr"/>
+            <a:r>
+              <a:rPr lang="en-US" sz="1050" dirty="0">
+                <a:solidFill>
+                  <a:schemeClr val="bg1"/>
+                </a:solidFill>
+              </a:rPr>
+              <a:t>&lt;&lt;interface&gt;&gt;</a:t>
+            </a:r>
+          </a:p>
+          <a:p>
+            <a:pPr algn="ctr"/>
+            <a:r>
+              <a:rPr lang="en-US" sz="1050" dirty="0">
+                <a:solidFill>
+                  <a:schemeClr val="bg1"/>
+                </a:solidFill>
+              </a:rPr>
+              <a:t>Storage</a:t>
+            </a:r>
+            <a:endParaRPr lang="en-SG" sz="1050" dirty="0">
+              <a:solidFill>
+                <a:schemeClr val="bg1"/>
+              </a:solidFill>
+            </a:endParaRPr>
+          </a:p>
+        </p:txBody>
+      </p:sp>
+      <p:sp>
+        <p:nvSpPr>
+          <p:cNvPr id="6" name="Isosceles Triangle 102">
+            <a:extLst>
+              <a:ext uri="{FF2B5EF4-FFF2-40B4-BE49-F238E27FC236}">
+                <a16:creationId xmlns:a16="http://schemas.microsoft.com/office/drawing/2014/main" id="{691EB206-98BA-4B35-8149-10757ED79453}"/>
+              </a:ext>
+            </a:extLst>
+          </p:cNvPr>
+          <p:cNvSpPr/>
+          <p:nvPr/>
+        </p:nvSpPr>
+        <p:spPr>
+          <a:xfrm rot="16200000">
+            <a:off x="1040445" y="2923309"/>
+            <a:ext cx="270504" cy="175523"/>
+          </a:xfrm>
+          <a:prstGeom prst="triangle">
+            <a:avLst/>
+          </a:prstGeom>
+          <a:solidFill>
+            <a:schemeClr val="accent6">
+              <a:lumMod val="75000"/>
+            </a:schemeClr>
+          </a:solidFill>
+          <a:ln w="19050">
+            <a:solidFill>
+              <a:schemeClr val="accent6">
+                <a:lumMod val="75000"/>
+              </a:schemeClr>
+            </a:solidFill>
+          </a:ln>
+          <a:effectLst/>
+        </p:spPr>
+        <p:style>
+          <a:lnRef idx="1">
+            <a:schemeClr val="accent2"/>
+          </a:lnRef>
+          <a:fillRef idx="2">
+            <a:schemeClr val="accent2"/>
+          </a:fillRef>
+          <a:effectRef idx="1">
+            <a:schemeClr val="accent2"/>
+          </a:effectRef>
+          <a:fontRef idx="minor">
+            <a:schemeClr val="dk1"/>
+          </a:fontRef>
+        </p:style>
+        <p:txBody>
+          <a:bodyPr rtlCol="0" anchor="ctr"/>
+          <a:lstStyle/>
+          <a:p>
+            <a:pPr algn="ctr"/>
+            <a:endParaRPr lang="en-SG" sz="1050">
+              <a:solidFill>
+                <a:schemeClr val="bg1"/>
+              </a:solidFill>
+            </a:endParaRPr>
+          </a:p>
+        </p:txBody>
+      </p:sp>
+      <p:cxnSp>
+        <p:nvCxnSpPr>
+          <p:cNvPr id="7" name="Straight Arrow Connector 6">
+            <a:extLst>
+              <a:ext uri="{FF2B5EF4-FFF2-40B4-BE49-F238E27FC236}">
+                <a16:creationId xmlns:a16="http://schemas.microsoft.com/office/drawing/2014/main" id="{127A6C11-EAEB-44B8-BC73-081C72FBCA70}"/>
+              </a:ext>
+            </a:extLst>
+          </p:cNvPr>
+          <p:cNvCxnSpPr>
+            <a:stCxn id="9" idx="3"/>
+            <a:endCxn id="3" idx="1"/>
+          </p:cNvCxnSpPr>
+          <p:nvPr/>
+        </p:nvCxnSpPr>
+        <p:spPr>
+          <a:xfrm>
+            <a:off x="2069905" y="3297554"/>
+            <a:ext cx="220810" cy="5284"/>
+          </a:xfrm>
+          <a:prstGeom prst="straightConnector1">
+            <a:avLst/>
+          </a:prstGeom>
+          <a:ln w="19050">
+            <a:solidFill>
+              <a:schemeClr val="accent6">
+                <a:lumMod val="75000"/>
+              </a:schemeClr>
+            </a:solidFill>
+            <a:headEnd type="none" w="med" len="med"/>
+            <a:tailEnd type="arrow" w="med" len="med"/>
+          </a:ln>
+          <a:effectLst/>
+        </p:spPr>
+        <p:style>
+          <a:lnRef idx="1">
+            <a:schemeClr val="accent2"/>
+          </a:lnRef>
+          <a:fillRef idx="2">
+            <a:schemeClr val="accent2"/>
+          </a:fillRef>
+          <a:effectRef idx="1">
+            <a:schemeClr val="accent2"/>
+          </a:effectRef>
+          <a:fontRef idx="minor">
+            <a:schemeClr val="dk1"/>
+          </a:fontRef>
+        </p:style>
+      </p:cxnSp>
+      <p:cxnSp>
+        <p:nvCxnSpPr>
+          <p:cNvPr id="8" name="Straight Connector 7">
+            <a:extLst>
+              <a:ext uri="{FF2B5EF4-FFF2-40B4-BE49-F238E27FC236}">
+                <a16:creationId xmlns:a16="http://schemas.microsoft.com/office/drawing/2014/main" id="{9182AAD7-45EA-4C1B-965D-A1A076C1049E}"/>
+              </a:ext>
+            </a:extLst>
+          </p:cNvPr>
+          <p:cNvCxnSpPr>
+            <a:stCxn id="6" idx="3"/>
+          </p:cNvCxnSpPr>
+          <p:nvPr/>
+        </p:nvCxnSpPr>
+        <p:spPr>
+          <a:xfrm flipV="1">
+            <a:off x="1263459" y="3011070"/>
+            <a:ext cx="216105" cy="1"/>
+          </a:xfrm>
+          <a:prstGeom prst="line">
+            <a:avLst/>
+          </a:prstGeom>
+          <a:ln w="19050">
+            <a:solidFill>
+              <a:schemeClr val="accent6">
+                <a:lumMod val="75000"/>
+              </a:schemeClr>
+            </a:solidFill>
+            <a:prstDash val="sysDot"/>
+            <a:headEnd type="none" w="med" len="med"/>
+            <a:tailEnd type="none" w="med" len="med"/>
+          </a:ln>
+          <a:effectLst/>
+        </p:spPr>
+        <p:style>
+          <a:lnRef idx="1">
+            <a:schemeClr val="accent2"/>
+          </a:lnRef>
+          <a:fillRef idx="2">
+            <a:schemeClr val="accent2"/>
+          </a:fillRef>
+          <a:effectRef idx="1">
+            <a:schemeClr val="accent2"/>
+          </a:effectRef>
+          <a:fontRef idx="minor">
+            <a:schemeClr val="dk1"/>
+          </a:fontRef>
+        </p:style>
+      </p:cxnSp>
+      <p:sp>
+        <p:nvSpPr>
+          <p:cNvPr id="9" name="Flowchart: Decision 96">
+            <a:extLst>
+              <a:ext uri="{FF2B5EF4-FFF2-40B4-BE49-F238E27FC236}">
+                <a16:creationId xmlns:a16="http://schemas.microsoft.com/office/drawing/2014/main" id="{1D7F843D-52A2-47AB-81EA-596331869288}"/>
+              </a:ext>
+            </a:extLst>
+          </p:cNvPr>
+          <p:cNvSpPr/>
+          <p:nvPr/>
+        </p:nvSpPr>
+        <p:spPr>
+          <a:xfrm>
+            <a:off x="1833857" y="3210864"/>
+            <a:ext cx="236048" cy="173380"/>
+          </a:xfrm>
+          <a:prstGeom prst="flowChartDecision">
+            <a:avLst/>
+          </a:prstGeom>
+          <a:noFill/>
+          <a:ln w="19050">
+            <a:solidFill>
+              <a:schemeClr val="accent6">
+                <a:lumMod val="75000"/>
+              </a:schemeClr>
+            </a:solidFill>
+          </a:ln>
+          <a:effectLst/>
+        </p:spPr>
+        <p:style>
+          <a:lnRef idx="1">
+            <a:schemeClr val="accent2"/>
+          </a:lnRef>
+          <a:fillRef idx="2">
+            <a:schemeClr val="accent2"/>
+          </a:fillRef>
+          <a:effectRef idx="1">
+            <a:schemeClr val="accent2"/>
+          </a:effectRef>
+          <a:fontRef idx="minor">
+            <a:schemeClr val="dk1"/>
+          </a:fontRef>
+        </p:style>
+        <p:txBody>
+          <a:bodyPr rtlCol="0" anchor="ctr"/>
+          <a:lstStyle/>
+          <a:p>
+            <a:pPr algn="ctr"/>
+            <a:endParaRPr lang="en-US" sz="1050">
+              <a:solidFill>
+                <a:schemeClr val="bg1"/>
+              </a:solidFill>
+            </a:endParaRPr>
+          </a:p>
+        </p:txBody>
+      </p:sp>
+      <p:cxnSp>
+        <p:nvCxnSpPr>
+          <p:cNvPr id="10" name="Elbow Connector 63">
+            <a:extLst>
+              <a:ext uri="{FF2B5EF4-FFF2-40B4-BE49-F238E27FC236}">
+                <a16:creationId xmlns:a16="http://schemas.microsoft.com/office/drawing/2014/main" id="{6E806771-1CF0-4B6D-9E2B-58AA7BB6487E}"/>
+              </a:ext>
+            </a:extLst>
+          </p:cNvPr>
+          <p:cNvCxnSpPr>
+            <a:stCxn id="11" idx="3"/>
+            <a:endCxn id="13" idx="1"/>
+          </p:cNvCxnSpPr>
+          <p:nvPr/>
+        </p:nvCxnSpPr>
+        <p:spPr>
+          <a:xfrm flipV="1">
+            <a:off x="3811576" y="3302838"/>
+            <a:ext cx="223324" cy="1"/>
+          </a:xfrm>
+          <a:prstGeom prst="bentConnector3">
+            <a:avLst>
+              <a:gd name="adj1" fmla="val 50000"/>
+            </a:avLst>
+          </a:prstGeom>
+          <a:ln w="19050">
+            <a:solidFill>
+              <a:schemeClr val="accent6">
+                <a:lumMod val="75000"/>
+              </a:schemeClr>
+            </a:solidFill>
+            <a:prstDash val="sysDot"/>
+            <a:headEnd type="none" w="med" len="med"/>
+            <a:tailEnd type="none" w="med" len="med"/>
+          </a:ln>
+          <a:effectLst/>
+        </p:spPr>
+        <p:style>
+          <a:lnRef idx="1">
+            <a:schemeClr val="accent2"/>
+          </a:lnRef>
+          <a:fillRef idx="2">
+            <a:schemeClr val="accent2"/>
+          </a:fillRef>
+          <a:effectRef idx="1">
+            <a:schemeClr val="accent2"/>
+          </a:effectRef>
+          <a:fontRef idx="minor">
+            <a:schemeClr val="dk1"/>
+          </a:fontRef>
+        </p:style>
+      </p:cxnSp>
+      <p:sp>
+        <p:nvSpPr>
+          <p:cNvPr id="11" name="Isosceles Triangle 102">
+            <a:extLst>
+              <a:ext uri="{FF2B5EF4-FFF2-40B4-BE49-F238E27FC236}">
+                <a16:creationId xmlns:a16="http://schemas.microsoft.com/office/drawing/2014/main" id="{8AA2DB66-8B8E-46F8-965E-6B65ACB6423B}"/>
+              </a:ext>
+            </a:extLst>
+          </p:cNvPr>
+          <p:cNvSpPr/>
+          <p:nvPr/>
+        </p:nvSpPr>
+        <p:spPr>
+          <a:xfrm rot="5400000" flipV="1">
+            <a:off x="3588562" y="3215077"/>
+            <a:ext cx="270504" cy="175523"/>
+          </a:xfrm>
+          <a:prstGeom prst="triangle">
+            <a:avLst/>
+          </a:prstGeom>
+          <a:solidFill>
+            <a:schemeClr val="accent6">
+              <a:lumMod val="75000"/>
+            </a:schemeClr>
+          </a:solidFill>
+          <a:ln w="19050">
+            <a:solidFill>
+              <a:schemeClr val="accent6">
+                <a:lumMod val="75000"/>
+              </a:schemeClr>
+            </a:solidFill>
+          </a:ln>
+          <a:effectLst/>
+        </p:spPr>
+        <p:style>
+          <a:lnRef idx="1">
+            <a:schemeClr val="accent2"/>
+          </a:lnRef>
+          <a:fillRef idx="2">
+            <a:schemeClr val="accent2"/>
+          </a:fillRef>
+          <a:effectRef idx="1">
+            <a:schemeClr val="accent2"/>
+          </a:effectRef>
+          <a:fontRef idx="minor">
+            <a:schemeClr val="dk1"/>
+          </a:fontRef>
+        </p:style>
+        <p:txBody>
+          <a:bodyPr rtlCol="0" anchor="ctr"/>
+          <a:lstStyle/>
+          <a:p>
+            <a:pPr algn="ctr"/>
+            <a:endParaRPr lang="en-SG" sz="1050">
+              <a:solidFill>
+                <a:schemeClr val="bg1"/>
+              </a:solidFill>
+            </a:endParaRPr>
+          </a:p>
+        </p:txBody>
+      </p:sp>
+      <p:cxnSp>
+        <p:nvCxnSpPr>
+          <p:cNvPr id="12" name="Elbow Connector 122">
+            <a:extLst>
+              <a:ext uri="{FF2B5EF4-FFF2-40B4-BE49-F238E27FC236}">
+                <a16:creationId xmlns:a16="http://schemas.microsoft.com/office/drawing/2014/main" id="{465AD41D-86B8-4286-A5BA-0EDB2E9AE664}"/>
+              </a:ext>
+            </a:extLst>
+          </p:cNvPr>
+          <p:cNvCxnSpPr>
+            <a:stCxn id="13" idx="3"/>
+            <a:endCxn id="20" idx="1"/>
+          </p:cNvCxnSpPr>
+          <p:nvPr/>
+        </p:nvCxnSpPr>
+        <p:spPr>
+          <a:xfrm>
+            <a:off x="5204735" y="3302838"/>
+            <a:ext cx="228600" cy="1970"/>
+          </a:xfrm>
+          <a:prstGeom prst="bentConnector3">
+            <a:avLst>
+              <a:gd name="adj1" fmla="val 50000"/>
+            </a:avLst>
+          </a:prstGeom>
+          <a:ln w="19050">
+            <a:solidFill>
+              <a:schemeClr val="accent6">
+                <a:lumMod val="75000"/>
+              </a:schemeClr>
+            </a:solidFill>
+            <a:prstDash val="sysDot"/>
+            <a:headEnd type="none" w="med" len="med"/>
+            <a:tailEnd type="arrow" w="med" len="med"/>
+          </a:ln>
+          <a:effectLst/>
+        </p:spPr>
+        <p:style>
+          <a:lnRef idx="1">
+            <a:schemeClr val="accent2"/>
+          </a:lnRef>
+          <a:fillRef idx="2">
+            <a:schemeClr val="accent2"/>
+          </a:fillRef>
+          <a:effectRef idx="1">
+            <a:schemeClr val="accent2"/>
+          </a:effectRef>
+          <a:fontRef idx="minor">
+            <a:schemeClr val="dk1"/>
+          </a:fontRef>
+        </p:style>
+      </p:cxnSp>
+      <p:sp>
+        <p:nvSpPr>
+          <p:cNvPr id="13" name="Rectangle 8">
+            <a:extLst>
+              <a:ext uri="{FF2B5EF4-FFF2-40B4-BE49-F238E27FC236}">
+                <a16:creationId xmlns:a16="http://schemas.microsoft.com/office/drawing/2014/main" id="{62CF4FBA-1A50-4849-8467-D8F6258FF4DC}"/>
+              </a:ext>
+            </a:extLst>
+          </p:cNvPr>
+          <p:cNvSpPr/>
+          <p:nvPr/>
+        </p:nvSpPr>
+        <p:spPr>
+          <a:xfrm>
+            <a:off x="4034900" y="3129458"/>
+            <a:ext cx="1169835" cy="346760"/>
+          </a:xfrm>
+          <a:prstGeom prst="rect">
+            <a:avLst/>
+          </a:prstGeom>
+          <a:ln w="19050"/>
+          <a:effectLst/>
+        </p:spPr>
+        <p:style>
+          <a:lnRef idx="1">
+            <a:schemeClr val="accent6"/>
+          </a:lnRef>
+          <a:fillRef idx="2">
+            <a:schemeClr val="accent6"/>
+          </a:fillRef>
+          <a:effectRef idx="1">
+            <a:schemeClr val="accent6"/>
+          </a:effectRef>
+          <a:fontRef idx="minor">
+            <a:schemeClr val="dk1"/>
+          </a:fontRef>
+        </p:style>
+        <p:txBody>
+          <a:bodyPr rtlCol="0" anchor="ctr"/>
+          <a:lstStyle/>
+          <a:p>
+            <a:pPr algn="ctr"/>
+            <a:r>
+              <a:rPr lang="en-US" sz="1050" b="1" dirty="0" err="1">
+                <a:solidFill>
+                  <a:schemeClr val="accent6">
+                    <a:lumMod val="75000"/>
+                  </a:schemeClr>
+                </a:solidFill>
+              </a:rPr>
+              <a:t>XmlWishBook</a:t>
+            </a:r>
+            <a:br>
+              <a:rPr lang="en-US" sz="1050" b="1" dirty="0">
+                <a:solidFill>
+                  <a:schemeClr val="accent6">
+                    <a:lumMod val="75000"/>
+                  </a:schemeClr>
+                </a:solidFill>
+              </a:rPr>
+            </a:br>
+            <a:r>
+              <a:rPr lang="en-US" sz="1050" b="1" dirty="0">
+                <a:solidFill>
+                  <a:schemeClr val="accent6">
+                    <a:lumMod val="75000"/>
+                  </a:schemeClr>
+                </a:solidFill>
+              </a:rPr>
+              <a:t>Storage</a:t>
+            </a:r>
+            <a:endParaRPr lang="en-SG" sz="1050" b="1" dirty="0">
+              <a:solidFill>
+                <a:schemeClr val="accent6">
+                  <a:lumMod val="75000"/>
+                </a:schemeClr>
+              </a:solidFill>
+            </a:endParaRPr>
+          </a:p>
+        </p:txBody>
+      </p:sp>
+      <p:sp>
+        <p:nvSpPr>
+          <p:cNvPr id="14" name="Rectangle 8">
+            <a:extLst>
+              <a:ext uri="{FF2B5EF4-FFF2-40B4-BE49-F238E27FC236}">
+                <a16:creationId xmlns:a16="http://schemas.microsoft.com/office/drawing/2014/main" id="{3A5E82C0-D044-4375-A6CE-D32927174C6D}"/>
+              </a:ext>
+            </a:extLst>
+          </p:cNvPr>
+          <p:cNvSpPr/>
+          <p:nvPr/>
+        </p:nvSpPr>
+        <p:spPr>
+          <a:xfrm>
+            <a:off x="2287478" y="2529058"/>
+            <a:ext cx="1323049" cy="346760"/>
+          </a:xfrm>
+          <a:prstGeom prst="rect">
+            <a:avLst/>
+          </a:prstGeom>
+          <a:solidFill>
+            <a:schemeClr val="accent6">
+              <a:lumMod val="75000"/>
+            </a:schemeClr>
+          </a:solidFill>
+          <a:ln w="19050">
+            <a:solidFill>
+              <a:schemeClr val="accent6">
+                <a:lumMod val="75000"/>
+              </a:schemeClr>
+            </a:solidFill>
+          </a:ln>
+          <a:effectLst/>
+        </p:spPr>
+        <p:style>
+          <a:lnRef idx="1">
+            <a:schemeClr val="accent2"/>
+          </a:lnRef>
+          <a:fillRef idx="2">
+            <a:schemeClr val="accent2"/>
+          </a:fillRef>
+          <a:effectRef idx="1">
+            <a:schemeClr val="accent2"/>
+          </a:effectRef>
+          <a:fontRef idx="minor">
+            <a:schemeClr val="dk1"/>
+          </a:fontRef>
+        </p:style>
+        <p:txBody>
+          <a:bodyPr rtlCol="0" anchor="ctr"/>
+          <a:lstStyle/>
+          <a:p>
+            <a:pPr algn="ctr"/>
+            <a:r>
+              <a:rPr lang="en-US" sz="1050" dirty="0">
+                <a:solidFill>
+                  <a:schemeClr val="bg1"/>
+                </a:solidFill>
+              </a:rPr>
+              <a:t>&lt;&lt;interface&gt;&gt;</a:t>
+            </a:r>
+            <a:br>
+              <a:rPr lang="en-US" sz="1050" dirty="0">
+                <a:solidFill>
+                  <a:schemeClr val="bg1"/>
+                </a:solidFill>
+              </a:rPr>
+            </a:br>
+            <a:r>
+              <a:rPr lang="en-US" sz="1050" dirty="0" err="1">
+                <a:solidFill>
+                  <a:schemeClr val="bg1"/>
+                </a:solidFill>
+              </a:rPr>
+              <a:t>UserPrefsStorage</a:t>
+            </a:r>
+            <a:endParaRPr lang="en-SG" sz="1050" dirty="0">
+              <a:solidFill>
+                <a:schemeClr val="bg1"/>
+              </a:solidFill>
+            </a:endParaRPr>
+          </a:p>
+        </p:txBody>
+      </p:sp>
+      <p:cxnSp>
+        <p:nvCxnSpPr>
+          <p:cNvPr id="15" name="Straight Arrow Connector 14">
+            <a:extLst>
+              <a:ext uri="{FF2B5EF4-FFF2-40B4-BE49-F238E27FC236}">
+                <a16:creationId xmlns:a16="http://schemas.microsoft.com/office/drawing/2014/main" id="{E76E5B9D-1FD7-4E76-A0B0-64949A99DAB2}"/>
+              </a:ext>
+            </a:extLst>
+          </p:cNvPr>
+          <p:cNvCxnSpPr>
+            <a:stCxn id="16" idx="3"/>
+            <a:endCxn id="14" idx="1"/>
+          </p:cNvCxnSpPr>
+          <p:nvPr/>
+        </p:nvCxnSpPr>
+        <p:spPr>
+          <a:xfrm>
+            <a:off x="2066668" y="2697154"/>
+            <a:ext cx="220810" cy="5284"/>
+          </a:xfrm>
+          <a:prstGeom prst="straightConnector1">
+            <a:avLst/>
+          </a:prstGeom>
+          <a:ln w="19050">
+            <a:solidFill>
+              <a:schemeClr val="accent6">
+                <a:lumMod val="75000"/>
+              </a:schemeClr>
+            </a:solidFill>
+            <a:headEnd type="none" w="med" len="med"/>
+            <a:tailEnd type="arrow" w="med" len="med"/>
+          </a:ln>
+          <a:effectLst/>
+        </p:spPr>
+        <p:style>
+          <a:lnRef idx="1">
+            <a:schemeClr val="accent2"/>
+          </a:lnRef>
+          <a:fillRef idx="2">
+            <a:schemeClr val="accent2"/>
+          </a:fillRef>
+          <a:effectRef idx="1">
+            <a:schemeClr val="accent2"/>
+          </a:effectRef>
+          <a:fontRef idx="minor">
+            <a:schemeClr val="dk1"/>
+          </a:fontRef>
+        </p:style>
+      </p:cxnSp>
+      <p:sp>
+        <p:nvSpPr>
+          <p:cNvPr id="16" name="Flowchart: Decision 96">
+            <a:extLst>
+              <a:ext uri="{FF2B5EF4-FFF2-40B4-BE49-F238E27FC236}">
+                <a16:creationId xmlns:a16="http://schemas.microsoft.com/office/drawing/2014/main" id="{7E0D9B8F-702E-43B2-A7A8-6B65842C1058}"/>
+              </a:ext>
+            </a:extLst>
+          </p:cNvPr>
+          <p:cNvSpPr/>
+          <p:nvPr/>
+        </p:nvSpPr>
+        <p:spPr>
+          <a:xfrm>
+            <a:off x="1830620" y="2610464"/>
+            <a:ext cx="236048" cy="173380"/>
+          </a:xfrm>
+          <a:prstGeom prst="flowChartDecision">
+            <a:avLst/>
+          </a:prstGeom>
+          <a:noFill/>
+          <a:ln w="19050">
+            <a:solidFill>
+              <a:schemeClr val="accent6">
+                <a:lumMod val="75000"/>
+              </a:schemeClr>
+            </a:solidFill>
+          </a:ln>
+          <a:effectLst/>
+        </p:spPr>
+        <p:style>
+          <a:lnRef idx="1">
+            <a:schemeClr val="accent2"/>
+          </a:lnRef>
+          <a:fillRef idx="2">
+            <a:schemeClr val="accent2"/>
+          </a:fillRef>
+          <a:effectRef idx="1">
+            <a:schemeClr val="accent2"/>
+          </a:effectRef>
+          <a:fontRef idx="minor">
+            <a:schemeClr val="dk1"/>
+          </a:fontRef>
+        </p:style>
+        <p:txBody>
+          <a:bodyPr rtlCol="0" anchor="ctr"/>
+          <a:lstStyle/>
+          <a:p>
+            <a:pPr algn="ctr"/>
+            <a:endParaRPr lang="en-US" sz="1050">
+              <a:solidFill>
+                <a:schemeClr val="bg1"/>
+              </a:solidFill>
+            </a:endParaRPr>
+          </a:p>
+        </p:txBody>
+      </p:sp>
+      <p:cxnSp>
+        <p:nvCxnSpPr>
+          <p:cNvPr id="17" name="Elbow Connector 63">
+            <a:extLst>
+              <a:ext uri="{FF2B5EF4-FFF2-40B4-BE49-F238E27FC236}">
+                <a16:creationId xmlns:a16="http://schemas.microsoft.com/office/drawing/2014/main" id="{01336A1B-B925-4718-8E60-0C1E59BB1A4E}"/>
+              </a:ext>
+            </a:extLst>
+          </p:cNvPr>
+          <p:cNvCxnSpPr>
+            <a:stCxn id="18" idx="3"/>
+            <a:endCxn id="19" idx="1"/>
+          </p:cNvCxnSpPr>
+          <p:nvPr/>
+        </p:nvCxnSpPr>
+        <p:spPr>
+          <a:xfrm flipV="1">
+            <a:off x="3808339" y="2702438"/>
+            <a:ext cx="223324" cy="1"/>
+          </a:xfrm>
+          <a:prstGeom prst="bentConnector3">
+            <a:avLst>
+              <a:gd name="adj1" fmla="val 50000"/>
+            </a:avLst>
+          </a:prstGeom>
+          <a:ln w="19050">
+            <a:solidFill>
+              <a:schemeClr val="accent6">
+                <a:lumMod val="75000"/>
+              </a:schemeClr>
+            </a:solidFill>
+            <a:prstDash val="sysDot"/>
+            <a:headEnd type="none" w="med" len="med"/>
+            <a:tailEnd type="none" w="med" len="med"/>
+          </a:ln>
+          <a:effectLst/>
+        </p:spPr>
+        <p:style>
+          <a:lnRef idx="1">
+            <a:schemeClr val="accent2"/>
+          </a:lnRef>
+          <a:fillRef idx="2">
+            <a:schemeClr val="accent2"/>
+          </a:fillRef>
+          <a:effectRef idx="1">
+            <a:schemeClr val="accent2"/>
+          </a:effectRef>
+          <a:fontRef idx="minor">
+            <a:schemeClr val="dk1"/>
+          </a:fontRef>
+        </p:style>
+      </p:cxnSp>
+      <p:sp>
+        <p:nvSpPr>
+          <p:cNvPr id="18" name="Isosceles Triangle 102">
+            <a:extLst>
+              <a:ext uri="{FF2B5EF4-FFF2-40B4-BE49-F238E27FC236}">
+                <a16:creationId xmlns:a16="http://schemas.microsoft.com/office/drawing/2014/main" id="{C80EF177-C646-44F2-92D2-0DA9EEB3EF30}"/>
+              </a:ext>
+            </a:extLst>
+          </p:cNvPr>
+          <p:cNvSpPr/>
+          <p:nvPr/>
+        </p:nvSpPr>
+        <p:spPr>
+          <a:xfrm rot="5400000" flipV="1">
+            <a:off x="3585325" y="2614677"/>
+            <a:ext cx="270504" cy="175523"/>
+          </a:xfrm>
+          <a:prstGeom prst="triangle">
+            <a:avLst/>
+          </a:prstGeom>
+          <a:solidFill>
+            <a:schemeClr val="accent6">
+              <a:lumMod val="75000"/>
+            </a:schemeClr>
+          </a:solidFill>
+          <a:ln w="19050">
+            <a:solidFill>
+              <a:schemeClr val="accent6">
+                <a:lumMod val="75000"/>
+              </a:schemeClr>
+            </a:solidFill>
+          </a:ln>
+          <a:effectLst/>
+        </p:spPr>
+        <p:style>
+          <a:lnRef idx="1">
+            <a:schemeClr val="accent2"/>
+          </a:lnRef>
+          <a:fillRef idx="2">
+            <a:schemeClr val="accent2"/>
+          </a:fillRef>
+          <a:effectRef idx="1">
+            <a:schemeClr val="accent2"/>
+          </a:effectRef>
+          <a:fontRef idx="minor">
+            <a:schemeClr val="dk1"/>
+          </a:fontRef>
+        </p:style>
+        <p:txBody>
+          <a:bodyPr rtlCol="0" anchor="ctr"/>
+          <a:lstStyle/>
+          <a:p>
+            <a:pPr algn="ctr"/>
+            <a:endParaRPr lang="en-SG" sz="1050">
+              <a:solidFill>
+                <a:schemeClr val="bg1"/>
+              </a:solidFill>
+            </a:endParaRPr>
+          </a:p>
+        </p:txBody>
+      </p:sp>
+      <p:sp>
+        <p:nvSpPr>
+          <p:cNvPr id="19" name="Rectangle 8">
+            <a:extLst>
+              <a:ext uri="{FF2B5EF4-FFF2-40B4-BE49-F238E27FC236}">
+                <a16:creationId xmlns:a16="http://schemas.microsoft.com/office/drawing/2014/main" id="{46EC2A9D-3519-40AD-9011-770D3D60ECB5}"/>
+              </a:ext>
+            </a:extLst>
+          </p:cNvPr>
+          <p:cNvSpPr/>
+          <p:nvPr/>
+        </p:nvSpPr>
+        <p:spPr>
+          <a:xfrm>
+            <a:off x="4031663" y="2529058"/>
+            <a:ext cx="1093635" cy="346760"/>
+          </a:xfrm>
+          <a:prstGeom prst="rect">
+            <a:avLst/>
+          </a:prstGeom>
+          <a:solidFill>
+            <a:schemeClr val="accent6">
+              <a:lumMod val="75000"/>
+            </a:schemeClr>
+          </a:solidFill>
+          <a:ln w="19050">
+            <a:solidFill>
+              <a:schemeClr val="accent6">
+                <a:lumMod val="75000"/>
+              </a:schemeClr>
+            </a:solidFill>
+          </a:ln>
+          <a:effectLst/>
+        </p:spPr>
+        <p:style>
+          <a:lnRef idx="1">
+            <a:schemeClr val="accent2"/>
+          </a:lnRef>
+          <a:fillRef idx="2">
+            <a:schemeClr val="accent2"/>
+          </a:fillRef>
+          <a:effectRef idx="1">
+            <a:schemeClr val="accent2"/>
+          </a:effectRef>
+          <a:fontRef idx="minor">
+            <a:schemeClr val="dk1"/>
+          </a:fontRef>
+        </p:style>
+        <p:txBody>
+          <a:bodyPr rtlCol="0" anchor="ctr"/>
+          <a:lstStyle/>
+          <a:p>
+            <a:pPr algn="ctr"/>
+            <a:r>
+              <a:rPr lang="en-US" sz="1050" dirty="0" err="1">
+                <a:solidFill>
+                  <a:schemeClr val="bg1"/>
+                </a:solidFill>
+              </a:rPr>
+              <a:t>JsonUserPrefs</a:t>
+            </a:r>
+            <a:br>
+              <a:rPr lang="en-US" sz="1050" dirty="0">
+                <a:solidFill>
+                  <a:schemeClr val="bg1"/>
+                </a:solidFill>
+              </a:rPr>
+            </a:br>
+            <a:r>
+              <a:rPr lang="en-US" sz="1050" dirty="0">
+                <a:solidFill>
+                  <a:schemeClr val="bg1"/>
+                </a:solidFill>
+              </a:rPr>
+              <a:t>Storage</a:t>
+            </a:r>
+            <a:endParaRPr lang="en-SG" sz="1050" dirty="0">
+              <a:solidFill>
+                <a:schemeClr val="bg1"/>
+              </a:solidFill>
+            </a:endParaRPr>
+          </a:p>
+        </p:txBody>
+      </p:sp>
+      <p:sp>
+        <p:nvSpPr>
+          <p:cNvPr id="20" name="Rectangle 8">
+            <a:extLst>
+              <a:ext uri="{FF2B5EF4-FFF2-40B4-BE49-F238E27FC236}">
+                <a16:creationId xmlns:a16="http://schemas.microsoft.com/office/drawing/2014/main" id="{2BF9B653-5D8E-4DB1-B111-A30B899A1097}"/>
+              </a:ext>
+            </a:extLst>
+          </p:cNvPr>
+          <p:cNvSpPr/>
+          <p:nvPr/>
+        </p:nvSpPr>
+        <p:spPr>
+          <a:xfrm>
+            <a:off x="5433335" y="3131428"/>
+            <a:ext cx="1200707" cy="346760"/>
+          </a:xfrm>
+          <a:prstGeom prst="rect">
+            <a:avLst/>
+          </a:prstGeom>
+          <a:ln w="19050"/>
+          <a:effectLst/>
+        </p:spPr>
+        <p:style>
+          <a:lnRef idx="1">
+            <a:schemeClr val="accent6"/>
+          </a:lnRef>
+          <a:fillRef idx="2">
+            <a:schemeClr val="accent6"/>
+          </a:fillRef>
+          <a:effectRef idx="1">
+            <a:schemeClr val="accent6"/>
+          </a:effectRef>
+          <a:fontRef idx="minor">
+            <a:schemeClr val="dk1"/>
+          </a:fontRef>
+        </p:style>
+        <p:txBody>
+          <a:bodyPr rtlCol="0" anchor="ctr"/>
+          <a:lstStyle/>
+          <a:p>
+            <a:pPr algn="ctr"/>
+            <a:r>
+              <a:rPr lang="en-US" sz="1050" b="1" dirty="0" err="1">
+                <a:solidFill>
+                  <a:schemeClr val="accent6">
+                    <a:lumMod val="75000"/>
+                  </a:schemeClr>
+                </a:solidFill>
+              </a:rPr>
+              <a:t>XmlSerializable</a:t>
+            </a:r>
+            <a:br>
+              <a:rPr lang="en-US" sz="1050" b="1" dirty="0">
+                <a:solidFill>
+                  <a:schemeClr val="accent6">
+                    <a:lumMod val="75000"/>
+                  </a:schemeClr>
+                </a:solidFill>
+              </a:rPr>
+            </a:br>
+            <a:r>
+              <a:rPr lang="en-US" sz="1050" b="1" dirty="0" err="1">
+                <a:solidFill>
+                  <a:schemeClr val="accent6">
+                    <a:lumMod val="75000"/>
+                  </a:schemeClr>
+                </a:solidFill>
+              </a:rPr>
+              <a:t>WishBook</a:t>
+            </a:r>
+            <a:endParaRPr lang="en-SG" sz="1050" b="1" dirty="0">
+              <a:solidFill>
+                <a:schemeClr val="accent6">
+                  <a:lumMod val="75000"/>
+                </a:schemeClr>
+              </a:solidFill>
+            </a:endParaRPr>
+          </a:p>
+        </p:txBody>
+      </p:sp>
+      <p:cxnSp>
+        <p:nvCxnSpPr>
+          <p:cNvPr id="21" name="Elbow Connector 122">
+            <a:extLst>
+              <a:ext uri="{FF2B5EF4-FFF2-40B4-BE49-F238E27FC236}">
+                <a16:creationId xmlns:a16="http://schemas.microsoft.com/office/drawing/2014/main" id="{82B96457-F6EB-429E-A66E-1FFC0BF47319}"/>
+              </a:ext>
+            </a:extLst>
+          </p:cNvPr>
+          <p:cNvCxnSpPr>
+            <a:cxnSpLocks/>
+          </p:cNvCxnSpPr>
+          <p:nvPr/>
+        </p:nvCxnSpPr>
+        <p:spPr>
+          <a:xfrm rot="16200000" flipV="1">
+            <a:off x="6403673" y="2791139"/>
+            <a:ext cx="688499" cy="517635"/>
+          </a:xfrm>
+          <a:prstGeom prst="bentConnector3">
+            <a:avLst>
+              <a:gd name="adj1" fmla="val 50000"/>
+            </a:avLst>
+          </a:prstGeom>
+          <a:ln w="19050">
+            <a:prstDash val="sysDot"/>
+            <a:headEnd type="none" w="med" len="med"/>
+            <a:tailEnd type="arrow" w="med" len="med"/>
+          </a:ln>
+          <a:effectLst/>
+        </p:spPr>
+        <p:style>
+          <a:lnRef idx="1">
+            <a:schemeClr val="accent6"/>
+          </a:lnRef>
+          <a:fillRef idx="2">
+            <a:schemeClr val="accent6"/>
+          </a:fillRef>
+          <a:effectRef idx="1">
+            <a:schemeClr val="accent6"/>
+          </a:effectRef>
+          <a:fontRef idx="minor">
+            <a:schemeClr val="dk1"/>
+          </a:fontRef>
+        </p:style>
+      </p:cxnSp>
+      <p:sp>
+        <p:nvSpPr>
+          <p:cNvPr id="22" name="Rectangle 8">
+            <a:extLst>
+              <a:ext uri="{FF2B5EF4-FFF2-40B4-BE49-F238E27FC236}">
+                <a16:creationId xmlns:a16="http://schemas.microsoft.com/office/drawing/2014/main" id="{62C1A090-A787-4E0C-9AEB-2A20CC32546E}"/>
+              </a:ext>
+            </a:extLst>
+          </p:cNvPr>
+          <p:cNvSpPr/>
+          <p:nvPr/>
+        </p:nvSpPr>
+        <p:spPr>
+          <a:xfrm>
+            <a:off x="7201446" y="2617603"/>
+            <a:ext cx="1259718" cy="346760"/>
+          </a:xfrm>
+          <a:prstGeom prst="rect">
+            <a:avLst/>
+          </a:prstGeom>
+          <a:ln w="19050"/>
+          <a:effectLst/>
+        </p:spPr>
+        <p:style>
+          <a:lnRef idx="1">
+            <a:schemeClr val="accent6"/>
+          </a:lnRef>
+          <a:fillRef idx="2">
+            <a:schemeClr val="accent6"/>
+          </a:fillRef>
+          <a:effectRef idx="1">
+            <a:schemeClr val="accent6"/>
+          </a:effectRef>
+          <a:fontRef idx="minor">
+            <a:schemeClr val="dk1"/>
+          </a:fontRef>
+        </p:style>
+        <p:txBody>
+          <a:bodyPr rtlCol="0" anchor="ctr"/>
+          <a:lstStyle/>
+          <a:p>
+            <a:pPr algn="ctr"/>
+            <a:r>
+              <a:rPr lang="en-US" sz="1050" b="1" dirty="0" err="1">
+                <a:solidFill>
+                  <a:schemeClr val="accent6">
+                    <a:lumMod val="75000"/>
+                  </a:schemeClr>
+                </a:solidFill>
+              </a:rPr>
+              <a:t>XmlAdaptedTag</a:t>
+            </a:r>
+            <a:endParaRPr lang="en-SG" sz="1050" b="1" dirty="0">
+              <a:solidFill>
+                <a:schemeClr val="accent6">
+                  <a:lumMod val="75000"/>
+                </a:schemeClr>
+              </a:solidFill>
+            </a:endParaRPr>
+          </a:p>
+        </p:txBody>
+      </p:sp>
+      <p:sp>
+        <p:nvSpPr>
+          <p:cNvPr id="23" name="Rectangle 8">
+            <a:extLst>
+              <a:ext uri="{FF2B5EF4-FFF2-40B4-BE49-F238E27FC236}">
+                <a16:creationId xmlns:a16="http://schemas.microsoft.com/office/drawing/2014/main" id="{C0B60E26-3562-4E03-90C9-6887F932421D}"/>
+              </a:ext>
+            </a:extLst>
+          </p:cNvPr>
+          <p:cNvSpPr/>
+          <p:nvPr/>
+        </p:nvSpPr>
+        <p:spPr>
+          <a:xfrm>
+            <a:off x="7006738" y="3220825"/>
+            <a:ext cx="1259718" cy="346760"/>
+          </a:xfrm>
+          <a:prstGeom prst="rect">
+            <a:avLst/>
+          </a:prstGeom>
+          <a:ln w="19050"/>
+          <a:effectLst/>
+        </p:spPr>
+        <p:style>
+          <a:lnRef idx="1">
+            <a:schemeClr val="accent6"/>
+          </a:lnRef>
+          <a:fillRef idx="2">
+            <a:schemeClr val="accent6"/>
+          </a:fillRef>
+          <a:effectRef idx="1">
+            <a:schemeClr val="accent6"/>
+          </a:effectRef>
+          <a:fontRef idx="minor">
+            <a:schemeClr val="dk1"/>
+          </a:fontRef>
+        </p:style>
+        <p:txBody>
+          <a:bodyPr rtlCol="0" anchor="ctr"/>
+          <a:lstStyle/>
+          <a:p>
+            <a:pPr algn="ctr"/>
+            <a:r>
+              <a:rPr lang="en-US" sz="1050" b="1" dirty="0" err="1">
+                <a:solidFill>
+                  <a:schemeClr val="accent6">
+                    <a:lumMod val="75000"/>
+                  </a:schemeClr>
+                </a:solidFill>
+              </a:rPr>
+              <a:t>XmlAdaptedWish</a:t>
+            </a:r>
+            <a:endParaRPr lang="en-SG" sz="1050" b="1" dirty="0">
+              <a:solidFill>
+                <a:schemeClr val="accent6">
+                  <a:lumMod val="75000"/>
+                </a:schemeClr>
+              </a:solidFill>
+            </a:endParaRPr>
+          </a:p>
+        </p:txBody>
+      </p:sp>
+      <p:cxnSp>
+        <p:nvCxnSpPr>
+          <p:cNvPr id="24" name="Elbow Connector 122">
+            <a:extLst>
+              <a:ext uri="{FF2B5EF4-FFF2-40B4-BE49-F238E27FC236}">
+                <a16:creationId xmlns:a16="http://schemas.microsoft.com/office/drawing/2014/main" id="{19F52AF7-A3FC-4088-A08B-9E056AF52332}"/>
+              </a:ext>
+            </a:extLst>
+          </p:cNvPr>
+          <p:cNvCxnSpPr>
+            <a:stCxn id="20" idx="3"/>
+            <a:endCxn id="23" idx="1"/>
+          </p:cNvCxnSpPr>
+          <p:nvPr/>
+        </p:nvCxnSpPr>
+        <p:spPr>
+          <a:xfrm>
+            <a:off x="6634042" y="3304808"/>
+            <a:ext cx="372696" cy="89397"/>
+          </a:xfrm>
+          <a:prstGeom prst="bentConnector3">
+            <a:avLst>
+              <a:gd name="adj1" fmla="val 50000"/>
+            </a:avLst>
+          </a:prstGeom>
+          <a:ln w="19050">
+            <a:prstDash val="sysDot"/>
+            <a:headEnd type="none" w="med" len="med"/>
+            <a:tailEnd type="arrow" w="med" len="med"/>
+          </a:ln>
+          <a:effectLst/>
+        </p:spPr>
+        <p:style>
+          <a:lnRef idx="1">
+            <a:schemeClr val="accent6"/>
+          </a:lnRef>
+          <a:fillRef idx="2">
+            <a:schemeClr val="accent6"/>
+          </a:fillRef>
+          <a:effectRef idx="1">
+            <a:schemeClr val="accent6"/>
+          </a:effectRef>
+          <a:fontRef idx="minor">
+            <a:schemeClr val="dk1"/>
+          </a:fontRef>
+        </p:style>
+      </p:cxnSp>
+      <p:sp>
+        <p:nvSpPr>
+          <p:cNvPr id="27" name="Rectangle 8">
+            <a:extLst>
+              <a:ext uri="{FF2B5EF4-FFF2-40B4-BE49-F238E27FC236}">
+                <a16:creationId xmlns:a16="http://schemas.microsoft.com/office/drawing/2014/main" id="{F9264B93-5D5A-432B-A0A1-3988EAE2F085}"/>
+              </a:ext>
+            </a:extLst>
+          </p:cNvPr>
+          <p:cNvSpPr/>
+          <p:nvPr/>
+        </p:nvSpPr>
+        <p:spPr>
+          <a:xfrm>
+            <a:off x="6485017" y="3796045"/>
+            <a:ext cx="1870406" cy="283620"/>
+          </a:xfrm>
+          <a:prstGeom prst="rect">
+            <a:avLst/>
+          </a:prstGeom>
+          <a:ln w="19050"/>
+          <a:effectLst/>
+        </p:spPr>
+        <p:style>
+          <a:lnRef idx="1">
+            <a:schemeClr val="accent6"/>
+          </a:lnRef>
+          <a:fillRef idx="2">
+            <a:schemeClr val="accent6"/>
+          </a:fillRef>
+          <a:effectRef idx="1">
+            <a:schemeClr val="accent6"/>
+          </a:effectRef>
+          <a:fontRef idx="minor">
+            <a:schemeClr val="dk1"/>
+          </a:fontRef>
+        </p:style>
+        <p:txBody>
+          <a:bodyPr rtlCol="0" anchor="ctr"/>
+          <a:lstStyle/>
+          <a:p>
+            <a:pPr algn="ctr"/>
+            <a:r>
+              <a:rPr lang="en-US" sz="1050" b="1" dirty="0" err="1">
+                <a:solidFill>
+                  <a:schemeClr val="accent6">
+                    <a:lumMod val="75000"/>
+                  </a:schemeClr>
+                </a:solidFill>
+              </a:rPr>
+              <a:t>XmlAdaptedSavedAmount</a:t>
+            </a:r>
+            <a:endParaRPr lang="en-SG" sz="1050" b="1" dirty="0">
+              <a:solidFill>
+                <a:schemeClr val="accent6">
+                  <a:lumMod val="75000"/>
+                </a:schemeClr>
+              </a:solidFill>
+            </a:endParaRPr>
+          </a:p>
+        </p:txBody>
+      </p:sp>
+      <p:cxnSp>
+        <p:nvCxnSpPr>
+          <p:cNvPr id="39" name="Straight Arrow Connector 38">
+            <a:extLst>
+              <a:ext uri="{FF2B5EF4-FFF2-40B4-BE49-F238E27FC236}">
+                <a16:creationId xmlns:a16="http://schemas.microsoft.com/office/drawing/2014/main" id="{CC785DB7-0510-48F8-8CB4-304825B9C109}"/>
+              </a:ext>
+            </a:extLst>
+          </p:cNvPr>
+          <p:cNvCxnSpPr>
+            <a:cxnSpLocks/>
+            <a:stCxn id="23" idx="2"/>
+          </p:cNvCxnSpPr>
+          <p:nvPr/>
+        </p:nvCxnSpPr>
+        <p:spPr>
+          <a:xfrm flipH="1">
+            <a:off x="7625017" y="3567585"/>
+            <a:ext cx="11580" cy="153754"/>
+          </a:xfrm>
+          <a:prstGeom prst="straightConnector1">
+            <a:avLst/>
+          </a:prstGeom>
+          <a:ln w="9525" cap="flat" cmpd="sng" algn="ctr">
+            <a:solidFill>
+              <a:schemeClr val="accent6"/>
+            </a:solidFill>
+            <a:prstDash val="dash"/>
+            <a:round/>
+            <a:headEnd type="none" w="med" len="med"/>
+            <a:tailEnd type="none" w="med" len="med"/>
+          </a:ln>
+        </p:spPr>
+        <p:style>
+          <a:lnRef idx="0">
+            <a:scrgbClr r="0" g="0" b="0"/>
+          </a:lnRef>
+          <a:fillRef idx="0">
+            <a:scrgbClr r="0" g="0" b="0"/>
+          </a:fillRef>
+          <a:effectRef idx="0">
+            <a:scrgbClr r="0" g="0" b="0"/>
+          </a:effectRef>
+          <a:fontRef idx="minor">
+            <a:schemeClr val="tx1"/>
+          </a:fontRef>
+        </p:style>
+      </p:cxnSp>
+      <mc:AlternateContent xmlns:mc="http://schemas.openxmlformats.org/markup-compatibility/2006" xmlns:p14="http://schemas.microsoft.com/office/powerpoint/2010/main">
+        <mc:Choice Requires="p14">
+          <p:contentPart p14:bwMode="auto" r:id="rId2">
+            <p14:nvContentPartPr>
+              <p14:cNvPr id="40" name="Ink 39">
+                <a:extLst>
+                  <a:ext uri="{FF2B5EF4-FFF2-40B4-BE49-F238E27FC236}">
+                    <a16:creationId xmlns:a16="http://schemas.microsoft.com/office/drawing/2014/main" id="{13C13F15-D893-4D17-9AC9-EE007E49E477}"/>
+                  </a:ext>
+                </a:extLst>
+              </p14:cNvPr>
+              <p14:cNvContentPartPr/>
+              <p14:nvPr/>
+            </p14:nvContentPartPr>
+            <p14:xfrm>
+              <a:off x="7551035" y="3685885"/>
+              <a:ext cx="147960" cy="110160"/>
+            </p14:xfrm>
+          </p:contentPart>
+        </mc:Choice>
+        <mc:Fallback xmlns="">
+          <p:pic>
+            <p:nvPicPr>
+              <p:cNvPr id="40" name="Ink 39">
+                <a:extLst>
+                  <a:ext uri="{FF2B5EF4-FFF2-40B4-BE49-F238E27FC236}">
+                    <a16:creationId xmlns:a16="http://schemas.microsoft.com/office/drawing/2014/main" id="{13C13F15-D893-4D17-9AC9-EE007E49E477}"/>
+                  </a:ext>
+                </a:extLst>
+              </p:cNvPr>
+              <p:cNvPicPr/>
+              <p:nvPr/>
+            </p:nvPicPr>
+            <p:blipFill>
+              <a:blip r:embed="rId3"/>
+              <a:stretch>
+                <a:fillRect/>
+              </a:stretch>
+            </p:blipFill>
+            <p:spPr>
+              <a:xfrm>
+                <a:off x="7544915" y="3679765"/>
+                <a:ext cx="160200" cy="122400"/>
+              </a:xfrm>
+              <a:prstGeom prst="rect">
+                <a:avLst/>
+              </a:prstGeom>
+            </p:spPr>
+          </p:pic>
+        </mc:Fallback>
+      </mc:AlternateContent>
+      <p:sp>
+        <p:nvSpPr>
+          <p:cNvPr id="28" name="Rectangle 8">
+            <a:extLst>
+              <a:ext uri="{FF2B5EF4-FFF2-40B4-BE49-F238E27FC236}">
+                <a16:creationId xmlns:a16="http://schemas.microsoft.com/office/drawing/2014/main" id="{9561671D-E151-445D-8F63-FE06A401298B}"/>
+              </a:ext>
+            </a:extLst>
+          </p:cNvPr>
+          <p:cNvSpPr/>
+          <p:nvPr/>
+        </p:nvSpPr>
+        <p:spPr>
+          <a:xfrm>
+            <a:off x="4269532" y="3840930"/>
+            <a:ext cx="1870406" cy="283620"/>
+          </a:xfrm>
+          <a:prstGeom prst="rect">
+            <a:avLst/>
+          </a:prstGeom>
+          <a:ln w="19050"/>
+          <a:effectLst/>
+        </p:spPr>
+        <p:style>
+          <a:lnRef idx="1">
+            <a:schemeClr val="accent6"/>
+          </a:lnRef>
+          <a:fillRef idx="2">
+            <a:schemeClr val="accent6"/>
+          </a:fillRef>
+          <a:effectRef idx="1">
+            <a:schemeClr val="accent6"/>
+          </a:effectRef>
+          <a:fontRef idx="minor">
+            <a:schemeClr val="dk1"/>
+          </a:fontRef>
+        </p:style>
+        <p:txBody>
+          <a:bodyPr rtlCol="0" anchor="ctr"/>
+          <a:lstStyle/>
+          <a:p>
+            <a:pPr algn="ctr"/>
+            <a:r>
+              <a:rPr lang="en-US" sz="1050" b="1" dirty="0" err="1">
+                <a:solidFill>
+                  <a:schemeClr val="accent6">
+                    <a:lumMod val="75000"/>
+                  </a:schemeClr>
+                </a:solidFill>
+              </a:rPr>
+              <a:t>XmlAdaptedCostAmount</a:t>
+            </a:r>
+            <a:endParaRPr lang="en-SG" sz="1050" b="1" dirty="0">
+              <a:solidFill>
+                <a:schemeClr val="accent6">
+                  <a:lumMod val="75000"/>
+                </a:schemeClr>
+              </a:solidFill>
+            </a:endParaRPr>
+          </a:p>
+        </p:txBody>
+      </p:sp>
+      <p:cxnSp>
+        <p:nvCxnSpPr>
+          <p:cNvPr id="26" name="Connector: Elbow 25">
+            <a:extLst>
+              <a:ext uri="{FF2B5EF4-FFF2-40B4-BE49-F238E27FC236}">
+                <a16:creationId xmlns:a16="http://schemas.microsoft.com/office/drawing/2014/main" id="{81594C5B-F1E2-477C-92B2-68709673E1AE}"/>
+              </a:ext>
+            </a:extLst>
+          </p:cNvPr>
+          <p:cNvCxnSpPr>
+            <a:cxnSpLocks/>
+          </p:cNvCxnSpPr>
+          <p:nvPr/>
+        </p:nvCxnSpPr>
+        <p:spPr>
+          <a:xfrm flipV="1">
+            <a:off x="5029200" y="3577173"/>
+            <a:ext cx="2110189" cy="293613"/>
+          </a:xfrm>
+          <a:prstGeom prst="bentConnector3">
+            <a:avLst>
+              <a:gd name="adj1" fmla="val 610"/>
+            </a:avLst>
+          </a:prstGeom>
+          <a:ln w="9525" cap="flat" cmpd="sng" algn="ctr">
+            <a:solidFill>
+              <a:schemeClr val="accent6"/>
+            </a:solidFill>
+            <a:prstDash val="dash"/>
+            <a:round/>
+            <a:headEnd type="none" w="med" len="med"/>
+            <a:tailEnd type="none" w="med" len="med"/>
+          </a:ln>
+        </p:spPr>
+        <p:style>
+          <a:lnRef idx="0">
+            <a:scrgbClr r="0" g="0" b="0"/>
+          </a:lnRef>
+          <a:fillRef idx="0">
+            <a:scrgbClr r="0" g="0" b="0"/>
+          </a:fillRef>
+          <a:effectRef idx="0">
+            <a:scrgbClr r="0" g="0" b="0"/>
+          </a:effectRef>
+          <a:fontRef idx="minor">
+            <a:schemeClr val="tx1"/>
+          </a:fontRef>
+        </p:style>
+      </p:cxnSp>
+      <p:cxnSp>
+        <p:nvCxnSpPr>
+          <p:cNvPr id="36" name="Elbow Connector 122">
+            <a:extLst>
+              <a:ext uri="{FF2B5EF4-FFF2-40B4-BE49-F238E27FC236}">
+                <a16:creationId xmlns:a16="http://schemas.microsoft.com/office/drawing/2014/main" id="{A2F544A5-510D-40DE-9612-20229E0B7C4D}"/>
+              </a:ext>
+            </a:extLst>
+          </p:cNvPr>
+          <p:cNvCxnSpPr>
+            <a:cxnSpLocks/>
+          </p:cNvCxnSpPr>
+          <p:nvPr/>
+        </p:nvCxnSpPr>
+        <p:spPr>
+          <a:xfrm rot="5400000" flipH="1" flipV="1">
+            <a:off x="7643928" y="3115438"/>
+            <a:ext cx="335208" cy="12700"/>
+          </a:xfrm>
+          <a:prstGeom prst="bentConnector3">
+            <a:avLst>
+              <a:gd name="adj1" fmla="val 50000"/>
+            </a:avLst>
+          </a:prstGeom>
+          <a:ln w="19050">
+            <a:prstDash val="sysDot"/>
+            <a:headEnd type="none" w="med" len="med"/>
+            <a:tailEnd type="arrow" w="med" len="med"/>
+          </a:ln>
+          <a:effectLst/>
+        </p:spPr>
+        <p:style>
+          <a:lnRef idx="1">
+            <a:schemeClr val="accent6"/>
+          </a:lnRef>
+          <a:fillRef idx="2">
+            <a:schemeClr val="accent6"/>
+          </a:fillRef>
+          <a:effectRef idx="1">
+            <a:schemeClr val="accent6"/>
+          </a:effectRef>
+          <a:fontRef idx="minor">
+            <a:schemeClr val="dk1"/>
+          </a:fontRef>
+        </p:style>
+      </p:cxnSp>
+      <mc:AlternateContent xmlns:mc="http://schemas.openxmlformats.org/markup-compatibility/2006" xmlns:p14="http://schemas.microsoft.com/office/powerpoint/2010/main">
+        <mc:Choice Requires="p14">
+          <p:contentPart p14:bwMode="auto" r:id="rId4">
+            <p14:nvContentPartPr>
+              <p14:cNvPr id="41" name="Ink 40">
+                <a:extLst>
+                  <a:ext uri="{FF2B5EF4-FFF2-40B4-BE49-F238E27FC236}">
+                    <a16:creationId xmlns:a16="http://schemas.microsoft.com/office/drawing/2014/main" id="{25A3992B-63AB-4EC4-A136-673E84025D1A}"/>
+                  </a:ext>
+                </a:extLst>
+              </p14:cNvPr>
+              <p14:cNvContentPartPr/>
+              <p14:nvPr/>
+            </p14:nvContentPartPr>
+            <p14:xfrm>
+              <a:off x="4866875" y="3706765"/>
+              <a:ext cx="360" cy="360"/>
+            </p14:xfrm>
+          </p:contentPart>
+        </mc:Choice>
+        <mc:Fallback xmlns="">
+          <p:pic>
+            <p:nvPicPr>
+              <p:cNvPr id="41" name="Ink 40">
+                <a:extLst>
+                  <a:ext uri="{FF2B5EF4-FFF2-40B4-BE49-F238E27FC236}">
+                    <a16:creationId xmlns:a16="http://schemas.microsoft.com/office/drawing/2014/main" id="{25A3992B-63AB-4EC4-A136-673E84025D1A}"/>
+                  </a:ext>
+                </a:extLst>
+              </p:cNvPr>
+              <p:cNvPicPr/>
+              <p:nvPr/>
+            </p:nvPicPr>
+            <p:blipFill>
+              <a:blip r:embed="rId5"/>
+              <a:stretch>
+                <a:fillRect/>
+              </a:stretch>
+            </p:blipFill>
+            <p:spPr>
+              <a:xfrm>
+                <a:off x="4860755" y="3700645"/>
+                <a:ext cx="12600" cy="12600"/>
+              </a:xfrm>
+              <a:prstGeom prst="rect">
+                <a:avLst/>
+              </a:prstGeom>
+            </p:spPr>
+          </p:pic>
+        </mc:Fallback>
+      </mc:AlternateContent>
+      <mc:AlternateContent xmlns:mc="http://schemas.openxmlformats.org/markup-compatibility/2006" xmlns:p14="http://schemas.microsoft.com/office/powerpoint/2010/main">
+        <mc:Choice Requires="p14">
+          <p:contentPart p14:bwMode="auto" r:id="rId6">
+            <p14:nvContentPartPr>
+              <p14:cNvPr id="56" name="Ink 55">
+                <a:extLst>
+                  <a:ext uri="{FF2B5EF4-FFF2-40B4-BE49-F238E27FC236}">
+                    <a16:creationId xmlns:a16="http://schemas.microsoft.com/office/drawing/2014/main" id="{26CC177E-A2C5-496E-A299-450133D870D6}"/>
+                  </a:ext>
+                </a:extLst>
+              </p14:cNvPr>
+              <p14:cNvContentPartPr/>
+              <p14:nvPr/>
+            </p14:nvContentPartPr>
+            <p14:xfrm>
+              <a:off x="4935635" y="3726565"/>
+              <a:ext cx="198000" cy="147600"/>
+            </p14:xfrm>
+          </p:contentPart>
+        </mc:Choice>
+        <mc:Fallback xmlns="">
+          <p:pic>
+            <p:nvPicPr>
+              <p:cNvPr id="56" name="Ink 55">
+                <a:extLst>
+                  <a:ext uri="{FF2B5EF4-FFF2-40B4-BE49-F238E27FC236}">
+                    <a16:creationId xmlns:a16="http://schemas.microsoft.com/office/drawing/2014/main" id="{26CC177E-A2C5-496E-A299-450133D870D6}"/>
+                  </a:ext>
+                </a:extLst>
+              </p:cNvPr>
+              <p:cNvPicPr/>
+              <p:nvPr/>
+            </p:nvPicPr>
+            <p:blipFill>
+              <a:blip r:embed="rId7"/>
+              <a:stretch>
+                <a:fillRect/>
+              </a:stretch>
+            </p:blipFill>
+            <p:spPr>
+              <a:xfrm>
+                <a:off x="4929515" y="3720445"/>
+                <a:ext cx="210240" cy="159840"/>
+              </a:xfrm>
+              <a:prstGeom prst="rect">
+                <a:avLst/>
+              </a:prstGeom>
+            </p:spPr>
+          </p:pic>
+        </mc:Fallback>
+      </mc:AlternateContent>
+      <p:sp>
+        <p:nvSpPr>
+          <p:cNvPr id="62" name="Rectangle 8">
+            <a:extLst>
+              <a:ext uri="{FF2B5EF4-FFF2-40B4-BE49-F238E27FC236}">
+                <a16:creationId xmlns:a16="http://schemas.microsoft.com/office/drawing/2014/main" id="{DB3A1DB6-01EC-47D8-BF4E-3F78F363C68D}"/>
+              </a:ext>
+            </a:extLst>
+          </p:cNvPr>
+          <p:cNvSpPr/>
+          <p:nvPr/>
+        </p:nvSpPr>
+        <p:spPr>
+          <a:xfrm>
+            <a:off x="5731224" y="2357308"/>
+            <a:ext cx="1346108" cy="350592"/>
+          </a:xfrm>
+          <a:prstGeom prst="rect">
+            <a:avLst/>
+          </a:prstGeom>
+          <a:ln w="19050"/>
+          <a:effectLst/>
+        </p:spPr>
+        <p:style>
+          <a:lnRef idx="1">
+            <a:schemeClr val="accent6"/>
+          </a:lnRef>
+          <a:fillRef idx="2">
+            <a:schemeClr val="accent6"/>
+          </a:fillRef>
+          <a:effectRef idx="1">
+            <a:schemeClr val="accent6"/>
+          </a:effectRef>
+          <a:fontRef idx="minor">
+            <a:schemeClr val="dk1"/>
+          </a:fontRef>
+        </p:style>
+        <p:txBody>
+          <a:bodyPr rtlCol="0" anchor="ctr"/>
+          <a:lstStyle/>
+          <a:p>
+            <a:pPr algn="ctr"/>
+            <a:r>
+              <a:rPr lang="en-US" sz="1050" b="1" dirty="0" err="1">
+                <a:solidFill>
+                  <a:schemeClr val="accent6">
+                    <a:lumMod val="75000"/>
+                  </a:schemeClr>
+                </a:solidFill>
+              </a:rPr>
+              <a:t>XmlAdaptedRemark</a:t>
+            </a:r>
+            <a:endParaRPr lang="en-SG" sz="1050" b="1" dirty="0">
+              <a:solidFill>
+                <a:schemeClr val="accent6">
+                  <a:lumMod val="75000"/>
+                </a:schemeClr>
+              </a:solidFill>
+            </a:endParaRPr>
+          </a:p>
+        </p:txBody>
+      </p:sp>
+      <p:sp>
+        <p:nvSpPr>
+          <p:cNvPr id="34" name="Rectangle 8">
+            <a:extLst>
+              <a:ext uri="{FF2B5EF4-FFF2-40B4-BE49-F238E27FC236}">
+                <a16:creationId xmlns:a16="http://schemas.microsoft.com/office/drawing/2014/main" id="{BDE6DCB7-FA25-4282-949A-5EEDA9F99B62}"/>
+              </a:ext>
+            </a:extLst>
+          </p:cNvPr>
+          <p:cNvSpPr/>
+          <p:nvPr/>
+        </p:nvSpPr>
+        <p:spPr>
+          <a:xfrm>
+            <a:off x="5782395" y="4207688"/>
+            <a:ext cx="1346108" cy="350592"/>
+          </a:xfrm>
+          <a:prstGeom prst="rect">
+            <a:avLst/>
+          </a:prstGeom>
+          <a:ln w="19050"/>
+          <a:effectLst/>
+        </p:spPr>
+        <p:style>
+          <a:lnRef idx="1">
+            <a:schemeClr val="accent6"/>
+          </a:lnRef>
+          <a:fillRef idx="2">
+            <a:schemeClr val="accent6"/>
+          </a:fillRef>
+          <a:effectRef idx="1">
+            <a:schemeClr val="accent6"/>
+          </a:effectRef>
+          <a:fontRef idx="minor">
+            <a:schemeClr val="dk1"/>
+          </a:fontRef>
+        </p:style>
+        <p:txBody>
+          <a:bodyPr rtlCol="0" anchor="ctr"/>
+          <a:lstStyle/>
+          <a:p>
+            <a:pPr algn="ctr"/>
+            <a:r>
+              <a:rPr lang="en-US" sz="1050" b="1" dirty="0" err="1">
+                <a:solidFill>
+                  <a:schemeClr val="accent6">
+                    <a:lumMod val="75000"/>
+                  </a:schemeClr>
+                </a:solidFill>
+              </a:rPr>
+              <a:t>XmlAdaptedURL</a:t>
+            </a:r>
+            <a:endParaRPr lang="en-SG" sz="1050" b="1" dirty="0">
+              <a:solidFill>
+                <a:schemeClr val="accent6">
+                  <a:lumMod val="75000"/>
+                </a:schemeClr>
+              </a:solidFill>
+            </a:endParaRPr>
+          </a:p>
+        </p:txBody>
+      </p:sp>
+      <p:cxnSp>
+        <p:nvCxnSpPr>
+          <p:cNvPr id="35" name="Elbow Connector 122">
+            <a:extLst>
+              <a:ext uri="{FF2B5EF4-FFF2-40B4-BE49-F238E27FC236}">
+                <a16:creationId xmlns:a16="http://schemas.microsoft.com/office/drawing/2014/main" id="{6FCE1030-78D5-49A6-AF9B-C3FCBE295FA0}"/>
+              </a:ext>
+            </a:extLst>
+          </p:cNvPr>
+          <p:cNvCxnSpPr>
+            <a:cxnSpLocks/>
+            <a:endCxn id="34" idx="0"/>
+          </p:cNvCxnSpPr>
+          <p:nvPr/>
+        </p:nvCxnSpPr>
+        <p:spPr>
+          <a:xfrm rot="10800000" flipV="1">
+            <a:off x="6455450" y="3577170"/>
+            <a:ext cx="930317" cy="630518"/>
+          </a:xfrm>
+          <a:prstGeom prst="bentConnector2">
+            <a:avLst/>
+          </a:prstGeom>
+          <a:ln w="19050">
+            <a:prstDash val="sysDot"/>
+            <a:headEnd type="none" w="med" len="med"/>
+            <a:tailEnd type="arrow" w="med" len="med"/>
+          </a:ln>
+          <a:effectLst/>
+        </p:spPr>
+        <p:style>
+          <a:lnRef idx="1">
+            <a:schemeClr val="accent6"/>
+          </a:lnRef>
+          <a:fillRef idx="2">
+            <a:schemeClr val="accent6"/>
+          </a:fillRef>
+          <a:effectRef idx="1">
+            <a:schemeClr val="accent6"/>
+          </a:effectRef>
+          <a:fontRef idx="minor">
+            <a:schemeClr val="dk1"/>
+          </a:fontRef>
+        </p:style>
+      </p:cxnSp>
+      <p:cxnSp>
+        <p:nvCxnSpPr>
+          <p:cNvPr id="33" name="Connector: Elbow 32">
+            <a:extLst>
+              <a:ext uri="{FF2B5EF4-FFF2-40B4-BE49-F238E27FC236}">
+                <a16:creationId xmlns:a16="http://schemas.microsoft.com/office/drawing/2014/main" id="{B678C7D8-8C59-48BD-8FE4-1DA6A4CB7DA9}"/>
+              </a:ext>
+            </a:extLst>
+          </p:cNvPr>
+          <p:cNvCxnSpPr>
+            <a:cxnSpLocks/>
+            <a:stCxn id="13" idx="2"/>
+            <a:endCxn id="42" idx="0"/>
+          </p:cNvCxnSpPr>
+          <p:nvPr/>
+        </p:nvCxnSpPr>
+        <p:spPr>
+          <a:xfrm rot="5400000">
+            <a:off x="3714338" y="2930942"/>
+            <a:ext cx="360205" cy="1450757"/>
+          </a:xfrm>
+          <a:prstGeom prst="bentConnector3">
+            <a:avLst>
+              <a:gd name="adj1" fmla="val 50000"/>
+            </a:avLst>
+          </a:prstGeom>
+          <a:ln w="9525" cap="flat" cmpd="sng" algn="ctr">
+            <a:solidFill>
+              <a:schemeClr val="accent6"/>
+            </a:solidFill>
+            <a:prstDash val="dash"/>
+            <a:round/>
+            <a:headEnd type="none" w="med" len="med"/>
+            <a:tailEnd type="none" w="med" len="med"/>
+          </a:ln>
+        </p:spPr>
+        <p:style>
+          <a:lnRef idx="0">
+            <a:scrgbClr r="0" g="0" b="0"/>
+          </a:lnRef>
+          <a:fillRef idx="0">
+            <a:scrgbClr r="0" g="0" b="0"/>
+          </a:fillRef>
+          <a:effectRef idx="0">
+            <a:scrgbClr r="0" g="0" b="0"/>
+          </a:effectRef>
+          <a:fontRef idx="minor">
+            <a:schemeClr val="tx1"/>
+          </a:fontRef>
+        </p:style>
+      </p:cxnSp>
+      <p:sp>
+        <p:nvSpPr>
+          <p:cNvPr id="42" name="Rectangle 8">
+            <a:extLst>
+              <a:ext uri="{FF2B5EF4-FFF2-40B4-BE49-F238E27FC236}">
+                <a16:creationId xmlns:a16="http://schemas.microsoft.com/office/drawing/2014/main" id="{BE411BDB-F8B3-4053-A484-7280EA6CEA17}"/>
+              </a:ext>
+            </a:extLst>
+          </p:cNvPr>
+          <p:cNvSpPr/>
+          <p:nvPr/>
+        </p:nvSpPr>
+        <p:spPr>
+          <a:xfrm>
+            <a:off x="2233858" y="3836423"/>
+            <a:ext cx="1870406" cy="283620"/>
+          </a:xfrm>
+          <a:prstGeom prst="rect">
+            <a:avLst/>
+          </a:prstGeom>
+          <a:ln w="19050"/>
+          <a:effectLst/>
+        </p:spPr>
+        <p:style>
+          <a:lnRef idx="1">
+            <a:schemeClr val="accent6"/>
+          </a:lnRef>
+          <a:fillRef idx="2">
+            <a:schemeClr val="accent6"/>
+          </a:fillRef>
+          <a:effectRef idx="1">
+            <a:schemeClr val="accent6"/>
+          </a:effectRef>
+          <a:fontRef idx="minor">
+            <a:schemeClr val="dk1"/>
+          </a:fontRef>
+        </p:style>
+        <p:txBody>
+          <a:bodyPr rtlCol="0" anchor="ctr"/>
+          <a:lstStyle/>
+          <a:p>
+            <a:pPr algn="ctr"/>
+            <a:r>
+              <a:rPr lang="en-US" sz="1050" b="1" dirty="0" err="1">
+                <a:solidFill>
+                  <a:schemeClr val="accent6">
+                    <a:lumMod val="75000"/>
+                  </a:schemeClr>
+                </a:solidFill>
+              </a:rPr>
+              <a:t>XmlWishTransactions</a:t>
+            </a:r>
+            <a:endParaRPr lang="en-SG" sz="1050" b="1" dirty="0">
+              <a:solidFill>
+                <a:schemeClr val="accent6">
+                  <a:lumMod val="75000"/>
+                </a:schemeClr>
+              </a:solidFill>
+            </a:endParaRPr>
+          </a:p>
+        </p:txBody>
+      </p:sp>
+      <mc:AlternateContent xmlns:mc="http://schemas.openxmlformats.org/markup-compatibility/2006">
+        <mc:Choice xmlns:p14="http://schemas.microsoft.com/office/powerpoint/2010/main" Requires="p14">
+          <p:contentPart p14:bwMode="auto" r:id="rId8">
+            <p14:nvContentPartPr>
+              <p14:cNvPr id="44" name="Ink 43">
+                <a:extLst>
+                  <a:ext uri="{FF2B5EF4-FFF2-40B4-BE49-F238E27FC236}">
+                    <a16:creationId xmlns:a16="http://schemas.microsoft.com/office/drawing/2014/main" id="{97E62B3A-F7B6-4465-B7C9-A6D12BA30A44}"/>
+                  </a:ext>
+                </a:extLst>
+              </p14:cNvPr>
+              <p14:cNvContentPartPr/>
+              <p14:nvPr/>
+            </p14:nvContentPartPr>
+            <p14:xfrm>
+              <a:off x="3124753" y="3713150"/>
+              <a:ext cx="111960" cy="111960"/>
+            </p14:xfrm>
+          </p:contentPart>
+        </mc:Choice>
+        <mc:Fallback>
+          <p:pic>
+            <p:nvPicPr>
+              <p:cNvPr id="44" name="Ink 43">
+                <a:extLst>
+                  <a:ext uri="{FF2B5EF4-FFF2-40B4-BE49-F238E27FC236}">
+                    <a16:creationId xmlns:a16="http://schemas.microsoft.com/office/drawing/2014/main" id="{97E62B3A-F7B6-4465-B7C9-A6D12BA30A44}"/>
+                  </a:ext>
+                </a:extLst>
+              </p:cNvPr>
+              <p:cNvPicPr/>
+              <p:nvPr/>
+            </p:nvPicPr>
+            <p:blipFill>
+              <a:blip r:embed="rId9"/>
+              <a:stretch>
+                <a:fillRect/>
+              </a:stretch>
+            </p:blipFill>
+            <p:spPr>
+              <a:xfrm>
+                <a:off x="3118633" y="3707030"/>
+                <a:ext cx="124200" cy="124200"/>
+              </a:xfrm>
+              <a:prstGeom prst="rect">
+                <a:avLst/>
+              </a:prstGeom>
+            </p:spPr>
+          </p:pic>
+        </mc:Fallback>
+      </mc:AlternateContent>
     </p:spTree>
     <p:extLst>
       <p:ext uri="{BB962C8B-B14F-4D97-AF65-F5344CB8AC3E}">
@@ -4599,24 +6765,4 @@
   <a:objectDefaults/>
   <a:extraClrSchemeLst/>
 </a:theme>
-</file>
-
-<file path=ppt/webextensions/taskpanes.xml><?xml version="1.0" encoding="utf-8"?>
-<wetp:taskpanes xmlns:wetp="http://schemas.microsoft.com/office/webextensions/taskpanes/2010/11">
-  <wetp:taskpane dockstate="right" visibility="0" width="525" row="7">
-    <wetp:webextensionref xmlns:r="http://schemas.openxmlformats.org/officeDocument/2006/relationships" r:id="rId1"/>
-  </wetp:taskpane>
-</wetp:taskpanes>
-</file>
-
-<file path=ppt/webextensions/webextension1.xml><?xml version="1.0" encoding="utf-8"?>
-<we:webextension xmlns:we="http://schemas.microsoft.com/office/webextensions/webextension/2010/11" id="{29ABB7D8-6561-4501-99DC-A880CCC1AA3B}">
-  <we:reference id="wa104381637" version="1.0.0.0" store="en-US" storeType="OMEX"/>
-  <we:alternateReferences>
-    <we:reference id="wa104381637" version="1.0.0.0" store="WA104381637" storeType="OMEX"/>
-  </we:alternateReferences>
-  <we:properties/>
-  <we:bindings/>
-  <we:snapshot xmlns:r="http://schemas.openxmlformats.org/officeDocument/2006/relationships"/>
-</we:webextension>
 </file>
--- a/docs/diagrams/StorageComponentClassDiagram.pptx
+++ b/docs/diagrams/StorageComponentClassDiagram.pptx
@@ -107,6 +107,22 @@
       </a:defRPr>
     </a:lvl9pPr>
   </p:defaultTextStyle>
+  <p:extLst>
+    <p:ext uri="{EFAFB233-063F-42B5-8137-9DF3F51BA10A}">
+      <p15:sldGuideLst xmlns:p15="http://schemas.microsoft.com/office/powerpoint/2012/main">
+        <p15:guide id="1" orient="horz" pos="1488">
+          <p15:clr>
+            <a:srgbClr val="A4A3A4"/>
+          </p15:clr>
+        </p15:guide>
+        <p15:guide id="2" pos="2880">
+          <p15:clr>
+            <a:srgbClr val="A4A3A4"/>
+          </p15:clr>
+        </p15:guide>
+      </p15:sldGuideLst>
+    </p:ext>
+  </p:extLst>
 </p:presentation>
 </file>
 
@@ -192,7 +208,7 @@
           <a:p>
             <a:fld id="{F5CC4B3F-88C1-4FFA-B1B6-F41C21DC6924}" type="datetimeFigureOut">
               <a:rPr lang="en-US" smtClean="0"/>
-              <a:t>10/16/2016</a:t>
+              <a:t>21-Oct-18</a:t>
             </a:fld>
             <a:endParaRPr lang="en-US"/>
           </a:p>
@@ -256,38 +272,37 @@
           <a:p>
             <a:pPr lvl="0"/>
             <a:r>
-              <a:rPr lang="en-US" smtClean="0"/>
+              <a:rPr lang="en-US"/>
               <a:t>Click to edit Master text styles</a:t>
             </a:r>
           </a:p>
           <a:p>
             <a:pPr lvl="1"/>
             <a:r>
-              <a:rPr lang="en-US" smtClean="0"/>
+              <a:rPr lang="en-US"/>
               <a:t>Second level</a:t>
             </a:r>
           </a:p>
           <a:p>
             <a:pPr lvl="2"/>
             <a:r>
-              <a:rPr lang="en-US" smtClean="0"/>
+              <a:rPr lang="en-US"/>
               <a:t>Third level</a:t>
             </a:r>
           </a:p>
           <a:p>
             <a:pPr lvl="3"/>
             <a:r>
-              <a:rPr lang="en-US" smtClean="0"/>
+              <a:rPr lang="en-US"/>
               <a:t>Fourth level</a:t>
             </a:r>
           </a:p>
           <a:p>
             <a:pPr lvl="4"/>
             <a:r>
-              <a:rPr lang="en-US" smtClean="0"/>
+              <a:rPr lang="en-US"/>
               <a:t>Fifth level</a:t>
             </a:r>
-            <a:endParaRPr lang="en-US"/>
           </a:p>
         </p:txBody>
       </p:sp>
@@ -498,10 +513,9 @@
           <a:lstStyle/>
           <a:p>
             <a:r>
-              <a:rPr lang="en-US" smtClean="0"/>
+              <a:rPr lang="en-US"/>
               <a:t>Click to edit Master title style</a:t>
             </a:r>
-            <a:endParaRPr lang="en-US"/>
           </a:p>
         </p:txBody>
       </p:sp>
@@ -617,10 +631,9 @@
           </a:lstStyle>
           <a:p>
             <a:r>
-              <a:rPr lang="en-US" smtClean="0"/>
+              <a:rPr lang="en-US"/>
               <a:t>Click to edit Master subtitle style</a:t>
             </a:r>
-            <a:endParaRPr lang="en-US"/>
           </a:p>
         </p:txBody>
       </p:sp>
@@ -641,7 +654,7 @@
           <a:p>
             <a:fld id="{78C97017-6FC3-485B-9764-EAC9E56C1D49}" type="datetimeFigureOut">
               <a:rPr lang="en-US" smtClean="0"/>
-              <a:t>10/16/2016</a:t>
+              <a:t>21-Oct-18</a:t>
             </a:fld>
             <a:endParaRPr lang="en-US"/>
           </a:p>
@@ -735,10 +748,9 @@
           <a:lstStyle/>
           <a:p>
             <a:r>
-              <a:rPr lang="en-US" smtClean="0"/>
+              <a:rPr lang="en-US"/>
               <a:t>Click to edit Master title style</a:t>
             </a:r>
-            <a:endParaRPr lang="en-US"/>
           </a:p>
         </p:txBody>
       </p:sp>
@@ -759,38 +771,37 @@
           <a:p>
             <a:pPr lvl="0"/>
             <a:r>
-              <a:rPr lang="en-US" smtClean="0"/>
+              <a:rPr lang="en-US"/>
               <a:t>Click to edit Master text styles</a:t>
             </a:r>
           </a:p>
           <a:p>
             <a:pPr lvl="1"/>
             <a:r>
-              <a:rPr lang="en-US" smtClean="0"/>
+              <a:rPr lang="en-US"/>
               <a:t>Second level</a:t>
             </a:r>
           </a:p>
           <a:p>
             <a:pPr lvl="2"/>
             <a:r>
-              <a:rPr lang="en-US" smtClean="0"/>
+              <a:rPr lang="en-US"/>
               <a:t>Third level</a:t>
             </a:r>
           </a:p>
           <a:p>
             <a:pPr lvl="3"/>
             <a:r>
-              <a:rPr lang="en-US" smtClean="0"/>
+              <a:rPr lang="en-US"/>
               <a:t>Fourth level</a:t>
             </a:r>
           </a:p>
           <a:p>
             <a:pPr lvl="4"/>
             <a:r>
-              <a:rPr lang="en-US" smtClean="0"/>
+              <a:rPr lang="en-US"/>
               <a:t>Fifth level</a:t>
             </a:r>
-            <a:endParaRPr lang="en-US"/>
           </a:p>
         </p:txBody>
       </p:sp>
@@ -811,7 +822,7 @@
           <a:p>
             <a:fld id="{78C97017-6FC3-485B-9764-EAC9E56C1D49}" type="datetimeFigureOut">
               <a:rPr lang="en-US" smtClean="0"/>
-              <a:t>10/16/2016</a:t>
+              <a:t>21-Oct-18</a:t>
             </a:fld>
             <a:endParaRPr lang="en-US"/>
           </a:p>
@@ -910,10 +921,9 @@
           <a:lstStyle/>
           <a:p>
             <a:r>
-              <a:rPr lang="en-US" smtClean="0"/>
+              <a:rPr lang="en-US"/>
               <a:t>Click to edit Master title style</a:t>
             </a:r>
-            <a:endParaRPr lang="en-US"/>
           </a:p>
         </p:txBody>
       </p:sp>
@@ -939,38 +949,37 @@
           <a:p>
             <a:pPr lvl="0"/>
             <a:r>
-              <a:rPr lang="en-US" smtClean="0"/>
+              <a:rPr lang="en-US"/>
               <a:t>Click to edit Master text styles</a:t>
             </a:r>
           </a:p>
           <a:p>
             <a:pPr lvl="1"/>
             <a:r>
-              <a:rPr lang="en-US" smtClean="0"/>
+              <a:rPr lang="en-US"/>
               <a:t>Second level</a:t>
             </a:r>
           </a:p>
           <a:p>
             <a:pPr lvl="2"/>
             <a:r>
-              <a:rPr lang="en-US" smtClean="0"/>
+              <a:rPr lang="en-US"/>
               <a:t>Third level</a:t>
             </a:r>
           </a:p>
           <a:p>
             <a:pPr lvl="3"/>
             <a:r>
-              <a:rPr lang="en-US" smtClean="0"/>
+              <a:rPr lang="en-US"/>
               <a:t>Fourth level</a:t>
             </a:r>
           </a:p>
           <a:p>
             <a:pPr lvl="4"/>
             <a:r>
-              <a:rPr lang="en-US" smtClean="0"/>
+              <a:rPr lang="en-US"/>
               <a:t>Fifth level</a:t>
             </a:r>
-            <a:endParaRPr lang="en-US"/>
           </a:p>
         </p:txBody>
       </p:sp>
@@ -991,7 +1000,7 @@
           <a:p>
             <a:fld id="{78C97017-6FC3-485B-9764-EAC9E56C1D49}" type="datetimeFigureOut">
               <a:rPr lang="en-US" smtClean="0"/>
-              <a:t>10/16/2016</a:t>
+              <a:t>21-Oct-18</a:t>
             </a:fld>
             <a:endParaRPr lang="en-US"/>
           </a:p>
@@ -1085,10 +1094,9 @@
           <a:lstStyle/>
           <a:p>
             <a:r>
-              <a:rPr lang="en-US" smtClean="0"/>
+              <a:rPr lang="en-US"/>
               <a:t>Click to edit Master title style</a:t>
             </a:r>
-            <a:endParaRPr lang="en-US"/>
           </a:p>
         </p:txBody>
       </p:sp>
@@ -1109,38 +1117,37 @@
           <a:p>
             <a:pPr lvl="0"/>
             <a:r>
-              <a:rPr lang="en-US" smtClean="0"/>
+              <a:rPr lang="en-US"/>
               <a:t>Click to edit Master text styles</a:t>
             </a:r>
           </a:p>
           <a:p>
             <a:pPr lvl="1"/>
             <a:r>
-              <a:rPr lang="en-US" smtClean="0"/>
+              <a:rPr lang="en-US"/>
               <a:t>Second level</a:t>
             </a:r>
           </a:p>
           <a:p>
             <a:pPr lvl="2"/>
             <a:r>
-              <a:rPr lang="en-US" smtClean="0"/>
+              <a:rPr lang="en-US"/>
               <a:t>Third level</a:t>
             </a:r>
           </a:p>
           <a:p>
             <a:pPr lvl="3"/>
             <a:r>
-              <a:rPr lang="en-US" smtClean="0"/>
+              <a:rPr lang="en-US"/>
               <a:t>Fourth level</a:t>
             </a:r>
           </a:p>
           <a:p>
             <a:pPr lvl="4"/>
             <a:r>
-              <a:rPr lang="en-US" smtClean="0"/>
+              <a:rPr lang="en-US"/>
               <a:t>Fifth level</a:t>
             </a:r>
-            <a:endParaRPr lang="en-US"/>
           </a:p>
         </p:txBody>
       </p:sp>
@@ -1161,7 +1168,7 @@
           <a:p>
             <a:fld id="{78C97017-6FC3-485B-9764-EAC9E56C1D49}" type="datetimeFigureOut">
               <a:rPr lang="en-US" smtClean="0"/>
-              <a:t>10/16/2016</a:t>
+              <a:t>21-Oct-18</a:t>
             </a:fld>
             <a:endParaRPr lang="en-US"/>
           </a:p>
@@ -1264,10 +1271,9 @@
           </a:lstStyle>
           <a:p>
             <a:r>
-              <a:rPr lang="en-US" smtClean="0"/>
+              <a:rPr lang="en-US"/>
               <a:t>Click to edit Master title style</a:t>
             </a:r>
-            <a:endParaRPr lang="en-US"/>
           </a:p>
         </p:txBody>
       </p:sp>
@@ -1384,7 +1390,7 @@
           <a:p>
             <a:pPr lvl="0"/>
             <a:r>
-              <a:rPr lang="en-US" smtClean="0"/>
+              <a:rPr lang="en-US"/>
               <a:t>Click to edit Master text styles</a:t>
             </a:r>
           </a:p>
@@ -1407,7 +1413,7 @@
           <a:p>
             <a:fld id="{78C97017-6FC3-485B-9764-EAC9E56C1D49}" type="datetimeFigureOut">
               <a:rPr lang="en-US" smtClean="0"/>
-              <a:t>10/16/2016</a:t>
+              <a:t>21-Oct-18</a:t>
             </a:fld>
             <a:endParaRPr lang="en-US"/>
           </a:p>
@@ -1501,10 +1507,9 @@
           <a:lstStyle/>
           <a:p>
             <a:r>
-              <a:rPr lang="en-US" smtClean="0"/>
+              <a:rPr lang="en-US"/>
               <a:t>Click to edit Master title style</a:t>
             </a:r>
-            <a:endParaRPr lang="en-US"/>
           </a:p>
         </p:txBody>
       </p:sp>
@@ -1558,38 +1563,37 @@
           <a:p>
             <a:pPr lvl="0"/>
             <a:r>
-              <a:rPr lang="en-US" smtClean="0"/>
+              <a:rPr lang="en-US"/>
               <a:t>Click to edit Master text styles</a:t>
             </a:r>
           </a:p>
           <a:p>
             <a:pPr lvl="1"/>
             <a:r>
-              <a:rPr lang="en-US" smtClean="0"/>
+              <a:rPr lang="en-US"/>
               <a:t>Second level</a:t>
             </a:r>
           </a:p>
           <a:p>
             <a:pPr lvl="2"/>
             <a:r>
-              <a:rPr lang="en-US" smtClean="0"/>
+              <a:rPr lang="en-US"/>
               <a:t>Third level</a:t>
             </a:r>
           </a:p>
           <a:p>
             <a:pPr lvl="3"/>
             <a:r>
-              <a:rPr lang="en-US" smtClean="0"/>
+              <a:rPr lang="en-US"/>
               <a:t>Fourth level</a:t>
             </a:r>
           </a:p>
           <a:p>
             <a:pPr lvl="4"/>
             <a:r>
-              <a:rPr lang="en-US" smtClean="0"/>
+              <a:rPr lang="en-US"/>
               <a:t>Fifth level</a:t>
             </a:r>
-            <a:endParaRPr lang="en-US"/>
           </a:p>
         </p:txBody>
       </p:sp>
@@ -1643,38 +1647,37 @@
           <a:p>
             <a:pPr lvl="0"/>
             <a:r>
-              <a:rPr lang="en-US" smtClean="0"/>
+              <a:rPr lang="en-US"/>
               <a:t>Click to edit Master text styles</a:t>
             </a:r>
           </a:p>
           <a:p>
             <a:pPr lvl="1"/>
             <a:r>
-              <a:rPr lang="en-US" smtClean="0"/>
+              <a:rPr lang="en-US"/>
               <a:t>Second level</a:t>
             </a:r>
           </a:p>
           <a:p>
             <a:pPr lvl="2"/>
             <a:r>
-              <a:rPr lang="en-US" smtClean="0"/>
+              <a:rPr lang="en-US"/>
               <a:t>Third level</a:t>
             </a:r>
           </a:p>
           <a:p>
             <a:pPr lvl="3"/>
             <a:r>
-              <a:rPr lang="en-US" smtClean="0"/>
+              <a:rPr lang="en-US"/>
               <a:t>Fourth level</a:t>
             </a:r>
           </a:p>
           <a:p>
             <a:pPr lvl="4"/>
             <a:r>
-              <a:rPr lang="en-US" smtClean="0"/>
+              <a:rPr lang="en-US"/>
               <a:t>Fifth level</a:t>
             </a:r>
-            <a:endParaRPr lang="en-US"/>
           </a:p>
         </p:txBody>
       </p:sp>
@@ -1695,7 +1698,7 @@
           <a:p>
             <a:fld id="{78C97017-6FC3-485B-9764-EAC9E56C1D49}" type="datetimeFigureOut">
               <a:rPr lang="en-US" smtClean="0"/>
-              <a:t>10/16/2016</a:t>
+              <a:t>21-Oct-18</a:t>
             </a:fld>
             <a:endParaRPr lang="en-US"/>
           </a:p>
@@ -1793,10 +1796,9 @@
           </a:lstStyle>
           <a:p>
             <a:r>
-              <a:rPr lang="en-US" smtClean="0"/>
+              <a:rPr lang="en-US"/>
               <a:t>Click to edit Master title style</a:t>
             </a:r>
-            <a:endParaRPr lang="en-US"/>
           </a:p>
         </p:txBody>
       </p:sp>
@@ -1859,7 +1861,7 @@
           <a:p>
             <a:pPr lvl="0"/>
             <a:r>
-              <a:rPr lang="en-US" smtClean="0"/>
+              <a:rPr lang="en-US"/>
               <a:t>Click to edit Master text styles</a:t>
             </a:r>
           </a:p>
@@ -1915,38 +1917,37 @@
           <a:p>
             <a:pPr lvl="0"/>
             <a:r>
-              <a:rPr lang="en-US" smtClean="0"/>
+              <a:rPr lang="en-US"/>
               <a:t>Click to edit Master text styles</a:t>
             </a:r>
           </a:p>
           <a:p>
             <a:pPr lvl="1"/>
             <a:r>
-              <a:rPr lang="en-US" smtClean="0"/>
+              <a:rPr lang="en-US"/>
               <a:t>Second level</a:t>
             </a:r>
           </a:p>
           <a:p>
             <a:pPr lvl="2"/>
             <a:r>
-              <a:rPr lang="en-US" smtClean="0"/>
+              <a:rPr lang="en-US"/>
               <a:t>Third level</a:t>
             </a:r>
           </a:p>
           <a:p>
             <a:pPr lvl="3"/>
             <a:r>
-              <a:rPr lang="en-US" smtClean="0"/>
+              <a:rPr lang="en-US"/>
               <a:t>Fourth level</a:t>
             </a:r>
           </a:p>
           <a:p>
             <a:pPr lvl="4"/>
             <a:r>
-              <a:rPr lang="en-US" smtClean="0"/>
+              <a:rPr lang="en-US"/>
               <a:t>Fifth level</a:t>
             </a:r>
-            <a:endParaRPr lang="en-US"/>
           </a:p>
         </p:txBody>
       </p:sp>
@@ -2009,7 +2010,7 @@
           <a:p>
             <a:pPr lvl="0"/>
             <a:r>
-              <a:rPr lang="en-US" smtClean="0"/>
+              <a:rPr lang="en-US"/>
               <a:t>Click to edit Master text styles</a:t>
             </a:r>
           </a:p>
@@ -2065,38 +2066,37 @@
           <a:p>
             <a:pPr lvl="0"/>
             <a:r>
-              <a:rPr lang="en-US" smtClean="0"/>
+              <a:rPr lang="en-US"/>
               <a:t>Click to edit Master text styles</a:t>
             </a:r>
           </a:p>
           <a:p>
             <a:pPr lvl="1"/>
             <a:r>
-              <a:rPr lang="en-US" smtClean="0"/>
+              <a:rPr lang="en-US"/>
               <a:t>Second level</a:t>
             </a:r>
           </a:p>
           <a:p>
             <a:pPr lvl="2"/>
             <a:r>
-              <a:rPr lang="en-US" smtClean="0"/>
+              <a:rPr lang="en-US"/>
               <a:t>Third level</a:t>
             </a:r>
           </a:p>
           <a:p>
             <a:pPr lvl="3"/>
             <a:r>
-              <a:rPr lang="en-US" smtClean="0"/>
+              <a:rPr lang="en-US"/>
               <a:t>Fourth level</a:t>
             </a:r>
           </a:p>
           <a:p>
             <a:pPr lvl="4"/>
             <a:r>
-              <a:rPr lang="en-US" smtClean="0"/>
+              <a:rPr lang="en-US"/>
               <a:t>Fifth level</a:t>
             </a:r>
-            <a:endParaRPr lang="en-US"/>
           </a:p>
         </p:txBody>
       </p:sp>
@@ -2117,7 +2117,7 @@
           <a:p>
             <a:fld id="{78C97017-6FC3-485B-9764-EAC9E56C1D49}" type="datetimeFigureOut">
               <a:rPr lang="en-US" smtClean="0"/>
-              <a:t>10/16/2016</a:t>
+              <a:t>21-Oct-18</a:t>
             </a:fld>
             <a:endParaRPr lang="en-US"/>
           </a:p>
@@ -2211,10 +2211,9 @@
           <a:lstStyle/>
           <a:p>
             <a:r>
-              <a:rPr lang="en-US" smtClean="0"/>
+              <a:rPr lang="en-US"/>
               <a:t>Click to edit Master title style</a:t>
             </a:r>
-            <a:endParaRPr lang="en-US"/>
           </a:p>
         </p:txBody>
       </p:sp>
@@ -2235,7 +2234,7 @@
           <a:p>
             <a:fld id="{78C97017-6FC3-485B-9764-EAC9E56C1D49}" type="datetimeFigureOut">
               <a:rPr lang="en-US" smtClean="0"/>
-              <a:t>10/16/2016</a:t>
+              <a:t>21-Oct-18</a:t>
             </a:fld>
             <a:endParaRPr lang="en-US"/>
           </a:p>
@@ -2330,7 +2329,7 @@
           <a:p>
             <a:fld id="{78C97017-6FC3-485B-9764-EAC9E56C1D49}" type="datetimeFigureOut">
               <a:rPr lang="en-US" smtClean="0"/>
-              <a:t>10/16/2016</a:t>
+              <a:t>21-Oct-18</a:t>
             </a:fld>
             <a:endParaRPr lang="en-US"/>
           </a:p>
@@ -2433,10 +2432,9 @@
           </a:lstStyle>
           <a:p>
             <a:r>
-              <a:rPr lang="en-US" smtClean="0"/>
+              <a:rPr lang="en-US"/>
               <a:t>Click to edit Master title style</a:t>
             </a:r>
-            <a:endParaRPr lang="en-US"/>
           </a:p>
         </p:txBody>
       </p:sp>
@@ -2490,38 +2488,37 @@
           <a:p>
             <a:pPr lvl="0"/>
             <a:r>
-              <a:rPr lang="en-US" smtClean="0"/>
+              <a:rPr lang="en-US"/>
               <a:t>Click to edit Master text styles</a:t>
             </a:r>
           </a:p>
           <a:p>
             <a:pPr lvl="1"/>
             <a:r>
-              <a:rPr lang="en-US" smtClean="0"/>
+              <a:rPr lang="en-US"/>
               <a:t>Second level</a:t>
             </a:r>
           </a:p>
           <a:p>
             <a:pPr lvl="2"/>
             <a:r>
-              <a:rPr lang="en-US" smtClean="0"/>
+              <a:rPr lang="en-US"/>
               <a:t>Third level</a:t>
             </a:r>
           </a:p>
           <a:p>
             <a:pPr lvl="3"/>
             <a:r>
-              <a:rPr lang="en-US" smtClean="0"/>
+              <a:rPr lang="en-US"/>
               <a:t>Fourth level</a:t>
             </a:r>
           </a:p>
           <a:p>
             <a:pPr lvl="4"/>
             <a:r>
-              <a:rPr lang="en-US" smtClean="0"/>
+              <a:rPr lang="en-US"/>
               <a:t>Fifth level</a:t>
             </a:r>
-            <a:endParaRPr lang="en-US"/>
           </a:p>
         </p:txBody>
       </p:sp>
@@ -2584,7 +2581,7 @@
           <a:p>
             <a:pPr lvl="0"/>
             <a:r>
-              <a:rPr lang="en-US" smtClean="0"/>
+              <a:rPr lang="en-US"/>
               <a:t>Click to edit Master text styles</a:t>
             </a:r>
           </a:p>
@@ -2607,7 +2604,7 @@
           <a:p>
             <a:fld id="{78C97017-6FC3-485B-9764-EAC9E56C1D49}" type="datetimeFigureOut">
               <a:rPr lang="en-US" smtClean="0"/>
-              <a:t>10/16/2016</a:t>
+              <a:t>21-Oct-18</a:t>
             </a:fld>
             <a:endParaRPr lang="en-US"/>
           </a:p>
@@ -2710,10 +2707,9 @@
           </a:lstStyle>
           <a:p>
             <a:r>
-              <a:rPr lang="en-US" smtClean="0"/>
+              <a:rPr lang="en-US"/>
               <a:t>Click to edit Master title style</a:t>
             </a:r>
-            <a:endParaRPr lang="en-US"/>
           </a:p>
         </p:txBody>
       </p:sp>
@@ -2837,7 +2833,7 @@
           <a:p>
             <a:pPr lvl="0"/>
             <a:r>
-              <a:rPr lang="en-US" smtClean="0"/>
+              <a:rPr lang="en-US"/>
               <a:t>Click to edit Master text styles</a:t>
             </a:r>
           </a:p>
@@ -2860,7 +2856,7 @@
           <a:p>
             <a:fld id="{78C97017-6FC3-485B-9764-EAC9E56C1D49}" type="datetimeFigureOut">
               <a:rPr lang="en-US" smtClean="0"/>
-              <a:t>10/16/2016</a:t>
+              <a:t>21-Oct-18</a:t>
             </a:fld>
             <a:endParaRPr lang="en-US"/>
           </a:p>
@@ -2969,10 +2965,9 @@
           <a:lstStyle/>
           <a:p>
             <a:r>
-              <a:rPr lang="en-US" smtClean="0"/>
+              <a:rPr lang="en-US"/>
               <a:t>Click to edit Master title style</a:t>
             </a:r>
-            <a:endParaRPr lang="en-US"/>
           </a:p>
         </p:txBody>
       </p:sp>
@@ -3003,38 +2998,37 @@
           <a:p>
             <a:pPr lvl="0"/>
             <a:r>
-              <a:rPr lang="en-US" smtClean="0"/>
+              <a:rPr lang="en-US"/>
               <a:t>Click to edit Master text styles</a:t>
             </a:r>
           </a:p>
           <a:p>
             <a:pPr lvl="1"/>
             <a:r>
-              <a:rPr lang="en-US" smtClean="0"/>
+              <a:rPr lang="en-US"/>
               <a:t>Second level</a:t>
             </a:r>
           </a:p>
           <a:p>
             <a:pPr lvl="2"/>
             <a:r>
-              <a:rPr lang="en-US" smtClean="0"/>
+              <a:rPr lang="en-US"/>
               <a:t>Third level</a:t>
             </a:r>
           </a:p>
           <a:p>
             <a:pPr lvl="3"/>
             <a:r>
-              <a:rPr lang="en-US" smtClean="0"/>
+              <a:rPr lang="en-US"/>
               <a:t>Fourth level</a:t>
             </a:r>
           </a:p>
           <a:p>
             <a:pPr lvl="4"/>
             <a:r>
-              <a:rPr lang="en-US" smtClean="0"/>
+              <a:rPr lang="en-US"/>
               <a:t>Fifth level</a:t>
             </a:r>
-            <a:endParaRPr lang="en-US"/>
           </a:p>
         </p:txBody>
       </p:sp>
@@ -3073,7 +3067,7 @@
           <a:p>
             <a:fld id="{78C97017-6FC3-485B-9764-EAC9E56C1D49}" type="datetimeFigureOut">
               <a:rPr lang="en-US" smtClean="0"/>
-              <a:t>10/16/2016</a:t>
+              <a:t>21-Oct-18</a:t>
             </a:fld>
             <a:endParaRPr lang="en-US"/>
           </a:p>
@@ -3456,8 +3450,8 @@
         </p:nvSpPr>
         <p:spPr>
           <a:xfrm>
-            <a:off x="1119865" y="2086382"/>
-            <a:ext cx="7871735" cy="1723618"/>
+            <a:off x="152400" y="1828800"/>
+            <a:ext cx="9648713" cy="3646160"/>
           </a:xfrm>
           <a:prstGeom prst="roundRect">
             <a:avLst>
@@ -3494,7 +3488,7 @@
           <a:lstStyle/>
           <a:p>
             <a:r>
-              <a:rPr lang="en-US" sz="1200" b="1" dirty="0" smtClean="0">
+              <a:rPr lang="en-US" sz="1200" b="1" dirty="0">
                 <a:solidFill>
                   <a:schemeClr val="accent6">
                     <a:lumMod val="75000"/>
@@ -3521,7 +3515,7 @@
         </p:nvSpPr>
         <p:spPr>
           <a:xfrm>
-            <a:off x="2877180" y="3158440"/>
+            <a:off x="1909716" y="2900858"/>
             <a:ext cx="1323049" cy="346760"/>
           </a:xfrm>
           <a:prstGeom prst="rect">
@@ -3561,7 +3555,7 @@
           <a:p>
             <a:pPr algn="ctr"/>
             <a:r>
-              <a:rPr lang="en-US" sz="1050" dirty="0" smtClean="0">
+              <a:rPr lang="en-US" sz="1050" dirty="0">
                 <a:solidFill>
                   <a:schemeClr val="bg1"/>
                 </a:solidFill>
@@ -3569,14 +3563,14 @@
               <a:t>&lt;&lt;interface&gt;&gt;</a:t>
             </a:r>
             <a:br>
-              <a:rPr lang="en-US" sz="1050" dirty="0" smtClean="0">
+              <a:rPr lang="en-US" sz="1050" dirty="0">
                 <a:solidFill>
                   <a:schemeClr val="bg1"/>
                 </a:solidFill>
               </a:rPr>
             </a:br>
             <a:r>
-              <a:rPr lang="en-US" sz="1050" dirty="0" err="1" smtClean="0">
+              <a:rPr lang="en-US" sz="1050" dirty="0" err="1">
                 <a:solidFill>
                   <a:schemeClr val="bg1"/>
                 </a:solidFill>
@@ -3599,7 +3593,7 @@
         </p:nvSpPr>
         <p:spPr>
           <a:xfrm rot="16200000">
-            <a:off x="1683963" y="2868687"/>
+            <a:off x="716499" y="2611105"/>
             <a:ext cx="1093635" cy="346760"/>
           </a:xfrm>
           <a:prstGeom prst="rect">
@@ -3639,7 +3633,7 @@
           <a:p>
             <a:pPr algn="ctr"/>
             <a:r>
-              <a:rPr lang="en-US" sz="1050" dirty="0" err="1" smtClean="0">
+              <a:rPr lang="en-US" sz="1050" dirty="0" err="1">
                 <a:solidFill>
                   <a:schemeClr val="bg1"/>
                 </a:solidFill>
@@ -3662,7 +3656,7 @@
         </p:nvSpPr>
         <p:spPr>
           <a:xfrm rot="16200000">
-            <a:off x="956202" y="2861202"/>
+            <a:off x="-11262" y="2603620"/>
             <a:ext cx="1093635" cy="346760"/>
           </a:xfrm>
           <a:prstGeom prst="rect">
@@ -3713,7 +3707,7 @@
           <a:p>
             <a:pPr algn="ctr"/>
             <a:r>
-              <a:rPr lang="en-US" sz="1050" dirty="0" smtClean="0">
+              <a:rPr lang="en-US" sz="1050" dirty="0">
                 <a:solidFill>
                   <a:schemeClr val="bg1"/>
                 </a:solidFill>
@@ -3736,7 +3730,7 @@
         </p:nvSpPr>
         <p:spPr>
           <a:xfrm rot="16200000">
-            <a:off x="1626910" y="2952291"/>
+            <a:off x="659446" y="2694709"/>
             <a:ext cx="270504" cy="175523"/>
           </a:xfrm>
           <a:prstGeom prst="triangle">
@@ -3794,7 +3788,7 @@
         </p:nvCxnSpPr>
         <p:spPr>
           <a:xfrm>
-            <a:off x="2656370" y="3326536"/>
+            <a:off x="1688906" y="3068954"/>
             <a:ext cx="220810" cy="5284"/>
           </a:xfrm>
           <a:prstGeom prst="straightConnector1">
@@ -3834,7 +3828,7 @@
         </p:nvCxnSpPr>
         <p:spPr>
           <a:xfrm>
-            <a:off x="910091" y="3040053"/>
+            <a:off x="-57373" y="2782471"/>
             <a:ext cx="419548" cy="2860"/>
           </a:xfrm>
           <a:prstGeom prst="bentConnector3">
@@ -3879,7 +3873,7 @@
         </p:nvCxnSpPr>
         <p:spPr>
           <a:xfrm flipV="1">
-            <a:off x="1849924" y="3040052"/>
+            <a:off x="882460" y="2782470"/>
             <a:ext cx="216105" cy="1"/>
           </a:xfrm>
           <a:prstGeom prst="line">
@@ -3920,7 +3914,7 @@
         </p:nvSpPr>
         <p:spPr>
           <a:xfrm>
-            <a:off x="2420322" y="3239846"/>
+            <a:off x="1452858" y="2982264"/>
             <a:ext cx="236048" cy="173380"/>
           </a:xfrm>
           <a:prstGeom prst="flowChartDecision">
@@ -3974,7 +3968,7 @@
         </p:nvCxnSpPr>
         <p:spPr>
           <a:xfrm flipV="1">
-            <a:off x="4398041" y="3331820"/>
+            <a:off x="3430577" y="3074238"/>
             <a:ext cx="223324" cy="1"/>
           </a:xfrm>
           <a:prstGeom prst="bentConnector3">
@@ -4017,7 +4011,7 @@
         </p:nvSpPr>
         <p:spPr>
           <a:xfrm rot="5400000" flipV="1">
-            <a:off x="4175027" y="3244059"/>
+            <a:off x="3207563" y="2986477"/>
             <a:ext cx="270504" cy="175523"/>
           </a:xfrm>
           <a:prstGeom prst="triangle">
@@ -4075,7 +4069,7 @@
         </p:nvCxnSpPr>
         <p:spPr>
           <a:xfrm>
-            <a:off x="5791200" y="3331820"/>
+            <a:off x="4823736" y="3074238"/>
             <a:ext cx="228600" cy="1970"/>
           </a:xfrm>
           <a:prstGeom prst="bentConnector3">
@@ -4118,7 +4112,7 @@
         </p:nvSpPr>
         <p:spPr>
           <a:xfrm>
-            <a:off x="4621365" y="3158440"/>
+            <a:off x="3653901" y="2900858"/>
             <a:ext cx="1169835" cy="346760"/>
           </a:xfrm>
           <a:prstGeom prst="rect">
@@ -4147,7 +4141,7 @@
           <a:p>
             <a:pPr algn="ctr"/>
             <a:r>
-              <a:rPr lang="en-US" sz="1050" b="1" dirty="0" err="1" smtClean="0">
+              <a:rPr lang="en-US" sz="1050" b="1" dirty="0" err="1">
                 <a:solidFill>
                   <a:schemeClr val="accent6">
                     <a:lumMod val="75000"/>
@@ -4156,18 +4150,8 @@
               </a:rPr>
               <a:t>XmlAddressBook</a:t>
             </a:r>
-            <a:r>
-              <a:rPr lang="en-US" sz="1050" b="1" dirty="0" smtClean="0">
-                <a:solidFill>
-                  <a:schemeClr val="accent6">
-                    <a:lumMod val="75000"/>
-                  </a:schemeClr>
-                </a:solidFill>
-              </a:rPr>
-              <a:t/>
-            </a:r>
             <a:br>
-              <a:rPr lang="en-US" sz="1050" b="1" dirty="0" smtClean="0">
+              <a:rPr lang="en-US" sz="1050" b="1" dirty="0">
                 <a:solidFill>
                   <a:schemeClr val="accent6">
                     <a:lumMod val="75000"/>
@@ -4176,7 +4160,7 @@
               </a:rPr>
             </a:br>
             <a:r>
-              <a:rPr lang="en-US" sz="1050" b="1" dirty="0" smtClean="0">
+              <a:rPr lang="en-US" sz="1050" b="1" dirty="0">
                 <a:solidFill>
                   <a:schemeClr val="accent6">
                     <a:lumMod val="75000"/>
@@ -4203,7 +4187,7 @@
         </p:nvSpPr>
         <p:spPr>
           <a:xfrm>
-            <a:off x="2873943" y="2558040"/>
+            <a:off x="1906479" y="2300458"/>
             <a:ext cx="1323049" cy="346760"/>
           </a:xfrm>
           <a:prstGeom prst="rect">
@@ -4243,7 +4227,7 @@
           <a:p>
             <a:pPr algn="ctr"/>
             <a:r>
-              <a:rPr lang="en-US" sz="1050" dirty="0" smtClean="0">
+              <a:rPr lang="en-US" sz="1050" dirty="0">
                 <a:solidFill>
                   <a:schemeClr val="bg1"/>
                 </a:solidFill>
@@ -4251,14 +4235,14 @@
               <a:t>&lt;&lt;interface&gt;&gt;</a:t>
             </a:r>
             <a:br>
-              <a:rPr lang="en-US" sz="1050" dirty="0" smtClean="0">
+              <a:rPr lang="en-US" sz="1050" dirty="0">
                 <a:solidFill>
                   <a:schemeClr val="bg1"/>
                 </a:solidFill>
               </a:rPr>
             </a:br>
             <a:r>
-              <a:rPr lang="en-US" sz="1050" dirty="0" err="1" smtClean="0">
+              <a:rPr lang="en-US" sz="1050" dirty="0" err="1">
                 <a:solidFill>
                   <a:schemeClr val="bg1"/>
                 </a:solidFill>
@@ -4284,7 +4268,7 @@
         </p:nvCxnSpPr>
         <p:spPr>
           <a:xfrm>
-            <a:off x="2653133" y="2726136"/>
+            <a:off x="1685669" y="2468554"/>
             <a:ext cx="220810" cy="5284"/>
           </a:xfrm>
           <a:prstGeom prst="straightConnector1">
@@ -4324,7 +4308,7 @@
         </p:nvSpPr>
         <p:spPr>
           <a:xfrm>
-            <a:off x="2417085" y="2639446"/>
+            <a:off x="1449621" y="2381864"/>
             <a:ext cx="236048" cy="173380"/>
           </a:xfrm>
           <a:prstGeom prst="flowChartDecision">
@@ -4378,7 +4362,7 @@
         </p:nvCxnSpPr>
         <p:spPr>
           <a:xfrm flipV="1">
-            <a:off x="4394804" y="2731420"/>
+            <a:off x="3427340" y="2473838"/>
             <a:ext cx="223324" cy="1"/>
           </a:xfrm>
           <a:prstGeom prst="bentConnector3">
@@ -4421,7 +4405,7 @@
         </p:nvSpPr>
         <p:spPr>
           <a:xfrm rot="5400000" flipV="1">
-            <a:off x="4171790" y="2643659"/>
+            <a:off x="3204326" y="2386077"/>
             <a:ext cx="270504" cy="175523"/>
           </a:xfrm>
           <a:prstGeom prst="triangle">
@@ -4476,7 +4460,7 @@
         </p:nvSpPr>
         <p:spPr>
           <a:xfrm>
-            <a:off x="4618128" y="2558040"/>
+            <a:off x="3650664" y="2300458"/>
             <a:ext cx="1093635" cy="346760"/>
           </a:xfrm>
           <a:prstGeom prst="rect">
@@ -4516,30 +4500,22 @@
           <a:p>
             <a:pPr algn="ctr"/>
             <a:r>
-              <a:rPr lang="en-US" sz="1050" dirty="0" err="1" smtClean="0">
+              <a:rPr lang="en-US" sz="1050" dirty="0" err="1">
                 <a:solidFill>
                   <a:schemeClr val="bg1"/>
                 </a:solidFill>
               </a:rPr>
               <a:t>JsonUserPrefs</a:t>
             </a:r>
-            <a:r>
-              <a:rPr lang="en-US" sz="1050" dirty="0" smtClean="0">
-                <a:solidFill>
-                  <a:schemeClr val="bg1"/>
-                </a:solidFill>
-              </a:rPr>
-              <a:t/>
-            </a:r>
             <a:br>
-              <a:rPr lang="en-US" sz="1050" dirty="0" smtClean="0">
+              <a:rPr lang="en-US" sz="1050" dirty="0">
                 <a:solidFill>
                   <a:schemeClr val="bg1"/>
                 </a:solidFill>
               </a:rPr>
             </a:br>
             <a:r>
-              <a:rPr lang="en-US" sz="1050" dirty="0" smtClean="0">
+              <a:rPr lang="en-US" sz="1050" dirty="0">
                 <a:solidFill>
                   <a:schemeClr val="bg1"/>
                 </a:solidFill>
@@ -4562,7 +4538,7 @@
         </p:nvSpPr>
         <p:spPr>
           <a:xfrm>
-            <a:off x="6019800" y="3160410"/>
+            <a:off x="5052336" y="2902828"/>
             <a:ext cx="1200707" cy="346760"/>
           </a:xfrm>
           <a:prstGeom prst="rect">
@@ -4591,7 +4567,7 @@
           <a:p>
             <a:pPr algn="ctr"/>
             <a:r>
-              <a:rPr lang="en-US" sz="1050" b="1" dirty="0" err="1" smtClean="0">
+              <a:rPr lang="en-US" sz="1050" b="1" dirty="0" err="1">
                 <a:solidFill>
                   <a:schemeClr val="accent6">
                     <a:lumMod val="75000"/>
@@ -4600,18 +4576,8 @@
               </a:rPr>
               <a:t>XmlSerializable</a:t>
             </a:r>
-            <a:r>
-              <a:rPr lang="en-US" sz="1050" b="1" dirty="0" smtClean="0">
-                <a:solidFill>
-                  <a:schemeClr val="accent6">
-                    <a:lumMod val="75000"/>
-                  </a:schemeClr>
-                </a:solidFill>
-              </a:rPr>
-              <a:t/>
-            </a:r>
             <a:br>
-              <a:rPr lang="en-US" sz="1050" b="1" dirty="0" smtClean="0">
+              <a:rPr lang="en-US" sz="1050" b="1" dirty="0">
                 <a:solidFill>
                   <a:schemeClr val="accent6">
                     <a:lumMod val="75000"/>
@@ -4620,7 +4586,7 @@
               </a:rPr>
             </a:br>
             <a:r>
-              <a:rPr lang="en-US" sz="1050" b="1" dirty="0" err="1" smtClean="0">
+              <a:rPr lang="en-US" sz="1050" b="1" dirty="0" err="1">
                 <a:solidFill>
                   <a:schemeClr val="accent6">
                     <a:lumMod val="75000"/>
@@ -4650,7 +4616,7 @@
         </p:nvCxnSpPr>
         <p:spPr>
           <a:xfrm rot="5400000" flipH="1" flipV="1">
-            <a:off x="8077993" y="2992020"/>
+            <a:off x="7110529" y="2734438"/>
             <a:ext cx="335208" cy="12700"/>
           </a:xfrm>
           <a:prstGeom prst="bentConnector3">
@@ -4688,7 +4654,7 @@
         </p:nvSpPr>
         <p:spPr>
           <a:xfrm>
-            <a:off x="7615738" y="2477656"/>
+            <a:off x="6648274" y="2220074"/>
             <a:ext cx="1259718" cy="346760"/>
           </a:xfrm>
           <a:prstGeom prst="rect">
@@ -4717,7 +4683,7 @@
           <a:p>
             <a:pPr algn="ctr"/>
             <a:r>
-              <a:rPr lang="en-US" sz="1050" b="1" dirty="0" err="1" smtClean="0">
+              <a:rPr lang="en-US" sz="1050" b="1" dirty="0" err="1">
                 <a:solidFill>
                   <a:schemeClr val="accent6">
                     <a:lumMod val="75000"/>
@@ -4744,7 +4710,7 @@
         </p:nvSpPr>
         <p:spPr>
           <a:xfrm>
-            <a:off x="7615738" y="3159624"/>
+            <a:off x="6648274" y="2902042"/>
             <a:ext cx="1259718" cy="346760"/>
           </a:xfrm>
           <a:prstGeom prst="rect">
@@ -4773,7 +4739,7 @@
           <a:p>
             <a:pPr algn="ctr"/>
             <a:r>
-              <a:rPr lang="en-US" sz="1050" b="1" dirty="0" err="1" smtClean="0">
+              <a:rPr lang="en-US" sz="1050" b="1">
                 <a:solidFill>
                   <a:schemeClr val="accent6">
                     <a:lumMod val="75000"/>
@@ -4803,8 +4769,771 @@
         </p:nvCxnSpPr>
         <p:spPr>
           <a:xfrm flipV="1">
-            <a:off x="7220507" y="3333004"/>
+            <a:off x="6253043" y="3075422"/>
             <a:ext cx="395231" cy="786"/>
+          </a:xfrm>
+          <a:prstGeom prst="bentConnector3">
+            <a:avLst>
+              <a:gd name="adj1" fmla="val 50000"/>
+            </a:avLst>
+          </a:prstGeom>
+          <a:ln w="19050">
+            <a:prstDash val="sysDot"/>
+            <a:headEnd type="none" w="med" len="med"/>
+            <a:tailEnd type="arrow" w="med" len="med"/>
+          </a:ln>
+          <a:effectLst/>
+        </p:spPr>
+        <p:style>
+          <a:lnRef idx="1">
+            <a:schemeClr val="accent6"/>
+          </a:lnRef>
+          <a:fillRef idx="2">
+            <a:schemeClr val="accent6"/>
+          </a:fillRef>
+          <a:effectRef idx="1">
+            <a:schemeClr val="accent6"/>
+          </a:effectRef>
+          <a:fontRef idx="minor">
+            <a:schemeClr val="dk1"/>
+          </a:fontRef>
+        </p:style>
+      </p:cxnSp>
+      <p:sp>
+        <p:nvSpPr>
+          <p:cNvPr id="26" name="Rectangle 8">
+            <a:extLst>
+              <a:ext uri="{FF2B5EF4-FFF2-40B4-BE49-F238E27FC236}">
+                <a16:creationId xmlns:a16="http://schemas.microsoft.com/office/drawing/2014/main" id="{8A2F6E3A-27C6-447D-B267-808BA94FA103}"/>
+              </a:ext>
+            </a:extLst>
+          </p:cNvPr>
+          <p:cNvSpPr/>
+          <p:nvPr/>
+        </p:nvSpPr>
+        <p:spPr>
+          <a:xfrm>
+            <a:off x="6641924" y="3577660"/>
+            <a:ext cx="1259718" cy="346760"/>
+          </a:xfrm>
+          <a:prstGeom prst="rect">
+            <a:avLst/>
+          </a:prstGeom>
+          <a:ln w="19050"/>
+          <a:effectLst/>
+        </p:spPr>
+        <p:style>
+          <a:lnRef idx="1">
+            <a:schemeClr val="accent6"/>
+          </a:lnRef>
+          <a:fillRef idx="2">
+            <a:schemeClr val="accent6"/>
+          </a:fillRef>
+          <a:effectRef idx="1">
+            <a:schemeClr val="accent6"/>
+          </a:effectRef>
+          <a:fontRef idx="minor">
+            <a:schemeClr val="dk1"/>
+          </a:fontRef>
+        </p:style>
+        <p:txBody>
+          <a:bodyPr rtlCol="0" anchor="ctr"/>
+          <a:lstStyle/>
+          <a:p>
+            <a:pPr algn="ctr"/>
+            <a:r>
+              <a:rPr lang="en-US" sz="1050" b="1" dirty="0" err="1">
+                <a:solidFill>
+                  <a:schemeClr val="accent6">
+                    <a:lumMod val="75000"/>
+                  </a:schemeClr>
+                </a:solidFill>
+              </a:rPr>
+              <a:t>XmlAdapted</a:t>
+            </a:r>
+            <a:endParaRPr lang="en-US" sz="1050" b="1" dirty="0">
+              <a:solidFill>
+                <a:schemeClr val="accent6">
+                  <a:lumMod val="75000"/>
+                </a:schemeClr>
+              </a:solidFill>
+            </a:endParaRPr>
+          </a:p>
+          <a:p>
+            <a:pPr algn="ctr"/>
+            <a:r>
+              <a:rPr lang="en-US" sz="1050" b="1" dirty="0" err="1">
+                <a:solidFill>
+                  <a:schemeClr val="accent6">
+                    <a:lumMod val="75000"/>
+                  </a:schemeClr>
+                </a:solidFill>
+              </a:rPr>
+              <a:t>PrescriptionList</a:t>
+            </a:r>
+            <a:endParaRPr lang="en-SG" sz="1050" b="1" dirty="0">
+              <a:solidFill>
+                <a:schemeClr val="accent6">
+                  <a:lumMod val="75000"/>
+                </a:schemeClr>
+              </a:solidFill>
+            </a:endParaRPr>
+          </a:p>
+        </p:txBody>
+      </p:sp>
+      <p:cxnSp>
+        <p:nvCxnSpPr>
+          <p:cNvPr id="27" name="Elbow Connector 122">
+            <a:extLst>
+              <a:ext uri="{FF2B5EF4-FFF2-40B4-BE49-F238E27FC236}">
+                <a16:creationId xmlns:a16="http://schemas.microsoft.com/office/drawing/2014/main" id="{2B47BBF8-2B21-405A-BC5A-2B621787160E}"/>
+              </a:ext>
+            </a:extLst>
+          </p:cNvPr>
+          <p:cNvCxnSpPr>
+            <a:cxnSpLocks/>
+            <a:stCxn id="74" idx="2"/>
+            <a:endCxn id="26" idx="0"/>
+          </p:cNvCxnSpPr>
+          <p:nvPr/>
+        </p:nvCxnSpPr>
+        <p:spPr>
+          <a:xfrm rot="5400000">
+            <a:off x="7110529" y="3410056"/>
+            <a:ext cx="328858" cy="6350"/>
+          </a:xfrm>
+          <a:prstGeom prst="bentConnector3">
+            <a:avLst>
+              <a:gd name="adj1" fmla="val 50000"/>
+            </a:avLst>
+          </a:prstGeom>
+          <a:ln w="19050">
+            <a:prstDash val="sysDot"/>
+            <a:headEnd type="none" w="med" len="med"/>
+            <a:tailEnd type="arrow" w="med" len="med"/>
+          </a:ln>
+          <a:effectLst/>
+        </p:spPr>
+        <p:style>
+          <a:lnRef idx="1">
+            <a:schemeClr val="accent6"/>
+          </a:lnRef>
+          <a:fillRef idx="2">
+            <a:schemeClr val="accent6"/>
+          </a:fillRef>
+          <a:effectRef idx="1">
+            <a:schemeClr val="accent6"/>
+          </a:effectRef>
+          <a:fontRef idx="minor">
+            <a:schemeClr val="dk1"/>
+          </a:fontRef>
+        </p:style>
+      </p:cxnSp>
+      <p:sp>
+        <p:nvSpPr>
+          <p:cNvPr id="30" name="Rectangle 8">
+            <a:extLst>
+              <a:ext uri="{FF2B5EF4-FFF2-40B4-BE49-F238E27FC236}">
+                <a16:creationId xmlns:a16="http://schemas.microsoft.com/office/drawing/2014/main" id="{23FE72FC-D6E0-44BA-A84A-C8E3510D3548}"/>
+              </a:ext>
+            </a:extLst>
+          </p:cNvPr>
+          <p:cNvSpPr/>
+          <p:nvPr/>
+        </p:nvSpPr>
+        <p:spPr>
+          <a:xfrm>
+            <a:off x="6638114" y="4287790"/>
+            <a:ext cx="1259718" cy="346760"/>
+          </a:xfrm>
+          <a:prstGeom prst="rect">
+            <a:avLst/>
+          </a:prstGeom>
+          <a:ln w="19050"/>
+          <a:effectLst/>
+        </p:spPr>
+        <p:style>
+          <a:lnRef idx="1">
+            <a:schemeClr val="accent6"/>
+          </a:lnRef>
+          <a:fillRef idx="2">
+            <a:schemeClr val="accent6"/>
+          </a:fillRef>
+          <a:effectRef idx="1">
+            <a:schemeClr val="accent6"/>
+          </a:effectRef>
+          <a:fontRef idx="minor">
+            <a:schemeClr val="dk1"/>
+          </a:fontRef>
+        </p:style>
+        <p:txBody>
+          <a:bodyPr rtlCol="0" anchor="ctr"/>
+          <a:lstStyle/>
+          <a:p>
+            <a:pPr algn="ctr"/>
+            <a:r>
+              <a:rPr lang="en-US" sz="1050" b="1" dirty="0" err="1">
+                <a:solidFill>
+                  <a:schemeClr val="accent6">
+                    <a:lumMod val="75000"/>
+                  </a:schemeClr>
+                </a:solidFill>
+              </a:rPr>
+              <a:t>XmlAdapted</a:t>
+            </a:r>
+            <a:endParaRPr lang="en-US" sz="1050" b="1" dirty="0">
+              <a:solidFill>
+                <a:schemeClr val="accent6">
+                  <a:lumMod val="75000"/>
+                </a:schemeClr>
+              </a:solidFill>
+            </a:endParaRPr>
+          </a:p>
+          <a:p>
+            <a:pPr algn="ctr"/>
+            <a:r>
+              <a:rPr lang="en-US" sz="1050" b="1" dirty="0">
+                <a:solidFill>
+                  <a:schemeClr val="accent6">
+                    <a:lumMod val="75000"/>
+                  </a:schemeClr>
+                </a:solidFill>
+              </a:rPr>
+              <a:t>Prescription</a:t>
+            </a:r>
+            <a:endParaRPr lang="en-SG" sz="1050" b="1" dirty="0">
+              <a:solidFill>
+                <a:schemeClr val="accent6">
+                  <a:lumMod val="75000"/>
+                </a:schemeClr>
+              </a:solidFill>
+            </a:endParaRPr>
+          </a:p>
+        </p:txBody>
+      </p:sp>
+      <p:cxnSp>
+        <p:nvCxnSpPr>
+          <p:cNvPr id="31" name="Elbow Connector 122">
+            <a:extLst>
+              <a:ext uri="{FF2B5EF4-FFF2-40B4-BE49-F238E27FC236}">
+                <a16:creationId xmlns:a16="http://schemas.microsoft.com/office/drawing/2014/main" id="{6DE08CCA-E340-4220-8E6C-F51E9919CA7F}"/>
+              </a:ext>
+            </a:extLst>
+          </p:cNvPr>
+          <p:cNvCxnSpPr>
+            <a:cxnSpLocks/>
+          </p:cNvCxnSpPr>
+          <p:nvPr/>
+        </p:nvCxnSpPr>
+        <p:spPr>
+          <a:xfrm rot="5400000">
+            <a:off x="7110529" y="4120186"/>
+            <a:ext cx="328858" cy="6350"/>
+          </a:xfrm>
+          <a:prstGeom prst="bentConnector3">
+            <a:avLst>
+              <a:gd name="adj1" fmla="val 50000"/>
+            </a:avLst>
+          </a:prstGeom>
+          <a:ln w="19050">
+            <a:prstDash val="sysDot"/>
+            <a:headEnd type="none" w="med" len="med"/>
+            <a:tailEnd type="arrow" w="med" len="med"/>
+          </a:ln>
+          <a:effectLst/>
+        </p:spPr>
+        <p:style>
+          <a:lnRef idx="1">
+            <a:schemeClr val="accent6"/>
+          </a:lnRef>
+          <a:fillRef idx="2">
+            <a:schemeClr val="accent6"/>
+          </a:fillRef>
+          <a:effectRef idx="1">
+            <a:schemeClr val="accent6"/>
+          </a:effectRef>
+          <a:fontRef idx="minor">
+            <a:schemeClr val="dk1"/>
+          </a:fontRef>
+        </p:style>
+      </p:cxnSp>
+      <p:sp>
+        <p:nvSpPr>
+          <p:cNvPr id="33" name="Rectangle 8">
+            <a:extLst>
+              <a:ext uri="{FF2B5EF4-FFF2-40B4-BE49-F238E27FC236}">
+                <a16:creationId xmlns:a16="http://schemas.microsoft.com/office/drawing/2014/main" id="{9571D654-1174-4CFF-BAC5-FC9CC84354E1}"/>
+              </a:ext>
+            </a:extLst>
+          </p:cNvPr>
+          <p:cNvSpPr/>
+          <p:nvPr/>
+        </p:nvSpPr>
+        <p:spPr>
+          <a:xfrm>
+            <a:off x="4993325" y="4288618"/>
+            <a:ext cx="1259718" cy="346760"/>
+          </a:xfrm>
+          <a:prstGeom prst="rect">
+            <a:avLst/>
+          </a:prstGeom>
+          <a:ln w="19050"/>
+          <a:effectLst/>
+        </p:spPr>
+        <p:style>
+          <a:lnRef idx="1">
+            <a:schemeClr val="accent6"/>
+          </a:lnRef>
+          <a:fillRef idx="2">
+            <a:schemeClr val="accent6"/>
+          </a:fillRef>
+          <a:effectRef idx="1">
+            <a:schemeClr val="accent6"/>
+          </a:effectRef>
+          <a:fontRef idx="minor">
+            <a:schemeClr val="dk1"/>
+          </a:fontRef>
+        </p:style>
+        <p:txBody>
+          <a:bodyPr rtlCol="0" anchor="ctr"/>
+          <a:lstStyle/>
+          <a:p>
+            <a:pPr algn="ctr"/>
+            <a:r>
+              <a:rPr lang="en-US" sz="1050" b="1" dirty="0" err="1">
+                <a:solidFill>
+                  <a:schemeClr val="accent6">
+                    <a:lumMod val="75000"/>
+                  </a:schemeClr>
+                </a:solidFill>
+              </a:rPr>
+              <a:t>XmlAdapted</a:t>
+            </a:r>
+            <a:endParaRPr lang="en-US" sz="1050" b="1" dirty="0">
+              <a:solidFill>
+                <a:schemeClr val="accent6">
+                  <a:lumMod val="75000"/>
+                </a:schemeClr>
+              </a:solidFill>
+            </a:endParaRPr>
+          </a:p>
+          <a:p>
+            <a:pPr algn="ctr"/>
+            <a:r>
+              <a:rPr lang="en-US" sz="1050" b="1" dirty="0">
+                <a:solidFill>
+                  <a:schemeClr val="accent6">
+                    <a:lumMod val="75000"/>
+                  </a:schemeClr>
+                </a:solidFill>
+              </a:rPr>
+              <a:t>Duration</a:t>
+            </a:r>
+            <a:endParaRPr lang="en-SG" sz="1050" b="1" dirty="0">
+              <a:solidFill>
+                <a:schemeClr val="accent6">
+                  <a:lumMod val="75000"/>
+                </a:schemeClr>
+              </a:solidFill>
+            </a:endParaRPr>
+          </a:p>
+        </p:txBody>
+      </p:sp>
+      <p:sp>
+        <p:nvSpPr>
+          <p:cNvPr id="34" name="Rectangle 8">
+            <a:extLst>
+              <a:ext uri="{FF2B5EF4-FFF2-40B4-BE49-F238E27FC236}">
+                <a16:creationId xmlns:a16="http://schemas.microsoft.com/office/drawing/2014/main" id="{04C55C8B-4554-4100-98A3-502647143316}"/>
+              </a:ext>
+            </a:extLst>
+          </p:cNvPr>
+          <p:cNvSpPr/>
+          <p:nvPr/>
+        </p:nvSpPr>
+        <p:spPr>
+          <a:xfrm>
+            <a:off x="6638114" y="5003118"/>
+            <a:ext cx="1259718" cy="346760"/>
+          </a:xfrm>
+          <a:prstGeom prst="rect">
+            <a:avLst/>
+          </a:prstGeom>
+          <a:ln w="19050"/>
+          <a:effectLst/>
+        </p:spPr>
+        <p:style>
+          <a:lnRef idx="1">
+            <a:schemeClr val="accent6"/>
+          </a:lnRef>
+          <a:fillRef idx="2">
+            <a:schemeClr val="accent6"/>
+          </a:fillRef>
+          <a:effectRef idx="1">
+            <a:schemeClr val="accent6"/>
+          </a:effectRef>
+          <a:fontRef idx="minor">
+            <a:schemeClr val="dk1"/>
+          </a:fontRef>
+        </p:style>
+        <p:txBody>
+          <a:bodyPr rtlCol="0" anchor="ctr"/>
+          <a:lstStyle/>
+          <a:p>
+            <a:pPr algn="ctr"/>
+            <a:r>
+              <a:rPr lang="en-US" sz="1050" b="1" dirty="0" err="1">
+                <a:solidFill>
+                  <a:schemeClr val="accent6">
+                    <a:lumMod val="75000"/>
+                  </a:schemeClr>
+                </a:solidFill>
+              </a:rPr>
+              <a:t>XmlAdapted</a:t>
+            </a:r>
+            <a:endParaRPr lang="en-US" sz="1050" b="1" dirty="0">
+              <a:solidFill>
+                <a:schemeClr val="accent6">
+                  <a:lumMod val="75000"/>
+                </a:schemeClr>
+              </a:solidFill>
+            </a:endParaRPr>
+          </a:p>
+          <a:p>
+            <a:pPr algn="ctr"/>
+            <a:r>
+              <a:rPr lang="en-US" sz="1050" b="1" dirty="0">
+                <a:solidFill>
+                  <a:schemeClr val="accent6">
+                    <a:lumMod val="75000"/>
+                  </a:schemeClr>
+                </a:solidFill>
+              </a:rPr>
+              <a:t>Dose</a:t>
+            </a:r>
+            <a:endParaRPr lang="en-SG" sz="1050" b="1" dirty="0">
+              <a:solidFill>
+                <a:schemeClr val="accent6">
+                  <a:lumMod val="75000"/>
+                </a:schemeClr>
+              </a:solidFill>
+            </a:endParaRPr>
+          </a:p>
+        </p:txBody>
+      </p:sp>
+      <p:cxnSp>
+        <p:nvCxnSpPr>
+          <p:cNvPr id="35" name="Elbow Connector 122">
+            <a:extLst>
+              <a:ext uri="{FF2B5EF4-FFF2-40B4-BE49-F238E27FC236}">
+                <a16:creationId xmlns:a16="http://schemas.microsoft.com/office/drawing/2014/main" id="{BA024E25-02A6-4ED2-8A88-112FEE547962}"/>
+              </a:ext>
+            </a:extLst>
+          </p:cNvPr>
+          <p:cNvCxnSpPr>
+            <a:cxnSpLocks/>
+          </p:cNvCxnSpPr>
+          <p:nvPr/>
+        </p:nvCxnSpPr>
+        <p:spPr>
+          <a:xfrm rot="5400000">
+            <a:off x="7117276" y="4830316"/>
+            <a:ext cx="328858" cy="6350"/>
+          </a:xfrm>
+          <a:prstGeom prst="bentConnector3">
+            <a:avLst>
+              <a:gd name="adj1" fmla="val 50000"/>
+            </a:avLst>
+          </a:prstGeom>
+          <a:ln w="19050">
+            <a:prstDash val="sysDot"/>
+            <a:headEnd type="none" w="med" len="med"/>
+            <a:tailEnd type="arrow" w="med" len="med"/>
+          </a:ln>
+          <a:effectLst/>
+        </p:spPr>
+        <p:style>
+          <a:lnRef idx="1">
+            <a:schemeClr val="accent6"/>
+          </a:lnRef>
+          <a:fillRef idx="2">
+            <a:schemeClr val="accent6"/>
+          </a:fillRef>
+          <a:effectRef idx="1">
+            <a:schemeClr val="accent6"/>
+          </a:effectRef>
+          <a:fontRef idx="minor">
+            <a:schemeClr val="dk1"/>
+          </a:fontRef>
+        </p:style>
+      </p:cxnSp>
+      <p:cxnSp>
+        <p:nvCxnSpPr>
+          <p:cNvPr id="36" name="Elbow Connector 122">
+            <a:extLst>
+              <a:ext uri="{FF2B5EF4-FFF2-40B4-BE49-F238E27FC236}">
+                <a16:creationId xmlns:a16="http://schemas.microsoft.com/office/drawing/2014/main" id="{69D86792-8C00-4E35-8A0D-9731F655F908}"/>
+              </a:ext>
+            </a:extLst>
+          </p:cNvPr>
+          <p:cNvCxnSpPr>
+            <a:cxnSpLocks/>
+            <a:stCxn id="30" idx="1"/>
+            <a:endCxn id="33" idx="3"/>
+          </p:cNvCxnSpPr>
+          <p:nvPr/>
+        </p:nvCxnSpPr>
+        <p:spPr>
+          <a:xfrm rot="10800000" flipV="1">
+            <a:off x="6253044" y="4461170"/>
+            <a:ext cx="385071" cy="828"/>
+          </a:xfrm>
+          <a:prstGeom prst="bentConnector3">
+            <a:avLst>
+              <a:gd name="adj1" fmla="val 50000"/>
+            </a:avLst>
+          </a:prstGeom>
+          <a:ln w="19050">
+            <a:prstDash val="sysDot"/>
+            <a:headEnd type="none" w="med" len="med"/>
+            <a:tailEnd type="arrow" w="med" len="med"/>
+          </a:ln>
+          <a:effectLst/>
+        </p:spPr>
+        <p:style>
+          <a:lnRef idx="1">
+            <a:schemeClr val="accent6"/>
+          </a:lnRef>
+          <a:fillRef idx="2">
+            <a:schemeClr val="accent6"/>
+          </a:fillRef>
+          <a:effectRef idx="1">
+            <a:schemeClr val="accent6"/>
+          </a:effectRef>
+          <a:fontRef idx="minor">
+            <a:schemeClr val="dk1"/>
+          </a:fontRef>
+        </p:style>
+      </p:cxnSp>
+      <p:sp>
+        <p:nvSpPr>
+          <p:cNvPr id="40" name="Rectangle 8">
+            <a:extLst>
+              <a:ext uri="{FF2B5EF4-FFF2-40B4-BE49-F238E27FC236}">
+                <a16:creationId xmlns:a16="http://schemas.microsoft.com/office/drawing/2014/main" id="{AD53009D-F2EE-4282-8D25-FBCF891E6AA1}"/>
+              </a:ext>
+            </a:extLst>
+          </p:cNvPr>
+          <p:cNvSpPr/>
+          <p:nvPr/>
+        </p:nvSpPr>
+        <p:spPr>
+          <a:xfrm>
+            <a:off x="8288463" y="2895574"/>
+            <a:ext cx="1259718" cy="346760"/>
+          </a:xfrm>
+          <a:prstGeom prst="rect">
+            <a:avLst/>
+          </a:prstGeom>
+          <a:ln w="19050"/>
+          <a:effectLst/>
+        </p:spPr>
+        <p:style>
+          <a:lnRef idx="1">
+            <a:schemeClr val="accent6"/>
+          </a:lnRef>
+          <a:fillRef idx="2">
+            <a:schemeClr val="accent6"/>
+          </a:fillRef>
+          <a:effectRef idx="1">
+            <a:schemeClr val="accent6"/>
+          </a:effectRef>
+          <a:fontRef idx="minor">
+            <a:schemeClr val="dk1"/>
+          </a:fontRef>
+        </p:style>
+        <p:txBody>
+          <a:bodyPr rtlCol="0" anchor="ctr"/>
+          <a:lstStyle/>
+          <a:p>
+            <a:pPr algn="ctr"/>
+            <a:r>
+              <a:rPr lang="en-US" sz="1050" b="1" dirty="0" err="1">
+                <a:solidFill>
+                  <a:schemeClr val="accent6">
+                    <a:lumMod val="75000"/>
+                  </a:schemeClr>
+                </a:solidFill>
+              </a:rPr>
+              <a:t>XmlAdapted</a:t>
+            </a:r>
+            <a:endParaRPr lang="en-US" sz="1050" b="1" dirty="0">
+              <a:solidFill>
+                <a:schemeClr val="accent6">
+                  <a:lumMod val="75000"/>
+                </a:schemeClr>
+              </a:solidFill>
+            </a:endParaRPr>
+          </a:p>
+          <a:p>
+            <a:pPr algn="ctr"/>
+            <a:r>
+              <a:rPr lang="en-US" sz="1050" b="1" dirty="0" err="1">
+                <a:solidFill>
+                  <a:schemeClr val="accent6">
+                    <a:lumMod val="75000"/>
+                  </a:schemeClr>
+                </a:solidFill>
+              </a:rPr>
+              <a:t>AppointmentsList</a:t>
+            </a:r>
+            <a:endParaRPr lang="en-SG" sz="1050" b="1" dirty="0">
+              <a:solidFill>
+                <a:schemeClr val="accent6">
+                  <a:lumMod val="75000"/>
+                </a:schemeClr>
+              </a:solidFill>
+            </a:endParaRPr>
+          </a:p>
+        </p:txBody>
+      </p:sp>
+      <p:sp>
+        <p:nvSpPr>
+          <p:cNvPr id="41" name="Rectangle 8">
+            <a:extLst>
+              <a:ext uri="{FF2B5EF4-FFF2-40B4-BE49-F238E27FC236}">
+                <a16:creationId xmlns:a16="http://schemas.microsoft.com/office/drawing/2014/main" id="{C4FB1DF8-20C6-4F2D-8E26-5390E99882A1}"/>
+              </a:ext>
+            </a:extLst>
+          </p:cNvPr>
+          <p:cNvSpPr/>
+          <p:nvPr/>
+        </p:nvSpPr>
+        <p:spPr>
+          <a:xfrm>
+            <a:off x="8288463" y="3577660"/>
+            <a:ext cx="1259718" cy="346760"/>
+          </a:xfrm>
+          <a:prstGeom prst="rect">
+            <a:avLst/>
+          </a:prstGeom>
+          <a:ln w="19050"/>
+          <a:effectLst/>
+        </p:spPr>
+        <p:style>
+          <a:lnRef idx="1">
+            <a:schemeClr val="accent6"/>
+          </a:lnRef>
+          <a:fillRef idx="2">
+            <a:schemeClr val="accent6"/>
+          </a:fillRef>
+          <a:effectRef idx="1">
+            <a:schemeClr val="accent6"/>
+          </a:effectRef>
+          <a:fontRef idx="minor">
+            <a:schemeClr val="dk1"/>
+          </a:fontRef>
+        </p:style>
+        <p:txBody>
+          <a:bodyPr rtlCol="0" anchor="ctr"/>
+          <a:lstStyle/>
+          <a:p>
+            <a:pPr algn="ctr"/>
+            <a:r>
+              <a:rPr lang="en-US" sz="1050" b="1" dirty="0" err="1">
+                <a:solidFill>
+                  <a:schemeClr val="accent6">
+                    <a:lumMod val="75000"/>
+                  </a:schemeClr>
+                </a:solidFill>
+              </a:rPr>
+              <a:t>XmlAdapted</a:t>
+            </a:r>
+            <a:endParaRPr lang="en-US" sz="1050" b="1" dirty="0">
+              <a:solidFill>
+                <a:schemeClr val="accent6">
+                  <a:lumMod val="75000"/>
+                </a:schemeClr>
+              </a:solidFill>
+            </a:endParaRPr>
+          </a:p>
+          <a:p>
+            <a:pPr algn="ctr"/>
+            <a:r>
+              <a:rPr lang="en-SG" sz="1050" b="1" dirty="0">
+                <a:solidFill>
+                  <a:schemeClr val="accent6">
+                    <a:lumMod val="75000"/>
+                  </a:schemeClr>
+                </a:solidFill>
+              </a:rPr>
+              <a:t>Appointment</a:t>
+            </a:r>
+          </a:p>
+        </p:txBody>
+      </p:sp>
+      <p:cxnSp>
+        <p:nvCxnSpPr>
+          <p:cNvPr id="43" name="Elbow Connector 122">
+            <a:extLst>
+              <a:ext uri="{FF2B5EF4-FFF2-40B4-BE49-F238E27FC236}">
+                <a16:creationId xmlns:a16="http://schemas.microsoft.com/office/drawing/2014/main" id="{9920086F-C531-44AF-B193-71D79932DE8F}"/>
+              </a:ext>
+            </a:extLst>
+          </p:cNvPr>
+          <p:cNvCxnSpPr/>
+          <p:nvPr/>
+        </p:nvCxnSpPr>
+        <p:spPr>
+          <a:xfrm flipV="1">
+            <a:off x="7907992" y="3087679"/>
+            <a:ext cx="395231" cy="786"/>
+          </a:xfrm>
+          <a:prstGeom prst="bentConnector3">
+            <a:avLst>
+              <a:gd name="adj1" fmla="val 50000"/>
+            </a:avLst>
+          </a:prstGeom>
+          <a:ln w="19050">
+            <a:prstDash val="sysDot"/>
+            <a:headEnd type="none" w="med" len="med"/>
+            <a:tailEnd type="arrow" w="med" len="med"/>
+          </a:ln>
+          <a:effectLst/>
+        </p:spPr>
+        <p:style>
+          <a:lnRef idx="1">
+            <a:schemeClr val="accent6"/>
+          </a:lnRef>
+          <a:fillRef idx="2">
+            <a:schemeClr val="accent6"/>
+          </a:fillRef>
+          <a:effectRef idx="1">
+            <a:schemeClr val="accent6"/>
+          </a:effectRef>
+          <a:fontRef idx="minor">
+            <a:schemeClr val="dk1"/>
+          </a:fontRef>
+        </p:style>
+      </p:cxnSp>
+      <p:cxnSp>
+        <p:nvCxnSpPr>
+          <p:cNvPr id="44" name="Elbow Connector 122">
+            <a:extLst>
+              <a:ext uri="{FF2B5EF4-FFF2-40B4-BE49-F238E27FC236}">
+                <a16:creationId xmlns:a16="http://schemas.microsoft.com/office/drawing/2014/main" id="{BB4F6F78-F18A-42EE-A02E-B91F62C66ABC}"/>
+              </a:ext>
+            </a:extLst>
+          </p:cNvPr>
+          <p:cNvCxnSpPr>
+            <a:cxnSpLocks/>
+          </p:cNvCxnSpPr>
+          <p:nvPr/>
+        </p:nvCxnSpPr>
+        <p:spPr>
+          <a:xfrm rot="5400000">
+            <a:off x="8757068" y="3429112"/>
+            <a:ext cx="328858" cy="6350"/>
           </a:xfrm>
           <a:prstGeom prst="bentConnector3">
             <a:avLst>
@@ -4843,13 +5572,6 @@
   <p:clrMapOvr>
     <a:masterClrMapping/>
   </p:clrMapOvr>
-  <p:timing>
-    <p:tnLst>
-      <p:par>
-        <p:cTn id="1" dur="indefinite" restart="never" nodeType="tmRoot"/>
-      </p:par>
-    </p:tnLst>
-  </p:timing>
 </p:sld>
 </file>
 

--- a/docs/diagrams/StorageComponentClassDiagram.pptx
+++ b/docs/diagrams/StorageComponentClassDiagram.pptx
@@ -107,6 +107,22 @@
       </a:defRPr>
     </a:lvl9pPr>
   </p:defaultTextStyle>
+  <p:extLst>
+    <p:ext uri="{EFAFB233-063F-42B5-8137-9DF3F51BA10A}">
+      <p15:sldGuideLst xmlns:p15="http://schemas.microsoft.com/office/powerpoint/2012/main">
+        <p15:guide id="1" orient="horz" pos="1488">
+          <p15:clr>
+            <a:srgbClr val="A4A3A4"/>
+          </p15:clr>
+        </p15:guide>
+        <p15:guide id="2" pos="2880">
+          <p15:clr>
+            <a:srgbClr val="A4A3A4"/>
+          </p15:clr>
+        </p15:guide>
+      </p15:sldGuideLst>
+    </p:ext>
+  </p:extLst>
 </p:presentation>
 </file>
 
@@ -192,7 +208,7 @@
           <a:p>
             <a:fld id="{F5CC4B3F-88C1-4FFA-B1B6-F41C21DC6924}" type="datetimeFigureOut">
               <a:rPr lang="en-US" smtClean="0"/>
-              <a:t>10/16/2016</a:t>
+              <a:t>10/22/2018</a:t>
             </a:fld>
             <a:endParaRPr lang="en-US"/>
           </a:p>
@@ -256,38 +272,37 @@
           <a:p>
             <a:pPr lvl="0"/>
             <a:r>
-              <a:rPr lang="en-US" smtClean="0"/>
+              <a:rPr lang="en-US"/>
               <a:t>Click to edit Master text styles</a:t>
             </a:r>
           </a:p>
           <a:p>
             <a:pPr lvl="1"/>
             <a:r>
-              <a:rPr lang="en-US" smtClean="0"/>
+              <a:rPr lang="en-US"/>
               <a:t>Second level</a:t>
             </a:r>
           </a:p>
           <a:p>
             <a:pPr lvl="2"/>
             <a:r>
-              <a:rPr lang="en-US" smtClean="0"/>
+              <a:rPr lang="en-US"/>
               <a:t>Third level</a:t>
             </a:r>
           </a:p>
           <a:p>
             <a:pPr lvl="3"/>
             <a:r>
-              <a:rPr lang="en-US" smtClean="0"/>
+              <a:rPr lang="en-US"/>
               <a:t>Fourth level</a:t>
             </a:r>
           </a:p>
           <a:p>
             <a:pPr lvl="4"/>
             <a:r>
-              <a:rPr lang="en-US" smtClean="0"/>
+              <a:rPr lang="en-US"/>
               <a:t>Fifth level</a:t>
             </a:r>
-            <a:endParaRPr lang="en-US"/>
           </a:p>
         </p:txBody>
       </p:sp>
@@ -498,10 +513,9 @@
           <a:lstStyle/>
           <a:p>
             <a:r>
-              <a:rPr lang="en-US" smtClean="0"/>
+              <a:rPr lang="en-US"/>
               <a:t>Click to edit Master title style</a:t>
             </a:r>
-            <a:endParaRPr lang="en-US"/>
           </a:p>
         </p:txBody>
       </p:sp>
@@ -617,10 +631,9 @@
           </a:lstStyle>
           <a:p>
             <a:r>
-              <a:rPr lang="en-US" smtClean="0"/>
+              <a:rPr lang="en-US"/>
               <a:t>Click to edit Master subtitle style</a:t>
             </a:r>
-            <a:endParaRPr lang="en-US"/>
           </a:p>
         </p:txBody>
       </p:sp>
@@ -641,7 +654,7 @@
           <a:p>
             <a:fld id="{78C97017-6FC3-485B-9764-EAC9E56C1D49}" type="datetimeFigureOut">
               <a:rPr lang="en-US" smtClean="0"/>
-              <a:t>10/16/2016</a:t>
+              <a:t>10/22/2018</a:t>
             </a:fld>
             <a:endParaRPr lang="en-US"/>
           </a:p>
@@ -735,10 +748,9 @@
           <a:lstStyle/>
           <a:p>
             <a:r>
-              <a:rPr lang="en-US" smtClean="0"/>
+              <a:rPr lang="en-US"/>
               <a:t>Click to edit Master title style</a:t>
             </a:r>
-            <a:endParaRPr lang="en-US"/>
           </a:p>
         </p:txBody>
       </p:sp>
@@ -759,38 +771,37 @@
           <a:p>
             <a:pPr lvl="0"/>
             <a:r>
-              <a:rPr lang="en-US" smtClean="0"/>
+              <a:rPr lang="en-US"/>
               <a:t>Click to edit Master text styles</a:t>
             </a:r>
           </a:p>
           <a:p>
             <a:pPr lvl="1"/>
             <a:r>
-              <a:rPr lang="en-US" smtClean="0"/>
+              <a:rPr lang="en-US"/>
               <a:t>Second level</a:t>
             </a:r>
           </a:p>
           <a:p>
             <a:pPr lvl="2"/>
             <a:r>
-              <a:rPr lang="en-US" smtClean="0"/>
+              <a:rPr lang="en-US"/>
               <a:t>Third level</a:t>
             </a:r>
           </a:p>
           <a:p>
             <a:pPr lvl="3"/>
             <a:r>
-              <a:rPr lang="en-US" smtClean="0"/>
+              <a:rPr lang="en-US"/>
               <a:t>Fourth level</a:t>
             </a:r>
           </a:p>
           <a:p>
             <a:pPr lvl="4"/>
             <a:r>
-              <a:rPr lang="en-US" smtClean="0"/>
+              <a:rPr lang="en-US"/>
               <a:t>Fifth level</a:t>
             </a:r>
-            <a:endParaRPr lang="en-US"/>
           </a:p>
         </p:txBody>
       </p:sp>
@@ -811,7 +822,7 @@
           <a:p>
             <a:fld id="{78C97017-6FC3-485B-9764-EAC9E56C1D49}" type="datetimeFigureOut">
               <a:rPr lang="en-US" smtClean="0"/>
-              <a:t>10/16/2016</a:t>
+              <a:t>10/22/2018</a:t>
             </a:fld>
             <a:endParaRPr lang="en-US"/>
           </a:p>
@@ -910,10 +921,9 @@
           <a:lstStyle/>
           <a:p>
             <a:r>
-              <a:rPr lang="en-US" smtClean="0"/>
+              <a:rPr lang="en-US"/>
               <a:t>Click to edit Master title style</a:t>
             </a:r>
-            <a:endParaRPr lang="en-US"/>
           </a:p>
         </p:txBody>
       </p:sp>
@@ -939,38 +949,37 @@
           <a:p>
             <a:pPr lvl="0"/>
             <a:r>
-              <a:rPr lang="en-US" smtClean="0"/>
+              <a:rPr lang="en-US"/>
               <a:t>Click to edit Master text styles</a:t>
             </a:r>
           </a:p>
           <a:p>
             <a:pPr lvl="1"/>
             <a:r>
-              <a:rPr lang="en-US" smtClean="0"/>
+              <a:rPr lang="en-US"/>
               <a:t>Second level</a:t>
             </a:r>
           </a:p>
           <a:p>
             <a:pPr lvl="2"/>
             <a:r>
-              <a:rPr lang="en-US" smtClean="0"/>
+              <a:rPr lang="en-US"/>
               <a:t>Third level</a:t>
             </a:r>
           </a:p>
           <a:p>
             <a:pPr lvl="3"/>
             <a:r>
-              <a:rPr lang="en-US" smtClean="0"/>
+              <a:rPr lang="en-US"/>
               <a:t>Fourth level</a:t>
             </a:r>
           </a:p>
           <a:p>
             <a:pPr lvl="4"/>
             <a:r>
-              <a:rPr lang="en-US" smtClean="0"/>
+              <a:rPr lang="en-US"/>
               <a:t>Fifth level</a:t>
             </a:r>
-            <a:endParaRPr lang="en-US"/>
           </a:p>
         </p:txBody>
       </p:sp>
@@ -991,7 +1000,7 @@
           <a:p>
             <a:fld id="{78C97017-6FC3-485B-9764-EAC9E56C1D49}" type="datetimeFigureOut">
               <a:rPr lang="en-US" smtClean="0"/>
-              <a:t>10/16/2016</a:t>
+              <a:t>10/22/2018</a:t>
             </a:fld>
             <a:endParaRPr lang="en-US"/>
           </a:p>
@@ -1085,10 +1094,9 @@
           <a:lstStyle/>
           <a:p>
             <a:r>
-              <a:rPr lang="en-US" smtClean="0"/>
+              <a:rPr lang="en-US"/>
               <a:t>Click to edit Master title style</a:t>
             </a:r>
-            <a:endParaRPr lang="en-US"/>
           </a:p>
         </p:txBody>
       </p:sp>
@@ -1109,38 +1117,37 @@
           <a:p>
             <a:pPr lvl="0"/>
             <a:r>
-              <a:rPr lang="en-US" smtClean="0"/>
+              <a:rPr lang="en-US"/>
               <a:t>Click to edit Master text styles</a:t>
             </a:r>
           </a:p>
           <a:p>
             <a:pPr lvl="1"/>
             <a:r>
-              <a:rPr lang="en-US" smtClean="0"/>
+              <a:rPr lang="en-US"/>
               <a:t>Second level</a:t>
             </a:r>
           </a:p>
           <a:p>
             <a:pPr lvl="2"/>
             <a:r>
-              <a:rPr lang="en-US" smtClean="0"/>
+              <a:rPr lang="en-US"/>
               <a:t>Third level</a:t>
             </a:r>
           </a:p>
           <a:p>
             <a:pPr lvl="3"/>
             <a:r>
-              <a:rPr lang="en-US" smtClean="0"/>
+              <a:rPr lang="en-US"/>
               <a:t>Fourth level</a:t>
             </a:r>
           </a:p>
           <a:p>
             <a:pPr lvl="4"/>
             <a:r>
-              <a:rPr lang="en-US" smtClean="0"/>
+              <a:rPr lang="en-US"/>
               <a:t>Fifth level</a:t>
             </a:r>
-            <a:endParaRPr lang="en-US"/>
           </a:p>
         </p:txBody>
       </p:sp>
@@ -1161,7 +1168,7 @@
           <a:p>
             <a:fld id="{78C97017-6FC3-485B-9764-EAC9E56C1D49}" type="datetimeFigureOut">
               <a:rPr lang="en-US" smtClean="0"/>
-              <a:t>10/16/2016</a:t>
+              <a:t>10/22/2018</a:t>
             </a:fld>
             <a:endParaRPr lang="en-US"/>
           </a:p>
@@ -1264,10 +1271,9 @@
           </a:lstStyle>
           <a:p>
             <a:r>
-              <a:rPr lang="en-US" smtClean="0"/>
+              <a:rPr lang="en-US"/>
               <a:t>Click to edit Master title style</a:t>
             </a:r>
-            <a:endParaRPr lang="en-US"/>
           </a:p>
         </p:txBody>
       </p:sp>
@@ -1384,7 +1390,7 @@
           <a:p>
             <a:pPr lvl="0"/>
             <a:r>
-              <a:rPr lang="en-US" smtClean="0"/>
+              <a:rPr lang="en-US"/>
               <a:t>Click to edit Master text styles</a:t>
             </a:r>
           </a:p>
@@ -1407,7 +1413,7 @@
           <a:p>
             <a:fld id="{78C97017-6FC3-485B-9764-EAC9E56C1D49}" type="datetimeFigureOut">
               <a:rPr lang="en-US" smtClean="0"/>
-              <a:t>10/16/2016</a:t>
+              <a:t>10/22/2018</a:t>
             </a:fld>
             <a:endParaRPr lang="en-US"/>
           </a:p>
@@ -1501,10 +1507,9 @@
           <a:lstStyle/>
           <a:p>
             <a:r>
-              <a:rPr lang="en-US" smtClean="0"/>
+              <a:rPr lang="en-US"/>
               <a:t>Click to edit Master title style</a:t>
             </a:r>
-            <a:endParaRPr lang="en-US"/>
           </a:p>
         </p:txBody>
       </p:sp>
@@ -1558,38 +1563,37 @@
           <a:p>
             <a:pPr lvl="0"/>
             <a:r>
-              <a:rPr lang="en-US" smtClean="0"/>
+              <a:rPr lang="en-US"/>
               <a:t>Click to edit Master text styles</a:t>
             </a:r>
           </a:p>
           <a:p>
             <a:pPr lvl="1"/>
             <a:r>
-              <a:rPr lang="en-US" smtClean="0"/>
+              <a:rPr lang="en-US"/>
               <a:t>Second level</a:t>
             </a:r>
           </a:p>
           <a:p>
             <a:pPr lvl="2"/>
             <a:r>
-              <a:rPr lang="en-US" smtClean="0"/>
+              <a:rPr lang="en-US"/>
               <a:t>Third level</a:t>
             </a:r>
           </a:p>
           <a:p>
             <a:pPr lvl="3"/>
             <a:r>
-              <a:rPr lang="en-US" smtClean="0"/>
+              <a:rPr lang="en-US"/>
               <a:t>Fourth level</a:t>
             </a:r>
           </a:p>
           <a:p>
             <a:pPr lvl="4"/>
             <a:r>
-              <a:rPr lang="en-US" smtClean="0"/>
+              <a:rPr lang="en-US"/>
               <a:t>Fifth level</a:t>
             </a:r>
-            <a:endParaRPr lang="en-US"/>
           </a:p>
         </p:txBody>
       </p:sp>
@@ -1643,38 +1647,37 @@
           <a:p>
             <a:pPr lvl="0"/>
             <a:r>
-              <a:rPr lang="en-US" smtClean="0"/>
+              <a:rPr lang="en-US"/>
               <a:t>Click to edit Master text styles</a:t>
             </a:r>
           </a:p>
           <a:p>
             <a:pPr lvl="1"/>
             <a:r>
-              <a:rPr lang="en-US" smtClean="0"/>
+              <a:rPr lang="en-US"/>
               <a:t>Second level</a:t>
             </a:r>
           </a:p>
           <a:p>
             <a:pPr lvl="2"/>
             <a:r>
-              <a:rPr lang="en-US" smtClean="0"/>
+              <a:rPr lang="en-US"/>
               <a:t>Third level</a:t>
             </a:r>
           </a:p>
           <a:p>
             <a:pPr lvl="3"/>
             <a:r>
-              <a:rPr lang="en-US" smtClean="0"/>
+              <a:rPr lang="en-US"/>
               <a:t>Fourth level</a:t>
             </a:r>
           </a:p>
           <a:p>
             <a:pPr lvl="4"/>
             <a:r>
-              <a:rPr lang="en-US" smtClean="0"/>
+              <a:rPr lang="en-US"/>
               <a:t>Fifth level</a:t>
             </a:r>
-            <a:endParaRPr lang="en-US"/>
           </a:p>
         </p:txBody>
       </p:sp>
@@ -1695,7 +1698,7 @@
           <a:p>
             <a:fld id="{78C97017-6FC3-485B-9764-EAC9E56C1D49}" type="datetimeFigureOut">
               <a:rPr lang="en-US" smtClean="0"/>
-              <a:t>10/16/2016</a:t>
+              <a:t>10/22/2018</a:t>
             </a:fld>
             <a:endParaRPr lang="en-US"/>
           </a:p>
@@ -1793,10 +1796,9 @@
           </a:lstStyle>
           <a:p>
             <a:r>
-              <a:rPr lang="en-US" smtClean="0"/>
+              <a:rPr lang="en-US"/>
               <a:t>Click to edit Master title style</a:t>
             </a:r>
-            <a:endParaRPr lang="en-US"/>
           </a:p>
         </p:txBody>
       </p:sp>
@@ -1859,7 +1861,7 @@
           <a:p>
             <a:pPr lvl="0"/>
             <a:r>
-              <a:rPr lang="en-US" smtClean="0"/>
+              <a:rPr lang="en-US"/>
               <a:t>Click to edit Master text styles</a:t>
             </a:r>
           </a:p>
@@ -1915,38 +1917,37 @@
           <a:p>
             <a:pPr lvl="0"/>
             <a:r>
-              <a:rPr lang="en-US" smtClean="0"/>
+              <a:rPr lang="en-US"/>
               <a:t>Click to edit Master text styles</a:t>
             </a:r>
           </a:p>
           <a:p>
             <a:pPr lvl="1"/>
             <a:r>
-              <a:rPr lang="en-US" smtClean="0"/>
+              <a:rPr lang="en-US"/>
               <a:t>Second level</a:t>
             </a:r>
           </a:p>
           <a:p>
             <a:pPr lvl="2"/>
             <a:r>
-              <a:rPr lang="en-US" smtClean="0"/>
+              <a:rPr lang="en-US"/>
               <a:t>Third level</a:t>
             </a:r>
           </a:p>
           <a:p>
             <a:pPr lvl="3"/>
             <a:r>
-              <a:rPr lang="en-US" smtClean="0"/>
+              <a:rPr lang="en-US"/>
               <a:t>Fourth level</a:t>
             </a:r>
           </a:p>
           <a:p>
             <a:pPr lvl="4"/>
             <a:r>
-              <a:rPr lang="en-US" smtClean="0"/>
+              <a:rPr lang="en-US"/>
               <a:t>Fifth level</a:t>
             </a:r>
-            <a:endParaRPr lang="en-US"/>
           </a:p>
         </p:txBody>
       </p:sp>
@@ -2009,7 +2010,7 @@
           <a:p>
             <a:pPr lvl="0"/>
             <a:r>
-              <a:rPr lang="en-US" smtClean="0"/>
+              <a:rPr lang="en-US"/>
               <a:t>Click to edit Master text styles</a:t>
             </a:r>
           </a:p>
@@ -2065,38 +2066,37 @@
           <a:p>
             <a:pPr lvl="0"/>
             <a:r>
-              <a:rPr lang="en-US" smtClean="0"/>
+              <a:rPr lang="en-US"/>
               <a:t>Click to edit Master text styles</a:t>
             </a:r>
           </a:p>
           <a:p>
             <a:pPr lvl="1"/>
             <a:r>
-              <a:rPr lang="en-US" smtClean="0"/>
+              <a:rPr lang="en-US"/>
               <a:t>Second level</a:t>
             </a:r>
           </a:p>
           <a:p>
             <a:pPr lvl="2"/>
             <a:r>
-              <a:rPr lang="en-US" smtClean="0"/>
+              <a:rPr lang="en-US"/>
               <a:t>Third level</a:t>
             </a:r>
           </a:p>
           <a:p>
             <a:pPr lvl="3"/>
             <a:r>
-              <a:rPr lang="en-US" smtClean="0"/>
+              <a:rPr lang="en-US"/>
               <a:t>Fourth level</a:t>
             </a:r>
           </a:p>
           <a:p>
             <a:pPr lvl="4"/>
             <a:r>
-              <a:rPr lang="en-US" smtClean="0"/>
+              <a:rPr lang="en-US"/>
               <a:t>Fifth level</a:t>
             </a:r>
-            <a:endParaRPr lang="en-US"/>
           </a:p>
         </p:txBody>
       </p:sp>
@@ -2117,7 +2117,7 @@
           <a:p>
             <a:fld id="{78C97017-6FC3-485B-9764-EAC9E56C1D49}" type="datetimeFigureOut">
               <a:rPr lang="en-US" smtClean="0"/>
-              <a:t>10/16/2016</a:t>
+              <a:t>10/22/2018</a:t>
             </a:fld>
             <a:endParaRPr lang="en-US"/>
           </a:p>
@@ -2211,10 +2211,9 @@
           <a:lstStyle/>
           <a:p>
             <a:r>
-              <a:rPr lang="en-US" smtClean="0"/>
+              <a:rPr lang="en-US"/>
               <a:t>Click to edit Master title style</a:t>
             </a:r>
-            <a:endParaRPr lang="en-US"/>
           </a:p>
         </p:txBody>
       </p:sp>
@@ -2235,7 +2234,7 @@
           <a:p>
             <a:fld id="{78C97017-6FC3-485B-9764-EAC9E56C1D49}" type="datetimeFigureOut">
               <a:rPr lang="en-US" smtClean="0"/>
-              <a:t>10/16/2016</a:t>
+              <a:t>10/22/2018</a:t>
             </a:fld>
             <a:endParaRPr lang="en-US"/>
           </a:p>
@@ -2330,7 +2329,7 @@
           <a:p>
             <a:fld id="{78C97017-6FC3-485B-9764-EAC9E56C1D49}" type="datetimeFigureOut">
               <a:rPr lang="en-US" smtClean="0"/>
-              <a:t>10/16/2016</a:t>
+              <a:t>10/22/2018</a:t>
             </a:fld>
             <a:endParaRPr lang="en-US"/>
           </a:p>
@@ -2433,10 +2432,9 @@
           </a:lstStyle>
           <a:p>
             <a:r>
-              <a:rPr lang="en-US" smtClean="0"/>
+              <a:rPr lang="en-US"/>
               <a:t>Click to edit Master title style</a:t>
             </a:r>
-            <a:endParaRPr lang="en-US"/>
           </a:p>
         </p:txBody>
       </p:sp>
@@ -2490,38 +2488,37 @@
           <a:p>
             <a:pPr lvl="0"/>
             <a:r>
-              <a:rPr lang="en-US" smtClean="0"/>
+              <a:rPr lang="en-US"/>
               <a:t>Click to edit Master text styles</a:t>
             </a:r>
           </a:p>
           <a:p>
             <a:pPr lvl="1"/>
             <a:r>
-              <a:rPr lang="en-US" smtClean="0"/>
+              <a:rPr lang="en-US"/>
               <a:t>Second level</a:t>
             </a:r>
           </a:p>
           <a:p>
             <a:pPr lvl="2"/>
             <a:r>
-              <a:rPr lang="en-US" smtClean="0"/>
+              <a:rPr lang="en-US"/>
               <a:t>Third level</a:t>
             </a:r>
           </a:p>
           <a:p>
             <a:pPr lvl="3"/>
             <a:r>
-              <a:rPr lang="en-US" smtClean="0"/>
+              <a:rPr lang="en-US"/>
               <a:t>Fourth level</a:t>
             </a:r>
           </a:p>
           <a:p>
             <a:pPr lvl="4"/>
             <a:r>
-              <a:rPr lang="en-US" smtClean="0"/>
+              <a:rPr lang="en-US"/>
               <a:t>Fifth level</a:t>
             </a:r>
-            <a:endParaRPr lang="en-US"/>
           </a:p>
         </p:txBody>
       </p:sp>
@@ -2584,7 +2581,7 @@
           <a:p>
             <a:pPr lvl="0"/>
             <a:r>
-              <a:rPr lang="en-US" smtClean="0"/>
+              <a:rPr lang="en-US"/>
               <a:t>Click to edit Master text styles</a:t>
             </a:r>
           </a:p>
@@ -2607,7 +2604,7 @@
           <a:p>
             <a:fld id="{78C97017-6FC3-485B-9764-EAC9E56C1D49}" type="datetimeFigureOut">
               <a:rPr lang="en-US" smtClean="0"/>
-              <a:t>10/16/2016</a:t>
+              <a:t>10/22/2018</a:t>
             </a:fld>
             <a:endParaRPr lang="en-US"/>
           </a:p>
@@ -2710,10 +2707,9 @@
           </a:lstStyle>
           <a:p>
             <a:r>
-              <a:rPr lang="en-US" smtClean="0"/>
+              <a:rPr lang="en-US"/>
               <a:t>Click to edit Master title style</a:t>
             </a:r>
-            <a:endParaRPr lang="en-US"/>
           </a:p>
         </p:txBody>
       </p:sp>
@@ -2837,7 +2833,7 @@
           <a:p>
             <a:pPr lvl="0"/>
             <a:r>
-              <a:rPr lang="en-US" smtClean="0"/>
+              <a:rPr lang="en-US"/>
               <a:t>Click to edit Master text styles</a:t>
             </a:r>
           </a:p>
@@ -2860,7 +2856,7 @@
           <a:p>
             <a:fld id="{78C97017-6FC3-485B-9764-EAC9E56C1D49}" type="datetimeFigureOut">
               <a:rPr lang="en-US" smtClean="0"/>
-              <a:t>10/16/2016</a:t>
+              <a:t>10/22/2018</a:t>
             </a:fld>
             <a:endParaRPr lang="en-US"/>
           </a:p>
@@ -2969,10 +2965,9 @@
           <a:lstStyle/>
           <a:p>
             <a:r>
-              <a:rPr lang="en-US" smtClean="0"/>
+              <a:rPr lang="en-US"/>
               <a:t>Click to edit Master title style</a:t>
             </a:r>
-            <a:endParaRPr lang="en-US"/>
           </a:p>
         </p:txBody>
       </p:sp>
@@ -3003,38 +2998,37 @@
           <a:p>
             <a:pPr lvl="0"/>
             <a:r>
-              <a:rPr lang="en-US" smtClean="0"/>
+              <a:rPr lang="en-US"/>
               <a:t>Click to edit Master text styles</a:t>
             </a:r>
           </a:p>
           <a:p>
             <a:pPr lvl="1"/>
             <a:r>
-              <a:rPr lang="en-US" smtClean="0"/>
+              <a:rPr lang="en-US"/>
               <a:t>Second level</a:t>
             </a:r>
           </a:p>
           <a:p>
             <a:pPr lvl="2"/>
             <a:r>
-              <a:rPr lang="en-US" smtClean="0"/>
+              <a:rPr lang="en-US"/>
               <a:t>Third level</a:t>
             </a:r>
           </a:p>
           <a:p>
             <a:pPr lvl="3"/>
             <a:r>
-              <a:rPr lang="en-US" smtClean="0"/>
+              <a:rPr lang="en-US"/>
               <a:t>Fourth level</a:t>
             </a:r>
           </a:p>
           <a:p>
             <a:pPr lvl="4"/>
             <a:r>
-              <a:rPr lang="en-US" smtClean="0"/>
+              <a:rPr lang="en-US"/>
               <a:t>Fifth level</a:t>
             </a:r>
-            <a:endParaRPr lang="en-US"/>
           </a:p>
         </p:txBody>
       </p:sp>
@@ -3073,7 +3067,7 @@
           <a:p>
             <a:fld id="{78C97017-6FC3-485B-9764-EAC9E56C1D49}" type="datetimeFigureOut">
               <a:rPr lang="en-US" smtClean="0"/>
-              <a:t>10/16/2016</a:t>
+              <a:t>10/22/2018</a:t>
             </a:fld>
             <a:endParaRPr lang="en-US"/>
           </a:p>
@@ -3456,8 +3450,8 @@
         </p:nvSpPr>
         <p:spPr>
           <a:xfrm>
-            <a:off x="1119865" y="2086382"/>
-            <a:ext cx="7871735" cy="1723618"/>
+            <a:off x="1119865" y="2091470"/>
+            <a:ext cx="7871735" cy="2390030"/>
           </a:xfrm>
           <a:prstGeom prst="roundRect">
             <a:avLst>
@@ -3494,7 +3488,7 @@
           <a:lstStyle/>
           <a:p>
             <a:r>
-              <a:rPr lang="en-US" sz="1200" b="1" dirty="0" smtClean="0">
+              <a:rPr lang="en-US" sz="1200" b="1" dirty="0">
                 <a:solidFill>
                   <a:schemeClr val="accent6">
                     <a:lumMod val="75000"/>
@@ -3521,8 +3515,8 @@
         </p:nvSpPr>
         <p:spPr>
           <a:xfrm>
-            <a:off x="2877180" y="3158440"/>
-            <a:ext cx="1323049" cy="346760"/>
+            <a:off x="2723192" y="3158440"/>
+            <a:ext cx="1525515" cy="346760"/>
           </a:xfrm>
           <a:prstGeom prst="rect">
             <a:avLst/>
@@ -3561,7 +3555,7 @@
           <a:p>
             <a:pPr algn="ctr"/>
             <a:r>
-              <a:rPr lang="en-US" sz="1050" dirty="0" smtClean="0">
+              <a:rPr lang="en-US" sz="1050" dirty="0">
                 <a:solidFill>
                   <a:schemeClr val="bg1"/>
                 </a:solidFill>
@@ -3569,19 +3563,19 @@
               <a:t>&lt;&lt;interface&gt;&gt;</a:t>
             </a:r>
             <a:br>
-              <a:rPr lang="en-US" sz="1050" dirty="0" smtClean="0">
+              <a:rPr lang="en-US" sz="1050" dirty="0">
                 <a:solidFill>
                   <a:schemeClr val="bg1"/>
                 </a:solidFill>
               </a:rPr>
             </a:br>
             <a:r>
-              <a:rPr lang="en-US" sz="1050" dirty="0" err="1" smtClean="0">
+              <a:rPr lang="en-US" sz="1050" dirty="0" err="1">
                 <a:solidFill>
                   <a:schemeClr val="bg1"/>
                 </a:solidFill>
               </a:rPr>
-              <a:t>AddressBookStorage</a:t>
+              <a:t>SchedulePlannerStorage</a:t>
             </a:r>
             <a:endParaRPr lang="en-SG" sz="1050" dirty="0">
               <a:solidFill>
@@ -3599,7 +3593,7 @@
         </p:nvSpPr>
         <p:spPr>
           <a:xfrm rot="16200000">
-            <a:off x="1683963" y="2868687"/>
+            <a:off x="1607763" y="2868687"/>
             <a:ext cx="1093635" cy="346760"/>
           </a:xfrm>
           <a:prstGeom prst="rect">
@@ -3639,7 +3633,7 @@
           <a:p>
             <a:pPr algn="ctr"/>
             <a:r>
-              <a:rPr lang="en-US" sz="1050" dirty="0" err="1" smtClean="0">
+              <a:rPr lang="en-US" sz="1050" dirty="0" err="1">
                 <a:solidFill>
                   <a:schemeClr val="bg1"/>
                 </a:solidFill>
@@ -3662,7 +3656,7 @@
         </p:nvSpPr>
         <p:spPr>
           <a:xfrm rot="16200000">
-            <a:off x="956202" y="2861202"/>
+            <a:off x="921963" y="2861202"/>
             <a:ext cx="1093635" cy="346760"/>
           </a:xfrm>
           <a:prstGeom prst="rect">
@@ -3713,7 +3707,7 @@
           <a:p>
             <a:pPr algn="ctr"/>
             <a:r>
-              <a:rPr lang="en-US" sz="1050" dirty="0" smtClean="0">
+              <a:rPr lang="en-US" sz="1050" dirty="0">
                 <a:solidFill>
                   <a:schemeClr val="bg1"/>
                 </a:solidFill>
@@ -3736,8 +3730,8 @@
         </p:nvSpPr>
         <p:spPr>
           <a:xfrm rot="16200000">
-            <a:off x="1626910" y="2952291"/>
-            <a:ext cx="270504" cy="175523"/>
+            <a:off x="1573691" y="2973272"/>
+            <a:ext cx="270505" cy="133561"/>
           </a:xfrm>
           <a:prstGeom prst="triangle">
             <a:avLst/>
@@ -3787,15 +3781,14 @@
         <p:nvCxnSpPr>
           <p:cNvPr id="58" name="Straight Arrow Connector 57"/>
           <p:cNvCxnSpPr>
-            <a:stCxn id="42" idx="3"/>
-            <a:endCxn id="2" idx="1"/>
+            <a:cxnSpLocks/>
           </p:cNvCxnSpPr>
           <p:nvPr/>
         </p:nvCxnSpPr>
         <p:spPr>
-          <a:xfrm>
-            <a:off x="2656370" y="3326536"/>
-            <a:ext cx="220810" cy="5284"/>
+          <a:xfrm flipV="1">
+            <a:off x="2590800" y="3331820"/>
+            <a:ext cx="159136" cy="1184"/>
           </a:xfrm>
           <a:prstGeom prst="straightConnector1">
             <a:avLst/>
@@ -3834,7 +3827,7 @@
         </p:nvCxnSpPr>
         <p:spPr>
           <a:xfrm>
-            <a:off x="910091" y="3040053"/>
+            <a:off x="838200" y="3040053"/>
             <a:ext cx="419548" cy="2860"/>
           </a:xfrm>
           <a:prstGeom prst="bentConnector3">
@@ -3873,13 +3866,14 @@
         <p:nvCxnSpPr>
           <p:cNvPr id="21" name="Straight Connector 20"/>
           <p:cNvCxnSpPr>
+            <a:cxnSpLocks/>
             <a:stCxn id="120" idx="3"/>
           </p:cNvCxnSpPr>
           <p:nvPr/>
         </p:nvCxnSpPr>
         <p:spPr>
-          <a:xfrm flipV="1">
-            <a:off x="1849924" y="3040052"/>
+          <a:xfrm>
+            <a:off x="1775724" y="3040052"/>
             <a:ext cx="216105" cy="1"/>
           </a:xfrm>
           <a:prstGeom prst="line">
@@ -3920,7 +3914,7 @@
         </p:nvSpPr>
         <p:spPr>
           <a:xfrm>
-            <a:off x="2420322" y="3239846"/>
+            <a:off x="2354752" y="3239846"/>
             <a:ext cx="236048" cy="173380"/>
           </a:xfrm>
           <a:prstGeom prst="flowChartDecision">
@@ -3967,6 +3961,7 @@
         <p:nvCxnSpPr>
           <p:cNvPr id="97" name="Elbow Connector 63"/>
           <p:cNvCxnSpPr>
+            <a:cxnSpLocks/>
             <a:stCxn id="99" idx="3"/>
             <a:endCxn id="50" idx="1"/>
           </p:cNvCxnSpPr>
@@ -3975,7 +3970,7 @@
         <p:spPr>
           <a:xfrm flipV="1">
             <a:off x="4398041" y="3331820"/>
-            <a:ext cx="223324" cy="1"/>
+            <a:ext cx="97759" cy="1"/>
           </a:xfrm>
           <a:prstGeom prst="bentConnector3">
             <a:avLst>
@@ -4068,6 +4063,7 @@
         <p:nvCxnSpPr>
           <p:cNvPr id="124" name="Elbow Connector 122"/>
           <p:cNvCxnSpPr>
+            <a:cxnSpLocks/>
             <a:stCxn id="50" idx="3"/>
             <a:endCxn id="66" idx="1"/>
           </p:cNvCxnSpPr>
@@ -4075,8 +4071,8 @@
         </p:nvCxnSpPr>
         <p:spPr>
           <a:xfrm>
-            <a:off x="5791200" y="3331820"/>
-            <a:ext cx="228600" cy="1970"/>
+            <a:off x="5872137" y="3331820"/>
+            <a:ext cx="242356" cy="1970"/>
           </a:xfrm>
           <a:prstGeom prst="bentConnector3">
             <a:avLst>
@@ -4118,8 +4114,8 @@
         </p:nvSpPr>
         <p:spPr>
           <a:xfrm>
-            <a:off x="4621365" y="3158440"/>
-            <a:ext cx="1169835" cy="346760"/>
+            <a:off x="4495800" y="3158440"/>
+            <a:ext cx="1376337" cy="346760"/>
           </a:xfrm>
           <a:prstGeom prst="rect">
             <a:avLst/>
@@ -4147,27 +4143,17 @@
           <a:p>
             <a:pPr algn="ctr"/>
             <a:r>
-              <a:rPr lang="en-US" sz="1050" b="1" dirty="0" err="1" smtClean="0">
+              <a:rPr lang="en-US" sz="1050" b="1" dirty="0" err="1">
                 <a:solidFill>
                   <a:schemeClr val="accent6">
                     <a:lumMod val="75000"/>
                   </a:schemeClr>
                 </a:solidFill>
               </a:rPr>
-              <a:t>XmlAddressBook</a:t>
-            </a:r>
-            <a:r>
-              <a:rPr lang="en-US" sz="1050" b="1" dirty="0" smtClean="0">
-                <a:solidFill>
-                  <a:schemeClr val="accent6">
-                    <a:lumMod val="75000"/>
-                  </a:schemeClr>
-                </a:solidFill>
-              </a:rPr>
-              <a:t/>
+              <a:t>XmlSchedulePlanner</a:t>
             </a:r>
             <a:br>
-              <a:rPr lang="en-US" sz="1050" b="1" dirty="0" smtClean="0">
+              <a:rPr lang="en-US" sz="1050" b="1" dirty="0">
                 <a:solidFill>
                   <a:schemeClr val="accent6">
                     <a:lumMod val="75000"/>
@@ -4176,7 +4162,7 @@
               </a:rPr>
             </a:br>
             <a:r>
-              <a:rPr lang="en-US" sz="1050" b="1" dirty="0" smtClean="0">
+              <a:rPr lang="en-US" sz="1050" b="1" dirty="0">
                 <a:solidFill>
                   <a:schemeClr val="accent6">
                     <a:lumMod val="75000"/>
@@ -4243,7 +4229,7 @@
           <a:p>
             <a:pPr algn="ctr"/>
             <a:r>
-              <a:rPr lang="en-US" sz="1050" dirty="0" smtClean="0">
+              <a:rPr lang="en-US" sz="1050" dirty="0">
                 <a:solidFill>
                   <a:schemeClr val="bg1"/>
                 </a:solidFill>
@@ -4251,14 +4237,14 @@
               <a:t>&lt;&lt;interface&gt;&gt;</a:t>
             </a:r>
             <a:br>
-              <a:rPr lang="en-US" sz="1050" dirty="0" smtClean="0">
+              <a:rPr lang="en-US" sz="1050" dirty="0">
                 <a:solidFill>
                   <a:schemeClr val="bg1"/>
                 </a:solidFill>
               </a:rPr>
             </a:br>
             <a:r>
-              <a:rPr lang="en-US" sz="1050" dirty="0" err="1" smtClean="0">
+              <a:rPr lang="en-US" sz="1050" dirty="0" err="1">
                 <a:solidFill>
                   <a:schemeClr val="bg1"/>
                 </a:solidFill>
@@ -4277,15 +4263,15 @@
         <p:nvCxnSpPr>
           <p:cNvPr id="54" name="Straight Arrow Connector 53"/>
           <p:cNvCxnSpPr>
+            <a:cxnSpLocks/>
             <a:stCxn id="56" idx="3"/>
-            <a:endCxn id="52" idx="1"/>
           </p:cNvCxnSpPr>
           <p:nvPr/>
         </p:nvCxnSpPr>
         <p:spPr>
           <a:xfrm>
-            <a:off x="2653133" y="2726136"/>
-            <a:ext cx="220810" cy="5284"/>
+            <a:off x="2590800" y="2726136"/>
+            <a:ext cx="206943" cy="5284"/>
           </a:xfrm>
           <a:prstGeom prst="straightConnector1">
             <a:avLst/>
@@ -4324,7 +4310,7 @@
         </p:nvSpPr>
         <p:spPr>
           <a:xfrm>
-            <a:off x="2417085" y="2639446"/>
+            <a:off x="2354752" y="2639446"/>
             <a:ext cx="236048" cy="173380"/>
           </a:xfrm>
           <a:prstGeom prst="flowChartDecision">
@@ -4516,30 +4502,22 @@
           <a:p>
             <a:pPr algn="ctr"/>
             <a:r>
-              <a:rPr lang="en-US" sz="1050" dirty="0" err="1" smtClean="0">
+              <a:rPr lang="en-US" sz="1050" dirty="0" err="1">
                 <a:solidFill>
                   <a:schemeClr val="bg1"/>
                 </a:solidFill>
               </a:rPr>
               <a:t>JsonUserPrefs</a:t>
             </a:r>
-            <a:r>
-              <a:rPr lang="en-US" sz="1050" dirty="0" smtClean="0">
-                <a:solidFill>
-                  <a:schemeClr val="bg1"/>
-                </a:solidFill>
-              </a:rPr>
-              <a:t/>
-            </a:r>
             <a:br>
-              <a:rPr lang="en-US" sz="1050" dirty="0" smtClean="0">
+              <a:rPr lang="en-US" sz="1050" dirty="0">
                 <a:solidFill>
                   <a:schemeClr val="bg1"/>
                 </a:solidFill>
               </a:rPr>
             </a:br>
             <a:r>
-              <a:rPr lang="en-US" sz="1050" dirty="0" smtClean="0">
+              <a:rPr lang="en-US" sz="1050" dirty="0">
                 <a:solidFill>
                   <a:schemeClr val="bg1"/>
                 </a:solidFill>
@@ -4562,7 +4540,7 @@
         </p:nvSpPr>
         <p:spPr>
           <a:xfrm>
-            <a:off x="6019800" y="3160410"/>
+            <a:off x="6114493" y="3160410"/>
             <a:ext cx="1200707" cy="346760"/>
           </a:xfrm>
           <a:prstGeom prst="rect">
@@ -4591,7 +4569,7 @@
           <a:p>
             <a:pPr algn="ctr"/>
             <a:r>
-              <a:rPr lang="en-US" sz="1050" b="1" dirty="0" err="1" smtClean="0">
+              <a:rPr lang="en-US" sz="1050" b="1" dirty="0" err="1">
                 <a:solidFill>
                   <a:schemeClr val="accent6">
                     <a:lumMod val="75000"/>
@@ -4600,18 +4578,8 @@
               </a:rPr>
               <a:t>XmlSerializable</a:t>
             </a:r>
-            <a:r>
-              <a:rPr lang="en-US" sz="1050" b="1" dirty="0" smtClean="0">
-                <a:solidFill>
-                  <a:schemeClr val="accent6">
-                    <a:lumMod val="75000"/>
-                  </a:schemeClr>
-                </a:solidFill>
-              </a:rPr>
-              <a:t/>
-            </a:r>
             <a:br>
-              <a:rPr lang="en-US" sz="1050" b="1" dirty="0" smtClean="0">
+              <a:rPr lang="en-US" sz="1050" b="1" dirty="0">
                 <a:solidFill>
                   <a:schemeClr val="accent6">
                     <a:lumMod val="75000"/>
@@ -4620,14 +4588,14 @@
               </a:rPr>
             </a:br>
             <a:r>
-              <a:rPr lang="en-US" sz="1050" b="1" dirty="0" err="1" smtClean="0">
+              <a:rPr lang="en-US" sz="1050" b="1" dirty="0" err="1">
                 <a:solidFill>
                   <a:schemeClr val="accent6">
                     <a:lumMod val="75000"/>
                   </a:schemeClr>
                 </a:solidFill>
               </a:rPr>
-              <a:t>AddressBook</a:t>
+              <a:t>SchedulePlanner</a:t>
             </a:r>
             <a:endParaRPr lang="en-SG" sz="1050" b="1" dirty="0">
               <a:solidFill>
@@ -4643,15 +4611,15 @@
         <p:nvCxnSpPr>
           <p:cNvPr id="70" name="Elbow Connector 122"/>
           <p:cNvCxnSpPr>
+            <a:cxnSpLocks/>
             <a:stCxn id="74" idx="0"/>
-            <a:endCxn id="73" idx="2"/>
           </p:cNvCxnSpPr>
           <p:nvPr/>
         </p:nvCxnSpPr>
         <p:spPr>
           <a:xfrm rot="5400000" flipH="1" flipV="1">
-            <a:off x="8077993" y="2992020"/>
-            <a:ext cx="335208" cy="12700"/>
+            <a:off x="8099122" y="3013149"/>
+            <a:ext cx="292951" cy="1"/>
           </a:xfrm>
           <a:prstGeom prst="bentConnector3">
             <a:avLst>
@@ -4717,7 +4685,7 @@
           <a:p>
             <a:pPr algn="ctr"/>
             <a:r>
-              <a:rPr lang="en-US" sz="1050" b="1" dirty="0" err="1" smtClean="0">
+              <a:rPr lang="en-US" sz="1050" b="1" dirty="0" err="1">
                 <a:solidFill>
                   <a:schemeClr val="accent6">
                     <a:lumMod val="75000"/>
@@ -4773,14 +4741,14 @@
           <a:p>
             <a:pPr algn="ctr"/>
             <a:r>
-              <a:rPr lang="en-US" sz="1050" b="1" dirty="0" err="1" smtClean="0">
+              <a:rPr lang="en-US" sz="1050" b="1" dirty="0" err="1">
                 <a:solidFill>
                   <a:schemeClr val="accent6">
                     <a:lumMod val="75000"/>
                   </a:schemeClr>
                 </a:solidFill>
               </a:rPr>
-              <a:t>XmlAdaptedPerson</a:t>
+              <a:t>XmlAdaptedTask</a:t>
             </a:r>
             <a:endParaRPr lang="en-SG" sz="1050" b="1" dirty="0">
               <a:solidFill>
@@ -4803,8 +4771,241 @@
         </p:nvCxnSpPr>
         <p:spPr>
           <a:xfrm flipV="1">
-            <a:off x="7220507" y="3333004"/>
-            <a:ext cx="395231" cy="786"/>
+            <a:off x="7315200" y="3333004"/>
+            <a:ext cx="300538" cy="786"/>
+          </a:xfrm>
+          <a:prstGeom prst="bentConnector3">
+            <a:avLst>
+              <a:gd name="adj1" fmla="val 50000"/>
+            </a:avLst>
+          </a:prstGeom>
+          <a:ln w="19050">
+            <a:prstDash val="sysDot"/>
+            <a:headEnd type="none" w="med" len="med"/>
+            <a:tailEnd type="arrow" w="med" len="med"/>
+          </a:ln>
+          <a:effectLst/>
+        </p:spPr>
+        <p:style>
+          <a:lnRef idx="1">
+            <a:schemeClr val="accent6"/>
+          </a:lnRef>
+          <a:fillRef idx="2">
+            <a:schemeClr val="accent6"/>
+          </a:fillRef>
+          <a:effectRef idx="1">
+            <a:schemeClr val="accent6"/>
+          </a:effectRef>
+          <a:fontRef idx="minor">
+            <a:schemeClr val="dk1"/>
+          </a:fontRef>
+        </p:style>
+      </p:cxnSp>
+      <p:sp>
+        <p:nvSpPr>
+          <p:cNvPr id="38" name="Rectangle 8">
+            <a:extLst>
+              <a:ext uri="{FF2B5EF4-FFF2-40B4-BE49-F238E27FC236}">
+                <a16:creationId xmlns:a16="http://schemas.microsoft.com/office/drawing/2014/main" id="{BBECE7E8-A6A3-4472-A8D2-C3F30D1C25D0}"/>
+              </a:ext>
+            </a:extLst>
+          </p:cNvPr>
+          <p:cNvSpPr/>
+          <p:nvPr/>
+        </p:nvSpPr>
+        <p:spPr>
+          <a:xfrm>
+            <a:off x="4511056" y="3848752"/>
+            <a:ext cx="1200707" cy="451208"/>
+          </a:xfrm>
+          <a:prstGeom prst="rect">
+            <a:avLst/>
+          </a:prstGeom>
+          <a:ln w="19050"/>
+          <a:effectLst/>
+        </p:spPr>
+        <p:style>
+          <a:lnRef idx="1">
+            <a:schemeClr val="accent6"/>
+          </a:lnRef>
+          <a:fillRef idx="2">
+            <a:schemeClr val="accent6"/>
+          </a:fillRef>
+          <a:effectRef idx="1">
+            <a:schemeClr val="accent6"/>
+          </a:effectRef>
+          <a:fontRef idx="minor">
+            <a:schemeClr val="dk1"/>
+          </a:fontRef>
+        </p:style>
+        <p:txBody>
+          <a:bodyPr rtlCol="0" anchor="ctr"/>
+          <a:lstStyle/>
+          <a:p>
+            <a:pPr algn="ctr"/>
+            <a:r>
+              <a:rPr lang="en-US" sz="1050" b="1" dirty="0" err="1">
+                <a:solidFill>
+                  <a:schemeClr val="accent6">
+                    <a:lumMod val="75000"/>
+                  </a:schemeClr>
+                </a:solidFill>
+              </a:rPr>
+              <a:t>XmlSerializable</a:t>
+            </a:r>
+            <a:br>
+              <a:rPr lang="en-US" sz="1050" b="1" dirty="0">
+                <a:solidFill>
+                  <a:schemeClr val="accent6">
+                    <a:lumMod val="75000"/>
+                  </a:schemeClr>
+                </a:solidFill>
+              </a:rPr>
+            </a:br>
+            <a:r>
+              <a:rPr lang="en-US" sz="1050" b="1" dirty="0" err="1">
+                <a:solidFill>
+                  <a:schemeClr val="accent6">
+                    <a:lumMod val="75000"/>
+                  </a:schemeClr>
+                </a:solidFill>
+              </a:rPr>
+              <a:t>RangeOfWeek</a:t>
+            </a:r>
+            <a:endParaRPr lang="en-SG" sz="1050" b="1" dirty="0">
+              <a:solidFill>
+                <a:schemeClr val="accent6">
+                  <a:lumMod val="75000"/>
+                </a:schemeClr>
+              </a:solidFill>
+            </a:endParaRPr>
+          </a:p>
+        </p:txBody>
+      </p:sp>
+      <p:sp>
+        <p:nvSpPr>
+          <p:cNvPr id="41" name="Rectangle 8">
+            <a:extLst>
+              <a:ext uri="{FF2B5EF4-FFF2-40B4-BE49-F238E27FC236}">
+                <a16:creationId xmlns:a16="http://schemas.microsoft.com/office/drawing/2014/main" id="{CAAB54BB-C32B-46A0-919F-5EB82448FF40}"/>
+              </a:ext>
+            </a:extLst>
+          </p:cNvPr>
+          <p:cNvSpPr/>
+          <p:nvPr/>
+        </p:nvSpPr>
+        <p:spPr>
+          <a:xfrm>
+            <a:off x="6012300" y="3952414"/>
+            <a:ext cx="1836299" cy="346760"/>
+          </a:xfrm>
+          <a:prstGeom prst="rect">
+            <a:avLst/>
+          </a:prstGeom>
+          <a:ln w="19050"/>
+          <a:effectLst/>
+        </p:spPr>
+        <p:style>
+          <a:lnRef idx="1">
+            <a:schemeClr val="accent6"/>
+          </a:lnRef>
+          <a:fillRef idx="2">
+            <a:schemeClr val="accent6"/>
+          </a:fillRef>
+          <a:effectRef idx="1">
+            <a:schemeClr val="accent6"/>
+          </a:effectRef>
+          <a:fontRef idx="minor">
+            <a:schemeClr val="dk1"/>
+          </a:fontRef>
+        </p:style>
+        <p:txBody>
+          <a:bodyPr rtlCol="0" anchor="ctr"/>
+          <a:lstStyle/>
+          <a:p>
+            <a:pPr algn="ctr"/>
+            <a:r>
+              <a:rPr lang="en-US" sz="1050" b="1" dirty="0" err="1">
+                <a:solidFill>
+                  <a:schemeClr val="accent6">
+                    <a:lumMod val="75000"/>
+                  </a:schemeClr>
+                </a:solidFill>
+              </a:rPr>
+              <a:t>XmlAdaptedRangeOfWeek</a:t>
+            </a:r>
+            <a:endParaRPr lang="en-SG" sz="1050" b="1" dirty="0">
+              <a:solidFill>
+                <a:schemeClr val="accent6">
+                  <a:lumMod val="75000"/>
+                </a:schemeClr>
+              </a:solidFill>
+            </a:endParaRPr>
+          </a:p>
+        </p:txBody>
+      </p:sp>
+      <p:cxnSp>
+        <p:nvCxnSpPr>
+          <p:cNvPr id="44" name="Elbow Connector 122">
+            <a:extLst>
+              <a:ext uri="{FF2B5EF4-FFF2-40B4-BE49-F238E27FC236}">
+                <a16:creationId xmlns:a16="http://schemas.microsoft.com/office/drawing/2014/main" id="{89B07199-7724-4C65-933F-C90D9344F995}"/>
+              </a:ext>
+            </a:extLst>
+          </p:cNvPr>
+          <p:cNvCxnSpPr/>
+          <p:nvPr/>
+        </p:nvCxnSpPr>
+        <p:spPr>
+          <a:xfrm flipV="1">
+            <a:off x="5719262" y="4114800"/>
+            <a:ext cx="300538" cy="786"/>
+          </a:xfrm>
+          <a:prstGeom prst="bentConnector3">
+            <a:avLst>
+              <a:gd name="adj1" fmla="val 50000"/>
+            </a:avLst>
+          </a:prstGeom>
+          <a:ln w="19050">
+            <a:prstDash val="sysDot"/>
+            <a:headEnd type="none" w="med" len="med"/>
+            <a:tailEnd type="arrow" w="med" len="med"/>
+          </a:ln>
+          <a:effectLst/>
+        </p:spPr>
+        <p:style>
+          <a:lnRef idx="1">
+            <a:schemeClr val="accent6"/>
+          </a:lnRef>
+          <a:fillRef idx="2">
+            <a:schemeClr val="accent6"/>
+          </a:fillRef>
+          <a:effectRef idx="1">
+            <a:schemeClr val="accent6"/>
+          </a:effectRef>
+          <a:fontRef idx="minor">
+            <a:schemeClr val="dk1"/>
+          </a:fontRef>
+        </p:style>
+      </p:cxnSp>
+      <p:cxnSp>
+        <p:nvCxnSpPr>
+          <p:cNvPr id="49" name="Elbow Connector 122">
+            <a:extLst>
+              <a:ext uri="{FF2B5EF4-FFF2-40B4-BE49-F238E27FC236}">
+                <a16:creationId xmlns:a16="http://schemas.microsoft.com/office/drawing/2014/main" id="{8F5E9A03-1A6D-431B-8B7A-46EC454FD85D}"/>
+              </a:ext>
+            </a:extLst>
+          </p:cNvPr>
+          <p:cNvCxnSpPr>
+            <a:cxnSpLocks/>
+          </p:cNvCxnSpPr>
+          <p:nvPr/>
+        </p:nvCxnSpPr>
+        <p:spPr>
+          <a:xfrm rot="5400000" flipH="1" flipV="1">
+            <a:off x="4958924" y="3663524"/>
+            <a:ext cx="292951" cy="1"/>
           </a:xfrm>
           <a:prstGeom prst="bentConnector3">
             <a:avLst>
@@ -4843,13 +5044,6 @@
   <p:clrMapOvr>
     <a:masterClrMapping/>
   </p:clrMapOvr>
-  <p:timing>
-    <p:tnLst>
-      <p:par>
-        <p:cTn id="1" dur="indefinite" restart="never" nodeType="tmRoot"/>
-      </p:par>
-    </p:tnLst>
-  </p:timing>
 </p:sld>
 </file>
 

--- a/docs/diagrams/StorageComponentClassDiagram.pptx
+++ b/docs/diagrams/StorageComponentClassDiagram.pptx
@@ -107,6 +107,22 @@
       </a:defRPr>
     </a:lvl9pPr>
   </p:defaultTextStyle>
+  <p:extLst>
+    <p:ext uri="{EFAFB233-063F-42B5-8137-9DF3F51BA10A}">
+      <p15:sldGuideLst xmlns:p15="http://schemas.microsoft.com/office/powerpoint/2012/main">
+        <p15:guide id="1" orient="horz" pos="1488">
+          <p15:clr>
+            <a:srgbClr val="A4A3A4"/>
+          </p15:clr>
+        </p15:guide>
+        <p15:guide id="2" pos="2880">
+          <p15:clr>
+            <a:srgbClr val="A4A3A4"/>
+          </p15:clr>
+        </p15:guide>
+      </p15:sldGuideLst>
+    </p:ext>
+  </p:extLst>
 </p:presentation>
 </file>
 
@@ -192,7 +208,7 @@
           <a:p>
             <a:fld id="{F5CC4B3F-88C1-4FFA-B1B6-F41C21DC6924}" type="datetimeFigureOut">
               <a:rPr lang="en-US" smtClean="0"/>
-              <a:t>10/16/2016</a:t>
+              <a:t>10/23/18</a:t>
             </a:fld>
             <a:endParaRPr lang="en-US"/>
           </a:p>
@@ -641,7 +657,7 @@
           <a:p>
             <a:fld id="{78C97017-6FC3-485B-9764-EAC9E56C1D49}" type="datetimeFigureOut">
               <a:rPr lang="en-US" smtClean="0"/>
-              <a:t>10/16/2016</a:t>
+              <a:t>10/23/18</a:t>
             </a:fld>
             <a:endParaRPr lang="en-US"/>
           </a:p>
@@ -811,7 +827,7 @@
           <a:p>
             <a:fld id="{78C97017-6FC3-485B-9764-EAC9E56C1D49}" type="datetimeFigureOut">
               <a:rPr lang="en-US" smtClean="0"/>
-              <a:t>10/16/2016</a:t>
+              <a:t>10/23/18</a:t>
             </a:fld>
             <a:endParaRPr lang="en-US"/>
           </a:p>
@@ -991,7 +1007,7 @@
           <a:p>
             <a:fld id="{78C97017-6FC3-485B-9764-EAC9E56C1D49}" type="datetimeFigureOut">
               <a:rPr lang="en-US" smtClean="0"/>
-              <a:t>10/16/2016</a:t>
+              <a:t>10/23/18</a:t>
             </a:fld>
             <a:endParaRPr lang="en-US"/>
           </a:p>
@@ -1161,7 +1177,7 @@
           <a:p>
             <a:fld id="{78C97017-6FC3-485B-9764-EAC9E56C1D49}" type="datetimeFigureOut">
               <a:rPr lang="en-US" smtClean="0"/>
-              <a:t>10/16/2016</a:t>
+              <a:t>10/23/18</a:t>
             </a:fld>
             <a:endParaRPr lang="en-US"/>
           </a:p>
@@ -1407,7 +1423,7 @@
           <a:p>
             <a:fld id="{78C97017-6FC3-485B-9764-EAC9E56C1D49}" type="datetimeFigureOut">
               <a:rPr lang="en-US" smtClean="0"/>
-              <a:t>10/16/2016</a:t>
+              <a:t>10/23/18</a:t>
             </a:fld>
             <a:endParaRPr lang="en-US"/>
           </a:p>
@@ -1695,7 +1711,7 @@
           <a:p>
             <a:fld id="{78C97017-6FC3-485B-9764-EAC9E56C1D49}" type="datetimeFigureOut">
               <a:rPr lang="en-US" smtClean="0"/>
-              <a:t>10/16/2016</a:t>
+              <a:t>10/23/18</a:t>
             </a:fld>
             <a:endParaRPr lang="en-US"/>
           </a:p>
@@ -2117,7 +2133,7 @@
           <a:p>
             <a:fld id="{78C97017-6FC3-485B-9764-EAC9E56C1D49}" type="datetimeFigureOut">
               <a:rPr lang="en-US" smtClean="0"/>
-              <a:t>10/16/2016</a:t>
+              <a:t>10/23/18</a:t>
             </a:fld>
             <a:endParaRPr lang="en-US"/>
           </a:p>
@@ -2235,7 +2251,7 @@
           <a:p>
             <a:fld id="{78C97017-6FC3-485B-9764-EAC9E56C1D49}" type="datetimeFigureOut">
               <a:rPr lang="en-US" smtClean="0"/>
-              <a:t>10/16/2016</a:t>
+              <a:t>10/23/18</a:t>
             </a:fld>
             <a:endParaRPr lang="en-US"/>
           </a:p>
@@ -2330,7 +2346,7 @@
           <a:p>
             <a:fld id="{78C97017-6FC3-485B-9764-EAC9E56C1D49}" type="datetimeFigureOut">
               <a:rPr lang="en-US" smtClean="0"/>
-              <a:t>10/16/2016</a:t>
+              <a:t>10/23/18</a:t>
             </a:fld>
             <a:endParaRPr lang="en-US"/>
           </a:p>
@@ -2607,7 +2623,7 @@
           <a:p>
             <a:fld id="{78C97017-6FC3-485B-9764-EAC9E56C1D49}" type="datetimeFigureOut">
               <a:rPr lang="en-US" smtClean="0"/>
-              <a:t>10/16/2016</a:t>
+              <a:t>10/23/18</a:t>
             </a:fld>
             <a:endParaRPr lang="en-US"/>
           </a:p>
@@ -2860,7 +2876,7 @@
           <a:p>
             <a:fld id="{78C97017-6FC3-485B-9764-EAC9E56C1D49}" type="datetimeFigureOut">
               <a:rPr lang="en-US" smtClean="0"/>
-              <a:t>10/16/2016</a:t>
+              <a:t>10/23/18</a:t>
             </a:fld>
             <a:endParaRPr lang="en-US"/>
           </a:p>
@@ -3073,7 +3089,7 @@
           <a:p>
             <a:fld id="{78C97017-6FC3-485B-9764-EAC9E56C1D49}" type="datetimeFigureOut">
               <a:rPr lang="en-US" smtClean="0"/>
-              <a:t>10/16/2016</a:t>
+              <a:t>10/23/18</a:t>
             </a:fld>
             <a:endParaRPr lang="en-US"/>
           </a:p>
@@ -3457,7 +3473,7 @@
         <p:spPr>
           <a:xfrm>
             <a:off x="1119865" y="2086382"/>
-            <a:ext cx="7871735" cy="1723618"/>
+            <a:ext cx="6957335" cy="1723618"/>
           </a:xfrm>
           <a:prstGeom prst="roundRect">
             <a:avLst>
@@ -3561,7 +3577,7 @@
           <a:p>
             <a:pPr algn="ctr"/>
             <a:r>
-              <a:rPr lang="en-US" sz="1050" dirty="0" smtClean="0">
+              <a:rPr lang="en-US" sz="1050" dirty="0">
                 <a:solidFill>
                   <a:schemeClr val="bg1"/>
                 </a:solidFill>
@@ -3569,19 +3585,19 @@
               <a:t>&lt;&lt;interface&gt;&gt;</a:t>
             </a:r>
             <a:br>
-              <a:rPr lang="en-US" sz="1050" dirty="0" smtClean="0">
+              <a:rPr lang="en-US" sz="1050" dirty="0">
                 <a:solidFill>
                   <a:schemeClr val="bg1"/>
                 </a:solidFill>
               </a:rPr>
             </a:br>
             <a:r>
-              <a:rPr lang="en-US" sz="1050" dirty="0" err="1" smtClean="0">
+              <a:rPr lang="en-US" sz="1050" dirty="0" err="1">
                 <a:solidFill>
                   <a:schemeClr val="bg1"/>
                 </a:solidFill>
               </a:rPr>
-              <a:t>AddressBookStorage</a:t>
+              <a:t>LibraryStorage</a:t>
             </a:r>
             <a:endParaRPr lang="en-SG" sz="1050" dirty="0">
               <a:solidFill>
@@ -4076,7 +4092,7 @@
         <p:spPr>
           <a:xfrm>
             <a:off x="5791200" y="3331820"/>
-            <a:ext cx="228600" cy="1970"/>
+            <a:ext cx="838200" cy="1150"/>
           </a:xfrm>
           <a:prstGeom prst="bentConnector3">
             <a:avLst>
@@ -4147,17 +4163,17 @@
           <a:p>
             <a:pPr algn="ctr"/>
             <a:r>
-              <a:rPr lang="en-US" sz="1050" b="1" dirty="0" err="1" smtClean="0">
+              <a:rPr lang="en-US" sz="1050" b="1" dirty="0" err="1">
                 <a:solidFill>
                   <a:schemeClr val="accent6">
                     <a:lumMod val="75000"/>
                   </a:schemeClr>
                 </a:solidFill>
               </a:rPr>
-              <a:t>XmlAddressBook</a:t>
-            </a:r>
-            <a:r>
-              <a:rPr lang="en-US" sz="1050" b="1" dirty="0" smtClean="0">
+              <a:t>JsonLibrary</a:t>
+            </a:r>
+            <a:r>
+              <a:rPr lang="en-US" sz="1050" b="1" dirty="0">
                 <a:solidFill>
                   <a:schemeClr val="accent6">
                     <a:lumMod val="75000"/>
@@ -4167,7 +4183,7 @@
               <a:t/>
             </a:r>
             <a:br>
-              <a:rPr lang="en-US" sz="1050" b="1" dirty="0" smtClean="0">
+              <a:rPr lang="en-US" sz="1050" b="1" dirty="0">
                 <a:solidFill>
                   <a:schemeClr val="accent6">
                     <a:lumMod val="75000"/>
@@ -4176,7 +4192,7 @@
               </a:rPr>
             </a:br>
             <a:r>
-              <a:rPr lang="en-US" sz="1050" b="1" dirty="0" smtClean="0">
+              <a:rPr lang="en-US" sz="1050" b="1" dirty="0">
                 <a:solidFill>
                   <a:schemeClr val="accent6">
                     <a:lumMod val="75000"/>
@@ -4562,7 +4578,7 @@
         </p:nvSpPr>
         <p:spPr>
           <a:xfrm>
-            <a:off x="6019800" y="3160410"/>
+            <a:off x="6629400" y="3159590"/>
             <a:ext cx="1200707" cy="346760"/>
           </a:xfrm>
           <a:prstGeom prst="rect">
@@ -4591,43 +4607,14 @@
           <a:p>
             <a:pPr algn="ctr"/>
             <a:r>
-              <a:rPr lang="en-US" sz="1050" b="1" dirty="0" err="1" smtClean="0">
+              <a:rPr lang="en-US" sz="1050" b="1" dirty="0" err="1">
                 <a:solidFill>
                   <a:schemeClr val="accent6">
                     <a:lumMod val="75000"/>
                   </a:schemeClr>
                 </a:solidFill>
               </a:rPr>
-              <a:t>XmlSerializable</a:t>
-            </a:r>
-            <a:r>
-              <a:rPr lang="en-US" sz="1050" b="1" dirty="0" smtClean="0">
-                <a:solidFill>
-                  <a:schemeClr val="accent6">
-                    <a:lumMod val="75000"/>
-                  </a:schemeClr>
-                </a:solidFill>
-              </a:rPr>
-              <a:t/>
-            </a:r>
-            <a:br>
-              <a:rPr lang="en-US" sz="1050" b="1" dirty="0" smtClean="0">
-                <a:solidFill>
-                  <a:schemeClr val="accent6">
-                    <a:lumMod val="75000"/>
-                  </a:schemeClr>
-                </a:solidFill>
-              </a:rPr>
-            </a:br>
-            <a:r>
-              <a:rPr lang="en-US" sz="1050" b="1" dirty="0" err="1" smtClean="0">
-                <a:solidFill>
-                  <a:schemeClr val="accent6">
-                    <a:lumMod val="75000"/>
-                  </a:schemeClr>
-                </a:solidFill>
-              </a:rPr>
-              <a:t>AddressBook</a:t>
+              <a:t>LibraryRead</a:t>
             </a:r>
             <a:endParaRPr lang="en-SG" sz="1050" b="1" dirty="0">
               <a:solidFill>
@@ -4641,17 +4628,14 @@
       </p:sp>
       <p:cxnSp>
         <p:nvCxnSpPr>
-          <p:cNvPr id="70" name="Elbow Connector 122"/>
-          <p:cNvCxnSpPr>
-            <a:stCxn id="74" idx="0"/>
-            <a:endCxn id="73" idx="2"/>
-          </p:cNvCxnSpPr>
+          <p:cNvPr id="27" name="Elbow Connector 122"/>
+          <p:cNvCxnSpPr/>
           <p:nvPr/>
         </p:nvCxnSpPr>
         <p:spPr>
-          <a:xfrm rot="5400000" flipH="1" flipV="1">
-            <a:off x="8077993" y="2992020"/>
-            <a:ext cx="335208" cy="12700"/>
+          <a:xfrm flipV="1">
+            <a:off x="5791200" y="2687957"/>
+            <a:ext cx="838200" cy="638815"/>
           </a:xfrm>
           <a:prstGeom prst="bentConnector3">
             <a:avLst>
@@ -4659,6 +4643,11 @@
             </a:avLst>
           </a:prstGeom>
           <a:ln w="19050">
+            <a:solidFill>
+              <a:schemeClr val="accent6">
+                <a:lumMod val="75000"/>
+              </a:schemeClr>
+            </a:solidFill>
             <a:prstDash val="sysDot"/>
             <a:headEnd type="none" w="med" len="med"/>
             <a:tailEnd type="arrow" w="med" len="med"/>
@@ -4667,13 +4656,13 @@
         </p:spPr>
         <p:style>
           <a:lnRef idx="1">
-            <a:schemeClr val="accent6"/>
+            <a:schemeClr val="accent2"/>
           </a:lnRef>
           <a:fillRef idx="2">
-            <a:schemeClr val="accent6"/>
+            <a:schemeClr val="accent2"/>
           </a:fillRef>
           <a:effectRef idx="1">
-            <a:schemeClr val="accent6"/>
+            <a:schemeClr val="accent2"/>
           </a:effectRef>
           <a:fontRef idx="minor">
             <a:schemeClr val="dk1"/>
@@ -4682,14 +4671,14 @@
       </p:cxnSp>
       <p:sp>
         <p:nvSpPr>
-          <p:cNvPr id="73" name="Rectangle 8"/>
+          <p:cNvPr id="31" name="Rectangle 8"/>
           <p:cNvSpPr/>
           <p:nvPr/>
         </p:nvSpPr>
         <p:spPr>
           <a:xfrm>
-            <a:off x="7615738" y="2477656"/>
-            <a:ext cx="1259718" cy="346760"/>
+            <a:off x="6629400" y="2514600"/>
+            <a:ext cx="1200707" cy="346760"/>
           </a:xfrm>
           <a:prstGeom prst="rect">
             <a:avLst/>
@@ -4724,7 +4713,7 @@
                   </a:schemeClr>
                 </a:solidFill>
               </a:rPr>
-              <a:t>XmlAdaptedTag</a:t>
+              <a:t>TrackScanner</a:t>
             </a:r>
             <a:endParaRPr lang="en-SG" sz="1050" b="1" dirty="0">
               <a:solidFill>
@@ -4736,103 +4725,6 @@
           </a:p>
         </p:txBody>
       </p:sp>
-      <p:sp>
-        <p:nvSpPr>
-          <p:cNvPr id="74" name="Rectangle 8"/>
-          <p:cNvSpPr/>
-          <p:nvPr/>
-        </p:nvSpPr>
-        <p:spPr>
-          <a:xfrm>
-            <a:off x="7615738" y="3159624"/>
-            <a:ext cx="1259718" cy="346760"/>
-          </a:xfrm>
-          <a:prstGeom prst="rect">
-            <a:avLst/>
-          </a:prstGeom>
-          <a:ln w="19050"/>
-          <a:effectLst/>
-        </p:spPr>
-        <p:style>
-          <a:lnRef idx="1">
-            <a:schemeClr val="accent6"/>
-          </a:lnRef>
-          <a:fillRef idx="2">
-            <a:schemeClr val="accent6"/>
-          </a:fillRef>
-          <a:effectRef idx="1">
-            <a:schemeClr val="accent6"/>
-          </a:effectRef>
-          <a:fontRef idx="minor">
-            <a:schemeClr val="dk1"/>
-          </a:fontRef>
-        </p:style>
-        <p:txBody>
-          <a:bodyPr rtlCol="0" anchor="ctr"/>
-          <a:lstStyle/>
-          <a:p>
-            <a:pPr algn="ctr"/>
-            <a:r>
-              <a:rPr lang="en-US" sz="1050" b="1" dirty="0" err="1" smtClean="0">
-                <a:solidFill>
-                  <a:schemeClr val="accent6">
-                    <a:lumMod val="75000"/>
-                  </a:schemeClr>
-                </a:solidFill>
-              </a:rPr>
-              <a:t>XmlAdaptedPerson</a:t>
-            </a:r>
-            <a:endParaRPr lang="en-SG" sz="1050" b="1" dirty="0">
-              <a:solidFill>
-                <a:schemeClr val="accent6">
-                  <a:lumMod val="75000"/>
-                </a:schemeClr>
-              </a:solidFill>
-            </a:endParaRPr>
-          </a:p>
-        </p:txBody>
-      </p:sp>
-      <p:cxnSp>
-        <p:nvCxnSpPr>
-          <p:cNvPr id="77" name="Elbow Connector 122"/>
-          <p:cNvCxnSpPr>
-            <a:stCxn id="66" idx="3"/>
-            <a:endCxn id="74" idx="1"/>
-          </p:cNvCxnSpPr>
-          <p:nvPr/>
-        </p:nvCxnSpPr>
-        <p:spPr>
-          <a:xfrm flipV="1">
-            <a:off x="7220507" y="3333004"/>
-            <a:ext cx="395231" cy="786"/>
-          </a:xfrm>
-          <a:prstGeom prst="bentConnector3">
-            <a:avLst>
-              <a:gd name="adj1" fmla="val 50000"/>
-            </a:avLst>
-          </a:prstGeom>
-          <a:ln w="19050">
-            <a:prstDash val="sysDot"/>
-            <a:headEnd type="none" w="med" len="med"/>
-            <a:tailEnd type="arrow" w="med" len="med"/>
-          </a:ln>
-          <a:effectLst/>
-        </p:spPr>
-        <p:style>
-          <a:lnRef idx="1">
-            <a:schemeClr val="accent6"/>
-          </a:lnRef>
-          <a:fillRef idx="2">
-            <a:schemeClr val="accent6"/>
-          </a:fillRef>
-          <a:effectRef idx="1">
-            <a:schemeClr val="accent6"/>
-          </a:effectRef>
-          <a:fontRef idx="minor">
-            <a:schemeClr val="dk1"/>
-          </a:fontRef>
-        </p:style>
-      </p:cxnSp>
     </p:spTree>
     <p:extLst>
       <p:ext uri="{BB962C8B-B14F-4D97-AF65-F5344CB8AC3E}">

--- a/docs/diagrams/StorageComponentClassDiagram.pptx
+++ b/docs/diagrams/StorageComponentClassDiagram.pptx
@@ -107,6 +107,22 @@
       </a:defRPr>
     </a:lvl9pPr>
   </p:defaultTextStyle>
+  <p:extLst>
+    <p:ext uri="{EFAFB233-063F-42B5-8137-9DF3F51BA10A}">
+      <p15:sldGuideLst xmlns:p15="http://schemas.microsoft.com/office/powerpoint/2012/main">
+        <p15:guide id="1" orient="horz" pos="1488">
+          <p15:clr>
+            <a:srgbClr val="A4A3A4"/>
+          </p15:clr>
+        </p15:guide>
+        <p15:guide id="2" pos="2880">
+          <p15:clr>
+            <a:srgbClr val="A4A3A4"/>
+          </p15:clr>
+        </p15:guide>
+      </p15:sldGuideLst>
+    </p:ext>
+  </p:extLst>
 </p:presentation>
 </file>
 
@@ -192,7 +208,7 @@
           <a:p>
             <a:fld id="{F5CC4B3F-88C1-4FFA-B1B6-F41C21DC6924}" type="datetimeFigureOut">
               <a:rPr lang="en-US" smtClean="0"/>
-              <a:t>10/16/2016</a:t>
+              <a:t>10/24/2018</a:t>
             </a:fld>
             <a:endParaRPr lang="en-US"/>
           </a:p>
@@ -256,38 +272,37 @@
           <a:p>
             <a:pPr lvl="0"/>
             <a:r>
-              <a:rPr lang="en-US" smtClean="0"/>
+              <a:rPr lang="en-US"/>
               <a:t>Click to edit Master text styles</a:t>
             </a:r>
           </a:p>
           <a:p>
             <a:pPr lvl="1"/>
             <a:r>
-              <a:rPr lang="en-US" smtClean="0"/>
+              <a:rPr lang="en-US"/>
               <a:t>Second level</a:t>
             </a:r>
           </a:p>
           <a:p>
             <a:pPr lvl="2"/>
             <a:r>
-              <a:rPr lang="en-US" smtClean="0"/>
+              <a:rPr lang="en-US"/>
               <a:t>Third level</a:t>
             </a:r>
           </a:p>
           <a:p>
             <a:pPr lvl="3"/>
             <a:r>
-              <a:rPr lang="en-US" smtClean="0"/>
+              <a:rPr lang="en-US"/>
               <a:t>Fourth level</a:t>
             </a:r>
           </a:p>
           <a:p>
             <a:pPr lvl="4"/>
             <a:r>
-              <a:rPr lang="en-US" smtClean="0"/>
+              <a:rPr lang="en-US"/>
               <a:t>Fifth level</a:t>
             </a:r>
-            <a:endParaRPr lang="en-US"/>
           </a:p>
         </p:txBody>
       </p:sp>
@@ -498,10 +513,9 @@
           <a:lstStyle/>
           <a:p>
             <a:r>
-              <a:rPr lang="en-US" smtClean="0"/>
+              <a:rPr lang="en-US"/>
               <a:t>Click to edit Master title style</a:t>
             </a:r>
-            <a:endParaRPr lang="en-US"/>
           </a:p>
         </p:txBody>
       </p:sp>
@@ -617,10 +631,9 @@
           </a:lstStyle>
           <a:p>
             <a:r>
-              <a:rPr lang="en-US" smtClean="0"/>
+              <a:rPr lang="en-US"/>
               <a:t>Click to edit Master subtitle style</a:t>
             </a:r>
-            <a:endParaRPr lang="en-US"/>
           </a:p>
         </p:txBody>
       </p:sp>
@@ -641,7 +654,7 @@
           <a:p>
             <a:fld id="{78C97017-6FC3-485B-9764-EAC9E56C1D49}" type="datetimeFigureOut">
               <a:rPr lang="en-US" smtClean="0"/>
-              <a:t>10/16/2016</a:t>
+              <a:t>10/24/2018</a:t>
             </a:fld>
             <a:endParaRPr lang="en-US"/>
           </a:p>
@@ -735,10 +748,9 @@
           <a:lstStyle/>
           <a:p>
             <a:r>
-              <a:rPr lang="en-US" smtClean="0"/>
+              <a:rPr lang="en-US"/>
               <a:t>Click to edit Master title style</a:t>
             </a:r>
-            <a:endParaRPr lang="en-US"/>
           </a:p>
         </p:txBody>
       </p:sp>
@@ -759,38 +771,37 @@
           <a:p>
             <a:pPr lvl="0"/>
             <a:r>
-              <a:rPr lang="en-US" smtClean="0"/>
+              <a:rPr lang="en-US"/>
               <a:t>Click to edit Master text styles</a:t>
             </a:r>
           </a:p>
           <a:p>
             <a:pPr lvl="1"/>
             <a:r>
-              <a:rPr lang="en-US" smtClean="0"/>
+              <a:rPr lang="en-US"/>
               <a:t>Second level</a:t>
             </a:r>
           </a:p>
           <a:p>
             <a:pPr lvl="2"/>
             <a:r>
-              <a:rPr lang="en-US" smtClean="0"/>
+              <a:rPr lang="en-US"/>
               <a:t>Third level</a:t>
             </a:r>
           </a:p>
           <a:p>
             <a:pPr lvl="3"/>
             <a:r>
-              <a:rPr lang="en-US" smtClean="0"/>
+              <a:rPr lang="en-US"/>
               <a:t>Fourth level</a:t>
             </a:r>
           </a:p>
           <a:p>
             <a:pPr lvl="4"/>
             <a:r>
-              <a:rPr lang="en-US" smtClean="0"/>
+              <a:rPr lang="en-US"/>
               <a:t>Fifth level</a:t>
             </a:r>
-            <a:endParaRPr lang="en-US"/>
           </a:p>
         </p:txBody>
       </p:sp>
@@ -811,7 +822,7 @@
           <a:p>
             <a:fld id="{78C97017-6FC3-485B-9764-EAC9E56C1D49}" type="datetimeFigureOut">
               <a:rPr lang="en-US" smtClean="0"/>
-              <a:t>10/16/2016</a:t>
+              <a:t>10/24/2018</a:t>
             </a:fld>
             <a:endParaRPr lang="en-US"/>
           </a:p>
@@ -910,10 +921,9 @@
           <a:lstStyle/>
           <a:p>
             <a:r>
-              <a:rPr lang="en-US" smtClean="0"/>
+              <a:rPr lang="en-US"/>
               <a:t>Click to edit Master title style</a:t>
             </a:r>
-            <a:endParaRPr lang="en-US"/>
           </a:p>
         </p:txBody>
       </p:sp>
@@ -939,38 +949,37 @@
           <a:p>
             <a:pPr lvl="0"/>
             <a:r>
-              <a:rPr lang="en-US" smtClean="0"/>
+              <a:rPr lang="en-US"/>
               <a:t>Click to edit Master text styles</a:t>
             </a:r>
           </a:p>
           <a:p>
             <a:pPr lvl="1"/>
             <a:r>
-              <a:rPr lang="en-US" smtClean="0"/>
+              <a:rPr lang="en-US"/>
               <a:t>Second level</a:t>
             </a:r>
           </a:p>
           <a:p>
             <a:pPr lvl="2"/>
             <a:r>
-              <a:rPr lang="en-US" smtClean="0"/>
+              <a:rPr lang="en-US"/>
               <a:t>Third level</a:t>
             </a:r>
           </a:p>
           <a:p>
             <a:pPr lvl="3"/>
             <a:r>
-              <a:rPr lang="en-US" smtClean="0"/>
+              <a:rPr lang="en-US"/>
               <a:t>Fourth level</a:t>
             </a:r>
           </a:p>
           <a:p>
             <a:pPr lvl="4"/>
             <a:r>
-              <a:rPr lang="en-US" smtClean="0"/>
+              <a:rPr lang="en-US"/>
               <a:t>Fifth level</a:t>
             </a:r>
-            <a:endParaRPr lang="en-US"/>
           </a:p>
         </p:txBody>
       </p:sp>
@@ -991,7 +1000,7 @@
           <a:p>
             <a:fld id="{78C97017-6FC3-485B-9764-EAC9E56C1D49}" type="datetimeFigureOut">
               <a:rPr lang="en-US" smtClean="0"/>
-              <a:t>10/16/2016</a:t>
+              <a:t>10/24/2018</a:t>
             </a:fld>
             <a:endParaRPr lang="en-US"/>
           </a:p>
@@ -1085,10 +1094,9 @@
           <a:lstStyle/>
           <a:p>
             <a:r>
-              <a:rPr lang="en-US" smtClean="0"/>
+              <a:rPr lang="en-US"/>
               <a:t>Click to edit Master title style</a:t>
             </a:r>
-            <a:endParaRPr lang="en-US"/>
           </a:p>
         </p:txBody>
       </p:sp>
@@ -1109,38 +1117,37 @@
           <a:p>
             <a:pPr lvl="0"/>
             <a:r>
-              <a:rPr lang="en-US" smtClean="0"/>
+              <a:rPr lang="en-US"/>
               <a:t>Click to edit Master text styles</a:t>
             </a:r>
           </a:p>
           <a:p>
             <a:pPr lvl="1"/>
             <a:r>
-              <a:rPr lang="en-US" smtClean="0"/>
+              <a:rPr lang="en-US"/>
               <a:t>Second level</a:t>
             </a:r>
           </a:p>
           <a:p>
             <a:pPr lvl="2"/>
             <a:r>
-              <a:rPr lang="en-US" smtClean="0"/>
+              <a:rPr lang="en-US"/>
               <a:t>Third level</a:t>
             </a:r>
           </a:p>
           <a:p>
             <a:pPr lvl="3"/>
             <a:r>
-              <a:rPr lang="en-US" smtClean="0"/>
+              <a:rPr lang="en-US"/>
               <a:t>Fourth level</a:t>
             </a:r>
           </a:p>
           <a:p>
             <a:pPr lvl="4"/>
             <a:r>
-              <a:rPr lang="en-US" smtClean="0"/>
+              <a:rPr lang="en-US"/>
               <a:t>Fifth level</a:t>
             </a:r>
-            <a:endParaRPr lang="en-US"/>
           </a:p>
         </p:txBody>
       </p:sp>
@@ -1161,7 +1168,7 @@
           <a:p>
             <a:fld id="{78C97017-6FC3-485B-9764-EAC9E56C1D49}" type="datetimeFigureOut">
               <a:rPr lang="en-US" smtClean="0"/>
-              <a:t>10/16/2016</a:t>
+              <a:t>10/24/2018</a:t>
             </a:fld>
             <a:endParaRPr lang="en-US"/>
           </a:p>
@@ -1264,10 +1271,9 @@
           </a:lstStyle>
           <a:p>
             <a:r>
-              <a:rPr lang="en-US" smtClean="0"/>
+              <a:rPr lang="en-US"/>
               <a:t>Click to edit Master title style</a:t>
             </a:r>
-            <a:endParaRPr lang="en-US"/>
           </a:p>
         </p:txBody>
       </p:sp>
@@ -1384,7 +1390,7 @@
           <a:p>
             <a:pPr lvl="0"/>
             <a:r>
-              <a:rPr lang="en-US" smtClean="0"/>
+              <a:rPr lang="en-US"/>
               <a:t>Click to edit Master text styles</a:t>
             </a:r>
           </a:p>
@@ -1407,7 +1413,7 @@
           <a:p>
             <a:fld id="{78C97017-6FC3-485B-9764-EAC9E56C1D49}" type="datetimeFigureOut">
               <a:rPr lang="en-US" smtClean="0"/>
-              <a:t>10/16/2016</a:t>
+              <a:t>10/24/2018</a:t>
             </a:fld>
             <a:endParaRPr lang="en-US"/>
           </a:p>
@@ -1501,10 +1507,9 @@
           <a:lstStyle/>
           <a:p>
             <a:r>
-              <a:rPr lang="en-US" smtClean="0"/>
+              <a:rPr lang="en-US"/>
               <a:t>Click to edit Master title style</a:t>
             </a:r>
-            <a:endParaRPr lang="en-US"/>
           </a:p>
         </p:txBody>
       </p:sp>
@@ -1558,38 +1563,37 @@
           <a:p>
             <a:pPr lvl="0"/>
             <a:r>
-              <a:rPr lang="en-US" smtClean="0"/>
+              <a:rPr lang="en-US"/>
               <a:t>Click to edit Master text styles</a:t>
             </a:r>
           </a:p>
           <a:p>
             <a:pPr lvl="1"/>
             <a:r>
-              <a:rPr lang="en-US" smtClean="0"/>
+              <a:rPr lang="en-US"/>
               <a:t>Second level</a:t>
             </a:r>
           </a:p>
           <a:p>
             <a:pPr lvl="2"/>
             <a:r>
-              <a:rPr lang="en-US" smtClean="0"/>
+              <a:rPr lang="en-US"/>
               <a:t>Third level</a:t>
             </a:r>
           </a:p>
           <a:p>
             <a:pPr lvl="3"/>
             <a:r>
-              <a:rPr lang="en-US" smtClean="0"/>
+              <a:rPr lang="en-US"/>
               <a:t>Fourth level</a:t>
             </a:r>
           </a:p>
           <a:p>
             <a:pPr lvl="4"/>
             <a:r>
-              <a:rPr lang="en-US" smtClean="0"/>
+              <a:rPr lang="en-US"/>
               <a:t>Fifth level</a:t>
             </a:r>
-            <a:endParaRPr lang="en-US"/>
           </a:p>
         </p:txBody>
       </p:sp>
@@ -1643,38 +1647,37 @@
           <a:p>
             <a:pPr lvl="0"/>
             <a:r>
-              <a:rPr lang="en-US" smtClean="0"/>
+              <a:rPr lang="en-US"/>
               <a:t>Click to edit Master text styles</a:t>
             </a:r>
           </a:p>
           <a:p>
             <a:pPr lvl="1"/>
             <a:r>
-              <a:rPr lang="en-US" smtClean="0"/>
+              <a:rPr lang="en-US"/>
               <a:t>Second level</a:t>
             </a:r>
           </a:p>
           <a:p>
             <a:pPr lvl="2"/>
             <a:r>
-              <a:rPr lang="en-US" smtClean="0"/>
+              <a:rPr lang="en-US"/>
               <a:t>Third level</a:t>
             </a:r>
           </a:p>
           <a:p>
             <a:pPr lvl="3"/>
             <a:r>
-              <a:rPr lang="en-US" smtClean="0"/>
+              <a:rPr lang="en-US"/>
               <a:t>Fourth level</a:t>
             </a:r>
           </a:p>
           <a:p>
             <a:pPr lvl="4"/>
             <a:r>
-              <a:rPr lang="en-US" smtClean="0"/>
+              <a:rPr lang="en-US"/>
               <a:t>Fifth level</a:t>
             </a:r>
-            <a:endParaRPr lang="en-US"/>
           </a:p>
         </p:txBody>
       </p:sp>
@@ -1695,7 +1698,7 @@
           <a:p>
             <a:fld id="{78C97017-6FC3-485B-9764-EAC9E56C1D49}" type="datetimeFigureOut">
               <a:rPr lang="en-US" smtClean="0"/>
-              <a:t>10/16/2016</a:t>
+              <a:t>10/24/2018</a:t>
             </a:fld>
             <a:endParaRPr lang="en-US"/>
           </a:p>
@@ -1793,10 +1796,9 @@
           </a:lstStyle>
           <a:p>
             <a:r>
-              <a:rPr lang="en-US" smtClean="0"/>
+              <a:rPr lang="en-US"/>
               <a:t>Click to edit Master title style</a:t>
             </a:r>
-            <a:endParaRPr lang="en-US"/>
           </a:p>
         </p:txBody>
       </p:sp>
@@ -1859,7 +1861,7 @@
           <a:p>
             <a:pPr lvl="0"/>
             <a:r>
-              <a:rPr lang="en-US" smtClean="0"/>
+              <a:rPr lang="en-US"/>
               <a:t>Click to edit Master text styles</a:t>
             </a:r>
           </a:p>
@@ -1915,38 +1917,37 @@
           <a:p>
             <a:pPr lvl="0"/>
             <a:r>
-              <a:rPr lang="en-US" smtClean="0"/>
+              <a:rPr lang="en-US"/>
               <a:t>Click to edit Master text styles</a:t>
             </a:r>
           </a:p>
           <a:p>
             <a:pPr lvl="1"/>
             <a:r>
-              <a:rPr lang="en-US" smtClean="0"/>
+              <a:rPr lang="en-US"/>
               <a:t>Second level</a:t>
             </a:r>
           </a:p>
           <a:p>
             <a:pPr lvl="2"/>
             <a:r>
-              <a:rPr lang="en-US" smtClean="0"/>
+              <a:rPr lang="en-US"/>
               <a:t>Third level</a:t>
             </a:r>
           </a:p>
           <a:p>
             <a:pPr lvl="3"/>
             <a:r>
-              <a:rPr lang="en-US" smtClean="0"/>
+              <a:rPr lang="en-US"/>
               <a:t>Fourth level</a:t>
             </a:r>
           </a:p>
           <a:p>
             <a:pPr lvl="4"/>
             <a:r>
-              <a:rPr lang="en-US" smtClean="0"/>
+              <a:rPr lang="en-US"/>
               <a:t>Fifth level</a:t>
             </a:r>
-            <a:endParaRPr lang="en-US"/>
           </a:p>
         </p:txBody>
       </p:sp>
@@ -2009,7 +2010,7 @@
           <a:p>
             <a:pPr lvl="0"/>
             <a:r>
-              <a:rPr lang="en-US" smtClean="0"/>
+              <a:rPr lang="en-US"/>
               <a:t>Click to edit Master text styles</a:t>
             </a:r>
           </a:p>
@@ -2065,38 +2066,37 @@
           <a:p>
             <a:pPr lvl="0"/>
             <a:r>
-              <a:rPr lang="en-US" smtClean="0"/>
+              <a:rPr lang="en-US"/>
               <a:t>Click to edit Master text styles</a:t>
             </a:r>
           </a:p>
           <a:p>
             <a:pPr lvl="1"/>
             <a:r>
-              <a:rPr lang="en-US" smtClean="0"/>
+              <a:rPr lang="en-US"/>
               <a:t>Second level</a:t>
             </a:r>
           </a:p>
           <a:p>
             <a:pPr lvl="2"/>
             <a:r>
-              <a:rPr lang="en-US" smtClean="0"/>
+              <a:rPr lang="en-US"/>
               <a:t>Third level</a:t>
             </a:r>
           </a:p>
           <a:p>
             <a:pPr lvl="3"/>
             <a:r>
-              <a:rPr lang="en-US" smtClean="0"/>
+              <a:rPr lang="en-US"/>
               <a:t>Fourth level</a:t>
             </a:r>
           </a:p>
           <a:p>
             <a:pPr lvl="4"/>
             <a:r>
-              <a:rPr lang="en-US" smtClean="0"/>
+              <a:rPr lang="en-US"/>
               <a:t>Fifth level</a:t>
             </a:r>
-            <a:endParaRPr lang="en-US"/>
           </a:p>
         </p:txBody>
       </p:sp>
@@ -2117,7 +2117,7 @@
           <a:p>
             <a:fld id="{78C97017-6FC3-485B-9764-EAC9E56C1D49}" type="datetimeFigureOut">
               <a:rPr lang="en-US" smtClean="0"/>
-              <a:t>10/16/2016</a:t>
+              <a:t>10/24/2018</a:t>
             </a:fld>
             <a:endParaRPr lang="en-US"/>
           </a:p>
@@ -2211,10 +2211,9 @@
           <a:lstStyle/>
           <a:p>
             <a:r>
-              <a:rPr lang="en-US" smtClean="0"/>
+              <a:rPr lang="en-US"/>
               <a:t>Click to edit Master title style</a:t>
             </a:r>
-            <a:endParaRPr lang="en-US"/>
           </a:p>
         </p:txBody>
       </p:sp>
@@ -2235,7 +2234,7 @@
           <a:p>
             <a:fld id="{78C97017-6FC3-485B-9764-EAC9E56C1D49}" type="datetimeFigureOut">
               <a:rPr lang="en-US" smtClean="0"/>
-              <a:t>10/16/2016</a:t>
+              <a:t>10/24/2018</a:t>
             </a:fld>
             <a:endParaRPr lang="en-US"/>
           </a:p>
@@ -2330,7 +2329,7 @@
           <a:p>
             <a:fld id="{78C97017-6FC3-485B-9764-EAC9E56C1D49}" type="datetimeFigureOut">
               <a:rPr lang="en-US" smtClean="0"/>
-              <a:t>10/16/2016</a:t>
+              <a:t>10/24/2018</a:t>
             </a:fld>
             <a:endParaRPr lang="en-US"/>
           </a:p>
@@ -2433,10 +2432,9 @@
           </a:lstStyle>
           <a:p>
             <a:r>
-              <a:rPr lang="en-US" smtClean="0"/>
+              <a:rPr lang="en-US"/>
               <a:t>Click to edit Master title style</a:t>
             </a:r>
-            <a:endParaRPr lang="en-US"/>
           </a:p>
         </p:txBody>
       </p:sp>
@@ -2490,38 +2488,37 @@
           <a:p>
             <a:pPr lvl="0"/>
             <a:r>
-              <a:rPr lang="en-US" smtClean="0"/>
+              <a:rPr lang="en-US"/>
               <a:t>Click to edit Master text styles</a:t>
             </a:r>
           </a:p>
           <a:p>
             <a:pPr lvl="1"/>
             <a:r>
-              <a:rPr lang="en-US" smtClean="0"/>
+              <a:rPr lang="en-US"/>
               <a:t>Second level</a:t>
             </a:r>
           </a:p>
           <a:p>
             <a:pPr lvl="2"/>
             <a:r>
-              <a:rPr lang="en-US" smtClean="0"/>
+              <a:rPr lang="en-US"/>
               <a:t>Third level</a:t>
             </a:r>
           </a:p>
           <a:p>
             <a:pPr lvl="3"/>
             <a:r>
-              <a:rPr lang="en-US" smtClean="0"/>
+              <a:rPr lang="en-US"/>
               <a:t>Fourth level</a:t>
             </a:r>
           </a:p>
           <a:p>
             <a:pPr lvl="4"/>
             <a:r>
-              <a:rPr lang="en-US" smtClean="0"/>
+              <a:rPr lang="en-US"/>
               <a:t>Fifth level</a:t>
             </a:r>
-            <a:endParaRPr lang="en-US"/>
           </a:p>
         </p:txBody>
       </p:sp>
@@ -2584,7 +2581,7 @@
           <a:p>
             <a:pPr lvl="0"/>
             <a:r>
-              <a:rPr lang="en-US" smtClean="0"/>
+              <a:rPr lang="en-US"/>
               <a:t>Click to edit Master text styles</a:t>
             </a:r>
           </a:p>
@@ -2607,7 +2604,7 @@
           <a:p>
             <a:fld id="{78C97017-6FC3-485B-9764-EAC9E56C1D49}" type="datetimeFigureOut">
               <a:rPr lang="en-US" smtClean="0"/>
-              <a:t>10/16/2016</a:t>
+              <a:t>10/24/2018</a:t>
             </a:fld>
             <a:endParaRPr lang="en-US"/>
           </a:p>
@@ -2710,10 +2707,9 @@
           </a:lstStyle>
           <a:p>
             <a:r>
-              <a:rPr lang="en-US" smtClean="0"/>
+              <a:rPr lang="en-US"/>
               <a:t>Click to edit Master title style</a:t>
             </a:r>
-            <a:endParaRPr lang="en-US"/>
           </a:p>
         </p:txBody>
       </p:sp>
@@ -2837,7 +2833,7 @@
           <a:p>
             <a:pPr lvl="0"/>
             <a:r>
-              <a:rPr lang="en-US" smtClean="0"/>
+              <a:rPr lang="en-US"/>
               <a:t>Click to edit Master text styles</a:t>
             </a:r>
           </a:p>
@@ -2860,7 +2856,7 @@
           <a:p>
             <a:fld id="{78C97017-6FC3-485B-9764-EAC9E56C1D49}" type="datetimeFigureOut">
               <a:rPr lang="en-US" smtClean="0"/>
-              <a:t>10/16/2016</a:t>
+              <a:t>10/24/2018</a:t>
             </a:fld>
             <a:endParaRPr lang="en-US"/>
           </a:p>
@@ -2969,10 +2965,9 @@
           <a:lstStyle/>
           <a:p>
             <a:r>
-              <a:rPr lang="en-US" smtClean="0"/>
+              <a:rPr lang="en-US"/>
               <a:t>Click to edit Master title style</a:t>
             </a:r>
-            <a:endParaRPr lang="en-US"/>
           </a:p>
         </p:txBody>
       </p:sp>
@@ -3003,38 +2998,37 @@
           <a:p>
             <a:pPr lvl="0"/>
             <a:r>
-              <a:rPr lang="en-US" smtClean="0"/>
+              <a:rPr lang="en-US"/>
               <a:t>Click to edit Master text styles</a:t>
             </a:r>
           </a:p>
           <a:p>
             <a:pPr lvl="1"/>
             <a:r>
-              <a:rPr lang="en-US" smtClean="0"/>
+              <a:rPr lang="en-US"/>
               <a:t>Second level</a:t>
             </a:r>
           </a:p>
           <a:p>
             <a:pPr lvl="2"/>
             <a:r>
-              <a:rPr lang="en-US" smtClean="0"/>
+              <a:rPr lang="en-US"/>
               <a:t>Third level</a:t>
             </a:r>
           </a:p>
           <a:p>
             <a:pPr lvl="3"/>
             <a:r>
-              <a:rPr lang="en-US" smtClean="0"/>
+              <a:rPr lang="en-US"/>
               <a:t>Fourth level</a:t>
             </a:r>
           </a:p>
           <a:p>
             <a:pPr lvl="4"/>
             <a:r>
-              <a:rPr lang="en-US" smtClean="0"/>
+              <a:rPr lang="en-US"/>
               <a:t>Fifth level</a:t>
             </a:r>
-            <a:endParaRPr lang="en-US"/>
           </a:p>
         </p:txBody>
       </p:sp>
@@ -3073,7 +3067,7 @@
           <a:p>
             <a:fld id="{78C97017-6FC3-485B-9764-EAC9E56C1D49}" type="datetimeFigureOut">
               <a:rPr lang="en-US" smtClean="0"/>
-              <a:t>10/16/2016</a:t>
+              <a:t>10/24/2018</a:t>
             </a:fld>
             <a:endParaRPr lang="en-US"/>
           </a:p>
@@ -3456,8 +3450,8 @@
         </p:nvSpPr>
         <p:spPr>
           <a:xfrm>
-            <a:off x="1119865" y="2086382"/>
-            <a:ext cx="7871735" cy="1723618"/>
+            <a:off x="381000" y="2182248"/>
+            <a:ext cx="8686800" cy="2892740"/>
           </a:xfrm>
           <a:prstGeom prst="roundRect">
             <a:avLst>
@@ -3494,7 +3488,7 @@
           <a:lstStyle/>
           <a:p>
             <a:r>
-              <a:rPr lang="en-US" sz="1200" b="1" dirty="0" smtClean="0">
+              <a:rPr lang="en-US" sz="1200" b="1" dirty="0">
                 <a:solidFill>
                   <a:schemeClr val="accent6">
                     <a:lumMod val="75000"/>
@@ -3521,7 +3515,7 @@
         </p:nvSpPr>
         <p:spPr>
           <a:xfrm>
-            <a:off x="2877180" y="3158440"/>
+            <a:off x="2214515" y="3205658"/>
             <a:ext cx="1323049" cy="346760"/>
           </a:xfrm>
           <a:prstGeom prst="rect">
@@ -3561,7 +3555,7 @@
           <a:p>
             <a:pPr algn="ctr"/>
             <a:r>
-              <a:rPr lang="en-US" sz="1050" dirty="0" smtClean="0">
+              <a:rPr lang="en-US" sz="1050" dirty="0">
                 <a:solidFill>
                   <a:schemeClr val="bg1"/>
                 </a:solidFill>
@@ -3569,19 +3563,19 @@
               <a:t>&lt;&lt;interface&gt;&gt;</a:t>
             </a:r>
             <a:br>
-              <a:rPr lang="en-US" sz="1050" dirty="0" smtClean="0">
+              <a:rPr lang="en-US" sz="1050" dirty="0">
                 <a:solidFill>
                   <a:schemeClr val="bg1"/>
                 </a:solidFill>
               </a:rPr>
             </a:br>
             <a:r>
-              <a:rPr lang="en-US" sz="1050" dirty="0" err="1" smtClean="0">
+              <a:rPr lang="en-US" sz="1050" dirty="0" err="1">
                 <a:solidFill>
                   <a:schemeClr val="bg1"/>
                 </a:solidFill>
               </a:rPr>
-              <a:t>AddressBookStorage</a:t>
+              <a:t>HealthBookStorage</a:t>
             </a:r>
             <a:endParaRPr lang="en-SG" sz="1050" dirty="0">
               <a:solidFill>
@@ -3599,7 +3593,7 @@
         </p:nvSpPr>
         <p:spPr>
           <a:xfrm rot="16200000">
-            <a:off x="1683963" y="2868687"/>
+            <a:off x="1021298" y="2915905"/>
             <a:ext cx="1093635" cy="346760"/>
           </a:xfrm>
           <a:prstGeom prst="rect">
@@ -3639,7 +3633,7 @@
           <a:p>
             <a:pPr algn="ctr"/>
             <a:r>
-              <a:rPr lang="en-US" sz="1050" dirty="0" err="1" smtClean="0">
+              <a:rPr lang="en-US" sz="1050" dirty="0" err="1">
                 <a:solidFill>
                   <a:schemeClr val="bg1"/>
                 </a:solidFill>
@@ -3662,7 +3656,7 @@
         </p:nvSpPr>
         <p:spPr>
           <a:xfrm rot="16200000">
-            <a:off x="956202" y="2861202"/>
+            <a:off x="293537" y="2908420"/>
             <a:ext cx="1093635" cy="346760"/>
           </a:xfrm>
           <a:prstGeom prst="rect">
@@ -3713,7 +3707,7 @@
           <a:p>
             <a:pPr algn="ctr"/>
             <a:r>
-              <a:rPr lang="en-US" sz="1050" dirty="0" smtClean="0">
+              <a:rPr lang="en-US" sz="1050" dirty="0">
                 <a:solidFill>
                   <a:schemeClr val="bg1"/>
                 </a:solidFill>
@@ -3736,7 +3730,7 @@
         </p:nvSpPr>
         <p:spPr>
           <a:xfrm rot="16200000">
-            <a:off x="1626910" y="2952291"/>
+            <a:off x="964245" y="2999509"/>
             <a:ext cx="270504" cy="175523"/>
           </a:xfrm>
           <a:prstGeom prst="triangle">
@@ -3794,7 +3788,7 @@
         </p:nvCxnSpPr>
         <p:spPr>
           <a:xfrm>
-            <a:off x="2656370" y="3326536"/>
+            <a:off x="1993705" y="3373754"/>
             <a:ext cx="220810" cy="5284"/>
           </a:xfrm>
           <a:prstGeom prst="straightConnector1">
@@ -3834,7 +3828,7 @@
         </p:nvCxnSpPr>
         <p:spPr>
           <a:xfrm>
-            <a:off x="910091" y="3040053"/>
+            <a:off x="247426" y="3087271"/>
             <a:ext cx="419548" cy="2860"/>
           </a:xfrm>
           <a:prstGeom prst="bentConnector3">
@@ -3879,7 +3873,7 @@
         </p:nvCxnSpPr>
         <p:spPr>
           <a:xfrm flipV="1">
-            <a:off x="1849924" y="3040052"/>
+            <a:off x="1187259" y="3087270"/>
             <a:ext cx="216105" cy="1"/>
           </a:xfrm>
           <a:prstGeom prst="line">
@@ -3920,7 +3914,7 @@
         </p:nvSpPr>
         <p:spPr>
           <a:xfrm>
-            <a:off x="2420322" y="3239846"/>
+            <a:off x="1757657" y="3287064"/>
             <a:ext cx="236048" cy="173380"/>
           </a:xfrm>
           <a:prstGeom prst="flowChartDecision">
@@ -3974,7 +3968,7 @@
         </p:nvCxnSpPr>
         <p:spPr>
           <a:xfrm flipV="1">
-            <a:off x="4398041" y="3331820"/>
+            <a:off x="3735376" y="3379038"/>
             <a:ext cx="223324" cy="1"/>
           </a:xfrm>
           <a:prstGeom prst="bentConnector3">
@@ -4017,7 +4011,7 @@
         </p:nvSpPr>
         <p:spPr>
           <a:xfrm rot="5400000" flipV="1">
-            <a:off x="4175027" y="3244059"/>
+            <a:off x="3512362" y="3291277"/>
             <a:ext cx="270504" cy="175523"/>
           </a:xfrm>
           <a:prstGeom prst="triangle">
@@ -4075,7 +4069,7 @@
         </p:nvCxnSpPr>
         <p:spPr>
           <a:xfrm>
-            <a:off x="5791200" y="3331820"/>
+            <a:off x="5128535" y="3379038"/>
             <a:ext cx="228600" cy="1970"/>
           </a:xfrm>
           <a:prstGeom prst="bentConnector3">
@@ -4118,7 +4112,7 @@
         </p:nvSpPr>
         <p:spPr>
           <a:xfrm>
-            <a:off x="4621365" y="3158440"/>
+            <a:off x="3958700" y="3205658"/>
             <a:ext cx="1169835" cy="346760"/>
           </a:xfrm>
           <a:prstGeom prst="rect">
@@ -4147,27 +4141,17 @@
           <a:p>
             <a:pPr algn="ctr"/>
             <a:r>
-              <a:rPr lang="en-US" sz="1050" b="1" dirty="0" err="1" smtClean="0">
+              <a:rPr lang="en-US" sz="1050" b="1" dirty="0" err="1">
                 <a:solidFill>
                   <a:schemeClr val="accent6">
                     <a:lumMod val="75000"/>
                   </a:schemeClr>
                 </a:solidFill>
               </a:rPr>
-              <a:t>XmlAddressBook</a:t>
-            </a:r>
-            <a:r>
-              <a:rPr lang="en-US" sz="1050" b="1" dirty="0" smtClean="0">
-                <a:solidFill>
-                  <a:schemeClr val="accent6">
-                    <a:lumMod val="75000"/>
-                  </a:schemeClr>
-                </a:solidFill>
-              </a:rPr>
-              <a:t/>
+              <a:t>XmlHealthBook</a:t>
             </a:r>
             <a:br>
-              <a:rPr lang="en-US" sz="1050" b="1" dirty="0" smtClean="0">
+              <a:rPr lang="en-US" sz="1050" b="1" dirty="0">
                 <a:solidFill>
                   <a:schemeClr val="accent6">
                     <a:lumMod val="75000"/>
@@ -4176,7 +4160,7 @@
               </a:rPr>
             </a:br>
             <a:r>
-              <a:rPr lang="en-US" sz="1050" b="1" dirty="0" smtClean="0">
+              <a:rPr lang="en-US" sz="1050" b="1" dirty="0">
                 <a:solidFill>
                   <a:schemeClr val="accent6">
                     <a:lumMod val="75000"/>
@@ -4203,7 +4187,7 @@
         </p:nvSpPr>
         <p:spPr>
           <a:xfrm>
-            <a:off x="2873943" y="2558040"/>
+            <a:off x="2211278" y="2605258"/>
             <a:ext cx="1323049" cy="346760"/>
           </a:xfrm>
           <a:prstGeom prst="rect">
@@ -4243,7 +4227,7 @@
           <a:p>
             <a:pPr algn="ctr"/>
             <a:r>
-              <a:rPr lang="en-US" sz="1050" dirty="0" smtClean="0">
+              <a:rPr lang="en-US" sz="1050" dirty="0">
                 <a:solidFill>
                   <a:schemeClr val="bg1"/>
                 </a:solidFill>
@@ -4251,14 +4235,14 @@
               <a:t>&lt;&lt;interface&gt;&gt;</a:t>
             </a:r>
             <a:br>
-              <a:rPr lang="en-US" sz="1050" dirty="0" smtClean="0">
+              <a:rPr lang="en-US" sz="1050" dirty="0">
                 <a:solidFill>
                   <a:schemeClr val="bg1"/>
                 </a:solidFill>
               </a:rPr>
             </a:br>
             <a:r>
-              <a:rPr lang="en-US" sz="1050" dirty="0" err="1" smtClean="0">
+              <a:rPr lang="en-US" sz="1050" dirty="0" err="1">
                 <a:solidFill>
                   <a:schemeClr val="bg1"/>
                 </a:solidFill>
@@ -4284,7 +4268,7 @@
         </p:nvCxnSpPr>
         <p:spPr>
           <a:xfrm>
-            <a:off x="2653133" y="2726136"/>
+            <a:off x="1990468" y="2773354"/>
             <a:ext cx="220810" cy="5284"/>
           </a:xfrm>
           <a:prstGeom prst="straightConnector1">
@@ -4324,7 +4308,7 @@
         </p:nvSpPr>
         <p:spPr>
           <a:xfrm>
-            <a:off x="2417085" y="2639446"/>
+            <a:off x="1754420" y="2686664"/>
             <a:ext cx="236048" cy="173380"/>
           </a:xfrm>
           <a:prstGeom prst="flowChartDecision">
@@ -4378,7 +4362,7 @@
         </p:nvCxnSpPr>
         <p:spPr>
           <a:xfrm flipV="1">
-            <a:off x="4394804" y="2731420"/>
+            <a:off x="3732139" y="2778638"/>
             <a:ext cx="223324" cy="1"/>
           </a:xfrm>
           <a:prstGeom prst="bentConnector3">
@@ -4421,7 +4405,7 @@
         </p:nvSpPr>
         <p:spPr>
           <a:xfrm rot="5400000" flipV="1">
-            <a:off x="4171790" y="2643659"/>
+            <a:off x="3509125" y="2690877"/>
             <a:ext cx="270504" cy="175523"/>
           </a:xfrm>
           <a:prstGeom prst="triangle">
@@ -4476,7 +4460,7 @@
         </p:nvSpPr>
         <p:spPr>
           <a:xfrm>
-            <a:off x="4618128" y="2558040"/>
+            <a:off x="3955463" y="2605258"/>
             <a:ext cx="1093635" cy="346760"/>
           </a:xfrm>
           <a:prstGeom prst="rect">
@@ -4516,30 +4500,22 @@
           <a:p>
             <a:pPr algn="ctr"/>
             <a:r>
-              <a:rPr lang="en-US" sz="1050" dirty="0" err="1" smtClean="0">
+              <a:rPr lang="en-US" sz="1050" dirty="0" err="1">
                 <a:solidFill>
                   <a:schemeClr val="bg1"/>
                 </a:solidFill>
               </a:rPr>
               <a:t>JsonUserPrefs</a:t>
             </a:r>
-            <a:r>
-              <a:rPr lang="en-US" sz="1050" dirty="0" smtClean="0">
-                <a:solidFill>
-                  <a:schemeClr val="bg1"/>
-                </a:solidFill>
-              </a:rPr>
-              <a:t/>
-            </a:r>
             <a:br>
-              <a:rPr lang="en-US" sz="1050" dirty="0" smtClean="0">
+              <a:rPr lang="en-US" sz="1050" dirty="0">
                 <a:solidFill>
                   <a:schemeClr val="bg1"/>
                 </a:solidFill>
               </a:rPr>
             </a:br>
             <a:r>
-              <a:rPr lang="en-US" sz="1050" dirty="0" smtClean="0">
+              <a:rPr lang="en-US" sz="1050" dirty="0">
                 <a:solidFill>
                   <a:schemeClr val="bg1"/>
                 </a:solidFill>
@@ -4562,7 +4538,7 @@
         </p:nvSpPr>
         <p:spPr>
           <a:xfrm>
-            <a:off x="6019800" y="3160410"/>
+            <a:off x="5357135" y="3207628"/>
             <a:ext cx="1200707" cy="346760"/>
           </a:xfrm>
           <a:prstGeom prst="rect">
@@ -4591,7 +4567,7 @@
           <a:p>
             <a:pPr algn="ctr"/>
             <a:r>
-              <a:rPr lang="en-US" sz="1050" b="1" dirty="0" err="1" smtClean="0">
+              <a:rPr lang="en-US" sz="1050" b="1" dirty="0" err="1">
                 <a:solidFill>
                   <a:schemeClr val="accent6">
                     <a:lumMod val="75000"/>
@@ -4600,18 +4576,8 @@
               </a:rPr>
               <a:t>XmlSerializable</a:t>
             </a:r>
-            <a:r>
-              <a:rPr lang="en-US" sz="1050" b="1" dirty="0" smtClean="0">
-                <a:solidFill>
-                  <a:schemeClr val="accent6">
-                    <a:lumMod val="75000"/>
-                  </a:schemeClr>
-                </a:solidFill>
-              </a:rPr>
-              <a:t/>
-            </a:r>
             <a:br>
-              <a:rPr lang="en-US" sz="1050" b="1" dirty="0" smtClean="0">
+              <a:rPr lang="en-US" sz="1050" b="1" dirty="0">
                 <a:solidFill>
                   <a:schemeClr val="accent6">
                     <a:lumMod val="75000"/>
@@ -4620,14 +4586,14 @@
               </a:rPr>
             </a:br>
             <a:r>
-              <a:rPr lang="en-US" sz="1050" b="1" dirty="0" err="1" smtClean="0">
+              <a:rPr lang="en-US" sz="1050" b="1" dirty="0" err="1">
                 <a:solidFill>
                   <a:schemeClr val="accent6">
                     <a:lumMod val="75000"/>
                   </a:schemeClr>
                 </a:solidFill>
               </a:rPr>
-              <a:t>AddressBook</a:t>
+              <a:t>HealthBook</a:t>
             </a:r>
             <a:endParaRPr lang="en-SG" sz="1050" b="1" dirty="0">
               <a:solidFill>
@@ -4643,15 +4609,16 @@
         <p:nvCxnSpPr>
           <p:cNvPr id="70" name="Elbow Connector 122"/>
           <p:cNvCxnSpPr>
+            <a:cxnSpLocks/>
             <a:stCxn id="74" idx="0"/>
             <a:endCxn id="73" idx="2"/>
           </p:cNvCxnSpPr>
           <p:nvPr/>
         </p:nvCxnSpPr>
         <p:spPr>
-          <a:xfrm rot="5400000" flipH="1" flipV="1">
-            <a:off x="8077993" y="2992020"/>
-            <a:ext cx="335208" cy="12700"/>
+          <a:xfrm rot="16200000" flipV="1">
+            <a:off x="7686997" y="3076263"/>
+            <a:ext cx="254639" cy="6519"/>
           </a:xfrm>
           <a:prstGeom prst="bentConnector3">
             <a:avLst>
@@ -4688,7 +4655,7 @@
         </p:nvSpPr>
         <p:spPr>
           <a:xfrm>
-            <a:off x="7615738" y="2477656"/>
+            <a:off x="7181197" y="2605443"/>
             <a:ext cx="1259718" cy="346760"/>
           </a:xfrm>
           <a:prstGeom prst="rect">
@@ -4717,7 +4684,7 @@
           <a:p>
             <a:pPr algn="ctr"/>
             <a:r>
-              <a:rPr lang="en-US" sz="1050" b="1" dirty="0" err="1" smtClean="0">
+              <a:rPr lang="en-US" sz="1050" b="1" dirty="0" err="1">
                 <a:solidFill>
                   <a:schemeClr val="accent6">
                     <a:lumMod val="75000"/>
@@ -4744,8 +4711,8 @@
         </p:nvSpPr>
         <p:spPr>
           <a:xfrm>
-            <a:off x="7615738" y="3159624"/>
-            <a:ext cx="1259718" cy="346760"/>
+            <a:off x="7187716" y="3206842"/>
+            <a:ext cx="1259718" cy="349158"/>
           </a:xfrm>
           <a:prstGeom prst="rect">
             <a:avLst/>
@@ -4773,7 +4740,7 @@
           <a:p>
             <a:pPr algn="ctr"/>
             <a:r>
-              <a:rPr lang="en-US" sz="1050" b="1" dirty="0" err="1" smtClean="0">
+              <a:rPr lang="en-US" sz="1050" b="1" dirty="0" err="1">
                 <a:solidFill>
                   <a:schemeClr val="accent6">
                     <a:lumMod val="75000"/>
@@ -4782,6 +4749,16 @@
               </a:rPr>
               <a:t>XmlAdaptedPerson</a:t>
             </a:r>
+            <a:r>
+              <a:rPr lang="en-US" sz="1050" b="1" dirty="0">
+                <a:solidFill>
+                  <a:schemeClr val="accent6">
+                    <a:lumMod val="75000"/>
+                  </a:schemeClr>
+                </a:solidFill>
+              </a:rPr>
+              <a:t> </a:t>
+            </a:r>
             <a:endParaRPr lang="en-SG" sz="1050" b="1" dirty="0">
               <a:solidFill>
                 <a:schemeClr val="accent6">
@@ -4796,15 +4773,16 @@
         <p:nvCxnSpPr>
           <p:cNvPr id="77" name="Elbow Connector 122"/>
           <p:cNvCxnSpPr>
+            <a:cxnSpLocks/>
             <a:stCxn id="66" idx="3"/>
             <a:endCxn id="74" idx="1"/>
           </p:cNvCxnSpPr>
           <p:nvPr/>
         </p:nvCxnSpPr>
         <p:spPr>
-          <a:xfrm flipV="1">
-            <a:off x="7220507" y="3333004"/>
-            <a:ext cx="395231" cy="786"/>
+          <a:xfrm>
+            <a:off x="6557842" y="3381008"/>
+            <a:ext cx="629874" cy="413"/>
           </a:xfrm>
           <a:prstGeom prst="bentConnector3">
             <a:avLst>
@@ -4833,6 +4811,282 @@
           </a:fontRef>
         </p:style>
       </p:cxnSp>
+      <p:sp>
+        <p:nvSpPr>
+          <p:cNvPr id="31" name="Rectangle 8">
+            <a:extLst>
+              <a:ext uri="{FF2B5EF4-FFF2-40B4-BE49-F238E27FC236}">
+                <a16:creationId xmlns:a16="http://schemas.microsoft.com/office/drawing/2014/main" id="{9D07BDE6-DD37-4981-A833-50863113AAF3}"/>
+              </a:ext>
+            </a:extLst>
+          </p:cNvPr>
+          <p:cNvSpPr/>
+          <p:nvPr/>
+        </p:nvSpPr>
+        <p:spPr>
+          <a:xfrm>
+            <a:off x="6953073" y="3812987"/>
+            <a:ext cx="1727377" cy="346760"/>
+          </a:xfrm>
+          <a:prstGeom prst="rect">
+            <a:avLst/>
+          </a:prstGeom>
+          <a:ln w="19050"/>
+          <a:effectLst/>
+        </p:spPr>
+        <p:style>
+          <a:lnRef idx="1">
+            <a:schemeClr val="accent6"/>
+          </a:lnRef>
+          <a:fillRef idx="2">
+            <a:schemeClr val="accent6"/>
+          </a:fillRef>
+          <a:effectRef idx="1">
+            <a:schemeClr val="accent6"/>
+          </a:effectRef>
+          <a:fontRef idx="minor">
+            <a:schemeClr val="dk1"/>
+          </a:fontRef>
+        </p:style>
+        <p:txBody>
+          <a:bodyPr rtlCol="0" anchor="ctr"/>
+          <a:lstStyle/>
+          <a:p>
+            <a:pPr algn="ctr"/>
+            <a:r>
+              <a:rPr lang="en-US" sz="1050" b="1" dirty="0" err="1">
+                <a:solidFill>
+                  <a:schemeClr val="accent6">
+                    <a:lumMod val="75000"/>
+                  </a:schemeClr>
+                </a:solidFill>
+              </a:rPr>
+              <a:t>XmlAdaptedAppointment</a:t>
+            </a:r>
+            <a:r>
+              <a:rPr lang="en-US" sz="1050" b="1" dirty="0">
+                <a:solidFill>
+                  <a:schemeClr val="accent6">
+                    <a:lumMod val="75000"/>
+                  </a:schemeClr>
+                </a:solidFill>
+              </a:rPr>
+              <a:t> </a:t>
+            </a:r>
+            <a:endParaRPr lang="en-SG" sz="1050" b="1" dirty="0">
+              <a:solidFill>
+                <a:schemeClr val="accent6">
+                  <a:lumMod val="75000"/>
+                </a:schemeClr>
+              </a:solidFill>
+            </a:endParaRPr>
+          </a:p>
+        </p:txBody>
+      </p:sp>
+      <p:cxnSp>
+        <p:nvCxnSpPr>
+          <p:cNvPr id="32" name="Elbow Connector 122">
+            <a:extLst>
+              <a:ext uri="{FF2B5EF4-FFF2-40B4-BE49-F238E27FC236}">
+                <a16:creationId xmlns:a16="http://schemas.microsoft.com/office/drawing/2014/main" id="{FC4C6422-5C6E-4BC8-8E2B-66004064B86E}"/>
+              </a:ext>
+            </a:extLst>
+          </p:cNvPr>
+          <p:cNvCxnSpPr>
+            <a:cxnSpLocks/>
+            <a:stCxn id="66" idx="2"/>
+            <a:endCxn id="31" idx="1"/>
+          </p:cNvCxnSpPr>
+          <p:nvPr/>
+        </p:nvCxnSpPr>
+        <p:spPr>
+          <a:xfrm rot="16200000" flipH="1">
+            <a:off x="6239292" y="3272585"/>
+            <a:ext cx="431979" cy="995584"/>
+          </a:xfrm>
+          <a:prstGeom prst="bentConnector2">
+            <a:avLst/>
+          </a:prstGeom>
+          <a:ln w="19050">
+            <a:prstDash val="sysDot"/>
+            <a:headEnd type="none" w="med" len="med"/>
+            <a:tailEnd type="arrow" w="med" len="med"/>
+          </a:ln>
+          <a:effectLst/>
+        </p:spPr>
+        <p:style>
+          <a:lnRef idx="1">
+            <a:schemeClr val="accent6"/>
+          </a:lnRef>
+          <a:fillRef idx="2">
+            <a:schemeClr val="accent6"/>
+          </a:fillRef>
+          <a:effectRef idx="1">
+            <a:schemeClr val="accent6"/>
+          </a:effectRef>
+          <a:fontRef idx="minor">
+            <a:schemeClr val="dk1"/>
+          </a:fontRef>
+        </p:style>
+      </p:cxnSp>
+      <p:cxnSp>
+        <p:nvCxnSpPr>
+          <p:cNvPr id="39" name="Elbow Connector 122">
+            <a:extLst>
+              <a:ext uri="{FF2B5EF4-FFF2-40B4-BE49-F238E27FC236}">
+                <a16:creationId xmlns:a16="http://schemas.microsoft.com/office/drawing/2014/main" id="{CB10AC26-5506-4E1A-A5E5-F70AF11225DE}"/>
+              </a:ext>
+            </a:extLst>
+          </p:cNvPr>
+          <p:cNvCxnSpPr>
+            <a:cxnSpLocks/>
+            <a:stCxn id="74" idx="2"/>
+            <a:endCxn id="31" idx="0"/>
+          </p:cNvCxnSpPr>
+          <p:nvPr/>
+        </p:nvCxnSpPr>
+        <p:spPr>
+          <a:xfrm rot="5400000">
+            <a:off x="7688676" y="3684087"/>
+            <a:ext cx="256987" cy="813"/>
+          </a:xfrm>
+          <a:prstGeom prst="bentConnector3">
+            <a:avLst>
+              <a:gd name="adj1" fmla="val 50000"/>
+            </a:avLst>
+          </a:prstGeom>
+          <a:ln w="19050">
+            <a:prstDash val="sysDot"/>
+            <a:headEnd type="none" w="med" len="med"/>
+            <a:tailEnd type="arrow" w="med" len="med"/>
+          </a:ln>
+          <a:effectLst/>
+        </p:spPr>
+        <p:style>
+          <a:lnRef idx="1">
+            <a:schemeClr val="accent6"/>
+          </a:lnRef>
+          <a:fillRef idx="2">
+            <a:schemeClr val="accent6"/>
+          </a:fillRef>
+          <a:effectRef idx="1">
+            <a:schemeClr val="accent6"/>
+          </a:effectRef>
+          <a:fontRef idx="minor">
+            <a:schemeClr val="dk1"/>
+          </a:fontRef>
+        </p:style>
+      </p:cxnSp>
+      <p:cxnSp>
+        <p:nvCxnSpPr>
+          <p:cNvPr id="49" name="Elbow Connector 122">
+            <a:extLst>
+              <a:ext uri="{FF2B5EF4-FFF2-40B4-BE49-F238E27FC236}">
+                <a16:creationId xmlns:a16="http://schemas.microsoft.com/office/drawing/2014/main" id="{43620162-7D91-4754-9B65-F0B9E6F09C54}"/>
+              </a:ext>
+            </a:extLst>
+          </p:cNvPr>
+          <p:cNvCxnSpPr>
+            <a:cxnSpLocks/>
+            <a:stCxn id="31" idx="2"/>
+            <a:endCxn id="51" idx="0"/>
+          </p:cNvCxnSpPr>
+          <p:nvPr/>
+        </p:nvCxnSpPr>
+        <p:spPr>
+          <a:xfrm rot="16200000" flipH="1">
+            <a:off x="7709402" y="4267107"/>
+            <a:ext cx="217894" cy="3174"/>
+          </a:xfrm>
+          <a:prstGeom prst="bentConnector3">
+            <a:avLst>
+              <a:gd name="adj1" fmla="val 50000"/>
+            </a:avLst>
+          </a:prstGeom>
+          <a:ln w="19050">
+            <a:prstDash val="sysDot"/>
+            <a:headEnd type="none" w="med" len="med"/>
+            <a:tailEnd type="arrow" w="med" len="med"/>
+          </a:ln>
+          <a:effectLst/>
+        </p:spPr>
+        <p:style>
+          <a:lnRef idx="1">
+            <a:schemeClr val="accent6"/>
+          </a:lnRef>
+          <a:fillRef idx="2">
+            <a:schemeClr val="accent6"/>
+          </a:fillRef>
+          <a:effectRef idx="1">
+            <a:schemeClr val="accent6"/>
+          </a:effectRef>
+          <a:fontRef idx="minor">
+            <a:schemeClr val="dk1"/>
+          </a:fontRef>
+        </p:style>
+      </p:cxnSp>
+      <p:sp>
+        <p:nvSpPr>
+          <p:cNvPr id="51" name="Rectangle 8">
+            <a:extLst>
+              <a:ext uri="{FF2B5EF4-FFF2-40B4-BE49-F238E27FC236}">
+                <a16:creationId xmlns:a16="http://schemas.microsoft.com/office/drawing/2014/main" id="{C168B83C-7480-4A7C-805C-BD48FE9CAD07}"/>
+              </a:ext>
+            </a:extLst>
+          </p:cNvPr>
+          <p:cNvSpPr/>
+          <p:nvPr/>
+        </p:nvSpPr>
+        <p:spPr>
+          <a:xfrm>
+            <a:off x="6959422" y="4377641"/>
+            <a:ext cx="1721027" cy="346760"/>
+          </a:xfrm>
+          <a:prstGeom prst="rect">
+            <a:avLst/>
+          </a:prstGeom>
+          <a:ln w="19050"/>
+          <a:effectLst/>
+        </p:spPr>
+        <p:style>
+          <a:lnRef idx="1">
+            <a:schemeClr val="accent6"/>
+          </a:lnRef>
+          <a:fillRef idx="2">
+            <a:schemeClr val="accent6"/>
+          </a:fillRef>
+          <a:effectRef idx="1">
+            <a:schemeClr val="accent6"/>
+          </a:effectRef>
+          <a:fontRef idx="minor">
+            <a:schemeClr val="dk1"/>
+          </a:fontRef>
+        </p:style>
+        <p:txBody>
+          <a:bodyPr rtlCol="0" anchor="ctr"/>
+          <a:lstStyle/>
+          <a:p>
+            <a:pPr algn="ctr"/>
+            <a:r>
+              <a:rPr lang="en-US" sz="1050" b="1" dirty="0" err="1">
+                <a:solidFill>
+                  <a:schemeClr val="accent6">
+                    <a:lumMod val="75000"/>
+                  </a:schemeClr>
+                </a:solidFill>
+              </a:rPr>
+              <a:t>XmlAdaptedPrescription</a:t>
+            </a:r>
+            <a:endParaRPr lang="en-SG" sz="1050" b="1" dirty="0">
+              <a:solidFill>
+                <a:schemeClr val="accent6">
+                  <a:lumMod val="75000"/>
+                </a:schemeClr>
+              </a:solidFill>
+            </a:endParaRPr>
+          </a:p>
+        </p:txBody>
+      </p:sp>
     </p:spTree>
     <p:extLst>
       <p:ext uri="{BB962C8B-B14F-4D97-AF65-F5344CB8AC3E}">
@@ -4843,13 +5097,6 @@
   <p:clrMapOvr>
     <a:masterClrMapping/>
   </p:clrMapOvr>
-  <p:timing>
-    <p:tnLst>
-      <p:par>
-        <p:cTn id="1" dur="indefinite" restart="never" nodeType="tmRoot"/>
-      </p:par>
-    </p:tnLst>
-  </p:timing>
 </p:sld>
 </file>
 

--- a/docs/diagrams/StorageComponentClassDiagram.pptx
+++ b/docs/diagrams/StorageComponentClassDiagram.pptx
@@ -208,7 +208,7 @@
           <a:p>
             <a:fld id="{F5CC4B3F-88C1-4FFA-B1B6-F41C21DC6924}" type="datetimeFigureOut">
               <a:rPr lang="en-US" smtClean="0"/>
-              <a:t>10/23/18</a:t>
+              <a:t>10/24/18</a:t>
             </a:fld>
             <a:endParaRPr lang="en-US"/>
           </a:p>
@@ -657,7 +657,7 @@
           <a:p>
             <a:fld id="{78C97017-6FC3-485B-9764-EAC9E56C1D49}" type="datetimeFigureOut">
               <a:rPr lang="en-US" smtClean="0"/>
-              <a:t>10/23/18</a:t>
+              <a:t>10/24/18</a:t>
             </a:fld>
             <a:endParaRPr lang="en-US"/>
           </a:p>
@@ -827,7 +827,7 @@
           <a:p>
             <a:fld id="{78C97017-6FC3-485B-9764-EAC9E56C1D49}" type="datetimeFigureOut">
               <a:rPr lang="en-US" smtClean="0"/>
-              <a:t>10/23/18</a:t>
+              <a:t>10/24/18</a:t>
             </a:fld>
             <a:endParaRPr lang="en-US"/>
           </a:p>
@@ -1007,7 +1007,7 @@
           <a:p>
             <a:fld id="{78C97017-6FC3-485B-9764-EAC9E56C1D49}" type="datetimeFigureOut">
               <a:rPr lang="en-US" smtClean="0"/>
-              <a:t>10/23/18</a:t>
+              <a:t>10/24/18</a:t>
             </a:fld>
             <a:endParaRPr lang="en-US"/>
           </a:p>
@@ -1177,7 +1177,7 @@
           <a:p>
             <a:fld id="{78C97017-6FC3-485B-9764-EAC9E56C1D49}" type="datetimeFigureOut">
               <a:rPr lang="en-US" smtClean="0"/>
-              <a:t>10/23/18</a:t>
+              <a:t>10/24/18</a:t>
             </a:fld>
             <a:endParaRPr lang="en-US"/>
           </a:p>
@@ -1423,7 +1423,7 @@
           <a:p>
             <a:fld id="{78C97017-6FC3-485B-9764-EAC9E56C1D49}" type="datetimeFigureOut">
               <a:rPr lang="en-US" smtClean="0"/>
-              <a:t>10/23/18</a:t>
+              <a:t>10/24/18</a:t>
             </a:fld>
             <a:endParaRPr lang="en-US"/>
           </a:p>
@@ -1711,7 +1711,7 @@
           <a:p>
             <a:fld id="{78C97017-6FC3-485B-9764-EAC9E56C1D49}" type="datetimeFigureOut">
               <a:rPr lang="en-US" smtClean="0"/>
-              <a:t>10/23/18</a:t>
+              <a:t>10/24/18</a:t>
             </a:fld>
             <a:endParaRPr lang="en-US"/>
           </a:p>
@@ -2133,7 +2133,7 @@
           <a:p>
             <a:fld id="{78C97017-6FC3-485B-9764-EAC9E56C1D49}" type="datetimeFigureOut">
               <a:rPr lang="en-US" smtClean="0"/>
-              <a:t>10/23/18</a:t>
+              <a:t>10/24/18</a:t>
             </a:fld>
             <a:endParaRPr lang="en-US"/>
           </a:p>
@@ -2251,7 +2251,7 @@
           <a:p>
             <a:fld id="{78C97017-6FC3-485B-9764-EAC9E56C1D49}" type="datetimeFigureOut">
               <a:rPr lang="en-US" smtClean="0"/>
-              <a:t>10/23/18</a:t>
+              <a:t>10/24/18</a:t>
             </a:fld>
             <a:endParaRPr lang="en-US"/>
           </a:p>
@@ -2346,7 +2346,7 @@
           <a:p>
             <a:fld id="{78C97017-6FC3-485B-9764-EAC9E56C1D49}" type="datetimeFigureOut">
               <a:rPr lang="en-US" smtClean="0"/>
-              <a:t>10/23/18</a:t>
+              <a:t>10/24/18</a:t>
             </a:fld>
             <a:endParaRPr lang="en-US"/>
           </a:p>
@@ -2623,7 +2623,7 @@
           <a:p>
             <a:fld id="{78C97017-6FC3-485B-9764-EAC9E56C1D49}" type="datetimeFigureOut">
               <a:rPr lang="en-US" smtClean="0"/>
-              <a:t>10/23/18</a:t>
+              <a:t>10/24/18</a:t>
             </a:fld>
             <a:endParaRPr lang="en-US"/>
           </a:p>
@@ -2876,7 +2876,7 @@
           <a:p>
             <a:fld id="{78C97017-6FC3-485B-9764-EAC9E56C1D49}" type="datetimeFigureOut">
               <a:rPr lang="en-US" smtClean="0"/>
-              <a:t>10/23/18</a:t>
+              <a:t>10/24/18</a:t>
             </a:fld>
             <a:endParaRPr lang="en-US"/>
           </a:p>
@@ -3089,7 +3089,7 @@
           <a:p>
             <a:fld id="{78C97017-6FC3-485B-9764-EAC9E56C1D49}" type="datetimeFigureOut">
               <a:rPr lang="en-US" smtClean="0"/>
-              <a:t>10/23/18</a:t>
+              <a:t>10/24/18</a:t>
             </a:fld>
             <a:endParaRPr lang="en-US"/>
           </a:p>
@@ -3472,8 +3472,8 @@
         </p:nvSpPr>
         <p:spPr>
           <a:xfrm>
-            <a:off x="1119865" y="2086382"/>
-            <a:ext cx="6957335" cy="1723618"/>
+            <a:off x="586465" y="2086382"/>
+            <a:ext cx="8252735" cy="1723618"/>
           </a:xfrm>
           <a:prstGeom prst="roundRect">
             <a:avLst>
@@ -3537,7 +3537,7 @@
         </p:nvSpPr>
         <p:spPr>
           <a:xfrm>
-            <a:off x="2877180" y="3158440"/>
+            <a:off x="2343780" y="3158440"/>
             <a:ext cx="1323049" cy="346760"/>
           </a:xfrm>
           <a:prstGeom prst="rect">
@@ -3615,7 +3615,7 @@
         </p:nvSpPr>
         <p:spPr>
           <a:xfrm rot="16200000">
-            <a:off x="1683963" y="2868687"/>
+            <a:off x="1150563" y="2868687"/>
             <a:ext cx="1093635" cy="346760"/>
           </a:xfrm>
           <a:prstGeom prst="rect">
@@ -3678,7 +3678,7 @@
         </p:nvSpPr>
         <p:spPr>
           <a:xfrm rot="16200000">
-            <a:off x="956202" y="2861202"/>
+            <a:off x="422802" y="2861202"/>
             <a:ext cx="1093635" cy="346760"/>
           </a:xfrm>
           <a:prstGeom prst="rect">
@@ -3752,7 +3752,7 @@
         </p:nvSpPr>
         <p:spPr>
           <a:xfrm rot="16200000">
-            <a:off x="1626910" y="2952291"/>
+            <a:off x="1093510" y="2952291"/>
             <a:ext cx="270504" cy="175523"/>
           </a:xfrm>
           <a:prstGeom prst="triangle">
@@ -3810,7 +3810,7 @@
         </p:nvCxnSpPr>
         <p:spPr>
           <a:xfrm>
-            <a:off x="2656370" y="3326536"/>
+            <a:off x="2122970" y="3326536"/>
             <a:ext cx="220810" cy="5284"/>
           </a:xfrm>
           <a:prstGeom prst="straightConnector1">
@@ -3850,7 +3850,7 @@
         </p:nvCxnSpPr>
         <p:spPr>
           <a:xfrm>
-            <a:off x="910091" y="3040053"/>
+            <a:off x="376691" y="3040053"/>
             <a:ext cx="419548" cy="2860"/>
           </a:xfrm>
           <a:prstGeom prst="bentConnector3">
@@ -3895,7 +3895,7 @@
         </p:nvCxnSpPr>
         <p:spPr>
           <a:xfrm flipV="1">
-            <a:off x="1849924" y="3040052"/>
+            <a:off x="1316524" y="3040052"/>
             <a:ext cx="216105" cy="1"/>
           </a:xfrm>
           <a:prstGeom prst="line">
@@ -3936,7 +3936,7 @@
         </p:nvSpPr>
         <p:spPr>
           <a:xfrm>
-            <a:off x="2420322" y="3239846"/>
+            <a:off x="1886922" y="3239846"/>
             <a:ext cx="236048" cy="173380"/>
           </a:xfrm>
           <a:prstGeom prst="flowChartDecision">
@@ -3990,7 +3990,7 @@
         </p:nvCxnSpPr>
         <p:spPr>
           <a:xfrm flipV="1">
-            <a:off x="4398041" y="3331820"/>
+            <a:off x="3864641" y="3331820"/>
             <a:ext cx="223324" cy="1"/>
           </a:xfrm>
           <a:prstGeom prst="bentConnector3">
@@ -4033,7 +4033,7 @@
         </p:nvSpPr>
         <p:spPr>
           <a:xfrm rot="5400000" flipV="1">
-            <a:off x="4175027" y="3244059"/>
+            <a:off x="3641627" y="3244059"/>
             <a:ext cx="270504" cy="175523"/>
           </a:xfrm>
           <a:prstGeom prst="triangle">
@@ -4091,8 +4091,8 @@
         </p:nvCxnSpPr>
         <p:spPr>
           <a:xfrm>
-            <a:off x="5791200" y="3331820"/>
-            <a:ext cx="838200" cy="1150"/>
+            <a:off x="5257800" y="3331820"/>
+            <a:ext cx="685800" cy="1150"/>
           </a:xfrm>
           <a:prstGeom prst="bentConnector3">
             <a:avLst>
@@ -4134,7 +4134,7 @@
         </p:nvSpPr>
         <p:spPr>
           <a:xfrm>
-            <a:off x="4621365" y="3158440"/>
+            <a:off x="4087965" y="3158440"/>
             <a:ext cx="1169835" cy="346760"/>
           </a:xfrm>
           <a:prstGeom prst="rect">
@@ -4219,7 +4219,7 @@
         </p:nvSpPr>
         <p:spPr>
           <a:xfrm>
-            <a:off x="2873943" y="2558040"/>
+            <a:off x="2340543" y="2558040"/>
             <a:ext cx="1323049" cy="346760"/>
           </a:xfrm>
           <a:prstGeom prst="rect">
@@ -4300,7 +4300,7 @@
         </p:nvCxnSpPr>
         <p:spPr>
           <a:xfrm>
-            <a:off x="2653133" y="2726136"/>
+            <a:off x="2119733" y="2726136"/>
             <a:ext cx="220810" cy="5284"/>
           </a:xfrm>
           <a:prstGeom prst="straightConnector1">
@@ -4340,7 +4340,7 @@
         </p:nvSpPr>
         <p:spPr>
           <a:xfrm>
-            <a:off x="2417085" y="2639446"/>
+            <a:off x="1883685" y="2639446"/>
             <a:ext cx="236048" cy="173380"/>
           </a:xfrm>
           <a:prstGeom prst="flowChartDecision">
@@ -4394,7 +4394,7 @@
         </p:nvCxnSpPr>
         <p:spPr>
           <a:xfrm flipV="1">
-            <a:off x="4394804" y="2731420"/>
+            <a:off x="3861404" y="2731420"/>
             <a:ext cx="223324" cy="1"/>
           </a:xfrm>
           <a:prstGeom prst="bentConnector3">
@@ -4437,7 +4437,7 @@
         </p:nvSpPr>
         <p:spPr>
           <a:xfrm rot="5400000" flipV="1">
-            <a:off x="4171790" y="2643659"/>
+            <a:off x="3638390" y="2643659"/>
             <a:ext cx="270504" cy="175523"/>
           </a:xfrm>
           <a:prstGeom prst="triangle">
@@ -4492,7 +4492,7 @@
         </p:nvSpPr>
         <p:spPr>
           <a:xfrm>
-            <a:off x="4618128" y="2558040"/>
+            <a:off x="4084728" y="2558040"/>
             <a:ext cx="1093635" cy="346760"/>
           </a:xfrm>
           <a:prstGeom prst="rect">
@@ -4578,7 +4578,7 @@
         </p:nvSpPr>
         <p:spPr>
           <a:xfrm>
-            <a:off x="6629400" y="3159590"/>
+            <a:off x="5943600" y="3159590"/>
             <a:ext cx="1200707" cy="346760"/>
           </a:xfrm>
           <a:prstGeom prst="rect">
@@ -4607,14 +4607,14 @@
           <a:p>
             <a:pPr algn="ctr"/>
             <a:r>
-              <a:rPr lang="en-US" sz="1050" b="1" dirty="0" err="1">
+              <a:rPr lang="en-US" sz="1050" b="1" dirty="0" err="1" smtClean="0">
                 <a:solidFill>
                   <a:schemeClr val="accent6">
                     <a:lumMod val="75000"/>
                   </a:schemeClr>
                 </a:solidFill>
               </a:rPr>
-              <a:t>LibraryRead</a:t>
+              <a:t>LibraryFileStorage</a:t>
             </a:r>
             <a:endParaRPr lang="en-SG" sz="1050" b="1" dirty="0">
               <a:solidFill>
@@ -4629,13 +4629,15 @@
       <p:cxnSp>
         <p:nvCxnSpPr>
           <p:cNvPr id="27" name="Elbow Connector 122"/>
-          <p:cNvCxnSpPr/>
+          <p:cNvCxnSpPr>
+            <a:endCxn id="31" idx="1"/>
+          </p:cNvCxnSpPr>
           <p:nvPr/>
         </p:nvCxnSpPr>
         <p:spPr>
           <a:xfrm flipV="1">
-            <a:off x="5791200" y="2687957"/>
-            <a:ext cx="838200" cy="638815"/>
+            <a:off x="5257800" y="2687980"/>
+            <a:ext cx="685800" cy="638793"/>
           </a:xfrm>
           <a:prstGeom prst="bentConnector3">
             <a:avLst>
@@ -4677,7 +4679,7 @@
         </p:nvSpPr>
         <p:spPr>
           <a:xfrm>
-            <a:off x="6629400" y="2514600"/>
+            <a:off x="5943600" y="2514600"/>
             <a:ext cx="1200707" cy="346760"/>
           </a:xfrm>
           <a:prstGeom prst="rect">
@@ -4725,6 +4727,107 @@
           </a:p>
         </p:txBody>
       </p:sp>
+      <p:sp>
+        <p:nvSpPr>
+          <p:cNvPr id="24" name="Rectangle 8"/>
+          <p:cNvSpPr/>
+          <p:nvPr/>
+        </p:nvSpPr>
+        <p:spPr>
+          <a:xfrm>
+            <a:off x="7394398" y="3168194"/>
+            <a:ext cx="1200707" cy="346760"/>
+          </a:xfrm>
+          <a:prstGeom prst="rect">
+            <a:avLst/>
+          </a:prstGeom>
+          <a:ln w="19050"/>
+          <a:effectLst/>
+        </p:spPr>
+        <p:style>
+          <a:lnRef idx="1">
+            <a:schemeClr val="accent6"/>
+          </a:lnRef>
+          <a:fillRef idx="2">
+            <a:schemeClr val="accent6"/>
+          </a:fillRef>
+          <a:effectRef idx="1">
+            <a:schemeClr val="accent6"/>
+          </a:effectRef>
+          <a:fontRef idx="minor">
+            <a:schemeClr val="dk1"/>
+          </a:fontRef>
+        </p:style>
+        <p:txBody>
+          <a:bodyPr rtlCol="0" anchor="ctr"/>
+          <a:lstStyle/>
+          <a:p>
+            <a:pPr algn="ctr"/>
+            <a:r>
+              <a:rPr lang="en-US" sz="1050" b="1" dirty="0" err="1">
+                <a:solidFill>
+                  <a:schemeClr val="accent6">
+                    <a:lumMod val="75000"/>
+                  </a:schemeClr>
+                </a:solidFill>
+              </a:rPr>
+              <a:t>LibraryRead</a:t>
+            </a:r>
+            <a:endParaRPr lang="en-SG" sz="1050" b="1" dirty="0">
+              <a:solidFill>
+                <a:schemeClr val="accent6">
+                  <a:lumMod val="75000"/>
+                </a:schemeClr>
+              </a:solidFill>
+            </a:endParaRPr>
+          </a:p>
+        </p:txBody>
+      </p:sp>
+      <p:cxnSp>
+        <p:nvCxnSpPr>
+          <p:cNvPr id="26" name="Elbow Connector 122"/>
+          <p:cNvCxnSpPr>
+            <a:endCxn id="24" idx="1"/>
+          </p:cNvCxnSpPr>
+          <p:nvPr/>
+        </p:nvCxnSpPr>
+        <p:spPr>
+          <a:xfrm>
+            <a:off x="7162800" y="3325386"/>
+            <a:ext cx="231598" cy="16188"/>
+          </a:xfrm>
+          <a:prstGeom prst="bentConnector3">
+            <a:avLst>
+              <a:gd name="adj1" fmla="val 50000"/>
+            </a:avLst>
+          </a:prstGeom>
+          <a:ln w="19050">
+            <a:solidFill>
+              <a:schemeClr val="accent6">
+                <a:lumMod val="75000"/>
+              </a:schemeClr>
+            </a:solidFill>
+            <a:prstDash val="sysDot"/>
+            <a:headEnd type="none" w="med" len="med"/>
+            <a:tailEnd type="arrow" w="med" len="med"/>
+          </a:ln>
+          <a:effectLst/>
+        </p:spPr>
+        <p:style>
+          <a:lnRef idx="1">
+            <a:schemeClr val="accent2"/>
+          </a:lnRef>
+          <a:fillRef idx="2">
+            <a:schemeClr val="accent2"/>
+          </a:fillRef>
+          <a:effectRef idx="1">
+            <a:schemeClr val="accent2"/>
+          </a:effectRef>
+          <a:fontRef idx="minor">
+            <a:schemeClr val="dk1"/>
+          </a:fontRef>
+        </p:style>
+      </p:cxnSp>
     </p:spTree>
     <p:extLst>
       <p:ext uri="{BB962C8B-B14F-4D97-AF65-F5344CB8AC3E}">

--- a/docs/diagrams/StorageComponentClassDiagram.pptx
+++ b/docs/diagrams/StorageComponentClassDiagram.pptx
@@ -107,6 +107,22 @@
       </a:defRPr>
     </a:lvl9pPr>
   </p:defaultTextStyle>
+  <p:extLst>
+    <p:ext uri="{EFAFB233-063F-42B5-8137-9DF3F51BA10A}">
+      <p15:sldGuideLst xmlns:p15="http://schemas.microsoft.com/office/powerpoint/2012/main">
+        <p15:guide id="1" orient="horz" pos="1488">
+          <p15:clr>
+            <a:srgbClr val="A4A3A4"/>
+          </p15:clr>
+        </p15:guide>
+        <p15:guide id="2" pos="2880">
+          <p15:clr>
+            <a:srgbClr val="A4A3A4"/>
+          </p15:clr>
+        </p15:guide>
+      </p15:sldGuideLst>
+    </p:ext>
+  </p:extLst>
 </p:presentation>
 </file>
 
@@ -192,7 +208,7 @@
           <a:p>
             <a:fld id="{F5CC4B3F-88C1-4FFA-B1B6-F41C21DC6924}" type="datetimeFigureOut">
               <a:rPr lang="en-US" smtClean="0"/>
-              <a:t>10/16/2016</a:t>
+              <a:t>10/25/2018</a:t>
             </a:fld>
             <a:endParaRPr lang="en-US"/>
           </a:p>
@@ -256,38 +272,37 @@
           <a:p>
             <a:pPr lvl="0"/>
             <a:r>
-              <a:rPr lang="en-US" smtClean="0"/>
+              <a:rPr lang="en-US"/>
               <a:t>Click to edit Master text styles</a:t>
             </a:r>
           </a:p>
           <a:p>
             <a:pPr lvl="1"/>
             <a:r>
-              <a:rPr lang="en-US" smtClean="0"/>
+              <a:rPr lang="en-US"/>
               <a:t>Second level</a:t>
             </a:r>
           </a:p>
           <a:p>
             <a:pPr lvl="2"/>
             <a:r>
-              <a:rPr lang="en-US" smtClean="0"/>
+              <a:rPr lang="en-US"/>
               <a:t>Third level</a:t>
             </a:r>
           </a:p>
           <a:p>
             <a:pPr lvl="3"/>
             <a:r>
-              <a:rPr lang="en-US" smtClean="0"/>
+              <a:rPr lang="en-US"/>
               <a:t>Fourth level</a:t>
             </a:r>
           </a:p>
           <a:p>
             <a:pPr lvl="4"/>
             <a:r>
-              <a:rPr lang="en-US" smtClean="0"/>
+              <a:rPr lang="en-US"/>
               <a:t>Fifth level</a:t>
             </a:r>
-            <a:endParaRPr lang="en-US"/>
           </a:p>
         </p:txBody>
       </p:sp>
@@ -498,10 +513,9 @@
           <a:lstStyle/>
           <a:p>
             <a:r>
-              <a:rPr lang="en-US" smtClean="0"/>
+              <a:rPr lang="en-US"/>
               <a:t>Click to edit Master title style</a:t>
             </a:r>
-            <a:endParaRPr lang="en-US"/>
           </a:p>
         </p:txBody>
       </p:sp>
@@ -617,10 +631,9 @@
           </a:lstStyle>
           <a:p>
             <a:r>
-              <a:rPr lang="en-US" smtClean="0"/>
+              <a:rPr lang="en-US"/>
               <a:t>Click to edit Master subtitle style</a:t>
             </a:r>
-            <a:endParaRPr lang="en-US"/>
           </a:p>
         </p:txBody>
       </p:sp>
@@ -641,7 +654,7 @@
           <a:p>
             <a:fld id="{78C97017-6FC3-485B-9764-EAC9E56C1D49}" type="datetimeFigureOut">
               <a:rPr lang="en-US" smtClean="0"/>
-              <a:t>10/16/2016</a:t>
+              <a:t>10/25/2018</a:t>
             </a:fld>
             <a:endParaRPr lang="en-US"/>
           </a:p>
@@ -735,10 +748,9 @@
           <a:lstStyle/>
           <a:p>
             <a:r>
-              <a:rPr lang="en-US" smtClean="0"/>
+              <a:rPr lang="en-US"/>
               <a:t>Click to edit Master title style</a:t>
             </a:r>
-            <a:endParaRPr lang="en-US"/>
           </a:p>
         </p:txBody>
       </p:sp>
@@ -759,38 +771,37 @@
           <a:p>
             <a:pPr lvl="0"/>
             <a:r>
-              <a:rPr lang="en-US" smtClean="0"/>
+              <a:rPr lang="en-US"/>
               <a:t>Click to edit Master text styles</a:t>
             </a:r>
           </a:p>
           <a:p>
             <a:pPr lvl="1"/>
             <a:r>
-              <a:rPr lang="en-US" smtClean="0"/>
+              <a:rPr lang="en-US"/>
               <a:t>Second level</a:t>
             </a:r>
           </a:p>
           <a:p>
             <a:pPr lvl="2"/>
             <a:r>
-              <a:rPr lang="en-US" smtClean="0"/>
+              <a:rPr lang="en-US"/>
               <a:t>Third level</a:t>
             </a:r>
           </a:p>
           <a:p>
             <a:pPr lvl="3"/>
             <a:r>
-              <a:rPr lang="en-US" smtClean="0"/>
+              <a:rPr lang="en-US"/>
               <a:t>Fourth level</a:t>
             </a:r>
           </a:p>
           <a:p>
             <a:pPr lvl="4"/>
             <a:r>
-              <a:rPr lang="en-US" smtClean="0"/>
+              <a:rPr lang="en-US"/>
               <a:t>Fifth level</a:t>
             </a:r>
-            <a:endParaRPr lang="en-US"/>
           </a:p>
         </p:txBody>
       </p:sp>
@@ -811,7 +822,7 @@
           <a:p>
             <a:fld id="{78C97017-6FC3-485B-9764-EAC9E56C1D49}" type="datetimeFigureOut">
               <a:rPr lang="en-US" smtClean="0"/>
-              <a:t>10/16/2016</a:t>
+              <a:t>10/25/2018</a:t>
             </a:fld>
             <a:endParaRPr lang="en-US"/>
           </a:p>
@@ -910,10 +921,9 @@
           <a:lstStyle/>
           <a:p>
             <a:r>
-              <a:rPr lang="en-US" smtClean="0"/>
+              <a:rPr lang="en-US"/>
               <a:t>Click to edit Master title style</a:t>
             </a:r>
-            <a:endParaRPr lang="en-US"/>
           </a:p>
         </p:txBody>
       </p:sp>
@@ -939,38 +949,37 @@
           <a:p>
             <a:pPr lvl="0"/>
             <a:r>
-              <a:rPr lang="en-US" smtClean="0"/>
+              <a:rPr lang="en-US"/>
               <a:t>Click to edit Master text styles</a:t>
             </a:r>
           </a:p>
           <a:p>
             <a:pPr lvl="1"/>
             <a:r>
-              <a:rPr lang="en-US" smtClean="0"/>
+              <a:rPr lang="en-US"/>
               <a:t>Second level</a:t>
             </a:r>
           </a:p>
           <a:p>
             <a:pPr lvl="2"/>
             <a:r>
-              <a:rPr lang="en-US" smtClean="0"/>
+              <a:rPr lang="en-US"/>
               <a:t>Third level</a:t>
             </a:r>
           </a:p>
           <a:p>
             <a:pPr lvl="3"/>
             <a:r>
-              <a:rPr lang="en-US" smtClean="0"/>
+              <a:rPr lang="en-US"/>
               <a:t>Fourth level</a:t>
             </a:r>
           </a:p>
           <a:p>
             <a:pPr lvl="4"/>
             <a:r>
-              <a:rPr lang="en-US" smtClean="0"/>
+              <a:rPr lang="en-US"/>
               <a:t>Fifth level</a:t>
             </a:r>
-            <a:endParaRPr lang="en-US"/>
           </a:p>
         </p:txBody>
       </p:sp>
@@ -991,7 +1000,7 @@
           <a:p>
             <a:fld id="{78C97017-6FC3-485B-9764-EAC9E56C1D49}" type="datetimeFigureOut">
               <a:rPr lang="en-US" smtClean="0"/>
-              <a:t>10/16/2016</a:t>
+              <a:t>10/25/2018</a:t>
             </a:fld>
             <a:endParaRPr lang="en-US"/>
           </a:p>
@@ -1085,10 +1094,9 @@
           <a:lstStyle/>
           <a:p>
             <a:r>
-              <a:rPr lang="en-US" smtClean="0"/>
+              <a:rPr lang="en-US"/>
               <a:t>Click to edit Master title style</a:t>
             </a:r>
-            <a:endParaRPr lang="en-US"/>
           </a:p>
         </p:txBody>
       </p:sp>
@@ -1109,38 +1117,37 @@
           <a:p>
             <a:pPr lvl="0"/>
             <a:r>
-              <a:rPr lang="en-US" smtClean="0"/>
+              <a:rPr lang="en-US"/>
               <a:t>Click to edit Master text styles</a:t>
             </a:r>
           </a:p>
           <a:p>
             <a:pPr lvl="1"/>
             <a:r>
-              <a:rPr lang="en-US" smtClean="0"/>
+              <a:rPr lang="en-US"/>
               <a:t>Second level</a:t>
             </a:r>
           </a:p>
           <a:p>
             <a:pPr lvl="2"/>
             <a:r>
-              <a:rPr lang="en-US" smtClean="0"/>
+              <a:rPr lang="en-US"/>
               <a:t>Third level</a:t>
             </a:r>
           </a:p>
           <a:p>
             <a:pPr lvl="3"/>
             <a:r>
-              <a:rPr lang="en-US" smtClean="0"/>
+              <a:rPr lang="en-US"/>
               <a:t>Fourth level</a:t>
             </a:r>
           </a:p>
           <a:p>
             <a:pPr lvl="4"/>
             <a:r>
-              <a:rPr lang="en-US" smtClean="0"/>
+              <a:rPr lang="en-US"/>
               <a:t>Fifth level</a:t>
             </a:r>
-            <a:endParaRPr lang="en-US"/>
           </a:p>
         </p:txBody>
       </p:sp>
@@ -1161,7 +1168,7 @@
           <a:p>
             <a:fld id="{78C97017-6FC3-485B-9764-EAC9E56C1D49}" type="datetimeFigureOut">
               <a:rPr lang="en-US" smtClean="0"/>
-              <a:t>10/16/2016</a:t>
+              <a:t>10/25/2018</a:t>
             </a:fld>
             <a:endParaRPr lang="en-US"/>
           </a:p>
@@ -1264,10 +1271,9 @@
           </a:lstStyle>
           <a:p>
             <a:r>
-              <a:rPr lang="en-US" smtClean="0"/>
+              <a:rPr lang="en-US"/>
               <a:t>Click to edit Master title style</a:t>
             </a:r>
-            <a:endParaRPr lang="en-US"/>
           </a:p>
         </p:txBody>
       </p:sp>
@@ -1384,7 +1390,7 @@
           <a:p>
             <a:pPr lvl="0"/>
             <a:r>
-              <a:rPr lang="en-US" smtClean="0"/>
+              <a:rPr lang="en-US"/>
               <a:t>Click to edit Master text styles</a:t>
             </a:r>
           </a:p>
@@ -1407,7 +1413,7 @@
           <a:p>
             <a:fld id="{78C97017-6FC3-485B-9764-EAC9E56C1D49}" type="datetimeFigureOut">
               <a:rPr lang="en-US" smtClean="0"/>
-              <a:t>10/16/2016</a:t>
+              <a:t>10/25/2018</a:t>
             </a:fld>
             <a:endParaRPr lang="en-US"/>
           </a:p>
@@ -1501,10 +1507,9 @@
           <a:lstStyle/>
           <a:p>
             <a:r>
-              <a:rPr lang="en-US" smtClean="0"/>
+              <a:rPr lang="en-US"/>
               <a:t>Click to edit Master title style</a:t>
             </a:r>
-            <a:endParaRPr lang="en-US"/>
           </a:p>
         </p:txBody>
       </p:sp>
@@ -1558,38 +1563,37 @@
           <a:p>
             <a:pPr lvl="0"/>
             <a:r>
-              <a:rPr lang="en-US" smtClean="0"/>
+              <a:rPr lang="en-US"/>
               <a:t>Click to edit Master text styles</a:t>
             </a:r>
           </a:p>
           <a:p>
             <a:pPr lvl="1"/>
             <a:r>
-              <a:rPr lang="en-US" smtClean="0"/>
+              <a:rPr lang="en-US"/>
               <a:t>Second level</a:t>
             </a:r>
           </a:p>
           <a:p>
             <a:pPr lvl="2"/>
             <a:r>
-              <a:rPr lang="en-US" smtClean="0"/>
+              <a:rPr lang="en-US"/>
               <a:t>Third level</a:t>
             </a:r>
           </a:p>
           <a:p>
             <a:pPr lvl="3"/>
             <a:r>
-              <a:rPr lang="en-US" smtClean="0"/>
+              <a:rPr lang="en-US"/>
               <a:t>Fourth level</a:t>
             </a:r>
           </a:p>
           <a:p>
             <a:pPr lvl="4"/>
             <a:r>
-              <a:rPr lang="en-US" smtClean="0"/>
+              <a:rPr lang="en-US"/>
               <a:t>Fifth level</a:t>
             </a:r>
-            <a:endParaRPr lang="en-US"/>
           </a:p>
         </p:txBody>
       </p:sp>
@@ -1643,38 +1647,37 @@
           <a:p>
             <a:pPr lvl="0"/>
             <a:r>
-              <a:rPr lang="en-US" smtClean="0"/>
+              <a:rPr lang="en-US"/>
               <a:t>Click to edit Master text styles</a:t>
             </a:r>
           </a:p>
           <a:p>
             <a:pPr lvl="1"/>
             <a:r>
-              <a:rPr lang="en-US" smtClean="0"/>
+              <a:rPr lang="en-US"/>
               <a:t>Second level</a:t>
             </a:r>
           </a:p>
           <a:p>
             <a:pPr lvl="2"/>
             <a:r>
-              <a:rPr lang="en-US" smtClean="0"/>
+              <a:rPr lang="en-US"/>
               <a:t>Third level</a:t>
             </a:r>
           </a:p>
           <a:p>
             <a:pPr lvl="3"/>
             <a:r>
-              <a:rPr lang="en-US" smtClean="0"/>
+              <a:rPr lang="en-US"/>
               <a:t>Fourth level</a:t>
             </a:r>
           </a:p>
           <a:p>
             <a:pPr lvl="4"/>
             <a:r>
-              <a:rPr lang="en-US" smtClean="0"/>
+              <a:rPr lang="en-US"/>
               <a:t>Fifth level</a:t>
             </a:r>
-            <a:endParaRPr lang="en-US"/>
           </a:p>
         </p:txBody>
       </p:sp>
@@ -1695,7 +1698,7 @@
           <a:p>
             <a:fld id="{78C97017-6FC3-485B-9764-EAC9E56C1D49}" type="datetimeFigureOut">
               <a:rPr lang="en-US" smtClean="0"/>
-              <a:t>10/16/2016</a:t>
+              <a:t>10/25/2018</a:t>
             </a:fld>
             <a:endParaRPr lang="en-US"/>
           </a:p>
@@ -1793,10 +1796,9 @@
           </a:lstStyle>
           <a:p>
             <a:r>
-              <a:rPr lang="en-US" smtClean="0"/>
+              <a:rPr lang="en-US"/>
               <a:t>Click to edit Master title style</a:t>
             </a:r>
-            <a:endParaRPr lang="en-US"/>
           </a:p>
         </p:txBody>
       </p:sp>
@@ -1859,7 +1861,7 @@
           <a:p>
             <a:pPr lvl="0"/>
             <a:r>
-              <a:rPr lang="en-US" smtClean="0"/>
+              <a:rPr lang="en-US"/>
               <a:t>Click to edit Master text styles</a:t>
             </a:r>
           </a:p>
@@ -1915,38 +1917,37 @@
           <a:p>
             <a:pPr lvl="0"/>
             <a:r>
-              <a:rPr lang="en-US" smtClean="0"/>
+              <a:rPr lang="en-US"/>
               <a:t>Click to edit Master text styles</a:t>
             </a:r>
           </a:p>
           <a:p>
             <a:pPr lvl="1"/>
             <a:r>
-              <a:rPr lang="en-US" smtClean="0"/>
+              <a:rPr lang="en-US"/>
               <a:t>Second level</a:t>
             </a:r>
           </a:p>
           <a:p>
             <a:pPr lvl="2"/>
             <a:r>
-              <a:rPr lang="en-US" smtClean="0"/>
+              <a:rPr lang="en-US"/>
               <a:t>Third level</a:t>
             </a:r>
           </a:p>
           <a:p>
             <a:pPr lvl="3"/>
             <a:r>
-              <a:rPr lang="en-US" smtClean="0"/>
+              <a:rPr lang="en-US"/>
               <a:t>Fourth level</a:t>
             </a:r>
           </a:p>
           <a:p>
             <a:pPr lvl="4"/>
             <a:r>
-              <a:rPr lang="en-US" smtClean="0"/>
+              <a:rPr lang="en-US"/>
               <a:t>Fifth level</a:t>
             </a:r>
-            <a:endParaRPr lang="en-US"/>
           </a:p>
         </p:txBody>
       </p:sp>
@@ -2009,7 +2010,7 @@
           <a:p>
             <a:pPr lvl="0"/>
             <a:r>
-              <a:rPr lang="en-US" smtClean="0"/>
+              <a:rPr lang="en-US"/>
               <a:t>Click to edit Master text styles</a:t>
             </a:r>
           </a:p>
@@ -2065,38 +2066,37 @@
           <a:p>
             <a:pPr lvl="0"/>
             <a:r>
-              <a:rPr lang="en-US" smtClean="0"/>
+              <a:rPr lang="en-US"/>
               <a:t>Click to edit Master text styles</a:t>
             </a:r>
           </a:p>
           <a:p>
             <a:pPr lvl="1"/>
             <a:r>
-              <a:rPr lang="en-US" smtClean="0"/>
+              <a:rPr lang="en-US"/>
               <a:t>Second level</a:t>
             </a:r>
           </a:p>
           <a:p>
             <a:pPr lvl="2"/>
             <a:r>
-              <a:rPr lang="en-US" smtClean="0"/>
+              <a:rPr lang="en-US"/>
               <a:t>Third level</a:t>
             </a:r>
           </a:p>
           <a:p>
             <a:pPr lvl="3"/>
             <a:r>
-              <a:rPr lang="en-US" smtClean="0"/>
+              <a:rPr lang="en-US"/>
               <a:t>Fourth level</a:t>
             </a:r>
           </a:p>
           <a:p>
             <a:pPr lvl="4"/>
             <a:r>
-              <a:rPr lang="en-US" smtClean="0"/>
+              <a:rPr lang="en-US"/>
               <a:t>Fifth level</a:t>
             </a:r>
-            <a:endParaRPr lang="en-US"/>
           </a:p>
         </p:txBody>
       </p:sp>
@@ -2117,7 +2117,7 @@
           <a:p>
             <a:fld id="{78C97017-6FC3-485B-9764-EAC9E56C1D49}" type="datetimeFigureOut">
               <a:rPr lang="en-US" smtClean="0"/>
-              <a:t>10/16/2016</a:t>
+              <a:t>10/25/2018</a:t>
             </a:fld>
             <a:endParaRPr lang="en-US"/>
           </a:p>
@@ -2211,10 +2211,9 @@
           <a:lstStyle/>
           <a:p>
             <a:r>
-              <a:rPr lang="en-US" smtClean="0"/>
+              <a:rPr lang="en-US"/>
               <a:t>Click to edit Master title style</a:t>
             </a:r>
-            <a:endParaRPr lang="en-US"/>
           </a:p>
         </p:txBody>
       </p:sp>
@@ -2235,7 +2234,7 @@
           <a:p>
             <a:fld id="{78C97017-6FC3-485B-9764-EAC9E56C1D49}" type="datetimeFigureOut">
               <a:rPr lang="en-US" smtClean="0"/>
-              <a:t>10/16/2016</a:t>
+              <a:t>10/25/2018</a:t>
             </a:fld>
             <a:endParaRPr lang="en-US"/>
           </a:p>
@@ -2330,7 +2329,7 @@
           <a:p>
             <a:fld id="{78C97017-6FC3-485B-9764-EAC9E56C1D49}" type="datetimeFigureOut">
               <a:rPr lang="en-US" smtClean="0"/>
-              <a:t>10/16/2016</a:t>
+              <a:t>10/25/2018</a:t>
             </a:fld>
             <a:endParaRPr lang="en-US"/>
           </a:p>
@@ -2433,10 +2432,9 @@
           </a:lstStyle>
           <a:p>
             <a:r>
-              <a:rPr lang="en-US" smtClean="0"/>
+              <a:rPr lang="en-US"/>
               <a:t>Click to edit Master title style</a:t>
             </a:r>
-            <a:endParaRPr lang="en-US"/>
           </a:p>
         </p:txBody>
       </p:sp>
@@ -2490,38 +2488,37 @@
           <a:p>
             <a:pPr lvl="0"/>
             <a:r>
-              <a:rPr lang="en-US" smtClean="0"/>
+              <a:rPr lang="en-US"/>
               <a:t>Click to edit Master text styles</a:t>
             </a:r>
           </a:p>
           <a:p>
             <a:pPr lvl="1"/>
             <a:r>
-              <a:rPr lang="en-US" smtClean="0"/>
+              <a:rPr lang="en-US"/>
               <a:t>Second level</a:t>
             </a:r>
           </a:p>
           <a:p>
             <a:pPr lvl="2"/>
             <a:r>
-              <a:rPr lang="en-US" smtClean="0"/>
+              <a:rPr lang="en-US"/>
               <a:t>Third level</a:t>
             </a:r>
           </a:p>
           <a:p>
             <a:pPr lvl="3"/>
             <a:r>
-              <a:rPr lang="en-US" smtClean="0"/>
+              <a:rPr lang="en-US"/>
               <a:t>Fourth level</a:t>
             </a:r>
           </a:p>
           <a:p>
             <a:pPr lvl="4"/>
             <a:r>
-              <a:rPr lang="en-US" smtClean="0"/>
+              <a:rPr lang="en-US"/>
               <a:t>Fifth level</a:t>
             </a:r>
-            <a:endParaRPr lang="en-US"/>
           </a:p>
         </p:txBody>
       </p:sp>
@@ -2584,7 +2581,7 @@
           <a:p>
             <a:pPr lvl="0"/>
             <a:r>
-              <a:rPr lang="en-US" smtClean="0"/>
+              <a:rPr lang="en-US"/>
               <a:t>Click to edit Master text styles</a:t>
             </a:r>
           </a:p>
@@ -2607,7 +2604,7 @@
           <a:p>
             <a:fld id="{78C97017-6FC3-485B-9764-EAC9E56C1D49}" type="datetimeFigureOut">
               <a:rPr lang="en-US" smtClean="0"/>
-              <a:t>10/16/2016</a:t>
+              <a:t>10/25/2018</a:t>
             </a:fld>
             <a:endParaRPr lang="en-US"/>
           </a:p>
@@ -2710,10 +2707,9 @@
           </a:lstStyle>
           <a:p>
             <a:r>
-              <a:rPr lang="en-US" smtClean="0"/>
+              <a:rPr lang="en-US"/>
               <a:t>Click to edit Master title style</a:t>
             </a:r>
-            <a:endParaRPr lang="en-US"/>
           </a:p>
         </p:txBody>
       </p:sp>
@@ -2837,7 +2833,7 @@
           <a:p>
             <a:pPr lvl="0"/>
             <a:r>
-              <a:rPr lang="en-US" smtClean="0"/>
+              <a:rPr lang="en-US"/>
               <a:t>Click to edit Master text styles</a:t>
             </a:r>
           </a:p>
@@ -2860,7 +2856,7 @@
           <a:p>
             <a:fld id="{78C97017-6FC3-485B-9764-EAC9E56C1D49}" type="datetimeFigureOut">
               <a:rPr lang="en-US" smtClean="0"/>
-              <a:t>10/16/2016</a:t>
+              <a:t>10/25/2018</a:t>
             </a:fld>
             <a:endParaRPr lang="en-US"/>
           </a:p>
@@ -2969,10 +2965,9 @@
           <a:lstStyle/>
           <a:p>
             <a:r>
-              <a:rPr lang="en-US" smtClean="0"/>
+              <a:rPr lang="en-US"/>
               <a:t>Click to edit Master title style</a:t>
             </a:r>
-            <a:endParaRPr lang="en-US"/>
           </a:p>
         </p:txBody>
       </p:sp>
@@ -3003,38 +2998,37 @@
           <a:p>
             <a:pPr lvl="0"/>
             <a:r>
-              <a:rPr lang="en-US" smtClean="0"/>
+              <a:rPr lang="en-US"/>
               <a:t>Click to edit Master text styles</a:t>
             </a:r>
           </a:p>
           <a:p>
             <a:pPr lvl="1"/>
             <a:r>
-              <a:rPr lang="en-US" smtClean="0"/>
+              <a:rPr lang="en-US"/>
               <a:t>Second level</a:t>
             </a:r>
           </a:p>
           <a:p>
             <a:pPr lvl="2"/>
             <a:r>
-              <a:rPr lang="en-US" smtClean="0"/>
+              <a:rPr lang="en-US"/>
               <a:t>Third level</a:t>
             </a:r>
           </a:p>
           <a:p>
             <a:pPr lvl="3"/>
             <a:r>
-              <a:rPr lang="en-US" smtClean="0"/>
+              <a:rPr lang="en-US"/>
               <a:t>Fourth level</a:t>
             </a:r>
           </a:p>
           <a:p>
             <a:pPr lvl="4"/>
             <a:r>
-              <a:rPr lang="en-US" smtClean="0"/>
+              <a:rPr lang="en-US"/>
               <a:t>Fifth level</a:t>
             </a:r>
-            <a:endParaRPr lang="en-US"/>
           </a:p>
         </p:txBody>
       </p:sp>
@@ -3073,7 +3067,7 @@
           <a:p>
             <a:fld id="{78C97017-6FC3-485B-9764-EAC9E56C1D49}" type="datetimeFigureOut">
               <a:rPr lang="en-US" smtClean="0"/>
-              <a:t>10/16/2016</a:t>
+              <a:t>10/25/2018</a:t>
             </a:fld>
             <a:endParaRPr lang="en-US"/>
           </a:p>
@@ -3494,7 +3488,7 @@
           <a:lstStyle/>
           <a:p>
             <a:r>
-              <a:rPr lang="en-US" sz="1200" b="1" dirty="0" smtClean="0">
+              <a:rPr lang="en-US" sz="1200" b="1" dirty="0">
                 <a:solidFill>
                   <a:schemeClr val="accent6">
                     <a:lumMod val="75000"/>
@@ -3561,7 +3555,7 @@
           <a:p>
             <a:pPr algn="ctr"/>
             <a:r>
-              <a:rPr lang="en-US" sz="1050" dirty="0" smtClean="0">
+              <a:rPr lang="en-US" sz="1050" dirty="0">
                 <a:solidFill>
                   <a:schemeClr val="bg1"/>
                 </a:solidFill>
@@ -3569,19 +3563,19 @@
               <a:t>&lt;&lt;interface&gt;&gt;</a:t>
             </a:r>
             <a:br>
-              <a:rPr lang="en-US" sz="1050" dirty="0" smtClean="0">
+              <a:rPr lang="en-US" sz="1050" dirty="0">
                 <a:solidFill>
                   <a:schemeClr val="bg1"/>
                 </a:solidFill>
               </a:rPr>
             </a:br>
             <a:r>
-              <a:rPr lang="en-US" sz="1050" dirty="0" err="1" smtClean="0">
+              <a:rPr lang="en-US" sz="1050" dirty="0" err="1">
                 <a:solidFill>
                   <a:schemeClr val="bg1"/>
                 </a:solidFill>
               </a:rPr>
-              <a:t>AddressBookStorage</a:t>
+              <a:t>SchedulerStorage</a:t>
             </a:r>
             <a:endParaRPr lang="en-SG" sz="1050" dirty="0">
               <a:solidFill>
@@ -3639,7 +3633,7 @@
           <a:p>
             <a:pPr algn="ctr"/>
             <a:r>
-              <a:rPr lang="en-US" sz="1050" dirty="0" err="1" smtClean="0">
+              <a:rPr lang="en-US" sz="1050" dirty="0" err="1">
                 <a:solidFill>
                   <a:schemeClr val="bg1"/>
                 </a:solidFill>
@@ -3713,7 +3707,7 @@
           <a:p>
             <a:pPr algn="ctr"/>
             <a:r>
-              <a:rPr lang="en-US" sz="1050" dirty="0" smtClean="0">
+              <a:rPr lang="en-US" sz="1050" dirty="0">
                 <a:solidFill>
                   <a:schemeClr val="bg1"/>
                 </a:solidFill>
@@ -4147,27 +4141,17 @@
           <a:p>
             <a:pPr algn="ctr"/>
             <a:r>
-              <a:rPr lang="en-US" sz="1050" b="1" dirty="0" err="1" smtClean="0">
+              <a:rPr lang="en-US" sz="1050" b="1" dirty="0" err="1">
                 <a:solidFill>
                   <a:schemeClr val="accent6">
                     <a:lumMod val="75000"/>
                   </a:schemeClr>
                 </a:solidFill>
               </a:rPr>
-              <a:t>XmlAddressBook</a:t>
-            </a:r>
-            <a:r>
-              <a:rPr lang="en-US" sz="1050" b="1" dirty="0" smtClean="0">
-                <a:solidFill>
-                  <a:schemeClr val="accent6">
-                    <a:lumMod val="75000"/>
-                  </a:schemeClr>
-                </a:solidFill>
-              </a:rPr>
-              <a:t/>
+              <a:t>XmlScheduler</a:t>
             </a:r>
             <a:br>
-              <a:rPr lang="en-US" sz="1050" b="1" dirty="0" smtClean="0">
+              <a:rPr lang="en-US" sz="1050" b="1" dirty="0">
                 <a:solidFill>
                   <a:schemeClr val="accent6">
                     <a:lumMod val="75000"/>
@@ -4176,7 +4160,7 @@
               </a:rPr>
             </a:br>
             <a:r>
-              <a:rPr lang="en-US" sz="1050" b="1" dirty="0" smtClean="0">
+              <a:rPr lang="en-US" sz="1050" b="1" dirty="0">
                 <a:solidFill>
                   <a:schemeClr val="accent6">
                     <a:lumMod val="75000"/>
@@ -4243,7 +4227,7 @@
           <a:p>
             <a:pPr algn="ctr"/>
             <a:r>
-              <a:rPr lang="en-US" sz="1050" dirty="0" smtClean="0">
+              <a:rPr lang="en-US" sz="1050" dirty="0">
                 <a:solidFill>
                   <a:schemeClr val="bg1"/>
                 </a:solidFill>
@@ -4251,14 +4235,14 @@
               <a:t>&lt;&lt;interface&gt;&gt;</a:t>
             </a:r>
             <a:br>
-              <a:rPr lang="en-US" sz="1050" dirty="0" smtClean="0">
+              <a:rPr lang="en-US" sz="1050" dirty="0">
                 <a:solidFill>
                   <a:schemeClr val="bg1"/>
                 </a:solidFill>
               </a:rPr>
             </a:br>
             <a:r>
-              <a:rPr lang="en-US" sz="1050" dirty="0" err="1" smtClean="0">
+              <a:rPr lang="en-US" sz="1050" dirty="0" err="1">
                 <a:solidFill>
                   <a:schemeClr val="bg1"/>
                 </a:solidFill>
@@ -4516,30 +4500,22 @@
           <a:p>
             <a:pPr algn="ctr"/>
             <a:r>
-              <a:rPr lang="en-US" sz="1050" dirty="0" err="1" smtClean="0">
+              <a:rPr lang="en-US" sz="1050" dirty="0" err="1">
                 <a:solidFill>
                   <a:schemeClr val="bg1"/>
                 </a:solidFill>
               </a:rPr>
               <a:t>JsonUserPrefs</a:t>
             </a:r>
-            <a:r>
-              <a:rPr lang="en-US" sz="1050" dirty="0" smtClean="0">
-                <a:solidFill>
-                  <a:schemeClr val="bg1"/>
-                </a:solidFill>
-              </a:rPr>
-              <a:t/>
-            </a:r>
             <a:br>
-              <a:rPr lang="en-US" sz="1050" dirty="0" smtClean="0">
+              <a:rPr lang="en-US" sz="1050" dirty="0">
                 <a:solidFill>
                   <a:schemeClr val="bg1"/>
                 </a:solidFill>
               </a:rPr>
             </a:br>
             <a:r>
-              <a:rPr lang="en-US" sz="1050" dirty="0" smtClean="0">
+              <a:rPr lang="en-US" sz="1050" dirty="0">
                 <a:solidFill>
                   <a:schemeClr val="bg1"/>
                 </a:solidFill>
@@ -4591,7 +4567,7 @@
           <a:p>
             <a:pPr algn="ctr"/>
             <a:r>
-              <a:rPr lang="en-US" sz="1050" b="1" dirty="0" err="1" smtClean="0">
+              <a:rPr lang="en-US" sz="1050" b="1" dirty="0" err="1">
                 <a:solidFill>
                   <a:schemeClr val="accent6">
                     <a:lumMod val="75000"/>
@@ -4600,18 +4576,8 @@
               </a:rPr>
               <a:t>XmlSerializable</a:t>
             </a:r>
-            <a:r>
-              <a:rPr lang="en-US" sz="1050" b="1" dirty="0" smtClean="0">
-                <a:solidFill>
-                  <a:schemeClr val="accent6">
-                    <a:lumMod val="75000"/>
-                  </a:schemeClr>
-                </a:solidFill>
-              </a:rPr>
-              <a:t/>
-            </a:r>
             <a:br>
-              <a:rPr lang="en-US" sz="1050" b="1" dirty="0" smtClean="0">
+              <a:rPr lang="en-US" sz="1050" b="1" dirty="0">
                 <a:solidFill>
                   <a:schemeClr val="accent6">
                     <a:lumMod val="75000"/>
@@ -4620,14 +4586,14 @@
               </a:rPr>
             </a:br>
             <a:r>
-              <a:rPr lang="en-US" sz="1050" b="1" dirty="0" err="1" smtClean="0">
+              <a:rPr lang="en-US" sz="1050" b="1" dirty="0">
                 <a:solidFill>
                   <a:schemeClr val="accent6">
                     <a:lumMod val="75000"/>
                   </a:schemeClr>
                 </a:solidFill>
               </a:rPr>
-              <a:t>AddressBook</a:t>
+              <a:t>Scheduler</a:t>
             </a:r>
             <a:endParaRPr lang="en-SG" sz="1050" b="1" dirty="0">
               <a:solidFill>
@@ -4717,7 +4683,7 @@
           <a:p>
             <a:pPr algn="ctr"/>
             <a:r>
-              <a:rPr lang="en-US" sz="1050" b="1" dirty="0" err="1" smtClean="0">
+              <a:rPr lang="en-US" sz="1050" b="1" dirty="0" err="1">
                 <a:solidFill>
                   <a:schemeClr val="accent6">
                     <a:lumMod val="75000"/>
@@ -4773,14 +4739,14 @@
           <a:p>
             <a:pPr algn="ctr"/>
             <a:r>
-              <a:rPr lang="en-US" sz="1050" b="1" dirty="0" err="1" smtClean="0">
+              <a:rPr lang="en-US" sz="1050" b="1" dirty="0" err="1">
                 <a:solidFill>
                   <a:schemeClr val="accent6">
                     <a:lumMod val="75000"/>
                   </a:schemeClr>
                 </a:solidFill>
               </a:rPr>
-              <a:t>XmlAdaptedPerson</a:t>
+              <a:t>XmlAdaptedEvent</a:t>
             </a:r>
             <a:endParaRPr lang="en-SG" sz="1050" b="1" dirty="0">
               <a:solidFill>
@@ -4843,13 +4809,6 @@
   <p:clrMapOvr>
     <a:masterClrMapping/>
   </p:clrMapOvr>
-  <p:timing>
-    <p:tnLst>
-      <p:par>
-        <p:cTn id="1" dur="indefinite" restart="never" nodeType="tmRoot"/>
-      </p:par>
-    </p:tnLst>
-  </p:timing>
 </p:sld>
 </file>
 

--- a/docs/diagrams/StorageComponentClassDiagram.pptx
+++ b/docs/diagrams/StorageComponentClassDiagram.pptx
@@ -131,130 +131,130 @@
   <pc:docChgLst>
     <pc:chgData name="Shengmin Leong" userId="075411cc4697ef0d" providerId="LiveId" clId="{131F47FE-217A-48AA-BA1D-F68C4827F5CE}"/>
     <pc:docChg chg="undo custSel addSld delSld modSld">
-      <pc:chgData name="Shengmin Leong" userId="075411cc4697ef0d" providerId="LiveId" clId="{131F47FE-217A-48AA-BA1D-F68C4827F5CE}" dt="2018-10-01T05:13:40.987" v="247" actId="14100"/>
+      <pc:chgData name="Shengmin Leong" userId="075411cc4697ef0d" providerId="LiveId" clId="{131F47FE-217A-48AA-BA1D-F68C4827F5CE}" dt="2018-10-31T00:57:05.328" v="249"/>
       <pc:docMkLst>
         <pc:docMk/>
       </pc:docMkLst>
       <pc:sldChg chg="addSp delSp modSp add">
-        <pc:chgData name="Shengmin Leong" userId="075411cc4697ef0d" providerId="LiveId" clId="{131F47FE-217A-48AA-BA1D-F68C4827F5CE}" dt="2018-10-01T05:13:40.987" v="247" actId="14100"/>
+        <pc:chgData name="Shengmin Leong" userId="075411cc4697ef0d" providerId="LiveId" clId="{131F47FE-217A-48AA-BA1D-F68C4827F5CE}" dt="2018-10-31T00:57:05.328" v="249"/>
         <pc:sldMkLst>
           <pc:docMk/>
           <pc:sldMk cId="2429703687" sldId="265"/>
         </pc:sldMkLst>
-        <pc:spChg chg="add mod">
-          <ac:chgData name="Shengmin Leong" userId="075411cc4697ef0d" providerId="LiveId" clId="{131F47FE-217A-48AA-BA1D-F68C4827F5CE}" dt="2018-09-22T03:54:11.281" v="146" actId="1076"/>
+        <pc:spChg chg="add del mod">
+          <ac:chgData name="Shengmin Leong" userId="075411cc4697ef0d" providerId="LiveId" clId="{131F47FE-217A-48AA-BA1D-F68C4827F5CE}" dt="2018-10-31T00:57:04.940" v="248" actId="478"/>
           <ac:spMkLst>
             <pc:docMk/>
             <pc:sldMk cId="2429703687" sldId="265"/>
             <ac:spMk id="2" creationId="{591191E2-7231-4502-BB6F-3B8F3002F39D}"/>
           </ac:spMkLst>
         </pc:spChg>
-        <pc:spChg chg="add mod">
-          <ac:chgData name="Shengmin Leong" userId="075411cc4697ef0d" providerId="LiveId" clId="{131F47FE-217A-48AA-BA1D-F68C4827F5CE}" dt="2018-09-20T06:26:29.359" v="6" actId="20577"/>
+        <pc:spChg chg="add del mod">
+          <ac:chgData name="Shengmin Leong" userId="075411cc4697ef0d" providerId="LiveId" clId="{131F47FE-217A-48AA-BA1D-F68C4827F5CE}" dt="2018-10-31T00:57:04.940" v="248" actId="478"/>
           <ac:spMkLst>
             <pc:docMk/>
             <pc:sldMk cId="2429703687" sldId="265"/>
             <ac:spMk id="3" creationId="{D382D195-BB7C-4E26-AEBF-DC12F1EA683C}"/>
           </ac:spMkLst>
         </pc:spChg>
-        <pc:spChg chg="add mod">
-          <ac:chgData name="Shengmin Leong" userId="075411cc4697ef0d" providerId="LiveId" clId="{131F47FE-217A-48AA-BA1D-F68C4827F5CE}" dt="2018-09-20T06:25:57.194" v="2" actId="1076"/>
+        <pc:spChg chg="add del mod">
+          <ac:chgData name="Shengmin Leong" userId="075411cc4697ef0d" providerId="LiveId" clId="{131F47FE-217A-48AA-BA1D-F68C4827F5CE}" dt="2018-10-31T00:57:04.940" v="248" actId="478"/>
           <ac:spMkLst>
             <pc:docMk/>
             <pc:sldMk cId="2429703687" sldId="265"/>
             <ac:spMk id="4" creationId="{1002776D-C406-4D65-9070-D156256D3642}"/>
           </ac:spMkLst>
         </pc:spChg>
-        <pc:spChg chg="add mod">
-          <ac:chgData name="Shengmin Leong" userId="075411cc4697ef0d" providerId="LiveId" clId="{131F47FE-217A-48AA-BA1D-F68C4827F5CE}" dt="2018-09-20T06:25:57.194" v="2" actId="1076"/>
+        <pc:spChg chg="add del mod">
+          <ac:chgData name="Shengmin Leong" userId="075411cc4697ef0d" providerId="LiveId" clId="{131F47FE-217A-48AA-BA1D-F68C4827F5CE}" dt="2018-10-31T00:57:04.940" v="248" actId="478"/>
           <ac:spMkLst>
             <pc:docMk/>
             <pc:sldMk cId="2429703687" sldId="265"/>
             <ac:spMk id="5" creationId="{27A2C74A-6D4B-427C-80D5-9B1822F8B74A}"/>
           </ac:spMkLst>
         </pc:spChg>
-        <pc:spChg chg="add mod">
-          <ac:chgData name="Shengmin Leong" userId="075411cc4697ef0d" providerId="LiveId" clId="{131F47FE-217A-48AA-BA1D-F68C4827F5CE}" dt="2018-09-20T06:25:57.194" v="2" actId="1076"/>
+        <pc:spChg chg="add del mod">
+          <ac:chgData name="Shengmin Leong" userId="075411cc4697ef0d" providerId="LiveId" clId="{131F47FE-217A-48AA-BA1D-F68C4827F5CE}" dt="2018-10-31T00:57:04.940" v="248" actId="478"/>
           <ac:spMkLst>
             <pc:docMk/>
             <pc:sldMk cId="2429703687" sldId="265"/>
             <ac:spMk id="6" creationId="{691EB206-98BA-4B35-8149-10757ED79453}"/>
           </ac:spMkLst>
         </pc:spChg>
-        <pc:spChg chg="add mod">
-          <ac:chgData name="Shengmin Leong" userId="075411cc4697ef0d" providerId="LiveId" clId="{131F47FE-217A-48AA-BA1D-F68C4827F5CE}" dt="2018-09-20T06:25:57.194" v="2" actId="1076"/>
+        <pc:spChg chg="add del mod">
+          <ac:chgData name="Shengmin Leong" userId="075411cc4697ef0d" providerId="LiveId" clId="{131F47FE-217A-48AA-BA1D-F68C4827F5CE}" dt="2018-10-31T00:57:04.940" v="248" actId="478"/>
           <ac:spMkLst>
             <pc:docMk/>
             <pc:sldMk cId="2429703687" sldId="265"/>
             <ac:spMk id="9" creationId="{1D7F843D-52A2-47AB-81EA-596331869288}"/>
           </ac:spMkLst>
         </pc:spChg>
-        <pc:spChg chg="add mod">
-          <ac:chgData name="Shengmin Leong" userId="075411cc4697ef0d" providerId="LiveId" clId="{131F47FE-217A-48AA-BA1D-F68C4827F5CE}" dt="2018-09-20T06:25:57.194" v="2" actId="1076"/>
+        <pc:spChg chg="add del mod">
+          <ac:chgData name="Shengmin Leong" userId="075411cc4697ef0d" providerId="LiveId" clId="{131F47FE-217A-48AA-BA1D-F68C4827F5CE}" dt="2018-10-31T00:57:04.940" v="248" actId="478"/>
           <ac:spMkLst>
             <pc:docMk/>
             <pc:sldMk cId="2429703687" sldId="265"/>
             <ac:spMk id="11" creationId="{8AA2DB66-8B8E-46F8-965E-6B65ACB6423B}"/>
           </ac:spMkLst>
         </pc:spChg>
-        <pc:spChg chg="add mod">
-          <ac:chgData name="Shengmin Leong" userId="075411cc4697ef0d" providerId="LiveId" clId="{131F47FE-217A-48AA-BA1D-F68C4827F5CE}" dt="2018-09-20T06:26:40.350" v="10" actId="20577"/>
+        <pc:spChg chg="add del mod">
+          <ac:chgData name="Shengmin Leong" userId="075411cc4697ef0d" providerId="LiveId" clId="{131F47FE-217A-48AA-BA1D-F68C4827F5CE}" dt="2018-10-31T00:57:04.940" v="248" actId="478"/>
           <ac:spMkLst>
             <pc:docMk/>
             <pc:sldMk cId="2429703687" sldId="265"/>
             <ac:spMk id="13" creationId="{62CF4FBA-1A50-4849-8467-D8F6258FF4DC}"/>
           </ac:spMkLst>
         </pc:spChg>
-        <pc:spChg chg="add mod">
-          <ac:chgData name="Shengmin Leong" userId="075411cc4697ef0d" providerId="LiveId" clId="{131F47FE-217A-48AA-BA1D-F68C4827F5CE}" dt="2018-09-20T06:25:57.194" v="2" actId="1076"/>
+        <pc:spChg chg="add del mod">
+          <ac:chgData name="Shengmin Leong" userId="075411cc4697ef0d" providerId="LiveId" clId="{131F47FE-217A-48AA-BA1D-F68C4827F5CE}" dt="2018-10-31T00:57:04.940" v="248" actId="478"/>
           <ac:spMkLst>
             <pc:docMk/>
             <pc:sldMk cId="2429703687" sldId="265"/>
             <ac:spMk id="14" creationId="{3A5E82C0-D044-4375-A6CE-D32927174C6D}"/>
           </ac:spMkLst>
         </pc:spChg>
-        <pc:spChg chg="add mod">
-          <ac:chgData name="Shengmin Leong" userId="075411cc4697ef0d" providerId="LiveId" clId="{131F47FE-217A-48AA-BA1D-F68C4827F5CE}" dt="2018-09-20T06:25:57.194" v="2" actId="1076"/>
+        <pc:spChg chg="add del mod">
+          <ac:chgData name="Shengmin Leong" userId="075411cc4697ef0d" providerId="LiveId" clId="{131F47FE-217A-48AA-BA1D-F68C4827F5CE}" dt="2018-10-31T00:57:04.940" v="248" actId="478"/>
           <ac:spMkLst>
             <pc:docMk/>
             <pc:sldMk cId="2429703687" sldId="265"/>
             <ac:spMk id="16" creationId="{7E0D9B8F-702E-43B2-A7A8-6B65842C1058}"/>
           </ac:spMkLst>
         </pc:spChg>
-        <pc:spChg chg="add mod">
-          <ac:chgData name="Shengmin Leong" userId="075411cc4697ef0d" providerId="LiveId" clId="{131F47FE-217A-48AA-BA1D-F68C4827F5CE}" dt="2018-09-20T06:25:57.194" v="2" actId="1076"/>
+        <pc:spChg chg="add del mod">
+          <ac:chgData name="Shengmin Leong" userId="075411cc4697ef0d" providerId="LiveId" clId="{131F47FE-217A-48AA-BA1D-F68C4827F5CE}" dt="2018-10-31T00:57:04.940" v="248" actId="478"/>
           <ac:spMkLst>
             <pc:docMk/>
             <pc:sldMk cId="2429703687" sldId="265"/>
             <ac:spMk id="18" creationId="{C80EF177-C646-44F2-92D2-0DA9EEB3EF30}"/>
           </ac:spMkLst>
         </pc:spChg>
-        <pc:spChg chg="add mod">
-          <ac:chgData name="Shengmin Leong" userId="075411cc4697ef0d" providerId="LiveId" clId="{131F47FE-217A-48AA-BA1D-F68C4827F5CE}" dt="2018-09-20T06:25:57.194" v="2" actId="1076"/>
+        <pc:spChg chg="add del mod">
+          <ac:chgData name="Shengmin Leong" userId="075411cc4697ef0d" providerId="LiveId" clId="{131F47FE-217A-48AA-BA1D-F68C4827F5CE}" dt="2018-10-31T00:57:04.940" v="248" actId="478"/>
           <ac:spMkLst>
             <pc:docMk/>
             <pc:sldMk cId="2429703687" sldId="265"/>
             <ac:spMk id="19" creationId="{46EC2A9D-3519-40AD-9011-770D3D60ECB5}"/>
           </ac:spMkLst>
         </pc:spChg>
-        <pc:spChg chg="add mod">
-          <ac:chgData name="Shengmin Leong" userId="075411cc4697ef0d" providerId="LiveId" clId="{131F47FE-217A-48AA-BA1D-F68C4827F5CE}" dt="2018-09-20T06:26:47.562" v="18" actId="20577"/>
+        <pc:spChg chg="add del mod">
+          <ac:chgData name="Shengmin Leong" userId="075411cc4697ef0d" providerId="LiveId" clId="{131F47FE-217A-48AA-BA1D-F68C4827F5CE}" dt="2018-10-31T00:57:04.940" v="248" actId="478"/>
           <ac:spMkLst>
             <pc:docMk/>
             <pc:sldMk cId="2429703687" sldId="265"/>
             <ac:spMk id="20" creationId="{2BF9B653-5D8E-4DB1-B111-A30B899A1097}"/>
           </ac:spMkLst>
         </pc:spChg>
-        <pc:spChg chg="add mod">
-          <ac:chgData name="Shengmin Leong" userId="075411cc4697ef0d" providerId="LiveId" clId="{131F47FE-217A-48AA-BA1D-F68C4827F5CE}" dt="2018-09-22T03:55:28.400" v="159" actId="1076"/>
+        <pc:spChg chg="add del mod">
+          <ac:chgData name="Shengmin Leong" userId="075411cc4697ef0d" providerId="LiveId" clId="{131F47FE-217A-48AA-BA1D-F68C4827F5CE}" dt="2018-10-31T00:57:04.940" v="248" actId="478"/>
           <ac:spMkLst>
             <pc:docMk/>
             <pc:sldMk cId="2429703687" sldId="265"/>
             <ac:spMk id="22" creationId="{62C1A090-A787-4E0C-9AEB-2A20CC32546E}"/>
           </ac:spMkLst>
         </pc:spChg>
-        <pc:spChg chg="add mod">
-          <ac:chgData name="Shengmin Leong" userId="075411cc4697ef0d" providerId="LiveId" clId="{131F47FE-217A-48AA-BA1D-F68C4827F5CE}" dt="2018-09-22T03:52:19.618" v="117" actId="1076"/>
+        <pc:spChg chg="add del mod">
+          <ac:chgData name="Shengmin Leong" userId="075411cc4697ef0d" providerId="LiveId" clId="{131F47FE-217A-48AA-BA1D-F68C4827F5CE}" dt="2018-10-31T00:57:04.940" v="248" actId="478"/>
           <ac:spMkLst>
             <pc:docMk/>
             <pc:sldMk cId="2429703687" sldId="265"/>
@@ -269,38 +269,54 @@
             <ac:spMk id="25" creationId="{64F7A15B-3E9A-440A-892B-BE5993E7F5EE}"/>
           </ac:spMkLst>
         </pc:spChg>
-        <pc:spChg chg="add mod">
-          <ac:chgData name="Shengmin Leong" userId="075411cc4697ef0d" providerId="LiveId" clId="{131F47FE-217A-48AA-BA1D-F68C4827F5CE}" dt="2018-09-22T03:50:25.339" v="96" actId="1076"/>
+        <pc:spChg chg="add del mod">
+          <ac:chgData name="Shengmin Leong" userId="075411cc4697ef0d" providerId="LiveId" clId="{131F47FE-217A-48AA-BA1D-F68C4827F5CE}" dt="2018-10-31T00:57:04.940" v="248" actId="478"/>
           <ac:spMkLst>
             <pc:docMk/>
             <pc:sldMk cId="2429703687" sldId="265"/>
             <ac:spMk id="27" creationId="{F9264B93-5D5A-432B-A0A1-3988EAE2F085}"/>
           </ac:spMkLst>
         </pc:spChg>
-        <pc:spChg chg="add mod">
-          <ac:chgData name="Shengmin Leong" userId="075411cc4697ef0d" providerId="LiveId" clId="{131F47FE-217A-48AA-BA1D-F68C4827F5CE}" dt="2018-09-22T03:53:15.529" v="132" actId="1076"/>
+        <pc:spChg chg="add del mod">
+          <ac:chgData name="Shengmin Leong" userId="075411cc4697ef0d" providerId="LiveId" clId="{131F47FE-217A-48AA-BA1D-F68C4827F5CE}" dt="2018-10-31T00:57:04.940" v="248" actId="478"/>
           <ac:spMkLst>
             <pc:docMk/>
             <pc:sldMk cId="2429703687" sldId="265"/>
             <ac:spMk id="28" creationId="{9561671D-E151-445D-8F63-FE06A401298B}"/>
           </ac:spMkLst>
         </pc:spChg>
-        <pc:spChg chg="add mod">
-          <ac:chgData name="Shengmin Leong" userId="075411cc4697ef0d" providerId="LiveId" clId="{131F47FE-217A-48AA-BA1D-F68C4827F5CE}" dt="2018-10-01T05:11:47.622" v="233" actId="1076"/>
+        <pc:spChg chg="del">
+          <ac:chgData name="Shengmin Leong" userId="075411cc4697ef0d" providerId="LiveId" clId="{131F47FE-217A-48AA-BA1D-F68C4827F5CE}" dt="2018-10-31T00:57:04.940" v="248" actId="478"/>
+          <ac:spMkLst>
+            <pc:docMk/>
+            <pc:sldMk cId="2429703687" sldId="265"/>
+            <ac:spMk id="34" creationId="{BDE6DCB7-FA25-4282-949A-5EEDA9F99B62}"/>
+          </ac:spMkLst>
+        </pc:spChg>
+        <pc:spChg chg="add del mod">
+          <ac:chgData name="Shengmin Leong" userId="075411cc4697ef0d" providerId="LiveId" clId="{131F47FE-217A-48AA-BA1D-F68C4827F5CE}" dt="2018-10-31T00:57:04.940" v="248" actId="478"/>
           <ac:spMkLst>
             <pc:docMk/>
             <pc:sldMk cId="2429703687" sldId="265"/>
             <ac:spMk id="42" creationId="{BE411BDB-F8B3-4053-A484-7280EA6CEA17}"/>
           </ac:spMkLst>
         </pc:spChg>
-        <pc:spChg chg="add mod">
-          <ac:chgData name="Shengmin Leong" userId="075411cc4697ef0d" providerId="LiveId" clId="{131F47FE-217A-48AA-BA1D-F68C4827F5CE}" dt="2018-09-22T03:55:42.021" v="172" actId="1076"/>
+        <pc:spChg chg="add del mod">
+          <ac:chgData name="Shengmin Leong" userId="075411cc4697ef0d" providerId="LiveId" clId="{131F47FE-217A-48AA-BA1D-F68C4827F5CE}" dt="2018-10-31T00:57:04.940" v="248" actId="478"/>
           <ac:spMkLst>
             <pc:docMk/>
             <pc:sldMk cId="2429703687" sldId="265"/>
             <ac:spMk id="62" creationId="{DB3A1DB6-01EC-47D8-BF4E-3F78F363C68D}"/>
           </ac:spMkLst>
         </pc:spChg>
+        <pc:picChg chg="add mod">
+          <ac:chgData name="Shengmin Leong" userId="075411cc4697ef0d" providerId="LiveId" clId="{131F47FE-217A-48AA-BA1D-F68C4827F5CE}" dt="2018-10-31T00:57:05.328" v="249"/>
+          <ac:picMkLst>
+            <pc:docMk/>
+            <pc:sldMk cId="2429703687" sldId="265"/>
+            <ac:picMk id="29" creationId="{7EE83B96-9AF1-4344-8CAF-92F1CEFCB0E0}"/>
+          </ac:picMkLst>
+        </pc:picChg>
         <pc:inkChg chg="add del">
           <ac:chgData name="Shengmin Leong" userId="075411cc4697ef0d" providerId="LiveId" clId="{131F47FE-217A-48AA-BA1D-F68C4827F5CE}" dt="2018-09-22T03:51:44.966" v="112"/>
           <ac:inkMkLst>
@@ -333,8 +349,8 @@
             <ac:inkMk id="33" creationId="{31AE1C43-2F78-4F18-86C1-3450E5AD5DC3}"/>
           </ac:inkMkLst>
         </pc:inkChg>
-        <pc:inkChg chg="add">
-          <ac:chgData name="Shengmin Leong" userId="075411cc4697ef0d" providerId="LiveId" clId="{131F47FE-217A-48AA-BA1D-F68C4827F5CE}" dt="2018-09-21T14:23:49.743" v="82"/>
+        <pc:inkChg chg="add del">
+          <ac:chgData name="Shengmin Leong" userId="075411cc4697ef0d" providerId="LiveId" clId="{131F47FE-217A-48AA-BA1D-F68C4827F5CE}" dt="2018-10-31T00:57:04.940" v="248" actId="478"/>
           <ac:inkMkLst>
             <pc:docMk/>
             <pc:sldMk cId="2429703687" sldId="265"/>
@@ -342,7 +358,7 @@
           </ac:inkMkLst>
         </pc:inkChg>
         <pc:inkChg chg="add del">
-          <ac:chgData name="Shengmin Leong" userId="075411cc4697ef0d" providerId="LiveId" clId="{131F47FE-217A-48AA-BA1D-F68C4827F5CE}" dt="2018-09-22T03:53:09.468" v="127"/>
+          <ac:chgData name="Shengmin Leong" userId="075411cc4697ef0d" providerId="LiveId" clId="{131F47FE-217A-48AA-BA1D-F68C4827F5CE}" dt="2018-10-31T00:57:04.940" v="248" actId="478"/>
           <ac:inkMkLst>
             <pc:docMk/>
             <pc:sldMk cId="2429703687" sldId="265"/>
@@ -373,8 +389,8 @@
             <ac:inkMk id="43" creationId="{FB4B2E27-2F17-48FD-8FE1-3DC032D9D954}"/>
           </ac:inkMkLst>
         </pc:inkChg>
-        <pc:inkChg chg="add">
-          <ac:chgData name="Shengmin Leong" userId="075411cc4697ef0d" providerId="LiveId" clId="{131F47FE-217A-48AA-BA1D-F68C4827F5CE}" dt="2018-10-01T05:12:49.111" v="240"/>
+        <pc:inkChg chg="add del">
+          <ac:chgData name="Shengmin Leong" userId="075411cc4697ef0d" providerId="LiveId" clId="{131F47FE-217A-48AA-BA1D-F68C4827F5CE}" dt="2018-10-31T00:57:04.940" v="248" actId="478"/>
           <ac:inkMkLst>
             <pc:docMk/>
             <pc:sldMk cId="2429703687" sldId="265"/>
@@ -413,80 +429,80 @@
             <ac:inkMk id="55" creationId="{22083EC7-DD59-4CDA-A356-66862CAAF1FC}"/>
           </ac:inkMkLst>
         </pc:inkChg>
-        <pc:inkChg chg="add">
-          <ac:chgData name="Shengmin Leong" userId="075411cc4697ef0d" providerId="LiveId" clId="{131F47FE-217A-48AA-BA1D-F68C4827F5CE}" dt="2018-09-22T03:53:57.858" v="143"/>
+        <pc:inkChg chg="add del">
+          <ac:chgData name="Shengmin Leong" userId="075411cc4697ef0d" providerId="LiveId" clId="{131F47FE-217A-48AA-BA1D-F68C4827F5CE}" dt="2018-10-31T00:57:04.940" v="248" actId="478"/>
           <ac:inkMkLst>
             <pc:docMk/>
             <pc:sldMk cId="2429703687" sldId="265"/>
             <ac:inkMk id="56" creationId="{26CC177E-A2C5-496E-A299-450133D870D6}"/>
           </ac:inkMkLst>
         </pc:inkChg>
-        <pc:cxnChg chg="add mod">
-          <ac:chgData name="Shengmin Leong" userId="075411cc4697ef0d" providerId="LiveId" clId="{131F47FE-217A-48AA-BA1D-F68C4827F5CE}" dt="2018-09-20T06:25:57.194" v="2" actId="1076"/>
+        <pc:cxnChg chg="add del mod">
+          <ac:chgData name="Shengmin Leong" userId="075411cc4697ef0d" providerId="LiveId" clId="{131F47FE-217A-48AA-BA1D-F68C4827F5CE}" dt="2018-10-31T00:57:04.940" v="248" actId="478"/>
           <ac:cxnSpMkLst>
             <pc:docMk/>
             <pc:sldMk cId="2429703687" sldId="265"/>
             <ac:cxnSpMk id="7" creationId="{127A6C11-EAEB-44B8-BC73-081C72FBCA70}"/>
           </ac:cxnSpMkLst>
         </pc:cxnChg>
-        <pc:cxnChg chg="add mod">
-          <ac:chgData name="Shengmin Leong" userId="075411cc4697ef0d" providerId="LiveId" clId="{131F47FE-217A-48AA-BA1D-F68C4827F5CE}" dt="2018-09-20T06:25:57.194" v="2" actId="1076"/>
+        <pc:cxnChg chg="add del mod">
+          <ac:chgData name="Shengmin Leong" userId="075411cc4697ef0d" providerId="LiveId" clId="{131F47FE-217A-48AA-BA1D-F68C4827F5CE}" dt="2018-10-31T00:57:04.940" v="248" actId="478"/>
           <ac:cxnSpMkLst>
             <pc:docMk/>
             <pc:sldMk cId="2429703687" sldId="265"/>
             <ac:cxnSpMk id="8" creationId="{9182AAD7-45EA-4C1B-965D-A1A076C1049E}"/>
           </ac:cxnSpMkLst>
         </pc:cxnChg>
-        <pc:cxnChg chg="add mod">
-          <ac:chgData name="Shengmin Leong" userId="075411cc4697ef0d" providerId="LiveId" clId="{131F47FE-217A-48AA-BA1D-F68C4827F5CE}" dt="2018-09-20T06:25:57.194" v="2" actId="1076"/>
+        <pc:cxnChg chg="add del mod">
+          <ac:chgData name="Shengmin Leong" userId="075411cc4697ef0d" providerId="LiveId" clId="{131F47FE-217A-48AA-BA1D-F68C4827F5CE}" dt="2018-10-31T00:57:04.940" v="248" actId="478"/>
           <ac:cxnSpMkLst>
             <pc:docMk/>
             <pc:sldMk cId="2429703687" sldId="265"/>
             <ac:cxnSpMk id="10" creationId="{6E806771-1CF0-4B6D-9E2B-58AA7BB6487E}"/>
           </ac:cxnSpMkLst>
         </pc:cxnChg>
-        <pc:cxnChg chg="add mod">
-          <ac:chgData name="Shengmin Leong" userId="075411cc4697ef0d" providerId="LiveId" clId="{131F47FE-217A-48AA-BA1D-F68C4827F5CE}" dt="2018-09-20T06:25:57.194" v="2" actId="1076"/>
+        <pc:cxnChg chg="add del mod">
+          <ac:chgData name="Shengmin Leong" userId="075411cc4697ef0d" providerId="LiveId" clId="{131F47FE-217A-48AA-BA1D-F68C4827F5CE}" dt="2018-10-31T00:57:04.940" v="248" actId="478"/>
           <ac:cxnSpMkLst>
             <pc:docMk/>
             <pc:sldMk cId="2429703687" sldId="265"/>
             <ac:cxnSpMk id="12" creationId="{465AD41D-86B8-4286-A5BA-0EDB2E9AE664}"/>
           </ac:cxnSpMkLst>
         </pc:cxnChg>
-        <pc:cxnChg chg="add mod">
-          <ac:chgData name="Shengmin Leong" userId="075411cc4697ef0d" providerId="LiveId" clId="{131F47FE-217A-48AA-BA1D-F68C4827F5CE}" dt="2018-09-20T06:25:57.194" v="2" actId="1076"/>
+        <pc:cxnChg chg="add del mod">
+          <ac:chgData name="Shengmin Leong" userId="075411cc4697ef0d" providerId="LiveId" clId="{131F47FE-217A-48AA-BA1D-F68C4827F5CE}" dt="2018-10-31T00:57:04.940" v="248" actId="478"/>
           <ac:cxnSpMkLst>
             <pc:docMk/>
             <pc:sldMk cId="2429703687" sldId="265"/>
             <ac:cxnSpMk id="15" creationId="{E76E5B9D-1FD7-4E76-A0B0-64949A99DAB2}"/>
           </ac:cxnSpMkLst>
         </pc:cxnChg>
-        <pc:cxnChg chg="add mod">
-          <ac:chgData name="Shengmin Leong" userId="075411cc4697ef0d" providerId="LiveId" clId="{131F47FE-217A-48AA-BA1D-F68C4827F5CE}" dt="2018-09-20T06:25:57.194" v="2" actId="1076"/>
+        <pc:cxnChg chg="add del mod">
+          <ac:chgData name="Shengmin Leong" userId="075411cc4697ef0d" providerId="LiveId" clId="{131F47FE-217A-48AA-BA1D-F68C4827F5CE}" dt="2018-10-31T00:57:04.940" v="248" actId="478"/>
           <ac:cxnSpMkLst>
             <pc:docMk/>
             <pc:sldMk cId="2429703687" sldId="265"/>
             <ac:cxnSpMk id="17" creationId="{01336A1B-B925-4718-8E60-0C1E59BB1A4E}"/>
           </ac:cxnSpMkLst>
         </pc:cxnChg>
-        <pc:cxnChg chg="add mod">
-          <ac:chgData name="Shengmin Leong" userId="075411cc4697ef0d" providerId="LiveId" clId="{131F47FE-217A-48AA-BA1D-F68C4827F5CE}" dt="2018-09-22T03:55:08.537" v="151" actId="14100"/>
+        <pc:cxnChg chg="add del mod">
+          <ac:chgData name="Shengmin Leong" userId="075411cc4697ef0d" providerId="LiveId" clId="{131F47FE-217A-48AA-BA1D-F68C4827F5CE}" dt="2018-10-31T00:57:04.940" v="248" actId="478"/>
           <ac:cxnSpMkLst>
             <pc:docMk/>
             <pc:sldMk cId="2429703687" sldId="265"/>
             <ac:cxnSpMk id="21" creationId="{82B96457-F6EB-429E-A66E-1FFC0BF47319}"/>
           </ac:cxnSpMkLst>
         </pc:cxnChg>
-        <pc:cxnChg chg="add mod">
-          <ac:chgData name="Shengmin Leong" userId="075411cc4697ef0d" providerId="LiveId" clId="{131F47FE-217A-48AA-BA1D-F68C4827F5CE}" dt="2018-09-22T03:52:19.618" v="117" actId="1076"/>
+        <pc:cxnChg chg="add del mod">
+          <ac:chgData name="Shengmin Leong" userId="075411cc4697ef0d" providerId="LiveId" clId="{131F47FE-217A-48AA-BA1D-F68C4827F5CE}" dt="2018-10-31T00:57:04.940" v="248" actId="478"/>
           <ac:cxnSpMkLst>
             <pc:docMk/>
             <pc:sldMk cId="2429703687" sldId="265"/>
             <ac:cxnSpMk id="24" creationId="{19F52AF7-A3FC-4088-A08B-9E056AF52332}"/>
           </ac:cxnSpMkLst>
         </pc:cxnChg>
-        <pc:cxnChg chg="add mod">
-          <ac:chgData name="Shengmin Leong" userId="075411cc4697ef0d" providerId="LiveId" clId="{131F47FE-217A-48AA-BA1D-F68C4827F5CE}" dt="2018-09-22T03:53:47.832" v="140" actId="14100"/>
+        <pc:cxnChg chg="add del mod">
+          <ac:chgData name="Shengmin Leong" userId="075411cc4697ef0d" providerId="LiveId" clId="{131F47FE-217A-48AA-BA1D-F68C4827F5CE}" dt="2018-10-31T00:57:04.940" v="248" actId="478"/>
           <ac:cxnSpMkLst>
             <pc:docMk/>
             <pc:sldMk cId="2429703687" sldId="265"/>
@@ -501,16 +517,24 @@
             <ac:cxnSpMk id="28" creationId="{20DBDD99-A394-4F2D-8974-40F0EFE690B9}"/>
           </ac:cxnSpMkLst>
         </pc:cxnChg>
-        <pc:cxnChg chg="add mod">
-          <ac:chgData name="Shengmin Leong" userId="075411cc4697ef0d" providerId="LiveId" clId="{131F47FE-217A-48AA-BA1D-F68C4827F5CE}" dt="2018-10-01T05:13:40.987" v="247" actId="14100"/>
+        <pc:cxnChg chg="add del mod">
+          <ac:chgData name="Shengmin Leong" userId="075411cc4697ef0d" providerId="LiveId" clId="{131F47FE-217A-48AA-BA1D-F68C4827F5CE}" dt="2018-10-31T00:57:04.940" v="248" actId="478"/>
           <ac:cxnSpMkLst>
             <pc:docMk/>
             <pc:sldMk cId="2429703687" sldId="265"/>
             <ac:cxnSpMk id="33" creationId="{B678C7D8-8C59-48BD-8FE4-1DA6A4CB7DA9}"/>
           </ac:cxnSpMkLst>
         </pc:cxnChg>
-        <pc:cxnChg chg="add">
-          <ac:chgData name="Shengmin Leong" userId="075411cc4697ef0d" providerId="LiveId" clId="{131F47FE-217A-48AA-BA1D-F68C4827F5CE}" dt="2018-09-22T03:52:10.215" v="116"/>
+        <pc:cxnChg chg="del mod">
+          <ac:chgData name="Shengmin Leong" userId="075411cc4697ef0d" providerId="LiveId" clId="{131F47FE-217A-48AA-BA1D-F68C4827F5CE}" dt="2018-10-31T00:57:04.940" v="248" actId="478"/>
+          <ac:cxnSpMkLst>
+            <pc:docMk/>
+            <pc:sldMk cId="2429703687" sldId="265"/>
+            <ac:cxnSpMk id="35" creationId="{6FCE1030-78D5-49A6-AF9B-C3FCBE295FA0}"/>
+          </ac:cxnSpMkLst>
+        </pc:cxnChg>
+        <pc:cxnChg chg="add del">
+          <ac:chgData name="Shengmin Leong" userId="075411cc4697ef0d" providerId="LiveId" clId="{131F47FE-217A-48AA-BA1D-F68C4827F5CE}" dt="2018-10-31T00:57:04.940" v="248" actId="478"/>
           <ac:cxnSpMkLst>
             <pc:docMk/>
             <pc:sldMk cId="2429703687" sldId="265"/>
@@ -525,8 +549,8 @@
             <ac:cxnSpMk id="36" creationId="{DE168867-990C-4380-BD61-616F8E4C7FEC}"/>
           </ac:cxnSpMkLst>
         </pc:cxnChg>
-        <pc:cxnChg chg="add mod">
-          <ac:chgData name="Shengmin Leong" userId="075411cc4697ef0d" providerId="LiveId" clId="{131F47FE-217A-48AA-BA1D-F68C4827F5CE}" dt="2018-09-22T03:52:31.004" v="120" actId="14100"/>
+        <pc:cxnChg chg="add del mod">
+          <ac:chgData name="Shengmin Leong" userId="075411cc4697ef0d" providerId="LiveId" clId="{131F47FE-217A-48AA-BA1D-F68C4827F5CE}" dt="2018-10-31T00:57:04.940" v="248" actId="478"/>
           <ac:cxnSpMkLst>
             <pc:docMk/>
             <pc:sldMk cId="2429703687" sldId="265"/>
@@ -545,123 +569,6 @@
     </pc:docChg>
   </pc:docChgLst>
 </pc:chgInfo>
-</file>
-
-<file path=ppt/ink/ink1.xml><?xml version="1.0" encoding="utf-8"?>
-<inkml:ink xmlns:inkml="http://www.w3.org/2003/InkML">
-  <inkml:definitions>
-    <inkml:context xml:id="ctx0">
-      <inkml:inkSource xml:id="inkSrc0">
-        <inkml:traceFormat>
-          <inkml:channel name="X" type="integer" max="1920" units="cm"/>
-          <inkml:channel name="Y" type="integer" max="1080" units="cm"/>
-          <inkml:channel name="T" type="integer" max="2.14748E9" units="dev"/>
-        </inkml:traceFormat>
-        <inkml:channelProperties>
-          <inkml:channelProperty channel="X" name="resolution" value="65.52901" units="1/cm"/>
-          <inkml:channelProperty channel="Y" name="resolution" value="65.45454" units="1/cm"/>
-          <inkml:channelProperty channel="T" name="resolution" value="1" units="1/dev"/>
-        </inkml:channelProperties>
-      </inkml:inkSource>
-      <inkml:timestamp xml:id="ts0" timeString="2018-09-21T14:23:49.736"/>
-    </inkml:context>
-    <inkml:brush xml:id="br0">
-      <inkml:brushProperty name="width" value="0.035" units="cm"/>
-      <inkml:brushProperty name="height" value="0.035" units="cm"/>
-      <inkml:brushProperty name="color" value="#FF8000"/>
-      <inkml:brushProperty name="fitToCurve" value="1"/>
-    </inkml:brush>
-  </inkml:definitions>
-  <inkml:trace contextRef="#ctx0" brushRef="#br0">0 167 0,'28'28'250,"-1"-28"-234,-27 27-16,27-27 15,-27 27-15,28 0 16,-1-27 15,-27 28 32,27-28 531,1-28-516,-1 1-63,0 27 1,1-27 62,-28 0-47,27-1 1,0 1 124,-27 0-109,27 27 0,-27-28-16,0 1 31,28 0 16,-28-1-15,27 28 140</inkml:trace>
-</inkml:ink>
-</file>
-
-<file path=ppt/ink/ink2.xml><?xml version="1.0" encoding="utf-8"?>
-<inkml:ink xmlns:inkml="http://www.w3.org/2003/InkML">
-  <inkml:definitions>
-    <inkml:context xml:id="ctx0">
-      <inkml:inkSource xml:id="inkSrc0">
-        <inkml:traceFormat>
-          <inkml:channel name="X" type="integer" max="1920" units="cm"/>
-          <inkml:channel name="Y" type="integer" max="1080" units="cm"/>
-          <inkml:channel name="T" type="integer" max="2.14748E9" units="dev"/>
-        </inkml:traceFormat>
-        <inkml:channelProperties>
-          <inkml:channelProperty channel="X" name="resolution" value="65.52901" units="1/cm"/>
-          <inkml:channelProperty channel="Y" name="resolution" value="65.45454" units="1/cm"/>
-          <inkml:channelProperty channel="T" name="resolution" value="1" units="1/dev"/>
-        </inkml:channelProperties>
-      </inkml:inkSource>
-      <inkml:timestamp xml:id="ts0" timeString="2018-09-22T03:53:07.212"/>
-    </inkml:context>
-    <inkml:brush xml:id="br0">
-      <inkml:brushProperty name="width" value="0.035" units="cm"/>
-      <inkml:brushProperty name="height" value="0.035" units="cm"/>
-      <inkml:brushProperty name="color" value="#FF8000"/>
-      <inkml:brushProperty name="fitToCurve" value="1"/>
-    </inkml:brush>
-  </inkml:definitions>
-  <inkml:trace contextRef="#ctx0" brushRef="#br0">0 0 0</inkml:trace>
-</inkml:ink>
-</file>
-
-<file path=ppt/ink/ink3.xml><?xml version="1.0" encoding="utf-8"?>
-<inkml:ink xmlns:inkml="http://www.w3.org/2003/InkML">
-  <inkml:definitions>
-    <inkml:context xml:id="ctx0">
-      <inkml:inkSource xml:id="inkSrc0">
-        <inkml:traceFormat>
-          <inkml:channel name="X" type="integer" max="1920" units="cm"/>
-          <inkml:channel name="Y" type="integer" max="1080" units="cm"/>
-          <inkml:channel name="T" type="integer" max="2.14748E9" units="dev"/>
-        </inkml:traceFormat>
-        <inkml:channelProperties>
-          <inkml:channelProperty channel="X" name="resolution" value="65.52901" units="1/cm"/>
-          <inkml:channelProperty channel="Y" name="resolution" value="65.45454" units="1/cm"/>
-          <inkml:channelProperty channel="T" name="resolution" value="1" units="1/dev"/>
-        </inkml:channelProperties>
-      </inkml:inkSource>
-      <inkml:timestamp xml:id="ts0" timeString="2018-09-22T03:53:54.793"/>
-    </inkml:context>
-    <inkml:brush xml:id="br0">
-      <inkml:brushProperty name="width" value="0.035" units="cm"/>
-      <inkml:brushProperty name="height" value="0.035" units="cm"/>
-      <inkml:brushProperty name="color" value="#FF8000"/>
-      <inkml:brushProperty name="fitToCurve" value="1"/>
-    </inkml:brush>
-  </inkml:definitions>
-  <inkml:trace contextRef="#ctx0" brushRef="#br0">0 54 0,'28'0'235,"-1"0"-220,-27 28-15,27-1 16,-27 0 62,28-27-47,-1 0 0,0 0-15,-27 27 0,0 1 140,28-28-109,-28 27 78,27 0 0,-27 1-47,27-28-62,-27 27 62,0 0-47,0 1-15,0-1 30,0 0 1</inkml:trace>
-  <inkml:trace contextRef="#ctx0" brushRef="#br0" timeOffset="2123">246 409 0,'0'-27'234,"0"0"-218,0-1 0,0 1 15,28 27-31,-1 0 78,0 0-31,0 0-47,1 0 16,-1 0-1,-27-27 1,0-1 187,27 1-172,-27 0 47,28 27-78,-1-28 47,-27 1 16,27 27-48,-27-27 1,0 0 0,28 27-1,-28-28 16,0 1 1,0 0-17</inkml:trace>
-</inkml:ink>
-</file>
-
-<file path=ppt/ink/ink4.xml><?xml version="1.0" encoding="utf-8"?>
-<inkml:ink xmlns:inkml="http://www.w3.org/2003/InkML">
-  <inkml:definitions>
-    <inkml:context xml:id="ctx0">
-      <inkml:inkSource xml:id="inkSrc0">
-        <inkml:traceFormat>
-          <inkml:channel name="X" type="integer" max="1920" units="cm"/>
-          <inkml:channel name="Y" type="integer" max="1080" units="cm"/>
-          <inkml:channel name="T" type="integer" max="2.14748E9" units="dev"/>
-        </inkml:traceFormat>
-        <inkml:channelProperties>
-          <inkml:channelProperty channel="X" name="resolution" value="65.52901" units="1/cm"/>
-          <inkml:channelProperty channel="Y" name="resolution" value="65.45454" units="1/cm"/>
-          <inkml:channelProperty channel="T" name="resolution" value="1" units="1/dev"/>
-        </inkml:channelProperties>
-      </inkml:inkSource>
-      <inkml:timestamp xml:id="ts0" timeString="2018-10-01T05:12:49.106"/>
-    </inkml:context>
-    <inkml:brush xml:id="br0">
-      <inkml:brushProperty name="width" value="0.035" units="cm"/>
-      <inkml:brushProperty name="height" value="0.035" units="cm"/>
-      <inkml:brushProperty name="color" value="#FF8000"/>
-      <inkml:brushProperty name="fitToCurve" value="1"/>
-    </inkml:brush>
-  </inkml:definitions>
-  <inkml:trace contextRef="#ctx0" brushRef="#br0">0 89 0,'0'22'281,"22"0"-234,-22 0 0,22-22 0,-22 22 31,23 0-47,-1-22-15,-22 22 0,22-22 15,0 22-15,0 0 30,-22 0-14,22 1 30,-22-46 344,0 1-359,0 0-47,22 22 32,-22-22 14,22 22-14,-22-22 30,0 0-31,0 0 16,22 0 16,-22 0-16,22 0-32,0 22 79,-22-22-94,0-1 63,0 1-32,23 0 47</inkml:trace>
-</inkml:ink>
 </file>
 
 <file path=ppt/notesMasters/notesMaster1.xml><?xml version="1.0" encoding="utf-8"?>
@@ -746,7 +653,7 @@
           <a:p>
             <a:fld id="{F5CC4B3F-88C1-4FFA-B1B6-F41C21DC6924}" type="datetimeFigureOut">
               <a:rPr lang="en-US" smtClean="0"/>
-              <a:t>10/1/2018</a:t>
+              <a:t>10/31/2018</a:t>
             </a:fld>
             <a:endParaRPr lang="en-US"/>
           </a:p>
@@ -1013,6 +920,93 @@
 </p:notesMaster>
 </file>
 
+<file path=ppt/notesSlides/notesSlide1.xml><?xml version="1.0" encoding="utf-8"?>
+<p:notes xmlns:a="http://schemas.openxmlformats.org/drawingml/2006/main" xmlns:r="http://schemas.openxmlformats.org/officeDocument/2006/relationships" xmlns:p="http://schemas.openxmlformats.org/presentationml/2006/main">
+  <p:cSld>
+    <p:spTree>
+      <p:nvGrpSpPr>
+        <p:cNvPr id="1" name=""/>
+        <p:cNvGrpSpPr/>
+        <p:nvPr/>
+      </p:nvGrpSpPr>
+      <p:grpSpPr>
+        <a:xfrm>
+          <a:off x="0" y="0"/>
+          <a:ext cx="0" cy="0"/>
+          <a:chOff x="0" y="0"/>
+          <a:chExt cx="0" cy="0"/>
+        </a:xfrm>
+      </p:grpSpPr>
+      <p:sp>
+        <p:nvSpPr>
+          <p:cNvPr id="2" name="Slide Image Placeholder 1"/>
+          <p:cNvSpPr>
+            <a:spLocks noGrp="1" noRot="1" noChangeAspect="1"/>
+          </p:cNvSpPr>
+          <p:nvPr>
+            <p:ph type="sldImg"/>
+          </p:nvPr>
+        </p:nvSpPr>
+        <p:spPr/>
+      </p:sp>
+      <p:sp>
+        <p:nvSpPr>
+          <p:cNvPr id="3" name="Notes Placeholder 2"/>
+          <p:cNvSpPr>
+            <a:spLocks noGrp="1"/>
+          </p:cNvSpPr>
+          <p:nvPr>
+            <p:ph type="body" idx="1"/>
+          </p:nvPr>
+        </p:nvSpPr>
+        <p:spPr/>
+        <p:txBody>
+          <a:bodyPr/>
+          <a:lstStyle/>
+          <a:p>
+            <a:r>
+              <a:rPr lang="en-US" dirty="0"/>
+              <a:t>https://www.draw.io/?lightbox=1&amp;highlight=0000ff&amp;edit=_blank&amp;layers=1&amp;nav=1&amp;title=Untitled%20Diagram.xml#R7Vttb6M4EP41%2BXLSVYANhI9Ntt3T6VaqlD21%2B9EBJ%2BFKcGTcl%2ByvPxPsgGPIkmASumo%2FVGX8yjPPjGfGdASm6%2FevFG1W30iEk5FjRe8j8GXkOIHj8t%2B5YFsIYAAKwZLGUSGyS8Es%2FomF0BLSlzjCmdKREZKweKMKQ5KmOGSKDFFK3tRuC5Koq27QEmuCWYgSXfoYR2xVSMeuVcr%2FwvFyJVe2LdEyR%2BHzkpKXVKw3csBi91M0r5GcS%2FTPVigibxURuBuBKSWEFX%2Bt36c4yaGVsBXj7hta9%2FumOGVtBgCvGPGKkhcst7zbGNtKMHavg%2FMB9ghM3lYxw7MNCvPWN659LluxdSKaF3GSTElC6G4suL%2B%2Fd6ZTLs8YJc%2B40jKHnmtB3qJvWbzFK6YMv1dE4hW%2BYrLGjG55F9Eq0RRss8fi%2Ba3UnS91t6roDciBSPBluZ%2B6xIz%2FIWCrh9DTAMMRJ5N4JJStyJKkKLkrpZMSUkuFD7%2FH7CkX37ji6YfoFKFstVdCxhBltznRuSAlKZay%2Bzjf524ATiPZY56Q8LkQiQ75JP9hxrbC9tALI1xU7vYfQjaiX6OCMvJCQ%2FHOUFgpokssegkfkKNxVIkUJ4jFr6rpddGIb1IjCtRRjNYkt%2B1jaJMNThWwrRPA5hjT7dN%2BUv7wY0%2BHRkVUUQ9Moy6GPpCYr7o3OTtQbY4bnTpFsScxquqBDidy3eMTFSzTJuJoo22l2ybvkB3ZcMM6JaeKGUuG7cFqRbpxP24AWuOKIxgYIfNtPWAac5gwFV3O9Ra2fSXi%2BqAVcTvzTaxjim9QO7hnjFAemHxDKf9NNTo2H9ILFPkoPHpIU8I46ITT6MufwVE1tz%2B1vQOAoH5q27Dm1IYGDm1XD3umzuh2wlWI6SIPbvjjhL%2Bll%2FBVJ3MOp7dku%2FcWEikQqEs5X3he9h26Cg40IJ%2BrGrB70oANdBUY9KDN4ZIMhqoO01YdpoioznOYrRxgUOMAnWvFS4ExY%2Fg3w%2FSB4kV2DaswZBOOdXBAWE47qwCOAatwNF38nZFUx3XYGAK3BYbA7QlDW8PwXD4%2FxtlqQsjz70Rn178gnWvO2Ys4%2BUHkxPZFwtzWuvB71cWJ8HfKSRS9n68K72qq0IP3p3WiOZthOxbNx9c5lr58vFnuynRb%2Fl3JcI9kv128Tyf6t2P8WGe8LHdenvFg3KvzaYtci9pJm1SgFsWzNAL8S7kcXQHC5XynKM1QmDuH7KP5HODVZKx9%2BRwI%2B%2FA5aqVfrbiVLuj84p%2BBXPZUogO%2FyfVcwtPoYY4g%2BiNFm02PhbGS4xqhayBr5Piev9fguFOTOw0kYL%2FAkekN6ci09atZTuQZpjFK4p9onmAZMA7da7t2i0ixrtJrhNE9Xcy09dpd7277p72kuEJ747nRWZco7lhlDrS8qu61%2FnDsHevf%2BdIFWJ9kOoNM%2FdxJ900mDx7t351M7ieZTicTgB%2BSTAD265kkVGq0cBuhDcNRHih8tCChNuztLUiojbUEejP0iqPbNTc8NnQQ4QGIEAIdxPov4QyAqN8jliBOScY%2BBoau3wLDvogIaivDAsPvaDl08JygBXh93Ta5evJq3dz8oWHG34WNDi4vqhCJo6%2BKpxDxzGuZoxXidPfF0yRHJg5Rcisa1nEU7c7pus9k1bO7AdpTSgUAqqUC6Oho1zHVxGevbj%2FVMK0CrwQlIuQ4EpSUNbFLVrxcx0QM8stvyICsCRj%2FVi04WMc1Gpy4jmaYXW7kKxXr617MdzJe7WI%2BCC53zrhGv5Futt597rFPRMzcn5m4vT%2FZyGvKg50Nv7XCPstYJvRVXINdQl%2B1GUWT9xq2pwJ%2BC0%2Fl9%2BWp9Kzi9w7qbO8gEQ70armhoI4%2Flv9qVpzr5b%2Fzgbv%2FAQ%3D%3D</a:t>
+            </a:r>
+          </a:p>
+        </p:txBody>
+      </p:sp>
+      <p:sp>
+        <p:nvSpPr>
+          <p:cNvPr id="4" name="Slide Number Placeholder 3"/>
+          <p:cNvSpPr>
+            <a:spLocks noGrp="1"/>
+          </p:cNvSpPr>
+          <p:nvPr>
+            <p:ph type="sldNum" sz="quarter" idx="5"/>
+          </p:nvPr>
+        </p:nvSpPr>
+        <p:spPr/>
+        <p:txBody>
+          <a:bodyPr/>
+          <a:lstStyle/>
+          <a:p>
+            <a:fld id="{5A7AB025-77E3-4BD1-A2FD-B3183DBA47A3}" type="slidenum">
+              <a:rPr lang="en-US" smtClean="0"/>
+              <a:t>1</a:t>
+            </a:fld>
+            <a:endParaRPr lang="en-US"/>
+          </a:p>
+        </p:txBody>
+      </p:sp>
+    </p:spTree>
+    <p:extLst>
+      <p:ext uri="{BB962C8B-B14F-4D97-AF65-F5344CB8AC3E}">
+        <p14:creationId xmlns:p14="http://schemas.microsoft.com/office/powerpoint/2010/main" val="1103851572"/>
+      </p:ext>
+    </p:extLst>
+  </p:cSld>
+  <p:clrMapOvr>
+    <a:masterClrMapping/>
+  </p:clrMapOvr>
+</p:notes>
+</file>
+
 <file path=ppt/slideLayouts/slideLayout1.xml><?xml version="1.0" encoding="utf-8"?>
 <p:sldLayout xmlns:a="http://schemas.openxmlformats.org/drawingml/2006/main" xmlns:r="http://schemas.openxmlformats.org/officeDocument/2006/relationships" xmlns:p="http://schemas.openxmlformats.org/presentationml/2006/main" type="title" preserve="1">
   <p:cSld name="Title Slide">
@@ -1192,7 +1186,7 @@
           <a:p>
             <a:fld id="{78C97017-6FC3-485B-9764-EAC9E56C1D49}" type="datetimeFigureOut">
               <a:rPr lang="en-US" smtClean="0"/>
-              <a:t>10/1/2018</a:t>
+              <a:t>10/31/2018</a:t>
             </a:fld>
             <a:endParaRPr lang="en-US"/>
           </a:p>
@@ -1360,7 +1354,7 @@
           <a:p>
             <a:fld id="{78C97017-6FC3-485B-9764-EAC9E56C1D49}" type="datetimeFigureOut">
               <a:rPr lang="en-US" smtClean="0"/>
-              <a:t>10/1/2018</a:t>
+              <a:t>10/31/2018</a:t>
             </a:fld>
             <a:endParaRPr lang="en-US"/>
           </a:p>
@@ -1538,7 +1532,7 @@
           <a:p>
             <a:fld id="{78C97017-6FC3-485B-9764-EAC9E56C1D49}" type="datetimeFigureOut">
               <a:rPr lang="en-US" smtClean="0"/>
-              <a:t>10/1/2018</a:t>
+              <a:t>10/31/2018</a:t>
             </a:fld>
             <a:endParaRPr lang="en-US"/>
           </a:p>
@@ -1706,7 +1700,7 @@
           <a:p>
             <a:fld id="{78C97017-6FC3-485B-9764-EAC9E56C1D49}" type="datetimeFigureOut">
               <a:rPr lang="en-US" smtClean="0"/>
-              <a:t>10/1/2018</a:t>
+              <a:t>10/31/2018</a:t>
             </a:fld>
             <a:endParaRPr lang="en-US"/>
           </a:p>
@@ -1951,7 +1945,7 @@
           <a:p>
             <a:fld id="{78C97017-6FC3-485B-9764-EAC9E56C1D49}" type="datetimeFigureOut">
               <a:rPr lang="en-US" smtClean="0"/>
-              <a:t>10/1/2018</a:t>
+              <a:t>10/31/2018</a:t>
             </a:fld>
             <a:endParaRPr lang="en-US"/>
           </a:p>
@@ -2236,7 +2230,7 @@
           <a:p>
             <a:fld id="{78C97017-6FC3-485B-9764-EAC9E56C1D49}" type="datetimeFigureOut">
               <a:rPr lang="en-US" smtClean="0"/>
-              <a:t>10/1/2018</a:t>
+              <a:t>10/31/2018</a:t>
             </a:fld>
             <a:endParaRPr lang="en-US"/>
           </a:p>
@@ -2655,7 +2649,7 @@
           <a:p>
             <a:fld id="{78C97017-6FC3-485B-9764-EAC9E56C1D49}" type="datetimeFigureOut">
               <a:rPr lang="en-US" smtClean="0"/>
-              <a:t>10/1/2018</a:t>
+              <a:t>10/31/2018</a:t>
             </a:fld>
             <a:endParaRPr lang="en-US"/>
           </a:p>
@@ -2772,7 +2766,7 @@
           <a:p>
             <a:fld id="{78C97017-6FC3-485B-9764-EAC9E56C1D49}" type="datetimeFigureOut">
               <a:rPr lang="en-US" smtClean="0"/>
-              <a:t>10/1/2018</a:t>
+              <a:t>10/31/2018</a:t>
             </a:fld>
             <a:endParaRPr lang="en-US"/>
           </a:p>
@@ -2867,7 +2861,7 @@
           <a:p>
             <a:fld id="{78C97017-6FC3-485B-9764-EAC9E56C1D49}" type="datetimeFigureOut">
               <a:rPr lang="en-US" smtClean="0"/>
-              <a:t>10/1/2018</a:t>
+              <a:t>10/31/2018</a:t>
             </a:fld>
             <a:endParaRPr lang="en-US"/>
           </a:p>
@@ -3142,7 +3136,7 @@
           <a:p>
             <a:fld id="{78C97017-6FC3-485B-9764-EAC9E56C1D49}" type="datetimeFigureOut">
               <a:rPr lang="en-US" smtClean="0"/>
-              <a:t>10/1/2018</a:t>
+              <a:t>10/31/2018</a:t>
             </a:fld>
             <a:endParaRPr lang="en-US"/>
           </a:p>
@@ -3394,7 +3388,7 @@
           <a:p>
             <a:fld id="{78C97017-6FC3-485B-9764-EAC9E56C1D49}" type="datetimeFigureOut">
               <a:rPr lang="en-US" smtClean="0"/>
-              <a:t>10/1/2018</a:t>
+              <a:t>10/31/2018</a:t>
             </a:fld>
             <a:endParaRPr lang="en-US"/>
           </a:p>
@@ -3605,7 +3599,7 @@
           <a:p>
             <a:fld id="{78C97017-6FC3-485B-9764-EAC9E56C1D49}" type="datetimeFigureOut">
               <a:rPr lang="en-US" smtClean="0"/>
-              <a:t>10/1/2018</a:t>
+              <a:t>10/31/2018</a:t>
             </a:fld>
             <a:endParaRPr lang="en-US"/>
           </a:p>
@@ -3980,2210 +3974,42 @@
           <a:chExt cx="0" cy="0"/>
         </a:xfrm>
       </p:grpSpPr>
-      <p:sp>
-        <p:nvSpPr>
-          <p:cNvPr id="2" name="Rectangle 65">
+      <p:pic>
+        <p:nvPicPr>
+          <p:cNvPr id="29" name="Picture 28">
             <a:extLst>
               <a:ext uri="{FF2B5EF4-FFF2-40B4-BE49-F238E27FC236}">
-                <a16:creationId xmlns:a16="http://schemas.microsoft.com/office/drawing/2014/main" id="{591191E2-7231-4502-BB6F-3B8F3002F39D}"/>
+                <a16:creationId xmlns:a16="http://schemas.microsoft.com/office/drawing/2014/main" id="{7EE83B96-9AF1-4344-8CAF-92F1CEFCB0E0}"/>
               </a:ext>
             </a:extLst>
           </p:cNvPr>
-          <p:cNvSpPr/>
+          <p:cNvPicPr>
+            <a:picLocks noChangeAspect="1"/>
+          </p:cNvPicPr>
           <p:nvPr/>
-        </p:nvSpPr>
+        </p:nvPicPr>
+        <p:blipFill>
+          <a:blip r:embed="rId3">
+            <a:extLst>
+              <a:ext uri="{28A0092B-C50C-407E-A947-70E740481C1C}">
+                <a14:useLocalDpi xmlns:a14="http://schemas.microsoft.com/office/drawing/2010/main" val="0"/>
+              </a:ext>
+            </a:extLst>
+          </a:blip>
+          <a:stretch>
+            <a:fillRect/>
+          </a:stretch>
+        </p:blipFill>
         <p:spPr>
           <a:xfrm>
-            <a:off x="638287" y="2054106"/>
-            <a:ext cx="7867426" cy="2590800"/>
-          </a:xfrm>
-          <a:prstGeom prst="roundRect">
-            <a:avLst>
-              <a:gd name="adj" fmla="val 3484"/>
-            </a:avLst>
-          </a:prstGeom>
-          <a:solidFill>
-            <a:schemeClr val="accent6">
-              <a:lumMod val="20000"/>
-              <a:lumOff val="80000"/>
-            </a:schemeClr>
-          </a:solidFill>
-          <a:ln w="19050">
-            <a:noFill/>
-          </a:ln>
-          <a:effectLst/>
-        </p:spPr>
-        <p:style>
-          <a:lnRef idx="1">
-            <a:schemeClr val="accent2"/>
-          </a:lnRef>
-          <a:fillRef idx="2">
-            <a:schemeClr val="accent2"/>
-          </a:fillRef>
-          <a:effectRef idx="1">
-            <a:schemeClr val="accent2"/>
-          </a:effectRef>
-          <a:fontRef idx="minor">
-            <a:schemeClr val="dk1"/>
-          </a:fontRef>
-        </p:style>
-        <p:txBody>
-          <a:bodyPr rtlCol="0" anchor="t"/>
-          <a:lstStyle/>
-          <a:p>
-            <a:r>
-              <a:rPr lang="en-US" sz="1200" b="1" dirty="0">
-                <a:solidFill>
-                  <a:schemeClr val="accent6">
-                    <a:lumMod val="75000"/>
-                  </a:schemeClr>
-                </a:solidFill>
-              </a:rPr>
-              <a:t>Storage</a:t>
-            </a:r>
-            <a:endParaRPr lang="en-SG" sz="1200" b="1" dirty="0">
-              <a:solidFill>
-                <a:schemeClr val="accent6">
-                  <a:lumMod val="75000"/>
-                </a:schemeClr>
-              </a:solidFill>
-            </a:endParaRPr>
-          </a:p>
-        </p:txBody>
-      </p:sp>
-      <p:sp>
-        <p:nvSpPr>
-          <p:cNvPr id="3" name="Rectangle 8">
-            <a:extLst>
-              <a:ext uri="{FF2B5EF4-FFF2-40B4-BE49-F238E27FC236}">
-                <a16:creationId xmlns:a16="http://schemas.microsoft.com/office/drawing/2014/main" id="{D382D195-BB7C-4E26-AEBF-DC12F1EA683C}"/>
-              </a:ext>
-            </a:extLst>
-          </p:cNvPr>
-          <p:cNvSpPr/>
-          <p:nvPr/>
-        </p:nvSpPr>
-        <p:spPr>
-          <a:xfrm>
-            <a:off x="2290715" y="3129458"/>
-            <a:ext cx="1323049" cy="346760"/>
+            <a:off x="990600" y="1895475"/>
+            <a:ext cx="7162800" cy="3067050"/>
           </a:xfrm>
           <a:prstGeom prst="rect">
             <a:avLst/>
           </a:prstGeom>
-          <a:solidFill>
-            <a:schemeClr val="accent6">
-              <a:lumMod val="75000"/>
-            </a:schemeClr>
-          </a:solidFill>
-          <a:ln w="19050">
-            <a:solidFill>
-              <a:schemeClr val="accent6">
-                <a:lumMod val="75000"/>
-              </a:schemeClr>
-            </a:solidFill>
-          </a:ln>
-          <a:effectLst/>
         </p:spPr>
-        <p:style>
-          <a:lnRef idx="1">
-            <a:schemeClr val="accent2"/>
-          </a:lnRef>
-          <a:fillRef idx="2">
-            <a:schemeClr val="accent2"/>
-          </a:fillRef>
-          <a:effectRef idx="1">
-            <a:schemeClr val="accent2"/>
-          </a:effectRef>
-          <a:fontRef idx="minor">
-            <a:schemeClr val="dk1"/>
-          </a:fontRef>
-        </p:style>
-        <p:txBody>
-          <a:bodyPr rtlCol="0" anchor="ctr"/>
-          <a:lstStyle/>
-          <a:p>
-            <a:pPr algn="ctr"/>
-            <a:r>
-              <a:rPr lang="en-US" sz="1050" dirty="0">
-                <a:solidFill>
-                  <a:schemeClr val="bg1"/>
-                </a:solidFill>
-              </a:rPr>
-              <a:t>&lt;&lt;interface&gt;&gt;</a:t>
-            </a:r>
-            <a:br>
-              <a:rPr lang="en-US" sz="1050" dirty="0">
-                <a:solidFill>
-                  <a:schemeClr val="bg1"/>
-                </a:solidFill>
-              </a:rPr>
-            </a:br>
-            <a:r>
-              <a:rPr lang="en-US" sz="1050" dirty="0" err="1">
-                <a:solidFill>
-                  <a:schemeClr val="bg1"/>
-                </a:solidFill>
-              </a:rPr>
-              <a:t>SaveBookStorage</a:t>
-            </a:r>
-            <a:endParaRPr lang="en-SG" sz="1050" dirty="0">
-              <a:solidFill>
-                <a:schemeClr val="bg1"/>
-              </a:solidFill>
-            </a:endParaRPr>
-          </a:p>
-        </p:txBody>
-      </p:sp>
-      <p:sp>
-        <p:nvSpPr>
-          <p:cNvPr id="4" name="Rectangle 62">
-            <a:extLst>
-              <a:ext uri="{FF2B5EF4-FFF2-40B4-BE49-F238E27FC236}">
-                <a16:creationId xmlns:a16="http://schemas.microsoft.com/office/drawing/2014/main" id="{1002776D-C406-4D65-9070-D156256D3642}"/>
-              </a:ext>
-            </a:extLst>
-          </p:cNvPr>
-          <p:cNvSpPr/>
-          <p:nvPr/>
-        </p:nvSpPr>
-        <p:spPr>
-          <a:xfrm rot="16200000">
-            <a:off x="1097498" y="2839705"/>
-            <a:ext cx="1093635" cy="346760"/>
-          </a:xfrm>
-          <a:prstGeom prst="rect">
-            <a:avLst/>
-          </a:prstGeom>
-          <a:solidFill>
-            <a:schemeClr val="accent6">
-              <a:lumMod val="75000"/>
-            </a:schemeClr>
-          </a:solidFill>
-          <a:ln w="19050">
-            <a:solidFill>
-              <a:schemeClr val="accent6">
-                <a:lumMod val="75000"/>
-              </a:schemeClr>
-            </a:solidFill>
-          </a:ln>
-          <a:effectLst/>
-        </p:spPr>
-        <p:style>
-          <a:lnRef idx="1">
-            <a:schemeClr val="accent2"/>
-          </a:lnRef>
-          <a:fillRef idx="2">
-            <a:schemeClr val="accent2"/>
-          </a:fillRef>
-          <a:effectRef idx="1">
-            <a:schemeClr val="accent2"/>
-          </a:effectRef>
-          <a:fontRef idx="minor">
-            <a:schemeClr val="dk1"/>
-          </a:fontRef>
-        </p:style>
-        <p:txBody>
-          <a:bodyPr rtlCol="0" anchor="ctr"/>
-          <a:lstStyle/>
-          <a:p>
-            <a:pPr algn="ctr"/>
-            <a:r>
-              <a:rPr lang="en-US" sz="1050" dirty="0" err="1">
-                <a:solidFill>
-                  <a:schemeClr val="bg1"/>
-                </a:solidFill>
-              </a:rPr>
-              <a:t>StorageManager</a:t>
-            </a:r>
-            <a:endParaRPr lang="en-SG" sz="1050" dirty="0">
-              <a:solidFill>
-                <a:schemeClr val="bg1"/>
-              </a:solidFill>
-            </a:endParaRPr>
-          </a:p>
-        </p:txBody>
-      </p:sp>
-      <p:sp>
-        <p:nvSpPr>
-          <p:cNvPr id="5" name="Rectangle 62">
-            <a:extLst>
-              <a:ext uri="{FF2B5EF4-FFF2-40B4-BE49-F238E27FC236}">
-                <a16:creationId xmlns:a16="http://schemas.microsoft.com/office/drawing/2014/main" id="{27A2C74A-6D4B-427C-80D5-9B1822F8B74A}"/>
-              </a:ext>
-            </a:extLst>
-          </p:cNvPr>
-          <p:cNvSpPr/>
-          <p:nvPr/>
-        </p:nvSpPr>
-        <p:spPr>
-          <a:xfrm rot="16200000">
-            <a:off x="369737" y="2832220"/>
-            <a:ext cx="1093635" cy="346760"/>
-          </a:xfrm>
-          <a:prstGeom prst="rect">
-            <a:avLst/>
-          </a:prstGeom>
-          <a:solidFill>
-            <a:schemeClr val="accent6">
-              <a:lumMod val="75000"/>
-            </a:schemeClr>
-          </a:solidFill>
-          <a:ln w="19050">
-            <a:solidFill>
-              <a:schemeClr val="accent6">
-                <a:lumMod val="75000"/>
-              </a:schemeClr>
-            </a:solidFill>
-          </a:ln>
-          <a:effectLst/>
-        </p:spPr>
-        <p:style>
-          <a:lnRef idx="1">
-            <a:schemeClr val="accent2"/>
-          </a:lnRef>
-          <a:fillRef idx="2">
-            <a:schemeClr val="accent2"/>
-          </a:fillRef>
-          <a:effectRef idx="1">
-            <a:schemeClr val="accent2"/>
-          </a:effectRef>
-          <a:fontRef idx="minor">
-            <a:schemeClr val="dk1"/>
-          </a:fontRef>
-        </p:style>
-        <p:txBody>
-          <a:bodyPr rtlCol="0" anchor="ctr"/>
-          <a:lstStyle/>
-          <a:p>
-            <a:pPr algn="ctr"/>
-            <a:r>
-              <a:rPr lang="en-US" sz="1050" dirty="0">
-                <a:solidFill>
-                  <a:schemeClr val="bg1"/>
-                </a:solidFill>
-              </a:rPr>
-              <a:t>&lt;&lt;interface&gt;&gt;</a:t>
-            </a:r>
-          </a:p>
-          <a:p>
-            <a:pPr algn="ctr"/>
-            <a:r>
-              <a:rPr lang="en-US" sz="1050" dirty="0">
-                <a:solidFill>
-                  <a:schemeClr val="bg1"/>
-                </a:solidFill>
-              </a:rPr>
-              <a:t>Storage</a:t>
-            </a:r>
-            <a:endParaRPr lang="en-SG" sz="1050" dirty="0">
-              <a:solidFill>
-                <a:schemeClr val="bg1"/>
-              </a:solidFill>
-            </a:endParaRPr>
-          </a:p>
-        </p:txBody>
-      </p:sp>
-      <p:sp>
-        <p:nvSpPr>
-          <p:cNvPr id="6" name="Isosceles Triangle 102">
-            <a:extLst>
-              <a:ext uri="{FF2B5EF4-FFF2-40B4-BE49-F238E27FC236}">
-                <a16:creationId xmlns:a16="http://schemas.microsoft.com/office/drawing/2014/main" id="{691EB206-98BA-4B35-8149-10757ED79453}"/>
-              </a:ext>
-            </a:extLst>
-          </p:cNvPr>
-          <p:cNvSpPr/>
-          <p:nvPr/>
-        </p:nvSpPr>
-        <p:spPr>
-          <a:xfrm rot="16200000">
-            <a:off x="1040445" y="2923309"/>
-            <a:ext cx="270504" cy="175523"/>
-          </a:xfrm>
-          <a:prstGeom prst="triangle">
-            <a:avLst/>
-          </a:prstGeom>
-          <a:solidFill>
-            <a:schemeClr val="accent6">
-              <a:lumMod val="75000"/>
-            </a:schemeClr>
-          </a:solidFill>
-          <a:ln w="19050">
-            <a:solidFill>
-              <a:schemeClr val="accent6">
-                <a:lumMod val="75000"/>
-              </a:schemeClr>
-            </a:solidFill>
-          </a:ln>
-          <a:effectLst/>
-        </p:spPr>
-        <p:style>
-          <a:lnRef idx="1">
-            <a:schemeClr val="accent2"/>
-          </a:lnRef>
-          <a:fillRef idx="2">
-            <a:schemeClr val="accent2"/>
-          </a:fillRef>
-          <a:effectRef idx="1">
-            <a:schemeClr val="accent2"/>
-          </a:effectRef>
-          <a:fontRef idx="minor">
-            <a:schemeClr val="dk1"/>
-          </a:fontRef>
-        </p:style>
-        <p:txBody>
-          <a:bodyPr rtlCol="0" anchor="ctr"/>
-          <a:lstStyle/>
-          <a:p>
-            <a:pPr algn="ctr"/>
-            <a:endParaRPr lang="en-SG" sz="1050">
-              <a:solidFill>
-                <a:schemeClr val="bg1"/>
-              </a:solidFill>
-            </a:endParaRPr>
-          </a:p>
-        </p:txBody>
-      </p:sp>
-      <p:cxnSp>
-        <p:nvCxnSpPr>
-          <p:cNvPr id="7" name="Straight Arrow Connector 6">
-            <a:extLst>
-              <a:ext uri="{FF2B5EF4-FFF2-40B4-BE49-F238E27FC236}">
-                <a16:creationId xmlns:a16="http://schemas.microsoft.com/office/drawing/2014/main" id="{127A6C11-EAEB-44B8-BC73-081C72FBCA70}"/>
-              </a:ext>
-            </a:extLst>
-          </p:cNvPr>
-          <p:cNvCxnSpPr>
-            <a:stCxn id="9" idx="3"/>
-            <a:endCxn id="3" idx="1"/>
-          </p:cNvCxnSpPr>
-          <p:nvPr/>
-        </p:nvCxnSpPr>
-        <p:spPr>
-          <a:xfrm>
-            <a:off x="2069905" y="3297554"/>
-            <a:ext cx="220810" cy="5284"/>
-          </a:xfrm>
-          <a:prstGeom prst="straightConnector1">
-            <a:avLst/>
-          </a:prstGeom>
-          <a:ln w="19050">
-            <a:solidFill>
-              <a:schemeClr val="accent6">
-                <a:lumMod val="75000"/>
-              </a:schemeClr>
-            </a:solidFill>
-            <a:headEnd type="none" w="med" len="med"/>
-            <a:tailEnd type="arrow" w="med" len="med"/>
-          </a:ln>
-          <a:effectLst/>
-        </p:spPr>
-        <p:style>
-          <a:lnRef idx="1">
-            <a:schemeClr val="accent2"/>
-          </a:lnRef>
-          <a:fillRef idx="2">
-            <a:schemeClr val="accent2"/>
-          </a:fillRef>
-          <a:effectRef idx="1">
-            <a:schemeClr val="accent2"/>
-          </a:effectRef>
-          <a:fontRef idx="minor">
-            <a:schemeClr val="dk1"/>
-          </a:fontRef>
-        </p:style>
-      </p:cxnSp>
-      <p:cxnSp>
-        <p:nvCxnSpPr>
-          <p:cNvPr id="8" name="Straight Connector 7">
-            <a:extLst>
-              <a:ext uri="{FF2B5EF4-FFF2-40B4-BE49-F238E27FC236}">
-                <a16:creationId xmlns:a16="http://schemas.microsoft.com/office/drawing/2014/main" id="{9182AAD7-45EA-4C1B-965D-A1A076C1049E}"/>
-              </a:ext>
-            </a:extLst>
-          </p:cNvPr>
-          <p:cNvCxnSpPr>
-            <a:stCxn id="6" idx="3"/>
-          </p:cNvCxnSpPr>
-          <p:nvPr/>
-        </p:nvCxnSpPr>
-        <p:spPr>
-          <a:xfrm flipV="1">
-            <a:off x="1263459" y="3011070"/>
-            <a:ext cx="216105" cy="1"/>
-          </a:xfrm>
-          <a:prstGeom prst="line">
-            <a:avLst/>
-          </a:prstGeom>
-          <a:ln w="19050">
-            <a:solidFill>
-              <a:schemeClr val="accent6">
-                <a:lumMod val="75000"/>
-              </a:schemeClr>
-            </a:solidFill>
-            <a:prstDash val="sysDot"/>
-            <a:headEnd type="none" w="med" len="med"/>
-            <a:tailEnd type="none" w="med" len="med"/>
-          </a:ln>
-          <a:effectLst/>
-        </p:spPr>
-        <p:style>
-          <a:lnRef idx="1">
-            <a:schemeClr val="accent2"/>
-          </a:lnRef>
-          <a:fillRef idx="2">
-            <a:schemeClr val="accent2"/>
-          </a:fillRef>
-          <a:effectRef idx="1">
-            <a:schemeClr val="accent2"/>
-          </a:effectRef>
-          <a:fontRef idx="minor">
-            <a:schemeClr val="dk1"/>
-          </a:fontRef>
-        </p:style>
-      </p:cxnSp>
-      <p:sp>
-        <p:nvSpPr>
-          <p:cNvPr id="9" name="Flowchart: Decision 96">
-            <a:extLst>
-              <a:ext uri="{FF2B5EF4-FFF2-40B4-BE49-F238E27FC236}">
-                <a16:creationId xmlns:a16="http://schemas.microsoft.com/office/drawing/2014/main" id="{1D7F843D-52A2-47AB-81EA-596331869288}"/>
-              </a:ext>
-            </a:extLst>
-          </p:cNvPr>
-          <p:cNvSpPr/>
-          <p:nvPr/>
-        </p:nvSpPr>
-        <p:spPr>
-          <a:xfrm>
-            <a:off x="1833857" y="3210864"/>
-            <a:ext cx="236048" cy="173380"/>
-          </a:xfrm>
-          <a:prstGeom prst="flowChartDecision">
-            <a:avLst/>
-          </a:prstGeom>
-          <a:noFill/>
-          <a:ln w="19050">
-            <a:solidFill>
-              <a:schemeClr val="accent6">
-                <a:lumMod val="75000"/>
-              </a:schemeClr>
-            </a:solidFill>
-          </a:ln>
-          <a:effectLst/>
-        </p:spPr>
-        <p:style>
-          <a:lnRef idx="1">
-            <a:schemeClr val="accent2"/>
-          </a:lnRef>
-          <a:fillRef idx="2">
-            <a:schemeClr val="accent2"/>
-          </a:fillRef>
-          <a:effectRef idx="1">
-            <a:schemeClr val="accent2"/>
-          </a:effectRef>
-          <a:fontRef idx="minor">
-            <a:schemeClr val="dk1"/>
-          </a:fontRef>
-        </p:style>
-        <p:txBody>
-          <a:bodyPr rtlCol="0" anchor="ctr"/>
-          <a:lstStyle/>
-          <a:p>
-            <a:pPr algn="ctr"/>
-            <a:endParaRPr lang="en-US" sz="1050">
-              <a:solidFill>
-                <a:schemeClr val="bg1"/>
-              </a:solidFill>
-            </a:endParaRPr>
-          </a:p>
-        </p:txBody>
-      </p:sp>
-      <p:cxnSp>
-        <p:nvCxnSpPr>
-          <p:cNvPr id="10" name="Elbow Connector 63">
-            <a:extLst>
-              <a:ext uri="{FF2B5EF4-FFF2-40B4-BE49-F238E27FC236}">
-                <a16:creationId xmlns:a16="http://schemas.microsoft.com/office/drawing/2014/main" id="{6E806771-1CF0-4B6D-9E2B-58AA7BB6487E}"/>
-              </a:ext>
-            </a:extLst>
-          </p:cNvPr>
-          <p:cNvCxnSpPr>
-            <a:stCxn id="11" idx="3"/>
-            <a:endCxn id="13" idx="1"/>
-          </p:cNvCxnSpPr>
-          <p:nvPr/>
-        </p:nvCxnSpPr>
-        <p:spPr>
-          <a:xfrm flipV="1">
-            <a:off x="3811576" y="3302838"/>
-            <a:ext cx="223324" cy="1"/>
-          </a:xfrm>
-          <a:prstGeom prst="bentConnector3">
-            <a:avLst>
-              <a:gd name="adj1" fmla="val 50000"/>
-            </a:avLst>
-          </a:prstGeom>
-          <a:ln w="19050">
-            <a:solidFill>
-              <a:schemeClr val="accent6">
-                <a:lumMod val="75000"/>
-              </a:schemeClr>
-            </a:solidFill>
-            <a:prstDash val="sysDot"/>
-            <a:headEnd type="none" w="med" len="med"/>
-            <a:tailEnd type="none" w="med" len="med"/>
-          </a:ln>
-          <a:effectLst/>
-        </p:spPr>
-        <p:style>
-          <a:lnRef idx="1">
-            <a:schemeClr val="accent2"/>
-          </a:lnRef>
-          <a:fillRef idx="2">
-            <a:schemeClr val="accent2"/>
-          </a:fillRef>
-          <a:effectRef idx="1">
-            <a:schemeClr val="accent2"/>
-          </a:effectRef>
-          <a:fontRef idx="minor">
-            <a:schemeClr val="dk1"/>
-          </a:fontRef>
-        </p:style>
-      </p:cxnSp>
-      <p:sp>
-        <p:nvSpPr>
-          <p:cNvPr id="11" name="Isosceles Triangle 102">
-            <a:extLst>
-              <a:ext uri="{FF2B5EF4-FFF2-40B4-BE49-F238E27FC236}">
-                <a16:creationId xmlns:a16="http://schemas.microsoft.com/office/drawing/2014/main" id="{8AA2DB66-8B8E-46F8-965E-6B65ACB6423B}"/>
-              </a:ext>
-            </a:extLst>
-          </p:cNvPr>
-          <p:cNvSpPr/>
-          <p:nvPr/>
-        </p:nvSpPr>
-        <p:spPr>
-          <a:xfrm rot="5400000" flipV="1">
-            <a:off x="3588562" y="3215077"/>
-            <a:ext cx="270504" cy="175523"/>
-          </a:xfrm>
-          <a:prstGeom prst="triangle">
-            <a:avLst/>
-          </a:prstGeom>
-          <a:solidFill>
-            <a:schemeClr val="accent6">
-              <a:lumMod val="75000"/>
-            </a:schemeClr>
-          </a:solidFill>
-          <a:ln w="19050">
-            <a:solidFill>
-              <a:schemeClr val="accent6">
-                <a:lumMod val="75000"/>
-              </a:schemeClr>
-            </a:solidFill>
-          </a:ln>
-          <a:effectLst/>
-        </p:spPr>
-        <p:style>
-          <a:lnRef idx="1">
-            <a:schemeClr val="accent2"/>
-          </a:lnRef>
-          <a:fillRef idx="2">
-            <a:schemeClr val="accent2"/>
-          </a:fillRef>
-          <a:effectRef idx="1">
-            <a:schemeClr val="accent2"/>
-          </a:effectRef>
-          <a:fontRef idx="minor">
-            <a:schemeClr val="dk1"/>
-          </a:fontRef>
-        </p:style>
-        <p:txBody>
-          <a:bodyPr rtlCol="0" anchor="ctr"/>
-          <a:lstStyle/>
-          <a:p>
-            <a:pPr algn="ctr"/>
-            <a:endParaRPr lang="en-SG" sz="1050">
-              <a:solidFill>
-                <a:schemeClr val="bg1"/>
-              </a:solidFill>
-            </a:endParaRPr>
-          </a:p>
-        </p:txBody>
-      </p:sp>
-      <p:cxnSp>
-        <p:nvCxnSpPr>
-          <p:cNvPr id="12" name="Elbow Connector 122">
-            <a:extLst>
-              <a:ext uri="{FF2B5EF4-FFF2-40B4-BE49-F238E27FC236}">
-                <a16:creationId xmlns:a16="http://schemas.microsoft.com/office/drawing/2014/main" id="{465AD41D-86B8-4286-A5BA-0EDB2E9AE664}"/>
-              </a:ext>
-            </a:extLst>
-          </p:cNvPr>
-          <p:cNvCxnSpPr>
-            <a:stCxn id="13" idx="3"/>
-            <a:endCxn id="20" idx="1"/>
-          </p:cNvCxnSpPr>
-          <p:nvPr/>
-        </p:nvCxnSpPr>
-        <p:spPr>
-          <a:xfrm>
-            <a:off x="5204735" y="3302838"/>
-            <a:ext cx="228600" cy="1970"/>
-          </a:xfrm>
-          <a:prstGeom prst="bentConnector3">
-            <a:avLst>
-              <a:gd name="adj1" fmla="val 50000"/>
-            </a:avLst>
-          </a:prstGeom>
-          <a:ln w="19050">
-            <a:solidFill>
-              <a:schemeClr val="accent6">
-                <a:lumMod val="75000"/>
-              </a:schemeClr>
-            </a:solidFill>
-            <a:prstDash val="sysDot"/>
-            <a:headEnd type="none" w="med" len="med"/>
-            <a:tailEnd type="arrow" w="med" len="med"/>
-          </a:ln>
-          <a:effectLst/>
-        </p:spPr>
-        <p:style>
-          <a:lnRef idx="1">
-            <a:schemeClr val="accent2"/>
-          </a:lnRef>
-          <a:fillRef idx="2">
-            <a:schemeClr val="accent2"/>
-          </a:fillRef>
-          <a:effectRef idx="1">
-            <a:schemeClr val="accent2"/>
-          </a:effectRef>
-          <a:fontRef idx="minor">
-            <a:schemeClr val="dk1"/>
-          </a:fontRef>
-        </p:style>
-      </p:cxnSp>
-      <p:sp>
-        <p:nvSpPr>
-          <p:cNvPr id="13" name="Rectangle 8">
-            <a:extLst>
-              <a:ext uri="{FF2B5EF4-FFF2-40B4-BE49-F238E27FC236}">
-                <a16:creationId xmlns:a16="http://schemas.microsoft.com/office/drawing/2014/main" id="{62CF4FBA-1A50-4849-8467-D8F6258FF4DC}"/>
-              </a:ext>
-            </a:extLst>
-          </p:cNvPr>
-          <p:cNvSpPr/>
-          <p:nvPr/>
-        </p:nvSpPr>
-        <p:spPr>
-          <a:xfrm>
-            <a:off x="4034900" y="3129458"/>
-            <a:ext cx="1169835" cy="346760"/>
-          </a:xfrm>
-          <a:prstGeom prst="rect">
-            <a:avLst/>
-          </a:prstGeom>
-          <a:ln w="19050"/>
-          <a:effectLst/>
-        </p:spPr>
-        <p:style>
-          <a:lnRef idx="1">
-            <a:schemeClr val="accent6"/>
-          </a:lnRef>
-          <a:fillRef idx="2">
-            <a:schemeClr val="accent6"/>
-          </a:fillRef>
-          <a:effectRef idx="1">
-            <a:schemeClr val="accent6"/>
-          </a:effectRef>
-          <a:fontRef idx="minor">
-            <a:schemeClr val="dk1"/>
-          </a:fontRef>
-        </p:style>
-        <p:txBody>
-          <a:bodyPr rtlCol="0" anchor="ctr"/>
-          <a:lstStyle/>
-          <a:p>
-            <a:pPr algn="ctr"/>
-            <a:r>
-              <a:rPr lang="en-US" sz="1050" b="1" dirty="0" err="1">
-                <a:solidFill>
-                  <a:schemeClr val="accent6">
-                    <a:lumMod val="75000"/>
-                  </a:schemeClr>
-                </a:solidFill>
-              </a:rPr>
-              <a:t>XmlWishBook</a:t>
-            </a:r>
-            <a:br>
-              <a:rPr lang="en-US" sz="1050" b="1" dirty="0">
-                <a:solidFill>
-                  <a:schemeClr val="accent6">
-                    <a:lumMod val="75000"/>
-                  </a:schemeClr>
-                </a:solidFill>
-              </a:rPr>
-            </a:br>
-            <a:r>
-              <a:rPr lang="en-US" sz="1050" b="1" dirty="0">
-                <a:solidFill>
-                  <a:schemeClr val="accent6">
-                    <a:lumMod val="75000"/>
-                  </a:schemeClr>
-                </a:solidFill>
-              </a:rPr>
-              <a:t>Storage</a:t>
-            </a:r>
-            <a:endParaRPr lang="en-SG" sz="1050" b="1" dirty="0">
-              <a:solidFill>
-                <a:schemeClr val="accent6">
-                  <a:lumMod val="75000"/>
-                </a:schemeClr>
-              </a:solidFill>
-            </a:endParaRPr>
-          </a:p>
-        </p:txBody>
-      </p:sp>
-      <p:sp>
-        <p:nvSpPr>
-          <p:cNvPr id="14" name="Rectangle 8">
-            <a:extLst>
-              <a:ext uri="{FF2B5EF4-FFF2-40B4-BE49-F238E27FC236}">
-                <a16:creationId xmlns:a16="http://schemas.microsoft.com/office/drawing/2014/main" id="{3A5E82C0-D044-4375-A6CE-D32927174C6D}"/>
-              </a:ext>
-            </a:extLst>
-          </p:cNvPr>
-          <p:cNvSpPr/>
-          <p:nvPr/>
-        </p:nvSpPr>
-        <p:spPr>
-          <a:xfrm>
-            <a:off x="2287478" y="2529058"/>
-            <a:ext cx="1323049" cy="346760"/>
-          </a:xfrm>
-          <a:prstGeom prst="rect">
-            <a:avLst/>
-          </a:prstGeom>
-          <a:solidFill>
-            <a:schemeClr val="accent6">
-              <a:lumMod val="75000"/>
-            </a:schemeClr>
-          </a:solidFill>
-          <a:ln w="19050">
-            <a:solidFill>
-              <a:schemeClr val="accent6">
-                <a:lumMod val="75000"/>
-              </a:schemeClr>
-            </a:solidFill>
-          </a:ln>
-          <a:effectLst/>
-        </p:spPr>
-        <p:style>
-          <a:lnRef idx="1">
-            <a:schemeClr val="accent2"/>
-          </a:lnRef>
-          <a:fillRef idx="2">
-            <a:schemeClr val="accent2"/>
-          </a:fillRef>
-          <a:effectRef idx="1">
-            <a:schemeClr val="accent2"/>
-          </a:effectRef>
-          <a:fontRef idx="minor">
-            <a:schemeClr val="dk1"/>
-          </a:fontRef>
-        </p:style>
-        <p:txBody>
-          <a:bodyPr rtlCol="0" anchor="ctr"/>
-          <a:lstStyle/>
-          <a:p>
-            <a:pPr algn="ctr"/>
-            <a:r>
-              <a:rPr lang="en-US" sz="1050" dirty="0">
-                <a:solidFill>
-                  <a:schemeClr val="bg1"/>
-                </a:solidFill>
-              </a:rPr>
-              <a:t>&lt;&lt;interface&gt;&gt;</a:t>
-            </a:r>
-            <a:br>
-              <a:rPr lang="en-US" sz="1050" dirty="0">
-                <a:solidFill>
-                  <a:schemeClr val="bg1"/>
-                </a:solidFill>
-              </a:rPr>
-            </a:br>
-            <a:r>
-              <a:rPr lang="en-US" sz="1050" dirty="0" err="1">
-                <a:solidFill>
-                  <a:schemeClr val="bg1"/>
-                </a:solidFill>
-              </a:rPr>
-              <a:t>UserPrefsStorage</a:t>
-            </a:r>
-            <a:endParaRPr lang="en-SG" sz="1050" dirty="0">
-              <a:solidFill>
-                <a:schemeClr val="bg1"/>
-              </a:solidFill>
-            </a:endParaRPr>
-          </a:p>
-        </p:txBody>
-      </p:sp>
-      <p:cxnSp>
-        <p:nvCxnSpPr>
-          <p:cNvPr id="15" name="Straight Arrow Connector 14">
-            <a:extLst>
-              <a:ext uri="{FF2B5EF4-FFF2-40B4-BE49-F238E27FC236}">
-                <a16:creationId xmlns:a16="http://schemas.microsoft.com/office/drawing/2014/main" id="{E76E5B9D-1FD7-4E76-A0B0-64949A99DAB2}"/>
-              </a:ext>
-            </a:extLst>
-          </p:cNvPr>
-          <p:cNvCxnSpPr>
-            <a:stCxn id="16" idx="3"/>
-            <a:endCxn id="14" idx="1"/>
-          </p:cNvCxnSpPr>
-          <p:nvPr/>
-        </p:nvCxnSpPr>
-        <p:spPr>
-          <a:xfrm>
-            <a:off x="2066668" y="2697154"/>
-            <a:ext cx="220810" cy="5284"/>
-          </a:xfrm>
-          <a:prstGeom prst="straightConnector1">
-            <a:avLst/>
-          </a:prstGeom>
-          <a:ln w="19050">
-            <a:solidFill>
-              <a:schemeClr val="accent6">
-                <a:lumMod val="75000"/>
-              </a:schemeClr>
-            </a:solidFill>
-            <a:headEnd type="none" w="med" len="med"/>
-            <a:tailEnd type="arrow" w="med" len="med"/>
-          </a:ln>
-          <a:effectLst/>
-        </p:spPr>
-        <p:style>
-          <a:lnRef idx="1">
-            <a:schemeClr val="accent2"/>
-          </a:lnRef>
-          <a:fillRef idx="2">
-            <a:schemeClr val="accent2"/>
-          </a:fillRef>
-          <a:effectRef idx="1">
-            <a:schemeClr val="accent2"/>
-          </a:effectRef>
-          <a:fontRef idx="minor">
-            <a:schemeClr val="dk1"/>
-          </a:fontRef>
-        </p:style>
-      </p:cxnSp>
-      <p:sp>
-        <p:nvSpPr>
-          <p:cNvPr id="16" name="Flowchart: Decision 96">
-            <a:extLst>
-              <a:ext uri="{FF2B5EF4-FFF2-40B4-BE49-F238E27FC236}">
-                <a16:creationId xmlns:a16="http://schemas.microsoft.com/office/drawing/2014/main" id="{7E0D9B8F-702E-43B2-A7A8-6B65842C1058}"/>
-              </a:ext>
-            </a:extLst>
-          </p:cNvPr>
-          <p:cNvSpPr/>
-          <p:nvPr/>
-        </p:nvSpPr>
-        <p:spPr>
-          <a:xfrm>
-            <a:off x="1830620" y="2610464"/>
-            <a:ext cx="236048" cy="173380"/>
-          </a:xfrm>
-          <a:prstGeom prst="flowChartDecision">
-            <a:avLst/>
-          </a:prstGeom>
-          <a:noFill/>
-          <a:ln w="19050">
-            <a:solidFill>
-              <a:schemeClr val="accent6">
-                <a:lumMod val="75000"/>
-              </a:schemeClr>
-            </a:solidFill>
-          </a:ln>
-          <a:effectLst/>
-        </p:spPr>
-        <p:style>
-          <a:lnRef idx="1">
-            <a:schemeClr val="accent2"/>
-          </a:lnRef>
-          <a:fillRef idx="2">
-            <a:schemeClr val="accent2"/>
-          </a:fillRef>
-          <a:effectRef idx="1">
-            <a:schemeClr val="accent2"/>
-          </a:effectRef>
-          <a:fontRef idx="minor">
-            <a:schemeClr val="dk1"/>
-          </a:fontRef>
-        </p:style>
-        <p:txBody>
-          <a:bodyPr rtlCol="0" anchor="ctr"/>
-          <a:lstStyle/>
-          <a:p>
-            <a:pPr algn="ctr"/>
-            <a:endParaRPr lang="en-US" sz="1050">
-              <a:solidFill>
-                <a:schemeClr val="bg1"/>
-              </a:solidFill>
-            </a:endParaRPr>
-          </a:p>
-        </p:txBody>
-      </p:sp>
-      <p:cxnSp>
-        <p:nvCxnSpPr>
-          <p:cNvPr id="17" name="Elbow Connector 63">
-            <a:extLst>
-              <a:ext uri="{FF2B5EF4-FFF2-40B4-BE49-F238E27FC236}">
-                <a16:creationId xmlns:a16="http://schemas.microsoft.com/office/drawing/2014/main" id="{01336A1B-B925-4718-8E60-0C1E59BB1A4E}"/>
-              </a:ext>
-            </a:extLst>
-          </p:cNvPr>
-          <p:cNvCxnSpPr>
-            <a:stCxn id="18" idx="3"/>
-            <a:endCxn id="19" idx="1"/>
-          </p:cNvCxnSpPr>
-          <p:nvPr/>
-        </p:nvCxnSpPr>
-        <p:spPr>
-          <a:xfrm flipV="1">
-            <a:off x="3808339" y="2702438"/>
-            <a:ext cx="223324" cy="1"/>
-          </a:xfrm>
-          <a:prstGeom prst="bentConnector3">
-            <a:avLst>
-              <a:gd name="adj1" fmla="val 50000"/>
-            </a:avLst>
-          </a:prstGeom>
-          <a:ln w="19050">
-            <a:solidFill>
-              <a:schemeClr val="accent6">
-                <a:lumMod val="75000"/>
-              </a:schemeClr>
-            </a:solidFill>
-            <a:prstDash val="sysDot"/>
-            <a:headEnd type="none" w="med" len="med"/>
-            <a:tailEnd type="none" w="med" len="med"/>
-          </a:ln>
-          <a:effectLst/>
-        </p:spPr>
-        <p:style>
-          <a:lnRef idx="1">
-            <a:schemeClr val="accent2"/>
-          </a:lnRef>
-          <a:fillRef idx="2">
-            <a:schemeClr val="accent2"/>
-          </a:fillRef>
-          <a:effectRef idx="1">
-            <a:schemeClr val="accent2"/>
-          </a:effectRef>
-          <a:fontRef idx="minor">
-            <a:schemeClr val="dk1"/>
-          </a:fontRef>
-        </p:style>
-      </p:cxnSp>
-      <p:sp>
-        <p:nvSpPr>
-          <p:cNvPr id="18" name="Isosceles Triangle 102">
-            <a:extLst>
-              <a:ext uri="{FF2B5EF4-FFF2-40B4-BE49-F238E27FC236}">
-                <a16:creationId xmlns:a16="http://schemas.microsoft.com/office/drawing/2014/main" id="{C80EF177-C646-44F2-92D2-0DA9EEB3EF30}"/>
-              </a:ext>
-            </a:extLst>
-          </p:cNvPr>
-          <p:cNvSpPr/>
-          <p:nvPr/>
-        </p:nvSpPr>
-        <p:spPr>
-          <a:xfrm rot="5400000" flipV="1">
-            <a:off x="3585325" y="2614677"/>
-            <a:ext cx="270504" cy="175523"/>
-          </a:xfrm>
-          <a:prstGeom prst="triangle">
-            <a:avLst/>
-          </a:prstGeom>
-          <a:solidFill>
-            <a:schemeClr val="accent6">
-              <a:lumMod val="75000"/>
-            </a:schemeClr>
-          </a:solidFill>
-          <a:ln w="19050">
-            <a:solidFill>
-              <a:schemeClr val="accent6">
-                <a:lumMod val="75000"/>
-              </a:schemeClr>
-            </a:solidFill>
-          </a:ln>
-          <a:effectLst/>
-        </p:spPr>
-        <p:style>
-          <a:lnRef idx="1">
-            <a:schemeClr val="accent2"/>
-          </a:lnRef>
-          <a:fillRef idx="2">
-            <a:schemeClr val="accent2"/>
-          </a:fillRef>
-          <a:effectRef idx="1">
-            <a:schemeClr val="accent2"/>
-          </a:effectRef>
-          <a:fontRef idx="minor">
-            <a:schemeClr val="dk1"/>
-          </a:fontRef>
-        </p:style>
-        <p:txBody>
-          <a:bodyPr rtlCol="0" anchor="ctr"/>
-          <a:lstStyle/>
-          <a:p>
-            <a:pPr algn="ctr"/>
-            <a:endParaRPr lang="en-SG" sz="1050">
-              <a:solidFill>
-                <a:schemeClr val="bg1"/>
-              </a:solidFill>
-            </a:endParaRPr>
-          </a:p>
-        </p:txBody>
-      </p:sp>
-      <p:sp>
-        <p:nvSpPr>
-          <p:cNvPr id="19" name="Rectangle 8">
-            <a:extLst>
-              <a:ext uri="{FF2B5EF4-FFF2-40B4-BE49-F238E27FC236}">
-                <a16:creationId xmlns:a16="http://schemas.microsoft.com/office/drawing/2014/main" id="{46EC2A9D-3519-40AD-9011-770D3D60ECB5}"/>
-              </a:ext>
-            </a:extLst>
-          </p:cNvPr>
-          <p:cNvSpPr/>
-          <p:nvPr/>
-        </p:nvSpPr>
-        <p:spPr>
-          <a:xfrm>
-            <a:off x="4031663" y="2529058"/>
-            <a:ext cx="1093635" cy="346760"/>
-          </a:xfrm>
-          <a:prstGeom prst="rect">
-            <a:avLst/>
-          </a:prstGeom>
-          <a:solidFill>
-            <a:schemeClr val="accent6">
-              <a:lumMod val="75000"/>
-            </a:schemeClr>
-          </a:solidFill>
-          <a:ln w="19050">
-            <a:solidFill>
-              <a:schemeClr val="accent6">
-                <a:lumMod val="75000"/>
-              </a:schemeClr>
-            </a:solidFill>
-          </a:ln>
-          <a:effectLst/>
-        </p:spPr>
-        <p:style>
-          <a:lnRef idx="1">
-            <a:schemeClr val="accent2"/>
-          </a:lnRef>
-          <a:fillRef idx="2">
-            <a:schemeClr val="accent2"/>
-          </a:fillRef>
-          <a:effectRef idx="1">
-            <a:schemeClr val="accent2"/>
-          </a:effectRef>
-          <a:fontRef idx="minor">
-            <a:schemeClr val="dk1"/>
-          </a:fontRef>
-        </p:style>
-        <p:txBody>
-          <a:bodyPr rtlCol="0" anchor="ctr"/>
-          <a:lstStyle/>
-          <a:p>
-            <a:pPr algn="ctr"/>
-            <a:r>
-              <a:rPr lang="en-US" sz="1050" dirty="0" err="1">
-                <a:solidFill>
-                  <a:schemeClr val="bg1"/>
-                </a:solidFill>
-              </a:rPr>
-              <a:t>JsonUserPrefs</a:t>
-            </a:r>
-            <a:br>
-              <a:rPr lang="en-US" sz="1050" dirty="0">
-                <a:solidFill>
-                  <a:schemeClr val="bg1"/>
-                </a:solidFill>
-              </a:rPr>
-            </a:br>
-            <a:r>
-              <a:rPr lang="en-US" sz="1050" dirty="0">
-                <a:solidFill>
-                  <a:schemeClr val="bg1"/>
-                </a:solidFill>
-              </a:rPr>
-              <a:t>Storage</a:t>
-            </a:r>
-            <a:endParaRPr lang="en-SG" sz="1050" dirty="0">
-              <a:solidFill>
-                <a:schemeClr val="bg1"/>
-              </a:solidFill>
-            </a:endParaRPr>
-          </a:p>
-        </p:txBody>
-      </p:sp>
-      <p:sp>
-        <p:nvSpPr>
-          <p:cNvPr id="20" name="Rectangle 8">
-            <a:extLst>
-              <a:ext uri="{FF2B5EF4-FFF2-40B4-BE49-F238E27FC236}">
-                <a16:creationId xmlns:a16="http://schemas.microsoft.com/office/drawing/2014/main" id="{2BF9B653-5D8E-4DB1-B111-A30B899A1097}"/>
-              </a:ext>
-            </a:extLst>
-          </p:cNvPr>
-          <p:cNvSpPr/>
-          <p:nvPr/>
-        </p:nvSpPr>
-        <p:spPr>
-          <a:xfrm>
-            <a:off x="5433335" y="3131428"/>
-            <a:ext cx="1200707" cy="346760"/>
-          </a:xfrm>
-          <a:prstGeom prst="rect">
-            <a:avLst/>
-          </a:prstGeom>
-          <a:ln w="19050"/>
-          <a:effectLst/>
-        </p:spPr>
-        <p:style>
-          <a:lnRef idx="1">
-            <a:schemeClr val="accent6"/>
-          </a:lnRef>
-          <a:fillRef idx="2">
-            <a:schemeClr val="accent6"/>
-          </a:fillRef>
-          <a:effectRef idx="1">
-            <a:schemeClr val="accent6"/>
-          </a:effectRef>
-          <a:fontRef idx="minor">
-            <a:schemeClr val="dk1"/>
-          </a:fontRef>
-        </p:style>
-        <p:txBody>
-          <a:bodyPr rtlCol="0" anchor="ctr"/>
-          <a:lstStyle/>
-          <a:p>
-            <a:pPr algn="ctr"/>
-            <a:r>
-              <a:rPr lang="en-US" sz="1050" b="1" dirty="0" err="1">
-                <a:solidFill>
-                  <a:schemeClr val="accent6">
-                    <a:lumMod val="75000"/>
-                  </a:schemeClr>
-                </a:solidFill>
-              </a:rPr>
-              <a:t>XmlSerializable</a:t>
-            </a:r>
-            <a:br>
-              <a:rPr lang="en-US" sz="1050" b="1" dirty="0">
-                <a:solidFill>
-                  <a:schemeClr val="accent6">
-                    <a:lumMod val="75000"/>
-                  </a:schemeClr>
-                </a:solidFill>
-              </a:rPr>
-            </a:br>
-            <a:r>
-              <a:rPr lang="en-US" sz="1050" b="1" dirty="0" err="1">
-                <a:solidFill>
-                  <a:schemeClr val="accent6">
-                    <a:lumMod val="75000"/>
-                  </a:schemeClr>
-                </a:solidFill>
-              </a:rPr>
-              <a:t>WishBook</a:t>
-            </a:r>
-            <a:endParaRPr lang="en-SG" sz="1050" b="1" dirty="0">
-              <a:solidFill>
-                <a:schemeClr val="accent6">
-                  <a:lumMod val="75000"/>
-                </a:schemeClr>
-              </a:solidFill>
-            </a:endParaRPr>
-          </a:p>
-        </p:txBody>
-      </p:sp>
-      <p:cxnSp>
-        <p:nvCxnSpPr>
-          <p:cNvPr id="21" name="Elbow Connector 122">
-            <a:extLst>
-              <a:ext uri="{FF2B5EF4-FFF2-40B4-BE49-F238E27FC236}">
-                <a16:creationId xmlns:a16="http://schemas.microsoft.com/office/drawing/2014/main" id="{82B96457-F6EB-429E-A66E-1FFC0BF47319}"/>
-              </a:ext>
-            </a:extLst>
-          </p:cNvPr>
-          <p:cNvCxnSpPr>
-            <a:cxnSpLocks/>
-          </p:cNvCxnSpPr>
-          <p:nvPr/>
-        </p:nvCxnSpPr>
-        <p:spPr>
-          <a:xfrm rot="16200000" flipV="1">
-            <a:off x="6403673" y="2791139"/>
-            <a:ext cx="688499" cy="517635"/>
-          </a:xfrm>
-          <a:prstGeom prst="bentConnector3">
-            <a:avLst>
-              <a:gd name="adj1" fmla="val 50000"/>
-            </a:avLst>
-          </a:prstGeom>
-          <a:ln w="19050">
-            <a:prstDash val="sysDot"/>
-            <a:headEnd type="none" w="med" len="med"/>
-            <a:tailEnd type="arrow" w="med" len="med"/>
-          </a:ln>
-          <a:effectLst/>
-        </p:spPr>
-        <p:style>
-          <a:lnRef idx="1">
-            <a:schemeClr val="accent6"/>
-          </a:lnRef>
-          <a:fillRef idx="2">
-            <a:schemeClr val="accent6"/>
-          </a:fillRef>
-          <a:effectRef idx="1">
-            <a:schemeClr val="accent6"/>
-          </a:effectRef>
-          <a:fontRef idx="minor">
-            <a:schemeClr val="dk1"/>
-          </a:fontRef>
-        </p:style>
-      </p:cxnSp>
-      <p:sp>
-        <p:nvSpPr>
-          <p:cNvPr id="22" name="Rectangle 8">
-            <a:extLst>
-              <a:ext uri="{FF2B5EF4-FFF2-40B4-BE49-F238E27FC236}">
-                <a16:creationId xmlns:a16="http://schemas.microsoft.com/office/drawing/2014/main" id="{62C1A090-A787-4E0C-9AEB-2A20CC32546E}"/>
-              </a:ext>
-            </a:extLst>
-          </p:cNvPr>
-          <p:cNvSpPr/>
-          <p:nvPr/>
-        </p:nvSpPr>
-        <p:spPr>
-          <a:xfrm>
-            <a:off x="7201446" y="2617603"/>
-            <a:ext cx="1259718" cy="346760"/>
-          </a:xfrm>
-          <a:prstGeom prst="rect">
-            <a:avLst/>
-          </a:prstGeom>
-          <a:ln w="19050"/>
-          <a:effectLst/>
-        </p:spPr>
-        <p:style>
-          <a:lnRef idx="1">
-            <a:schemeClr val="accent6"/>
-          </a:lnRef>
-          <a:fillRef idx="2">
-            <a:schemeClr val="accent6"/>
-          </a:fillRef>
-          <a:effectRef idx="1">
-            <a:schemeClr val="accent6"/>
-          </a:effectRef>
-          <a:fontRef idx="minor">
-            <a:schemeClr val="dk1"/>
-          </a:fontRef>
-        </p:style>
-        <p:txBody>
-          <a:bodyPr rtlCol="0" anchor="ctr"/>
-          <a:lstStyle/>
-          <a:p>
-            <a:pPr algn="ctr"/>
-            <a:r>
-              <a:rPr lang="en-US" sz="1050" b="1" dirty="0" err="1">
-                <a:solidFill>
-                  <a:schemeClr val="accent6">
-                    <a:lumMod val="75000"/>
-                  </a:schemeClr>
-                </a:solidFill>
-              </a:rPr>
-              <a:t>XmlAdaptedTag</a:t>
-            </a:r>
-            <a:endParaRPr lang="en-SG" sz="1050" b="1" dirty="0">
-              <a:solidFill>
-                <a:schemeClr val="accent6">
-                  <a:lumMod val="75000"/>
-                </a:schemeClr>
-              </a:solidFill>
-            </a:endParaRPr>
-          </a:p>
-        </p:txBody>
-      </p:sp>
-      <p:sp>
-        <p:nvSpPr>
-          <p:cNvPr id="23" name="Rectangle 8">
-            <a:extLst>
-              <a:ext uri="{FF2B5EF4-FFF2-40B4-BE49-F238E27FC236}">
-                <a16:creationId xmlns:a16="http://schemas.microsoft.com/office/drawing/2014/main" id="{C0B60E26-3562-4E03-90C9-6887F932421D}"/>
-              </a:ext>
-            </a:extLst>
-          </p:cNvPr>
-          <p:cNvSpPr/>
-          <p:nvPr/>
-        </p:nvSpPr>
-        <p:spPr>
-          <a:xfrm>
-            <a:off x="7006738" y="3220825"/>
-            <a:ext cx="1259718" cy="346760"/>
-          </a:xfrm>
-          <a:prstGeom prst="rect">
-            <a:avLst/>
-          </a:prstGeom>
-          <a:ln w="19050"/>
-          <a:effectLst/>
-        </p:spPr>
-        <p:style>
-          <a:lnRef idx="1">
-            <a:schemeClr val="accent6"/>
-          </a:lnRef>
-          <a:fillRef idx="2">
-            <a:schemeClr val="accent6"/>
-          </a:fillRef>
-          <a:effectRef idx="1">
-            <a:schemeClr val="accent6"/>
-          </a:effectRef>
-          <a:fontRef idx="minor">
-            <a:schemeClr val="dk1"/>
-          </a:fontRef>
-        </p:style>
-        <p:txBody>
-          <a:bodyPr rtlCol="0" anchor="ctr"/>
-          <a:lstStyle/>
-          <a:p>
-            <a:pPr algn="ctr"/>
-            <a:r>
-              <a:rPr lang="en-US" sz="1050" b="1" dirty="0" err="1">
-                <a:solidFill>
-                  <a:schemeClr val="accent6">
-                    <a:lumMod val="75000"/>
-                  </a:schemeClr>
-                </a:solidFill>
-              </a:rPr>
-              <a:t>XmlAdaptedWish</a:t>
-            </a:r>
-            <a:endParaRPr lang="en-SG" sz="1050" b="1" dirty="0">
-              <a:solidFill>
-                <a:schemeClr val="accent6">
-                  <a:lumMod val="75000"/>
-                </a:schemeClr>
-              </a:solidFill>
-            </a:endParaRPr>
-          </a:p>
-        </p:txBody>
-      </p:sp>
-      <p:cxnSp>
-        <p:nvCxnSpPr>
-          <p:cNvPr id="24" name="Elbow Connector 122">
-            <a:extLst>
-              <a:ext uri="{FF2B5EF4-FFF2-40B4-BE49-F238E27FC236}">
-                <a16:creationId xmlns:a16="http://schemas.microsoft.com/office/drawing/2014/main" id="{19F52AF7-A3FC-4088-A08B-9E056AF52332}"/>
-              </a:ext>
-            </a:extLst>
-          </p:cNvPr>
-          <p:cNvCxnSpPr>
-            <a:stCxn id="20" idx="3"/>
-            <a:endCxn id="23" idx="1"/>
-          </p:cNvCxnSpPr>
-          <p:nvPr/>
-        </p:nvCxnSpPr>
-        <p:spPr>
-          <a:xfrm>
-            <a:off x="6634042" y="3304808"/>
-            <a:ext cx="372696" cy="89397"/>
-          </a:xfrm>
-          <a:prstGeom prst="bentConnector3">
-            <a:avLst>
-              <a:gd name="adj1" fmla="val 50000"/>
-            </a:avLst>
-          </a:prstGeom>
-          <a:ln w="19050">
-            <a:prstDash val="sysDot"/>
-            <a:headEnd type="none" w="med" len="med"/>
-            <a:tailEnd type="arrow" w="med" len="med"/>
-          </a:ln>
-          <a:effectLst/>
-        </p:spPr>
-        <p:style>
-          <a:lnRef idx="1">
-            <a:schemeClr val="accent6"/>
-          </a:lnRef>
-          <a:fillRef idx="2">
-            <a:schemeClr val="accent6"/>
-          </a:fillRef>
-          <a:effectRef idx="1">
-            <a:schemeClr val="accent6"/>
-          </a:effectRef>
-          <a:fontRef idx="minor">
-            <a:schemeClr val="dk1"/>
-          </a:fontRef>
-        </p:style>
-      </p:cxnSp>
-      <p:sp>
-        <p:nvSpPr>
-          <p:cNvPr id="27" name="Rectangle 8">
-            <a:extLst>
-              <a:ext uri="{FF2B5EF4-FFF2-40B4-BE49-F238E27FC236}">
-                <a16:creationId xmlns:a16="http://schemas.microsoft.com/office/drawing/2014/main" id="{F9264B93-5D5A-432B-A0A1-3988EAE2F085}"/>
-              </a:ext>
-            </a:extLst>
-          </p:cNvPr>
-          <p:cNvSpPr/>
-          <p:nvPr/>
-        </p:nvSpPr>
-        <p:spPr>
-          <a:xfrm>
-            <a:off x="6485017" y="3796045"/>
-            <a:ext cx="1870406" cy="283620"/>
-          </a:xfrm>
-          <a:prstGeom prst="rect">
-            <a:avLst/>
-          </a:prstGeom>
-          <a:ln w="19050"/>
-          <a:effectLst/>
-        </p:spPr>
-        <p:style>
-          <a:lnRef idx="1">
-            <a:schemeClr val="accent6"/>
-          </a:lnRef>
-          <a:fillRef idx="2">
-            <a:schemeClr val="accent6"/>
-          </a:fillRef>
-          <a:effectRef idx="1">
-            <a:schemeClr val="accent6"/>
-          </a:effectRef>
-          <a:fontRef idx="minor">
-            <a:schemeClr val="dk1"/>
-          </a:fontRef>
-        </p:style>
-        <p:txBody>
-          <a:bodyPr rtlCol="0" anchor="ctr"/>
-          <a:lstStyle/>
-          <a:p>
-            <a:pPr algn="ctr"/>
-            <a:r>
-              <a:rPr lang="en-US" sz="1050" b="1" dirty="0" err="1">
-                <a:solidFill>
-                  <a:schemeClr val="accent6">
-                    <a:lumMod val="75000"/>
-                  </a:schemeClr>
-                </a:solidFill>
-              </a:rPr>
-              <a:t>XmlAdaptedSavedAmount</a:t>
-            </a:r>
-            <a:endParaRPr lang="en-SG" sz="1050" b="1" dirty="0">
-              <a:solidFill>
-                <a:schemeClr val="accent6">
-                  <a:lumMod val="75000"/>
-                </a:schemeClr>
-              </a:solidFill>
-            </a:endParaRPr>
-          </a:p>
-        </p:txBody>
-      </p:sp>
-      <p:cxnSp>
-        <p:nvCxnSpPr>
-          <p:cNvPr id="39" name="Straight Arrow Connector 38">
-            <a:extLst>
-              <a:ext uri="{FF2B5EF4-FFF2-40B4-BE49-F238E27FC236}">
-                <a16:creationId xmlns:a16="http://schemas.microsoft.com/office/drawing/2014/main" id="{CC785DB7-0510-48F8-8CB4-304825B9C109}"/>
-              </a:ext>
-            </a:extLst>
-          </p:cNvPr>
-          <p:cNvCxnSpPr>
-            <a:cxnSpLocks/>
-            <a:stCxn id="23" idx="2"/>
-          </p:cNvCxnSpPr>
-          <p:nvPr/>
-        </p:nvCxnSpPr>
-        <p:spPr>
-          <a:xfrm flipH="1">
-            <a:off x="7625017" y="3567585"/>
-            <a:ext cx="11580" cy="153754"/>
-          </a:xfrm>
-          <a:prstGeom prst="straightConnector1">
-            <a:avLst/>
-          </a:prstGeom>
-          <a:ln w="9525" cap="flat" cmpd="sng" algn="ctr">
-            <a:solidFill>
-              <a:schemeClr val="accent6"/>
-            </a:solidFill>
-            <a:prstDash val="dash"/>
-            <a:round/>
-            <a:headEnd type="none" w="med" len="med"/>
-            <a:tailEnd type="none" w="med" len="med"/>
-          </a:ln>
-        </p:spPr>
-        <p:style>
-          <a:lnRef idx="0">
-            <a:scrgbClr r="0" g="0" b="0"/>
-          </a:lnRef>
-          <a:fillRef idx="0">
-            <a:scrgbClr r="0" g="0" b="0"/>
-          </a:fillRef>
-          <a:effectRef idx="0">
-            <a:scrgbClr r="0" g="0" b="0"/>
-          </a:effectRef>
-          <a:fontRef idx="minor">
-            <a:schemeClr val="tx1"/>
-          </a:fontRef>
-        </p:style>
-      </p:cxnSp>
-      <mc:AlternateContent xmlns:mc="http://schemas.openxmlformats.org/markup-compatibility/2006" xmlns:p14="http://schemas.microsoft.com/office/powerpoint/2010/main">
-        <mc:Choice Requires="p14">
-          <p:contentPart p14:bwMode="auto" r:id="rId2">
-            <p14:nvContentPartPr>
-              <p14:cNvPr id="40" name="Ink 39">
-                <a:extLst>
-                  <a:ext uri="{FF2B5EF4-FFF2-40B4-BE49-F238E27FC236}">
-                    <a16:creationId xmlns:a16="http://schemas.microsoft.com/office/drawing/2014/main" id="{13C13F15-D893-4D17-9AC9-EE007E49E477}"/>
-                  </a:ext>
-                </a:extLst>
-              </p14:cNvPr>
-              <p14:cNvContentPartPr/>
-              <p14:nvPr/>
-            </p14:nvContentPartPr>
-            <p14:xfrm>
-              <a:off x="7551035" y="3685885"/>
-              <a:ext cx="147960" cy="110160"/>
-            </p14:xfrm>
-          </p:contentPart>
-        </mc:Choice>
-        <mc:Fallback xmlns="">
-          <p:pic>
-            <p:nvPicPr>
-              <p:cNvPr id="40" name="Ink 39">
-                <a:extLst>
-                  <a:ext uri="{FF2B5EF4-FFF2-40B4-BE49-F238E27FC236}">
-                    <a16:creationId xmlns:a16="http://schemas.microsoft.com/office/drawing/2014/main" id="{13C13F15-D893-4D17-9AC9-EE007E49E477}"/>
-                  </a:ext>
-                </a:extLst>
-              </p:cNvPr>
-              <p:cNvPicPr/>
-              <p:nvPr/>
-            </p:nvPicPr>
-            <p:blipFill>
-              <a:blip r:embed="rId3"/>
-              <a:stretch>
-                <a:fillRect/>
-              </a:stretch>
-            </p:blipFill>
-            <p:spPr>
-              <a:xfrm>
-                <a:off x="7544915" y="3679765"/>
-                <a:ext cx="160200" cy="122400"/>
-              </a:xfrm>
-              <a:prstGeom prst="rect">
-                <a:avLst/>
-              </a:prstGeom>
-            </p:spPr>
-          </p:pic>
-        </mc:Fallback>
-      </mc:AlternateContent>
-      <p:sp>
-        <p:nvSpPr>
-          <p:cNvPr id="28" name="Rectangle 8">
-            <a:extLst>
-              <a:ext uri="{FF2B5EF4-FFF2-40B4-BE49-F238E27FC236}">
-                <a16:creationId xmlns:a16="http://schemas.microsoft.com/office/drawing/2014/main" id="{9561671D-E151-445D-8F63-FE06A401298B}"/>
-              </a:ext>
-            </a:extLst>
-          </p:cNvPr>
-          <p:cNvSpPr/>
-          <p:nvPr/>
-        </p:nvSpPr>
-        <p:spPr>
-          <a:xfrm>
-            <a:off x="4269532" y="3840930"/>
-            <a:ext cx="1870406" cy="283620"/>
-          </a:xfrm>
-          <a:prstGeom prst="rect">
-            <a:avLst/>
-          </a:prstGeom>
-          <a:ln w="19050"/>
-          <a:effectLst/>
-        </p:spPr>
-        <p:style>
-          <a:lnRef idx="1">
-            <a:schemeClr val="accent6"/>
-          </a:lnRef>
-          <a:fillRef idx="2">
-            <a:schemeClr val="accent6"/>
-          </a:fillRef>
-          <a:effectRef idx="1">
-            <a:schemeClr val="accent6"/>
-          </a:effectRef>
-          <a:fontRef idx="minor">
-            <a:schemeClr val="dk1"/>
-          </a:fontRef>
-        </p:style>
-        <p:txBody>
-          <a:bodyPr rtlCol="0" anchor="ctr"/>
-          <a:lstStyle/>
-          <a:p>
-            <a:pPr algn="ctr"/>
-            <a:r>
-              <a:rPr lang="en-US" sz="1050" b="1" dirty="0" err="1">
-                <a:solidFill>
-                  <a:schemeClr val="accent6">
-                    <a:lumMod val="75000"/>
-                  </a:schemeClr>
-                </a:solidFill>
-              </a:rPr>
-              <a:t>XmlAdaptedCostAmount</a:t>
-            </a:r>
-            <a:endParaRPr lang="en-SG" sz="1050" b="1" dirty="0">
-              <a:solidFill>
-                <a:schemeClr val="accent6">
-                  <a:lumMod val="75000"/>
-                </a:schemeClr>
-              </a:solidFill>
-            </a:endParaRPr>
-          </a:p>
-        </p:txBody>
-      </p:sp>
-      <p:cxnSp>
-        <p:nvCxnSpPr>
-          <p:cNvPr id="26" name="Connector: Elbow 25">
-            <a:extLst>
-              <a:ext uri="{FF2B5EF4-FFF2-40B4-BE49-F238E27FC236}">
-                <a16:creationId xmlns:a16="http://schemas.microsoft.com/office/drawing/2014/main" id="{81594C5B-F1E2-477C-92B2-68709673E1AE}"/>
-              </a:ext>
-            </a:extLst>
-          </p:cNvPr>
-          <p:cNvCxnSpPr>
-            <a:cxnSpLocks/>
-          </p:cNvCxnSpPr>
-          <p:nvPr/>
-        </p:nvCxnSpPr>
-        <p:spPr>
-          <a:xfrm flipV="1">
-            <a:off x="5029200" y="3577173"/>
-            <a:ext cx="2110189" cy="293613"/>
-          </a:xfrm>
-          <a:prstGeom prst="bentConnector3">
-            <a:avLst>
-              <a:gd name="adj1" fmla="val 610"/>
-            </a:avLst>
-          </a:prstGeom>
-          <a:ln w="9525" cap="flat" cmpd="sng" algn="ctr">
-            <a:solidFill>
-              <a:schemeClr val="accent6"/>
-            </a:solidFill>
-            <a:prstDash val="dash"/>
-            <a:round/>
-            <a:headEnd type="none" w="med" len="med"/>
-            <a:tailEnd type="none" w="med" len="med"/>
-          </a:ln>
-        </p:spPr>
-        <p:style>
-          <a:lnRef idx="0">
-            <a:scrgbClr r="0" g="0" b="0"/>
-          </a:lnRef>
-          <a:fillRef idx="0">
-            <a:scrgbClr r="0" g="0" b="0"/>
-          </a:fillRef>
-          <a:effectRef idx="0">
-            <a:scrgbClr r="0" g="0" b="0"/>
-          </a:effectRef>
-          <a:fontRef idx="minor">
-            <a:schemeClr val="tx1"/>
-          </a:fontRef>
-        </p:style>
-      </p:cxnSp>
-      <p:cxnSp>
-        <p:nvCxnSpPr>
-          <p:cNvPr id="36" name="Elbow Connector 122">
-            <a:extLst>
-              <a:ext uri="{FF2B5EF4-FFF2-40B4-BE49-F238E27FC236}">
-                <a16:creationId xmlns:a16="http://schemas.microsoft.com/office/drawing/2014/main" id="{A2F544A5-510D-40DE-9612-20229E0B7C4D}"/>
-              </a:ext>
-            </a:extLst>
-          </p:cNvPr>
-          <p:cNvCxnSpPr>
-            <a:cxnSpLocks/>
-          </p:cNvCxnSpPr>
-          <p:nvPr/>
-        </p:nvCxnSpPr>
-        <p:spPr>
-          <a:xfrm rot="5400000" flipH="1" flipV="1">
-            <a:off x="7643928" y="3115438"/>
-            <a:ext cx="335208" cy="12700"/>
-          </a:xfrm>
-          <a:prstGeom prst="bentConnector3">
-            <a:avLst>
-              <a:gd name="adj1" fmla="val 50000"/>
-            </a:avLst>
-          </a:prstGeom>
-          <a:ln w="19050">
-            <a:prstDash val="sysDot"/>
-            <a:headEnd type="none" w="med" len="med"/>
-            <a:tailEnd type="arrow" w="med" len="med"/>
-          </a:ln>
-          <a:effectLst/>
-        </p:spPr>
-        <p:style>
-          <a:lnRef idx="1">
-            <a:schemeClr val="accent6"/>
-          </a:lnRef>
-          <a:fillRef idx="2">
-            <a:schemeClr val="accent6"/>
-          </a:fillRef>
-          <a:effectRef idx="1">
-            <a:schemeClr val="accent6"/>
-          </a:effectRef>
-          <a:fontRef idx="minor">
-            <a:schemeClr val="dk1"/>
-          </a:fontRef>
-        </p:style>
-      </p:cxnSp>
-      <mc:AlternateContent xmlns:mc="http://schemas.openxmlformats.org/markup-compatibility/2006" xmlns:p14="http://schemas.microsoft.com/office/powerpoint/2010/main">
-        <mc:Choice Requires="p14">
-          <p:contentPart p14:bwMode="auto" r:id="rId4">
-            <p14:nvContentPartPr>
-              <p14:cNvPr id="41" name="Ink 40">
-                <a:extLst>
-                  <a:ext uri="{FF2B5EF4-FFF2-40B4-BE49-F238E27FC236}">
-                    <a16:creationId xmlns:a16="http://schemas.microsoft.com/office/drawing/2014/main" id="{25A3992B-63AB-4EC4-A136-673E84025D1A}"/>
-                  </a:ext>
-                </a:extLst>
-              </p14:cNvPr>
-              <p14:cNvContentPartPr/>
-              <p14:nvPr/>
-            </p14:nvContentPartPr>
-            <p14:xfrm>
-              <a:off x="4866875" y="3706765"/>
-              <a:ext cx="360" cy="360"/>
-            </p14:xfrm>
-          </p:contentPart>
-        </mc:Choice>
-        <mc:Fallback xmlns="">
-          <p:pic>
-            <p:nvPicPr>
-              <p:cNvPr id="41" name="Ink 40">
-                <a:extLst>
-                  <a:ext uri="{FF2B5EF4-FFF2-40B4-BE49-F238E27FC236}">
-                    <a16:creationId xmlns:a16="http://schemas.microsoft.com/office/drawing/2014/main" id="{25A3992B-63AB-4EC4-A136-673E84025D1A}"/>
-                  </a:ext>
-                </a:extLst>
-              </p:cNvPr>
-              <p:cNvPicPr/>
-              <p:nvPr/>
-            </p:nvPicPr>
-            <p:blipFill>
-              <a:blip r:embed="rId5"/>
-              <a:stretch>
-                <a:fillRect/>
-              </a:stretch>
-            </p:blipFill>
-            <p:spPr>
-              <a:xfrm>
-                <a:off x="4860755" y="3700645"/>
-                <a:ext cx="12600" cy="12600"/>
-              </a:xfrm>
-              <a:prstGeom prst="rect">
-                <a:avLst/>
-              </a:prstGeom>
-            </p:spPr>
-          </p:pic>
-        </mc:Fallback>
-      </mc:AlternateContent>
-      <mc:AlternateContent xmlns:mc="http://schemas.openxmlformats.org/markup-compatibility/2006" xmlns:p14="http://schemas.microsoft.com/office/powerpoint/2010/main">
-        <mc:Choice Requires="p14">
-          <p:contentPart p14:bwMode="auto" r:id="rId6">
-            <p14:nvContentPartPr>
-              <p14:cNvPr id="56" name="Ink 55">
-                <a:extLst>
-                  <a:ext uri="{FF2B5EF4-FFF2-40B4-BE49-F238E27FC236}">
-                    <a16:creationId xmlns:a16="http://schemas.microsoft.com/office/drawing/2014/main" id="{26CC177E-A2C5-496E-A299-450133D870D6}"/>
-                  </a:ext>
-                </a:extLst>
-              </p14:cNvPr>
-              <p14:cNvContentPartPr/>
-              <p14:nvPr/>
-            </p14:nvContentPartPr>
-            <p14:xfrm>
-              <a:off x="4935635" y="3726565"/>
-              <a:ext cx="198000" cy="147600"/>
-            </p14:xfrm>
-          </p:contentPart>
-        </mc:Choice>
-        <mc:Fallback xmlns="">
-          <p:pic>
-            <p:nvPicPr>
-              <p:cNvPr id="56" name="Ink 55">
-                <a:extLst>
-                  <a:ext uri="{FF2B5EF4-FFF2-40B4-BE49-F238E27FC236}">
-                    <a16:creationId xmlns:a16="http://schemas.microsoft.com/office/drawing/2014/main" id="{26CC177E-A2C5-496E-A299-450133D870D6}"/>
-                  </a:ext>
-                </a:extLst>
-              </p:cNvPr>
-              <p:cNvPicPr/>
-              <p:nvPr/>
-            </p:nvPicPr>
-            <p:blipFill>
-              <a:blip r:embed="rId7"/>
-              <a:stretch>
-                <a:fillRect/>
-              </a:stretch>
-            </p:blipFill>
-            <p:spPr>
-              <a:xfrm>
-                <a:off x="4929515" y="3720445"/>
-                <a:ext cx="210240" cy="159840"/>
-              </a:xfrm>
-              <a:prstGeom prst="rect">
-                <a:avLst/>
-              </a:prstGeom>
-            </p:spPr>
-          </p:pic>
-        </mc:Fallback>
-      </mc:AlternateContent>
-      <p:sp>
-        <p:nvSpPr>
-          <p:cNvPr id="62" name="Rectangle 8">
-            <a:extLst>
-              <a:ext uri="{FF2B5EF4-FFF2-40B4-BE49-F238E27FC236}">
-                <a16:creationId xmlns:a16="http://schemas.microsoft.com/office/drawing/2014/main" id="{DB3A1DB6-01EC-47D8-BF4E-3F78F363C68D}"/>
-              </a:ext>
-            </a:extLst>
-          </p:cNvPr>
-          <p:cNvSpPr/>
-          <p:nvPr/>
-        </p:nvSpPr>
-        <p:spPr>
-          <a:xfrm>
-            <a:off x="5731224" y="2357308"/>
-            <a:ext cx="1346108" cy="350592"/>
-          </a:xfrm>
-          <a:prstGeom prst="rect">
-            <a:avLst/>
-          </a:prstGeom>
-          <a:ln w="19050"/>
-          <a:effectLst/>
-        </p:spPr>
-        <p:style>
-          <a:lnRef idx="1">
-            <a:schemeClr val="accent6"/>
-          </a:lnRef>
-          <a:fillRef idx="2">
-            <a:schemeClr val="accent6"/>
-          </a:fillRef>
-          <a:effectRef idx="1">
-            <a:schemeClr val="accent6"/>
-          </a:effectRef>
-          <a:fontRef idx="minor">
-            <a:schemeClr val="dk1"/>
-          </a:fontRef>
-        </p:style>
-        <p:txBody>
-          <a:bodyPr rtlCol="0" anchor="ctr"/>
-          <a:lstStyle/>
-          <a:p>
-            <a:pPr algn="ctr"/>
-            <a:r>
-              <a:rPr lang="en-US" sz="1050" b="1" dirty="0" err="1">
-                <a:solidFill>
-                  <a:schemeClr val="accent6">
-                    <a:lumMod val="75000"/>
-                  </a:schemeClr>
-                </a:solidFill>
-              </a:rPr>
-              <a:t>XmlAdaptedRemark</a:t>
-            </a:r>
-            <a:endParaRPr lang="en-SG" sz="1050" b="1" dirty="0">
-              <a:solidFill>
-                <a:schemeClr val="accent6">
-                  <a:lumMod val="75000"/>
-                </a:schemeClr>
-              </a:solidFill>
-            </a:endParaRPr>
-          </a:p>
-        </p:txBody>
-      </p:sp>
-      <p:sp>
-        <p:nvSpPr>
-          <p:cNvPr id="34" name="Rectangle 8">
-            <a:extLst>
-              <a:ext uri="{FF2B5EF4-FFF2-40B4-BE49-F238E27FC236}">
-                <a16:creationId xmlns:a16="http://schemas.microsoft.com/office/drawing/2014/main" id="{BDE6DCB7-FA25-4282-949A-5EEDA9F99B62}"/>
-              </a:ext>
-            </a:extLst>
-          </p:cNvPr>
-          <p:cNvSpPr/>
-          <p:nvPr/>
-        </p:nvSpPr>
-        <p:spPr>
-          <a:xfrm>
-            <a:off x="5782395" y="4207688"/>
-            <a:ext cx="1346108" cy="350592"/>
-          </a:xfrm>
-          <a:prstGeom prst="rect">
-            <a:avLst/>
-          </a:prstGeom>
-          <a:ln w="19050"/>
-          <a:effectLst/>
-        </p:spPr>
-        <p:style>
-          <a:lnRef idx="1">
-            <a:schemeClr val="accent6"/>
-          </a:lnRef>
-          <a:fillRef idx="2">
-            <a:schemeClr val="accent6"/>
-          </a:fillRef>
-          <a:effectRef idx="1">
-            <a:schemeClr val="accent6"/>
-          </a:effectRef>
-          <a:fontRef idx="minor">
-            <a:schemeClr val="dk1"/>
-          </a:fontRef>
-        </p:style>
-        <p:txBody>
-          <a:bodyPr rtlCol="0" anchor="ctr"/>
-          <a:lstStyle/>
-          <a:p>
-            <a:pPr algn="ctr"/>
-            <a:r>
-              <a:rPr lang="en-US" sz="1050" b="1" dirty="0" err="1">
-                <a:solidFill>
-                  <a:schemeClr val="accent6">
-                    <a:lumMod val="75000"/>
-                  </a:schemeClr>
-                </a:solidFill>
-              </a:rPr>
-              <a:t>XmlAdaptedURL</a:t>
-            </a:r>
-            <a:endParaRPr lang="en-SG" sz="1050" b="1" dirty="0">
-              <a:solidFill>
-                <a:schemeClr val="accent6">
-                  <a:lumMod val="75000"/>
-                </a:schemeClr>
-              </a:solidFill>
-            </a:endParaRPr>
-          </a:p>
-        </p:txBody>
-      </p:sp>
-      <p:cxnSp>
-        <p:nvCxnSpPr>
-          <p:cNvPr id="35" name="Elbow Connector 122">
-            <a:extLst>
-              <a:ext uri="{FF2B5EF4-FFF2-40B4-BE49-F238E27FC236}">
-                <a16:creationId xmlns:a16="http://schemas.microsoft.com/office/drawing/2014/main" id="{6FCE1030-78D5-49A6-AF9B-C3FCBE295FA0}"/>
-              </a:ext>
-            </a:extLst>
-          </p:cNvPr>
-          <p:cNvCxnSpPr>
-            <a:cxnSpLocks/>
-            <a:endCxn id="34" idx="0"/>
-          </p:cNvCxnSpPr>
-          <p:nvPr/>
-        </p:nvCxnSpPr>
-        <p:spPr>
-          <a:xfrm rot="10800000" flipV="1">
-            <a:off x="6455450" y="3577170"/>
-            <a:ext cx="930317" cy="630518"/>
-          </a:xfrm>
-          <a:prstGeom prst="bentConnector2">
-            <a:avLst/>
-          </a:prstGeom>
-          <a:ln w="19050">
-            <a:prstDash val="sysDot"/>
-            <a:headEnd type="none" w="med" len="med"/>
-            <a:tailEnd type="arrow" w="med" len="med"/>
-          </a:ln>
-          <a:effectLst/>
-        </p:spPr>
-        <p:style>
-          <a:lnRef idx="1">
-            <a:schemeClr val="accent6"/>
-          </a:lnRef>
-          <a:fillRef idx="2">
-            <a:schemeClr val="accent6"/>
-          </a:fillRef>
-          <a:effectRef idx="1">
-            <a:schemeClr val="accent6"/>
-          </a:effectRef>
-          <a:fontRef idx="minor">
-            <a:schemeClr val="dk1"/>
-          </a:fontRef>
-        </p:style>
-      </p:cxnSp>
-      <p:cxnSp>
-        <p:nvCxnSpPr>
-          <p:cNvPr id="33" name="Connector: Elbow 32">
-            <a:extLst>
-              <a:ext uri="{FF2B5EF4-FFF2-40B4-BE49-F238E27FC236}">
-                <a16:creationId xmlns:a16="http://schemas.microsoft.com/office/drawing/2014/main" id="{B678C7D8-8C59-48BD-8FE4-1DA6A4CB7DA9}"/>
-              </a:ext>
-            </a:extLst>
-          </p:cNvPr>
-          <p:cNvCxnSpPr>
-            <a:cxnSpLocks/>
-            <a:stCxn id="13" idx="2"/>
-            <a:endCxn id="42" idx="0"/>
-          </p:cNvCxnSpPr>
-          <p:nvPr/>
-        </p:nvCxnSpPr>
-        <p:spPr>
-          <a:xfrm rot="5400000">
-            <a:off x="3714338" y="2930942"/>
-            <a:ext cx="360205" cy="1450757"/>
-          </a:xfrm>
-          <a:prstGeom prst="bentConnector3">
-            <a:avLst>
-              <a:gd name="adj1" fmla="val 50000"/>
-            </a:avLst>
-          </a:prstGeom>
-          <a:ln w="9525" cap="flat" cmpd="sng" algn="ctr">
-            <a:solidFill>
-              <a:schemeClr val="accent6"/>
-            </a:solidFill>
-            <a:prstDash val="dash"/>
-            <a:round/>
-            <a:headEnd type="none" w="med" len="med"/>
-            <a:tailEnd type="none" w="med" len="med"/>
-          </a:ln>
-        </p:spPr>
-        <p:style>
-          <a:lnRef idx="0">
-            <a:scrgbClr r="0" g="0" b="0"/>
-          </a:lnRef>
-          <a:fillRef idx="0">
-            <a:scrgbClr r="0" g="0" b="0"/>
-          </a:fillRef>
-          <a:effectRef idx="0">
-            <a:scrgbClr r="0" g="0" b="0"/>
-          </a:effectRef>
-          <a:fontRef idx="minor">
-            <a:schemeClr val="tx1"/>
-          </a:fontRef>
-        </p:style>
-      </p:cxnSp>
-      <p:sp>
-        <p:nvSpPr>
-          <p:cNvPr id="42" name="Rectangle 8">
-            <a:extLst>
-              <a:ext uri="{FF2B5EF4-FFF2-40B4-BE49-F238E27FC236}">
-                <a16:creationId xmlns:a16="http://schemas.microsoft.com/office/drawing/2014/main" id="{BE411BDB-F8B3-4053-A484-7280EA6CEA17}"/>
-              </a:ext>
-            </a:extLst>
-          </p:cNvPr>
-          <p:cNvSpPr/>
-          <p:nvPr/>
-        </p:nvSpPr>
-        <p:spPr>
-          <a:xfrm>
-            <a:off x="2233858" y="3836423"/>
-            <a:ext cx="1870406" cy="283620"/>
-          </a:xfrm>
-          <a:prstGeom prst="rect">
-            <a:avLst/>
-          </a:prstGeom>
-          <a:ln w="19050"/>
-          <a:effectLst/>
-        </p:spPr>
-        <p:style>
-          <a:lnRef idx="1">
-            <a:schemeClr val="accent6"/>
-          </a:lnRef>
-          <a:fillRef idx="2">
-            <a:schemeClr val="accent6"/>
-          </a:fillRef>
-          <a:effectRef idx="1">
-            <a:schemeClr val="accent6"/>
-          </a:effectRef>
-          <a:fontRef idx="minor">
-            <a:schemeClr val="dk1"/>
-          </a:fontRef>
-        </p:style>
-        <p:txBody>
-          <a:bodyPr rtlCol="0" anchor="ctr"/>
-          <a:lstStyle/>
-          <a:p>
-            <a:pPr algn="ctr"/>
-            <a:r>
-              <a:rPr lang="en-US" sz="1050" b="1" dirty="0" err="1">
-                <a:solidFill>
-                  <a:schemeClr val="accent6">
-                    <a:lumMod val="75000"/>
-                  </a:schemeClr>
-                </a:solidFill>
-              </a:rPr>
-              <a:t>XmlWishTransactions</a:t>
-            </a:r>
-            <a:endParaRPr lang="en-SG" sz="1050" b="1" dirty="0">
-              <a:solidFill>
-                <a:schemeClr val="accent6">
-                  <a:lumMod val="75000"/>
-                </a:schemeClr>
-              </a:solidFill>
-            </a:endParaRPr>
-          </a:p>
-        </p:txBody>
-      </p:sp>
-      <mc:AlternateContent xmlns:mc="http://schemas.openxmlformats.org/markup-compatibility/2006">
-        <mc:Choice xmlns:p14="http://schemas.microsoft.com/office/powerpoint/2010/main" Requires="p14">
-          <p:contentPart p14:bwMode="auto" r:id="rId8">
-            <p14:nvContentPartPr>
-              <p14:cNvPr id="44" name="Ink 43">
-                <a:extLst>
-                  <a:ext uri="{FF2B5EF4-FFF2-40B4-BE49-F238E27FC236}">
-                    <a16:creationId xmlns:a16="http://schemas.microsoft.com/office/drawing/2014/main" id="{97E62B3A-F7B6-4465-B7C9-A6D12BA30A44}"/>
-                  </a:ext>
-                </a:extLst>
-              </p14:cNvPr>
-              <p14:cNvContentPartPr/>
-              <p14:nvPr/>
-            </p14:nvContentPartPr>
-            <p14:xfrm>
-              <a:off x="3124753" y="3713150"/>
-              <a:ext cx="111960" cy="111960"/>
-            </p14:xfrm>
-          </p:contentPart>
-        </mc:Choice>
-        <mc:Fallback>
-          <p:pic>
-            <p:nvPicPr>
-              <p:cNvPr id="44" name="Ink 43">
-                <a:extLst>
-                  <a:ext uri="{FF2B5EF4-FFF2-40B4-BE49-F238E27FC236}">
-                    <a16:creationId xmlns:a16="http://schemas.microsoft.com/office/drawing/2014/main" id="{97E62B3A-F7B6-4465-B7C9-A6D12BA30A44}"/>
-                  </a:ext>
-                </a:extLst>
-              </p:cNvPr>
-              <p:cNvPicPr/>
-              <p:nvPr/>
-            </p:nvPicPr>
-            <p:blipFill>
-              <a:blip r:embed="rId9"/>
-              <a:stretch>
-                <a:fillRect/>
-              </a:stretch>
-            </p:blipFill>
-            <p:spPr>
-              <a:xfrm>
-                <a:off x="3118633" y="3707030"/>
-                <a:ext cx="124200" cy="124200"/>
-              </a:xfrm>
-              <a:prstGeom prst="rect">
-                <a:avLst/>
-              </a:prstGeom>
-            </p:spPr>
-          </p:pic>
-        </mc:Fallback>
-      </mc:AlternateContent>
+      </p:pic>
     </p:spTree>
     <p:extLst>
       <p:ext uri="{BB962C8B-B14F-4D97-AF65-F5344CB8AC3E}">

--- a/docs/diagrams/StorageComponentClassDiagram.pptx
+++ b/docs/diagrams/StorageComponentClassDiagram.pptx
@@ -107,6 +107,22 @@
       </a:defRPr>
     </a:lvl9pPr>
   </p:defaultTextStyle>
+  <p:extLst>
+    <p:ext uri="{EFAFB233-063F-42B5-8137-9DF3F51BA10A}">
+      <p15:sldGuideLst xmlns:p15="http://schemas.microsoft.com/office/powerpoint/2012/main">
+        <p15:guide id="1" orient="horz" pos="1488">
+          <p15:clr>
+            <a:srgbClr val="A4A3A4"/>
+          </p15:clr>
+        </p15:guide>
+        <p15:guide id="2" pos="2880">
+          <p15:clr>
+            <a:srgbClr val="A4A3A4"/>
+          </p15:clr>
+        </p15:guide>
+      </p15:sldGuideLst>
+    </p:ext>
+  </p:extLst>
 </p:presentation>
 </file>
 
@@ -192,7 +208,7 @@
           <a:p>
             <a:fld id="{F5CC4B3F-88C1-4FFA-B1B6-F41C21DC6924}" type="datetimeFigureOut">
               <a:rPr lang="en-US" smtClean="0"/>
-              <a:t>10/16/2016</a:t>
+              <a:t>11/6/2018</a:t>
             </a:fld>
             <a:endParaRPr lang="en-US"/>
           </a:p>
@@ -256,38 +272,37 @@
           <a:p>
             <a:pPr lvl="0"/>
             <a:r>
-              <a:rPr lang="en-US" smtClean="0"/>
+              <a:rPr lang="en-US"/>
               <a:t>Click to edit Master text styles</a:t>
             </a:r>
           </a:p>
           <a:p>
             <a:pPr lvl="1"/>
             <a:r>
-              <a:rPr lang="en-US" smtClean="0"/>
+              <a:rPr lang="en-US"/>
               <a:t>Second level</a:t>
             </a:r>
           </a:p>
           <a:p>
             <a:pPr lvl="2"/>
             <a:r>
-              <a:rPr lang="en-US" smtClean="0"/>
+              <a:rPr lang="en-US"/>
               <a:t>Third level</a:t>
             </a:r>
           </a:p>
           <a:p>
             <a:pPr lvl="3"/>
             <a:r>
-              <a:rPr lang="en-US" smtClean="0"/>
+              <a:rPr lang="en-US"/>
               <a:t>Fourth level</a:t>
             </a:r>
           </a:p>
           <a:p>
             <a:pPr lvl="4"/>
             <a:r>
-              <a:rPr lang="en-US" smtClean="0"/>
+              <a:rPr lang="en-US"/>
               <a:t>Fifth level</a:t>
             </a:r>
-            <a:endParaRPr lang="en-US"/>
           </a:p>
         </p:txBody>
       </p:sp>
@@ -498,10 +513,9 @@
           <a:lstStyle/>
           <a:p>
             <a:r>
-              <a:rPr lang="en-US" smtClean="0"/>
+              <a:rPr lang="en-US"/>
               <a:t>Click to edit Master title style</a:t>
             </a:r>
-            <a:endParaRPr lang="en-US"/>
           </a:p>
         </p:txBody>
       </p:sp>
@@ -617,10 +631,9 @@
           </a:lstStyle>
           <a:p>
             <a:r>
-              <a:rPr lang="en-US" smtClean="0"/>
+              <a:rPr lang="en-US"/>
               <a:t>Click to edit Master subtitle style</a:t>
             </a:r>
-            <a:endParaRPr lang="en-US"/>
           </a:p>
         </p:txBody>
       </p:sp>
@@ -641,7 +654,7 @@
           <a:p>
             <a:fld id="{78C97017-6FC3-485B-9764-EAC9E56C1D49}" type="datetimeFigureOut">
               <a:rPr lang="en-US" smtClean="0"/>
-              <a:t>10/16/2016</a:t>
+              <a:t>11/6/2018</a:t>
             </a:fld>
             <a:endParaRPr lang="en-US"/>
           </a:p>
@@ -735,10 +748,9 @@
           <a:lstStyle/>
           <a:p>
             <a:r>
-              <a:rPr lang="en-US" smtClean="0"/>
+              <a:rPr lang="en-US"/>
               <a:t>Click to edit Master title style</a:t>
             </a:r>
-            <a:endParaRPr lang="en-US"/>
           </a:p>
         </p:txBody>
       </p:sp>
@@ -759,38 +771,37 @@
           <a:p>
             <a:pPr lvl="0"/>
             <a:r>
-              <a:rPr lang="en-US" smtClean="0"/>
+              <a:rPr lang="en-US"/>
               <a:t>Click to edit Master text styles</a:t>
             </a:r>
           </a:p>
           <a:p>
             <a:pPr lvl="1"/>
             <a:r>
-              <a:rPr lang="en-US" smtClean="0"/>
+              <a:rPr lang="en-US"/>
               <a:t>Second level</a:t>
             </a:r>
           </a:p>
           <a:p>
             <a:pPr lvl="2"/>
             <a:r>
-              <a:rPr lang="en-US" smtClean="0"/>
+              <a:rPr lang="en-US"/>
               <a:t>Third level</a:t>
             </a:r>
           </a:p>
           <a:p>
             <a:pPr lvl="3"/>
             <a:r>
-              <a:rPr lang="en-US" smtClean="0"/>
+              <a:rPr lang="en-US"/>
               <a:t>Fourth level</a:t>
             </a:r>
           </a:p>
           <a:p>
             <a:pPr lvl="4"/>
             <a:r>
-              <a:rPr lang="en-US" smtClean="0"/>
+              <a:rPr lang="en-US"/>
               <a:t>Fifth level</a:t>
             </a:r>
-            <a:endParaRPr lang="en-US"/>
           </a:p>
         </p:txBody>
       </p:sp>
@@ -811,7 +822,7 @@
           <a:p>
             <a:fld id="{78C97017-6FC3-485B-9764-EAC9E56C1D49}" type="datetimeFigureOut">
               <a:rPr lang="en-US" smtClean="0"/>
-              <a:t>10/16/2016</a:t>
+              <a:t>11/6/2018</a:t>
             </a:fld>
             <a:endParaRPr lang="en-US"/>
           </a:p>
@@ -910,10 +921,9 @@
           <a:lstStyle/>
           <a:p>
             <a:r>
-              <a:rPr lang="en-US" smtClean="0"/>
+              <a:rPr lang="en-US"/>
               <a:t>Click to edit Master title style</a:t>
             </a:r>
-            <a:endParaRPr lang="en-US"/>
           </a:p>
         </p:txBody>
       </p:sp>
@@ -939,38 +949,37 @@
           <a:p>
             <a:pPr lvl="0"/>
             <a:r>
-              <a:rPr lang="en-US" smtClean="0"/>
+              <a:rPr lang="en-US"/>
               <a:t>Click to edit Master text styles</a:t>
             </a:r>
           </a:p>
           <a:p>
             <a:pPr lvl="1"/>
             <a:r>
-              <a:rPr lang="en-US" smtClean="0"/>
+              <a:rPr lang="en-US"/>
               <a:t>Second level</a:t>
             </a:r>
           </a:p>
           <a:p>
             <a:pPr lvl="2"/>
             <a:r>
-              <a:rPr lang="en-US" smtClean="0"/>
+              <a:rPr lang="en-US"/>
               <a:t>Third level</a:t>
             </a:r>
           </a:p>
           <a:p>
             <a:pPr lvl="3"/>
             <a:r>
-              <a:rPr lang="en-US" smtClean="0"/>
+              <a:rPr lang="en-US"/>
               <a:t>Fourth level</a:t>
             </a:r>
           </a:p>
           <a:p>
             <a:pPr lvl="4"/>
             <a:r>
-              <a:rPr lang="en-US" smtClean="0"/>
+              <a:rPr lang="en-US"/>
               <a:t>Fifth level</a:t>
             </a:r>
-            <a:endParaRPr lang="en-US"/>
           </a:p>
         </p:txBody>
       </p:sp>
@@ -991,7 +1000,7 @@
           <a:p>
             <a:fld id="{78C97017-6FC3-485B-9764-EAC9E56C1D49}" type="datetimeFigureOut">
               <a:rPr lang="en-US" smtClean="0"/>
-              <a:t>10/16/2016</a:t>
+              <a:t>11/6/2018</a:t>
             </a:fld>
             <a:endParaRPr lang="en-US"/>
           </a:p>
@@ -1085,10 +1094,9 @@
           <a:lstStyle/>
           <a:p>
             <a:r>
-              <a:rPr lang="en-US" smtClean="0"/>
+              <a:rPr lang="en-US"/>
               <a:t>Click to edit Master title style</a:t>
             </a:r>
-            <a:endParaRPr lang="en-US"/>
           </a:p>
         </p:txBody>
       </p:sp>
@@ -1109,38 +1117,37 @@
           <a:p>
             <a:pPr lvl="0"/>
             <a:r>
-              <a:rPr lang="en-US" smtClean="0"/>
+              <a:rPr lang="en-US"/>
               <a:t>Click to edit Master text styles</a:t>
             </a:r>
           </a:p>
           <a:p>
             <a:pPr lvl="1"/>
             <a:r>
-              <a:rPr lang="en-US" smtClean="0"/>
+              <a:rPr lang="en-US"/>
               <a:t>Second level</a:t>
             </a:r>
           </a:p>
           <a:p>
             <a:pPr lvl="2"/>
             <a:r>
-              <a:rPr lang="en-US" smtClean="0"/>
+              <a:rPr lang="en-US"/>
               <a:t>Third level</a:t>
             </a:r>
           </a:p>
           <a:p>
             <a:pPr lvl="3"/>
             <a:r>
-              <a:rPr lang="en-US" smtClean="0"/>
+              <a:rPr lang="en-US"/>
               <a:t>Fourth level</a:t>
             </a:r>
           </a:p>
           <a:p>
             <a:pPr lvl="4"/>
             <a:r>
-              <a:rPr lang="en-US" smtClean="0"/>
+              <a:rPr lang="en-US"/>
               <a:t>Fifth level</a:t>
             </a:r>
-            <a:endParaRPr lang="en-US"/>
           </a:p>
         </p:txBody>
       </p:sp>
@@ -1161,7 +1168,7 @@
           <a:p>
             <a:fld id="{78C97017-6FC3-485B-9764-EAC9E56C1D49}" type="datetimeFigureOut">
               <a:rPr lang="en-US" smtClean="0"/>
-              <a:t>10/16/2016</a:t>
+              <a:t>11/6/2018</a:t>
             </a:fld>
             <a:endParaRPr lang="en-US"/>
           </a:p>
@@ -1264,10 +1271,9 @@
           </a:lstStyle>
           <a:p>
             <a:r>
-              <a:rPr lang="en-US" smtClean="0"/>
+              <a:rPr lang="en-US"/>
               <a:t>Click to edit Master title style</a:t>
             </a:r>
-            <a:endParaRPr lang="en-US"/>
           </a:p>
         </p:txBody>
       </p:sp>
@@ -1384,7 +1390,7 @@
           <a:p>
             <a:pPr lvl="0"/>
             <a:r>
-              <a:rPr lang="en-US" smtClean="0"/>
+              <a:rPr lang="en-US"/>
               <a:t>Click to edit Master text styles</a:t>
             </a:r>
           </a:p>
@@ -1407,7 +1413,7 @@
           <a:p>
             <a:fld id="{78C97017-6FC3-485B-9764-EAC9E56C1D49}" type="datetimeFigureOut">
               <a:rPr lang="en-US" smtClean="0"/>
-              <a:t>10/16/2016</a:t>
+              <a:t>11/6/2018</a:t>
             </a:fld>
             <a:endParaRPr lang="en-US"/>
           </a:p>
@@ -1501,10 +1507,9 @@
           <a:lstStyle/>
           <a:p>
             <a:r>
-              <a:rPr lang="en-US" smtClean="0"/>
+              <a:rPr lang="en-US"/>
               <a:t>Click to edit Master title style</a:t>
             </a:r>
-            <a:endParaRPr lang="en-US"/>
           </a:p>
         </p:txBody>
       </p:sp>
@@ -1558,38 +1563,37 @@
           <a:p>
             <a:pPr lvl="0"/>
             <a:r>
-              <a:rPr lang="en-US" smtClean="0"/>
+              <a:rPr lang="en-US"/>
               <a:t>Click to edit Master text styles</a:t>
             </a:r>
           </a:p>
           <a:p>
             <a:pPr lvl="1"/>
             <a:r>
-              <a:rPr lang="en-US" smtClean="0"/>
+              <a:rPr lang="en-US"/>
               <a:t>Second level</a:t>
             </a:r>
           </a:p>
           <a:p>
             <a:pPr lvl="2"/>
             <a:r>
-              <a:rPr lang="en-US" smtClean="0"/>
+              <a:rPr lang="en-US"/>
               <a:t>Third level</a:t>
             </a:r>
           </a:p>
           <a:p>
             <a:pPr lvl="3"/>
             <a:r>
-              <a:rPr lang="en-US" smtClean="0"/>
+              <a:rPr lang="en-US"/>
               <a:t>Fourth level</a:t>
             </a:r>
           </a:p>
           <a:p>
             <a:pPr lvl="4"/>
             <a:r>
-              <a:rPr lang="en-US" smtClean="0"/>
+              <a:rPr lang="en-US"/>
               <a:t>Fifth level</a:t>
             </a:r>
-            <a:endParaRPr lang="en-US"/>
           </a:p>
         </p:txBody>
       </p:sp>
@@ -1643,38 +1647,37 @@
           <a:p>
             <a:pPr lvl="0"/>
             <a:r>
-              <a:rPr lang="en-US" smtClean="0"/>
+              <a:rPr lang="en-US"/>
               <a:t>Click to edit Master text styles</a:t>
             </a:r>
           </a:p>
           <a:p>
             <a:pPr lvl="1"/>
             <a:r>
-              <a:rPr lang="en-US" smtClean="0"/>
+              <a:rPr lang="en-US"/>
               <a:t>Second level</a:t>
             </a:r>
           </a:p>
           <a:p>
             <a:pPr lvl="2"/>
             <a:r>
-              <a:rPr lang="en-US" smtClean="0"/>
+              <a:rPr lang="en-US"/>
               <a:t>Third level</a:t>
             </a:r>
           </a:p>
           <a:p>
             <a:pPr lvl="3"/>
             <a:r>
-              <a:rPr lang="en-US" smtClean="0"/>
+              <a:rPr lang="en-US"/>
               <a:t>Fourth level</a:t>
             </a:r>
           </a:p>
           <a:p>
             <a:pPr lvl="4"/>
             <a:r>
-              <a:rPr lang="en-US" smtClean="0"/>
+              <a:rPr lang="en-US"/>
               <a:t>Fifth level</a:t>
             </a:r>
-            <a:endParaRPr lang="en-US"/>
           </a:p>
         </p:txBody>
       </p:sp>
@@ -1695,7 +1698,7 @@
           <a:p>
             <a:fld id="{78C97017-6FC3-485B-9764-EAC9E56C1D49}" type="datetimeFigureOut">
               <a:rPr lang="en-US" smtClean="0"/>
-              <a:t>10/16/2016</a:t>
+              <a:t>11/6/2018</a:t>
             </a:fld>
             <a:endParaRPr lang="en-US"/>
           </a:p>
@@ -1793,10 +1796,9 @@
           </a:lstStyle>
           <a:p>
             <a:r>
-              <a:rPr lang="en-US" smtClean="0"/>
+              <a:rPr lang="en-US"/>
               <a:t>Click to edit Master title style</a:t>
             </a:r>
-            <a:endParaRPr lang="en-US"/>
           </a:p>
         </p:txBody>
       </p:sp>
@@ -1859,7 +1861,7 @@
           <a:p>
             <a:pPr lvl="0"/>
             <a:r>
-              <a:rPr lang="en-US" smtClean="0"/>
+              <a:rPr lang="en-US"/>
               <a:t>Click to edit Master text styles</a:t>
             </a:r>
           </a:p>
@@ -1915,38 +1917,37 @@
           <a:p>
             <a:pPr lvl="0"/>
             <a:r>
-              <a:rPr lang="en-US" smtClean="0"/>
+              <a:rPr lang="en-US"/>
               <a:t>Click to edit Master text styles</a:t>
             </a:r>
           </a:p>
           <a:p>
             <a:pPr lvl="1"/>
             <a:r>
-              <a:rPr lang="en-US" smtClean="0"/>
+              <a:rPr lang="en-US"/>
               <a:t>Second level</a:t>
             </a:r>
           </a:p>
           <a:p>
             <a:pPr lvl="2"/>
             <a:r>
-              <a:rPr lang="en-US" smtClean="0"/>
+              <a:rPr lang="en-US"/>
               <a:t>Third level</a:t>
             </a:r>
           </a:p>
           <a:p>
             <a:pPr lvl="3"/>
             <a:r>
-              <a:rPr lang="en-US" smtClean="0"/>
+              <a:rPr lang="en-US"/>
               <a:t>Fourth level</a:t>
             </a:r>
           </a:p>
           <a:p>
             <a:pPr lvl="4"/>
             <a:r>
-              <a:rPr lang="en-US" smtClean="0"/>
+              <a:rPr lang="en-US"/>
               <a:t>Fifth level</a:t>
             </a:r>
-            <a:endParaRPr lang="en-US"/>
           </a:p>
         </p:txBody>
       </p:sp>
@@ -2009,7 +2010,7 @@
           <a:p>
             <a:pPr lvl="0"/>
             <a:r>
-              <a:rPr lang="en-US" smtClean="0"/>
+              <a:rPr lang="en-US"/>
               <a:t>Click to edit Master text styles</a:t>
             </a:r>
           </a:p>
@@ -2065,38 +2066,37 @@
           <a:p>
             <a:pPr lvl="0"/>
             <a:r>
-              <a:rPr lang="en-US" smtClean="0"/>
+              <a:rPr lang="en-US"/>
               <a:t>Click to edit Master text styles</a:t>
             </a:r>
           </a:p>
           <a:p>
             <a:pPr lvl="1"/>
             <a:r>
-              <a:rPr lang="en-US" smtClean="0"/>
+              <a:rPr lang="en-US"/>
               <a:t>Second level</a:t>
             </a:r>
           </a:p>
           <a:p>
             <a:pPr lvl="2"/>
             <a:r>
-              <a:rPr lang="en-US" smtClean="0"/>
+              <a:rPr lang="en-US"/>
               <a:t>Third level</a:t>
             </a:r>
           </a:p>
           <a:p>
             <a:pPr lvl="3"/>
             <a:r>
-              <a:rPr lang="en-US" smtClean="0"/>
+              <a:rPr lang="en-US"/>
               <a:t>Fourth level</a:t>
             </a:r>
           </a:p>
           <a:p>
             <a:pPr lvl="4"/>
             <a:r>
-              <a:rPr lang="en-US" smtClean="0"/>
+              <a:rPr lang="en-US"/>
               <a:t>Fifth level</a:t>
             </a:r>
-            <a:endParaRPr lang="en-US"/>
           </a:p>
         </p:txBody>
       </p:sp>
@@ -2117,7 +2117,7 @@
           <a:p>
             <a:fld id="{78C97017-6FC3-485B-9764-EAC9E56C1D49}" type="datetimeFigureOut">
               <a:rPr lang="en-US" smtClean="0"/>
-              <a:t>10/16/2016</a:t>
+              <a:t>11/6/2018</a:t>
             </a:fld>
             <a:endParaRPr lang="en-US"/>
           </a:p>
@@ -2211,10 +2211,9 @@
           <a:lstStyle/>
           <a:p>
             <a:r>
-              <a:rPr lang="en-US" smtClean="0"/>
+              <a:rPr lang="en-US"/>
               <a:t>Click to edit Master title style</a:t>
             </a:r>
-            <a:endParaRPr lang="en-US"/>
           </a:p>
         </p:txBody>
       </p:sp>
@@ -2235,7 +2234,7 @@
           <a:p>
             <a:fld id="{78C97017-6FC3-485B-9764-EAC9E56C1D49}" type="datetimeFigureOut">
               <a:rPr lang="en-US" smtClean="0"/>
-              <a:t>10/16/2016</a:t>
+              <a:t>11/6/2018</a:t>
             </a:fld>
             <a:endParaRPr lang="en-US"/>
           </a:p>
@@ -2330,7 +2329,7 @@
           <a:p>
             <a:fld id="{78C97017-6FC3-485B-9764-EAC9E56C1D49}" type="datetimeFigureOut">
               <a:rPr lang="en-US" smtClean="0"/>
-              <a:t>10/16/2016</a:t>
+              <a:t>11/6/2018</a:t>
             </a:fld>
             <a:endParaRPr lang="en-US"/>
           </a:p>
@@ -2433,10 +2432,9 @@
           </a:lstStyle>
           <a:p>
             <a:r>
-              <a:rPr lang="en-US" smtClean="0"/>
+              <a:rPr lang="en-US"/>
               <a:t>Click to edit Master title style</a:t>
             </a:r>
-            <a:endParaRPr lang="en-US"/>
           </a:p>
         </p:txBody>
       </p:sp>
@@ -2490,38 +2488,37 @@
           <a:p>
             <a:pPr lvl="0"/>
             <a:r>
-              <a:rPr lang="en-US" smtClean="0"/>
+              <a:rPr lang="en-US"/>
               <a:t>Click to edit Master text styles</a:t>
             </a:r>
           </a:p>
           <a:p>
             <a:pPr lvl="1"/>
             <a:r>
-              <a:rPr lang="en-US" smtClean="0"/>
+              <a:rPr lang="en-US"/>
               <a:t>Second level</a:t>
             </a:r>
           </a:p>
           <a:p>
             <a:pPr lvl="2"/>
             <a:r>
-              <a:rPr lang="en-US" smtClean="0"/>
+              <a:rPr lang="en-US"/>
               <a:t>Third level</a:t>
             </a:r>
           </a:p>
           <a:p>
             <a:pPr lvl="3"/>
             <a:r>
-              <a:rPr lang="en-US" smtClean="0"/>
+              <a:rPr lang="en-US"/>
               <a:t>Fourth level</a:t>
             </a:r>
           </a:p>
           <a:p>
             <a:pPr lvl="4"/>
             <a:r>
-              <a:rPr lang="en-US" smtClean="0"/>
+              <a:rPr lang="en-US"/>
               <a:t>Fifth level</a:t>
             </a:r>
-            <a:endParaRPr lang="en-US"/>
           </a:p>
         </p:txBody>
       </p:sp>
@@ -2584,7 +2581,7 @@
           <a:p>
             <a:pPr lvl="0"/>
             <a:r>
-              <a:rPr lang="en-US" smtClean="0"/>
+              <a:rPr lang="en-US"/>
               <a:t>Click to edit Master text styles</a:t>
             </a:r>
           </a:p>
@@ -2607,7 +2604,7 @@
           <a:p>
             <a:fld id="{78C97017-6FC3-485B-9764-EAC9E56C1D49}" type="datetimeFigureOut">
               <a:rPr lang="en-US" smtClean="0"/>
-              <a:t>10/16/2016</a:t>
+              <a:t>11/6/2018</a:t>
             </a:fld>
             <a:endParaRPr lang="en-US"/>
           </a:p>
@@ -2710,10 +2707,9 @@
           </a:lstStyle>
           <a:p>
             <a:r>
-              <a:rPr lang="en-US" smtClean="0"/>
+              <a:rPr lang="en-US"/>
               <a:t>Click to edit Master title style</a:t>
             </a:r>
-            <a:endParaRPr lang="en-US"/>
           </a:p>
         </p:txBody>
       </p:sp>
@@ -2837,7 +2833,7 @@
           <a:p>
             <a:pPr lvl="0"/>
             <a:r>
-              <a:rPr lang="en-US" smtClean="0"/>
+              <a:rPr lang="en-US"/>
               <a:t>Click to edit Master text styles</a:t>
             </a:r>
           </a:p>
@@ -2860,7 +2856,7 @@
           <a:p>
             <a:fld id="{78C97017-6FC3-485B-9764-EAC9E56C1D49}" type="datetimeFigureOut">
               <a:rPr lang="en-US" smtClean="0"/>
-              <a:t>10/16/2016</a:t>
+              <a:t>11/6/2018</a:t>
             </a:fld>
             <a:endParaRPr lang="en-US"/>
           </a:p>
@@ -2969,10 +2965,9 @@
           <a:lstStyle/>
           <a:p>
             <a:r>
-              <a:rPr lang="en-US" smtClean="0"/>
+              <a:rPr lang="en-US"/>
               <a:t>Click to edit Master title style</a:t>
             </a:r>
-            <a:endParaRPr lang="en-US"/>
           </a:p>
         </p:txBody>
       </p:sp>
@@ -3003,38 +2998,37 @@
           <a:p>
             <a:pPr lvl="0"/>
             <a:r>
-              <a:rPr lang="en-US" smtClean="0"/>
+              <a:rPr lang="en-US"/>
               <a:t>Click to edit Master text styles</a:t>
             </a:r>
           </a:p>
           <a:p>
             <a:pPr lvl="1"/>
             <a:r>
-              <a:rPr lang="en-US" smtClean="0"/>
+              <a:rPr lang="en-US"/>
               <a:t>Second level</a:t>
             </a:r>
           </a:p>
           <a:p>
             <a:pPr lvl="2"/>
             <a:r>
-              <a:rPr lang="en-US" smtClean="0"/>
+              <a:rPr lang="en-US"/>
               <a:t>Third level</a:t>
             </a:r>
           </a:p>
           <a:p>
             <a:pPr lvl="3"/>
             <a:r>
-              <a:rPr lang="en-US" smtClean="0"/>
+              <a:rPr lang="en-US"/>
               <a:t>Fourth level</a:t>
             </a:r>
           </a:p>
           <a:p>
             <a:pPr lvl="4"/>
             <a:r>
-              <a:rPr lang="en-US" smtClean="0"/>
+              <a:rPr lang="en-US"/>
               <a:t>Fifth level</a:t>
             </a:r>
-            <a:endParaRPr lang="en-US"/>
           </a:p>
         </p:txBody>
       </p:sp>
@@ -3073,7 +3067,7 @@
           <a:p>
             <a:fld id="{78C97017-6FC3-485B-9764-EAC9E56C1D49}" type="datetimeFigureOut">
               <a:rPr lang="en-US" smtClean="0"/>
-              <a:t>10/16/2016</a:t>
+              <a:t>11/6/2018</a:t>
             </a:fld>
             <a:endParaRPr lang="en-US"/>
           </a:p>
@@ -3494,7 +3488,7 @@
           <a:lstStyle/>
           <a:p>
             <a:r>
-              <a:rPr lang="en-US" sz="1200" b="1" dirty="0" smtClean="0">
+              <a:rPr lang="en-US" sz="1200" b="1" dirty="0">
                 <a:solidFill>
                   <a:schemeClr val="accent6">
                     <a:lumMod val="75000"/>
@@ -3561,7 +3555,7 @@
           <a:p>
             <a:pPr algn="ctr"/>
             <a:r>
-              <a:rPr lang="en-US" sz="1050" dirty="0" smtClean="0">
+              <a:rPr lang="en-US" sz="1050" dirty="0">
                 <a:solidFill>
                   <a:schemeClr val="bg1"/>
                 </a:solidFill>
@@ -3569,19 +3563,19 @@
               <a:t>&lt;&lt;interface&gt;&gt;</a:t>
             </a:r>
             <a:br>
-              <a:rPr lang="en-US" sz="1050" dirty="0" smtClean="0">
+              <a:rPr lang="en-US" sz="1050" dirty="0">
                 <a:solidFill>
                   <a:schemeClr val="bg1"/>
                 </a:solidFill>
               </a:rPr>
             </a:br>
             <a:r>
-              <a:rPr lang="en-US" sz="1050" dirty="0" err="1" smtClean="0">
+              <a:rPr lang="en-US" sz="1050" dirty="0" err="1">
                 <a:solidFill>
                   <a:schemeClr val="bg1"/>
                 </a:solidFill>
               </a:rPr>
-              <a:t>AddressBookStorage</a:t>
+              <a:t>ArticleListStorage</a:t>
             </a:r>
             <a:endParaRPr lang="en-SG" sz="1050" dirty="0">
               <a:solidFill>
@@ -3639,7 +3633,7 @@
           <a:p>
             <a:pPr algn="ctr"/>
             <a:r>
-              <a:rPr lang="en-US" sz="1050" dirty="0" err="1" smtClean="0">
+              <a:rPr lang="en-US" sz="1050" dirty="0" err="1">
                 <a:solidFill>
                   <a:schemeClr val="bg1"/>
                 </a:solidFill>
@@ -3713,7 +3707,7 @@
           <a:p>
             <a:pPr algn="ctr"/>
             <a:r>
-              <a:rPr lang="en-US" sz="1050" dirty="0" smtClean="0">
+              <a:rPr lang="en-US" sz="1050" dirty="0">
                 <a:solidFill>
                   <a:schemeClr val="bg1"/>
                 </a:solidFill>
@@ -4147,27 +4141,17 @@
           <a:p>
             <a:pPr algn="ctr"/>
             <a:r>
-              <a:rPr lang="en-US" sz="1050" b="1" dirty="0" err="1" smtClean="0">
+              <a:rPr lang="en-US" sz="1050" b="1" dirty="0" err="1">
                 <a:solidFill>
                   <a:schemeClr val="accent6">
                     <a:lumMod val="75000"/>
                   </a:schemeClr>
                 </a:solidFill>
               </a:rPr>
-              <a:t>XmlAddressBook</a:t>
-            </a:r>
-            <a:r>
-              <a:rPr lang="en-US" sz="1050" b="1" dirty="0" smtClean="0">
-                <a:solidFill>
-                  <a:schemeClr val="accent6">
-                    <a:lumMod val="75000"/>
-                  </a:schemeClr>
-                </a:solidFill>
-              </a:rPr>
-              <a:t/>
+              <a:t>XmlArticleList</a:t>
             </a:r>
             <a:br>
-              <a:rPr lang="en-US" sz="1050" b="1" dirty="0" smtClean="0">
+              <a:rPr lang="en-US" sz="1050" b="1" dirty="0">
                 <a:solidFill>
                   <a:schemeClr val="accent6">
                     <a:lumMod val="75000"/>
@@ -4176,7 +4160,7 @@
               </a:rPr>
             </a:br>
             <a:r>
-              <a:rPr lang="en-US" sz="1050" b="1" dirty="0" smtClean="0">
+              <a:rPr lang="en-US" sz="1050" b="1" dirty="0">
                 <a:solidFill>
                   <a:schemeClr val="accent6">
                     <a:lumMod val="75000"/>
@@ -4243,7 +4227,7 @@
           <a:p>
             <a:pPr algn="ctr"/>
             <a:r>
-              <a:rPr lang="en-US" sz="1050" dirty="0" smtClean="0">
+              <a:rPr lang="en-US" sz="1050" dirty="0">
                 <a:solidFill>
                   <a:schemeClr val="bg1"/>
                 </a:solidFill>
@@ -4251,14 +4235,14 @@
               <a:t>&lt;&lt;interface&gt;&gt;</a:t>
             </a:r>
             <a:br>
-              <a:rPr lang="en-US" sz="1050" dirty="0" smtClean="0">
+              <a:rPr lang="en-US" sz="1050" dirty="0">
                 <a:solidFill>
                   <a:schemeClr val="bg1"/>
                 </a:solidFill>
               </a:rPr>
             </a:br>
             <a:r>
-              <a:rPr lang="en-US" sz="1050" dirty="0" err="1" smtClean="0">
+              <a:rPr lang="en-US" sz="1050" dirty="0" err="1">
                 <a:solidFill>
                   <a:schemeClr val="bg1"/>
                 </a:solidFill>
@@ -4516,30 +4500,22 @@
           <a:p>
             <a:pPr algn="ctr"/>
             <a:r>
-              <a:rPr lang="en-US" sz="1050" dirty="0" err="1" smtClean="0">
+              <a:rPr lang="en-US" sz="1050" dirty="0" err="1">
                 <a:solidFill>
                   <a:schemeClr val="bg1"/>
                 </a:solidFill>
               </a:rPr>
               <a:t>JsonUserPrefs</a:t>
             </a:r>
-            <a:r>
-              <a:rPr lang="en-US" sz="1050" dirty="0" smtClean="0">
-                <a:solidFill>
-                  <a:schemeClr val="bg1"/>
-                </a:solidFill>
-              </a:rPr>
-              <a:t/>
-            </a:r>
             <a:br>
-              <a:rPr lang="en-US" sz="1050" dirty="0" smtClean="0">
+              <a:rPr lang="en-US" sz="1050" dirty="0">
                 <a:solidFill>
                   <a:schemeClr val="bg1"/>
                 </a:solidFill>
               </a:rPr>
             </a:br>
             <a:r>
-              <a:rPr lang="en-US" sz="1050" dirty="0" smtClean="0">
+              <a:rPr lang="en-US" sz="1050" dirty="0">
                 <a:solidFill>
                   <a:schemeClr val="bg1"/>
                 </a:solidFill>
@@ -4591,7 +4567,7 @@
           <a:p>
             <a:pPr algn="ctr"/>
             <a:r>
-              <a:rPr lang="en-US" sz="1050" b="1" dirty="0" err="1" smtClean="0">
+              <a:rPr lang="en-US" sz="1050" b="1" dirty="0" err="1">
                 <a:solidFill>
                   <a:schemeClr val="accent6">
                     <a:lumMod val="75000"/>
@@ -4600,18 +4576,8 @@
               </a:rPr>
               <a:t>XmlSerializable</a:t>
             </a:r>
-            <a:r>
-              <a:rPr lang="en-US" sz="1050" b="1" dirty="0" smtClean="0">
-                <a:solidFill>
-                  <a:schemeClr val="accent6">
-                    <a:lumMod val="75000"/>
-                  </a:schemeClr>
-                </a:solidFill>
-              </a:rPr>
-              <a:t/>
-            </a:r>
             <a:br>
-              <a:rPr lang="en-US" sz="1050" b="1" dirty="0" smtClean="0">
+              <a:rPr lang="en-US" sz="1050" b="1" dirty="0">
                 <a:solidFill>
                   <a:schemeClr val="accent6">
                     <a:lumMod val="75000"/>
@@ -4620,14 +4586,14 @@
               </a:rPr>
             </a:br>
             <a:r>
-              <a:rPr lang="en-US" sz="1050" b="1" dirty="0" err="1" smtClean="0">
+              <a:rPr lang="en-US" sz="1050" b="1" dirty="0" err="1">
                 <a:solidFill>
                   <a:schemeClr val="accent6">
                     <a:lumMod val="75000"/>
                   </a:schemeClr>
                 </a:solidFill>
               </a:rPr>
-              <a:t>AddressBook</a:t>
+              <a:t>ArticleList</a:t>
             </a:r>
             <a:endParaRPr lang="en-SG" sz="1050" b="1" dirty="0">
               <a:solidFill>
@@ -4717,7 +4683,7 @@
           <a:p>
             <a:pPr algn="ctr"/>
             <a:r>
-              <a:rPr lang="en-US" sz="1050" b="1" dirty="0" err="1" smtClean="0">
+              <a:rPr lang="en-US" sz="1050" b="1" dirty="0" err="1">
                 <a:solidFill>
                   <a:schemeClr val="accent6">
                     <a:lumMod val="75000"/>
@@ -4773,14 +4739,14 @@
           <a:p>
             <a:pPr algn="ctr"/>
             <a:r>
-              <a:rPr lang="en-US" sz="1050" b="1" dirty="0" err="1" smtClean="0">
+              <a:rPr lang="en-US" sz="1050" b="1" dirty="0" err="1">
                 <a:solidFill>
                   <a:schemeClr val="accent6">
                     <a:lumMod val="75000"/>
                   </a:schemeClr>
                 </a:solidFill>
               </a:rPr>
-              <a:t>XmlAdaptedPerson</a:t>
+              <a:t>XmlAdaptedArticle</a:t>
             </a:r>
             <a:endParaRPr lang="en-SG" sz="1050" b="1" dirty="0">
               <a:solidFill>
@@ -4843,13 +4809,6 @@
   <p:clrMapOvr>
     <a:masterClrMapping/>
   </p:clrMapOvr>
-  <p:timing>
-    <p:tnLst>
-      <p:par>
-        <p:cTn id="1" dur="indefinite" restart="never" nodeType="tmRoot"/>
-      </p:par>
-    </p:tnLst>
-  </p:timing>
 </p:sld>
 </file>
 

--- a/docs/diagrams/StorageComponentClassDiagram.pptx
+++ b/docs/diagrams/StorageComponentClassDiagram.pptx
@@ -107,6 +107,22 @@
       </a:defRPr>
     </a:lvl9pPr>
   </p:defaultTextStyle>
+  <p:extLst>
+    <p:ext uri="{EFAFB233-063F-42B5-8137-9DF3F51BA10A}">
+      <p15:sldGuideLst xmlns:p15="http://schemas.microsoft.com/office/powerpoint/2012/main">
+        <p15:guide id="1" orient="horz" pos="1488">
+          <p15:clr>
+            <a:srgbClr val="A4A3A4"/>
+          </p15:clr>
+        </p15:guide>
+        <p15:guide id="2" pos="2880">
+          <p15:clr>
+            <a:srgbClr val="A4A3A4"/>
+          </p15:clr>
+        </p15:guide>
+      </p15:sldGuideLst>
+    </p:ext>
+  </p:extLst>
 </p:presentation>
 </file>
 
@@ -192,7 +208,7 @@
           <a:p>
             <a:fld id="{F5CC4B3F-88C1-4FFA-B1B6-F41C21DC6924}" type="datetimeFigureOut">
               <a:rPr lang="en-US" smtClean="0"/>
-              <a:t>10/16/2016</a:t>
+              <a:t>10-Nov-18</a:t>
             </a:fld>
             <a:endParaRPr lang="en-US"/>
           </a:p>
@@ -256,38 +272,37 @@
           <a:p>
             <a:pPr lvl="0"/>
             <a:r>
-              <a:rPr lang="en-US" smtClean="0"/>
+              <a:rPr lang="en-US"/>
               <a:t>Click to edit Master text styles</a:t>
             </a:r>
           </a:p>
           <a:p>
             <a:pPr lvl="1"/>
             <a:r>
-              <a:rPr lang="en-US" smtClean="0"/>
+              <a:rPr lang="en-US"/>
               <a:t>Second level</a:t>
             </a:r>
           </a:p>
           <a:p>
             <a:pPr lvl="2"/>
             <a:r>
-              <a:rPr lang="en-US" smtClean="0"/>
+              <a:rPr lang="en-US"/>
               <a:t>Third level</a:t>
             </a:r>
           </a:p>
           <a:p>
             <a:pPr lvl="3"/>
             <a:r>
-              <a:rPr lang="en-US" smtClean="0"/>
+              <a:rPr lang="en-US"/>
               <a:t>Fourth level</a:t>
             </a:r>
           </a:p>
           <a:p>
             <a:pPr lvl="4"/>
             <a:r>
-              <a:rPr lang="en-US" smtClean="0"/>
+              <a:rPr lang="en-US"/>
               <a:t>Fifth level</a:t>
             </a:r>
-            <a:endParaRPr lang="en-US"/>
           </a:p>
         </p:txBody>
       </p:sp>
@@ -498,10 +513,9 @@
           <a:lstStyle/>
           <a:p>
             <a:r>
-              <a:rPr lang="en-US" smtClean="0"/>
+              <a:rPr lang="en-US"/>
               <a:t>Click to edit Master title style</a:t>
             </a:r>
-            <a:endParaRPr lang="en-US"/>
           </a:p>
         </p:txBody>
       </p:sp>
@@ -617,10 +631,9 @@
           </a:lstStyle>
           <a:p>
             <a:r>
-              <a:rPr lang="en-US" smtClean="0"/>
+              <a:rPr lang="en-US"/>
               <a:t>Click to edit Master subtitle style</a:t>
             </a:r>
-            <a:endParaRPr lang="en-US"/>
           </a:p>
         </p:txBody>
       </p:sp>
@@ -641,7 +654,7 @@
           <a:p>
             <a:fld id="{78C97017-6FC3-485B-9764-EAC9E56C1D49}" type="datetimeFigureOut">
               <a:rPr lang="en-US" smtClean="0"/>
-              <a:t>10/16/2016</a:t>
+              <a:t>10-Nov-18</a:t>
             </a:fld>
             <a:endParaRPr lang="en-US"/>
           </a:p>
@@ -735,10 +748,9 @@
           <a:lstStyle/>
           <a:p>
             <a:r>
-              <a:rPr lang="en-US" smtClean="0"/>
+              <a:rPr lang="en-US"/>
               <a:t>Click to edit Master title style</a:t>
             </a:r>
-            <a:endParaRPr lang="en-US"/>
           </a:p>
         </p:txBody>
       </p:sp>
@@ -759,38 +771,37 @@
           <a:p>
             <a:pPr lvl="0"/>
             <a:r>
-              <a:rPr lang="en-US" smtClean="0"/>
+              <a:rPr lang="en-US"/>
               <a:t>Click to edit Master text styles</a:t>
             </a:r>
           </a:p>
           <a:p>
             <a:pPr lvl="1"/>
             <a:r>
-              <a:rPr lang="en-US" smtClean="0"/>
+              <a:rPr lang="en-US"/>
               <a:t>Second level</a:t>
             </a:r>
           </a:p>
           <a:p>
             <a:pPr lvl="2"/>
             <a:r>
-              <a:rPr lang="en-US" smtClean="0"/>
+              <a:rPr lang="en-US"/>
               <a:t>Third level</a:t>
             </a:r>
           </a:p>
           <a:p>
             <a:pPr lvl="3"/>
             <a:r>
-              <a:rPr lang="en-US" smtClean="0"/>
+              <a:rPr lang="en-US"/>
               <a:t>Fourth level</a:t>
             </a:r>
           </a:p>
           <a:p>
             <a:pPr lvl="4"/>
             <a:r>
-              <a:rPr lang="en-US" smtClean="0"/>
+              <a:rPr lang="en-US"/>
               <a:t>Fifth level</a:t>
             </a:r>
-            <a:endParaRPr lang="en-US"/>
           </a:p>
         </p:txBody>
       </p:sp>
@@ -811,7 +822,7 @@
           <a:p>
             <a:fld id="{78C97017-6FC3-485B-9764-EAC9E56C1D49}" type="datetimeFigureOut">
               <a:rPr lang="en-US" smtClean="0"/>
-              <a:t>10/16/2016</a:t>
+              <a:t>10-Nov-18</a:t>
             </a:fld>
             <a:endParaRPr lang="en-US"/>
           </a:p>
@@ -910,10 +921,9 @@
           <a:lstStyle/>
           <a:p>
             <a:r>
-              <a:rPr lang="en-US" smtClean="0"/>
+              <a:rPr lang="en-US"/>
               <a:t>Click to edit Master title style</a:t>
             </a:r>
-            <a:endParaRPr lang="en-US"/>
           </a:p>
         </p:txBody>
       </p:sp>
@@ -939,38 +949,37 @@
           <a:p>
             <a:pPr lvl="0"/>
             <a:r>
-              <a:rPr lang="en-US" smtClean="0"/>
+              <a:rPr lang="en-US"/>
               <a:t>Click to edit Master text styles</a:t>
             </a:r>
           </a:p>
           <a:p>
             <a:pPr lvl="1"/>
             <a:r>
-              <a:rPr lang="en-US" smtClean="0"/>
+              <a:rPr lang="en-US"/>
               <a:t>Second level</a:t>
             </a:r>
           </a:p>
           <a:p>
             <a:pPr lvl="2"/>
             <a:r>
-              <a:rPr lang="en-US" smtClean="0"/>
+              <a:rPr lang="en-US"/>
               <a:t>Third level</a:t>
             </a:r>
           </a:p>
           <a:p>
             <a:pPr lvl="3"/>
             <a:r>
-              <a:rPr lang="en-US" smtClean="0"/>
+              <a:rPr lang="en-US"/>
               <a:t>Fourth level</a:t>
             </a:r>
           </a:p>
           <a:p>
             <a:pPr lvl="4"/>
             <a:r>
-              <a:rPr lang="en-US" smtClean="0"/>
+              <a:rPr lang="en-US"/>
               <a:t>Fifth level</a:t>
             </a:r>
-            <a:endParaRPr lang="en-US"/>
           </a:p>
         </p:txBody>
       </p:sp>
@@ -991,7 +1000,7 @@
           <a:p>
             <a:fld id="{78C97017-6FC3-485B-9764-EAC9E56C1D49}" type="datetimeFigureOut">
               <a:rPr lang="en-US" smtClean="0"/>
-              <a:t>10/16/2016</a:t>
+              <a:t>10-Nov-18</a:t>
             </a:fld>
             <a:endParaRPr lang="en-US"/>
           </a:p>
@@ -1085,10 +1094,9 @@
           <a:lstStyle/>
           <a:p>
             <a:r>
-              <a:rPr lang="en-US" smtClean="0"/>
+              <a:rPr lang="en-US"/>
               <a:t>Click to edit Master title style</a:t>
             </a:r>
-            <a:endParaRPr lang="en-US"/>
           </a:p>
         </p:txBody>
       </p:sp>
@@ -1109,38 +1117,37 @@
           <a:p>
             <a:pPr lvl="0"/>
             <a:r>
-              <a:rPr lang="en-US" smtClean="0"/>
+              <a:rPr lang="en-US"/>
               <a:t>Click to edit Master text styles</a:t>
             </a:r>
           </a:p>
           <a:p>
             <a:pPr lvl="1"/>
             <a:r>
-              <a:rPr lang="en-US" smtClean="0"/>
+              <a:rPr lang="en-US"/>
               <a:t>Second level</a:t>
             </a:r>
           </a:p>
           <a:p>
             <a:pPr lvl="2"/>
             <a:r>
-              <a:rPr lang="en-US" smtClean="0"/>
+              <a:rPr lang="en-US"/>
               <a:t>Third level</a:t>
             </a:r>
           </a:p>
           <a:p>
             <a:pPr lvl="3"/>
             <a:r>
-              <a:rPr lang="en-US" smtClean="0"/>
+              <a:rPr lang="en-US"/>
               <a:t>Fourth level</a:t>
             </a:r>
           </a:p>
           <a:p>
             <a:pPr lvl="4"/>
             <a:r>
-              <a:rPr lang="en-US" smtClean="0"/>
+              <a:rPr lang="en-US"/>
               <a:t>Fifth level</a:t>
             </a:r>
-            <a:endParaRPr lang="en-US"/>
           </a:p>
         </p:txBody>
       </p:sp>
@@ -1161,7 +1168,7 @@
           <a:p>
             <a:fld id="{78C97017-6FC3-485B-9764-EAC9E56C1D49}" type="datetimeFigureOut">
               <a:rPr lang="en-US" smtClean="0"/>
-              <a:t>10/16/2016</a:t>
+              <a:t>10-Nov-18</a:t>
             </a:fld>
             <a:endParaRPr lang="en-US"/>
           </a:p>
@@ -1264,10 +1271,9 @@
           </a:lstStyle>
           <a:p>
             <a:r>
-              <a:rPr lang="en-US" smtClean="0"/>
+              <a:rPr lang="en-US"/>
               <a:t>Click to edit Master title style</a:t>
             </a:r>
-            <a:endParaRPr lang="en-US"/>
           </a:p>
         </p:txBody>
       </p:sp>
@@ -1384,7 +1390,7 @@
           <a:p>
             <a:pPr lvl="0"/>
             <a:r>
-              <a:rPr lang="en-US" smtClean="0"/>
+              <a:rPr lang="en-US"/>
               <a:t>Click to edit Master text styles</a:t>
             </a:r>
           </a:p>
@@ -1407,7 +1413,7 @@
           <a:p>
             <a:fld id="{78C97017-6FC3-485B-9764-EAC9E56C1D49}" type="datetimeFigureOut">
               <a:rPr lang="en-US" smtClean="0"/>
-              <a:t>10/16/2016</a:t>
+              <a:t>10-Nov-18</a:t>
             </a:fld>
             <a:endParaRPr lang="en-US"/>
           </a:p>
@@ -1501,10 +1507,9 @@
           <a:lstStyle/>
           <a:p>
             <a:r>
-              <a:rPr lang="en-US" smtClean="0"/>
+              <a:rPr lang="en-US"/>
               <a:t>Click to edit Master title style</a:t>
             </a:r>
-            <a:endParaRPr lang="en-US"/>
           </a:p>
         </p:txBody>
       </p:sp>
@@ -1558,38 +1563,37 @@
           <a:p>
             <a:pPr lvl="0"/>
             <a:r>
-              <a:rPr lang="en-US" smtClean="0"/>
+              <a:rPr lang="en-US"/>
               <a:t>Click to edit Master text styles</a:t>
             </a:r>
           </a:p>
           <a:p>
             <a:pPr lvl="1"/>
             <a:r>
-              <a:rPr lang="en-US" smtClean="0"/>
+              <a:rPr lang="en-US"/>
               <a:t>Second level</a:t>
             </a:r>
           </a:p>
           <a:p>
             <a:pPr lvl="2"/>
             <a:r>
-              <a:rPr lang="en-US" smtClean="0"/>
+              <a:rPr lang="en-US"/>
               <a:t>Third level</a:t>
             </a:r>
           </a:p>
           <a:p>
             <a:pPr lvl="3"/>
             <a:r>
-              <a:rPr lang="en-US" smtClean="0"/>
+              <a:rPr lang="en-US"/>
               <a:t>Fourth level</a:t>
             </a:r>
           </a:p>
           <a:p>
             <a:pPr lvl="4"/>
             <a:r>
-              <a:rPr lang="en-US" smtClean="0"/>
+              <a:rPr lang="en-US"/>
               <a:t>Fifth level</a:t>
             </a:r>
-            <a:endParaRPr lang="en-US"/>
           </a:p>
         </p:txBody>
       </p:sp>
@@ -1643,38 +1647,37 @@
           <a:p>
             <a:pPr lvl="0"/>
             <a:r>
-              <a:rPr lang="en-US" smtClean="0"/>
+              <a:rPr lang="en-US"/>
               <a:t>Click to edit Master text styles</a:t>
             </a:r>
           </a:p>
           <a:p>
             <a:pPr lvl="1"/>
             <a:r>
-              <a:rPr lang="en-US" smtClean="0"/>
+              <a:rPr lang="en-US"/>
               <a:t>Second level</a:t>
             </a:r>
           </a:p>
           <a:p>
             <a:pPr lvl="2"/>
             <a:r>
-              <a:rPr lang="en-US" smtClean="0"/>
+              <a:rPr lang="en-US"/>
               <a:t>Third level</a:t>
             </a:r>
           </a:p>
           <a:p>
             <a:pPr lvl="3"/>
             <a:r>
-              <a:rPr lang="en-US" smtClean="0"/>
+              <a:rPr lang="en-US"/>
               <a:t>Fourth level</a:t>
             </a:r>
           </a:p>
           <a:p>
             <a:pPr lvl="4"/>
             <a:r>
-              <a:rPr lang="en-US" smtClean="0"/>
+              <a:rPr lang="en-US"/>
               <a:t>Fifth level</a:t>
             </a:r>
-            <a:endParaRPr lang="en-US"/>
           </a:p>
         </p:txBody>
       </p:sp>
@@ -1695,7 +1698,7 @@
           <a:p>
             <a:fld id="{78C97017-6FC3-485B-9764-EAC9E56C1D49}" type="datetimeFigureOut">
               <a:rPr lang="en-US" smtClean="0"/>
-              <a:t>10/16/2016</a:t>
+              <a:t>10-Nov-18</a:t>
             </a:fld>
             <a:endParaRPr lang="en-US"/>
           </a:p>
@@ -1793,10 +1796,9 @@
           </a:lstStyle>
           <a:p>
             <a:r>
-              <a:rPr lang="en-US" smtClean="0"/>
+              <a:rPr lang="en-US"/>
               <a:t>Click to edit Master title style</a:t>
             </a:r>
-            <a:endParaRPr lang="en-US"/>
           </a:p>
         </p:txBody>
       </p:sp>
@@ -1859,7 +1861,7 @@
           <a:p>
             <a:pPr lvl="0"/>
             <a:r>
-              <a:rPr lang="en-US" smtClean="0"/>
+              <a:rPr lang="en-US"/>
               <a:t>Click to edit Master text styles</a:t>
             </a:r>
           </a:p>
@@ -1915,38 +1917,37 @@
           <a:p>
             <a:pPr lvl="0"/>
             <a:r>
-              <a:rPr lang="en-US" smtClean="0"/>
+              <a:rPr lang="en-US"/>
               <a:t>Click to edit Master text styles</a:t>
             </a:r>
           </a:p>
           <a:p>
             <a:pPr lvl="1"/>
             <a:r>
-              <a:rPr lang="en-US" smtClean="0"/>
+              <a:rPr lang="en-US"/>
               <a:t>Second level</a:t>
             </a:r>
           </a:p>
           <a:p>
             <a:pPr lvl="2"/>
             <a:r>
-              <a:rPr lang="en-US" smtClean="0"/>
+              <a:rPr lang="en-US"/>
               <a:t>Third level</a:t>
             </a:r>
           </a:p>
           <a:p>
             <a:pPr lvl="3"/>
             <a:r>
-              <a:rPr lang="en-US" smtClean="0"/>
+              <a:rPr lang="en-US"/>
               <a:t>Fourth level</a:t>
             </a:r>
           </a:p>
           <a:p>
             <a:pPr lvl="4"/>
             <a:r>
-              <a:rPr lang="en-US" smtClean="0"/>
+              <a:rPr lang="en-US"/>
               <a:t>Fifth level</a:t>
             </a:r>
-            <a:endParaRPr lang="en-US"/>
           </a:p>
         </p:txBody>
       </p:sp>
@@ -2009,7 +2010,7 @@
           <a:p>
             <a:pPr lvl="0"/>
             <a:r>
-              <a:rPr lang="en-US" smtClean="0"/>
+              <a:rPr lang="en-US"/>
               <a:t>Click to edit Master text styles</a:t>
             </a:r>
           </a:p>
@@ -2065,38 +2066,37 @@
           <a:p>
             <a:pPr lvl="0"/>
             <a:r>
-              <a:rPr lang="en-US" smtClean="0"/>
+              <a:rPr lang="en-US"/>
               <a:t>Click to edit Master text styles</a:t>
             </a:r>
           </a:p>
           <a:p>
             <a:pPr lvl="1"/>
             <a:r>
-              <a:rPr lang="en-US" smtClean="0"/>
+              <a:rPr lang="en-US"/>
               <a:t>Second level</a:t>
             </a:r>
           </a:p>
           <a:p>
             <a:pPr lvl="2"/>
             <a:r>
-              <a:rPr lang="en-US" smtClean="0"/>
+              <a:rPr lang="en-US"/>
               <a:t>Third level</a:t>
             </a:r>
           </a:p>
           <a:p>
             <a:pPr lvl="3"/>
             <a:r>
-              <a:rPr lang="en-US" smtClean="0"/>
+              <a:rPr lang="en-US"/>
               <a:t>Fourth level</a:t>
             </a:r>
           </a:p>
           <a:p>
             <a:pPr lvl="4"/>
             <a:r>
-              <a:rPr lang="en-US" smtClean="0"/>
+              <a:rPr lang="en-US"/>
               <a:t>Fifth level</a:t>
             </a:r>
-            <a:endParaRPr lang="en-US"/>
           </a:p>
         </p:txBody>
       </p:sp>
@@ -2117,7 +2117,7 @@
           <a:p>
             <a:fld id="{78C97017-6FC3-485B-9764-EAC9E56C1D49}" type="datetimeFigureOut">
               <a:rPr lang="en-US" smtClean="0"/>
-              <a:t>10/16/2016</a:t>
+              <a:t>10-Nov-18</a:t>
             </a:fld>
             <a:endParaRPr lang="en-US"/>
           </a:p>
@@ -2211,10 +2211,9 @@
           <a:lstStyle/>
           <a:p>
             <a:r>
-              <a:rPr lang="en-US" smtClean="0"/>
+              <a:rPr lang="en-US"/>
               <a:t>Click to edit Master title style</a:t>
             </a:r>
-            <a:endParaRPr lang="en-US"/>
           </a:p>
         </p:txBody>
       </p:sp>
@@ -2235,7 +2234,7 @@
           <a:p>
             <a:fld id="{78C97017-6FC3-485B-9764-EAC9E56C1D49}" type="datetimeFigureOut">
               <a:rPr lang="en-US" smtClean="0"/>
-              <a:t>10/16/2016</a:t>
+              <a:t>10-Nov-18</a:t>
             </a:fld>
             <a:endParaRPr lang="en-US"/>
           </a:p>
@@ -2330,7 +2329,7 @@
           <a:p>
             <a:fld id="{78C97017-6FC3-485B-9764-EAC9E56C1D49}" type="datetimeFigureOut">
               <a:rPr lang="en-US" smtClean="0"/>
-              <a:t>10/16/2016</a:t>
+              <a:t>10-Nov-18</a:t>
             </a:fld>
             <a:endParaRPr lang="en-US"/>
           </a:p>
@@ -2433,10 +2432,9 @@
           </a:lstStyle>
           <a:p>
             <a:r>
-              <a:rPr lang="en-US" smtClean="0"/>
+              <a:rPr lang="en-US"/>
               <a:t>Click to edit Master title style</a:t>
             </a:r>
-            <a:endParaRPr lang="en-US"/>
           </a:p>
         </p:txBody>
       </p:sp>
@@ -2490,38 +2488,37 @@
           <a:p>
             <a:pPr lvl="0"/>
             <a:r>
-              <a:rPr lang="en-US" smtClean="0"/>
+              <a:rPr lang="en-US"/>
               <a:t>Click to edit Master text styles</a:t>
             </a:r>
           </a:p>
           <a:p>
             <a:pPr lvl="1"/>
             <a:r>
-              <a:rPr lang="en-US" smtClean="0"/>
+              <a:rPr lang="en-US"/>
               <a:t>Second level</a:t>
             </a:r>
           </a:p>
           <a:p>
             <a:pPr lvl="2"/>
             <a:r>
-              <a:rPr lang="en-US" smtClean="0"/>
+              <a:rPr lang="en-US"/>
               <a:t>Third level</a:t>
             </a:r>
           </a:p>
           <a:p>
             <a:pPr lvl="3"/>
             <a:r>
-              <a:rPr lang="en-US" smtClean="0"/>
+              <a:rPr lang="en-US"/>
               <a:t>Fourth level</a:t>
             </a:r>
           </a:p>
           <a:p>
             <a:pPr lvl="4"/>
             <a:r>
-              <a:rPr lang="en-US" smtClean="0"/>
+              <a:rPr lang="en-US"/>
               <a:t>Fifth level</a:t>
             </a:r>
-            <a:endParaRPr lang="en-US"/>
           </a:p>
         </p:txBody>
       </p:sp>
@@ -2584,7 +2581,7 @@
           <a:p>
             <a:pPr lvl="0"/>
             <a:r>
-              <a:rPr lang="en-US" smtClean="0"/>
+              <a:rPr lang="en-US"/>
               <a:t>Click to edit Master text styles</a:t>
             </a:r>
           </a:p>
@@ -2607,7 +2604,7 @@
           <a:p>
             <a:fld id="{78C97017-6FC3-485B-9764-EAC9E56C1D49}" type="datetimeFigureOut">
               <a:rPr lang="en-US" smtClean="0"/>
-              <a:t>10/16/2016</a:t>
+              <a:t>10-Nov-18</a:t>
             </a:fld>
             <a:endParaRPr lang="en-US"/>
           </a:p>
@@ -2710,10 +2707,9 @@
           </a:lstStyle>
           <a:p>
             <a:r>
-              <a:rPr lang="en-US" smtClean="0"/>
+              <a:rPr lang="en-US"/>
               <a:t>Click to edit Master title style</a:t>
             </a:r>
-            <a:endParaRPr lang="en-US"/>
           </a:p>
         </p:txBody>
       </p:sp>
@@ -2837,7 +2833,7 @@
           <a:p>
             <a:pPr lvl="0"/>
             <a:r>
-              <a:rPr lang="en-US" smtClean="0"/>
+              <a:rPr lang="en-US"/>
               <a:t>Click to edit Master text styles</a:t>
             </a:r>
           </a:p>
@@ -2860,7 +2856,7 @@
           <a:p>
             <a:fld id="{78C97017-6FC3-485B-9764-EAC9E56C1D49}" type="datetimeFigureOut">
               <a:rPr lang="en-US" smtClean="0"/>
-              <a:t>10/16/2016</a:t>
+              <a:t>10-Nov-18</a:t>
             </a:fld>
             <a:endParaRPr lang="en-US"/>
           </a:p>
@@ -2969,10 +2965,9 @@
           <a:lstStyle/>
           <a:p>
             <a:r>
-              <a:rPr lang="en-US" smtClean="0"/>
+              <a:rPr lang="en-US"/>
               <a:t>Click to edit Master title style</a:t>
             </a:r>
-            <a:endParaRPr lang="en-US"/>
           </a:p>
         </p:txBody>
       </p:sp>
@@ -3003,38 +2998,37 @@
           <a:p>
             <a:pPr lvl="0"/>
             <a:r>
-              <a:rPr lang="en-US" smtClean="0"/>
+              <a:rPr lang="en-US"/>
               <a:t>Click to edit Master text styles</a:t>
             </a:r>
           </a:p>
           <a:p>
             <a:pPr lvl="1"/>
             <a:r>
-              <a:rPr lang="en-US" smtClean="0"/>
+              <a:rPr lang="en-US"/>
               <a:t>Second level</a:t>
             </a:r>
           </a:p>
           <a:p>
             <a:pPr lvl="2"/>
             <a:r>
-              <a:rPr lang="en-US" smtClean="0"/>
+              <a:rPr lang="en-US"/>
               <a:t>Third level</a:t>
             </a:r>
           </a:p>
           <a:p>
             <a:pPr lvl="3"/>
             <a:r>
-              <a:rPr lang="en-US" smtClean="0"/>
+              <a:rPr lang="en-US"/>
               <a:t>Fourth level</a:t>
             </a:r>
           </a:p>
           <a:p>
             <a:pPr lvl="4"/>
             <a:r>
-              <a:rPr lang="en-US" smtClean="0"/>
+              <a:rPr lang="en-US"/>
               <a:t>Fifth level</a:t>
             </a:r>
-            <a:endParaRPr lang="en-US"/>
           </a:p>
         </p:txBody>
       </p:sp>
@@ -3073,7 +3067,7 @@
           <a:p>
             <a:fld id="{78C97017-6FC3-485B-9764-EAC9E56C1D49}" type="datetimeFigureOut">
               <a:rPr lang="en-US" smtClean="0"/>
-              <a:t>10/16/2016</a:t>
+              <a:t>10-Nov-18</a:t>
             </a:fld>
             <a:endParaRPr lang="en-US"/>
           </a:p>
@@ -3457,7 +3451,7 @@
         <p:spPr>
           <a:xfrm>
             <a:off x="1119865" y="2086382"/>
-            <a:ext cx="7871735" cy="1723618"/>
+            <a:ext cx="7947935" cy="2510338"/>
           </a:xfrm>
           <a:prstGeom prst="roundRect">
             <a:avLst>
@@ -3494,7 +3488,7 @@
           <a:lstStyle/>
           <a:p>
             <a:r>
-              <a:rPr lang="en-US" sz="1200" b="1" dirty="0" smtClean="0">
+              <a:rPr lang="en-US" sz="1200" b="1" dirty="0">
                 <a:solidFill>
                   <a:schemeClr val="accent6">
                     <a:lumMod val="75000"/>
@@ -3561,7 +3555,7 @@
           <a:p>
             <a:pPr algn="ctr"/>
             <a:r>
-              <a:rPr lang="en-US" sz="1050" dirty="0" smtClean="0">
+              <a:rPr lang="en-US" sz="1050" dirty="0">
                 <a:solidFill>
                   <a:schemeClr val="bg1"/>
                 </a:solidFill>
@@ -3569,19 +3563,19 @@
               <a:t>&lt;&lt;interface&gt;&gt;</a:t>
             </a:r>
             <a:br>
-              <a:rPr lang="en-US" sz="1050" dirty="0" smtClean="0">
+              <a:rPr lang="en-US" sz="1050" dirty="0">
                 <a:solidFill>
                   <a:schemeClr val="bg1"/>
                 </a:solidFill>
               </a:rPr>
             </a:br>
             <a:r>
-              <a:rPr lang="en-US" sz="1050" dirty="0" err="1" smtClean="0">
+              <a:rPr lang="en-US" sz="1050" dirty="0" err="1">
                 <a:solidFill>
                   <a:schemeClr val="bg1"/>
                 </a:solidFill>
               </a:rPr>
-              <a:t>AddressBookStorage</a:t>
+              <a:t>SchedulerStorage</a:t>
             </a:r>
             <a:endParaRPr lang="en-SG" sz="1050" dirty="0">
               <a:solidFill>
@@ -3599,8 +3593,8 @@
         </p:nvSpPr>
         <p:spPr>
           <a:xfrm rot="16200000">
-            <a:off x="1683963" y="2868687"/>
-            <a:ext cx="1093635" cy="346760"/>
+            <a:off x="1457000" y="3158440"/>
+            <a:ext cx="1547561" cy="346760"/>
           </a:xfrm>
           <a:prstGeom prst="rect">
             <a:avLst/>
@@ -3639,7 +3633,7 @@
           <a:p>
             <a:pPr algn="ctr"/>
             <a:r>
-              <a:rPr lang="en-US" sz="1050" dirty="0" err="1" smtClean="0">
+              <a:rPr lang="en-US" sz="1050" dirty="0" err="1">
                 <a:solidFill>
                   <a:schemeClr val="bg1"/>
                 </a:solidFill>
@@ -3662,8 +3656,8 @@
         </p:nvSpPr>
         <p:spPr>
           <a:xfrm rot="16200000">
-            <a:off x="956202" y="2861202"/>
-            <a:ext cx="1093635" cy="346760"/>
+            <a:off x="729239" y="3158438"/>
+            <a:ext cx="1547562" cy="346760"/>
           </a:xfrm>
           <a:prstGeom prst="rect">
             <a:avLst/>
@@ -3713,7 +3707,7 @@
           <a:p>
             <a:pPr algn="ctr"/>
             <a:r>
-              <a:rPr lang="en-US" sz="1050" dirty="0" smtClean="0">
+              <a:rPr lang="en-US" sz="1050" dirty="0">
                 <a:solidFill>
                   <a:schemeClr val="bg1"/>
                 </a:solidFill>
@@ -4147,7 +4141,7 @@
           <a:p>
             <a:pPr algn="ctr"/>
             <a:r>
-              <a:rPr lang="en-US" sz="1050" b="1" dirty="0" err="1" smtClean="0">
+              <a:rPr lang="en-US" sz="1050" b="1" dirty="0" err="1">
                 <a:solidFill>
                   <a:schemeClr val="accent6">
                     <a:lumMod val="75000"/>
@@ -4156,18 +4150,8 @@
               </a:rPr>
               <a:t>XmlAddressBook</a:t>
             </a:r>
-            <a:r>
-              <a:rPr lang="en-US" sz="1050" b="1" dirty="0" smtClean="0">
-                <a:solidFill>
-                  <a:schemeClr val="accent6">
-                    <a:lumMod val="75000"/>
-                  </a:schemeClr>
-                </a:solidFill>
-              </a:rPr>
-              <a:t/>
-            </a:r>
             <a:br>
-              <a:rPr lang="en-US" sz="1050" b="1" dirty="0" smtClean="0">
+              <a:rPr lang="en-US" sz="1050" b="1" dirty="0">
                 <a:solidFill>
                   <a:schemeClr val="accent6">
                     <a:lumMod val="75000"/>
@@ -4176,7 +4160,7 @@
               </a:rPr>
             </a:br>
             <a:r>
-              <a:rPr lang="en-US" sz="1050" b="1" dirty="0" smtClean="0">
+              <a:rPr lang="en-US" sz="1050" b="1" dirty="0">
                 <a:solidFill>
                   <a:schemeClr val="accent6">
                     <a:lumMod val="75000"/>
@@ -4243,7 +4227,7 @@
           <a:p>
             <a:pPr algn="ctr"/>
             <a:r>
-              <a:rPr lang="en-US" sz="1050" dirty="0" smtClean="0">
+              <a:rPr lang="en-US" sz="1050" dirty="0">
                 <a:solidFill>
                   <a:schemeClr val="bg1"/>
                 </a:solidFill>
@@ -4251,14 +4235,14 @@
               <a:t>&lt;&lt;interface&gt;&gt;</a:t>
             </a:r>
             <a:br>
-              <a:rPr lang="en-US" sz="1050" dirty="0" smtClean="0">
+              <a:rPr lang="en-US" sz="1050" dirty="0">
                 <a:solidFill>
                   <a:schemeClr val="bg1"/>
                 </a:solidFill>
               </a:rPr>
             </a:br>
             <a:r>
-              <a:rPr lang="en-US" sz="1050" dirty="0" err="1" smtClean="0">
+              <a:rPr lang="en-US" sz="1050" dirty="0" err="1">
                 <a:solidFill>
                   <a:schemeClr val="bg1"/>
                 </a:solidFill>
@@ -4516,30 +4500,22 @@
           <a:p>
             <a:pPr algn="ctr"/>
             <a:r>
-              <a:rPr lang="en-US" sz="1050" dirty="0" err="1" smtClean="0">
+              <a:rPr lang="en-US" sz="1050" dirty="0" err="1">
                 <a:solidFill>
                   <a:schemeClr val="bg1"/>
                 </a:solidFill>
               </a:rPr>
               <a:t>JsonUserPrefs</a:t>
             </a:r>
-            <a:r>
-              <a:rPr lang="en-US" sz="1050" dirty="0" smtClean="0">
-                <a:solidFill>
-                  <a:schemeClr val="bg1"/>
-                </a:solidFill>
-              </a:rPr>
-              <a:t/>
-            </a:r>
             <a:br>
-              <a:rPr lang="en-US" sz="1050" dirty="0" smtClean="0">
+              <a:rPr lang="en-US" sz="1050" dirty="0">
                 <a:solidFill>
                   <a:schemeClr val="bg1"/>
                 </a:solidFill>
               </a:rPr>
             </a:br>
             <a:r>
-              <a:rPr lang="en-US" sz="1050" dirty="0" smtClean="0">
+              <a:rPr lang="en-US" sz="1050" dirty="0">
                 <a:solidFill>
                   <a:schemeClr val="bg1"/>
                 </a:solidFill>
@@ -4591,7 +4567,7 @@
           <a:p>
             <a:pPr algn="ctr"/>
             <a:r>
-              <a:rPr lang="en-US" sz="1050" b="1" dirty="0" err="1" smtClean="0">
+              <a:rPr lang="en-US" sz="1050" b="1" dirty="0" err="1">
                 <a:solidFill>
                   <a:schemeClr val="accent6">
                     <a:lumMod val="75000"/>
@@ -4600,18 +4576,8 @@
               </a:rPr>
               <a:t>XmlSerializable</a:t>
             </a:r>
-            <a:r>
-              <a:rPr lang="en-US" sz="1050" b="1" dirty="0" smtClean="0">
-                <a:solidFill>
-                  <a:schemeClr val="accent6">
-                    <a:lumMod val="75000"/>
-                  </a:schemeClr>
-                </a:solidFill>
-              </a:rPr>
-              <a:t/>
-            </a:r>
             <a:br>
-              <a:rPr lang="en-US" sz="1050" b="1" dirty="0" smtClean="0">
+              <a:rPr lang="en-US" sz="1050" b="1" dirty="0">
                 <a:solidFill>
                   <a:schemeClr val="accent6">
                     <a:lumMod val="75000"/>
@@ -4620,14 +4586,14 @@
               </a:rPr>
             </a:br>
             <a:r>
-              <a:rPr lang="en-US" sz="1050" b="1" dirty="0" err="1" smtClean="0">
+              <a:rPr lang="en-US" sz="1050" b="1" dirty="0">
                 <a:solidFill>
                   <a:schemeClr val="accent6">
                     <a:lumMod val="75000"/>
                   </a:schemeClr>
                 </a:solidFill>
               </a:rPr>
-              <a:t>AddressBook</a:t>
+              <a:t>Scheduler</a:t>
             </a:r>
             <a:endParaRPr lang="en-SG" sz="1050" b="1" dirty="0">
               <a:solidFill>
@@ -4650,8 +4616,8 @@
         </p:nvCxnSpPr>
         <p:spPr>
           <a:xfrm rot="5400000" flipH="1" flipV="1">
-            <a:off x="8077993" y="2992020"/>
-            <a:ext cx="335208" cy="12700"/>
+            <a:off x="8138763" y="3048528"/>
+            <a:ext cx="217930" cy="4262"/>
           </a:xfrm>
           <a:prstGeom prst="bentConnector3">
             <a:avLst>
@@ -4688,7 +4654,7 @@
         </p:nvSpPr>
         <p:spPr>
           <a:xfrm>
-            <a:off x="7615738" y="2477656"/>
+            <a:off x="7620000" y="2594934"/>
             <a:ext cx="1259718" cy="346760"/>
           </a:xfrm>
           <a:prstGeom prst="rect">
@@ -4717,7 +4683,7 @@
           <a:p>
             <a:pPr algn="ctr"/>
             <a:r>
-              <a:rPr lang="en-US" sz="1050" b="1" dirty="0" err="1" smtClean="0">
+              <a:rPr lang="en-US" sz="1050" b="1" dirty="0" err="1">
                 <a:solidFill>
                   <a:schemeClr val="accent6">
                     <a:lumMod val="75000"/>
@@ -4773,14 +4739,34 @@
           <a:p>
             <a:pPr algn="ctr"/>
             <a:r>
-              <a:rPr lang="en-US" sz="1050" b="1" dirty="0" err="1" smtClean="0">
+              <a:rPr lang="en-US" sz="1050" b="1" dirty="0" err="1">
                 <a:solidFill>
                   <a:schemeClr val="accent6">
                     <a:lumMod val="75000"/>
                   </a:schemeClr>
                 </a:solidFill>
               </a:rPr>
-              <a:t>XmlAdaptedPerson</a:t>
+              <a:t>XmlAdapted</a:t>
+            </a:r>
+            <a:endParaRPr lang="en-US" sz="1050" b="1" dirty="0">
+              <a:solidFill>
+                <a:schemeClr val="accent6">
+                  <a:lumMod val="75000"/>
+                </a:schemeClr>
+              </a:solidFill>
+            </a:endParaRPr>
+          </a:p>
+          <a:p>
+            <a:pPr algn="ctr"/>
+            <a:r>
+              <a:rPr lang="en-US" sz="1050" b="1" dirty="0" err="1">
+                <a:solidFill>
+                  <a:schemeClr val="accent6">
+                    <a:lumMod val="75000"/>
+                  </a:schemeClr>
+                </a:solidFill>
+              </a:rPr>
+              <a:t>CalendarEvent</a:t>
             </a:r>
             <a:endParaRPr lang="en-SG" sz="1050" b="1" dirty="0">
               <a:solidFill>
@@ -4827,6 +4813,646 @@
           </a:fillRef>
           <a:effectRef idx="1">
             <a:schemeClr val="accent6"/>
+          </a:effectRef>
+          <a:fontRef idx="minor">
+            <a:schemeClr val="dk1"/>
+          </a:fontRef>
+        </p:style>
+      </p:cxnSp>
+      <p:sp>
+        <p:nvSpPr>
+          <p:cNvPr id="26" name="Flowchart: Decision 96">
+            <a:extLst>
+              <a:ext uri="{FF2B5EF4-FFF2-40B4-BE49-F238E27FC236}">
+                <a16:creationId xmlns:a16="http://schemas.microsoft.com/office/drawing/2014/main" id="{FCB08786-3122-4B02-8AF7-E5B875D8E3D6}"/>
+              </a:ext>
+            </a:extLst>
+          </p:cNvPr>
+          <p:cNvSpPr/>
+          <p:nvPr/>
+        </p:nvSpPr>
+        <p:spPr>
+          <a:xfrm>
+            <a:off x="2442261" y="3837172"/>
+            <a:ext cx="236048" cy="173380"/>
+          </a:xfrm>
+          <a:prstGeom prst="flowChartDecision">
+            <a:avLst/>
+          </a:prstGeom>
+          <a:noFill/>
+          <a:ln w="19050">
+            <a:solidFill>
+              <a:schemeClr val="accent6">
+                <a:lumMod val="75000"/>
+              </a:schemeClr>
+            </a:solidFill>
+          </a:ln>
+          <a:effectLst/>
+        </p:spPr>
+        <p:style>
+          <a:lnRef idx="1">
+            <a:schemeClr val="accent2"/>
+          </a:lnRef>
+          <a:fillRef idx="2">
+            <a:schemeClr val="accent2"/>
+          </a:fillRef>
+          <a:effectRef idx="1">
+            <a:schemeClr val="accent2"/>
+          </a:effectRef>
+          <a:fontRef idx="minor">
+            <a:schemeClr val="dk1"/>
+          </a:fontRef>
+        </p:style>
+        <p:txBody>
+          <a:bodyPr rtlCol="0" anchor="ctr"/>
+          <a:lstStyle/>
+          <a:p>
+            <a:pPr algn="ctr"/>
+            <a:endParaRPr lang="en-US" sz="1050">
+              <a:solidFill>
+                <a:schemeClr val="bg1"/>
+              </a:solidFill>
+            </a:endParaRPr>
+          </a:p>
+        </p:txBody>
+      </p:sp>
+      <p:sp>
+        <p:nvSpPr>
+          <p:cNvPr id="27" name="Rectangle 8">
+            <a:extLst>
+              <a:ext uri="{FF2B5EF4-FFF2-40B4-BE49-F238E27FC236}">
+                <a16:creationId xmlns:a16="http://schemas.microsoft.com/office/drawing/2014/main" id="{19A80975-37B9-4177-B892-09928E3E586C}"/>
+              </a:ext>
+            </a:extLst>
+          </p:cNvPr>
+          <p:cNvSpPr/>
+          <p:nvPr/>
+        </p:nvSpPr>
+        <p:spPr>
+          <a:xfrm>
+            <a:off x="2875020" y="3758840"/>
+            <a:ext cx="1323049" cy="346760"/>
+          </a:xfrm>
+          <a:prstGeom prst="rect">
+            <a:avLst/>
+          </a:prstGeom>
+          <a:solidFill>
+            <a:schemeClr val="accent6">
+              <a:lumMod val="75000"/>
+            </a:schemeClr>
+          </a:solidFill>
+          <a:ln w="19050">
+            <a:solidFill>
+              <a:schemeClr val="accent6">
+                <a:lumMod val="75000"/>
+              </a:schemeClr>
+            </a:solidFill>
+          </a:ln>
+          <a:effectLst/>
+        </p:spPr>
+        <p:style>
+          <a:lnRef idx="1">
+            <a:schemeClr val="accent2"/>
+          </a:lnRef>
+          <a:fillRef idx="2">
+            <a:schemeClr val="accent2"/>
+          </a:fillRef>
+          <a:effectRef idx="1">
+            <a:schemeClr val="accent2"/>
+          </a:effectRef>
+          <a:fontRef idx="minor">
+            <a:schemeClr val="dk1"/>
+          </a:fontRef>
+        </p:style>
+        <p:txBody>
+          <a:bodyPr rtlCol="0" anchor="ctr"/>
+          <a:lstStyle/>
+          <a:p>
+            <a:pPr algn="ctr"/>
+            <a:r>
+              <a:rPr lang="en-US" sz="1050" dirty="0">
+                <a:solidFill>
+                  <a:schemeClr val="bg1"/>
+                </a:solidFill>
+              </a:rPr>
+              <a:t>&lt;&lt;interface&gt;&gt;</a:t>
+            </a:r>
+            <a:br>
+              <a:rPr lang="en-US" sz="1050" dirty="0">
+                <a:solidFill>
+                  <a:schemeClr val="bg1"/>
+                </a:solidFill>
+              </a:rPr>
+            </a:br>
+            <a:r>
+              <a:rPr lang="en-US" sz="1050" dirty="0" err="1">
+                <a:solidFill>
+                  <a:schemeClr val="bg1"/>
+                </a:solidFill>
+              </a:rPr>
+              <a:t>ToDoListStorage</a:t>
+            </a:r>
+            <a:endParaRPr lang="en-SG" sz="1050" dirty="0">
+              <a:solidFill>
+                <a:schemeClr val="bg1"/>
+              </a:solidFill>
+            </a:endParaRPr>
+          </a:p>
+        </p:txBody>
+      </p:sp>
+      <p:cxnSp>
+        <p:nvCxnSpPr>
+          <p:cNvPr id="28" name="Straight Arrow Connector 27">
+            <a:extLst>
+              <a:ext uri="{FF2B5EF4-FFF2-40B4-BE49-F238E27FC236}">
+                <a16:creationId xmlns:a16="http://schemas.microsoft.com/office/drawing/2014/main" id="{E74CC45D-7049-447D-B47A-CA46F9A911E4}"/>
+              </a:ext>
+            </a:extLst>
+          </p:cNvPr>
+          <p:cNvCxnSpPr>
+            <a:cxnSpLocks/>
+            <a:stCxn id="26" idx="3"/>
+            <a:endCxn id="27" idx="1"/>
+          </p:cNvCxnSpPr>
+          <p:nvPr/>
+        </p:nvCxnSpPr>
+        <p:spPr>
+          <a:xfrm>
+            <a:off x="2678309" y="3923862"/>
+            <a:ext cx="196711" cy="8358"/>
+          </a:xfrm>
+          <a:prstGeom prst="straightConnector1">
+            <a:avLst/>
+          </a:prstGeom>
+          <a:ln w="19050">
+            <a:solidFill>
+              <a:schemeClr val="accent6">
+                <a:lumMod val="75000"/>
+              </a:schemeClr>
+            </a:solidFill>
+            <a:headEnd type="none" w="med" len="med"/>
+            <a:tailEnd type="arrow" w="med" len="med"/>
+          </a:ln>
+          <a:effectLst/>
+        </p:spPr>
+        <p:style>
+          <a:lnRef idx="1">
+            <a:schemeClr val="accent2"/>
+          </a:lnRef>
+          <a:fillRef idx="2">
+            <a:schemeClr val="accent2"/>
+          </a:fillRef>
+          <a:effectRef idx="1">
+            <a:schemeClr val="accent2"/>
+          </a:effectRef>
+          <a:fontRef idx="minor">
+            <a:schemeClr val="dk1"/>
+          </a:fontRef>
+        </p:style>
+      </p:cxnSp>
+      <p:sp>
+        <p:nvSpPr>
+          <p:cNvPr id="29" name="Isosceles Triangle 102">
+            <a:extLst>
+              <a:ext uri="{FF2B5EF4-FFF2-40B4-BE49-F238E27FC236}">
+                <a16:creationId xmlns:a16="http://schemas.microsoft.com/office/drawing/2014/main" id="{DD667DDE-C379-49ED-A7F8-487196BCD721}"/>
+              </a:ext>
+            </a:extLst>
+          </p:cNvPr>
+          <p:cNvSpPr/>
+          <p:nvPr/>
+        </p:nvSpPr>
+        <p:spPr>
+          <a:xfrm rot="5400000" flipV="1">
+            <a:off x="4171790" y="3836101"/>
+            <a:ext cx="270504" cy="175523"/>
+          </a:xfrm>
+          <a:prstGeom prst="triangle">
+            <a:avLst/>
+          </a:prstGeom>
+          <a:solidFill>
+            <a:schemeClr val="accent6">
+              <a:lumMod val="75000"/>
+            </a:schemeClr>
+          </a:solidFill>
+          <a:ln w="19050">
+            <a:solidFill>
+              <a:schemeClr val="accent6">
+                <a:lumMod val="75000"/>
+              </a:schemeClr>
+            </a:solidFill>
+          </a:ln>
+          <a:effectLst/>
+        </p:spPr>
+        <p:style>
+          <a:lnRef idx="1">
+            <a:schemeClr val="accent2"/>
+          </a:lnRef>
+          <a:fillRef idx="2">
+            <a:schemeClr val="accent2"/>
+          </a:fillRef>
+          <a:effectRef idx="1">
+            <a:schemeClr val="accent2"/>
+          </a:effectRef>
+          <a:fontRef idx="minor">
+            <a:schemeClr val="dk1"/>
+          </a:fontRef>
+        </p:style>
+        <p:txBody>
+          <a:bodyPr rtlCol="0" anchor="ctr"/>
+          <a:lstStyle/>
+          <a:p>
+            <a:pPr algn="ctr"/>
+            <a:endParaRPr lang="en-SG" sz="1050">
+              <a:solidFill>
+                <a:schemeClr val="bg1"/>
+              </a:solidFill>
+            </a:endParaRPr>
+          </a:p>
+        </p:txBody>
+      </p:sp>
+      <p:cxnSp>
+        <p:nvCxnSpPr>
+          <p:cNvPr id="32" name="Elbow Connector 122">
+            <a:extLst>
+              <a:ext uri="{FF2B5EF4-FFF2-40B4-BE49-F238E27FC236}">
+                <a16:creationId xmlns:a16="http://schemas.microsoft.com/office/drawing/2014/main" id="{060AF5F2-1330-4DEE-BE86-8579C66AC615}"/>
+              </a:ext>
+            </a:extLst>
+          </p:cNvPr>
+          <p:cNvCxnSpPr>
+            <a:cxnSpLocks/>
+            <a:stCxn id="33" idx="3"/>
+            <a:endCxn id="34" idx="1"/>
+          </p:cNvCxnSpPr>
+          <p:nvPr/>
+        </p:nvCxnSpPr>
+        <p:spPr>
+          <a:xfrm>
+            <a:off x="5791200" y="3923862"/>
+            <a:ext cx="221533" cy="1970"/>
+          </a:xfrm>
+          <a:prstGeom prst="bentConnector3">
+            <a:avLst>
+              <a:gd name="adj1" fmla="val 50000"/>
+            </a:avLst>
+          </a:prstGeom>
+          <a:ln w="19050">
+            <a:solidFill>
+              <a:schemeClr val="accent6">
+                <a:lumMod val="75000"/>
+              </a:schemeClr>
+            </a:solidFill>
+            <a:prstDash val="sysDot"/>
+            <a:headEnd type="none" w="med" len="med"/>
+            <a:tailEnd type="arrow" w="med" len="med"/>
+          </a:ln>
+          <a:effectLst/>
+        </p:spPr>
+        <p:style>
+          <a:lnRef idx="1">
+            <a:schemeClr val="accent2"/>
+          </a:lnRef>
+          <a:fillRef idx="2">
+            <a:schemeClr val="accent2"/>
+          </a:fillRef>
+          <a:effectRef idx="1">
+            <a:schemeClr val="accent2"/>
+          </a:effectRef>
+          <a:fontRef idx="minor">
+            <a:schemeClr val="dk1"/>
+          </a:fontRef>
+        </p:style>
+      </p:cxnSp>
+      <p:sp>
+        <p:nvSpPr>
+          <p:cNvPr id="33" name="Rectangle 8">
+            <a:extLst>
+              <a:ext uri="{FF2B5EF4-FFF2-40B4-BE49-F238E27FC236}">
+                <a16:creationId xmlns:a16="http://schemas.microsoft.com/office/drawing/2014/main" id="{488814A6-CADC-4E23-B003-DA26E9B37021}"/>
+              </a:ext>
+            </a:extLst>
+          </p:cNvPr>
+          <p:cNvSpPr/>
+          <p:nvPr/>
+        </p:nvSpPr>
+        <p:spPr>
+          <a:xfrm>
+            <a:off x="4614298" y="3750482"/>
+            <a:ext cx="1176902" cy="346760"/>
+          </a:xfrm>
+          <a:prstGeom prst="rect">
+            <a:avLst/>
+          </a:prstGeom>
+          <a:ln w="19050"/>
+          <a:effectLst/>
+        </p:spPr>
+        <p:style>
+          <a:lnRef idx="1">
+            <a:schemeClr val="accent6"/>
+          </a:lnRef>
+          <a:fillRef idx="2">
+            <a:schemeClr val="accent6"/>
+          </a:fillRef>
+          <a:effectRef idx="1">
+            <a:schemeClr val="accent6"/>
+          </a:effectRef>
+          <a:fontRef idx="minor">
+            <a:schemeClr val="dk1"/>
+          </a:fontRef>
+        </p:style>
+        <p:txBody>
+          <a:bodyPr rtlCol="0" anchor="ctr"/>
+          <a:lstStyle/>
+          <a:p>
+            <a:pPr algn="ctr"/>
+            <a:r>
+              <a:rPr lang="en-US" sz="1050" b="1" dirty="0" err="1">
+                <a:solidFill>
+                  <a:schemeClr val="accent6">
+                    <a:lumMod val="75000"/>
+                  </a:schemeClr>
+                </a:solidFill>
+              </a:rPr>
+              <a:t>XmlToDoList</a:t>
+            </a:r>
+            <a:r>
+              <a:rPr lang="en-US" sz="1050" b="1" dirty="0">
+                <a:solidFill>
+                  <a:schemeClr val="accent6">
+                    <a:lumMod val="75000"/>
+                  </a:schemeClr>
+                </a:solidFill>
+              </a:rPr>
+              <a:t> Storage</a:t>
+            </a:r>
+            <a:endParaRPr lang="en-SG" sz="1050" b="1" dirty="0">
+              <a:solidFill>
+                <a:schemeClr val="accent6">
+                  <a:lumMod val="75000"/>
+                </a:schemeClr>
+              </a:solidFill>
+            </a:endParaRPr>
+          </a:p>
+        </p:txBody>
+      </p:sp>
+      <p:sp>
+        <p:nvSpPr>
+          <p:cNvPr id="34" name="Rectangle 8">
+            <a:extLst>
+              <a:ext uri="{FF2B5EF4-FFF2-40B4-BE49-F238E27FC236}">
+                <a16:creationId xmlns:a16="http://schemas.microsoft.com/office/drawing/2014/main" id="{2D6F006B-DDB5-4823-8E7C-EAC1155A5270}"/>
+              </a:ext>
+            </a:extLst>
+          </p:cNvPr>
+          <p:cNvSpPr/>
+          <p:nvPr/>
+        </p:nvSpPr>
+        <p:spPr>
+          <a:xfrm>
+            <a:off x="6012733" y="3752452"/>
+            <a:ext cx="1200707" cy="346760"/>
+          </a:xfrm>
+          <a:prstGeom prst="rect">
+            <a:avLst/>
+          </a:prstGeom>
+          <a:ln w="19050"/>
+          <a:effectLst/>
+        </p:spPr>
+        <p:style>
+          <a:lnRef idx="1">
+            <a:schemeClr val="accent6"/>
+          </a:lnRef>
+          <a:fillRef idx="2">
+            <a:schemeClr val="accent6"/>
+          </a:fillRef>
+          <a:effectRef idx="1">
+            <a:schemeClr val="accent6"/>
+          </a:effectRef>
+          <a:fontRef idx="minor">
+            <a:schemeClr val="dk1"/>
+          </a:fontRef>
+        </p:style>
+        <p:txBody>
+          <a:bodyPr rtlCol="0" anchor="ctr"/>
+          <a:lstStyle/>
+          <a:p>
+            <a:pPr algn="ctr"/>
+            <a:r>
+              <a:rPr lang="en-US" sz="1050" b="1" dirty="0" err="1">
+                <a:solidFill>
+                  <a:schemeClr val="accent6">
+                    <a:lumMod val="75000"/>
+                  </a:schemeClr>
+                </a:solidFill>
+              </a:rPr>
+              <a:t>XmlSerializable</a:t>
+            </a:r>
+            <a:br>
+              <a:rPr lang="en-US" sz="1050" b="1" dirty="0">
+                <a:solidFill>
+                  <a:schemeClr val="accent6">
+                    <a:lumMod val="75000"/>
+                  </a:schemeClr>
+                </a:solidFill>
+              </a:rPr>
+            </a:br>
+            <a:r>
+              <a:rPr lang="en-US" sz="1050" b="1" dirty="0" err="1">
+                <a:solidFill>
+                  <a:schemeClr val="accent6">
+                    <a:lumMod val="75000"/>
+                  </a:schemeClr>
+                </a:solidFill>
+              </a:rPr>
+              <a:t>ToDoList</a:t>
+            </a:r>
+            <a:endParaRPr lang="en-SG" sz="1050" b="1" dirty="0">
+              <a:solidFill>
+                <a:schemeClr val="accent6">
+                  <a:lumMod val="75000"/>
+                </a:schemeClr>
+              </a:solidFill>
+            </a:endParaRPr>
+          </a:p>
+        </p:txBody>
+      </p:sp>
+      <p:sp>
+        <p:nvSpPr>
+          <p:cNvPr id="35" name="Rectangle 8">
+            <a:extLst>
+              <a:ext uri="{FF2B5EF4-FFF2-40B4-BE49-F238E27FC236}">
+                <a16:creationId xmlns:a16="http://schemas.microsoft.com/office/drawing/2014/main" id="{76C5A4B1-7933-4BA6-A83D-37F3506C577B}"/>
+              </a:ext>
+            </a:extLst>
+          </p:cNvPr>
+          <p:cNvSpPr/>
+          <p:nvPr/>
+        </p:nvSpPr>
+        <p:spPr>
+          <a:xfrm>
+            <a:off x="7608671" y="3751666"/>
+            <a:ext cx="1259718" cy="346760"/>
+          </a:xfrm>
+          <a:prstGeom prst="rect">
+            <a:avLst/>
+          </a:prstGeom>
+          <a:ln w="19050"/>
+          <a:effectLst/>
+        </p:spPr>
+        <p:style>
+          <a:lnRef idx="1">
+            <a:schemeClr val="accent6"/>
+          </a:lnRef>
+          <a:fillRef idx="2">
+            <a:schemeClr val="accent6"/>
+          </a:fillRef>
+          <a:effectRef idx="1">
+            <a:schemeClr val="accent6"/>
+          </a:effectRef>
+          <a:fontRef idx="minor">
+            <a:schemeClr val="dk1"/>
+          </a:fontRef>
+        </p:style>
+        <p:txBody>
+          <a:bodyPr rtlCol="0" anchor="ctr"/>
+          <a:lstStyle/>
+          <a:p>
+            <a:pPr algn="ctr"/>
+            <a:r>
+              <a:rPr lang="en-US" sz="1050" b="1" dirty="0" err="1">
+                <a:solidFill>
+                  <a:schemeClr val="accent6">
+                    <a:lumMod val="75000"/>
+                  </a:schemeClr>
+                </a:solidFill>
+              </a:rPr>
+              <a:t>XmlAdapted</a:t>
+            </a:r>
+            <a:endParaRPr lang="en-US" sz="1050" b="1" dirty="0">
+              <a:solidFill>
+                <a:schemeClr val="accent6">
+                  <a:lumMod val="75000"/>
+                </a:schemeClr>
+              </a:solidFill>
+            </a:endParaRPr>
+          </a:p>
+          <a:p>
+            <a:pPr algn="ctr"/>
+            <a:r>
+              <a:rPr lang="en-US" sz="1050" b="1" dirty="0" err="1">
+                <a:solidFill>
+                  <a:schemeClr val="accent6">
+                    <a:lumMod val="75000"/>
+                  </a:schemeClr>
+                </a:solidFill>
+              </a:rPr>
+              <a:t>ToDoListEvent</a:t>
+            </a:r>
+            <a:endParaRPr lang="en-SG" sz="1050" b="1" dirty="0">
+              <a:solidFill>
+                <a:schemeClr val="accent6">
+                  <a:lumMod val="75000"/>
+                </a:schemeClr>
+              </a:solidFill>
+            </a:endParaRPr>
+          </a:p>
+        </p:txBody>
+      </p:sp>
+      <p:cxnSp>
+        <p:nvCxnSpPr>
+          <p:cNvPr id="36" name="Elbow Connector 122">
+            <a:extLst>
+              <a:ext uri="{FF2B5EF4-FFF2-40B4-BE49-F238E27FC236}">
+                <a16:creationId xmlns:a16="http://schemas.microsoft.com/office/drawing/2014/main" id="{3C73D896-0878-4E4D-948C-A44AE44685D5}"/>
+              </a:ext>
+            </a:extLst>
+          </p:cNvPr>
+          <p:cNvCxnSpPr>
+            <a:stCxn id="34" idx="3"/>
+            <a:endCxn id="35" idx="1"/>
+          </p:cNvCxnSpPr>
+          <p:nvPr/>
+        </p:nvCxnSpPr>
+        <p:spPr>
+          <a:xfrm flipV="1">
+            <a:off x="7213440" y="3925046"/>
+            <a:ext cx="395231" cy="786"/>
+          </a:xfrm>
+          <a:prstGeom prst="bentConnector3">
+            <a:avLst>
+              <a:gd name="adj1" fmla="val 50000"/>
+            </a:avLst>
+          </a:prstGeom>
+          <a:ln w="19050">
+            <a:prstDash val="sysDot"/>
+            <a:headEnd type="none" w="med" len="med"/>
+            <a:tailEnd type="arrow" w="med" len="med"/>
+          </a:ln>
+          <a:effectLst/>
+        </p:spPr>
+        <p:style>
+          <a:lnRef idx="1">
+            <a:schemeClr val="accent6"/>
+          </a:lnRef>
+          <a:fillRef idx="2">
+            <a:schemeClr val="accent6"/>
+          </a:fillRef>
+          <a:effectRef idx="1">
+            <a:schemeClr val="accent6"/>
+          </a:effectRef>
+          <a:fontRef idx="minor">
+            <a:schemeClr val="dk1"/>
+          </a:fontRef>
+        </p:style>
+      </p:cxnSp>
+      <p:cxnSp>
+        <p:nvCxnSpPr>
+          <p:cNvPr id="37" name="Elbow Connector 63">
+            <a:extLst>
+              <a:ext uri="{FF2B5EF4-FFF2-40B4-BE49-F238E27FC236}">
+                <a16:creationId xmlns:a16="http://schemas.microsoft.com/office/drawing/2014/main" id="{F15E9BBF-42B0-4204-9834-DE2069310E2A}"/>
+              </a:ext>
+            </a:extLst>
+          </p:cNvPr>
+          <p:cNvCxnSpPr>
+            <a:cxnSpLocks/>
+            <a:stCxn id="29" idx="3"/>
+            <a:endCxn id="33" idx="1"/>
+          </p:cNvCxnSpPr>
+          <p:nvPr/>
+        </p:nvCxnSpPr>
+        <p:spPr>
+          <a:xfrm flipV="1">
+            <a:off x="4394804" y="3923862"/>
+            <a:ext cx="219494" cy="1"/>
+          </a:xfrm>
+          <a:prstGeom prst="bentConnector3">
+            <a:avLst>
+              <a:gd name="adj1" fmla="val 50000"/>
+            </a:avLst>
+          </a:prstGeom>
+          <a:ln w="19050">
+            <a:solidFill>
+              <a:schemeClr val="accent6">
+                <a:lumMod val="75000"/>
+              </a:schemeClr>
+            </a:solidFill>
+            <a:prstDash val="sysDot"/>
+            <a:headEnd type="none" w="med" len="med"/>
+            <a:tailEnd type="none" w="med" len="med"/>
+          </a:ln>
+          <a:effectLst/>
+        </p:spPr>
+        <p:style>
+          <a:lnRef idx="1">
+            <a:schemeClr val="accent2"/>
+          </a:lnRef>
+          <a:fillRef idx="2">
+            <a:schemeClr val="accent2"/>
+          </a:fillRef>
+          <a:effectRef idx="1">
+            <a:schemeClr val="accent2"/>
           </a:effectRef>
           <a:fontRef idx="minor">
             <a:schemeClr val="dk1"/>
@@ -4843,13 +5469,6 @@
   <p:clrMapOvr>
     <a:masterClrMapping/>
   </p:clrMapOvr>
-  <p:timing>
-    <p:tnLst>
-      <p:par>
-        <p:cTn id="1" dur="indefinite" restart="never" nodeType="tmRoot"/>
-      </p:par>
-    </p:tnLst>
-  </p:timing>
 </p:sld>
 </file>
 

--- a/docs/diagrams/StorageComponentClassDiagram.pptx
+++ b/docs/diagrams/StorageComponentClassDiagram.pptx
@@ -107,6 +107,22 @@
       </a:defRPr>
     </a:lvl9pPr>
   </p:defaultTextStyle>
+  <p:extLst>
+    <p:ext uri="{EFAFB233-063F-42B5-8137-9DF3F51BA10A}">
+      <p15:sldGuideLst xmlns:p15="http://schemas.microsoft.com/office/powerpoint/2012/main">
+        <p15:guide id="1" orient="horz" pos="1488">
+          <p15:clr>
+            <a:srgbClr val="A4A3A4"/>
+          </p15:clr>
+        </p15:guide>
+        <p15:guide id="2" pos="2880">
+          <p15:clr>
+            <a:srgbClr val="A4A3A4"/>
+          </p15:clr>
+        </p15:guide>
+      </p15:sldGuideLst>
+    </p:ext>
+  </p:extLst>
 </p:presentation>
 </file>
 
@@ -192,7 +208,7 @@
           <a:p>
             <a:fld id="{F5CC4B3F-88C1-4FFA-B1B6-F41C21DC6924}" type="datetimeFigureOut">
               <a:rPr lang="en-US" smtClean="0"/>
-              <a:t>10/16/2016</a:t>
+              <a:t>11/11/2018</a:t>
             </a:fld>
             <a:endParaRPr lang="en-US"/>
           </a:p>
@@ -256,38 +272,37 @@
           <a:p>
             <a:pPr lvl="0"/>
             <a:r>
-              <a:rPr lang="en-US" smtClean="0"/>
+              <a:rPr lang="en-US"/>
               <a:t>Click to edit Master text styles</a:t>
             </a:r>
           </a:p>
           <a:p>
             <a:pPr lvl="1"/>
             <a:r>
-              <a:rPr lang="en-US" smtClean="0"/>
+              <a:rPr lang="en-US"/>
               <a:t>Second level</a:t>
             </a:r>
           </a:p>
           <a:p>
             <a:pPr lvl="2"/>
             <a:r>
-              <a:rPr lang="en-US" smtClean="0"/>
+              <a:rPr lang="en-US"/>
               <a:t>Third level</a:t>
             </a:r>
           </a:p>
           <a:p>
             <a:pPr lvl="3"/>
             <a:r>
-              <a:rPr lang="en-US" smtClean="0"/>
+              <a:rPr lang="en-US"/>
               <a:t>Fourth level</a:t>
             </a:r>
           </a:p>
           <a:p>
             <a:pPr lvl="4"/>
             <a:r>
-              <a:rPr lang="en-US" smtClean="0"/>
+              <a:rPr lang="en-US"/>
               <a:t>Fifth level</a:t>
             </a:r>
-            <a:endParaRPr lang="en-US"/>
           </a:p>
         </p:txBody>
       </p:sp>
@@ -498,10 +513,9 @@
           <a:lstStyle/>
           <a:p>
             <a:r>
-              <a:rPr lang="en-US" smtClean="0"/>
+              <a:rPr lang="en-US"/>
               <a:t>Click to edit Master title style</a:t>
             </a:r>
-            <a:endParaRPr lang="en-US"/>
           </a:p>
         </p:txBody>
       </p:sp>
@@ -617,10 +631,9 @@
           </a:lstStyle>
           <a:p>
             <a:r>
-              <a:rPr lang="en-US" smtClean="0"/>
+              <a:rPr lang="en-US"/>
               <a:t>Click to edit Master subtitle style</a:t>
             </a:r>
-            <a:endParaRPr lang="en-US"/>
           </a:p>
         </p:txBody>
       </p:sp>
@@ -641,7 +654,7 @@
           <a:p>
             <a:fld id="{78C97017-6FC3-485B-9764-EAC9E56C1D49}" type="datetimeFigureOut">
               <a:rPr lang="en-US" smtClean="0"/>
-              <a:t>10/16/2016</a:t>
+              <a:t>11/11/2018</a:t>
             </a:fld>
             <a:endParaRPr lang="en-US"/>
           </a:p>
@@ -735,10 +748,9 @@
           <a:lstStyle/>
           <a:p>
             <a:r>
-              <a:rPr lang="en-US" smtClean="0"/>
+              <a:rPr lang="en-US"/>
               <a:t>Click to edit Master title style</a:t>
             </a:r>
-            <a:endParaRPr lang="en-US"/>
           </a:p>
         </p:txBody>
       </p:sp>
@@ -759,38 +771,37 @@
           <a:p>
             <a:pPr lvl="0"/>
             <a:r>
-              <a:rPr lang="en-US" smtClean="0"/>
+              <a:rPr lang="en-US"/>
               <a:t>Click to edit Master text styles</a:t>
             </a:r>
           </a:p>
           <a:p>
             <a:pPr lvl="1"/>
             <a:r>
-              <a:rPr lang="en-US" smtClean="0"/>
+              <a:rPr lang="en-US"/>
               <a:t>Second level</a:t>
             </a:r>
           </a:p>
           <a:p>
             <a:pPr lvl="2"/>
             <a:r>
-              <a:rPr lang="en-US" smtClean="0"/>
+              <a:rPr lang="en-US"/>
               <a:t>Third level</a:t>
             </a:r>
           </a:p>
           <a:p>
             <a:pPr lvl="3"/>
             <a:r>
-              <a:rPr lang="en-US" smtClean="0"/>
+              <a:rPr lang="en-US"/>
               <a:t>Fourth level</a:t>
             </a:r>
           </a:p>
           <a:p>
             <a:pPr lvl="4"/>
             <a:r>
-              <a:rPr lang="en-US" smtClean="0"/>
+              <a:rPr lang="en-US"/>
               <a:t>Fifth level</a:t>
             </a:r>
-            <a:endParaRPr lang="en-US"/>
           </a:p>
         </p:txBody>
       </p:sp>
@@ -811,7 +822,7 @@
           <a:p>
             <a:fld id="{78C97017-6FC3-485B-9764-EAC9E56C1D49}" type="datetimeFigureOut">
               <a:rPr lang="en-US" smtClean="0"/>
-              <a:t>10/16/2016</a:t>
+              <a:t>11/11/2018</a:t>
             </a:fld>
             <a:endParaRPr lang="en-US"/>
           </a:p>
@@ -910,10 +921,9 @@
           <a:lstStyle/>
           <a:p>
             <a:r>
-              <a:rPr lang="en-US" smtClean="0"/>
+              <a:rPr lang="en-US"/>
               <a:t>Click to edit Master title style</a:t>
             </a:r>
-            <a:endParaRPr lang="en-US"/>
           </a:p>
         </p:txBody>
       </p:sp>
@@ -939,38 +949,37 @@
           <a:p>
             <a:pPr lvl="0"/>
             <a:r>
-              <a:rPr lang="en-US" smtClean="0"/>
+              <a:rPr lang="en-US"/>
               <a:t>Click to edit Master text styles</a:t>
             </a:r>
           </a:p>
           <a:p>
             <a:pPr lvl="1"/>
             <a:r>
-              <a:rPr lang="en-US" smtClean="0"/>
+              <a:rPr lang="en-US"/>
               <a:t>Second level</a:t>
             </a:r>
           </a:p>
           <a:p>
             <a:pPr lvl="2"/>
             <a:r>
-              <a:rPr lang="en-US" smtClean="0"/>
+              <a:rPr lang="en-US"/>
               <a:t>Third level</a:t>
             </a:r>
           </a:p>
           <a:p>
             <a:pPr lvl="3"/>
             <a:r>
-              <a:rPr lang="en-US" smtClean="0"/>
+              <a:rPr lang="en-US"/>
               <a:t>Fourth level</a:t>
             </a:r>
           </a:p>
           <a:p>
             <a:pPr lvl="4"/>
             <a:r>
-              <a:rPr lang="en-US" smtClean="0"/>
+              <a:rPr lang="en-US"/>
               <a:t>Fifth level</a:t>
             </a:r>
-            <a:endParaRPr lang="en-US"/>
           </a:p>
         </p:txBody>
       </p:sp>
@@ -991,7 +1000,7 @@
           <a:p>
             <a:fld id="{78C97017-6FC3-485B-9764-EAC9E56C1D49}" type="datetimeFigureOut">
               <a:rPr lang="en-US" smtClean="0"/>
-              <a:t>10/16/2016</a:t>
+              <a:t>11/11/2018</a:t>
             </a:fld>
             <a:endParaRPr lang="en-US"/>
           </a:p>
@@ -1085,10 +1094,9 @@
           <a:lstStyle/>
           <a:p>
             <a:r>
-              <a:rPr lang="en-US" smtClean="0"/>
+              <a:rPr lang="en-US"/>
               <a:t>Click to edit Master title style</a:t>
             </a:r>
-            <a:endParaRPr lang="en-US"/>
           </a:p>
         </p:txBody>
       </p:sp>
@@ -1109,38 +1117,37 @@
           <a:p>
             <a:pPr lvl="0"/>
             <a:r>
-              <a:rPr lang="en-US" smtClean="0"/>
+              <a:rPr lang="en-US"/>
               <a:t>Click to edit Master text styles</a:t>
             </a:r>
           </a:p>
           <a:p>
             <a:pPr lvl="1"/>
             <a:r>
-              <a:rPr lang="en-US" smtClean="0"/>
+              <a:rPr lang="en-US"/>
               <a:t>Second level</a:t>
             </a:r>
           </a:p>
           <a:p>
             <a:pPr lvl="2"/>
             <a:r>
-              <a:rPr lang="en-US" smtClean="0"/>
+              <a:rPr lang="en-US"/>
               <a:t>Third level</a:t>
             </a:r>
           </a:p>
           <a:p>
             <a:pPr lvl="3"/>
             <a:r>
-              <a:rPr lang="en-US" smtClean="0"/>
+              <a:rPr lang="en-US"/>
               <a:t>Fourth level</a:t>
             </a:r>
           </a:p>
           <a:p>
             <a:pPr lvl="4"/>
             <a:r>
-              <a:rPr lang="en-US" smtClean="0"/>
+              <a:rPr lang="en-US"/>
               <a:t>Fifth level</a:t>
             </a:r>
-            <a:endParaRPr lang="en-US"/>
           </a:p>
         </p:txBody>
       </p:sp>
@@ -1161,7 +1168,7 @@
           <a:p>
             <a:fld id="{78C97017-6FC3-485B-9764-EAC9E56C1D49}" type="datetimeFigureOut">
               <a:rPr lang="en-US" smtClean="0"/>
-              <a:t>10/16/2016</a:t>
+              <a:t>11/11/2018</a:t>
             </a:fld>
             <a:endParaRPr lang="en-US"/>
           </a:p>
@@ -1264,10 +1271,9 @@
           </a:lstStyle>
           <a:p>
             <a:r>
-              <a:rPr lang="en-US" smtClean="0"/>
+              <a:rPr lang="en-US"/>
               <a:t>Click to edit Master title style</a:t>
             </a:r>
-            <a:endParaRPr lang="en-US"/>
           </a:p>
         </p:txBody>
       </p:sp>
@@ -1384,7 +1390,7 @@
           <a:p>
             <a:pPr lvl="0"/>
             <a:r>
-              <a:rPr lang="en-US" smtClean="0"/>
+              <a:rPr lang="en-US"/>
               <a:t>Click to edit Master text styles</a:t>
             </a:r>
           </a:p>
@@ -1407,7 +1413,7 @@
           <a:p>
             <a:fld id="{78C97017-6FC3-485B-9764-EAC9E56C1D49}" type="datetimeFigureOut">
               <a:rPr lang="en-US" smtClean="0"/>
-              <a:t>10/16/2016</a:t>
+              <a:t>11/11/2018</a:t>
             </a:fld>
             <a:endParaRPr lang="en-US"/>
           </a:p>
@@ -1501,10 +1507,9 @@
           <a:lstStyle/>
           <a:p>
             <a:r>
-              <a:rPr lang="en-US" smtClean="0"/>
+              <a:rPr lang="en-US"/>
               <a:t>Click to edit Master title style</a:t>
             </a:r>
-            <a:endParaRPr lang="en-US"/>
           </a:p>
         </p:txBody>
       </p:sp>
@@ -1558,38 +1563,37 @@
           <a:p>
             <a:pPr lvl="0"/>
             <a:r>
-              <a:rPr lang="en-US" smtClean="0"/>
+              <a:rPr lang="en-US"/>
               <a:t>Click to edit Master text styles</a:t>
             </a:r>
           </a:p>
           <a:p>
             <a:pPr lvl="1"/>
             <a:r>
-              <a:rPr lang="en-US" smtClean="0"/>
+              <a:rPr lang="en-US"/>
               <a:t>Second level</a:t>
             </a:r>
           </a:p>
           <a:p>
             <a:pPr lvl="2"/>
             <a:r>
-              <a:rPr lang="en-US" smtClean="0"/>
+              <a:rPr lang="en-US"/>
               <a:t>Third level</a:t>
             </a:r>
           </a:p>
           <a:p>
             <a:pPr lvl="3"/>
             <a:r>
-              <a:rPr lang="en-US" smtClean="0"/>
+              <a:rPr lang="en-US"/>
               <a:t>Fourth level</a:t>
             </a:r>
           </a:p>
           <a:p>
             <a:pPr lvl="4"/>
             <a:r>
-              <a:rPr lang="en-US" smtClean="0"/>
+              <a:rPr lang="en-US"/>
               <a:t>Fifth level</a:t>
             </a:r>
-            <a:endParaRPr lang="en-US"/>
           </a:p>
         </p:txBody>
       </p:sp>
@@ -1643,38 +1647,37 @@
           <a:p>
             <a:pPr lvl="0"/>
             <a:r>
-              <a:rPr lang="en-US" smtClean="0"/>
+              <a:rPr lang="en-US"/>
               <a:t>Click to edit Master text styles</a:t>
             </a:r>
           </a:p>
           <a:p>
             <a:pPr lvl="1"/>
             <a:r>
-              <a:rPr lang="en-US" smtClean="0"/>
+              <a:rPr lang="en-US"/>
               <a:t>Second level</a:t>
             </a:r>
           </a:p>
           <a:p>
             <a:pPr lvl="2"/>
             <a:r>
-              <a:rPr lang="en-US" smtClean="0"/>
+              <a:rPr lang="en-US"/>
               <a:t>Third level</a:t>
             </a:r>
           </a:p>
           <a:p>
             <a:pPr lvl="3"/>
             <a:r>
-              <a:rPr lang="en-US" smtClean="0"/>
+              <a:rPr lang="en-US"/>
               <a:t>Fourth level</a:t>
             </a:r>
           </a:p>
           <a:p>
             <a:pPr lvl="4"/>
             <a:r>
-              <a:rPr lang="en-US" smtClean="0"/>
+              <a:rPr lang="en-US"/>
               <a:t>Fifth level</a:t>
             </a:r>
-            <a:endParaRPr lang="en-US"/>
           </a:p>
         </p:txBody>
       </p:sp>
@@ -1695,7 +1698,7 @@
           <a:p>
             <a:fld id="{78C97017-6FC3-485B-9764-EAC9E56C1D49}" type="datetimeFigureOut">
               <a:rPr lang="en-US" smtClean="0"/>
-              <a:t>10/16/2016</a:t>
+              <a:t>11/11/2018</a:t>
             </a:fld>
             <a:endParaRPr lang="en-US"/>
           </a:p>
@@ -1793,10 +1796,9 @@
           </a:lstStyle>
           <a:p>
             <a:r>
-              <a:rPr lang="en-US" smtClean="0"/>
+              <a:rPr lang="en-US"/>
               <a:t>Click to edit Master title style</a:t>
             </a:r>
-            <a:endParaRPr lang="en-US"/>
           </a:p>
         </p:txBody>
       </p:sp>
@@ -1859,7 +1861,7 @@
           <a:p>
             <a:pPr lvl="0"/>
             <a:r>
-              <a:rPr lang="en-US" smtClean="0"/>
+              <a:rPr lang="en-US"/>
               <a:t>Click to edit Master text styles</a:t>
             </a:r>
           </a:p>
@@ -1915,38 +1917,37 @@
           <a:p>
             <a:pPr lvl="0"/>
             <a:r>
-              <a:rPr lang="en-US" smtClean="0"/>
+              <a:rPr lang="en-US"/>
               <a:t>Click to edit Master text styles</a:t>
             </a:r>
           </a:p>
           <a:p>
             <a:pPr lvl="1"/>
             <a:r>
-              <a:rPr lang="en-US" smtClean="0"/>
+              <a:rPr lang="en-US"/>
               <a:t>Second level</a:t>
             </a:r>
           </a:p>
           <a:p>
             <a:pPr lvl="2"/>
             <a:r>
-              <a:rPr lang="en-US" smtClean="0"/>
+              <a:rPr lang="en-US"/>
               <a:t>Third level</a:t>
             </a:r>
           </a:p>
           <a:p>
             <a:pPr lvl="3"/>
             <a:r>
-              <a:rPr lang="en-US" smtClean="0"/>
+              <a:rPr lang="en-US"/>
               <a:t>Fourth level</a:t>
             </a:r>
           </a:p>
           <a:p>
             <a:pPr lvl="4"/>
             <a:r>
-              <a:rPr lang="en-US" smtClean="0"/>
+              <a:rPr lang="en-US"/>
               <a:t>Fifth level</a:t>
             </a:r>
-            <a:endParaRPr lang="en-US"/>
           </a:p>
         </p:txBody>
       </p:sp>
@@ -2009,7 +2010,7 @@
           <a:p>
             <a:pPr lvl="0"/>
             <a:r>
-              <a:rPr lang="en-US" smtClean="0"/>
+              <a:rPr lang="en-US"/>
               <a:t>Click to edit Master text styles</a:t>
             </a:r>
           </a:p>
@@ -2065,38 +2066,37 @@
           <a:p>
             <a:pPr lvl="0"/>
             <a:r>
-              <a:rPr lang="en-US" smtClean="0"/>
+              <a:rPr lang="en-US"/>
               <a:t>Click to edit Master text styles</a:t>
             </a:r>
           </a:p>
           <a:p>
             <a:pPr lvl="1"/>
             <a:r>
-              <a:rPr lang="en-US" smtClean="0"/>
+              <a:rPr lang="en-US"/>
               <a:t>Second level</a:t>
             </a:r>
           </a:p>
           <a:p>
             <a:pPr lvl="2"/>
             <a:r>
-              <a:rPr lang="en-US" smtClean="0"/>
+              <a:rPr lang="en-US"/>
               <a:t>Third level</a:t>
             </a:r>
           </a:p>
           <a:p>
             <a:pPr lvl="3"/>
             <a:r>
-              <a:rPr lang="en-US" smtClean="0"/>
+              <a:rPr lang="en-US"/>
               <a:t>Fourth level</a:t>
             </a:r>
           </a:p>
           <a:p>
             <a:pPr lvl="4"/>
             <a:r>
-              <a:rPr lang="en-US" smtClean="0"/>
+              <a:rPr lang="en-US"/>
               <a:t>Fifth level</a:t>
             </a:r>
-            <a:endParaRPr lang="en-US"/>
           </a:p>
         </p:txBody>
       </p:sp>
@@ -2117,7 +2117,7 @@
           <a:p>
             <a:fld id="{78C97017-6FC3-485B-9764-EAC9E56C1D49}" type="datetimeFigureOut">
               <a:rPr lang="en-US" smtClean="0"/>
-              <a:t>10/16/2016</a:t>
+              <a:t>11/11/2018</a:t>
             </a:fld>
             <a:endParaRPr lang="en-US"/>
           </a:p>
@@ -2211,10 +2211,9 @@
           <a:lstStyle/>
           <a:p>
             <a:r>
-              <a:rPr lang="en-US" smtClean="0"/>
+              <a:rPr lang="en-US"/>
               <a:t>Click to edit Master title style</a:t>
             </a:r>
-            <a:endParaRPr lang="en-US"/>
           </a:p>
         </p:txBody>
       </p:sp>
@@ -2235,7 +2234,7 @@
           <a:p>
             <a:fld id="{78C97017-6FC3-485B-9764-EAC9E56C1D49}" type="datetimeFigureOut">
               <a:rPr lang="en-US" smtClean="0"/>
-              <a:t>10/16/2016</a:t>
+              <a:t>11/11/2018</a:t>
             </a:fld>
             <a:endParaRPr lang="en-US"/>
           </a:p>
@@ -2330,7 +2329,7 @@
           <a:p>
             <a:fld id="{78C97017-6FC3-485B-9764-EAC9E56C1D49}" type="datetimeFigureOut">
               <a:rPr lang="en-US" smtClean="0"/>
-              <a:t>10/16/2016</a:t>
+              <a:t>11/11/2018</a:t>
             </a:fld>
             <a:endParaRPr lang="en-US"/>
           </a:p>
@@ -2433,10 +2432,9 @@
           </a:lstStyle>
           <a:p>
             <a:r>
-              <a:rPr lang="en-US" smtClean="0"/>
+              <a:rPr lang="en-US"/>
               <a:t>Click to edit Master title style</a:t>
             </a:r>
-            <a:endParaRPr lang="en-US"/>
           </a:p>
         </p:txBody>
       </p:sp>
@@ -2490,38 +2488,37 @@
           <a:p>
             <a:pPr lvl="0"/>
             <a:r>
-              <a:rPr lang="en-US" smtClean="0"/>
+              <a:rPr lang="en-US"/>
               <a:t>Click to edit Master text styles</a:t>
             </a:r>
           </a:p>
           <a:p>
             <a:pPr lvl="1"/>
             <a:r>
-              <a:rPr lang="en-US" smtClean="0"/>
+              <a:rPr lang="en-US"/>
               <a:t>Second level</a:t>
             </a:r>
           </a:p>
           <a:p>
             <a:pPr lvl="2"/>
             <a:r>
-              <a:rPr lang="en-US" smtClean="0"/>
+              <a:rPr lang="en-US"/>
               <a:t>Third level</a:t>
             </a:r>
           </a:p>
           <a:p>
             <a:pPr lvl="3"/>
             <a:r>
-              <a:rPr lang="en-US" smtClean="0"/>
+              <a:rPr lang="en-US"/>
               <a:t>Fourth level</a:t>
             </a:r>
           </a:p>
           <a:p>
             <a:pPr lvl="4"/>
             <a:r>
-              <a:rPr lang="en-US" smtClean="0"/>
+              <a:rPr lang="en-US"/>
               <a:t>Fifth level</a:t>
             </a:r>
-            <a:endParaRPr lang="en-US"/>
           </a:p>
         </p:txBody>
       </p:sp>
@@ -2584,7 +2581,7 @@
           <a:p>
             <a:pPr lvl="0"/>
             <a:r>
-              <a:rPr lang="en-US" smtClean="0"/>
+              <a:rPr lang="en-US"/>
               <a:t>Click to edit Master text styles</a:t>
             </a:r>
           </a:p>
@@ -2607,7 +2604,7 @@
           <a:p>
             <a:fld id="{78C97017-6FC3-485B-9764-EAC9E56C1D49}" type="datetimeFigureOut">
               <a:rPr lang="en-US" smtClean="0"/>
-              <a:t>10/16/2016</a:t>
+              <a:t>11/11/2018</a:t>
             </a:fld>
             <a:endParaRPr lang="en-US"/>
           </a:p>
@@ -2710,10 +2707,9 @@
           </a:lstStyle>
           <a:p>
             <a:r>
-              <a:rPr lang="en-US" smtClean="0"/>
+              <a:rPr lang="en-US"/>
               <a:t>Click to edit Master title style</a:t>
             </a:r>
-            <a:endParaRPr lang="en-US"/>
           </a:p>
         </p:txBody>
       </p:sp>
@@ -2837,7 +2833,7 @@
           <a:p>
             <a:pPr lvl="0"/>
             <a:r>
-              <a:rPr lang="en-US" smtClean="0"/>
+              <a:rPr lang="en-US"/>
               <a:t>Click to edit Master text styles</a:t>
             </a:r>
           </a:p>
@@ -2860,7 +2856,7 @@
           <a:p>
             <a:fld id="{78C97017-6FC3-485B-9764-EAC9E56C1D49}" type="datetimeFigureOut">
               <a:rPr lang="en-US" smtClean="0"/>
-              <a:t>10/16/2016</a:t>
+              <a:t>11/11/2018</a:t>
             </a:fld>
             <a:endParaRPr lang="en-US"/>
           </a:p>
@@ -2969,10 +2965,9 @@
           <a:lstStyle/>
           <a:p>
             <a:r>
-              <a:rPr lang="en-US" smtClean="0"/>
+              <a:rPr lang="en-US"/>
               <a:t>Click to edit Master title style</a:t>
             </a:r>
-            <a:endParaRPr lang="en-US"/>
           </a:p>
         </p:txBody>
       </p:sp>
@@ -3003,38 +2998,37 @@
           <a:p>
             <a:pPr lvl="0"/>
             <a:r>
-              <a:rPr lang="en-US" smtClean="0"/>
+              <a:rPr lang="en-US"/>
               <a:t>Click to edit Master text styles</a:t>
             </a:r>
           </a:p>
           <a:p>
             <a:pPr lvl="1"/>
             <a:r>
-              <a:rPr lang="en-US" smtClean="0"/>
+              <a:rPr lang="en-US"/>
               <a:t>Second level</a:t>
             </a:r>
           </a:p>
           <a:p>
             <a:pPr lvl="2"/>
             <a:r>
-              <a:rPr lang="en-US" smtClean="0"/>
+              <a:rPr lang="en-US"/>
               <a:t>Third level</a:t>
             </a:r>
           </a:p>
           <a:p>
             <a:pPr lvl="3"/>
             <a:r>
-              <a:rPr lang="en-US" smtClean="0"/>
+              <a:rPr lang="en-US"/>
               <a:t>Fourth level</a:t>
             </a:r>
           </a:p>
           <a:p>
             <a:pPr lvl="4"/>
             <a:r>
-              <a:rPr lang="en-US" smtClean="0"/>
+              <a:rPr lang="en-US"/>
               <a:t>Fifth level</a:t>
             </a:r>
-            <a:endParaRPr lang="en-US"/>
           </a:p>
         </p:txBody>
       </p:sp>
@@ -3073,7 +3067,7 @@
           <a:p>
             <a:fld id="{78C97017-6FC3-485B-9764-EAC9E56C1D49}" type="datetimeFigureOut">
               <a:rPr lang="en-US" smtClean="0"/>
-              <a:t>10/16/2016</a:t>
+              <a:t>11/11/2018</a:t>
             </a:fld>
             <a:endParaRPr lang="en-US"/>
           </a:p>
@@ -3456,8 +3450,8 @@
         </p:nvSpPr>
         <p:spPr>
           <a:xfrm>
-            <a:off x="1119865" y="2086382"/>
-            <a:ext cx="7871735" cy="1723618"/>
+            <a:off x="895574" y="1600200"/>
+            <a:ext cx="7871735" cy="2562200"/>
           </a:xfrm>
           <a:prstGeom prst="roundRect">
             <a:avLst>
@@ -3494,7 +3488,7 @@
           <a:lstStyle/>
           <a:p>
             <a:r>
-              <a:rPr lang="en-US" sz="1200" b="1" dirty="0" smtClean="0">
+              <a:rPr lang="en-US" sz="1200" b="1" dirty="0">
                 <a:solidFill>
                   <a:schemeClr val="accent6">
                     <a:lumMod val="75000"/>
@@ -3521,7 +3515,7 @@
         </p:nvSpPr>
         <p:spPr>
           <a:xfrm>
-            <a:off x="2877180" y="3158440"/>
+            <a:off x="2652889" y="2814384"/>
             <a:ext cx="1323049" cy="346760"/>
           </a:xfrm>
           <a:prstGeom prst="rect">
@@ -3561,7 +3555,7 @@
           <a:p>
             <a:pPr algn="ctr"/>
             <a:r>
-              <a:rPr lang="en-US" sz="1050" dirty="0" smtClean="0">
+              <a:rPr lang="en-US" sz="1050" dirty="0">
                 <a:solidFill>
                   <a:schemeClr val="bg1"/>
                 </a:solidFill>
@@ -3569,19 +3563,19 @@
               <a:t>&lt;&lt;interface&gt;&gt;</a:t>
             </a:r>
             <a:br>
-              <a:rPr lang="en-US" sz="1050" dirty="0" smtClean="0">
+              <a:rPr lang="en-US" sz="1050" dirty="0">
                 <a:solidFill>
                   <a:schemeClr val="bg1"/>
                 </a:solidFill>
               </a:rPr>
             </a:br>
             <a:r>
-              <a:rPr lang="en-US" sz="1050" dirty="0" err="1" smtClean="0">
+              <a:rPr lang="en-US" sz="1050" dirty="0" err="1">
                 <a:solidFill>
                   <a:schemeClr val="bg1"/>
                 </a:solidFill>
               </a:rPr>
-              <a:t>AddressBookStorage</a:t>
+              <a:t>SchedulerStorage</a:t>
             </a:r>
             <a:endParaRPr lang="en-SG" sz="1050" dirty="0">
               <a:solidFill>
@@ -3599,8 +3593,8 @@
         </p:nvSpPr>
         <p:spPr>
           <a:xfrm rot="16200000">
-            <a:off x="1683963" y="2868687"/>
-            <a:ext cx="1093635" cy="346760"/>
+            <a:off x="1029825" y="2812352"/>
+            <a:ext cx="1953330" cy="346760"/>
           </a:xfrm>
           <a:prstGeom prst="rect">
             <a:avLst/>
@@ -3639,7 +3633,7 @@
           <a:p>
             <a:pPr algn="ctr"/>
             <a:r>
-              <a:rPr lang="en-US" sz="1050" dirty="0" err="1" smtClean="0">
+              <a:rPr lang="en-US" sz="1050" dirty="0" err="1">
                 <a:solidFill>
                   <a:schemeClr val="bg1"/>
                 </a:solidFill>
@@ -3662,8 +3656,8 @@
         </p:nvSpPr>
         <p:spPr>
           <a:xfrm rot="16200000">
-            <a:off x="956202" y="2861202"/>
-            <a:ext cx="1093635" cy="346760"/>
+            <a:off x="298319" y="2808612"/>
+            <a:ext cx="1960819" cy="346760"/>
           </a:xfrm>
           <a:prstGeom prst="rect">
             <a:avLst/>
@@ -3713,7 +3707,7 @@
           <a:p>
             <a:pPr algn="ctr"/>
             <a:r>
-              <a:rPr lang="en-US" sz="1050" dirty="0" smtClean="0">
+              <a:rPr lang="en-US" sz="1050" dirty="0">
                 <a:solidFill>
                   <a:schemeClr val="bg1"/>
                 </a:solidFill>
@@ -3736,7 +3730,7 @@
         </p:nvSpPr>
         <p:spPr>
           <a:xfrm rot="16200000">
-            <a:off x="1626910" y="2952291"/>
+            <a:off x="1402619" y="2901186"/>
             <a:ext cx="270504" cy="175523"/>
           </a:xfrm>
           <a:prstGeom prst="triangle">
@@ -3794,7 +3788,7 @@
         </p:nvCxnSpPr>
         <p:spPr>
           <a:xfrm>
-            <a:off x="2656370" y="3326536"/>
+            <a:off x="2432079" y="2982480"/>
             <a:ext cx="220810" cy="5284"/>
           </a:xfrm>
           <a:prstGeom prst="straightConnector1">
@@ -3834,7 +3828,7 @@
         </p:nvCxnSpPr>
         <p:spPr>
           <a:xfrm>
-            <a:off x="910091" y="3040053"/>
+            <a:off x="675441" y="2986087"/>
             <a:ext cx="419548" cy="2860"/>
           </a:xfrm>
           <a:prstGeom prst="bentConnector3">
@@ -3879,7 +3873,7 @@
         </p:nvCxnSpPr>
         <p:spPr>
           <a:xfrm flipV="1">
-            <a:off x="1849924" y="3040052"/>
+            <a:off x="1625633" y="2988947"/>
             <a:ext cx="216105" cy="1"/>
           </a:xfrm>
           <a:prstGeom prst="line">
@@ -3920,7 +3914,7 @@
         </p:nvSpPr>
         <p:spPr>
           <a:xfrm>
-            <a:off x="2420322" y="3239846"/>
+            <a:off x="2196031" y="2895790"/>
             <a:ext cx="236048" cy="173380"/>
           </a:xfrm>
           <a:prstGeom prst="flowChartDecision">
@@ -3974,7 +3968,7 @@
         </p:nvCxnSpPr>
         <p:spPr>
           <a:xfrm flipV="1">
-            <a:off x="4398041" y="3331820"/>
+            <a:off x="4173750" y="2987764"/>
             <a:ext cx="223324" cy="1"/>
           </a:xfrm>
           <a:prstGeom prst="bentConnector3">
@@ -4017,7 +4011,7 @@
         </p:nvSpPr>
         <p:spPr>
           <a:xfrm rot="5400000" flipV="1">
-            <a:off x="4175027" y="3244059"/>
+            <a:off x="3950736" y="2900003"/>
             <a:ext cx="270504" cy="175523"/>
           </a:xfrm>
           <a:prstGeom prst="triangle">
@@ -4075,7 +4069,7 @@
         </p:nvCxnSpPr>
         <p:spPr>
           <a:xfrm>
-            <a:off x="5791200" y="3331820"/>
+            <a:off x="5566909" y="2987764"/>
             <a:ext cx="228600" cy="1970"/>
           </a:xfrm>
           <a:prstGeom prst="bentConnector3">
@@ -4118,7 +4112,7 @@
         </p:nvSpPr>
         <p:spPr>
           <a:xfrm>
-            <a:off x="4621365" y="3158440"/>
+            <a:off x="4397074" y="2814384"/>
             <a:ext cx="1169835" cy="346760"/>
           </a:xfrm>
           <a:prstGeom prst="rect">
@@ -4147,27 +4141,17 @@
           <a:p>
             <a:pPr algn="ctr"/>
             <a:r>
-              <a:rPr lang="en-US" sz="1050" b="1" dirty="0" err="1" smtClean="0">
+              <a:rPr lang="en-US" sz="1050" b="1" dirty="0" err="1">
                 <a:solidFill>
                   <a:schemeClr val="accent6">
                     <a:lumMod val="75000"/>
                   </a:schemeClr>
                 </a:solidFill>
               </a:rPr>
-              <a:t>XmlAddressBook</a:t>
-            </a:r>
-            <a:r>
-              <a:rPr lang="en-US" sz="1050" b="1" dirty="0" smtClean="0">
-                <a:solidFill>
-                  <a:schemeClr val="accent6">
-                    <a:lumMod val="75000"/>
-                  </a:schemeClr>
-                </a:solidFill>
-              </a:rPr>
-              <a:t/>
+              <a:t>XmlScheduler</a:t>
             </a:r>
             <a:br>
-              <a:rPr lang="en-US" sz="1050" b="1" dirty="0" smtClean="0">
+              <a:rPr lang="en-US" sz="1050" b="1" dirty="0">
                 <a:solidFill>
                   <a:schemeClr val="accent6">
                     <a:lumMod val="75000"/>
@@ -4176,7 +4160,7 @@
               </a:rPr>
             </a:br>
             <a:r>
-              <a:rPr lang="en-US" sz="1050" b="1" dirty="0" smtClean="0">
+              <a:rPr lang="en-US" sz="1050" b="1" dirty="0">
                 <a:solidFill>
                   <a:schemeClr val="accent6">
                     <a:lumMod val="75000"/>
@@ -4203,7 +4187,7 @@
         </p:nvSpPr>
         <p:spPr>
           <a:xfrm>
-            <a:off x="2873943" y="2558040"/>
+            <a:off x="2649652" y="2133972"/>
             <a:ext cx="1323049" cy="346760"/>
           </a:xfrm>
           <a:prstGeom prst="rect">
@@ -4243,7 +4227,7 @@
           <a:p>
             <a:pPr algn="ctr"/>
             <a:r>
-              <a:rPr lang="en-US" sz="1050" dirty="0" smtClean="0">
+              <a:rPr lang="en-US" sz="1050" dirty="0">
                 <a:solidFill>
                   <a:schemeClr val="bg1"/>
                 </a:solidFill>
@@ -4251,14 +4235,14 @@
               <a:t>&lt;&lt;interface&gt;&gt;</a:t>
             </a:r>
             <a:br>
-              <a:rPr lang="en-US" sz="1050" dirty="0" smtClean="0">
+              <a:rPr lang="en-US" sz="1050" dirty="0">
                 <a:solidFill>
                   <a:schemeClr val="bg1"/>
                 </a:solidFill>
               </a:rPr>
             </a:br>
             <a:r>
-              <a:rPr lang="en-US" sz="1050" dirty="0" err="1" smtClean="0">
+              <a:rPr lang="en-US" sz="1050" dirty="0" err="1">
                 <a:solidFill>
                   <a:schemeClr val="bg1"/>
                 </a:solidFill>
@@ -4284,7 +4268,7 @@
         </p:nvCxnSpPr>
         <p:spPr>
           <a:xfrm>
-            <a:off x="2653133" y="2726136"/>
+            <a:off x="2428842" y="2302068"/>
             <a:ext cx="220810" cy="5284"/>
           </a:xfrm>
           <a:prstGeom prst="straightConnector1">
@@ -4324,7 +4308,7 @@
         </p:nvSpPr>
         <p:spPr>
           <a:xfrm>
-            <a:off x="2417085" y="2639446"/>
+            <a:off x="2192794" y="2215378"/>
             <a:ext cx="236048" cy="173380"/>
           </a:xfrm>
           <a:prstGeom prst="flowChartDecision">
@@ -4378,7 +4362,7 @@
         </p:nvCxnSpPr>
         <p:spPr>
           <a:xfrm flipV="1">
-            <a:off x="4394804" y="2731420"/>
+            <a:off x="4170513" y="2307352"/>
             <a:ext cx="223324" cy="1"/>
           </a:xfrm>
           <a:prstGeom prst="bentConnector3">
@@ -4421,7 +4405,7 @@
         </p:nvSpPr>
         <p:spPr>
           <a:xfrm rot="5400000" flipV="1">
-            <a:off x="4171790" y="2643659"/>
+            <a:off x="3947499" y="2219591"/>
             <a:ext cx="270504" cy="175523"/>
           </a:xfrm>
           <a:prstGeom prst="triangle">
@@ -4476,7 +4460,7 @@
         </p:nvSpPr>
         <p:spPr>
           <a:xfrm>
-            <a:off x="4618128" y="2558040"/>
+            <a:off x="4393837" y="2133972"/>
             <a:ext cx="1093635" cy="346760"/>
           </a:xfrm>
           <a:prstGeom prst="rect">
@@ -4516,30 +4500,22 @@
           <a:p>
             <a:pPr algn="ctr"/>
             <a:r>
-              <a:rPr lang="en-US" sz="1050" dirty="0" err="1" smtClean="0">
+              <a:rPr lang="en-US" sz="1050" dirty="0" err="1">
                 <a:solidFill>
                   <a:schemeClr val="bg1"/>
                 </a:solidFill>
               </a:rPr>
               <a:t>JsonUserPrefs</a:t>
             </a:r>
-            <a:r>
-              <a:rPr lang="en-US" sz="1050" dirty="0" smtClean="0">
-                <a:solidFill>
-                  <a:schemeClr val="bg1"/>
-                </a:solidFill>
-              </a:rPr>
-              <a:t/>
-            </a:r>
             <a:br>
-              <a:rPr lang="en-US" sz="1050" dirty="0" smtClean="0">
+              <a:rPr lang="en-US" sz="1050" dirty="0">
                 <a:solidFill>
                   <a:schemeClr val="bg1"/>
                 </a:solidFill>
               </a:rPr>
             </a:br>
             <a:r>
-              <a:rPr lang="en-US" sz="1050" dirty="0" smtClean="0">
+              <a:rPr lang="en-US" sz="1050" dirty="0">
                 <a:solidFill>
                   <a:schemeClr val="bg1"/>
                 </a:solidFill>
@@ -4562,7 +4538,7 @@
         </p:nvSpPr>
         <p:spPr>
           <a:xfrm>
-            <a:off x="6019800" y="3160410"/>
+            <a:off x="5795509" y="2816354"/>
             <a:ext cx="1200707" cy="346760"/>
           </a:xfrm>
           <a:prstGeom prst="rect">
@@ -4591,7 +4567,7 @@
           <a:p>
             <a:pPr algn="ctr"/>
             <a:r>
-              <a:rPr lang="en-US" sz="1050" b="1" dirty="0" err="1" smtClean="0">
+              <a:rPr lang="en-US" sz="1050" b="1" dirty="0" err="1">
                 <a:solidFill>
                   <a:schemeClr val="accent6">
                     <a:lumMod val="75000"/>
@@ -4600,18 +4576,8 @@
               </a:rPr>
               <a:t>XmlSerializable</a:t>
             </a:r>
-            <a:r>
-              <a:rPr lang="en-US" sz="1050" b="1" dirty="0" smtClean="0">
-                <a:solidFill>
-                  <a:schemeClr val="accent6">
-                    <a:lumMod val="75000"/>
-                  </a:schemeClr>
-                </a:solidFill>
-              </a:rPr>
-              <a:t/>
-            </a:r>
             <a:br>
-              <a:rPr lang="en-US" sz="1050" b="1" dirty="0" smtClean="0">
+              <a:rPr lang="en-US" sz="1050" b="1" dirty="0">
                 <a:solidFill>
                   <a:schemeClr val="accent6">
                     <a:lumMod val="75000"/>
@@ -4620,14 +4586,14 @@
               </a:rPr>
             </a:br>
             <a:r>
-              <a:rPr lang="en-US" sz="1050" b="1" dirty="0" err="1" smtClean="0">
+              <a:rPr lang="en-US" sz="1050" b="1" dirty="0">
                 <a:solidFill>
                   <a:schemeClr val="accent6">
                     <a:lumMod val="75000"/>
                   </a:schemeClr>
                 </a:solidFill>
               </a:rPr>
-              <a:t>AddressBook</a:t>
+              <a:t>Scheduler</a:t>
             </a:r>
             <a:endParaRPr lang="en-SG" sz="1050" b="1" dirty="0">
               <a:solidFill>
@@ -4650,7 +4616,7 @@
         </p:nvCxnSpPr>
         <p:spPr>
           <a:xfrm rot="5400000" flipH="1" flipV="1">
-            <a:off x="8077993" y="2992020"/>
+            <a:off x="7853702" y="2647964"/>
             <a:ext cx="335208" cy="12700"/>
           </a:xfrm>
           <a:prstGeom prst="bentConnector3">
@@ -4688,7 +4654,7 @@
         </p:nvSpPr>
         <p:spPr>
           <a:xfrm>
-            <a:off x="7615738" y="2477656"/>
+            <a:off x="7391447" y="2133600"/>
             <a:ext cx="1259718" cy="346760"/>
           </a:xfrm>
           <a:prstGeom prst="rect">
@@ -4717,7 +4683,7 @@
           <a:p>
             <a:pPr algn="ctr"/>
             <a:r>
-              <a:rPr lang="en-US" sz="1050" b="1" dirty="0" err="1" smtClean="0">
+              <a:rPr lang="en-US" sz="1050" b="1" dirty="0" err="1">
                 <a:solidFill>
                   <a:schemeClr val="accent6">
                     <a:lumMod val="75000"/>
@@ -4744,7 +4710,7 @@
         </p:nvSpPr>
         <p:spPr>
           <a:xfrm>
-            <a:off x="7615738" y="3159624"/>
+            <a:off x="7391447" y="2815568"/>
             <a:ext cx="1259718" cy="346760"/>
           </a:xfrm>
           <a:prstGeom prst="rect">
@@ -4773,14 +4739,33 @@
           <a:p>
             <a:pPr algn="ctr"/>
             <a:r>
-              <a:rPr lang="en-US" sz="1050" b="1" dirty="0" err="1" smtClean="0">
+              <a:rPr lang="en-US" sz="1050" b="1" dirty="0" err="1">
                 <a:solidFill>
                   <a:schemeClr val="accent6">
                     <a:lumMod val="75000"/>
                   </a:schemeClr>
                 </a:solidFill>
               </a:rPr>
-              <a:t>XmlAdaptedPerson</a:t>
+              <a:t>XmlAdapted</a:t>
+            </a:r>
+            <a:br>
+              <a:rPr lang="en-US" sz="1050" b="1" dirty="0">
+                <a:solidFill>
+                  <a:schemeClr val="accent6">
+                    <a:lumMod val="75000"/>
+                  </a:schemeClr>
+                </a:solidFill>
+              </a:rPr>
+            </a:br>
+            <a:r>
+              <a:rPr lang="en-US" sz="1050" b="1" dirty="0" err="1">
+                <a:solidFill>
+                  <a:schemeClr val="accent6">
+                    <a:lumMod val="75000"/>
+                  </a:schemeClr>
+                </a:solidFill>
+              </a:rPr>
+              <a:t>CalendarEvent</a:t>
             </a:r>
             <a:endParaRPr lang="en-SG" sz="1050" b="1" dirty="0">
               <a:solidFill>
@@ -4803,7 +4788,652 @@
         </p:nvCxnSpPr>
         <p:spPr>
           <a:xfrm flipV="1">
-            <a:off x="7220507" y="3333004"/>
+            <a:off x="6996216" y="2988948"/>
+            <a:ext cx="395231" cy="786"/>
+          </a:xfrm>
+          <a:prstGeom prst="bentConnector3">
+            <a:avLst>
+              <a:gd name="adj1" fmla="val 50000"/>
+            </a:avLst>
+          </a:prstGeom>
+          <a:ln w="19050">
+            <a:prstDash val="sysDot"/>
+            <a:headEnd type="none" w="med" len="med"/>
+            <a:tailEnd type="arrow" w="med" len="med"/>
+          </a:ln>
+          <a:effectLst/>
+        </p:spPr>
+        <p:style>
+          <a:lnRef idx="1">
+            <a:schemeClr val="accent6"/>
+          </a:lnRef>
+          <a:fillRef idx="2">
+            <a:schemeClr val="accent6"/>
+          </a:fillRef>
+          <a:effectRef idx="1">
+            <a:schemeClr val="accent6"/>
+          </a:effectRef>
+          <a:fontRef idx="minor">
+            <a:schemeClr val="dk1"/>
+          </a:fontRef>
+        </p:style>
+      </p:cxnSp>
+      <p:sp>
+        <p:nvSpPr>
+          <p:cNvPr id="36" name="Rectangle 8">
+            <a:extLst>
+              <a:ext uri="{FF2B5EF4-FFF2-40B4-BE49-F238E27FC236}">
+                <a16:creationId xmlns:a16="http://schemas.microsoft.com/office/drawing/2014/main" id="{85B023D4-B7E8-4B41-86C7-B71F57182659}"/>
+              </a:ext>
+            </a:extLst>
+          </p:cNvPr>
+          <p:cNvSpPr/>
+          <p:nvPr/>
+        </p:nvSpPr>
+        <p:spPr>
+          <a:xfrm>
+            <a:off x="2649118" y="3450405"/>
+            <a:ext cx="1323049" cy="346760"/>
+          </a:xfrm>
+          <a:prstGeom prst="rect">
+            <a:avLst/>
+          </a:prstGeom>
+          <a:solidFill>
+            <a:schemeClr val="accent6">
+              <a:lumMod val="75000"/>
+            </a:schemeClr>
+          </a:solidFill>
+          <a:ln w="19050">
+            <a:solidFill>
+              <a:schemeClr val="accent6">
+                <a:lumMod val="75000"/>
+              </a:schemeClr>
+            </a:solidFill>
+          </a:ln>
+          <a:effectLst/>
+        </p:spPr>
+        <p:style>
+          <a:lnRef idx="1">
+            <a:schemeClr val="accent2"/>
+          </a:lnRef>
+          <a:fillRef idx="2">
+            <a:schemeClr val="accent2"/>
+          </a:fillRef>
+          <a:effectRef idx="1">
+            <a:schemeClr val="accent2"/>
+          </a:effectRef>
+          <a:fontRef idx="minor">
+            <a:schemeClr val="dk1"/>
+          </a:fontRef>
+        </p:style>
+        <p:txBody>
+          <a:bodyPr rtlCol="0" anchor="ctr"/>
+          <a:lstStyle/>
+          <a:p>
+            <a:pPr algn="ctr"/>
+            <a:r>
+              <a:rPr lang="en-US" sz="1050" dirty="0">
+                <a:solidFill>
+                  <a:schemeClr val="bg1"/>
+                </a:solidFill>
+              </a:rPr>
+              <a:t>&lt;&lt;interface&gt;&gt;</a:t>
+            </a:r>
+            <a:br>
+              <a:rPr lang="en-US" sz="1050" dirty="0">
+                <a:solidFill>
+                  <a:schemeClr val="bg1"/>
+                </a:solidFill>
+              </a:rPr>
+            </a:br>
+            <a:r>
+              <a:rPr lang="en-US" sz="1050" dirty="0" err="1">
+                <a:solidFill>
+                  <a:schemeClr val="bg1"/>
+                </a:solidFill>
+              </a:rPr>
+              <a:t>ToDoListStorage</a:t>
+            </a:r>
+            <a:endParaRPr lang="en-SG" sz="1050" dirty="0">
+              <a:solidFill>
+                <a:schemeClr val="bg1"/>
+              </a:solidFill>
+            </a:endParaRPr>
+          </a:p>
+        </p:txBody>
+      </p:sp>
+      <p:cxnSp>
+        <p:nvCxnSpPr>
+          <p:cNvPr id="37" name="Straight Arrow Connector 36">
+            <a:extLst>
+              <a:ext uri="{FF2B5EF4-FFF2-40B4-BE49-F238E27FC236}">
+                <a16:creationId xmlns:a16="http://schemas.microsoft.com/office/drawing/2014/main" id="{5A3EEB2E-CCBF-4A26-A342-1D929084BED2}"/>
+              </a:ext>
+            </a:extLst>
+          </p:cNvPr>
+          <p:cNvCxnSpPr>
+            <a:stCxn id="38" idx="3"/>
+            <a:endCxn id="36" idx="1"/>
+          </p:cNvCxnSpPr>
+          <p:nvPr/>
+        </p:nvCxnSpPr>
+        <p:spPr>
+          <a:xfrm>
+            <a:off x="2428308" y="3618501"/>
+            <a:ext cx="220810" cy="5284"/>
+          </a:xfrm>
+          <a:prstGeom prst="straightConnector1">
+            <a:avLst/>
+          </a:prstGeom>
+          <a:ln w="19050">
+            <a:solidFill>
+              <a:schemeClr val="accent6">
+                <a:lumMod val="75000"/>
+              </a:schemeClr>
+            </a:solidFill>
+            <a:headEnd type="none" w="med" len="med"/>
+            <a:tailEnd type="arrow" w="med" len="med"/>
+          </a:ln>
+          <a:effectLst/>
+        </p:spPr>
+        <p:style>
+          <a:lnRef idx="1">
+            <a:schemeClr val="accent2"/>
+          </a:lnRef>
+          <a:fillRef idx="2">
+            <a:schemeClr val="accent2"/>
+          </a:fillRef>
+          <a:effectRef idx="1">
+            <a:schemeClr val="accent2"/>
+          </a:effectRef>
+          <a:fontRef idx="minor">
+            <a:schemeClr val="dk1"/>
+          </a:fontRef>
+        </p:style>
+      </p:cxnSp>
+      <p:sp>
+        <p:nvSpPr>
+          <p:cNvPr id="38" name="Flowchart: Decision 96">
+            <a:extLst>
+              <a:ext uri="{FF2B5EF4-FFF2-40B4-BE49-F238E27FC236}">
+                <a16:creationId xmlns:a16="http://schemas.microsoft.com/office/drawing/2014/main" id="{5429079A-672A-444E-A97D-F6EC6852B4C3}"/>
+              </a:ext>
+            </a:extLst>
+          </p:cNvPr>
+          <p:cNvSpPr/>
+          <p:nvPr/>
+        </p:nvSpPr>
+        <p:spPr>
+          <a:xfrm>
+            <a:off x="2192260" y="3531811"/>
+            <a:ext cx="236048" cy="173380"/>
+          </a:xfrm>
+          <a:prstGeom prst="flowChartDecision">
+            <a:avLst/>
+          </a:prstGeom>
+          <a:noFill/>
+          <a:ln w="19050">
+            <a:solidFill>
+              <a:schemeClr val="accent6">
+                <a:lumMod val="75000"/>
+              </a:schemeClr>
+            </a:solidFill>
+          </a:ln>
+          <a:effectLst/>
+        </p:spPr>
+        <p:style>
+          <a:lnRef idx="1">
+            <a:schemeClr val="accent2"/>
+          </a:lnRef>
+          <a:fillRef idx="2">
+            <a:schemeClr val="accent2"/>
+          </a:fillRef>
+          <a:effectRef idx="1">
+            <a:schemeClr val="accent2"/>
+          </a:effectRef>
+          <a:fontRef idx="minor">
+            <a:schemeClr val="dk1"/>
+          </a:fontRef>
+        </p:style>
+        <p:txBody>
+          <a:bodyPr rtlCol="0" anchor="ctr"/>
+          <a:lstStyle/>
+          <a:p>
+            <a:pPr algn="ctr"/>
+            <a:endParaRPr lang="en-US" sz="1050">
+              <a:solidFill>
+                <a:schemeClr val="bg1"/>
+              </a:solidFill>
+            </a:endParaRPr>
+          </a:p>
+        </p:txBody>
+      </p:sp>
+      <p:cxnSp>
+        <p:nvCxnSpPr>
+          <p:cNvPr id="39" name="Elbow Connector 63">
+            <a:extLst>
+              <a:ext uri="{FF2B5EF4-FFF2-40B4-BE49-F238E27FC236}">
+                <a16:creationId xmlns:a16="http://schemas.microsoft.com/office/drawing/2014/main" id="{B2F5B0F1-6502-4F4D-A961-CA66A544249B}"/>
+              </a:ext>
+            </a:extLst>
+          </p:cNvPr>
+          <p:cNvCxnSpPr>
+            <a:stCxn id="40" idx="3"/>
+            <a:endCxn id="43" idx="1"/>
+          </p:cNvCxnSpPr>
+          <p:nvPr/>
+        </p:nvCxnSpPr>
+        <p:spPr>
+          <a:xfrm flipV="1">
+            <a:off x="4169979" y="3623785"/>
+            <a:ext cx="223324" cy="1"/>
+          </a:xfrm>
+          <a:prstGeom prst="bentConnector3">
+            <a:avLst>
+              <a:gd name="adj1" fmla="val 50000"/>
+            </a:avLst>
+          </a:prstGeom>
+          <a:ln w="19050">
+            <a:solidFill>
+              <a:schemeClr val="accent6">
+                <a:lumMod val="75000"/>
+              </a:schemeClr>
+            </a:solidFill>
+            <a:prstDash val="sysDot"/>
+            <a:headEnd type="none" w="med" len="med"/>
+            <a:tailEnd type="none" w="med" len="med"/>
+          </a:ln>
+          <a:effectLst/>
+        </p:spPr>
+        <p:style>
+          <a:lnRef idx="1">
+            <a:schemeClr val="accent2"/>
+          </a:lnRef>
+          <a:fillRef idx="2">
+            <a:schemeClr val="accent2"/>
+          </a:fillRef>
+          <a:effectRef idx="1">
+            <a:schemeClr val="accent2"/>
+          </a:effectRef>
+          <a:fontRef idx="minor">
+            <a:schemeClr val="dk1"/>
+          </a:fontRef>
+        </p:style>
+      </p:cxnSp>
+      <p:sp>
+        <p:nvSpPr>
+          <p:cNvPr id="40" name="Isosceles Triangle 102">
+            <a:extLst>
+              <a:ext uri="{FF2B5EF4-FFF2-40B4-BE49-F238E27FC236}">
+                <a16:creationId xmlns:a16="http://schemas.microsoft.com/office/drawing/2014/main" id="{7060D12E-6F84-491E-8EEF-D6CF03DD2CC4}"/>
+              </a:ext>
+            </a:extLst>
+          </p:cNvPr>
+          <p:cNvSpPr/>
+          <p:nvPr/>
+        </p:nvSpPr>
+        <p:spPr>
+          <a:xfrm rot="5400000" flipV="1">
+            <a:off x="3946965" y="3536024"/>
+            <a:ext cx="270504" cy="175523"/>
+          </a:xfrm>
+          <a:prstGeom prst="triangle">
+            <a:avLst/>
+          </a:prstGeom>
+          <a:solidFill>
+            <a:schemeClr val="accent6">
+              <a:lumMod val="75000"/>
+            </a:schemeClr>
+          </a:solidFill>
+          <a:ln w="19050">
+            <a:solidFill>
+              <a:schemeClr val="accent6">
+                <a:lumMod val="75000"/>
+              </a:schemeClr>
+            </a:solidFill>
+          </a:ln>
+          <a:effectLst/>
+        </p:spPr>
+        <p:style>
+          <a:lnRef idx="1">
+            <a:schemeClr val="accent2"/>
+          </a:lnRef>
+          <a:fillRef idx="2">
+            <a:schemeClr val="accent2"/>
+          </a:fillRef>
+          <a:effectRef idx="1">
+            <a:schemeClr val="accent2"/>
+          </a:effectRef>
+          <a:fontRef idx="minor">
+            <a:schemeClr val="dk1"/>
+          </a:fontRef>
+        </p:style>
+        <p:txBody>
+          <a:bodyPr rtlCol="0" anchor="ctr"/>
+          <a:lstStyle/>
+          <a:p>
+            <a:pPr algn="ctr"/>
+            <a:endParaRPr lang="en-SG" sz="1050">
+              <a:solidFill>
+                <a:schemeClr val="bg1"/>
+              </a:solidFill>
+            </a:endParaRPr>
+          </a:p>
+        </p:txBody>
+      </p:sp>
+      <p:cxnSp>
+        <p:nvCxnSpPr>
+          <p:cNvPr id="41" name="Elbow Connector 122">
+            <a:extLst>
+              <a:ext uri="{FF2B5EF4-FFF2-40B4-BE49-F238E27FC236}">
+                <a16:creationId xmlns:a16="http://schemas.microsoft.com/office/drawing/2014/main" id="{D9E16925-C599-4327-89F4-6D200F546393}"/>
+              </a:ext>
+            </a:extLst>
+          </p:cNvPr>
+          <p:cNvCxnSpPr>
+            <a:stCxn id="43" idx="3"/>
+            <a:endCxn id="44" idx="1"/>
+          </p:cNvCxnSpPr>
+          <p:nvPr/>
+        </p:nvCxnSpPr>
+        <p:spPr>
+          <a:xfrm>
+            <a:off x="5563138" y="3623785"/>
+            <a:ext cx="228600" cy="1970"/>
+          </a:xfrm>
+          <a:prstGeom prst="bentConnector3">
+            <a:avLst>
+              <a:gd name="adj1" fmla="val 50000"/>
+            </a:avLst>
+          </a:prstGeom>
+          <a:ln w="19050">
+            <a:solidFill>
+              <a:schemeClr val="accent6">
+                <a:lumMod val="75000"/>
+              </a:schemeClr>
+            </a:solidFill>
+            <a:prstDash val="sysDot"/>
+            <a:headEnd type="none" w="med" len="med"/>
+            <a:tailEnd type="arrow" w="med" len="med"/>
+          </a:ln>
+          <a:effectLst/>
+        </p:spPr>
+        <p:style>
+          <a:lnRef idx="1">
+            <a:schemeClr val="accent2"/>
+          </a:lnRef>
+          <a:fillRef idx="2">
+            <a:schemeClr val="accent2"/>
+          </a:fillRef>
+          <a:effectRef idx="1">
+            <a:schemeClr val="accent2"/>
+          </a:effectRef>
+          <a:fontRef idx="minor">
+            <a:schemeClr val="dk1"/>
+          </a:fontRef>
+        </p:style>
+      </p:cxnSp>
+      <p:sp>
+        <p:nvSpPr>
+          <p:cNvPr id="43" name="Rectangle 8">
+            <a:extLst>
+              <a:ext uri="{FF2B5EF4-FFF2-40B4-BE49-F238E27FC236}">
+                <a16:creationId xmlns:a16="http://schemas.microsoft.com/office/drawing/2014/main" id="{29CDB4DF-34C3-4BF8-BBD8-A076A64E53C7}"/>
+              </a:ext>
+            </a:extLst>
+          </p:cNvPr>
+          <p:cNvSpPr/>
+          <p:nvPr/>
+        </p:nvSpPr>
+        <p:spPr>
+          <a:xfrm>
+            <a:off x="4393303" y="3450405"/>
+            <a:ext cx="1169835" cy="346760"/>
+          </a:xfrm>
+          <a:prstGeom prst="rect">
+            <a:avLst/>
+          </a:prstGeom>
+          <a:ln w="19050"/>
+          <a:effectLst/>
+        </p:spPr>
+        <p:style>
+          <a:lnRef idx="1">
+            <a:schemeClr val="accent6"/>
+          </a:lnRef>
+          <a:fillRef idx="2">
+            <a:schemeClr val="accent6"/>
+          </a:fillRef>
+          <a:effectRef idx="1">
+            <a:schemeClr val="accent6"/>
+          </a:effectRef>
+          <a:fontRef idx="minor">
+            <a:schemeClr val="dk1"/>
+          </a:fontRef>
+        </p:style>
+        <p:txBody>
+          <a:bodyPr rtlCol="0" anchor="ctr"/>
+          <a:lstStyle/>
+          <a:p>
+            <a:pPr algn="ctr"/>
+            <a:r>
+              <a:rPr lang="en-US" sz="1050" b="1" dirty="0" err="1">
+                <a:solidFill>
+                  <a:schemeClr val="accent6">
+                    <a:lumMod val="75000"/>
+                  </a:schemeClr>
+                </a:solidFill>
+              </a:rPr>
+              <a:t>XmlToDoList</a:t>
+            </a:r>
+            <a:br>
+              <a:rPr lang="en-US" sz="1050" b="1" dirty="0">
+                <a:solidFill>
+                  <a:schemeClr val="accent6">
+                    <a:lumMod val="75000"/>
+                  </a:schemeClr>
+                </a:solidFill>
+              </a:rPr>
+            </a:br>
+            <a:r>
+              <a:rPr lang="en-US" sz="1050" b="1" dirty="0">
+                <a:solidFill>
+                  <a:schemeClr val="accent6">
+                    <a:lumMod val="75000"/>
+                  </a:schemeClr>
+                </a:solidFill>
+              </a:rPr>
+              <a:t>Storage</a:t>
+            </a:r>
+            <a:endParaRPr lang="en-SG" sz="1050" b="1" dirty="0">
+              <a:solidFill>
+                <a:schemeClr val="accent6">
+                  <a:lumMod val="75000"/>
+                </a:schemeClr>
+              </a:solidFill>
+            </a:endParaRPr>
+          </a:p>
+        </p:txBody>
+      </p:sp>
+      <p:sp>
+        <p:nvSpPr>
+          <p:cNvPr id="44" name="Rectangle 8">
+            <a:extLst>
+              <a:ext uri="{FF2B5EF4-FFF2-40B4-BE49-F238E27FC236}">
+                <a16:creationId xmlns:a16="http://schemas.microsoft.com/office/drawing/2014/main" id="{EC0B6141-20A5-46E0-825A-63EC268AFA3A}"/>
+              </a:ext>
+            </a:extLst>
+          </p:cNvPr>
+          <p:cNvSpPr/>
+          <p:nvPr/>
+        </p:nvSpPr>
+        <p:spPr>
+          <a:xfrm>
+            <a:off x="5791738" y="3452375"/>
+            <a:ext cx="1200707" cy="346760"/>
+          </a:xfrm>
+          <a:prstGeom prst="rect">
+            <a:avLst/>
+          </a:prstGeom>
+          <a:ln w="19050"/>
+          <a:effectLst/>
+        </p:spPr>
+        <p:style>
+          <a:lnRef idx="1">
+            <a:schemeClr val="accent6"/>
+          </a:lnRef>
+          <a:fillRef idx="2">
+            <a:schemeClr val="accent6"/>
+          </a:fillRef>
+          <a:effectRef idx="1">
+            <a:schemeClr val="accent6"/>
+          </a:effectRef>
+          <a:fontRef idx="minor">
+            <a:schemeClr val="dk1"/>
+          </a:fontRef>
+        </p:style>
+        <p:txBody>
+          <a:bodyPr rtlCol="0" anchor="ctr"/>
+          <a:lstStyle/>
+          <a:p>
+            <a:pPr algn="ctr"/>
+            <a:r>
+              <a:rPr lang="en-US" sz="1050" b="1" dirty="0" err="1">
+                <a:solidFill>
+                  <a:schemeClr val="accent6">
+                    <a:lumMod val="75000"/>
+                  </a:schemeClr>
+                </a:solidFill>
+              </a:rPr>
+              <a:t>XmlSerializable</a:t>
+            </a:r>
+            <a:br>
+              <a:rPr lang="en-US" sz="1050" b="1" dirty="0">
+                <a:solidFill>
+                  <a:schemeClr val="accent6">
+                    <a:lumMod val="75000"/>
+                  </a:schemeClr>
+                </a:solidFill>
+              </a:rPr>
+            </a:br>
+            <a:r>
+              <a:rPr lang="en-US" sz="1050" b="1" dirty="0" err="1">
+                <a:solidFill>
+                  <a:schemeClr val="accent6">
+                    <a:lumMod val="75000"/>
+                  </a:schemeClr>
+                </a:solidFill>
+              </a:rPr>
+              <a:t>ToDoList</a:t>
+            </a:r>
+            <a:endParaRPr lang="en-SG" sz="1050" b="1" dirty="0">
+              <a:solidFill>
+                <a:schemeClr val="accent6">
+                  <a:lumMod val="75000"/>
+                </a:schemeClr>
+              </a:solidFill>
+            </a:endParaRPr>
+          </a:p>
+        </p:txBody>
+      </p:sp>
+      <p:sp>
+        <p:nvSpPr>
+          <p:cNvPr id="45" name="Rectangle 8">
+            <a:extLst>
+              <a:ext uri="{FF2B5EF4-FFF2-40B4-BE49-F238E27FC236}">
+                <a16:creationId xmlns:a16="http://schemas.microsoft.com/office/drawing/2014/main" id="{46790600-1A9C-40AD-92B2-1D41A6D0FB35}"/>
+              </a:ext>
+            </a:extLst>
+          </p:cNvPr>
+          <p:cNvSpPr/>
+          <p:nvPr/>
+        </p:nvSpPr>
+        <p:spPr>
+          <a:xfrm>
+            <a:off x="7387676" y="3451589"/>
+            <a:ext cx="1259718" cy="346760"/>
+          </a:xfrm>
+          <a:prstGeom prst="rect">
+            <a:avLst/>
+          </a:prstGeom>
+          <a:ln w="19050"/>
+          <a:effectLst/>
+        </p:spPr>
+        <p:style>
+          <a:lnRef idx="1">
+            <a:schemeClr val="accent6"/>
+          </a:lnRef>
+          <a:fillRef idx="2">
+            <a:schemeClr val="accent6"/>
+          </a:fillRef>
+          <a:effectRef idx="1">
+            <a:schemeClr val="accent6"/>
+          </a:effectRef>
+          <a:fontRef idx="minor">
+            <a:schemeClr val="dk1"/>
+          </a:fontRef>
+        </p:style>
+        <p:txBody>
+          <a:bodyPr rtlCol="0" anchor="ctr"/>
+          <a:lstStyle/>
+          <a:p>
+            <a:pPr algn="ctr"/>
+            <a:r>
+              <a:rPr lang="en-US" sz="1050" b="1" dirty="0" err="1">
+                <a:solidFill>
+                  <a:schemeClr val="accent6">
+                    <a:lumMod val="75000"/>
+                  </a:schemeClr>
+                </a:solidFill>
+              </a:rPr>
+              <a:t>XmlAdapted</a:t>
+            </a:r>
+            <a:br>
+              <a:rPr lang="en-US" sz="1050" b="1" dirty="0">
+                <a:solidFill>
+                  <a:schemeClr val="accent6">
+                    <a:lumMod val="75000"/>
+                  </a:schemeClr>
+                </a:solidFill>
+              </a:rPr>
+            </a:br>
+            <a:r>
+              <a:rPr lang="en-US" sz="1050" b="1" dirty="0" err="1">
+                <a:solidFill>
+                  <a:schemeClr val="accent6">
+                    <a:lumMod val="75000"/>
+                  </a:schemeClr>
+                </a:solidFill>
+              </a:rPr>
+              <a:t>ToDoListEvent</a:t>
+            </a:r>
+            <a:endParaRPr lang="en-SG" sz="1050" b="1" dirty="0">
+              <a:solidFill>
+                <a:schemeClr val="accent6">
+                  <a:lumMod val="75000"/>
+                </a:schemeClr>
+              </a:solidFill>
+            </a:endParaRPr>
+          </a:p>
+        </p:txBody>
+      </p:sp>
+      <p:cxnSp>
+        <p:nvCxnSpPr>
+          <p:cNvPr id="46" name="Elbow Connector 122">
+            <a:extLst>
+              <a:ext uri="{FF2B5EF4-FFF2-40B4-BE49-F238E27FC236}">
+                <a16:creationId xmlns:a16="http://schemas.microsoft.com/office/drawing/2014/main" id="{2D4E16C1-B20D-4510-8806-C02611E9FD37}"/>
+              </a:ext>
+            </a:extLst>
+          </p:cNvPr>
+          <p:cNvCxnSpPr>
+            <a:stCxn id="44" idx="3"/>
+            <a:endCxn id="45" idx="1"/>
+          </p:cNvCxnSpPr>
+          <p:nvPr/>
+        </p:nvCxnSpPr>
+        <p:spPr>
+          <a:xfrm flipV="1">
+            <a:off x="6992445" y="3624969"/>
             <a:ext cx="395231" cy="786"/>
           </a:xfrm>
           <a:prstGeom prst="bentConnector3">
@@ -4843,13 +5473,6 @@
   <p:clrMapOvr>
     <a:masterClrMapping/>
   </p:clrMapOvr>
-  <p:timing>
-    <p:tnLst>
-      <p:par>
-        <p:cTn id="1" dur="indefinite" restart="never" nodeType="tmRoot"/>
-      </p:par>
-    </p:tnLst>
-  </p:timing>
 </p:sld>
 </file>
 

--- a/docs/diagrams/StorageComponentClassDiagram.pptx
+++ b/docs/diagrams/StorageComponentClassDiagram.pptx
@@ -107,6 +107,22 @@
       </a:defRPr>
     </a:lvl9pPr>
   </p:defaultTextStyle>
+  <p:extLst>
+    <p:ext uri="{EFAFB233-063F-42B5-8137-9DF3F51BA10A}">
+      <p15:sldGuideLst xmlns:p15="http://schemas.microsoft.com/office/powerpoint/2012/main">
+        <p15:guide id="1" orient="horz" pos="1488">
+          <p15:clr>
+            <a:srgbClr val="A4A3A4"/>
+          </p15:clr>
+        </p15:guide>
+        <p15:guide id="2" pos="2880">
+          <p15:clr>
+            <a:srgbClr val="A4A3A4"/>
+          </p15:clr>
+        </p15:guide>
+      </p15:sldGuideLst>
+    </p:ext>
+  </p:extLst>
 </p:presentation>
 </file>
 
@@ -192,7 +208,7 @@
           <a:p>
             <a:fld id="{F5CC4B3F-88C1-4FFA-B1B6-F41C21DC6924}" type="datetimeFigureOut">
               <a:rPr lang="en-US" smtClean="0"/>
-              <a:t>10/16/2016</a:t>
+              <a:t>11/11/2018</a:t>
             </a:fld>
             <a:endParaRPr lang="en-US"/>
           </a:p>
@@ -256,38 +272,37 @@
           <a:p>
             <a:pPr lvl="0"/>
             <a:r>
-              <a:rPr lang="en-US" smtClean="0"/>
+              <a:rPr lang="en-US"/>
               <a:t>Click to edit Master text styles</a:t>
             </a:r>
           </a:p>
           <a:p>
             <a:pPr lvl="1"/>
             <a:r>
-              <a:rPr lang="en-US" smtClean="0"/>
+              <a:rPr lang="en-US"/>
               <a:t>Second level</a:t>
             </a:r>
           </a:p>
           <a:p>
             <a:pPr lvl="2"/>
             <a:r>
-              <a:rPr lang="en-US" smtClean="0"/>
+              <a:rPr lang="en-US"/>
               <a:t>Third level</a:t>
             </a:r>
           </a:p>
           <a:p>
             <a:pPr lvl="3"/>
             <a:r>
-              <a:rPr lang="en-US" smtClean="0"/>
+              <a:rPr lang="en-US"/>
               <a:t>Fourth level</a:t>
             </a:r>
           </a:p>
           <a:p>
             <a:pPr lvl="4"/>
             <a:r>
-              <a:rPr lang="en-US" smtClean="0"/>
+              <a:rPr lang="en-US"/>
               <a:t>Fifth level</a:t>
             </a:r>
-            <a:endParaRPr lang="en-US"/>
           </a:p>
         </p:txBody>
       </p:sp>
@@ -498,10 +513,9 @@
           <a:lstStyle/>
           <a:p>
             <a:r>
-              <a:rPr lang="en-US" smtClean="0"/>
+              <a:rPr lang="en-US"/>
               <a:t>Click to edit Master title style</a:t>
             </a:r>
-            <a:endParaRPr lang="en-US"/>
           </a:p>
         </p:txBody>
       </p:sp>
@@ -617,10 +631,9 @@
           </a:lstStyle>
           <a:p>
             <a:r>
-              <a:rPr lang="en-US" smtClean="0"/>
+              <a:rPr lang="en-US"/>
               <a:t>Click to edit Master subtitle style</a:t>
             </a:r>
-            <a:endParaRPr lang="en-US"/>
           </a:p>
         </p:txBody>
       </p:sp>
@@ -641,7 +654,7 @@
           <a:p>
             <a:fld id="{78C97017-6FC3-485B-9764-EAC9E56C1D49}" type="datetimeFigureOut">
               <a:rPr lang="en-US" smtClean="0"/>
-              <a:t>10/16/2016</a:t>
+              <a:t>11/11/2018</a:t>
             </a:fld>
             <a:endParaRPr lang="en-US"/>
           </a:p>
@@ -735,10 +748,9 @@
           <a:lstStyle/>
           <a:p>
             <a:r>
-              <a:rPr lang="en-US" smtClean="0"/>
+              <a:rPr lang="en-US"/>
               <a:t>Click to edit Master title style</a:t>
             </a:r>
-            <a:endParaRPr lang="en-US"/>
           </a:p>
         </p:txBody>
       </p:sp>
@@ -759,38 +771,37 @@
           <a:p>
             <a:pPr lvl="0"/>
             <a:r>
-              <a:rPr lang="en-US" smtClean="0"/>
+              <a:rPr lang="en-US"/>
               <a:t>Click to edit Master text styles</a:t>
             </a:r>
           </a:p>
           <a:p>
             <a:pPr lvl="1"/>
             <a:r>
-              <a:rPr lang="en-US" smtClean="0"/>
+              <a:rPr lang="en-US"/>
               <a:t>Second level</a:t>
             </a:r>
           </a:p>
           <a:p>
             <a:pPr lvl="2"/>
             <a:r>
-              <a:rPr lang="en-US" smtClean="0"/>
+              <a:rPr lang="en-US"/>
               <a:t>Third level</a:t>
             </a:r>
           </a:p>
           <a:p>
             <a:pPr lvl="3"/>
             <a:r>
-              <a:rPr lang="en-US" smtClean="0"/>
+              <a:rPr lang="en-US"/>
               <a:t>Fourth level</a:t>
             </a:r>
           </a:p>
           <a:p>
             <a:pPr lvl="4"/>
             <a:r>
-              <a:rPr lang="en-US" smtClean="0"/>
+              <a:rPr lang="en-US"/>
               <a:t>Fifth level</a:t>
             </a:r>
-            <a:endParaRPr lang="en-US"/>
           </a:p>
         </p:txBody>
       </p:sp>
@@ -811,7 +822,7 @@
           <a:p>
             <a:fld id="{78C97017-6FC3-485B-9764-EAC9E56C1D49}" type="datetimeFigureOut">
               <a:rPr lang="en-US" smtClean="0"/>
-              <a:t>10/16/2016</a:t>
+              <a:t>11/11/2018</a:t>
             </a:fld>
             <a:endParaRPr lang="en-US"/>
           </a:p>
@@ -910,10 +921,9 @@
           <a:lstStyle/>
           <a:p>
             <a:r>
-              <a:rPr lang="en-US" smtClean="0"/>
+              <a:rPr lang="en-US"/>
               <a:t>Click to edit Master title style</a:t>
             </a:r>
-            <a:endParaRPr lang="en-US"/>
           </a:p>
         </p:txBody>
       </p:sp>
@@ -939,38 +949,37 @@
           <a:p>
             <a:pPr lvl="0"/>
             <a:r>
-              <a:rPr lang="en-US" smtClean="0"/>
+              <a:rPr lang="en-US"/>
               <a:t>Click to edit Master text styles</a:t>
             </a:r>
           </a:p>
           <a:p>
             <a:pPr lvl="1"/>
             <a:r>
-              <a:rPr lang="en-US" smtClean="0"/>
+              <a:rPr lang="en-US"/>
               <a:t>Second level</a:t>
             </a:r>
           </a:p>
           <a:p>
             <a:pPr lvl="2"/>
             <a:r>
-              <a:rPr lang="en-US" smtClean="0"/>
+              <a:rPr lang="en-US"/>
               <a:t>Third level</a:t>
             </a:r>
           </a:p>
           <a:p>
             <a:pPr lvl="3"/>
             <a:r>
-              <a:rPr lang="en-US" smtClean="0"/>
+              <a:rPr lang="en-US"/>
               <a:t>Fourth level</a:t>
             </a:r>
           </a:p>
           <a:p>
             <a:pPr lvl="4"/>
             <a:r>
-              <a:rPr lang="en-US" smtClean="0"/>
+              <a:rPr lang="en-US"/>
               <a:t>Fifth level</a:t>
             </a:r>
-            <a:endParaRPr lang="en-US"/>
           </a:p>
         </p:txBody>
       </p:sp>
@@ -991,7 +1000,7 @@
           <a:p>
             <a:fld id="{78C97017-6FC3-485B-9764-EAC9E56C1D49}" type="datetimeFigureOut">
               <a:rPr lang="en-US" smtClean="0"/>
-              <a:t>10/16/2016</a:t>
+              <a:t>11/11/2018</a:t>
             </a:fld>
             <a:endParaRPr lang="en-US"/>
           </a:p>
@@ -1085,10 +1094,9 @@
           <a:lstStyle/>
           <a:p>
             <a:r>
-              <a:rPr lang="en-US" smtClean="0"/>
+              <a:rPr lang="en-US"/>
               <a:t>Click to edit Master title style</a:t>
             </a:r>
-            <a:endParaRPr lang="en-US"/>
           </a:p>
         </p:txBody>
       </p:sp>
@@ -1109,38 +1117,37 @@
           <a:p>
             <a:pPr lvl="0"/>
             <a:r>
-              <a:rPr lang="en-US" smtClean="0"/>
+              <a:rPr lang="en-US"/>
               <a:t>Click to edit Master text styles</a:t>
             </a:r>
           </a:p>
           <a:p>
             <a:pPr lvl="1"/>
             <a:r>
-              <a:rPr lang="en-US" smtClean="0"/>
+              <a:rPr lang="en-US"/>
               <a:t>Second level</a:t>
             </a:r>
           </a:p>
           <a:p>
             <a:pPr lvl="2"/>
             <a:r>
-              <a:rPr lang="en-US" smtClean="0"/>
+              <a:rPr lang="en-US"/>
               <a:t>Third level</a:t>
             </a:r>
           </a:p>
           <a:p>
             <a:pPr lvl="3"/>
             <a:r>
-              <a:rPr lang="en-US" smtClean="0"/>
+              <a:rPr lang="en-US"/>
               <a:t>Fourth level</a:t>
             </a:r>
           </a:p>
           <a:p>
             <a:pPr lvl="4"/>
             <a:r>
-              <a:rPr lang="en-US" smtClean="0"/>
+              <a:rPr lang="en-US"/>
               <a:t>Fifth level</a:t>
             </a:r>
-            <a:endParaRPr lang="en-US"/>
           </a:p>
         </p:txBody>
       </p:sp>
@@ -1161,7 +1168,7 @@
           <a:p>
             <a:fld id="{78C97017-6FC3-485B-9764-EAC9E56C1D49}" type="datetimeFigureOut">
               <a:rPr lang="en-US" smtClean="0"/>
-              <a:t>10/16/2016</a:t>
+              <a:t>11/11/2018</a:t>
             </a:fld>
             <a:endParaRPr lang="en-US"/>
           </a:p>
@@ -1264,10 +1271,9 @@
           </a:lstStyle>
           <a:p>
             <a:r>
-              <a:rPr lang="en-US" smtClean="0"/>
+              <a:rPr lang="en-US"/>
               <a:t>Click to edit Master title style</a:t>
             </a:r>
-            <a:endParaRPr lang="en-US"/>
           </a:p>
         </p:txBody>
       </p:sp>
@@ -1384,7 +1390,7 @@
           <a:p>
             <a:pPr lvl="0"/>
             <a:r>
-              <a:rPr lang="en-US" smtClean="0"/>
+              <a:rPr lang="en-US"/>
               <a:t>Click to edit Master text styles</a:t>
             </a:r>
           </a:p>
@@ -1407,7 +1413,7 @@
           <a:p>
             <a:fld id="{78C97017-6FC3-485B-9764-EAC9E56C1D49}" type="datetimeFigureOut">
               <a:rPr lang="en-US" smtClean="0"/>
-              <a:t>10/16/2016</a:t>
+              <a:t>11/11/2018</a:t>
             </a:fld>
             <a:endParaRPr lang="en-US"/>
           </a:p>
@@ -1501,10 +1507,9 @@
           <a:lstStyle/>
           <a:p>
             <a:r>
-              <a:rPr lang="en-US" smtClean="0"/>
+              <a:rPr lang="en-US"/>
               <a:t>Click to edit Master title style</a:t>
             </a:r>
-            <a:endParaRPr lang="en-US"/>
           </a:p>
         </p:txBody>
       </p:sp>
@@ -1558,38 +1563,37 @@
           <a:p>
             <a:pPr lvl="0"/>
             <a:r>
-              <a:rPr lang="en-US" smtClean="0"/>
+              <a:rPr lang="en-US"/>
               <a:t>Click to edit Master text styles</a:t>
             </a:r>
           </a:p>
           <a:p>
             <a:pPr lvl="1"/>
             <a:r>
-              <a:rPr lang="en-US" smtClean="0"/>
+              <a:rPr lang="en-US"/>
               <a:t>Second level</a:t>
             </a:r>
           </a:p>
           <a:p>
             <a:pPr lvl="2"/>
             <a:r>
-              <a:rPr lang="en-US" smtClean="0"/>
+              <a:rPr lang="en-US"/>
               <a:t>Third level</a:t>
             </a:r>
           </a:p>
           <a:p>
             <a:pPr lvl="3"/>
             <a:r>
-              <a:rPr lang="en-US" smtClean="0"/>
+              <a:rPr lang="en-US"/>
               <a:t>Fourth level</a:t>
             </a:r>
           </a:p>
           <a:p>
             <a:pPr lvl="4"/>
             <a:r>
-              <a:rPr lang="en-US" smtClean="0"/>
+              <a:rPr lang="en-US"/>
               <a:t>Fifth level</a:t>
             </a:r>
-            <a:endParaRPr lang="en-US"/>
           </a:p>
         </p:txBody>
       </p:sp>
@@ -1643,38 +1647,37 @@
           <a:p>
             <a:pPr lvl="0"/>
             <a:r>
-              <a:rPr lang="en-US" smtClean="0"/>
+              <a:rPr lang="en-US"/>
               <a:t>Click to edit Master text styles</a:t>
             </a:r>
           </a:p>
           <a:p>
             <a:pPr lvl="1"/>
             <a:r>
-              <a:rPr lang="en-US" smtClean="0"/>
+              <a:rPr lang="en-US"/>
               <a:t>Second level</a:t>
             </a:r>
           </a:p>
           <a:p>
             <a:pPr lvl="2"/>
             <a:r>
-              <a:rPr lang="en-US" smtClean="0"/>
+              <a:rPr lang="en-US"/>
               <a:t>Third level</a:t>
             </a:r>
           </a:p>
           <a:p>
             <a:pPr lvl="3"/>
             <a:r>
-              <a:rPr lang="en-US" smtClean="0"/>
+              <a:rPr lang="en-US"/>
               <a:t>Fourth level</a:t>
             </a:r>
           </a:p>
           <a:p>
             <a:pPr lvl="4"/>
             <a:r>
-              <a:rPr lang="en-US" smtClean="0"/>
+              <a:rPr lang="en-US"/>
               <a:t>Fifth level</a:t>
             </a:r>
-            <a:endParaRPr lang="en-US"/>
           </a:p>
         </p:txBody>
       </p:sp>
@@ -1695,7 +1698,7 @@
           <a:p>
             <a:fld id="{78C97017-6FC3-485B-9764-EAC9E56C1D49}" type="datetimeFigureOut">
               <a:rPr lang="en-US" smtClean="0"/>
-              <a:t>10/16/2016</a:t>
+              <a:t>11/11/2018</a:t>
             </a:fld>
             <a:endParaRPr lang="en-US"/>
           </a:p>
@@ -1793,10 +1796,9 @@
           </a:lstStyle>
           <a:p>
             <a:r>
-              <a:rPr lang="en-US" smtClean="0"/>
+              <a:rPr lang="en-US"/>
               <a:t>Click to edit Master title style</a:t>
             </a:r>
-            <a:endParaRPr lang="en-US"/>
           </a:p>
         </p:txBody>
       </p:sp>
@@ -1859,7 +1861,7 @@
           <a:p>
             <a:pPr lvl="0"/>
             <a:r>
-              <a:rPr lang="en-US" smtClean="0"/>
+              <a:rPr lang="en-US"/>
               <a:t>Click to edit Master text styles</a:t>
             </a:r>
           </a:p>
@@ -1915,38 +1917,37 @@
           <a:p>
             <a:pPr lvl="0"/>
             <a:r>
-              <a:rPr lang="en-US" smtClean="0"/>
+              <a:rPr lang="en-US"/>
               <a:t>Click to edit Master text styles</a:t>
             </a:r>
           </a:p>
           <a:p>
             <a:pPr lvl="1"/>
             <a:r>
-              <a:rPr lang="en-US" smtClean="0"/>
+              <a:rPr lang="en-US"/>
               <a:t>Second level</a:t>
             </a:r>
           </a:p>
           <a:p>
             <a:pPr lvl="2"/>
             <a:r>
-              <a:rPr lang="en-US" smtClean="0"/>
+              <a:rPr lang="en-US"/>
               <a:t>Third level</a:t>
             </a:r>
           </a:p>
           <a:p>
             <a:pPr lvl="3"/>
             <a:r>
-              <a:rPr lang="en-US" smtClean="0"/>
+              <a:rPr lang="en-US"/>
               <a:t>Fourth level</a:t>
             </a:r>
           </a:p>
           <a:p>
             <a:pPr lvl="4"/>
             <a:r>
-              <a:rPr lang="en-US" smtClean="0"/>
+              <a:rPr lang="en-US"/>
               <a:t>Fifth level</a:t>
             </a:r>
-            <a:endParaRPr lang="en-US"/>
           </a:p>
         </p:txBody>
       </p:sp>
@@ -2009,7 +2010,7 @@
           <a:p>
             <a:pPr lvl="0"/>
             <a:r>
-              <a:rPr lang="en-US" smtClean="0"/>
+              <a:rPr lang="en-US"/>
               <a:t>Click to edit Master text styles</a:t>
             </a:r>
           </a:p>
@@ -2065,38 +2066,37 @@
           <a:p>
             <a:pPr lvl="0"/>
             <a:r>
-              <a:rPr lang="en-US" smtClean="0"/>
+              <a:rPr lang="en-US"/>
               <a:t>Click to edit Master text styles</a:t>
             </a:r>
           </a:p>
           <a:p>
             <a:pPr lvl="1"/>
             <a:r>
-              <a:rPr lang="en-US" smtClean="0"/>
+              <a:rPr lang="en-US"/>
               <a:t>Second level</a:t>
             </a:r>
           </a:p>
           <a:p>
             <a:pPr lvl="2"/>
             <a:r>
-              <a:rPr lang="en-US" smtClean="0"/>
+              <a:rPr lang="en-US"/>
               <a:t>Third level</a:t>
             </a:r>
           </a:p>
           <a:p>
             <a:pPr lvl="3"/>
             <a:r>
-              <a:rPr lang="en-US" smtClean="0"/>
+              <a:rPr lang="en-US"/>
               <a:t>Fourth level</a:t>
             </a:r>
           </a:p>
           <a:p>
             <a:pPr lvl="4"/>
             <a:r>
-              <a:rPr lang="en-US" smtClean="0"/>
+              <a:rPr lang="en-US"/>
               <a:t>Fifth level</a:t>
             </a:r>
-            <a:endParaRPr lang="en-US"/>
           </a:p>
         </p:txBody>
       </p:sp>
@@ -2117,7 +2117,7 @@
           <a:p>
             <a:fld id="{78C97017-6FC3-485B-9764-EAC9E56C1D49}" type="datetimeFigureOut">
               <a:rPr lang="en-US" smtClean="0"/>
-              <a:t>10/16/2016</a:t>
+              <a:t>11/11/2018</a:t>
             </a:fld>
             <a:endParaRPr lang="en-US"/>
           </a:p>
@@ -2211,10 +2211,9 @@
           <a:lstStyle/>
           <a:p>
             <a:r>
-              <a:rPr lang="en-US" smtClean="0"/>
+              <a:rPr lang="en-US"/>
               <a:t>Click to edit Master title style</a:t>
             </a:r>
-            <a:endParaRPr lang="en-US"/>
           </a:p>
         </p:txBody>
       </p:sp>
@@ -2235,7 +2234,7 @@
           <a:p>
             <a:fld id="{78C97017-6FC3-485B-9764-EAC9E56C1D49}" type="datetimeFigureOut">
               <a:rPr lang="en-US" smtClean="0"/>
-              <a:t>10/16/2016</a:t>
+              <a:t>11/11/2018</a:t>
             </a:fld>
             <a:endParaRPr lang="en-US"/>
           </a:p>
@@ -2330,7 +2329,7 @@
           <a:p>
             <a:fld id="{78C97017-6FC3-485B-9764-EAC9E56C1D49}" type="datetimeFigureOut">
               <a:rPr lang="en-US" smtClean="0"/>
-              <a:t>10/16/2016</a:t>
+              <a:t>11/11/2018</a:t>
             </a:fld>
             <a:endParaRPr lang="en-US"/>
           </a:p>
@@ -2433,10 +2432,9 @@
           </a:lstStyle>
           <a:p>
             <a:r>
-              <a:rPr lang="en-US" smtClean="0"/>
+              <a:rPr lang="en-US"/>
               <a:t>Click to edit Master title style</a:t>
             </a:r>
-            <a:endParaRPr lang="en-US"/>
           </a:p>
         </p:txBody>
       </p:sp>
@@ -2490,38 +2488,37 @@
           <a:p>
             <a:pPr lvl="0"/>
             <a:r>
-              <a:rPr lang="en-US" smtClean="0"/>
+              <a:rPr lang="en-US"/>
               <a:t>Click to edit Master text styles</a:t>
             </a:r>
           </a:p>
           <a:p>
             <a:pPr lvl="1"/>
             <a:r>
-              <a:rPr lang="en-US" smtClean="0"/>
+              <a:rPr lang="en-US"/>
               <a:t>Second level</a:t>
             </a:r>
           </a:p>
           <a:p>
             <a:pPr lvl="2"/>
             <a:r>
-              <a:rPr lang="en-US" smtClean="0"/>
+              <a:rPr lang="en-US"/>
               <a:t>Third level</a:t>
             </a:r>
           </a:p>
           <a:p>
             <a:pPr lvl="3"/>
             <a:r>
-              <a:rPr lang="en-US" smtClean="0"/>
+              <a:rPr lang="en-US"/>
               <a:t>Fourth level</a:t>
             </a:r>
           </a:p>
           <a:p>
             <a:pPr lvl="4"/>
             <a:r>
-              <a:rPr lang="en-US" smtClean="0"/>
+              <a:rPr lang="en-US"/>
               <a:t>Fifth level</a:t>
             </a:r>
-            <a:endParaRPr lang="en-US"/>
           </a:p>
         </p:txBody>
       </p:sp>
@@ -2584,7 +2581,7 @@
           <a:p>
             <a:pPr lvl="0"/>
             <a:r>
-              <a:rPr lang="en-US" smtClean="0"/>
+              <a:rPr lang="en-US"/>
               <a:t>Click to edit Master text styles</a:t>
             </a:r>
           </a:p>
@@ -2607,7 +2604,7 @@
           <a:p>
             <a:fld id="{78C97017-6FC3-485B-9764-EAC9E56C1D49}" type="datetimeFigureOut">
               <a:rPr lang="en-US" smtClean="0"/>
-              <a:t>10/16/2016</a:t>
+              <a:t>11/11/2018</a:t>
             </a:fld>
             <a:endParaRPr lang="en-US"/>
           </a:p>
@@ -2710,10 +2707,9 @@
           </a:lstStyle>
           <a:p>
             <a:r>
-              <a:rPr lang="en-US" smtClean="0"/>
+              <a:rPr lang="en-US"/>
               <a:t>Click to edit Master title style</a:t>
             </a:r>
-            <a:endParaRPr lang="en-US"/>
           </a:p>
         </p:txBody>
       </p:sp>
@@ -2837,7 +2833,7 @@
           <a:p>
             <a:pPr lvl="0"/>
             <a:r>
-              <a:rPr lang="en-US" smtClean="0"/>
+              <a:rPr lang="en-US"/>
               <a:t>Click to edit Master text styles</a:t>
             </a:r>
           </a:p>
@@ -2860,7 +2856,7 @@
           <a:p>
             <a:fld id="{78C97017-6FC3-485B-9764-EAC9E56C1D49}" type="datetimeFigureOut">
               <a:rPr lang="en-US" smtClean="0"/>
-              <a:t>10/16/2016</a:t>
+              <a:t>11/11/2018</a:t>
             </a:fld>
             <a:endParaRPr lang="en-US"/>
           </a:p>
@@ -2969,10 +2965,9 @@
           <a:lstStyle/>
           <a:p>
             <a:r>
-              <a:rPr lang="en-US" smtClean="0"/>
+              <a:rPr lang="en-US"/>
               <a:t>Click to edit Master title style</a:t>
             </a:r>
-            <a:endParaRPr lang="en-US"/>
           </a:p>
         </p:txBody>
       </p:sp>
@@ -3003,38 +2998,37 @@
           <a:p>
             <a:pPr lvl="0"/>
             <a:r>
-              <a:rPr lang="en-US" smtClean="0"/>
+              <a:rPr lang="en-US"/>
               <a:t>Click to edit Master text styles</a:t>
             </a:r>
           </a:p>
           <a:p>
             <a:pPr lvl="1"/>
             <a:r>
-              <a:rPr lang="en-US" smtClean="0"/>
+              <a:rPr lang="en-US"/>
               <a:t>Second level</a:t>
             </a:r>
           </a:p>
           <a:p>
             <a:pPr lvl="2"/>
             <a:r>
-              <a:rPr lang="en-US" smtClean="0"/>
+              <a:rPr lang="en-US"/>
               <a:t>Third level</a:t>
             </a:r>
           </a:p>
           <a:p>
             <a:pPr lvl="3"/>
             <a:r>
-              <a:rPr lang="en-US" smtClean="0"/>
+              <a:rPr lang="en-US"/>
               <a:t>Fourth level</a:t>
             </a:r>
           </a:p>
           <a:p>
             <a:pPr lvl="4"/>
             <a:r>
-              <a:rPr lang="en-US" smtClean="0"/>
+              <a:rPr lang="en-US"/>
               <a:t>Fifth level</a:t>
             </a:r>
-            <a:endParaRPr lang="en-US"/>
           </a:p>
         </p:txBody>
       </p:sp>
@@ -3073,7 +3067,7 @@
           <a:p>
             <a:fld id="{78C97017-6FC3-485B-9764-EAC9E56C1D49}" type="datetimeFigureOut">
               <a:rPr lang="en-US" smtClean="0"/>
-              <a:t>10/16/2016</a:t>
+              <a:t>11/11/2018</a:t>
             </a:fld>
             <a:endParaRPr lang="en-US"/>
           </a:p>
@@ -3457,7 +3451,7 @@
         <p:spPr>
           <a:xfrm>
             <a:off x="1119865" y="2086382"/>
-            <a:ext cx="7871735" cy="1723618"/>
+            <a:ext cx="4823735" cy="1723618"/>
           </a:xfrm>
           <a:prstGeom prst="roundRect">
             <a:avLst>
@@ -3494,7 +3488,7 @@
           <a:lstStyle/>
           <a:p>
             <a:r>
-              <a:rPr lang="en-US" sz="1200" b="1" dirty="0" smtClean="0">
+              <a:rPr lang="en-US" sz="1200" b="1" dirty="0">
                 <a:solidFill>
                   <a:schemeClr val="accent6">
                     <a:lumMod val="75000"/>
@@ -3508,84 +3502,6 @@
                 <a:schemeClr val="accent6">
                   <a:lumMod val="75000"/>
                 </a:schemeClr>
-              </a:solidFill>
-            </a:endParaRPr>
-          </a:p>
-        </p:txBody>
-      </p:sp>
-      <p:sp>
-        <p:nvSpPr>
-          <p:cNvPr id="2" name="Rectangle 8"/>
-          <p:cNvSpPr/>
-          <p:nvPr/>
-        </p:nvSpPr>
-        <p:spPr>
-          <a:xfrm>
-            <a:off x="2877180" y="3158440"/>
-            <a:ext cx="1323049" cy="346760"/>
-          </a:xfrm>
-          <a:prstGeom prst="rect">
-            <a:avLst/>
-          </a:prstGeom>
-          <a:solidFill>
-            <a:schemeClr val="accent6">
-              <a:lumMod val="75000"/>
-            </a:schemeClr>
-          </a:solidFill>
-          <a:ln w="19050">
-            <a:solidFill>
-              <a:schemeClr val="accent6">
-                <a:lumMod val="75000"/>
-              </a:schemeClr>
-            </a:solidFill>
-          </a:ln>
-          <a:effectLst/>
-        </p:spPr>
-        <p:style>
-          <a:lnRef idx="1">
-            <a:schemeClr val="accent2"/>
-          </a:lnRef>
-          <a:fillRef idx="2">
-            <a:schemeClr val="accent2"/>
-          </a:fillRef>
-          <a:effectRef idx="1">
-            <a:schemeClr val="accent2"/>
-          </a:effectRef>
-          <a:fontRef idx="minor">
-            <a:schemeClr val="dk1"/>
-          </a:fontRef>
-        </p:style>
-        <p:txBody>
-          <a:bodyPr rtlCol="0" anchor="ctr"/>
-          <a:lstStyle/>
-          <a:p>
-            <a:pPr algn="ctr"/>
-            <a:r>
-              <a:rPr lang="en-US" sz="1050" dirty="0" smtClean="0">
-                <a:solidFill>
-                  <a:schemeClr val="bg1"/>
-                </a:solidFill>
-              </a:rPr>
-              <a:t>&lt;&lt;interface&gt;&gt;</a:t>
-            </a:r>
-            <a:br>
-              <a:rPr lang="en-US" sz="1050" dirty="0" smtClean="0">
-                <a:solidFill>
-                  <a:schemeClr val="bg1"/>
-                </a:solidFill>
-              </a:rPr>
-            </a:br>
-            <a:r>
-              <a:rPr lang="en-US" sz="1050" dirty="0" err="1" smtClean="0">
-                <a:solidFill>
-                  <a:schemeClr val="bg1"/>
-                </a:solidFill>
-              </a:rPr>
-              <a:t>AddressBookStorage</a:t>
-            </a:r>
-            <a:endParaRPr lang="en-SG" sz="1050" dirty="0">
-              <a:solidFill>
-                <a:schemeClr val="bg1"/>
               </a:solidFill>
             </a:endParaRPr>
           </a:p>
@@ -3639,7 +3555,7 @@
           <a:p>
             <a:pPr algn="ctr"/>
             <a:r>
-              <a:rPr lang="en-US" sz="1050" dirty="0" err="1" smtClean="0">
+              <a:rPr lang="en-US" sz="1050" dirty="0" err="1">
                 <a:solidFill>
                   <a:schemeClr val="bg1"/>
                 </a:solidFill>
@@ -3713,7 +3629,7 @@
           <a:p>
             <a:pPr algn="ctr"/>
             <a:r>
-              <a:rPr lang="en-US" sz="1050" dirty="0" smtClean="0">
+              <a:rPr lang="en-US" sz="1050" dirty="0">
                 <a:solidFill>
                   <a:schemeClr val="bg1"/>
                 </a:solidFill>
@@ -3783,49 +3699,6 @@
           </a:p>
         </p:txBody>
       </p:sp>
-      <p:cxnSp>
-        <p:nvCxnSpPr>
-          <p:cNvPr id="58" name="Straight Arrow Connector 57"/>
-          <p:cNvCxnSpPr>
-            <a:stCxn id="42" idx="3"/>
-            <a:endCxn id="2" idx="1"/>
-          </p:cNvCxnSpPr>
-          <p:nvPr/>
-        </p:nvCxnSpPr>
-        <p:spPr>
-          <a:xfrm>
-            <a:off x="2656370" y="3326536"/>
-            <a:ext cx="220810" cy="5284"/>
-          </a:xfrm>
-          <a:prstGeom prst="straightConnector1">
-            <a:avLst/>
-          </a:prstGeom>
-          <a:ln w="19050">
-            <a:solidFill>
-              <a:schemeClr val="accent6">
-                <a:lumMod val="75000"/>
-              </a:schemeClr>
-            </a:solidFill>
-            <a:headEnd type="none" w="med" len="med"/>
-            <a:tailEnd type="arrow" w="med" len="med"/>
-          </a:ln>
-          <a:effectLst/>
-        </p:spPr>
-        <p:style>
-          <a:lnRef idx="1">
-            <a:schemeClr val="accent2"/>
-          </a:lnRef>
-          <a:fillRef idx="2">
-            <a:schemeClr val="accent2"/>
-          </a:fillRef>
-          <a:effectRef idx="1">
-            <a:schemeClr val="accent2"/>
-          </a:effectRef>
-          <a:fontRef idx="minor">
-            <a:schemeClr val="dk1"/>
-          </a:fontRef>
-        </p:style>
-      </p:cxnSp>
       <p:cxnSp>
         <p:nvCxnSpPr>
           <p:cNvPr id="75" name="Elbow Connector 122"/>
@@ -3914,13 +3787,134 @@
       </p:cxnSp>
       <p:sp>
         <p:nvSpPr>
-          <p:cNvPr id="42" name="Flowchart: Decision 96"/>
+          <p:cNvPr id="52" name="Rectangle 8"/>
           <p:cNvSpPr/>
           <p:nvPr/>
         </p:nvSpPr>
         <p:spPr>
           <a:xfrm>
-            <a:off x="2420322" y="3239846"/>
+            <a:off x="2873943" y="2853640"/>
+            <a:ext cx="1323049" cy="346760"/>
+          </a:xfrm>
+          <a:prstGeom prst="rect">
+            <a:avLst/>
+          </a:prstGeom>
+          <a:solidFill>
+            <a:schemeClr val="accent6">
+              <a:lumMod val="75000"/>
+            </a:schemeClr>
+          </a:solidFill>
+          <a:ln w="19050">
+            <a:solidFill>
+              <a:schemeClr val="accent6">
+                <a:lumMod val="75000"/>
+              </a:schemeClr>
+            </a:solidFill>
+          </a:ln>
+          <a:effectLst/>
+        </p:spPr>
+        <p:style>
+          <a:lnRef idx="1">
+            <a:schemeClr val="accent2"/>
+          </a:lnRef>
+          <a:fillRef idx="2">
+            <a:schemeClr val="accent2"/>
+          </a:fillRef>
+          <a:effectRef idx="1">
+            <a:schemeClr val="accent2"/>
+          </a:effectRef>
+          <a:fontRef idx="minor">
+            <a:schemeClr val="dk1"/>
+          </a:fontRef>
+        </p:style>
+        <p:txBody>
+          <a:bodyPr rtlCol="0" anchor="ctr"/>
+          <a:lstStyle/>
+          <a:p>
+            <a:pPr algn="ctr"/>
+            <a:r>
+              <a:rPr lang="en-US" sz="1050" dirty="0">
+                <a:solidFill>
+                  <a:schemeClr val="bg1"/>
+                </a:solidFill>
+              </a:rPr>
+              <a:t>&lt;&lt;interface&gt;&gt;</a:t>
+            </a:r>
+            <a:br>
+              <a:rPr lang="en-US" sz="1050" dirty="0">
+                <a:solidFill>
+                  <a:schemeClr val="bg1"/>
+                </a:solidFill>
+              </a:rPr>
+            </a:br>
+            <a:r>
+              <a:rPr lang="en-US" sz="1050" dirty="0" err="1">
+                <a:solidFill>
+                  <a:schemeClr val="bg1"/>
+                </a:solidFill>
+              </a:rPr>
+              <a:t>UserPrefsStorage</a:t>
+            </a:r>
+            <a:endParaRPr lang="en-SG" sz="1050" dirty="0">
+              <a:solidFill>
+                <a:schemeClr val="bg1"/>
+              </a:solidFill>
+            </a:endParaRPr>
+          </a:p>
+        </p:txBody>
+      </p:sp>
+      <p:cxnSp>
+        <p:nvCxnSpPr>
+          <p:cNvPr id="54" name="Straight Arrow Connector 53"/>
+          <p:cNvCxnSpPr>
+            <a:stCxn id="56" idx="3"/>
+            <a:endCxn id="52" idx="1"/>
+          </p:cNvCxnSpPr>
+          <p:nvPr/>
+        </p:nvCxnSpPr>
+        <p:spPr>
+          <a:xfrm>
+            <a:off x="2653133" y="3021736"/>
+            <a:ext cx="220810" cy="5284"/>
+          </a:xfrm>
+          <a:prstGeom prst="straightConnector1">
+            <a:avLst/>
+          </a:prstGeom>
+          <a:ln w="19050">
+            <a:solidFill>
+              <a:schemeClr val="accent6">
+                <a:lumMod val="75000"/>
+              </a:schemeClr>
+            </a:solidFill>
+            <a:headEnd type="none" w="med" len="med"/>
+            <a:tailEnd type="arrow" w="med" len="med"/>
+          </a:ln>
+          <a:effectLst/>
+        </p:spPr>
+        <p:style>
+          <a:lnRef idx="1">
+            <a:schemeClr val="accent2"/>
+          </a:lnRef>
+          <a:fillRef idx="2">
+            <a:schemeClr val="accent2"/>
+          </a:fillRef>
+          <a:effectRef idx="1">
+            <a:schemeClr val="accent2"/>
+          </a:effectRef>
+          <a:fontRef idx="minor">
+            <a:schemeClr val="dk1"/>
+          </a:fontRef>
+        </p:style>
+      </p:cxnSp>
+      <p:sp>
+        <p:nvSpPr>
+          <p:cNvPr id="56" name="Flowchart: Decision 96"/>
+          <p:cNvSpPr/>
+          <p:nvPr/>
+        </p:nvSpPr>
+        <p:spPr>
+          <a:xfrm>
+            <a:off x="2417085" y="2935046"/>
             <a:ext cx="236048" cy="173380"/>
           </a:xfrm>
           <a:prstGeom prst="flowChartDecision">
@@ -3965,16 +3959,16 @@
       </p:sp>
       <p:cxnSp>
         <p:nvCxnSpPr>
-          <p:cNvPr id="97" name="Elbow Connector 63"/>
+          <p:cNvPr id="60" name="Elbow Connector 63"/>
           <p:cNvCxnSpPr>
-            <a:stCxn id="99" idx="3"/>
-            <a:endCxn id="50" idx="1"/>
+            <a:stCxn id="61" idx="3"/>
+            <a:endCxn id="65" idx="1"/>
           </p:cNvCxnSpPr>
           <p:nvPr/>
         </p:nvCxnSpPr>
         <p:spPr>
           <a:xfrm flipV="1">
-            <a:off x="4398041" y="3331820"/>
+            <a:off x="4394804" y="3027020"/>
             <a:ext cx="223324" cy="1"/>
           </a:xfrm>
           <a:prstGeom prst="bentConnector3">
@@ -4011,13 +4005,13 @@
       </p:cxnSp>
       <p:sp>
         <p:nvSpPr>
-          <p:cNvPr id="99" name="Isosceles Triangle 102"/>
+          <p:cNvPr id="61" name="Isosceles Triangle 102"/>
           <p:cNvSpPr/>
           <p:nvPr/>
         </p:nvSpPr>
         <p:spPr>
           <a:xfrm rot="5400000" flipV="1">
-            <a:off x="4175027" y="3244059"/>
+            <a:off x="4171790" y="2939259"/>
             <a:ext cx="270504" cy="175523"/>
           </a:xfrm>
           <a:prstGeom prst="triangle">
@@ -4064,410 +4058,6 @@
           </a:p>
         </p:txBody>
       </p:sp>
-      <p:cxnSp>
-        <p:nvCxnSpPr>
-          <p:cNvPr id="124" name="Elbow Connector 122"/>
-          <p:cNvCxnSpPr>
-            <a:stCxn id="50" idx="3"/>
-            <a:endCxn id="66" idx="1"/>
-          </p:cNvCxnSpPr>
-          <p:nvPr/>
-        </p:nvCxnSpPr>
-        <p:spPr>
-          <a:xfrm>
-            <a:off x="5791200" y="3331820"/>
-            <a:ext cx="228600" cy="1970"/>
-          </a:xfrm>
-          <a:prstGeom prst="bentConnector3">
-            <a:avLst>
-              <a:gd name="adj1" fmla="val 50000"/>
-            </a:avLst>
-          </a:prstGeom>
-          <a:ln w="19050">
-            <a:solidFill>
-              <a:schemeClr val="accent6">
-                <a:lumMod val="75000"/>
-              </a:schemeClr>
-            </a:solidFill>
-            <a:prstDash val="sysDot"/>
-            <a:headEnd type="none" w="med" len="med"/>
-            <a:tailEnd type="arrow" w="med" len="med"/>
-          </a:ln>
-          <a:effectLst/>
-        </p:spPr>
-        <p:style>
-          <a:lnRef idx="1">
-            <a:schemeClr val="accent2"/>
-          </a:lnRef>
-          <a:fillRef idx="2">
-            <a:schemeClr val="accent2"/>
-          </a:fillRef>
-          <a:effectRef idx="1">
-            <a:schemeClr val="accent2"/>
-          </a:effectRef>
-          <a:fontRef idx="minor">
-            <a:schemeClr val="dk1"/>
-          </a:fontRef>
-        </p:style>
-      </p:cxnSp>
-      <p:sp>
-        <p:nvSpPr>
-          <p:cNvPr id="50" name="Rectangle 8"/>
-          <p:cNvSpPr/>
-          <p:nvPr/>
-        </p:nvSpPr>
-        <p:spPr>
-          <a:xfrm>
-            <a:off x="4621365" y="3158440"/>
-            <a:ext cx="1169835" cy="346760"/>
-          </a:xfrm>
-          <a:prstGeom prst="rect">
-            <a:avLst/>
-          </a:prstGeom>
-          <a:ln w="19050"/>
-          <a:effectLst/>
-        </p:spPr>
-        <p:style>
-          <a:lnRef idx="1">
-            <a:schemeClr val="accent6"/>
-          </a:lnRef>
-          <a:fillRef idx="2">
-            <a:schemeClr val="accent6"/>
-          </a:fillRef>
-          <a:effectRef idx="1">
-            <a:schemeClr val="accent6"/>
-          </a:effectRef>
-          <a:fontRef idx="minor">
-            <a:schemeClr val="dk1"/>
-          </a:fontRef>
-        </p:style>
-        <p:txBody>
-          <a:bodyPr rtlCol="0" anchor="ctr"/>
-          <a:lstStyle/>
-          <a:p>
-            <a:pPr algn="ctr"/>
-            <a:r>
-              <a:rPr lang="en-US" sz="1050" b="1" dirty="0" err="1" smtClean="0">
-                <a:solidFill>
-                  <a:schemeClr val="accent6">
-                    <a:lumMod val="75000"/>
-                  </a:schemeClr>
-                </a:solidFill>
-              </a:rPr>
-              <a:t>XmlAddressBook</a:t>
-            </a:r>
-            <a:r>
-              <a:rPr lang="en-US" sz="1050" b="1" dirty="0" smtClean="0">
-                <a:solidFill>
-                  <a:schemeClr val="accent6">
-                    <a:lumMod val="75000"/>
-                  </a:schemeClr>
-                </a:solidFill>
-              </a:rPr>
-              <a:t/>
-            </a:r>
-            <a:br>
-              <a:rPr lang="en-US" sz="1050" b="1" dirty="0" smtClean="0">
-                <a:solidFill>
-                  <a:schemeClr val="accent6">
-                    <a:lumMod val="75000"/>
-                  </a:schemeClr>
-                </a:solidFill>
-              </a:rPr>
-            </a:br>
-            <a:r>
-              <a:rPr lang="en-US" sz="1050" b="1" dirty="0" smtClean="0">
-                <a:solidFill>
-                  <a:schemeClr val="accent6">
-                    <a:lumMod val="75000"/>
-                  </a:schemeClr>
-                </a:solidFill>
-              </a:rPr>
-              <a:t>Storage</a:t>
-            </a:r>
-            <a:endParaRPr lang="en-SG" sz="1050" b="1" dirty="0">
-              <a:solidFill>
-                <a:schemeClr val="accent6">
-                  <a:lumMod val="75000"/>
-                </a:schemeClr>
-              </a:solidFill>
-            </a:endParaRPr>
-          </a:p>
-        </p:txBody>
-      </p:sp>
-      <p:sp>
-        <p:nvSpPr>
-          <p:cNvPr id="52" name="Rectangle 8"/>
-          <p:cNvSpPr/>
-          <p:nvPr/>
-        </p:nvSpPr>
-        <p:spPr>
-          <a:xfrm>
-            <a:off x="2873943" y="2558040"/>
-            <a:ext cx="1323049" cy="346760"/>
-          </a:xfrm>
-          <a:prstGeom prst="rect">
-            <a:avLst/>
-          </a:prstGeom>
-          <a:solidFill>
-            <a:schemeClr val="accent6">
-              <a:lumMod val="75000"/>
-            </a:schemeClr>
-          </a:solidFill>
-          <a:ln w="19050">
-            <a:solidFill>
-              <a:schemeClr val="accent6">
-                <a:lumMod val="75000"/>
-              </a:schemeClr>
-            </a:solidFill>
-          </a:ln>
-          <a:effectLst/>
-        </p:spPr>
-        <p:style>
-          <a:lnRef idx="1">
-            <a:schemeClr val="accent2"/>
-          </a:lnRef>
-          <a:fillRef idx="2">
-            <a:schemeClr val="accent2"/>
-          </a:fillRef>
-          <a:effectRef idx="1">
-            <a:schemeClr val="accent2"/>
-          </a:effectRef>
-          <a:fontRef idx="minor">
-            <a:schemeClr val="dk1"/>
-          </a:fontRef>
-        </p:style>
-        <p:txBody>
-          <a:bodyPr rtlCol="0" anchor="ctr"/>
-          <a:lstStyle/>
-          <a:p>
-            <a:pPr algn="ctr"/>
-            <a:r>
-              <a:rPr lang="en-US" sz="1050" dirty="0" smtClean="0">
-                <a:solidFill>
-                  <a:schemeClr val="bg1"/>
-                </a:solidFill>
-              </a:rPr>
-              <a:t>&lt;&lt;interface&gt;&gt;</a:t>
-            </a:r>
-            <a:br>
-              <a:rPr lang="en-US" sz="1050" dirty="0" smtClean="0">
-                <a:solidFill>
-                  <a:schemeClr val="bg1"/>
-                </a:solidFill>
-              </a:rPr>
-            </a:br>
-            <a:r>
-              <a:rPr lang="en-US" sz="1050" dirty="0" err="1" smtClean="0">
-                <a:solidFill>
-                  <a:schemeClr val="bg1"/>
-                </a:solidFill>
-              </a:rPr>
-              <a:t>UserPrefsStorage</a:t>
-            </a:r>
-            <a:endParaRPr lang="en-SG" sz="1050" dirty="0">
-              <a:solidFill>
-                <a:schemeClr val="bg1"/>
-              </a:solidFill>
-            </a:endParaRPr>
-          </a:p>
-        </p:txBody>
-      </p:sp>
-      <p:cxnSp>
-        <p:nvCxnSpPr>
-          <p:cNvPr id="54" name="Straight Arrow Connector 53"/>
-          <p:cNvCxnSpPr>
-            <a:stCxn id="56" idx="3"/>
-            <a:endCxn id="52" idx="1"/>
-          </p:cNvCxnSpPr>
-          <p:nvPr/>
-        </p:nvCxnSpPr>
-        <p:spPr>
-          <a:xfrm>
-            <a:off x="2653133" y="2726136"/>
-            <a:ext cx="220810" cy="5284"/>
-          </a:xfrm>
-          <a:prstGeom prst="straightConnector1">
-            <a:avLst/>
-          </a:prstGeom>
-          <a:ln w="19050">
-            <a:solidFill>
-              <a:schemeClr val="accent6">
-                <a:lumMod val="75000"/>
-              </a:schemeClr>
-            </a:solidFill>
-            <a:headEnd type="none" w="med" len="med"/>
-            <a:tailEnd type="arrow" w="med" len="med"/>
-          </a:ln>
-          <a:effectLst/>
-        </p:spPr>
-        <p:style>
-          <a:lnRef idx="1">
-            <a:schemeClr val="accent2"/>
-          </a:lnRef>
-          <a:fillRef idx="2">
-            <a:schemeClr val="accent2"/>
-          </a:fillRef>
-          <a:effectRef idx="1">
-            <a:schemeClr val="accent2"/>
-          </a:effectRef>
-          <a:fontRef idx="minor">
-            <a:schemeClr val="dk1"/>
-          </a:fontRef>
-        </p:style>
-      </p:cxnSp>
-      <p:sp>
-        <p:nvSpPr>
-          <p:cNvPr id="56" name="Flowchart: Decision 96"/>
-          <p:cNvSpPr/>
-          <p:nvPr/>
-        </p:nvSpPr>
-        <p:spPr>
-          <a:xfrm>
-            <a:off x="2417085" y="2639446"/>
-            <a:ext cx="236048" cy="173380"/>
-          </a:xfrm>
-          <a:prstGeom prst="flowChartDecision">
-            <a:avLst/>
-          </a:prstGeom>
-          <a:noFill/>
-          <a:ln w="19050">
-            <a:solidFill>
-              <a:schemeClr val="accent6">
-                <a:lumMod val="75000"/>
-              </a:schemeClr>
-            </a:solidFill>
-          </a:ln>
-          <a:effectLst/>
-        </p:spPr>
-        <p:style>
-          <a:lnRef idx="1">
-            <a:schemeClr val="accent2"/>
-          </a:lnRef>
-          <a:fillRef idx="2">
-            <a:schemeClr val="accent2"/>
-          </a:fillRef>
-          <a:effectRef idx="1">
-            <a:schemeClr val="accent2"/>
-          </a:effectRef>
-          <a:fontRef idx="minor">
-            <a:schemeClr val="dk1"/>
-          </a:fontRef>
-        </p:style>
-        <p:txBody>
-          <a:bodyPr rtlCol="0" anchor="ctr"/>
-          <a:lstStyle/>
-          <a:p>
-            <a:pPr algn="ctr"/>
-            <a:endParaRPr lang="en-US" sz="1050">
-              <a:solidFill>
-                <a:schemeClr val="bg1"/>
-              </a:solidFill>
-            </a:endParaRPr>
-          </a:p>
-        </p:txBody>
-      </p:sp>
-      <p:cxnSp>
-        <p:nvCxnSpPr>
-          <p:cNvPr id="60" name="Elbow Connector 63"/>
-          <p:cNvCxnSpPr>
-            <a:stCxn id="61" idx="3"/>
-            <a:endCxn id="65" idx="1"/>
-          </p:cNvCxnSpPr>
-          <p:nvPr/>
-        </p:nvCxnSpPr>
-        <p:spPr>
-          <a:xfrm flipV="1">
-            <a:off x="4394804" y="2731420"/>
-            <a:ext cx="223324" cy="1"/>
-          </a:xfrm>
-          <a:prstGeom prst="bentConnector3">
-            <a:avLst>
-              <a:gd name="adj1" fmla="val 50000"/>
-            </a:avLst>
-          </a:prstGeom>
-          <a:ln w="19050">
-            <a:solidFill>
-              <a:schemeClr val="accent6">
-                <a:lumMod val="75000"/>
-              </a:schemeClr>
-            </a:solidFill>
-            <a:prstDash val="sysDot"/>
-            <a:headEnd type="none" w="med" len="med"/>
-            <a:tailEnd type="none" w="med" len="med"/>
-          </a:ln>
-          <a:effectLst/>
-        </p:spPr>
-        <p:style>
-          <a:lnRef idx="1">
-            <a:schemeClr val="accent2"/>
-          </a:lnRef>
-          <a:fillRef idx="2">
-            <a:schemeClr val="accent2"/>
-          </a:fillRef>
-          <a:effectRef idx="1">
-            <a:schemeClr val="accent2"/>
-          </a:effectRef>
-          <a:fontRef idx="minor">
-            <a:schemeClr val="dk1"/>
-          </a:fontRef>
-        </p:style>
-      </p:cxnSp>
-      <p:sp>
-        <p:nvSpPr>
-          <p:cNvPr id="61" name="Isosceles Triangle 102"/>
-          <p:cNvSpPr/>
-          <p:nvPr/>
-        </p:nvSpPr>
-        <p:spPr>
-          <a:xfrm rot="5400000" flipV="1">
-            <a:off x="4171790" y="2643659"/>
-            <a:ext cx="270504" cy="175523"/>
-          </a:xfrm>
-          <a:prstGeom prst="triangle">
-            <a:avLst/>
-          </a:prstGeom>
-          <a:solidFill>
-            <a:schemeClr val="accent6">
-              <a:lumMod val="75000"/>
-            </a:schemeClr>
-          </a:solidFill>
-          <a:ln w="19050">
-            <a:solidFill>
-              <a:schemeClr val="accent6">
-                <a:lumMod val="75000"/>
-              </a:schemeClr>
-            </a:solidFill>
-          </a:ln>
-          <a:effectLst/>
-        </p:spPr>
-        <p:style>
-          <a:lnRef idx="1">
-            <a:schemeClr val="accent2"/>
-          </a:lnRef>
-          <a:fillRef idx="2">
-            <a:schemeClr val="accent2"/>
-          </a:fillRef>
-          <a:effectRef idx="1">
-            <a:schemeClr val="accent2"/>
-          </a:effectRef>
-          <a:fontRef idx="minor">
-            <a:schemeClr val="dk1"/>
-          </a:fontRef>
-        </p:style>
-        <p:txBody>
-          <a:bodyPr rtlCol="0" anchor="ctr"/>
-          <a:lstStyle/>
-          <a:p>
-            <a:pPr algn="ctr"/>
-            <a:endParaRPr lang="en-SG" sz="1050">
-              <a:solidFill>
-                <a:schemeClr val="bg1"/>
-              </a:solidFill>
-            </a:endParaRPr>
-          </a:p>
-        </p:txBody>
-      </p:sp>
       <p:sp>
         <p:nvSpPr>
           <p:cNvPr id="65" name="Rectangle 8"/>
@@ -4476,7 +4066,7 @@
         </p:nvSpPr>
         <p:spPr>
           <a:xfrm>
-            <a:off x="4618128" y="2558040"/>
+            <a:off x="4618128" y="2853640"/>
             <a:ext cx="1093635" cy="346760"/>
           </a:xfrm>
           <a:prstGeom prst="rect">
@@ -4516,30 +4106,22 @@
           <a:p>
             <a:pPr algn="ctr"/>
             <a:r>
-              <a:rPr lang="en-US" sz="1050" dirty="0" err="1" smtClean="0">
+              <a:rPr lang="en-US" sz="1050" dirty="0" err="1">
                 <a:solidFill>
                   <a:schemeClr val="bg1"/>
                 </a:solidFill>
               </a:rPr>
               <a:t>JsonUserPrefs</a:t>
             </a:r>
-            <a:r>
-              <a:rPr lang="en-US" sz="1050" dirty="0" smtClean="0">
-                <a:solidFill>
-                  <a:schemeClr val="bg1"/>
-                </a:solidFill>
-              </a:rPr>
-              <a:t/>
-            </a:r>
             <a:br>
-              <a:rPr lang="en-US" sz="1050" dirty="0" smtClean="0">
+              <a:rPr lang="en-US" sz="1050" dirty="0">
                 <a:solidFill>
                   <a:schemeClr val="bg1"/>
                 </a:solidFill>
               </a:rPr>
             </a:br>
             <a:r>
-              <a:rPr lang="en-US" sz="1050" dirty="0" smtClean="0">
+              <a:rPr lang="en-US" sz="1050" dirty="0">
                 <a:solidFill>
                   <a:schemeClr val="bg1"/>
                 </a:solidFill>
@@ -4554,285 +4136,6 @@
           </a:p>
         </p:txBody>
       </p:sp>
-      <p:sp>
-        <p:nvSpPr>
-          <p:cNvPr id="66" name="Rectangle 8"/>
-          <p:cNvSpPr/>
-          <p:nvPr/>
-        </p:nvSpPr>
-        <p:spPr>
-          <a:xfrm>
-            <a:off x="6019800" y="3160410"/>
-            <a:ext cx="1200707" cy="346760"/>
-          </a:xfrm>
-          <a:prstGeom prst="rect">
-            <a:avLst/>
-          </a:prstGeom>
-          <a:ln w="19050"/>
-          <a:effectLst/>
-        </p:spPr>
-        <p:style>
-          <a:lnRef idx="1">
-            <a:schemeClr val="accent6"/>
-          </a:lnRef>
-          <a:fillRef idx="2">
-            <a:schemeClr val="accent6"/>
-          </a:fillRef>
-          <a:effectRef idx="1">
-            <a:schemeClr val="accent6"/>
-          </a:effectRef>
-          <a:fontRef idx="minor">
-            <a:schemeClr val="dk1"/>
-          </a:fontRef>
-        </p:style>
-        <p:txBody>
-          <a:bodyPr rtlCol="0" anchor="ctr"/>
-          <a:lstStyle/>
-          <a:p>
-            <a:pPr algn="ctr"/>
-            <a:r>
-              <a:rPr lang="en-US" sz="1050" b="1" dirty="0" err="1" smtClean="0">
-                <a:solidFill>
-                  <a:schemeClr val="accent6">
-                    <a:lumMod val="75000"/>
-                  </a:schemeClr>
-                </a:solidFill>
-              </a:rPr>
-              <a:t>XmlSerializable</a:t>
-            </a:r>
-            <a:r>
-              <a:rPr lang="en-US" sz="1050" b="1" dirty="0" smtClean="0">
-                <a:solidFill>
-                  <a:schemeClr val="accent6">
-                    <a:lumMod val="75000"/>
-                  </a:schemeClr>
-                </a:solidFill>
-              </a:rPr>
-              <a:t/>
-            </a:r>
-            <a:br>
-              <a:rPr lang="en-US" sz="1050" b="1" dirty="0" smtClean="0">
-                <a:solidFill>
-                  <a:schemeClr val="accent6">
-                    <a:lumMod val="75000"/>
-                  </a:schemeClr>
-                </a:solidFill>
-              </a:rPr>
-            </a:br>
-            <a:r>
-              <a:rPr lang="en-US" sz="1050" b="1" dirty="0" err="1" smtClean="0">
-                <a:solidFill>
-                  <a:schemeClr val="accent6">
-                    <a:lumMod val="75000"/>
-                  </a:schemeClr>
-                </a:solidFill>
-              </a:rPr>
-              <a:t>AddressBook</a:t>
-            </a:r>
-            <a:endParaRPr lang="en-SG" sz="1050" b="1" dirty="0">
-              <a:solidFill>
-                <a:schemeClr val="accent6">
-                  <a:lumMod val="75000"/>
-                </a:schemeClr>
-              </a:solidFill>
-            </a:endParaRPr>
-          </a:p>
-        </p:txBody>
-      </p:sp>
-      <p:cxnSp>
-        <p:nvCxnSpPr>
-          <p:cNvPr id="70" name="Elbow Connector 122"/>
-          <p:cNvCxnSpPr>
-            <a:stCxn id="74" idx="0"/>
-            <a:endCxn id="73" idx="2"/>
-          </p:cNvCxnSpPr>
-          <p:nvPr/>
-        </p:nvCxnSpPr>
-        <p:spPr>
-          <a:xfrm rot="5400000" flipH="1" flipV="1">
-            <a:off x="8077993" y="2992020"/>
-            <a:ext cx="335208" cy="12700"/>
-          </a:xfrm>
-          <a:prstGeom prst="bentConnector3">
-            <a:avLst>
-              <a:gd name="adj1" fmla="val 50000"/>
-            </a:avLst>
-          </a:prstGeom>
-          <a:ln w="19050">
-            <a:prstDash val="sysDot"/>
-            <a:headEnd type="none" w="med" len="med"/>
-            <a:tailEnd type="arrow" w="med" len="med"/>
-          </a:ln>
-          <a:effectLst/>
-        </p:spPr>
-        <p:style>
-          <a:lnRef idx="1">
-            <a:schemeClr val="accent6"/>
-          </a:lnRef>
-          <a:fillRef idx="2">
-            <a:schemeClr val="accent6"/>
-          </a:fillRef>
-          <a:effectRef idx="1">
-            <a:schemeClr val="accent6"/>
-          </a:effectRef>
-          <a:fontRef idx="minor">
-            <a:schemeClr val="dk1"/>
-          </a:fontRef>
-        </p:style>
-      </p:cxnSp>
-      <p:sp>
-        <p:nvSpPr>
-          <p:cNvPr id="73" name="Rectangle 8"/>
-          <p:cNvSpPr/>
-          <p:nvPr/>
-        </p:nvSpPr>
-        <p:spPr>
-          <a:xfrm>
-            <a:off x="7615738" y="2477656"/>
-            <a:ext cx="1259718" cy="346760"/>
-          </a:xfrm>
-          <a:prstGeom prst="rect">
-            <a:avLst/>
-          </a:prstGeom>
-          <a:ln w="19050"/>
-          <a:effectLst/>
-        </p:spPr>
-        <p:style>
-          <a:lnRef idx="1">
-            <a:schemeClr val="accent6"/>
-          </a:lnRef>
-          <a:fillRef idx="2">
-            <a:schemeClr val="accent6"/>
-          </a:fillRef>
-          <a:effectRef idx="1">
-            <a:schemeClr val="accent6"/>
-          </a:effectRef>
-          <a:fontRef idx="minor">
-            <a:schemeClr val="dk1"/>
-          </a:fontRef>
-        </p:style>
-        <p:txBody>
-          <a:bodyPr rtlCol="0" anchor="ctr"/>
-          <a:lstStyle/>
-          <a:p>
-            <a:pPr algn="ctr"/>
-            <a:r>
-              <a:rPr lang="en-US" sz="1050" b="1" dirty="0" err="1" smtClean="0">
-                <a:solidFill>
-                  <a:schemeClr val="accent6">
-                    <a:lumMod val="75000"/>
-                  </a:schemeClr>
-                </a:solidFill>
-              </a:rPr>
-              <a:t>XmlAdaptedTag</a:t>
-            </a:r>
-            <a:endParaRPr lang="en-SG" sz="1050" b="1" dirty="0">
-              <a:solidFill>
-                <a:schemeClr val="accent6">
-                  <a:lumMod val="75000"/>
-                </a:schemeClr>
-              </a:solidFill>
-            </a:endParaRPr>
-          </a:p>
-        </p:txBody>
-      </p:sp>
-      <p:sp>
-        <p:nvSpPr>
-          <p:cNvPr id="74" name="Rectangle 8"/>
-          <p:cNvSpPr/>
-          <p:nvPr/>
-        </p:nvSpPr>
-        <p:spPr>
-          <a:xfrm>
-            <a:off x="7615738" y="3159624"/>
-            <a:ext cx="1259718" cy="346760"/>
-          </a:xfrm>
-          <a:prstGeom prst="rect">
-            <a:avLst/>
-          </a:prstGeom>
-          <a:ln w="19050"/>
-          <a:effectLst/>
-        </p:spPr>
-        <p:style>
-          <a:lnRef idx="1">
-            <a:schemeClr val="accent6"/>
-          </a:lnRef>
-          <a:fillRef idx="2">
-            <a:schemeClr val="accent6"/>
-          </a:fillRef>
-          <a:effectRef idx="1">
-            <a:schemeClr val="accent6"/>
-          </a:effectRef>
-          <a:fontRef idx="minor">
-            <a:schemeClr val="dk1"/>
-          </a:fontRef>
-        </p:style>
-        <p:txBody>
-          <a:bodyPr rtlCol="0" anchor="ctr"/>
-          <a:lstStyle/>
-          <a:p>
-            <a:pPr algn="ctr"/>
-            <a:r>
-              <a:rPr lang="en-US" sz="1050" b="1" dirty="0" err="1" smtClean="0">
-                <a:solidFill>
-                  <a:schemeClr val="accent6">
-                    <a:lumMod val="75000"/>
-                  </a:schemeClr>
-                </a:solidFill>
-              </a:rPr>
-              <a:t>XmlAdaptedPerson</a:t>
-            </a:r>
-            <a:endParaRPr lang="en-SG" sz="1050" b="1" dirty="0">
-              <a:solidFill>
-                <a:schemeClr val="accent6">
-                  <a:lumMod val="75000"/>
-                </a:schemeClr>
-              </a:solidFill>
-            </a:endParaRPr>
-          </a:p>
-        </p:txBody>
-      </p:sp>
-      <p:cxnSp>
-        <p:nvCxnSpPr>
-          <p:cNvPr id="77" name="Elbow Connector 122"/>
-          <p:cNvCxnSpPr>
-            <a:stCxn id="66" idx="3"/>
-            <a:endCxn id="74" idx="1"/>
-          </p:cNvCxnSpPr>
-          <p:nvPr/>
-        </p:nvCxnSpPr>
-        <p:spPr>
-          <a:xfrm flipV="1">
-            <a:off x="7220507" y="3333004"/>
-            <a:ext cx="395231" cy="786"/>
-          </a:xfrm>
-          <a:prstGeom prst="bentConnector3">
-            <a:avLst>
-              <a:gd name="adj1" fmla="val 50000"/>
-            </a:avLst>
-          </a:prstGeom>
-          <a:ln w="19050">
-            <a:prstDash val="sysDot"/>
-            <a:headEnd type="none" w="med" len="med"/>
-            <a:tailEnd type="arrow" w="med" len="med"/>
-          </a:ln>
-          <a:effectLst/>
-        </p:spPr>
-        <p:style>
-          <a:lnRef idx="1">
-            <a:schemeClr val="accent6"/>
-          </a:lnRef>
-          <a:fillRef idx="2">
-            <a:schemeClr val="accent6"/>
-          </a:fillRef>
-          <a:effectRef idx="1">
-            <a:schemeClr val="accent6"/>
-          </a:effectRef>
-          <a:fontRef idx="minor">
-            <a:schemeClr val="dk1"/>
-          </a:fontRef>
-        </p:style>
-      </p:cxnSp>
     </p:spTree>
     <p:extLst>
       <p:ext uri="{BB962C8B-B14F-4D97-AF65-F5344CB8AC3E}">
@@ -4843,13 +4146,6 @@
   <p:clrMapOvr>
     <a:masterClrMapping/>
   </p:clrMapOvr>
-  <p:timing>
-    <p:tnLst>
-      <p:par>
-        <p:cTn id="1" dur="indefinite" restart="never" nodeType="tmRoot"/>
-      </p:par>
-    </p:tnLst>
-  </p:timing>
 </p:sld>
 </file>
 

--- a/docs/diagrams/StorageComponentClassDiagram.pptx
+++ b/docs/diagrams/StorageComponentClassDiagram.pptx
@@ -107,6 +107,22 @@
       </a:defRPr>
     </a:lvl9pPr>
   </p:defaultTextStyle>
+  <p:extLst>
+    <p:ext uri="{EFAFB233-063F-42B5-8137-9DF3F51BA10A}">
+      <p15:sldGuideLst xmlns:p15="http://schemas.microsoft.com/office/powerpoint/2012/main">
+        <p15:guide id="1" orient="horz" pos="1488">
+          <p15:clr>
+            <a:srgbClr val="A4A3A4"/>
+          </p15:clr>
+        </p15:guide>
+        <p15:guide id="2" pos="2880">
+          <p15:clr>
+            <a:srgbClr val="A4A3A4"/>
+          </p15:clr>
+        </p15:guide>
+      </p15:sldGuideLst>
+    </p:ext>
+  </p:extLst>
 </p:presentation>
 </file>
 
@@ -192,7 +208,7 @@
           <a:p>
             <a:fld id="{F5CC4B3F-88C1-4FFA-B1B6-F41C21DC6924}" type="datetimeFigureOut">
               <a:rPr lang="en-US" smtClean="0"/>
-              <a:t>10/16/2016</a:t>
+              <a:t>11/11/2018</a:t>
             </a:fld>
             <a:endParaRPr lang="en-US"/>
           </a:p>
@@ -256,38 +272,37 @@
           <a:p>
             <a:pPr lvl="0"/>
             <a:r>
-              <a:rPr lang="en-US" smtClean="0"/>
+              <a:rPr lang="en-US"/>
               <a:t>Click to edit Master text styles</a:t>
             </a:r>
           </a:p>
           <a:p>
             <a:pPr lvl="1"/>
             <a:r>
-              <a:rPr lang="en-US" smtClean="0"/>
+              <a:rPr lang="en-US"/>
               <a:t>Second level</a:t>
             </a:r>
           </a:p>
           <a:p>
             <a:pPr lvl="2"/>
             <a:r>
-              <a:rPr lang="en-US" smtClean="0"/>
+              <a:rPr lang="en-US"/>
               <a:t>Third level</a:t>
             </a:r>
           </a:p>
           <a:p>
             <a:pPr lvl="3"/>
             <a:r>
-              <a:rPr lang="en-US" smtClean="0"/>
+              <a:rPr lang="en-US"/>
               <a:t>Fourth level</a:t>
             </a:r>
           </a:p>
           <a:p>
             <a:pPr lvl="4"/>
             <a:r>
-              <a:rPr lang="en-US" smtClean="0"/>
+              <a:rPr lang="en-US"/>
               <a:t>Fifth level</a:t>
             </a:r>
-            <a:endParaRPr lang="en-US"/>
           </a:p>
         </p:txBody>
       </p:sp>
@@ -498,10 +513,9 @@
           <a:lstStyle/>
           <a:p>
             <a:r>
-              <a:rPr lang="en-US" smtClean="0"/>
+              <a:rPr lang="en-US"/>
               <a:t>Click to edit Master title style</a:t>
             </a:r>
-            <a:endParaRPr lang="en-US"/>
           </a:p>
         </p:txBody>
       </p:sp>
@@ -617,10 +631,9 @@
           </a:lstStyle>
           <a:p>
             <a:r>
-              <a:rPr lang="en-US" smtClean="0"/>
+              <a:rPr lang="en-US"/>
               <a:t>Click to edit Master subtitle style</a:t>
             </a:r>
-            <a:endParaRPr lang="en-US"/>
           </a:p>
         </p:txBody>
       </p:sp>
@@ -641,7 +654,7 @@
           <a:p>
             <a:fld id="{78C97017-6FC3-485B-9764-EAC9E56C1D49}" type="datetimeFigureOut">
               <a:rPr lang="en-US" smtClean="0"/>
-              <a:t>10/16/2016</a:t>
+              <a:t>11/11/2018</a:t>
             </a:fld>
             <a:endParaRPr lang="en-US"/>
           </a:p>
@@ -735,10 +748,9 @@
           <a:lstStyle/>
           <a:p>
             <a:r>
-              <a:rPr lang="en-US" smtClean="0"/>
+              <a:rPr lang="en-US"/>
               <a:t>Click to edit Master title style</a:t>
             </a:r>
-            <a:endParaRPr lang="en-US"/>
           </a:p>
         </p:txBody>
       </p:sp>
@@ -759,38 +771,37 @@
           <a:p>
             <a:pPr lvl="0"/>
             <a:r>
-              <a:rPr lang="en-US" smtClean="0"/>
+              <a:rPr lang="en-US"/>
               <a:t>Click to edit Master text styles</a:t>
             </a:r>
           </a:p>
           <a:p>
             <a:pPr lvl="1"/>
             <a:r>
-              <a:rPr lang="en-US" smtClean="0"/>
+              <a:rPr lang="en-US"/>
               <a:t>Second level</a:t>
             </a:r>
           </a:p>
           <a:p>
             <a:pPr lvl="2"/>
             <a:r>
-              <a:rPr lang="en-US" smtClean="0"/>
+              <a:rPr lang="en-US"/>
               <a:t>Third level</a:t>
             </a:r>
           </a:p>
           <a:p>
             <a:pPr lvl="3"/>
             <a:r>
-              <a:rPr lang="en-US" smtClean="0"/>
+              <a:rPr lang="en-US"/>
               <a:t>Fourth level</a:t>
             </a:r>
           </a:p>
           <a:p>
             <a:pPr lvl="4"/>
             <a:r>
-              <a:rPr lang="en-US" smtClean="0"/>
+              <a:rPr lang="en-US"/>
               <a:t>Fifth level</a:t>
             </a:r>
-            <a:endParaRPr lang="en-US"/>
           </a:p>
         </p:txBody>
       </p:sp>
@@ -811,7 +822,7 @@
           <a:p>
             <a:fld id="{78C97017-6FC3-485B-9764-EAC9E56C1D49}" type="datetimeFigureOut">
               <a:rPr lang="en-US" smtClean="0"/>
-              <a:t>10/16/2016</a:t>
+              <a:t>11/11/2018</a:t>
             </a:fld>
             <a:endParaRPr lang="en-US"/>
           </a:p>
@@ -910,10 +921,9 @@
           <a:lstStyle/>
           <a:p>
             <a:r>
-              <a:rPr lang="en-US" smtClean="0"/>
+              <a:rPr lang="en-US"/>
               <a:t>Click to edit Master title style</a:t>
             </a:r>
-            <a:endParaRPr lang="en-US"/>
           </a:p>
         </p:txBody>
       </p:sp>
@@ -939,38 +949,37 @@
           <a:p>
             <a:pPr lvl="0"/>
             <a:r>
-              <a:rPr lang="en-US" smtClean="0"/>
+              <a:rPr lang="en-US"/>
               <a:t>Click to edit Master text styles</a:t>
             </a:r>
           </a:p>
           <a:p>
             <a:pPr lvl="1"/>
             <a:r>
-              <a:rPr lang="en-US" smtClean="0"/>
+              <a:rPr lang="en-US"/>
               <a:t>Second level</a:t>
             </a:r>
           </a:p>
           <a:p>
             <a:pPr lvl="2"/>
             <a:r>
-              <a:rPr lang="en-US" smtClean="0"/>
+              <a:rPr lang="en-US"/>
               <a:t>Third level</a:t>
             </a:r>
           </a:p>
           <a:p>
             <a:pPr lvl="3"/>
             <a:r>
-              <a:rPr lang="en-US" smtClean="0"/>
+              <a:rPr lang="en-US"/>
               <a:t>Fourth level</a:t>
             </a:r>
           </a:p>
           <a:p>
             <a:pPr lvl="4"/>
             <a:r>
-              <a:rPr lang="en-US" smtClean="0"/>
+              <a:rPr lang="en-US"/>
               <a:t>Fifth level</a:t>
             </a:r>
-            <a:endParaRPr lang="en-US"/>
           </a:p>
         </p:txBody>
       </p:sp>
@@ -991,7 +1000,7 @@
           <a:p>
             <a:fld id="{78C97017-6FC3-485B-9764-EAC9E56C1D49}" type="datetimeFigureOut">
               <a:rPr lang="en-US" smtClean="0"/>
-              <a:t>10/16/2016</a:t>
+              <a:t>11/11/2018</a:t>
             </a:fld>
             <a:endParaRPr lang="en-US"/>
           </a:p>
@@ -1085,10 +1094,9 @@
           <a:lstStyle/>
           <a:p>
             <a:r>
-              <a:rPr lang="en-US" smtClean="0"/>
+              <a:rPr lang="en-US"/>
               <a:t>Click to edit Master title style</a:t>
             </a:r>
-            <a:endParaRPr lang="en-US"/>
           </a:p>
         </p:txBody>
       </p:sp>
@@ -1109,38 +1117,37 @@
           <a:p>
             <a:pPr lvl="0"/>
             <a:r>
-              <a:rPr lang="en-US" smtClean="0"/>
+              <a:rPr lang="en-US"/>
               <a:t>Click to edit Master text styles</a:t>
             </a:r>
           </a:p>
           <a:p>
             <a:pPr lvl="1"/>
             <a:r>
-              <a:rPr lang="en-US" smtClean="0"/>
+              <a:rPr lang="en-US"/>
               <a:t>Second level</a:t>
             </a:r>
           </a:p>
           <a:p>
             <a:pPr lvl="2"/>
             <a:r>
-              <a:rPr lang="en-US" smtClean="0"/>
+              <a:rPr lang="en-US"/>
               <a:t>Third level</a:t>
             </a:r>
           </a:p>
           <a:p>
             <a:pPr lvl="3"/>
             <a:r>
-              <a:rPr lang="en-US" smtClean="0"/>
+              <a:rPr lang="en-US"/>
               <a:t>Fourth level</a:t>
             </a:r>
           </a:p>
           <a:p>
             <a:pPr lvl="4"/>
             <a:r>
-              <a:rPr lang="en-US" smtClean="0"/>
+              <a:rPr lang="en-US"/>
               <a:t>Fifth level</a:t>
             </a:r>
-            <a:endParaRPr lang="en-US"/>
           </a:p>
         </p:txBody>
       </p:sp>
@@ -1161,7 +1168,7 @@
           <a:p>
             <a:fld id="{78C97017-6FC3-485B-9764-EAC9E56C1D49}" type="datetimeFigureOut">
               <a:rPr lang="en-US" smtClean="0"/>
-              <a:t>10/16/2016</a:t>
+              <a:t>11/11/2018</a:t>
             </a:fld>
             <a:endParaRPr lang="en-US"/>
           </a:p>
@@ -1264,10 +1271,9 @@
           </a:lstStyle>
           <a:p>
             <a:r>
-              <a:rPr lang="en-US" smtClean="0"/>
+              <a:rPr lang="en-US"/>
               <a:t>Click to edit Master title style</a:t>
             </a:r>
-            <a:endParaRPr lang="en-US"/>
           </a:p>
         </p:txBody>
       </p:sp>
@@ -1384,7 +1390,7 @@
           <a:p>
             <a:pPr lvl="0"/>
             <a:r>
-              <a:rPr lang="en-US" smtClean="0"/>
+              <a:rPr lang="en-US"/>
               <a:t>Click to edit Master text styles</a:t>
             </a:r>
           </a:p>
@@ -1407,7 +1413,7 @@
           <a:p>
             <a:fld id="{78C97017-6FC3-485B-9764-EAC9E56C1D49}" type="datetimeFigureOut">
               <a:rPr lang="en-US" smtClean="0"/>
-              <a:t>10/16/2016</a:t>
+              <a:t>11/11/2018</a:t>
             </a:fld>
             <a:endParaRPr lang="en-US"/>
           </a:p>
@@ -1501,10 +1507,9 @@
           <a:lstStyle/>
           <a:p>
             <a:r>
-              <a:rPr lang="en-US" smtClean="0"/>
+              <a:rPr lang="en-US"/>
               <a:t>Click to edit Master title style</a:t>
             </a:r>
-            <a:endParaRPr lang="en-US"/>
           </a:p>
         </p:txBody>
       </p:sp>
@@ -1558,38 +1563,37 @@
           <a:p>
             <a:pPr lvl="0"/>
             <a:r>
-              <a:rPr lang="en-US" smtClean="0"/>
+              <a:rPr lang="en-US"/>
               <a:t>Click to edit Master text styles</a:t>
             </a:r>
           </a:p>
           <a:p>
             <a:pPr lvl="1"/>
             <a:r>
-              <a:rPr lang="en-US" smtClean="0"/>
+              <a:rPr lang="en-US"/>
               <a:t>Second level</a:t>
             </a:r>
           </a:p>
           <a:p>
             <a:pPr lvl="2"/>
             <a:r>
-              <a:rPr lang="en-US" smtClean="0"/>
+              <a:rPr lang="en-US"/>
               <a:t>Third level</a:t>
             </a:r>
           </a:p>
           <a:p>
             <a:pPr lvl="3"/>
             <a:r>
-              <a:rPr lang="en-US" smtClean="0"/>
+              <a:rPr lang="en-US"/>
               <a:t>Fourth level</a:t>
             </a:r>
           </a:p>
           <a:p>
             <a:pPr lvl="4"/>
             <a:r>
-              <a:rPr lang="en-US" smtClean="0"/>
+              <a:rPr lang="en-US"/>
               <a:t>Fifth level</a:t>
             </a:r>
-            <a:endParaRPr lang="en-US"/>
           </a:p>
         </p:txBody>
       </p:sp>
@@ -1643,38 +1647,37 @@
           <a:p>
             <a:pPr lvl="0"/>
             <a:r>
-              <a:rPr lang="en-US" smtClean="0"/>
+              <a:rPr lang="en-US"/>
               <a:t>Click to edit Master text styles</a:t>
             </a:r>
           </a:p>
           <a:p>
             <a:pPr lvl="1"/>
             <a:r>
-              <a:rPr lang="en-US" smtClean="0"/>
+              <a:rPr lang="en-US"/>
               <a:t>Second level</a:t>
             </a:r>
           </a:p>
           <a:p>
             <a:pPr lvl="2"/>
             <a:r>
-              <a:rPr lang="en-US" smtClean="0"/>
+              <a:rPr lang="en-US"/>
               <a:t>Third level</a:t>
             </a:r>
           </a:p>
           <a:p>
             <a:pPr lvl="3"/>
             <a:r>
-              <a:rPr lang="en-US" smtClean="0"/>
+              <a:rPr lang="en-US"/>
               <a:t>Fourth level</a:t>
             </a:r>
           </a:p>
           <a:p>
             <a:pPr lvl="4"/>
             <a:r>
-              <a:rPr lang="en-US" smtClean="0"/>
+              <a:rPr lang="en-US"/>
               <a:t>Fifth level</a:t>
             </a:r>
-            <a:endParaRPr lang="en-US"/>
           </a:p>
         </p:txBody>
       </p:sp>
@@ -1695,7 +1698,7 @@
           <a:p>
             <a:fld id="{78C97017-6FC3-485B-9764-EAC9E56C1D49}" type="datetimeFigureOut">
               <a:rPr lang="en-US" smtClean="0"/>
-              <a:t>10/16/2016</a:t>
+              <a:t>11/11/2018</a:t>
             </a:fld>
             <a:endParaRPr lang="en-US"/>
           </a:p>
@@ -1793,10 +1796,9 @@
           </a:lstStyle>
           <a:p>
             <a:r>
-              <a:rPr lang="en-US" smtClean="0"/>
+              <a:rPr lang="en-US"/>
               <a:t>Click to edit Master title style</a:t>
             </a:r>
-            <a:endParaRPr lang="en-US"/>
           </a:p>
         </p:txBody>
       </p:sp>
@@ -1859,7 +1861,7 @@
           <a:p>
             <a:pPr lvl="0"/>
             <a:r>
-              <a:rPr lang="en-US" smtClean="0"/>
+              <a:rPr lang="en-US"/>
               <a:t>Click to edit Master text styles</a:t>
             </a:r>
           </a:p>
@@ -1915,38 +1917,37 @@
           <a:p>
             <a:pPr lvl="0"/>
             <a:r>
-              <a:rPr lang="en-US" smtClean="0"/>
+              <a:rPr lang="en-US"/>
               <a:t>Click to edit Master text styles</a:t>
             </a:r>
           </a:p>
           <a:p>
             <a:pPr lvl="1"/>
             <a:r>
-              <a:rPr lang="en-US" smtClean="0"/>
+              <a:rPr lang="en-US"/>
               <a:t>Second level</a:t>
             </a:r>
           </a:p>
           <a:p>
             <a:pPr lvl="2"/>
             <a:r>
-              <a:rPr lang="en-US" smtClean="0"/>
+              <a:rPr lang="en-US"/>
               <a:t>Third level</a:t>
             </a:r>
           </a:p>
           <a:p>
             <a:pPr lvl="3"/>
             <a:r>
-              <a:rPr lang="en-US" smtClean="0"/>
+              <a:rPr lang="en-US"/>
               <a:t>Fourth level</a:t>
             </a:r>
           </a:p>
           <a:p>
             <a:pPr lvl="4"/>
             <a:r>
-              <a:rPr lang="en-US" smtClean="0"/>
+              <a:rPr lang="en-US"/>
               <a:t>Fifth level</a:t>
             </a:r>
-            <a:endParaRPr lang="en-US"/>
           </a:p>
         </p:txBody>
       </p:sp>
@@ -2009,7 +2010,7 @@
           <a:p>
             <a:pPr lvl="0"/>
             <a:r>
-              <a:rPr lang="en-US" smtClean="0"/>
+              <a:rPr lang="en-US"/>
               <a:t>Click to edit Master text styles</a:t>
             </a:r>
           </a:p>
@@ -2065,38 +2066,37 @@
           <a:p>
             <a:pPr lvl="0"/>
             <a:r>
-              <a:rPr lang="en-US" smtClean="0"/>
+              <a:rPr lang="en-US"/>
               <a:t>Click to edit Master text styles</a:t>
             </a:r>
           </a:p>
           <a:p>
             <a:pPr lvl="1"/>
             <a:r>
-              <a:rPr lang="en-US" smtClean="0"/>
+              <a:rPr lang="en-US"/>
               <a:t>Second level</a:t>
             </a:r>
           </a:p>
           <a:p>
             <a:pPr lvl="2"/>
             <a:r>
-              <a:rPr lang="en-US" smtClean="0"/>
+              <a:rPr lang="en-US"/>
               <a:t>Third level</a:t>
             </a:r>
           </a:p>
           <a:p>
             <a:pPr lvl="3"/>
             <a:r>
-              <a:rPr lang="en-US" smtClean="0"/>
+              <a:rPr lang="en-US"/>
               <a:t>Fourth level</a:t>
             </a:r>
           </a:p>
           <a:p>
             <a:pPr lvl="4"/>
             <a:r>
-              <a:rPr lang="en-US" smtClean="0"/>
+              <a:rPr lang="en-US"/>
               <a:t>Fifth level</a:t>
             </a:r>
-            <a:endParaRPr lang="en-US"/>
           </a:p>
         </p:txBody>
       </p:sp>
@@ -2117,7 +2117,7 @@
           <a:p>
             <a:fld id="{78C97017-6FC3-485B-9764-EAC9E56C1D49}" type="datetimeFigureOut">
               <a:rPr lang="en-US" smtClean="0"/>
-              <a:t>10/16/2016</a:t>
+              <a:t>11/11/2018</a:t>
             </a:fld>
             <a:endParaRPr lang="en-US"/>
           </a:p>
@@ -2211,10 +2211,9 @@
           <a:lstStyle/>
           <a:p>
             <a:r>
-              <a:rPr lang="en-US" smtClean="0"/>
+              <a:rPr lang="en-US"/>
               <a:t>Click to edit Master title style</a:t>
             </a:r>
-            <a:endParaRPr lang="en-US"/>
           </a:p>
         </p:txBody>
       </p:sp>
@@ -2235,7 +2234,7 @@
           <a:p>
             <a:fld id="{78C97017-6FC3-485B-9764-EAC9E56C1D49}" type="datetimeFigureOut">
               <a:rPr lang="en-US" smtClean="0"/>
-              <a:t>10/16/2016</a:t>
+              <a:t>11/11/2018</a:t>
             </a:fld>
             <a:endParaRPr lang="en-US"/>
           </a:p>
@@ -2330,7 +2329,7 @@
           <a:p>
             <a:fld id="{78C97017-6FC3-485B-9764-EAC9E56C1D49}" type="datetimeFigureOut">
               <a:rPr lang="en-US" smtClean="0"/>
-              <a:t>10/16/2016</a:t>
+              <a:t>11/11/2018</a:t>
             </a:fld>
             <a:endParaRPr lang="en-US"/>
           </a:p>
@@ -2433,10 +2432,9 @@
           </a:lstStyle>
           <a:p>
             <a:r>
-              <a:rPr lang="en-US" smtClean="0"/>
+              <a:rPr lang="en-US"/>
               <a:t>Click to edit Master title style</a:t>
             </a:r>
-            <a:endParaRPr lang="en-US"/>
           </a:p>
         </p:txBody>
       </p:sp>
@@ -2490,38 +2488,37 @@
           <a:p>
             <a:pPr lvl="0"/>
             <a:r>
-              <a:rPr lang="en-US" smtClean="0"/>
+              <a:rPr lang="en-US"/>
               <a:t>Click to edit Master text styles</a:t>
             </a:r>
           </a:p>
           <a:p>
             <a:pPr lvl="1"/>
             <a:r>
-              <a:rPr lang="en-US" smtClean="0"/>
+              <a:rPr lang="en-US"/>
               <a:t>Second level</a:t>
             </a:r>
           </a:p>
           <a:p>
             <a:pPr lvl="2"/>
             <a:r>
-              <a:rPr lang="en-US" smtClean="0"/>
+              <a:rPr lang="en-US"/>
               <a:t>Third level</a:t>
             </a:r>
           </a:p>
           <a:p>
             <a:pPr lvl="3"/>
             <a:r>
-              <a:rPr lang="en-US" smtClean="0"/>
+              <a:rPr lang="en-US"/>
               <a:t>Fourth level</a:t>
             </a:r>
           </a:p>
           <a:p>
             <a:pPr lvl="4"/>
             <a:r>
-              <a:rPr lang="en-US" smtClean="0"/>
+              <a:rPr lang="en-US"/>
               <a:t>Fifth level</a:t>
             </a:r>
-            <a:endParaRPr lang="en-US"/>
           </a:p>
         </p:txBody>
       </p:sp>
@@ -2584,7 +2581,7 @@
           <a:p>
             <a:pPr lvl="0"/>
             <a:r>
-              <a:rPr lang="en-US" smtClean="0"/>
+              <a:rPr lang="en-US"/>
               <a:t>Click to edit Master text styles</a:t>
             </a:r>
           </a:p>
@@ -2607,7 +2604,7 @@
           <a:p>
             <a:fld id="{78C97017-6FC3-485B-9764-EAC9E56C1D49}" type="datetimeFigureOut">
               <a:rPr lang="en-US" smtClean="0"/>
-              <a:t>10/16/2016</a:t>
+              <a:t>11/11/2018</a:t>
             </a:fld>
             <a:endParaRPr lang="en-US"/>
           </a:p>
@@ -2710,10 +2707,9 @@
           </a:lstStyle>
           <a:p>
             <a:r>
-              <a:rPr lang="en-US" smtClean="0"/>
+              <a:rPr lang="en-US"/>
               <a:t>Click to edit Master title style</a:t>
             </a:r>
-            <a:endParaRPr lang="en-US"/>
           </a:p>
         </p:txBody>
       </p:sp>
@@ -2837,7 +2833,7 @@
           <a:p>
             <a:pPr lvl="0"/>
             <a:r>
-              <a:rPr lang="en-US" smtClean="0"/>
+              <a:rPr lang="en-US"/>
               <a:t>Click to edit Master text styles</a:t>
             </a:r>
           </a:p>
@@ -2860,7 +2856,7 @@
           <a:p>
             <a:fld id="{78C97017-6FC3-485B-9764-EAC9E56C1D49}" type="datetimeFigureOut">
               <a:rPr lang="en-US" smtClean="0"/>
-              <a:t>10/16/2016</a:t>
+              <a:t>11/11/2018</a:t>
             </a:fld>
             <a:endParaRPr lang="en-US"/>
           </a:p>
@@ -2969,10 +2965,9 @@
           <a:lstStyle/>
           <a:p>
             <a:r>
-              <a:rPr lang="en-US" smtClean="0"/>
+              <a:rPr lang="en-US"/>
               <a:t>Click to edit Master title style</a:t>
             </a:r>
-            <a:endParaRPr lang="en-US"/>
           </a:p>
         </p:txBody>
       </p:sp>
@@ -3003,38 +2998,37 @@
           <a:p>
             <a:pPr lvl="0"/>
             <a:r>
-              <a:rPr lang="en-US" smtClean="0"/>
+              <a:rPr lang="en-US"/>
               <a:t>Click to edit Master text styles</a:t>
             </a:r>
           </a:p>
           <a:p>
             <a:pPr lvl="1"/>
             <a:r>
-              <a:rPr lang="en-US" smtClean="0"/>
+              <a:rPr lang="en-US"/>
               <a:t>Second level</a:t>
             </a:r>
           </a:p>
           <a:p>
             <a:pPr lvl="2"/>
             <a:r>
-              <a:rPr lang="en-US" smtClean="0"/>
+              <a:rPr lang="en-US"/>
               <a:t>Third level</a:t>
             </a:r>
           </a:p>
           <a:p>
             <a:pPr lvl="3"/>
             <a:r>
-              <a:rPr lang="en-US" smtClean="0"/>
+              <a:rPr lang="en-US"/>
               <a:t>Fourth level</a:t>
             </a:r>
           </a:p>
           <a:p>
             <a:pPr lvl="4"/>
             <a:r>
-              <a:rPr lang="en-US" smtClean="0"/>
+              <a:rPr lang="en-US"/>
               <a:t>Fifth level</a:t>
             </a:r>
-            <a:endParaRPr lang="en-US"/>
           </a:p>
         </p:txBody>
       </p:sp>
@@ -3073,7 +3067,7 @@
           <a:p>
             <a:fld id="{78C97017-6FC3-485B-9764-EAC9E56C1D49}" type="datetimeFigureOut">
               <a:rPr lang="en-US" smtClean="0"/>
-              <a:t>10/16/2016</a:t>
+              <a:t>11/11/2018</a:t>
             </a:fld>
             <a:endParaRPr lang="en-US"/>
           </a:p>
@@ -3457,7 +3451,7 @@
         <p:spPr>
           <a:xfrm>
             <a:off x="1119865" y="2086382"/>
-            <a:ext cx="7871735" cy="1723618"/>
+            <a:ext cx="7871735" cy="2395118"/>
           </a:xfrm>
           <a:prstGeom prst="roundRect">
             <a:avLst>
@@ -3494,7 +3488,7 @@
           <a:lstStyle/>
           <a:p>
             <a:r>
-              <a:rPr lang="en-US" sz="1200" b="1" dirty="0" smtClean="0">
+              <a:rPr lang="en-US" sz="1200" b="1" dirty="0">
                 <a:solidFill>
                   <a:schemeClr val="accent6">
                     <a:lumMod val="75000"/>
@@ -3561,7 +3555,7 @@
           <a:p>
             <a:pPr algn="ctr"/>
             <a:r>
-              <a:rPr lang="en-US" sz="1050" dirty="0" smtClean="0">
+              <a:rPr lang="en-US" sz="1050" dirty="0">
                 <a:solidFill>
                   <a:schemeClr val="bg1"/>
                 </a:solidFill>
@@ -3569,19 +3563,35 @@
               <a:t>&lt;&lt;interface&gt;&gt;</a:t>
             </a:r>
             <a:br>
-              <a:rPr lang="en-US" sz="1050" dirty="0" smtClean="0">
+              <a:rPr lang="en-US" sz="1050" dirty="0">
                 <a:solidFill>
                   <a:schemeClr val="bg1"/>
                 </a:solidFill>
               </a:rPr>
             </a:br>
             <a:r>
-              <a:rPr lang="en-US" sz="1050" dirty="0" err="1" smtClean="0">
+              <a:rPr lang="en-US" sz="1050" dirty="0" err="1">
                 <a:solidFill>
                   <a:schemeClr val="bg1"/>
                 </a:solidFill>
               </a:rPr>
-              <a:t>AddressBookStorage</a:t>
+              <a:t>S</a:t>
+            </a:r>
+            <a:r>
+              <a:rPr lang="en-US" altLang="zh-CN" sz="1050" dirty="0" err="1">
+                <a:solidFill>
+                  <a:schemeClr val="bg1"/>
+                </a:solidFill>
+              </a:rPr>
+              <a:t>cheduler</a:t>
+            </a:r>
+            <a:r>
+              <a:rPr lang="en-US" sz="1050" dirty="0" err="1">
+                <a:solidFill>
+                  <a:schemeClr val="bg1"/>
+                </a:solidFill>
+              </a:rPr>
+              <a:t>Storage</a:t>
             </a:r>
             <a:endParaRPr lang="en-SG" sz="1050" dirty="0">
               <a:solidFill>
@@ -3599,8 +3609,8 @@
         </p:nvSpPr>
         <p:spPr>
           <a:xfrm rot="16200000">
-            <a:off x="1683963" y="2868687"/>
-            <a:ext cx="1093635" cy="346760"/>
+            <a:off x="1344811" y="3207839"/>
+            <a:ext cx="1771940" cy="346760"/>
           </a:xfrm>
           <a:prstGeom prst="rect">
             <a:avLst/>
@@ -3639,7 +3649,7 @@
           <a:p>
             <a:pPr algn="ctr"/>
             <a:r>
-              <a:rPr lang="en-US" sz="1050" dirty="0" err="1" smtClean="0">
+              <a:rPr lang="en-US" sz="1050" dirty="0" err="1">
                 <a:solidFill>
                   <a:schemeClr val="bg1"/>
                 </a:solidFill>
@@ -3662,8 +3672,8 @@
         </p:nvSpPr>
         <p:spPr>
           <a:xfrm rot="16200000">
-            <a:off x="956202" y="2861202"/>
-            <a:ext cx="1093635" cy="346760"/>
+            <a:off x="613308" y="3204096"/>
+            <a:ext cx="1779424" cy="346760"/>
           </a:xfrm>
           <a:prstGeom prst="rect">
             <a:avLst/>
@@ -3713,7 +3723,7 @@
           <a:p>
             <a:pPr algn="ctr"/>
             <a:r>
-              <a:rPr lang="en-US" sz="1050" dirty="0" smtClean="0">
+              <a:rPr lang="en-US" sz="1050" dirty="0">
                 <a:solidFill>
                   <a:schemeClr val="bg1"/>
                 </a:solidFill>
@@ -3736,7 +3746,7 @@
         </p:nvSpPr>
         <p:spPr>
           <a:xfrm rot="16200000">
-            <a:off x="1626910" y="2952291"/>
+            <a:off x="1626911" y="3247891"/>
             <a:ext cx="270504" cy="175523"/>
           </a:xfrm>
           <a:prstGeom prst="triangle">
@@ -3834,7 +3844,7 @@
         </p:nvCxnSpPr>
         <p:spPr>
           <a:xfrm>
-            <a:off x="910091" y="3040053"/>
+            <a:off x="910091" y="3352800"/>
             <a:ext cx="419548" cy="2860"/>
           </a:xfrm>
           <a:prstGeom prst="bentConnector3">
@@ -3879,7 +3889,7 @@
         </p:nvCxnSpPr>
         <p:spPr>
           <a:xfrm flipV="1">
-            <a:off x="1849924" y="3040052"/>
+            <a:off x="1849925" y="3335652"/>
             <a:ext cx="216105" cy="1"/>
           </a:xfrm>
           <a:prstGeom prst="line">
@@ -3974,8 +3984,8 @@
         </p:nvCxnSpPr>
         <p:spPr>
           <a:xfrm flipV="1">
-            <a:off x="4398041" y="3331820"/>
-            <a:ext cx="223324" cy="1"/>
+            <a:off x="4398042" y="3331820"/>
+            <a:ext cx="223323" cy="2"/>
           </a:xfrm>
           <a:prstGeom prst="bentConnector3">
             <a:avLst>
@@ -4017,7 +4027,7 @@
         </p:nvSpPr>
         <p:spPr>
           <a:xfrm rot="5400000" flipV="1">
-            <a:off x="4175027" y="3244059"/>
+            <a:off x="4175028" y="3244060"/>
             <a:ext cx="270504" cy="175523"/>
           </a:xfrm>
           <a:prstGeom prst="triangle">
@@ -4147,27 +4157,17 @@
           <a:p>
             <a:pPr algn="ctr"/>
             <a:r>
-              <a:rPr lang="en-US" sz="1050" b="1" dirty="0" err="1" smtClean="0">
+              <a:rPr lang="en-US" sz="1050" b="1" dirty="0" err="1">
                 <a:solidFill>
                   <a:schemeClr val="accent6">
                     <a:lumMod val="75000"/>
                   </a:schemeClr>
                 </a:solidFill>
               </a:rPr>
-              <a:t>XmlAddressBook</a:t>
-            </a:r>
-            <a:r>
-              <a:rPr lang="en-US" sz="1050" b="1" dirty="0" smtClean="0">
-                <a:solidFill>
-                  <a:schemeClr val="accent6">
-                    <a:lumMod val="75000"/>
-                  </a:schemeClr>
-                </a:solidFill>
-              </a:rPr>
-              <a:t/>
+              <a:t>XmlScheduler</a:t>
             </a:r>
             <a:br>
-              <a:rPr lang="en-US" sz="1050" b="1" dirty="0" smtClean="0">
+              <a:rPr lang="en-US" sz="1050" b="1" dirty="0">
                 <a:solidFill>
                   <a:schemeClr val="accent6">
                     <a:lumMod val="75000"/>
@@ -4176,7 +4176,7 @@
               </a:rPr>
             </a:br>
             <a:r>
-              <a:rPr lang="en-US" sz="1050" b="1" dirty="0" smtClean="0">
+              <a:rPr lang="en-US" sz="1050" b="1" dirty="0">
                 <a:solidFill>
                   <a:schemeClr val="accent6">
                     <a:lumMod val="75000"/>
@@ -4243,7 +4243,7 @@
           <a:p>
             <a:pPr algn="ctr"/>
             <a:r>
-              <a:rPr lang="en-US" sz="1050" dirty="0" smtClean="0">
+              <a:rPr lang="en-US" sz="1050" dirty="0">
                 <a:solidFill>
                   <a:schemeClr val="bg1"/>
                 </a:solidFill>
@@ -4251,14 +4251,14 @@
               <a:t>&lt;&lt;interface&gt;&gt;</a:t>
             </a:r>
             <a:br>
-              <a:rPr lang="en-US" sz="1050" dirty="0" smtClean="0">
+              <a:rPr lang="en-US" sz="1050" dirty="0">
                 <a:solidFill>
                   <a:schemeClr val="bg1"/>
                 </a:solidFill>
               </a:rPr>
             </a:br>
             <a:r>
-              <a:rPr lang="en-US" sz="1050" dirty="0" err="1" smtClean="0">
+              <a:rPr lang="en-US" sz="1050" dirty="0" err="1">
                 <a:solidFill>
                   <a:schemeClr val="bg1"/>
                 </a:solidFill>
@@ -4516,30 +4516,22 @@
           <a:p>
             <a:pPr algn="ctr"/>
             <a:r>
-              <a:rPr lang="en-US" sz="1050" dirty="0" err="1" smtClean="0">
+              <a:rPr lang="en-US" sz="1050" dirty="0" err="1">
                 <a:solidFill>
                   <a:schemeClr val="bg1"/>
                 </a:solidFill>
               </a:rPr>
               <a:t>JsonUserPrefs</a:t>
             </a:r>
-            <a:r>
-              <a:rPr lang="en-US" sz="1050" dirty="0" smtClean="0">
-                <a:solidFill>
-                  <a:schemeClr val="bg1"/>
-                </a:solidFill>
-              </a:rPr>
-              <a:t/>
-            </a:r>
             <a:br>
-              <a:rPr lang="en-US" sz="1050" dirty="0" smtClean="0">
+              <a:rPr lang="en-US" sz="1050" dirty="0">
                 <a:solidFill>
                   <a:schemeClr val="bg1"/>
                 </a:solidFill>
               </a:rPr>
             </a:br>
             <a:r>
-              <a:rPr lang="en-US" sz="1050" dirty="0" smtClean="0">
+              <a:rPr lang="en-US" sz="1050" dirty="0">
                 <a:solidFill>
                   <a:schemeClr val="bg1"/>
                 </a:solidFill>
@@ -4591,7 +4583,7 @@
           <a:p>
             <a:pPr algn="ctr"/>
             <a:r>
-              <a:rPr lang="en-US" sz="1050" b="1" dirty="0" err="1" smtClean="0">
+              <a:rPr lang="en-US" sz="1050" b="1" dirty="0" err="1">
                 <a:solidFill>
                   <a:schemeClr val="accent6">
                     <a:lumMod val="75000"/>
@@ -4600,18 +4592,8 @@
               </a:rPr>
               <a:t>XmlSerializable</a:t>
             </a:r>
-            <a:r>
-              <a:rPr lang="en-US" sz="1050" b="1" dirty="0" smtClean="0">
-                <a:solidFill>
-                  <a:schemeClr val="accent6">
-                    <a:lumMod val="75000"/>
-                  </a:schemeClr>
-                </a:solidFill>
-              </a:rPr>
-              <a:t/>
-            </a:r>
             <a:br>
-              <a:rPr lang="en-US" sz="1050" b="1" dirty="0" smtClean="0">
+              <a:rPr lang="en-US" sz="1050" b="1" dirty="0">
                 <a:solidFill>
                   <a:schemeClr val="accent6">
                     <a:lumMod val="75000"/>
@@ -4620,14 +4602,14 @@
               </a:rPr>
             </a:br>
             <a:r>
-              <a:rPr lang="en-US" sz="1050" b="1" dirty="0" err="1" smtClean="0">
+              <a:rPr lang="en-US" sz="1050" b="1" dirty="0">
                 <a:solidFill>
                   <a:schemeClr val="accent6">
                     <a:lumMod val="75000"/>
                   </a:schemeClr>
                 </a:solidFill>
               </a:rPr>
-              <a:t>AddressBook</a:t>
+              <a:t>Scheduler</a:t>
             </a:r>
             <a:endParaRPr lang="en-SG" sz="1050" b="1" dirty="0">
               <a:solidFill>
@@ -4717,7 +4699,7 @@
           <a:p>
             <a:pPr algn="ctr"/>
             <a:r>
-              <a:rPr lang="en-US" sz="1050" b="1" dirty="0" err="1" smtClean="0">
+              <a:rPr lang="en-US" sz="1050" b="1" dirty="0" err="1">
                 <a:solidFill>
                   <a:schemeClr val="accent6">
                     <a:lumMod val="75000"/>
@@ -4773,14 +4755,14 @@
           <a:p>
             <a:pPr algn="ctr"/>
             <a:r>
-              <a:rPr lang="en-US" sz="1050" b="1" dirty="0" err="1" smtClean="0">
+              <a:rPr lang="en-US" sz="1050" b="1" dirty="0" err="1">
                 <a:solidFill>
                   <a:schemeClr val="accent6">
                     <a:lumMod val="75000"/>
                   </a:schemeClr>
                 </a:solidFill>
               </a:rPr>
-              <a:t>XmlAdaptedPerson</a:t>
+              <a:t>XmlAdaptedCalendarEvent</a:t>
             </a:r>
             <a:endParaRPr lang="en-SG" sz="1050" b="1" dirty="0">
               <a:solidFill>
@@ -4833,6 +4815,525 @@
           </a:fontRef>
         </p:style>
       </p:cxnSp>
+      <p:sp>
+        <p:nvSpPr>
+          <p:cNvPr id="27" name="Rectangle 8">
+            <a:extLst>
+              <a:ext uri="{FF2B5EF4-FFF2-40B4-BE49-F238E27FC236}">
+                <a16:creationId xmlns:a16="http://schemas.microsoft.com/office/drawing/2014/main" id="{EB37D837-8061-478E-A4D3-472AEC7294D8}"/>
+              </a:ext>
+            </a:extLst>
+          </p:cNvPr>
+          <p:cNvSpPr/>
+          <p:nvPr/>
+        </p:nvSpPr>
+        <p:spPr>
+          <a:xfrm>
+            <a:off x="2896231" y="3758840"/>
+            <a:ext cx="1323049" cy="346760"/>
+          </a:xfrm>
+          <a:prstGeom prst="rect">
+            <a:avLst/>
+          </a:prstGeom>
+          <a:solidFill>
+            <a:schemeClr val="accent6">
+              <a:lumMod val="75000"/>
+            </a:schemeClr>
+          </a:solidFill>
+          <a:ln w="19050">
+            <a:solidFill>
+              <a:schemeClr val="accent6">
+                <a:lumMod val="75000"/>
+              </a:schemeClr>
+            </a:solidFill>
+          </a:ln>
+          <a:effectLst/>
+        </p:spPr>
+        <p:style>
+          <a:lnRef idx="1">
+            <a:schemeClr val="accent2"/>
+          </a:lnRef>
+          <a:fillRef idx="2">
+            <a:schemeClr val="accent2"/>
+          </a:fillRef>
+          <a:effectRef idx="1">
+            <a:schemeClr val="accent2"/>
+          </a:effectRef>
+          <a:fontRef idx="minor">
+            <a:schemeClr val="dk1"/>
+          </a:fontRef>
+        </p:style>
+        <p:txBody>
+          <a:bodyPr rtlCol="0" anchor="ctr"/>
+          <a:lstStyle/>
+          <a:p>
+            <a:pPr algn="ctr"/>
+            <a:r>
+              <a:rPr lang="en-US" sz="1050" dirty="0">
+                <a:solidFill>
+                  <a:schemeClr val="bg1"/>
+                </a:solidFill>
+              </a:rPr>
+              <a:t>&lt;&lt;interface&gt;&gt;</a:t>
+            </a:r>
+            <a:br>
+              <a:rPr lang="en-US" sz="1050" dirty="0">
+                <a:solidFill>
+                  <a:schemeClr val="bg1"/>
+                </a:solidFill>
+              </a:rPr>
+            </a:br>
+            <a:r>
+              <a:rPr lang="en-US" sz="1050" dirty="0" err="1">
+                <a:solidFill>
+                  <a:schemeClr val="bg1"/>
+                </a:solidFill>
+              </a:rPr>
+              <a:t>ToDoListStorage</a:t>
+            </a:r>
+            <a:endParaRPr lang="en-SG" sz="1050" dirty="0">
+              <a:solidFill>
+                <a:schemeClr val="bg1"/>
+              </a:solidFill>
+            </a:endParaRPr>
+          </a:p>
+        </p:txBody>
+      </p:sp>
+      <p:sp>
+        <p:nvSpPr>
+          <p:cNvPr id="29" name="Isosceles Triangle 102">
+            <a:extLst>
+              <a:ext uri="{FF2B5EF4-FFF2-40B4-BE49-F238E27FC236}">
+                <a16:creationId xmlns:a16="http://schemas.microsoft.com/office/drawing/2014/main" id="{C9D82743-124E-4488-A847-D7AE296C95D4}"/>
+              </a:ext>
+            </a:extLst>
+          </p:cNvPr>
+          <p:cNvSpPr/>
+          <p:nvPr/>
+        </p:nvSpPr>
+        <p:spPr>
+          <a:xfrm rot="5400000" flipV="1">
+            <a:off x="4177768" y="3844461"/>
+            <a:ext cx="270504" cy="175523"/>
+          </a:xfrm>
+          <a:prstGeom prst="triangle">
+            <a:avLst/>
+          </a:prstGeom>
+          <a:solidFill>
+            <a:schemeClr val="accent6">
+              <a:lumMod val="75000"/>
+            </a:schemeClr>
+          </a:solidFill>
+          <a:ln w="19050">
+            <a:solidFill>
+              <a:schemeClr val="accent6">
+                <a:lumMod val="75000"/>
+              </a:schemeClr>
+            </a:solidFill>
+          </a:ln>
+          <a:effectLst/>
+        </p:spPr>
+        <p:style>
+          <a:lnRef idx="1">
+            <a:schemeClr val="accent2"/>
+          </a:lnRef>
+          <a:fillRef idx="2">
+            <a:schemeClr val="accent2"/>
+          </a:fillRef>
+          <a:effectRef idx="1">
+            <a:schemeClr val="accent2"/>
+          </a:effectRef>
+          <a:fontRef idx="minor">
+            <a:schemeClr val="dk1"/>
+          </a:fontRef>
+        </p:style>
+        <p:txBody>
+          <a:bodyPr rtlCol="0" anchor="ctr"/>
+          <a:lstStyle/>
+          <a:p>
+            <a:pPr algn="ctr"/>
+            <a:endParaRPr lang="en-SG" sz="1050">
+              <a:solidFill>
+                <a:schemeClr val="bg1"/>
+              </a:solidFill>
+            </a:endParaRPr>
+          </a:p>
+        </p:txBody>
+      </p:sp>
+      <p:cxnSp>
+        <p:nvCxnSpPr>
+          <p:cNvPr id="53" name="Elbow Connector 122">
+            <a:extLst>
+              <a:ext uri="{FF2B5EF4-FFF2-40B4-BE49-F238E27FC236}">
+                <a16:creationId xmlns:a16="http://schemas.microsoft.com/office/drawing/2014/main" id="{76D9CEDA-2C7E-4D0C-B62E-6AF4890C47CB}"/>
+              </a:ext>
+            </a:extLst>
+          </p:cNvPr>
+          <p:cNvCxnSpPr>
+            <a:cxnSpLocks/>
+            <a:endCxn id="57" idx="1"/>
+          </p:cNvCxnSpPr>
+          <p:nvPr/>
+        </p:nvCxnSpPr>
+        <p:spPr>
+          <a:xfrm flipV="1">
+            <a:off x="5791200" y="3907645"/>
+            <a:ext cx="252301" cy="5460"/>
+          </a:xfrm>
+          <a:prstGeom prst="bentConnector3">
+            <a:avLst>
+              <a:gd name="adj1" fmla="val 50000"/>
+            </a:avLst>
+          </a:prstGeom>
+          <a:ln w="19050">
+            <a:solidFill>
+              <a:schemeClr val="accent6">
+                <a:lumMod val="75000"/>
+              </a:schemeClr>
+            </a:solidFill>
+            <a:prstDash val="sysDot"/>
+            <a:headEnd type="none" w="med" len="med"/>
+            <a:tailEnd type="arrow" w="med" len="med"/>
+          </a:ln>
+          <a:effectLst/>
+        </p:spPr>
+        <p:style>
+          <a:lnRef idx="1">
+            <a:schemeClr val="accent2"/>
+          </a:lnRef>
+          <a:fillRef idx="2">
+            <a:schemeClr val="accent2"/>
+          </a:fillRef>
+          <a:effectRef idx="1">
+            <a:schemeClr val="accent2"/>
+          </a:effectRef>
+          <a:fontRef idx="minor">
+            <a:schemeClr val="dk1"/>
+          </a:fontRef>
+        </p:style>
+      </p:cxnSp>
+      <p:sp>
+        <p:nvSpPr>
+          <p:cNvPr id="57" name="Rectangle 8">
+            <a:extLst>
+              <a:ext uri="{FF2B5EF4-FFF2-40B4-BE49-F238E27FC236}">
+                <a16:creationId xmlns:a16="http://schemas.microsoft.com/office/drawing/2014/main" id="{CF88B684-6CA0-41EF-A353-5D704CF23145}"/>
+              </a:ext>
+            </a:extLst>
+          </p:cNvPr>
+          <p:cNvSpPr/>
+          <p:nvPr/>
+        </p:nvSpPr>
+        <p:spPr>
+          <a:xfrm>
+            <a:off x="6043501" y="3734265"/>
+            <a:ext cx="1200707" cy="346760"/>
+          </a:xfrm>
+          <a:prstGeom prst="rect">
+            <a:avLst/>
+          </a:prstGeom>
+          <a:ln w="19050"/>
+          <a:effectLst/>
+        </p:spPr>
+        <p:style>
+          <a:lnRef idx="1">
+            <a:schemeClr val="accent6"/>
+          </a:lnRef>
+          <a:fillRef idx="2">
+            <a:schemeClr val="accent6"/>
+          </a:fillRef>
+          <a:effectRef idx="1">
+            <a:schemeClr val="accent6"/>
+          </a:effectRef>
+          <a:fontRef idx="minor">
+            <a:schemeClr val="dk1"/>
+          </a:fontRef>
+        </p:style>
+        <p:txBody>
+          <a:bodyPr rtlCol="0" anchor="ctr"/>
+          <a:lstStyle/>
+          <a:p>
+            <a:pPr algn="ctr"/>
+            <a:r>
+              <a:rPr lang="en-US" sz="1050" b="1" dirty="0" err="1">
+                <a:solidFill>
+                  <a:schemeClr val="accent6">
+                    <a:lumMod val="75000"/>
+                  </a:schemeClr>
+                </a:solidFill>
+              </a:rPr>
+              <a:t>XmlSerializable</a:t>
+            </a:r>
+            <a:br>
+              <a:rPr lang="en-US" sz="1050" b="1" dirty="0">
+                <a:solidFill>
+                  <a:schemeClr val="accent6">
+                    <a:lumMod val="75000"/>
+                  </a:schemeClr>
+                </a:solidFill>
+              </a:rPr>
+            </a:br>
+            <a:r>
+              <a:rPr lang="en-US" sz="1050" b="1" dirty="0" err="1">
+                <a:solidFill>
+                  <a:schemeClr val="accent6">
+                    <a:lumMod val="75000"/>
+                  </a:schemeClr>
+                </a:solidFill>
+              </a:rPr>
+              <a:t>ToDoList</a:t>
+            </a:r>
+            <a:endParaRPr lang="en-SG" sz="1050" b="1" dirty="0">
+              <a:solidFill>
+                <a:schemeClr val="accent6">
+                  <a:lumMod val="75000"/>
+                </a:schemeClr>
+              </a:solidFill>
+            </a:endParaRPr>
+          </a:p>
+        </p:txBody>
+      </p:sp>
+      <p:sp>
+        <p:nvSpPr>
+          <p:cNvPr id="59" name="Rectangle 8">
+            <a:extLst>
+              <a:ext uri="{FF2B5EF4-FFF2-40B4-BE49-F238E27FC236}">
+                <a16:creationId xmlns:a16="http://schemas.microsoft.com/office/drawing/2014/main" id="{5B679A81-1C62-4A99-ACB9-8A99E5E95AEA}"/>
+              </a:ext>
+            </a:extLst>
+          </p:cNvPr>
+          <p:cNvSpPr/>
+          <p:nvPr/>
+        </p:nvSpPr>
+        <p:spPr>
+          <a:xfrm>
+            <a:off x="7615738" y="3732668"/>
+            <a:ext cx="1259718" cy="346760"/>
+          </a:xfrm>
+          <a:prstGeom prst="rect">
+            <a:avLst/>
+          </a:prstGeom>
+          <a:ln w="19050"/>
+          <a:effectLst/>
+        </p:spPr>
+        <p:style>
+          <a:lnRef idx="1">
+            <a:schemeClr val="accent6"/>
+          </a:lnRef>
+          <a:fillRef idx="2">
+            <a:schemeClr val="accent6"/>
+          </a:fillRef>
+          <a:effectRef idx="1">
+            <a:schemeClr val="accent6"/>
+          </a:effectRef>
+          <a:fontRef idx="minor">
+            <a:schemeClr val="dk1"/>
+          </a:fontRef>
+        </p:style>
+        <p:txBody>
+          <a:bodyPr rtlCol="0" anchor="ctr"/>
+          <a:lstStyle/>
+          <a:p>
+            <a:pPr algn="ctr"/>
+            <a:r>
+              <a:rPr lang="en-US" sz="1050" b="1" dirty="0" err="1">
+                <a:solidFill>
+                  <a:schemeClr val="accent6">
+                    <a:lumMod val="75000"/>
+                  </a:schemeClr>
+                </a:solidFill>
+              </a:rPr>
+              <a:t>XmlAdaptedToDoListEvent</a:t>
+            </a:r>
+            <a:endParaRPr lang="en-SG" sz="1050" b="1" dirty="0">
+              <a:solidFill>
+                <a:schemeClr val="accent6">
+                  <a:lumMod val="75000"/>
+                </a:schemeClr>
+              </a:solidFill>
+            </a:endParaRPr>
+          </a:p>
+        </p:txBody>
+      </p:sp>
+      <p:cxnSp>
+        <p:nvCxnSpPr>
+          <p:cNvPr id="62" name="Elbow Connector 122">
+            <a:extLst>
+              <a:ext uri="{FF2B5EF4-FFF2-40B4-BE49-F238E27FC236}">
+                <a16:creationId xmlns:a16="http://schemas.microsoft.com/office/drawing/2014/main" id="{FBE66C80-C028-4BB8-B344-8E92920869D7}"/>
+              </a:ext>
+            </a:extLst>
+          </p:cNvPr>
+          <p:cNvCxnSpPr>
+            <a:stCxn id="57" idx="3"/>
+            <a:endCxn id="59" idx="1"/>
+          </p:cNvCxnSpPr>
+          <p:nvPr/>
+        </p:nvCxnSpPr>
+        <p:spPr>
+          <a:xfrm flipV="1">
+            <a:off x="7244208" y="3906048"/>
+            <a:ext cx="371530" cy="1597"/>
+          </a:xfrm>
+          <a:prstGeom prst="bentConnector3">
+            <a:avLst>
+              <a:gd name="adj1" fmla="val 50000"/>
+            </a:avLst>
+          </a:prstGeom>
+          <a:ln w="19050">
+            <a:prstDash val="sysDot"/>
+            <a:headEnd type="none" w="med" len="med"/>
+            <a:tailEnd type="arrow" w="med" len="med"/>
+          </a:ln>
+          <a:effectLst/>
+        </p:spPr>
+        <p:style>
+          <a:lnRef idx="1">
+            <a:schemeClr val="accent6"/>
+          </a:lnRef>
+          <a:fillRef idx="2">
+            <a:schemeClr val="accent6"/>
+          </a:fillRef>
+          <a:effectRef idx="1">
+            <a:schemeClr val="accent6"/>
+          </a:effectRef>
+          <a:fontRef idx="minor">
+            <a:schemeClr val="dk1"/>
+          </a:fontRef>
+        </p:style>
+      </p:cxnSp>
+      <p:cxnSp>
+        <p:nvCxnSpPr>
+          <p:cNvPr id="71" name="Elbow Connector 63">
+            <a:extLst>
+              <a:ext uri="{FF2B5EF4-FFF2-40B4-BE49-F238E27FC236}">
+                <a16:creationId xmlns:a16="http://schemas.microsoft.com/office/drawing/2014/main" id="{8DC9258C-E2C7-4961-9441-91FDD893C597}"/>
+              </a:ext>
+            </a:extLst>
+          </p:cNvPr>
+          <p:cNvCxnSpPr>
+            <a:endCxn id="72" idx="1"/>
+          </p:cNvCxnSpPr>
+          <p:nvPr/>
+        </p:nvCxnSpPr>
+        <p:spPr>
+          <a:xfrm flipV="1">
+            <a:off x="4394805" y="3906048"/>
+            <a:ext cx="223323" cy="2"/>
+          </a:xfrm>
+          <a:prstGeom prst="bentConnector3">
+            <a:avLst>
+              <a:gd name="adj1" fmla="val 50000"/>
+            </a:avLst>
+          </a:prstGeom>
+          <a:ln w="19050">
+            <a:solidFill>
+              <a:schemeClr val="accent6">
+                <a:lumMod val="75000"/>
+              </a:schemeClr>
+            </a:solidFill>
+            <a:prstDash val="sysDot"/>
+            <a:headEnd type="none" w="med" len="med"/>
+            <a:tailEnd type="none" w="med" len="med"/>
+          </a:ln>
+          <a:effectLst/>
+        </p:spPr>
+        <p:style>
+          <a:lnRef idx="1">
+            <a:schemeClr val="accent2"/>
+          </a:lnRef>
+          <a:fillRef idx="2">
+            <a:schemeClr val="accent2"/>
+          </a:fillRef>
+          <a:effectRef idx="1">
+            <a:schemeClr val="accent2"/>
+          </a:effectRef>
+          <a:fontRef idx="minor">
+            <a:schemeClr val="dk1"/>
+          </a:fontRef>
+        </p:style>
+      </p:cxnSp>
+      <p:sp>
+        <p:nvSpPr>
+          <p:cNvPr id="72" name="Rectangle 8">
+            <a:extLst>
+              <a:ext uri="{FF2B5EF4-FFF2-40B4-BE49-F238E27FC236}">
+                <a16:creationId xmlns:a16="http://schemas.microsoft.com/office/drawing/2014/main" id="{F18706E7-3AAA-4996-842E-E84E93F668F7}"/>
+              </a:ext>
+            </a:extLst>
+          </p:cNvPr>
+          <p:cNvSpPr/>
+          <p:nvPr/>
+        </p:nvSpPr>
+        <p:spPr>
+          <a:xfrm>
+            <a:off x="4618128" y="3732668"/>
+            <a:ext cx="1169835" cy="346760"/>
+          </a:xfrm>
+          <a:prstGeom prst="rect">
+            <a:avLst/>
+          </a:prstGeom>
+          <a:ln w="19050"/>
+          <a:effectLst/>
+        </p:spPr>
+        <p:style>
+          <a:lnRef idx="1">
+            <a:schemeClr val="accent6"/>
+          </a:lnRef>
+          <a:fillRef idx="2">
+            <a:schemeClr val="accent6"/>
+          </a:fillRef>
+          <a:effectRef idx="1">
+            <a:schemeClr val="accent6"/>
+          </a:effectRef>
+          <a:fontRef idx="minor">
+            <a:schemeClr val="dk1"/>
+          </a:fontRef>
+        </p:style>
+        <p:txBody>
+          <a:bodyPr rtlCol="0" anchor="ctr"/>
+          <a:lstStyle/>
+          <a:p>
+            <a:pPr algn="ctr"/>
+            <a:r>
+              <a:rPr lang="en-US" sz="1050" b="1" dirty="0" err="1">
+                <a:solidFill>
+                  <a:schemeClr val="accent6">
+                    <a:lumMod val="75000"/>
+                  </a:schemeClr>
+                </a:solidFill>
+              </a:rPr>
+              <a:t>XmlToDoList</a:t>
+            </a:r>
+            <a:br>
+              <a:rPr lang="en-US" sz="1050" b="1" dirty="0">
+                <a:solidFill>
+                  <a:schemeClr val="accent6">
+                    <a:lumMod val="75000"/>
+                  </a:schemeClr>
+                </a:solidFill>
+              </a:rPr>
+            </a:br>
+            <a:r>
+              <a:rPr lang="en-US" sz="1050" b="1" dirty="0">
+                <a:solidFill>
+                  <a:schemeClr val="accent6">
+                    <a:lumMod val="75000"/>
+                  </a:schemeClr>
+                </a:solidFill>
+              </a:rPr>
+              <a:t>Storage</a:t>
+            </a:r>
+            <a:endParaRPr lang="en-SG" sz="1050" b="1" dirty="0">
+              <a:solidFill>
+                <a:schemeClr val="accent6">
+                  <a:lumMod val="75000"/>
+                </a:schemeClr>
+              </a:solidFill>
+            </a:endParaRPr>
+          </a:p>
+        </p:txBody>
+      </p:sp>
     </p:spTree>
     <p:extLst>
       <p:ext uri="{BB962C8B-B14F-4D97-AF65-F5344CB8AC3E}">
@@ -4843,13 +5344,6 @@
   <p:clrMapOvr>
     <a:masterClrMapping/>
   </p:clrMapOvr>
-  <p:timing>
-    <p:tnLst>
-      <p:par>
-        <p:cTn id="1" dur="indefinite" restart="never" nodeType="tmRoot"/>
-      </p:par>
-    </p:tnLst>
-  </p:timing>
 </p:sld>
 </file>
 

--- a/docs/diagrams/StorageComponentClassDiagram.pptx
+++ b/docs/diagrams/StorageComponentClassDiagram.pptx
@@ -4829,7 +4829,7 @@
         </p:nvSpPr>
         <p:spPr>
           <a:xfrm>
-            <a:off x="2896231" y="3758840"/>
+            <a:off x="2870736" y="3778530"/>
             <a:ext cx="1323049" cy="346760"/>
           </a:xfrm>
           <a:prstGeom prst="rect">
@@ -4913,7 +4913,7 @@
         </p:nvSpPr>
         <p:spPr>
           <a:xfrm rot="5400000" flipV="1">
-            <a:off x="4177768" y="3844461"/>
+            <a:off x="4177769" y="3844462"/>
             <a:ext cx="270504" cy="175523"/>
           </a:xfrm>
           <a:prstGeom prst="triangle">
@@ -5329,6 +5329,112 @@
                 <a:schemeClr val="accent6">
                   <a:lumMod val="75000"/>
                 </a:schemeClr>
+              </a:solidFill>
+            </a:endParaRPr>
+          </a:p>
+        </p:txBody>
+      </p:sp>
+      <p:cxnSp>
+        <p:nvCxnSpPr>
+          <p:cNvPr id="36" name="Straight Arrow Connector 57">
+            <a:extLst>
+              <a:ext uri="{FF2B5EF4-FFF2-40B4-BE49-F238E27FC236}">
+                <a16:creationId xmlns:a16="http://schemas.microsoft.com/office/drawing/2014/main" id="{1D7A2343-0A2B-419D-87ED-47E38CF25A85}"/>
+              </a:ext>
+            </a:extLst>
+          </p:cNvPr>
+          <p:cNvCxnSpPr>
+            <a:cxnSpLocks/>
+            <a:stCxn id="37" idx="3"/>
+          </p:cNvCxnSpPr>
+          <p:nvPr/>
+        </p:nvCxnSpPr>
+        <p:spPr>
+          <a:xfrm>
+            <a:off x="2651658" y="3980785"/>
+            <a:ext cx="220810" cy="5284"/>
+          </a:xfrm>
+          <a:prstGeom prst="straightConnector1">
+            <a:avLst/>
+          </a:prstGeom>
+          <a:ln w="19050">
+            <a:solidFill>
+              <a:schemeClr val="accent6">
+                <a:lumMod val="75000"/>
+              </a:schemeClr>
+            </a:solidFill>
+            <a:headEnd type="none" w="med" len="med"/>
+            <a:tailEnd type="arrow" w="med" len="med"/>
+          </a:ln>
+          <a:effectLst/>
+        </p:spPr>
+        <p:style>
+          <a:lnRef idx="1">
+            <a:schemeClr val="accent2"/>
+          </a:lnRef>
+          <a:fillRef idx="2">
+            <a:schemeClr val="accent2"/>
+          </a:fillRef>
+          <a:effectRef idx="1">
+            <a:schemeClr val="accent2"/>
+          </a:effectRef>
+          <a:fontRef idx="minor">
+            <a:schemeClr val="dk1"/>
+          </a:fontRef>
+        </p:style>
+      </p:cxnSp>
+      <p:sp>
+        <p:nvSpPr>
+          <p:cNvPr id="37" name="Flowchart: Decision 96">
+            <a:extLst>
+              <a:ext uri="{FF2B5EF4-FFF2-40B4-BE49-F238E27FC236}">
+                <a16:creationId xmlns:a16="http://schemas.microsoft.com/office/drawing/2014/main" id="{F247C772-DBA1-4FF0-BACC-AF5960EEA040}"/>
+              </a:ext>
+            </a:extLst>
+          </p:cNvPr>
+          <p:cNvSpPr/>
+          <p:nvPr/>
+        </p:nvSpPr>
+        <p:spPr>
+          <a:xfrm>
+            <a:off x="2415610" y="3894095"/>
+            <a:ext cx="236048" cy="173380"/>
+          </a:xfrm>
+          <a:prstGeom prst="flowChartDecision">
+            <a:avLst/>
+          </a:prstGeom>
+          <a:noFill/>
+          <a:ln w="19050">
+            <a:solidFill>
+              <a:schemeClr val="accent6">
+                <a:lumMod val="75000"/>
+              </a:schemeClr>
+            </a:solidFill>
+          </a:ln>
+          <a:effectLst/>
+        </p:spPr>
+        <p:style>
+          <a:lnRef idx="1">
+            <a:schemeClr val="accent2"/>
+          </a:lnRef>
+          <a:fillRef idx="2">
+            <a:schemeClr val="accent2"/>
+          </a:fillRef>
+          <a:effectRef idx="1">
+            <a:schemeClr val="accent2"/>
+          </a:effectRef>
+          <a:fontRef idx="minor">
+            <a:schemeClr val="dk1"/>
+          </a:fontRef>
+        </p:style>
+        <p:txBody>
+          <a:bodyPr rtlCol="0" anchor="ctr"/>
+          <a:lstStyle/>
+          <a:p>
+            <a:pPr algn="ctr"/>
+            <a:endParaRPr lang="en-US" sz="1050">
+              <a:solidFill>
+                <a:schemeClr val="bg1"/>
               </a:solidFill>
             </a:endParaRPr>
           </a:p>

--- a/docs/diagrams/StorageComponentClassDiagram.pptx
+++ b/docs/diagrams/StorageComponentClassDiagram.pptx
@@ -208,7 +208,7 @@
           <a:p>
             <a:fld id="{F5CC4B3F-88C1-4FFA-B1B6-F41C21DC6924}" type="datetimeFigureOut">
               <a:rPr lang="en-US" smtClean="0"/>
-              <a:t>10/24/2018</a:t>
+              <a:t>11/11/2018</a:t>
             </a:fld>
             <a:endParaRPr lang="en-US"/>
           </a:p>
@@ -654,7 +654,7 @@
           <a:p>
             <a:fld id="{78C97017-6FC3-485B-9764-EAC9E56C1D49}" type="datetimeFigureOut">
               <a:rPr lang="en-US" smtClean="0"/>
-              <a:t>10/24/2018</a:t>
+              <a:t>11/11/2018</a:t>
             </a:fld>
             <a:endParaRPr lang="en-US"/>
           </a:p>
@@ -822,7 +822,7 @@
           <a:p>
             <a:fld id="{78C97017-6FC3-485B-9764-EAC9E56C1D49}" type="datetimeFigureOut">
               <a:rPr lang="en-US" smtClean="0"/>
-              <a:t>10/24/2018</a:t>
+              <a:t>11/11/2018</a:t>
             </a:fld>
             <a:endParaRPr lang="en-US"/>
           </a:p>
@@ -1000,7 +1000,7 @@
           <a:p>
             <a:fld id="{78C97017-6FC3-485B-9764-EAC9E56C1D49}" type="datetimeFigureOut">
               <a:rPr lang="en-US" smtClean="0"/>
-              <a:t>10/24/2018</a:t>
+              <a:t>11/11/2018</a:t>
             </a:fld>
             <a:endParaRPr lang="en-US"/>
           </a:p>
@@ -1168,7 +1168,7 @@
           <a:p>
             <a:fld id="{78C97017-6FC3-485B-9764-EAC9E56C1D49}" type="datetimeFigureOut">
               <a:rPr lang="en-US" smtClean="0"/>
-              <a:t>10/24/2018</a:t>
+              <a:t>11/11/2018</a:t>
             </a:fld>
             <a:endParaRPr lang="en-US"/>
           </a:p>
@@ -1413,7 +1413,7 @@
           <a:p>
             <a:fld id="{78C97017-6FC3-485B-9764-EAC9E56C1D49}" type="datetimeFigureOut">
               <a:rPr lang="en-US" smtClean="0"/>
-              <a:t>10/24/2018</a:t>
+              <a:t>11/11/2018</a:t>
             </a:fld>
             <a:endParaRPr lang="en-US"/>
           </a:p>
@@ -1698,7 +1698,7 @@
           <a:p>
             <a:fld id="{78C97017-6FC3-485B-9764-EAC9E56C1D49}" type="datetimeFigureOut">
               <a:rPr lang="en-US" smtClean="0"/>
-              <a:t>10/24/2018</a:t>
+              <a:t>11/11/2018</a:t>
             </a:fld>
             <a:endParaRPr lang="en-US"/>
           </a:p>
@@ -2117,7 +2117,7 @@
           <a:p>
             <a:fld id="{78C97017-6FC3-485B-9764-EAC9E56C1D49}" type="datetimeFigureOut">
               <a:rPr lang="en-US" smtClean="0"/>
-              <a:t>10/24/2018</a:t>
+              <a:t>11/11/2018</a:t>
             </a:fld>
             <a:endParaRPr lang="en-US"/>
           </a:p>
@@ -2234,7 +2234,7 @@
           <a:p>
             <a:fld id="{78C97017-6FC3-485B-9764-EAC9E56C1D49}" type="datetimeFigureOut">
               <a:rPr lang="en-US" smtClean="0"/>
-              <a:t>10/24/2018</a:t>
+              <a:t>11/11/2018</a:t>
             </a:fld>
             <a:endParaRPr lang="en-US"/>
           </a:p>
@@ -2329,7 +2329,7 @@
           <a:p>
             <a:fld id="{78C97017-6FC3-485B-9764-EAC9E56C1D49}" type="datetimeFigureOut">
               <a:rPr lang="en-US" smtClean="0"/>
-              <a:t>10/24/2018</a:t>
+              <a:t>11/11/2018</a:t>
             </a:fld>
             <a:endParaRPr lang="en-US"/>
           </a:p>
@@ -2604,7 +2604,7 @@
           <a:p>
             <a:fld id="{78C97017-6FC3-485B-9764-EAC9E56C1D49}" type="datetimeFigureOut">
               <a:rPr lang="en-US" smtClean="0"/>
-              <a:t>10/24/2018</a:t>
+              <a:t>11/11/2018</a:t>
             </a:fld>
             <a:endParaRPr lang="en-US"/>
           </a:p>
@@ -2856,7 +2856,7 @@
           <a:p>
             <a:fld id="{78C97017-6FC3-485B-9764-EAC9E56C1D49}" type="datetimeFigureOut">
               <a:rPr lang="en-US" smtClean="0"/>
-              <a:t>10/24/2018</a:t>
+              <a:t>11/11/2018</a:t>
             </a:fld>
             <a:endParaRPr lang="en-US"/>
           </a:p>
@@ -3067,7 +3067,7 @@
           <a:p>
             <a:fld id="{78C97017-6FC3-485B-9764-EAC9E56C1D49}" type="datetimeFigureOut">
               <a:rPr lang="en-US" smtClean="0"/>
-              <a:t>10/24/2018</a:t>
+              <a:t>11/11/2018</a:t>
             </a:fld>
             <a:endParaRPr lang="en-US"/>
           </a:p>
@@ -4615,7 +4615,7 @@
         </p:nvSpPr>
         <p:spPr>
           <a:xfrm>
-            <a:off x="6978884" y="3159624"/>
+            <a:off x="6978884" y="3169357"/>
             <a:ext cx="1551866" cy="346760"/>
           </a:xfrm>
           <a:prstGeom prst="rect">
@@ -4668,14 +4668,13 @@
           <p:cNvPr id="77" name="Elbow Connector 122"/>
           <p:cNvCxnSpPr>
             <a:cxnSpLocks/>
-            <a:stCxn id="66" idx="3"/>
             <a:endCxn id="74" idx="1"/>
           </p:cNvCxnSpPr>
           <p:nvPr/>
         </p:nvCxnSpPr>
         <p:spPr>
           <a:xfrm flipV="1">
-            <a:off x="6655590" y="3333004"/>
+            <a:off x="6655590" y="3342737"/>
             <a:ext cx="323294" cy="786"/>
           </a:xfrm>
           <a:prstGeom prst="bentConnector3">
@@ -4719,7 +4718,7 @@
         </p:nvSpPr>
         <p:spPr>
           <a:xfrm>
-            <a:off x="6978884" y="3638184"/>
+            <a:off x="6978884" y="3647917"/>
             <a:ext cx="1551866" cy="346760"/>
           </a:xfrm>
           <a:prstGeom prst="rect">
@@ -4781,7 +4780,7 @@
         </p:nvSpPr>
         <p:spPr>
           <a:xfrm>
-            <a:off x="6978884" y="4116744"/>
+            <a:off x="6978884" y="4126477"/>
             <a:ext cx="1551866" cy="346760"/>
           </a:xfrm>
           <a:prstGeom prst="rect">
@@ -4843,7 +4842,7 @@
         </p:nvSpPr>
         <p:spPr>
           <a:xfrm>
-            <a:off x="6978884" y="4596507"/>
+            <a:off x="6978884" y="4606240"/>
             <a:ext cx="1551866" cy="346760"/>
           </a:xfrm>
           <a:prstGeom prst="rect">
@@ -4905,7 +4904,7 @@
         </p:nvSpPr>
         <p:spPr>
           <a:xfrm>
-            <a:off x="6976845" y="2681850"/>
+            <a:off x="6976845" y="2691583"/>
             <a:ext cx="1553905" cy="346760"/>
           </a:xfrm>
           <a:prstGeom prst="rect">
@@ -4953,6 +4952,194 @@
           </a:p>
         </p:txBody>
       </p:sp>
+      <p:cxnSp>
+        <p:nvCxnSpPr>
+          <p:cNvPr id="29" name="Elbow Connector 122">
+            <a:extLst>
+              <a:ext uri="{FF2B5EF4-FFF2-40B4-BE49-F238E27FC236}">
+                <a16:creationId xmlns:a16="http://schemas.microsoft.com/office/drawing/2014/main" id="{A10FDAFE-008B-48B9-9C08-F19499DC576E}"/>
+              </a:ext>
+            </a:extLst>
+          </p:cNvPr>
+          <p:cNvCxnSpPr>
+            <a:cxnSpLocks/>
+            <a:endCxn id="36" idx="1"/>
+          </p:cNvCxnSpPr>
+          <p:nvPr/>
+        </p:nvCxnSpPr>
+        <p:spPr>
+          <a:xfrm flipV="1">
+            <a:off x="6655590" y="2864963"/>
+            <a:ext cx="321255" cy="478560"/>
+          </a:xfrm>
+          <a:prstGeom prst="bentConnector3">
+            <a:avLst>
+              <a:gd name="adj1" fmla="val 50000"/>
+            </a:avLst>
+          </a:prstGeom>
+          <a:ln w="19050">
+            <a:prstDash val="sysDot"/>
+            <a:headEnd type="none" w="med" len="med"/>
+            <a:tailEnd type="arrow" w="med" len="med"/>
+          </a:ln>
+          <a:effectLst/>
+        </p:spPr>
+        <p:style>
+          <a:lnRef idx="1">
+            <a:schemeClr val="accent6"/>
+          </a:lnRef>
+          <a:fillRef idx="2">
+            <a:schemeClr val="accent6"/>
+          </a:fillRef>
+          <a:effectRef idx="1">
+            <a:schemeClr val="accent6"/>
+          </a:effectRef>
+          <a:fontRef idx="minor">
+            <a:schemeClr val="dk1"/>
+          </a:fontRef>
+        </p:style>
+      </p:cxnSp>
+      <p:cxnSp>
+        <p:nvCxnSpPr>
+          <p:cNvPr id="31" name="Elbow Connector 122">
+            <a:extLst>
+              <a:ext uri="{FF2B5EF4-FFF2-40B4-BE49-F238E27FC236}">
+                <a16:creationId xmlns:a16="http://schemas.microsoft.com/office/drawing/2014/main" id="{AED7B8B2-A845-43FF-B822-B9F9665830F8}"/>
+              </a:ext>
+            </a:extLst>
+          </p:cNvPr>
+          <p:cNvCxnSpPr>
+            <a:cxnSpLocks/>
+            <a:endCxn id="26" idx="1"/>
+          </p:cNvCxnSpPr>
+          <p:nvPr/>
+        </p:nvCxnSpPr>
+        <p:spPr>
+          <a:xfrm>
+            <a:off x="6655590" y="3343523"/>
+            <a:ext cx="323294" cy="477774"/>
+          </a:xfrm>
+          <a:prstGeom prst="bentConnector3">
+            <a:avLst>
+              <a:gd name="adj1" fmla="val 50000"/>
+            </a:avLst>
+          </a:prstGeom>
+          <a:ln w="19050">
+            <a:prstDash val="sysDot"/>
+            <a:headEnd type="none" w="med" len="med"/>
+            <a:tailEnd type="arrow" w="med" len="med"/>
+          </a:ln>
+          <a:effectLst/>
+        </p:spPr>
+        <p:style>
+          <a:lnRef idx="1">
+            <a:schemeClr val="accent6"/>
+          </a:lnRef>
+          <a:fillRef idx="2">
+            <a:schemeClr val="accent6"/>
+          </a:fillRef>
+          <a:effectRef idx="1">
+            <a:schemeClr val="accent6"/>
+          </a:effectRef>
+          <a:fontRef idx="minor">
+            <a:schemeClr val="dk1"/>
+          </a:fontRef>
+        </p:style>
+      </p:cxnSp>
+      <p:cxnSp>
+        <p:nvCxnSpPr>
+          <p:cNvPr id="34" name="Elbow Connector 122">
+            <a:extLst>
+              <a:ext uri="{FF2B5EF4-FFF2-40B4-BE49-F238E27FC236}">
+                <a16:creationId xmlns:a16="http://schemas.microsoft.com/office/drawing/2014/main" id="{E84D9CF0-0A72-4951-A6B9-408B1F626F92}"/>
+              </a:ext>
+            </a:extLst>
+          </p:cNvPr>
+          <p:cNvCxnSpPr>
+            <a:cxnSpLocks/>
+            <a:endCxn id="27" idx="1"/>
+          </p:cNvCxnSpPr>
+          <p:nvPr/>
+        </p:nvCxnSpPr>
+        <p:spPr>
+          <a:xfrm>
+            <a:off x="6655590" y="3343523"/>
+            <a:ext cx="323294" cy="956334"/>
+          </a:xfrm>
+          <a:prstGeom prst="bentConnector3">
+            <a:avLst>
+              <a:gd name="adj1" fmla="val 50000"/>
+            </a:avLst>
+          </a:prstGeom>
+          <a:ln w="19050">
+            <a:prstDash val="sysDot"/>
+            <a:headEnd type="none" w="med" len="med"/>
+            <a:tailEnd type="arrow" w="med" len="med"/>
+          </a:ln>
+          <a:effectLst/>
+        </p:spPr>
+        <p:style>
+          <a:lnRef idx="1">
+            <a:schemeClr val="accent6"/>
+          </a:lnRef>
+          <a:fillRef idx="2">
+            <a:schemeClr val="accent6"/>
+          </a:fillRef>
+          <a:effectRef idx="1">
+            <a:schemeClr val="accent6"/>
+          </a:effectRef>
+          <a:fontRef idx="minor">
+            <a:schemeClr val="dk1"/>
+          </a:fontRef>
+        </p:style>
+      </p:cxnSp>
+      <p:cxnSp>
+        <p:nvCxnSpPr>
+          <p:cNvPr id="37" name="Elbow Connector 122">
+            <a:extLst>
+              <a:ext uri="{FF2B5EF4-FFF2-40B4-BE49-F238E27FC236}">
+                <a16:creationId xmlns:a16="http://schemas.microsoft.com/office/drawing/2014/main" id="{C07636C8-8FFC-4A24-B5FF-F77257F53221}"/>
+              </a:ext>
+            </a:extLst>
+          </p:cNvPr>
+          <p:cNvCxnSpPr>
+            <a:cxnSpLocks/>
+            <a:endCxn id="28" idx="1"/>
+          </p:cNvCxnSpPr>
+          <p:nvPr/>
+        </p:nvCxnSpPr>
+        <p:spPr>
+          <a:xfrm>
+            <a:off x="6655590" y="3343523"/>
+            <a:ext cx="323294" cy="1436097"/>
+          </a:xfrm>
+          <a:prstGeom prst="bentConnector3">
+            <a:avLst>
+              <a:gd name="adj1" fmla="val 50000"/>
+            </a:avLst>
+          </a:prstGeom>
+          <a:ln w="19050">
+            <a:prstDash val="sysDot"/>
+            <a:headEnd type="none" w="med" len="med"/>
+            <a:tailEnd type="arrow" w="med" len="med"/>
+          </a:ln>
+          <a:effectLst/>
+        </p:spPr>
+        <p:style>
+          <a:lnRef idx="1">
+            <a:schemeClr val="accent6"/>
+          </a:lnRef>
+          <a:fillRef idx="2">
+            <a:schemeClr val="accent6"/>
+          </a:fillRef>
+          <a:effectRef idx="1">
+            <a:schemeClr val="accent6"/>
+          </a:effectRef>
+          <a:fontRef idx="minor">
+            <a:schemeClr val="dk1"/>
+          </a:fontRef>
+        </p:style>
+      </p:cxnSp>
     </p:spTree>
     <p:extLst>
       <p:ext uri="{BB962C8B-B14F-4D97-AF65-F5344CB8AC3E}">

--- a/docs/diagrams/StorageComponentClassDiagram.pptx
+++ b/docs/diagrams/StorageComponentClassDiagram.pptx
@@ -107,6 +107,22 @@
       </a:defRPr>
     </a:lvl9pPr>
   </p:defaultTextStyle>
+  <p:extLst>
+    <p:ext uri="{EFAFB233-063F-42B5-8137-9DF3F51BA10A}">
+      <p15:sldGuideLst xmlns:p15="http://schemas.microsoft.com/office/powerpoint/2012/main">
+        <p15:guide id="1" orient="horz" pos="1488">
+          <p15:clr>
+            <a:srgbClr val="A4A3A4"/>
+          </p15:clr>
+        </p15:guide>
+        <p15:guide id="2" pos="2880">
+          <p15:clr>
+            <a:srgbClr val="A4A3A4"/>
+          </p15:clr>
+        </p15:guide>
+      </p15:sldGuideLst>
+    </p:ext>
+  </p:extLst>
 </p:presentation>
 </file>
 
@@ -192,7 +208,7 @@
           <a:p>
             <a:fld id="{F5CC4B3F-88C1-4FFA-B1B6-F41C21DC6924}" type="datetimeFigureOut">
               <a:rPr lang="en-US" smtClean="0"/>
-              <a:t>10/16/2016</a:t>
+              <a:t>11/11/2018</a:t>
             </a:fld>
             <a:endParaRPr lang="en-US"/>
           </a:p>
@@ -256,38 +272,37 @@
           <a:p>
             <a:pPr lvl="0"/>
             <a:r>
-              <a:rPr lang="en-US" smtClean="0"/>
+              <a:rPr lang="en-US"/>
               <a:t>Click to edit Master text styles</a:t>
             </a:r>
           </a:p>
           <a:p>
             <a:pPr lvl="1"/>
             <a:r>
-              <a:rPr lang="en-US" smtClean="0"/>
+              <a:rPr lang="en-US"/>
               <a:t>Second level</a:t>
             </a:r>
           </a:p>
           <a:p>
             <a:pPr lvl="2"/>
             <a:r>
-              <a:rPr lang="en-US" smtClean="0"/>
+              <a:rPr lang="en-US"/>
               <a:t>Third level</a:t>
             </a:r>
           </a:p>
           <a:p>
             <a:pPr lvl="3"/>
             <a:r>
-              <a:rPr lang="en-US" smtClean="0"/>
+              <a:rPr lang="en-US"/>
               <a:t>Fourth level</a:t>
             </a:r>
           </a:p>
           <a:p>
             <a:pPr lvl="4"/>
             <a:r>
-              <a:rPr lang="en-US" smtClean="0"/>
+              <a:rPr lang="en-US"/>
               <a:t>Fifth level</a:t>
             </a:r>
-            <a:endParaRPr lang="en-US"/>
           </a:p>
         </p:txBody>
       </p:sp>
@@ -498,10 +513,9 @@
           <a:lstStyle/>
           <a:p>
             <a:r>
-              <a:rPr lang="en-US" smtClean="0"/>
+              <a:rPr lang="en-US"/>
               <a:t>Click to edit Master title style</a:t>
             </a:r>
-            <a:endParaRPr lang="en-US"/>
           </a:p>
         </p:txBody>
       </p:sp>
@@ -617,10 +631,9 @@
           </a:lstStyle>
           <a:p>
             <a:r>
-              <a:rPr lang="en-US" smtClean="0"/>
+              <a:rPr lang="en-US"/>
               <a:t>Click to edit Master subtitle style</a:t>
             </a:r>
-            <a:endParaRPr lang="en-US"/>
           </a:p>
         </p:txBody>
       </p:sp>
@@ -641,7 +654,7 @@
           <a:p>
             <a:fld id="{78C97017-6FC3-485B-9764-EAC9E56C1D49}" type="datetimeFigureOut">
               <a:rPr lang="en-US" smtClean="0"/>
-              <a:t>10/16/2016</a:t>
+              <a:t>11/11/2018</a:t>
             </a:fld>
             <a:endParaRPr lang="en-US"/>
           </a:p>
@@ -735,10 +748,9 @@
           <a:lstStyle/>
           <a:p>
             <a:r>
-              <a:rPr lang="en-US" smtClean="0"/>
+              <a:rPr lang="en-US"/>
               <a:t>Click to edit Master title style</a:t>
             </a:r>
-            <a:endParaRPr lang="en-US"/>
           </a:p>
         </p:txBody>
       </p:sp>
@@ -759,38 +771,37 @@
           <a:p>
             <a:pPr lvl="0"/>
             <a:r>
-              <a:rPr lang="en-US" smtClean="0"/>
+              <a:rPr lang="en-US"/>
               <a:t>Click to edit Master text styles</a:t>
             </a:r>
           </a:p>
           <a:p>
             <a:pPr lvl="1"/>
             <a:r>
-              <a:rPr lang="en-US" smtClean="0"/>
+              <a:rPr lang="en-US"/>
               <a:t>Second level</a:t>
             </a:r>
           </a:p>
           <a:p>
             <a:pPr lvl="2"/>
             <a:r>
-              <a:rPr lang="en-US" smtClean="0"/>
+              <a:rPr lang="en-US"/>
               <a:t>Third level</a:t>
             </a:r>
           </a:p>
           <a:p>
             <a:pPr lvl="3"/>
             <a:r>
-              <a:rPr lang="en-US" smtClean="0"/>
+              <a:rPr lang="en-US"/>
               <a:t>Fourth level</a:t>
             </a:r>
           </a:p>
           <a:p>
             <a:pPr lvl="4"/>
             <a:r>
-              <a:rPr lang="en-US" smtClean="0"/>
+              <a:rPr lang="en-US"/>
               <a:t>Fifth level</a:t>
             </a:r>
-            <a:endParaRPr lang="en-US"/>
           </a:p>
         </p:txBody>
       </p:sp>
@@ -811,7 +822,7 @@
           <a:p>
             <a:fld id="{78C97017-6FC3-485B-9764-EAC9E56C1D49}" type="datetimeFigureOut">
               <a:rPr lang="en-US" smtClean="0"/>
-              <a:t>10/16/2016</a:t>
+              <a:t>11/11/2018</a:t>
             </a:fld>
             <a:endParaRPr lang="en-US"/>
           </a:p>
@@ -910,10 +921,9 @@
           <a:lstStyle/>
           <a:p>
             <a:r>
-              <a:rPr lang="en-US" smtClean="0"/>
+              <a:rPr lang="en-US"/>
               <a:t>Click to edit Master title style</a:t>
             </a:r>
-            <a:endParaRPr lang="en-US"/>
           </a:p>
         </p:txBody>
       </p:sp>
@@ -939,38 +949,37 @@
           <a:p>
             <a:pPr lvl="0"/>
             <a:r>
-              <a:rPr lang="en-US" smtClean="0"/>
+              <a:rPr lang="en-US"/>
               <a:t>Click to edit Master text styles</a:t>
             </a:r>
           </a:p>
           <a:p>
             <a:pPr lvl="1"/>
             <a:r>
-              <a:rPr lang="en-US" smtClean="0"/>
+              <a:rPr lang="en-US"/>
               <a:t>Second level</a:t>
             </a:r>
           </a:p>
           <a:p>
             <a:pPr lvl="2"/>
             <a:r>
-              <a:rPr lang="en-US" smtClean="0"/>
+              <a:rPr lang="en-US"/>
               <a:t>Third level</a:t>
             </a:r>
           </a:p>
           <a:p>
             <a:pPr lvl="3"/>
             <a:r>
-              <a:rPr lang="en-US" smtClean="0"/>
+              <a:rPr lang="en-US"/>
               <a:t>Fourth level</a:t>
             </a:r>
           </a:p>
           <a:p>
             <a:pPr lvl="4"/>
             <a:r>
-              <a:rPr lang="en-US" smtClean="0"/>
+              <a:rPr lang="en-US"/>
               <a:t>Fifth level</a:t>
             </a:r>
-            <a:endParaRPr lang="en-US"/>
           </a:p>
         </p:txBody>
       </p:sp>
@@ -991,7 +1000,7 @@
           <a:p>
             <a:fld id="{78C97017-6FC3-485B-9764-EAC9E56C1D49}" type="datetimeFigureOut">
               <a:rPr lang="en-US" smtClean="0"/>
-              <a:t>10/16/2016</a:t>
+              <a:t>11/11/2018</a:t>
             </a:fld>
             <a:endParaRPr lang="en-US"/>
           </a:p>
@@ -1085,10 +1094,9 @@
           <a:lstStyle/>
           <a:p>
             <a:r>
-              <a:rPr lang="en-US" smtClean="0"/>
+              <a:rPr lang="en-US"/>
               <a:t>Click to edit Master title style</a:t>
             </a:r>
-            <a:endParaRPr lang="en-US"/>
           </a:p>
         </p:txBody>
       </p:sp>
@@ -1109,38 +1117,37 @@
           <a:p>
             <a:pPr lvl="0"/>
             <a:r>
-              <a:rPr lang="en-US" smtClean="0"/>
+              <a:rPr lang="en-US"/>
               <a:t>Click to edit Master text styles</a:t>
             </a:r>
           </a:p>
           <a:p>
             <a:pPr lvl="1"/>
             <a:r>
-              <a:rPr lang="en-US" smtClean="0"/>
+              <a:rPr lang="en-US"/>
               <a:t>Second level</a:t>
             </a:r>
           </a:p>
           <a:p>
             <a:pPr lvl="2"/>
             <a:r>
-              <a:rPr lang="en-US" smtClean="0"/>
+              <a:rPr lang="en-US"/>
               <a:t>Third level</a:t>
             </a:r>
           </a:p>
           <a:p>
             <a:pPr lvl="3"/>
             <a:r>
-              <a:rPr lang="en-US" smtClean="0"/>
+              <a:rPr lang="en-US"/>
               <a:t>Fourth level</a:t>
             </a:r>
           </a:p>
           <a:p>
             <a:pPr lvl="4"/>
             <a:r>
-              <a:rPr lang="en-US" smtClean="0"/>
+              <a:rPr lang="en-US"/>
               <a:t>Fifth level</a:t>
             </a:r>
-            <a:endParaRPr lang="en-US"/>
           </a:p>
         </p:txBody>
       </p:sp>
@@ -1161,7 +1168,7 @@
           <a:p>
             <a:fld id="{78C97017-6FC3-485B-9764-EAC9E56C1D49}" type="datetimeFigureOut">
               <a:rPr lang="en-US" smtClean="0"/>
-              <a:t>10/16/2016</a:t>
+              <a:t>11/11/2018</a:t>
             </a:fld>
             <a:endParaRPr lang="en-US"/>
           </a:p>
@@ -1264,10 +1271,9 @@
           </a:lstStyle>
           <a:p>
             <a:r>
-              <a:rPr lang="en-US" smtClean="0"/>
+              <a:rPr lang="en-US"/>
               <a:t>Click to edit Master title style</a:t>
             </a:r>
-            <a:endParaRPr lang="en-US"/>
           </a:p>
         </p:txBody>
       </p:sp>
@@ -1384,7 +1390,7 @@
           <a:p>
             <a:pPr lvl="0"/>
             <a:r>
-              <a:rPr lang="en-US" smtClean="0"/>
+              <a:rPr lang="en-US"/>
               <a:t>Click to edit Master text styles</a:t>
             </a:r>
           </a:p>
@@ -1407,7 +1413,7 @@
           <a:p>
             <a:fld id="{78C97017-6FC3-485B-9764-EAC9E56C1D49}" type="datetimeFigureOut">
               <a:rPr lang="en-US" smtClean="0"/>
-              <a:t>10/16/2016</a:t>
+              <a:t>11/11/2018</a:t>
             </a:fld>
             <a:endParaRPr lang="en-US"/>
           </a:p>
@@ -1501,10 +1507,9 @@
           <a:lstStyle/>
           <a:p>
             <a:r>
-              <a:rPr lang="en-US" smtClean="0"/>
+              <a:rPr lang="en-US"/>
               <a:t>Click to edit Master title style</a:t>
             </a:r>
-            <a:endParaRPr lang="en-US"/>
           </a:p>
         </p:txBody>
       </p:sp>
@@ -1558,38 +1563,37 @@
           <a:p>
             <a:pPr lvl="0"/>
             <a:r>
-              <a:rPr lang="en-US" smtClean="0"/>
+              <a:rPr lang="en-US"/>
               <a:t>Click to edit Master text styles</a:t>
             </a:r>
           </a:p>
           <a:p>
             <a:pPr lvl="1"/>
             <a:r>
-              <a:rPr lang="en-US" smtClean="0"/>
+              <a:rPr lang="en-US"/>
               <a:t>Second level</a:t>
             </a:r>
           </a:p>
           <a:p>
             <a:pPr lvl="2"/>
             <a:r>
-              <a:rPr lang="en-US" smtClean="0"/>
+              <a:rPr lang="en-US"/>
               <a:t>Third level</a:t>
             </a:r>
           </a:p>
           <a:p>
             <a:pPr lvl="3"/>
             <a:r>
-              <a:rPr lang="en-US" smtClean="0"/>
+              <a:rPr lang="en-US"/>
               <a:t>Fourth level</a:t>
             </a:r>
           </a:p>
           <a:p>
             <a:pPr lvl="4"/>
             <a:r>
-              <a:rPr lang="en-US" smtClean="0"/>
+              <a:rPr lang="en-US"/>
               <a:t>Fifth level</a:t>
             </a:r>
-            <a:endParaRPr lang="en-US"/>
           </a:p>
         </p:txBody>
       </p:sp>
@@ -1643,38 +1647,37 @@
           <a:p>
             <a:pPr lvl="0"/>
             <a:r>
-              <a:rPr lang="en-US" smtClean="0"/>
+              <a:rPr lang="en-US"/>
               <a:t>Click to edit Master text styles</a:t>
             </a:r>
           </a:p>
           <a:p>
             <a:pPr lvl="1"/>
             <a:r>
-              <a:rPr lang="en-US" smtClean="0"/>
+              <a:rPr lang="en-US"/>
               <a:t>Second level</a:t>
             </a:r>
           </a:p>
           <a:p>
             <a:pPr lvl="2"/>
             <a:r>
-              <a:rPr lang="en-US" smtClean="0"/>
+              <a:rPr lang="en-US"/>
               <a:t>Third level</a:t>
             </a:r>
           </a:p>
           <a:p>
             <a:pPr lvl="3"/>
             <a:r>
-              <a:rPr lang="en-US" smtClean="0"/>
+              <a:rPr lang="en-US"/>
               <a:t>Fourth level</a:t>
             </a:r>
           </a:p>
           <a:p>
             <a:pPr lvl="4"/>
             <a:r>
-              <a:rPr lang="en-US" smtClean="0"/>
+              <a:rPr lang="en-US"/>
               <a:t>Fifth level</a:t>
             </a:r>
-            <a:endParaRPr lang="en-US"/>
           </a:p>
         </p:txBody>
       </p:sp>
@@ -1695,7 +1698,7 @@
           <a:p>
             <a:fld id="{78C97017-6FC3-485B-9764-EAC9E56C1D49}" type="datetimeFigureOut">
               <a:rPr lang="en-US" smtClean="0"/>
-              <a:t>10/16/2016</a:t>
+              <a:t>11/11/2018</a:t>
             </a:fld>
             <a:endParaRPr lang="en-US"/>
           </a:p>
@@ -1793,10 +1796,9 @@
           </a:lstStyle>
           <a:p>
             <a:r>
-              <a:rPr lang="en-US" smtClean="0"/>
+              <a:rPr lang="en-US"/>
               <a:t>Click to edit Master title style</a:t>
             </a:r>
-            <a:endParaRPr lang="en-US"/>
           </a:p>
         </p:txBody>
       </p:sp>
@@ -1859,7 +1861,7 @@
           <a:p>
             <a:pPr lvl="0"/>
             <a:r>
-              <a:rPr lang="en-US" smtClean="0"/>
+              <a:rPr lang="en-US"/>
               <a:t>Click to edit Master text styles</a:t>
             </a:r>
           </a:p>
@@ -1915,38 +1917,37 @@
           <a:p>
             <a:pPr lvl="0"/>
             <a:r>
-              <a:rPr lang="en-US" smtClean="0"/>
+              <a:rPr lang="en-US"/>
               <a:t>Click to edit Master text styles</a:t>
             </a:r>
           </a:p>
           <a:p>
             <a:pPr lvl="1"/>
             <a:r>
-              <a:rPr lang="en-US" smtClean="0"/>
+              <a:rPr lang="en-US"/>
               <a:t>Second level</a:t>
             </a:r>
           </a:p>
           <a:p>
             <a:pPr lvl="2"/>
             <a:r>
-              <a:rPr lang="en-US" smtClean="0"/>
+              <a:rPr lang="en-US"/>
               <a:t>Third level</a:t>
             </a:r>
           </a:p>
           <a:p>
             <a:pPr lvl="3"/>
             <a:r>
-              <a:rPr lang="en-US" smtClean="0"/>
+              <a:rPr lang="en-US"/>
               <a:t>Fourth level</a:t>
             </a:r>
           </a:p>
           <a:p>
             <a:pPr lvl="4"/>
             <a:r>
-              <a:rPr lang="en-US" smtClean="0"/>
+              <a:rPr lang="en-US"/>
               <a:t>Fifth level</a:t>
             </a:r>
-            <a:endParaRPr lang="en-US"/>
           </a:p>
         </p:txBody>
       </p:sp>
@@ -2009,7 +2010,7 @@
           <a:p>
             <a:pPr lvl="0"/>
             <a:r>
-              <a:rPr lang="en-US" smtClean="0"/>
+              <a:rPr lang="en-US"/>
               <a:t>Click to edit Master text styles</a:t>
             </a:r>
           </a:p>
@@ -2065,38 +2066,37 @@
           <a:p>
             <a:pPr lvl="0"/>
             <a:r>
-              <a:rPr lang="en-US" smtClean="0"/>
+              <a:rPr lang="en-US"/>
               <a:t>Click to edit Master text styles</a:t>
             </a:r>
           </a:p>
           <a:p>
             <a:pPr lvl="1"/>
             <a:r>
-              <a:rPr lang="en-US" smtClean="0"/>
+              <a:rPr lang="en-US"/>
               <a:t>Second level</a:t>
             </a:r>
           </a:p>
           <a:p>
             <a:pPr lvl="2"/>
             <a:r>
-              <a:rPr lang="en-US" smtClean="0"/>
+              <a:rPr lang="en-US"/>
               <a:t>Third level</a:t>
             </a:r>
           </a:p>
           <a:p>
             <a:pPr lvl="3"/>
             <a:r>
-              <a:rPr lang="en-US" smtClean="0"/>
+              <a:rPr lang="en-US"/>
               <a:t>Fourth level</a:t>
             </a:r>
           </a:p>
           <a:p>
             <a:pPr lvl="4"/>
             <a:r>
-              <a:rPr lang="en-US" smtClean="0"/>
+              <a:rPr lang="en-US"/>
               <a:t>Fifth level</a:t>
             </a:r>
-            <a:endParaRPr lang="en-US"/>
           </a:p>
         </p:txBody>
       </p:sp>
@@ -2117,7 +2117,7 @@
           <a:p>
             <a:fld id="{78C97017-6FC3-485B-9764-EAC9E56C1D49}" type="datetimeFigureOut">
               <a:rPr lang="en-US" smtClean="0"/>
-              <a:t>10/16/2016</a:t>
+              <a:t>11/11/2018</a:t>
             </a:fld>
             <a:endParaRPr lang="en-US"/>
           </a:p>
@@ -2211,10 +2211,9 @@
           <a:lstStyle/>
           <a:p>
             <a:r>
-              <a:rPr lang="en-US" smtClean="0"/>
+              <a:rPr lang="en-US"/>
               <a:t>Click to edit Master title style</a:t>
             </a:r>
-            <a:endParaRPr lang="en-US"/>
           </a:p>
         </p:txBody>
       </p:sp>
@@ -2235,7 +2234,7 @@
           <a:p>
             <a:fld id="{78C97017-6FC3-485B-9764-EAC9E56C1D49}" type="datetimeFigureOut">
               <a:rPr lang="en-US" smtClean="0"/>
-              <a:t>10/16/2016</a:t>
+              <a:t>11/11/2018</a:t>
             </a:fld>
             <a:endParaRPr lang="en-US"/>
           </a:p>
@@ -2330,7 +2329,7 @@
           <a:p>
             <a:fld id="{78C97017-6FC3-485B-9764-EAC9E56C1D49}" type="datetimeFigureOut">
               <a:rPr lang="en-US" smtClean="0"/>
-              <a:t>10/16/2016</a:t>
+              <a:t>11/11/2018</a:t>
             </a:fld>
             <a:endParaRPr lang="en-US"/>
           </a:p>
@@ -2433,10 +2432,9 @@
           </a:lstStyle>
           <a:p>
             <a:r>
-              <a:rPr lang="en-US" smtClean="0"/>
+              <a:rPr lang="en-US"/>
               <a:t>Click to edit Master title style</a:t>
             </a:r>
-            <a:endParaRPr lang="en-US"/>
           </a:p>
         </p:txBody>
       </p:sp>
@@ -2490,38 +2488,37 @@
           <a:p>
             <a:pPr lvl="0"/>
             <a:r>
-              <a:rPr lang="en-US" smtClean="0"/>
+              <a:rPr lang="en-US"/>
               <a:t>Click to edit Master text styles</a:t>
             </a:r>
           </a:p>
           <a:p>
             <a:pPr lvl="1"/>
             <a:r>
-              <a:rPr lang="en-US" smtClean="0"/>
+              <a:rPr lang="en-US"/>
               <a:t>Second level</a:t>
             </a:r>
           </a:p>
           <a:p>
             <a:pPr lvl="2"/>
             <a:r>
-              <a:rPr lang="en-US" smtClean="0"/>
+              <a:rPr lang="en-US"/>
               <a:t>Third level</a:t>
             </a:r>
           </a:p>
           <a:p>
             <a:pPr lvl="3"/>
             <a:r>
-              <a:rPr lang="en-US" smtClean="0"/>
+              <a:rPr lang="en-US"/>
               <a:t>Fourth level</a:t>
             </a:r>
           </a:p>
           <a:p>
             <a:pPr lvl="4"/>
             <a:r>
-              <a:rPr lang="en-US" smtClean="0"/>
+              <a:rPr lang="en-US"/>
               <a:t>Fifth level</a:t>
             </a:r>
-            <a:endParaRPr lang="en-US"/>
           </a:p>
         </p:txBody>
       </p:sp>
@@ -2584,7 +2581,7 @@
           <a:p>
             <a:pPr lvl="0"/>
             <a:r>
-              <a:rPr lang="en-US" smtClean="0"/>
+              <a:rPr lang="en-US"/>
               <a:t>Click to edit Master text styles</a:t>
             </a:r>
           </a:p>
@@ -2607,7 +2604,7 @@
           <a:p>
             <a:fld id="{78C97017-6FC3-485B-9764-EAC9E56C1D49}" type="datetimeFigureOut">
               <a:rPr lang="en-US" smtClean="0"/>
-              <a:t>10/16/2016</a:t>
+              <a:t>11/11/2018</a:t>
             </a:fld>
             <a:endParaRPr lang="en-US"/>
           </a:p>
@@ -2710,10 +2707,9 @@
           </a:lstStyle>
           <a:p>
             <a:r>
-              <a:rPr lang="en-US" smtClean="0"/>
+              <a:rPr lang="en-US"/>
               <a:t>Click to edit Master title style</a:t>
             </a:r>
-            <a:endParaRPr lang="en-US"/>
           </a:p>
         </p:txBody>
       </p:sp>
@@ -2837,7 +2833,7 @@
           <a:p>
             <a:pPr lvl="0"/>
             <a:r>
-              <a:rPr lang="en-US" smtClean="0"/>
+              <a:rPr lang="en-US"/>
               <a:t>Click to edit Master text styles</a:t>
             </a:r>
           </a:p>
@@ -2860,7 +2856,7 @@
           <a:p>
             <a:fld id="{78C97017-6FC3-485B-9764-EAC9E56C1D49}" type="datetimeFigureOut">
               <a:rPr lang="en-US" smtClean="0"/>
-              <a:t>10/16/2016</a:t>
+              <a:t>11/11/2018</a:t>
             </a:fld>
             <a:endParaRPr lang="en-US"/>
           </a:p>
@@ -2969,10 +2965,9 @@
           <a:lstStyle/>
           <a:p>
             <a:r>
-              <a:rPr lang="en-US" smtClean="0"/>
+              <a:rPr lang="en-US"/>
               <a:t>Click to edit Master title style</a:t>
             </a:r>
-            <a:endParaRPr lang="en-US"/>
           </a:p>
         </p:txBody>
       </p:sp>
@@ -3003,38 +2998,37 @@
           <a:p>
             <a:pPr lvl="0"/>
             <a:r>
-              <a:rPr lang="en-US" smtClean="0"/>
+              <a:rPr lang="en-US"/>
               <a:t>Click to edit Master text styles</a:t>
             </a:r>
           </a:p>
           <a:p>
             <a:pPr lvl="1"/>
             <a:r>
-              <a:rPr lang="en-US" smtClean="0"/>
+              <a:rPr lang="en-US"/>
               <a:t>Second level</a:t>
             </a:r>
           </a:p>
           <a:p>
             <a:pPr lvl="2"/>
             <a:r>
-              <a:rPr lang="en-US" smtClean="0"/>
+              <a:rPr lang="en-US"/>
               <a:t>Third level</a:t>
             </a:r>
           </a:p>
           <a:p>
             <a:pPr lvl="3"/>
             <a:r>
-              <a:rPr lang="en-US" smtClean="0"/>
+              <a:rPr lang="en-US"/>
               <a:t>Fourth level</a:t>
             </a:r>
           </a:p>
           <a:p>
             <a:pPr lvl="4"/>
             <a:r>
-              <a:rPr lang="en-US" smtClean="0"/>
+              <a:rPr lang="en-US"/>
               <a:t>Fifth level</a:t>
             </a:r>
-            <a:endParaRPr lang="en-US"/>
           </a:p>
         </p:txBody>
       </p:sp>
@@ -3073,7 +3067,7 @@
           <a:p>
             <a:fld id="{78C97017-6FC3-485B-9764-EAC9E56C1D49}" type="datetimeFigureOut">
               <a:rPr lang="en-US" smtClean="0"/>
-              <a:t>10/16/2016</a:t>
+              <a:t>11/11/2018</a:t>
             </a:fld>
             <a:endParaRPr lang="en-US"/>
           </a:p>
@@ -3494,7 +3488,7 @@
           <a:lstStyle/>
           <a:p>
             <a:r>
-              <a:rPr lang="en-US" sz="1200" b="1" dirty="0" smtClean="0">
+              <a:rPr lang="en-US" sz="1200" b="1" dirty="0">
                 <a:solidFill>
                   <a:schemeClr val="accent6">
                     <a:lumMod val="75000"/>
@@ -3561,7 +3555,7 @@
           <a:p>
             <a:pPr algn="ctr"/>
             <a:r>
-              <a:rPr lang="en-US" sz="1050" dirty="0" smtClean="0">
+              <a:rPr lang="en-US" sz="1000" dirty="0">
                 <a:solidFill>
                   <a:schemeClr val="bg1"/>
                 </a:solidFill>
@@ -3569,21 +3563,21 @@
               <a:t>&lt;&lt;interface&gt;&gt;</a:t>
             </a:r>
             <a:br>
-              <a:rPr lang="en-US" sz="1050" dirty="0" smtClean="0">
+              <a:rPr lang="en-US" sz="1000" dirty="0">
                 <a:solidFill>
                   <a:schemeClr val="bg1"/>
                 </a:solidFill>
               </a:rPr>
             </a:br>
             <a:r>
-              <a:rPr lang="en-US" sz="1050" dirty="0" err="1" smtClean="0">
+              <a:rPr lang="en-US" sz="1000" dirty="0" err="1">
                 <a:solidFill>
                   <a:schemeClr val="bg1"/>
                 </a:solidFill>
               </a:rPr>
-              <a:t>AddressBookStorage</a:t>
-            </a:r>
-            <a:endParaRPr lang="en-SG" sz="1050" dirty="0">
+              <a:t>CarparkFinderStorage</a:t>
+            </a:r>
+            <a:endParaRPr lang="en-SG" sz="1000" dirty="0">
               <a:solidFill>
                 <a:schemeClr val="bg1"/>
               </a:solidFill>
@@ -3639,7 +3633,7 @@
           <a:p>
             <a:pPr algn="ctr"/>
             <a:r>
-              <a:rPr lang="en-US" sz="1050" dirty="0" err="1" smtClean="0">
+              <a:rPr lang="en-US" sz="1050" dirty="0" err="1">
                 <a:solidFill>
                   <a:schemeClr val="bg1"/>
                 </a:solidFill>
@@ -3713,7 +3707,7 @@
           <a:p>
             <a:pPr algn="ctr"/>
             <a:r>
-              <a:rPr lang="en-US" sz="1050" dirty="0" smtClean="0">
+              <a:rPr lang="en-US" sz="1050" dirty="0">
                 <a:solidFill>
                   <a:schemeClr val="bg1"/>
                 </a:solidFill>
@@ -4147,27 +4141,17 @@
           <a:p>
             <a:pPr algn="ctr"/>
             <a:r>
-              <a:rPr lang="en-US" sz="1050" b="1" dirty="0" err="1" smtClean="0">
+              <a:rPr lang="en-US" sz="1000" b="1" dirty="0" err="1">
                 <a:solidFill>
                   <a:schemeClr val="accent6">
                     <a:lumMod val="75000"/>
                   </a:schemeClr>
                 </a:solidFill>
               </a:rPr>
-              <a:t>XmlAddressBook</a:t>
-            </a:r>
-            <a:r>
-              <a:rPr lang="en-US" sz="1050" b="1" dirty="0" smtClean="0">
-                <a:solidFill>
-                  <a:schemeClr val="accent6">
-                    <a:lumMod val="75000"/>
-                  </a:schemeClr>
-                </a:solidFill>
-              </a:rPr>
-              <a:t/>
+              <a:t>XmlCarparkFinder</a:t>
             </a:r>
             <a:br>
-              <a:rPr lang="en-US" sz="1050" b="1" dirty="0" smtClean="0">
+              <a:rPr lang="en-US" sz="1000" b="1" dirty="0">
                 <a:solidFill>
                   <a:schemeClr val="accent6">
                     <a:lumMod val="75000"/>
@@ -4176,7 +4160,7 @@
               </a:rPr>
             </a:br>
             <a:r>
-              <a:rPr lang="en-US" sz="1050" b="1" dirty="0" smtClean="0">
+              <a:rPr lang="en-US" sz="1000" b="1" dirty="0">
                 <a:solidFill>
                   <a:schemeClr val="accent6">
                     <a:lumMod val="75000"/>
@@ -4185,7 +4169,7 @@
               </a:rPr>
               <a:t>Storage</a:t>
             </a:r>
-            <a:endParaRPr lang="en-SG" sz="1050" b="1" dirty="0">
+            <a:endParaRPr lang="en-SG" sz="1000" b="1" dirty="0">
               <a:solidFill>
                 <a:schemeClr val="accent6">
                   <a:lumMod val="75000"/>
@@ -4243,7 +4227,7 @@
           <a:p>
             <a:pPr algn="ctr"/>
             <a:r>
-              <a:rPr lang="en-US" sz="1050" dirty="0" smtClean="0">
+              <a:rPr lang="en-US" sz="1050" dirty="0">
                 <a:solidFill>
                   <a:schemeClr val="bg1"/>
                 </a:solidFill>
@@ -4251,14 +4235,14 @@
               <a:t>&lt;&lt;interface&gt;&gt;</a:t>
             </a:r>
             <a:br>
-              <a:rPr lang="en-US" sz="1050" dirty="0" smtClean="0">
+              <a:rPr lang="en-US" sz="1050" dirty="0">
                 <a:solidFill>
                   <a:schemeClr val="bg1"/>
                 </a:solidFill>
               </a:rPr>
             </a:br>
             <a:r>
-              <a:rPr lang="en-US" sz="1050" dirty="0" err="1" smtClean="0">
+              <a:rPr lang="en-US" sz="1050" dirty="0" err="1">
                 <a:solidFill>
                   <a:schemeClr val="bg1"/>
                 </a:solidFill>
@@ -4516,30 +4500,22 @@
           <a:p>
             <a:pPr algn="ctr"/>
             <a:r>
-              <a:rPr lang="en-US" sz="1050" dirty="0" err="1" smtClean="0">
+              <a:rPr lang="en-US" sz="1050" dirty="0" err="1">
                 <a:solidFill>
                   <a:schemeClr val="bg1"/>
                 </a:solidFill>
               </a:rPr>
               <a:t>JsonUserPrefs</a:t>
             </a:r>
-            <a:r>
-              <a:rPr lang="en-US" sz="1050" dirty="0" smtClean="0">
-                <a:solidFill>
-                  <a:schemeClr val="bg1"/>
-                </a:solidFill>
-              </a:rPr>
-              <a:t/>
-            </a:r>
             <a:br>
-              <a:rPr lang="en-US" sz="1050" dirty="0" smtClean="0">
+              <a:rPr lang="en-US" sz="1050" dirty="0">
                 <a:solidFill>
                   <a:schemeClr val="bg1"/>
                 </a:solidFill>
               </a:rPr>
             </a:br>
             <a:r>
-              <a:rPr lang="en-US" sz="1050" dirty="0" smtClean="0">
+              <a:rPr lang="en-US" sz="1050" dirty="0">
                 <a:solidFill>
                   <a:schemeClr val="bg1"/>
                 </a:solidFill>
@@ -4591,7 +4567,7 @@
           <a:p>
             <a:pPr algn="ctr"/>
             <a:r>
-              <a:rPr lang="en-US" sz="1050" b="1" dirty="0" err="1" smtClean="0">
+              <a:rPr lang="en-US" sz="1050" b="1" dirty="0" err="1">
                 <a:solidFill>
                   <a:schemeClr val="accent6">
                     <a:lumMod val="75000"/>
@@ -4600,18 +4576,8 @@
               </a:rPr>
               <a:t>XmlSerializable</a:t>
             </a:r>
-            <a:r>
-              <a:rPr lang="en-US" sz="1050" b="1" dirty="0" smtClean="0">
-                <a:solidFill>
-                  <a:schemeClr val="accent6">
-                    <a:lumMod val="75000"/>
-                  </a:schemeClr>
-                </a:solidFill>
-              </a:rPr>
-              <a:t/>
-            </a:r>
             <a:br>
-              <a:rPr lang="en-US" sz="1050" b="1" dirty="0" smtClean="0">
+              <a:rPr lang="en-US" sz="1050" b="1" dirty="0">
                 <a:solidFill>
                   <a:schemeClr val="accent6">
                     <a:lumMod val="75000"/>
@@ -4620,14 +4586,14 @@
               </a:rPr>
             </a:br>
             <a:r>
-              <a:rPr lang="en-US" sz="1050" b="1" dirty="0" err="1" smtClean="0">
+              <a:rPr lang="en-US" sz="1050" b="1" dirty="0" err="1">
                 <a:solidFill>
                   <a:schemeClr val="accent6">
                     <a:lumMod val="75000"/>
                   </a:schemeClr>
                 </a:solidFill>
               </a:rPr>
-              <a:t>AddressBook</a:t>
+              <a:t>CarparkFinder</a:t>
             </a:r>
             <a:endParaRPr lang="en-SG" sz="1050" b="1" dirty="0">
               <a:solidFill>
@@ -4717,7 +4683,7 @@
           <a:p>
             <a:pPr algn="ctr"/>
             <a:r>
-              <a:rPr lang="en-US" sz="1050" b="1" dirty="0" err="1" smtClean="0">
+              <a:rPr lang="en-US" sz="1050" b="1" dirty="0" err="1">
                 <a:solidFill>
                   <a:schemeClr val="accent6">
                     <a:lumMod val="75000"/>
@@ -4773,16 +4739,16 @@
           <a:p>
             <a:pPr algn="ctr"/>
             <a:r>
-              <a:rPr lang="en-US" sz="1050" b="1" dirty="0" err="1" smtClean="0">
+              <a:rPr lang="en-US" sz="1000" b="1" dirty="0" err="1">
                 <a:solidFill>
                   <a:schemeClr val="accent6">
                     <a:lumMod val="75000"/>
                   </a:schemeClr>
                 </a:solidFill>
               </a:rPr>
-              <a:t>XmlAdaptedPerson</a:t>
-            </a:r>
-            <a:endParaRPr lang="en-SG" sz="1050" b="1" dirty="0">
+              <a:t>XmlAdaptedCarpark</a:t>
+            </a:r>
+            <a:endParaRPr lang="en-SG" sz="1000" b="1" dirty="0">
               <a:solidFill>
                 <a:schemeClr val="accent6">
                   <a:lumMod val="75000"/>
@@ -4843,13 +4809,6 @@
   <p:clrMapOvr>
     <a:masterClrMapping/>
   </p:clrMapOvr>
-  <p:timing>
-    <p:tnLst>
-      <p:par>
-        <p:cTn id="1" dur="indefinite" restart="never" nodeType="tmRoot"/>
-      </p:par>
-    </p:tnLst>
-  </p:timing>
 </p:sld>
 </file>
 

--- a/docs/diagrams/StorageComponentClassDiagram.pptx
+++ b/docs/diagrams/StorageComponentClassDiagram.pptx
@@ -107,6 +107,22 @@
       </a:defRPr>
     </a:lvl9pPr>
   </p:defaultTextStyle>
+  <p:extLst>
+    <p:ext uri="{EFAFB233-063F-42B5-8137-9DF3F51BA10A}">
+      <p15:sldGuideLst xmlns:p15="http://schemas.microsoft.com/office/powerpoint/2012/main">
+        <p15:guide id="1" orient="horz" pos="1488">
+          <p15:clr>
+            <a:srgbClr val="A4A3A4"/>
+          </p15:clr>
+        </p15:guide>
+        <p15:guide id="2" pos="2880">
+          <p15:clr>
+            <a:srgbClr val="A4A3A4"/>
+          </p15:clr>
+        </p15:guide>
+      </p15:sldGuideLst>
+    </p:ext>
+  </p:extLst>
 </p:presentation>
 </file>
 
@@ -192,7 +208,7 @@
           <a:p>
             <a:fld id="{F5CC4B3F-88C1-4FFA-B1B6-F41C21DC6924}" type="datetimeFigureOut">
               <a:rPr lang="en-US" smtClean="0"/>
-              <a:t>10/16/2016</a:t>
+              <a:t>11/12/2018</a:t>
             </a:fld>
             <a:endParaRPr lang="en-US"/>
           </a:p>
@@ -256,38 +272,37 @@
           <a:p>
             <a:pPr lvl="0"/>
             <a:r>
-              <a:rPr lang="en-US" smtClean="0"/>
+              <a:rPr lang="en-US"/>
               <a:t>Click to edit Master text styles</a:t>
             </a:r>
           </a:p>
           <a:p>
             <a:pPr lvl="1"/>
             <a:r>
-              <a:rPr lang="en-US" smtClean="0"/>
+              <a:rPr lang="en-US"/>
               <a:t>Second level</a:t>
             </a:r>
           </a:p>
           <a:p>
             <a:pPr lvl="2"/>
             <a:r>
-              <a:rPr lang="en-US" smtClean="0"/>
+              <a:rPr lang="en-US"/>
               <a:t>Third level</a:t>
             </a:r>
           </a:p>
           <a:p>
             <a:pPr lvl="3"/>
             <a:r>
-              <a:rPr lang="en-US" smtClean="0"/>
+              <a:rPr lang="en-US"/>
               <a:t>Fourth level</a:t>
             </a:r>
           </a:p>
           <a:p>
             <a:pPr lvl="4"/>
             <a:r>
-              <a:rPr lang="en-US" smtClean="0"/>
+              <a:rPr lang="en-US"/>
               <a:t>Fifth level</a:t>
             </a:r>
-            <a:endParaRPr lang="en-US"/>
           </a:p>
         </p:txBody>
       </p:sp>
@@ -498,10 +513,9 @@
           <a:lstStyle/>
           <a:p>
             <a:r>
-              <a:rPr lang="en-US" smtClean="0"/>
+              <a:rPr lang="en-US"/>
               <a:t>Click to edit Master title style</a:t>
             </a:r>
-            <a:endParaRPr lang="en-US"/>
           </a:p>
         </p:txBody>
       </p:sp>
@@ -617,10 +631,9 @@
           </a:lstStyle>
           <a:p>
             <a:r>
-              <a:rPr lang="en-US" smtClean="0"/>
+              <a:rPr lang="en-US"/>
               <a:t>Click to edit Master subtitle style</a:t>
             </a:r>
-            <a:endParaRPr lang="en-US"/>
           </a:p>
         </p:txBody>
       </p:sp>
@@ -641,7 +654,7 @@
           <a:p>
             <a:fld id="{78C97017-6FC3-485B-9764-EAC9E56C1D49}" type="datetimeFigureOut">
               <a:rPr lang="en-US" smtClean="0"/>
-              <a:t>10/16/2016</a:t>
+              <a:t>11/12/2018</a:t>
             </a:fld>
             <a:endParaRPr lang="en-US"/>
           </a:p>
@@ -735,10 +748,9 @@
           <a:lstStyle/>
           <a:p>
             <a:r>
-              <a:rPr lang="en-US" smtClean="0"/>
+              <a:rPr lang="en-US"/>
               <a:t>Click to edit Master title style</a:t>
             </a:r>
-            <a:endParaRPr lang="en-US"/>
           </a:p>
         </p:txBody>
       </p:sp>
@@ -759,38 +771,37 @@
           <a:p>
             <a:pPr lvl="0"/>
             <a:r>
-              <a:rPr lang="en-US" smtClean="0"/>
+              <a:rPr lang="en-US"/>
               <a:t>Click to edit Master text styles</a:t>
             </a:r>
           </a:p>
           <a:p>
             <a:pPr lvl="1"/>
             <a:r>
-              <a:rPr lang="en-US" smtClean="0"/>
+              <a:rPr lang="en-US"/>
               <a:t>Second level</a:t>
             </a:r>
           </a:p>
           <a:p>
             <a:pPr lvl="2"/>
             <a:r>
-              <a:rPr lang="en-US" smtClean="0"/>
+              <a:rPr lang="en-US"/>
               <a:t>Third level</a:t>
             </a:r>
           </a:p>
           <a:p>
             <a:pPr lvl="3"/>
             <a:r>
-              <a:rPr lang="en-US" smtClean="0"/>
+              <a:rPr lang="en-US"/>
               <a:t>Fourth level</a:t>
             </a:r>
           </a:p>
           <a:p>
             <a:pPr lvl="4"/>
             <a:r>
-              <a:rPr lang="en-US" smtClean="0"/>
+              <a:rPr lang="en-US"/>
               <a:t>Fifth level</a:t>
             </a:r>
-            <a:endParaRPr lang="en-US"/>
           </a:p>
         </p:txBody>
       </p:sp>
@@ -811,7 +822,7 @@
           <a:p>
             <a:fld id="{78C97017-6FC3-485B-9764-EAC9E56C1D49}" type="datetimeFigureOut">
               <a:rPr lang="en-US" smtClean="0"/>
-              <a:t>10/16/2016</a:t>
+              <a:t>11/12/2018</a:t>
             </a:fld>
             <a:endParaRPr lang="en-US"/>
           </a:p>
@@ -910,10 +921,9 @@
           <a:lstStyle/>
           <a:p>
             <a:r>
-              <a:rPr lang="en-US" smtClean="0"/>
+              <a:rPr lang="en-US"/>
               <a:t>Click to edit Master title style</a:t>
             </a:r>
-            <a:endParaRPr lang="en-US"/>
           </a:p>
         </p:txBody>
       </p:sp>
@@ -939,38 +949,37 @@
           <a:p>
             <a:pPr lvl="0"/>
             <a:r>
-              <a:rPr lang="en-US" smtClean="0"/>
+              <a:rPr lang="en-US"/>
               <a:t>Click to edit Master text styles</a:t>
             </a:r>
           </a:p>
           <a:p>
             <a:pPr lvl="1"/>
             <a:r>
-              <a:rPr lang="en-US" smtClean="0"/>
+              <a:rPr lang="en-US"/>
               <a:t>Second level</a:t>
             </a:r>
           </a:p>
           <a:p>
             <a:pPr lvl="2"/>
             <a:r>
-              <a:rPr lang="en-US" smtClean="0"/>
+              <a:rPr lang="en-US"/>
               <a:t>Third level</a:t>
             </a:r>
           </a:p>
           <a:p>
             <a:pPr lvl="3"/>
             <a:r>
-              <a:rPr lang="en-US" smtClean="0"/>
+              <a:rPr lang="en-US"/>
               <a:t>Fourth level</a:t>
             </a:r>
           </a:p>
           <a:p>
             <a:pPr lvl="4"/>
             <a:r>
-              <a:rPr lang="en-US" smtClean="0"/>
+              <a:rPr lang="en-US"/>
               <a:t>Fifth level</a:t>
             </a:r>
-            <a:endParaRPr lang="en-US"/>
           </a:p>
         </p:txBody>
       </p:sp>
@@ -991,7 +1000,7 @@
           <a:p>
             <a:fld id="{78C97017-6FC3-485B-9764-EAC9E56C1D49}" type="datetimeFigureOut">
               <a:rPr lang="en-US" smtClean="0"/>
-              <a:t>10/16/2016</a:t>
+              <a:t>11/12/2018</a:t>
             </a:fld>
             <a:endParaRPr lang="en-US"/>
           </a:p>
@@ -1085,10 +1094,9 @@
           <a:lstStyle/>
           <a:p>
             <a:r>
-              <a:rPr lang="en-US" smtClean="0"/>
+              <a:rPr lang="en-US"/>
               <a:t>Click to edit Master title style</a:t>
             </a:r>
-            <a:endParaRPr lang="en-US"/>
           </a:p>
         </p:txBody>
       </p:sp>
@@ -1109,38 +1117,37 @@
           <a:p>
             <a:pPr lvl="0"/>
             <a:r>
-              <a:rPr lang="en-US" smtClean="0"/>
+              <a:rPr lang="en-US"/>
               <a:t>Click to edit Master text styles</a:t>
             </a:r>
           </a:p>
           <a:p>
             <a:pPr lvl="1"/>
             <a:r>
-              <a:rPr lang="en-US" smtClean="0"/>
+              <a:rPr lang="en-US"/>
               <a:t>Second level</a:t>
             </a:r>
           </a:p>
           <a:p>
             <a:pPr lvl="2"/>
             <a:r>
-              <a:rPr lang="en-US" smtClean="0"/>
+              <a:rPr lang="en-US"/>
               <a:t>Third level</a:t>
             </a:r>
           </a:p>
           <a:p>
             <a:pPr lvl="3"/>
             <a:r>
-              <a:rPr lang="en-US" smtClean="0"/>
+              <a:rPr lang="en-US"/>
               <a:t>Fourth level</a:t>
             </a:r>
           </a:p>
           <a:p>
             <a:pPr lvl="4"/>
             <a:r>
-              <a:rPr lang="en-US" smtClean="0"/>
+              <a:rPr lang="en-US"/>
               <a:t>Fifth level</a:t>
             </a:r>
-            <a:endParaRPr lang="en-US"/>
           </a:p>
         </p:txBody>
       </p:sp>
@@ -1161,7 +1168,7 @@
           <a:p>
             <a:fld id="{78C97017-6FC3-485B-9764-EAC9E56C1D49}" type="datetimeFigureOut">
               <a:rPr lang="en-US" smtClean="0"/>
-              <a:t>10/16/2016</a:t>
+              <a:t>11/12/2018</a:t>
             </a:fld>
             <a:endParaRPr lang="en-US"/>
           </a:p>
@@ -1264,10 +1271,9 @@
           </a:lstStyle>
           <a:p>
             <a:r>
-              <a:rPr lang="en-US" smtClean="0"/>
+              <a:rPr lang="en-US"/>
               <a:t>Click to edit Master title style</a:t>
             </a:r>
-            <a:endParaRPr lang="en-US"/>
           </a:p>
         </p:txBody>
       </p:sp>
@@ -1384,7 +1390,7 @@
           <a:p>
             <a:pPr lvl="0"/>
             <a:r>
-              <a:rPr lang="en-US" smtClean="0"/>
+              <a:rPr lang="en-US"/>
               <a:t>Click to edit Master text styles</a:t>
             </a:r>
           </a:p>
@@ -1407,7 +1413,7 @@
           <a:p>
             <a:fld id="{78C97017-6FC3-485B-9764-EAC9E56C1D49}" type="datetimeFigureOut">
               <a:rPr lang="en-US" smtClean="0"/>
-              <a:t>10/16/2016</a:t>
+              <a:t>11/12/2018</a:t>
             </a:fld>
             <a:endParaRPr lang="en-US"/>
           </a:p>
@@ -1501,10 +1507,9 @@
           <a:lstStyle/>
           <a:p>
             <a:r>
-              <a:rPr lang="en-US" smtClean="0"/>
+              <a:rPr lang="en-US"/>
               <a:t>Click to edit Master title style</a:t>
             </a:r>
-            <a:endParaRPr lang="en-US"/>
           </a:p>
         </p:txBody>
       </p:sp>
@@ -1558,38 +1563,37 @@
           <a:p>
             <a:pPr lvl="0"/>
             <a:r>
-              <a:rPr lang="en-US" smtClean="0"/>
+              <a:rPr lang="en-US"/>
               <a:t>Click to edit Master text styles</a:t>
             </a:r>
           </a:p>
           <a:p>
             <a:pPr lvl="1"/>
             <a:r>
-              <a:rPr lang="en-US" smtClean="0"/>
+              <a:rPr lang="en-US"/>
               <a:t>Second level</a:t>
             </a:r>
           </a:p>
           <a:p>
             <a:pPr lvl="2"/>
             <a:r>
-              <a:rPr lang="en-US" smtClean="0"/>
+              <a:rPr lang="en-US"/>
               <a:t>Third level</a:t>
             </a:r>
           </a:p>
           <a:p>
             <a:pPr lvl="3"/>
             <a:r>
-              <a:rPr lang="en-US" smtClean="0"/>
+              <a:rPr lang="en-US"/>
               <a:t>Fourth level</a:t>
             </a:r>
           </a:p>
           <a:p>
             <a:pPr lvl="4"/>
             <a:r>
-              <a:rPr lang="en-US" smtClean="0"/>
+              <a:rPr lang="en-US"/>
               <a:t>Fifth level</a:t>
             </a:r>
-            <a:endParaRPr lang="en-US"/>
           </a:p>
         </p:txBody>
       </p:sp>
@@ -1643,38 +1647,37 @@
           <a:p>
             <a:pPr lvl="0"/>
             <a:r>
-              <a:rPr lang="en-US" smtClean="0"/>
+              <a:rPr lang="en-US"/>
               <a:t>Click to edit Master text styles</a:t>
             </a:r>
           </a:p>
           <a:p>
             <a:pPr lvl="1"/>
             <a:r>
-              <a:rPr lang="en-US" smtClean="0"/>
+              <a:rPr lang="en-US"/>
               <a:t>Second level</a:t>
             </a:r>
           </a:p>
           <a:p>
             <a:pPr lvl="2"/>
             <a:r>
-              <a:rPr lang="en-US" smtClean="0"/>
+              <a:rPr lang="en-US"/>
               <a:t>Third level</a:t>
             </a:r>
           </a:p>
           <a:p>
             <a:pPr lvl="3"/>
             <a:r>
-              <a:rPr lang="en-US" smtClean="0"/>
+              <a:rPr lang="en-US"/>
               <a:t>Fourth level</a:t>
             </a:r>
           </a:p>
           <a:p>
             <a:pPr lvl="4"/>
             <a:r>
-              <a:rPr lang="en-US" smtClean="0"/>
+              <a:rPr lang="en-US"/>
               <a:t>Fifth level</a:t>
             </a:r>
-            <a:endParaRPr lang="en-US"/>
           </a:p>
         </p:txBody>
       </p:sp>
@@ -1695,7 +1698,7 @@
           <a:p>
             <a:fld id="{78C97017-6FC3-485B-9764-EAC9E56C1D49}" type="datetimeFigureOut">
               <a:rPr lang="en-US" smtClean="0"/>
-              <a:t>10/16/2016</a:t>
+              <a:t>11/12/2018</a:t>
             </a:fld>
             <a:endParaRPr lang="en-US"/>
           </a:p>
@@ -1793,10 +1796,9 @@
           </a:lstStyle>
           <a:p>
             <a:r>
-              <a:rPr lang="en-US" smtClean="0"/>
+              <a:rPr lang="en-US"/>
               <a:t>Click to edit Master title style</a:t>
             </a:r>
-            <a:endParaRPr lang="en-US"/>
           </a:p>
         </p:txBody>
       </p:sp>
@@ -1859,7 +1861,7 @@
           <a:p>
             <a:pPr lvl="0"/>
             <a:r>
-              <a:rPr lang="en-US" smtClean="0"/>
+              <a:rPr lang="en-US"/>
               <a:t>Click to edit Master text styles</a:t>
             </a:r>
           </a:p>
@@ -1915,38 +1917,37 @@
           <a:p>
             <a:pPr lvl="0"/>
             <a:r>
-              <a:rPr lang="en-US" smtClean="0"/>
+              <a:rPr lang="en-US"/>
               <a:t>Click to edit Master text styles</a:t>
             </a:r>
           </a:p>
           <a:p>
             <a:pPr lvl="1"/>
             <a:r>
-              <a:rPr lang="en-US" smtClean="0"/>
+              <a:rPr lang="en-US"/>
               <a:t>Second level</a:t>
             </a:r>
           </a:p>
           <a:p>
             <a:pPr lvl="2"/>
             <a:r>
-              <a:rPr lang="en-US" smtClean="0"/>
+              <a:rPr lang="en-US"/>
               <a:t>Third level</a:t>
             </a:r>
           </a:p>
           <a:p>
             <a:pPr lvl="3"/>
             <a:r>
-              <a:rPr lang="en-US" smtClean="0"/>
+              <a:rPr lang="en-US"/>
               <a:t>Fourth level</a:t>
             </a:r>
           </a:p>
           <a:p>
             <a:pPr lvl="4"/>
             <a:r>
-              <a:rPr lang="en-US" smtClean="0"/>
+              <a:rPr lang="en-US"/>
               <a:t>Fifth level</a:t>
             </a:r>
-            <a:endParaRPr lang="en-US"/>
           </a:p>
         </p:txBody>
       </p:sp>
@@ -2009,7 +2010,7 @@
           <a:p>
             <a:pPr lvl="0"/>
             <a:r>
-              <a:rPr lang="en-US" smtClean="0"/>
+              <a:rPr lang="en-US"/>
               <a:t>Click to edit Master text styles</a:t>
             </a:r>
           </a:p>
@@ -2065,38 +2066,37 @@
           <a:p>
             <a:pPr lvl="0"/>
             <a:r>
-              <a:rPr lang="en-US" smtClean="0"/>
+              <a:rPr lang="en-US"/>
               <a:t>Click to edit Master text styles</a:t>
             </a:r>
           </a:p>
           <a:p>
             <a:pPr lvl="1"/>
             <a:r>
-              <a:rPr lang="en-US" smtClean="0"/>
+              <a:rPr lang="en-US"/>
               <a:t>Second level</a:t>
             </a:r>
           </a:p>
           <a:p>
             <a:pPr lvl="2"/>
             <a:r>
-              <a:rPr lang="en-US" smtClean="0"/>
+              <a:rPr lang="en-US"/>
               <a:t>Third level</a:t>
             </a:r>
           </a:p>
           <a:p>
             <a:pPr lvl="3"/>
             <a:r>
-              <a:rPr lang="en-US" smtClean="0"/>
+              <a:rPr lang="en-US"/>
               <a:t>Fourth level</a:t>
             </a:r>
           </a:p>
           <a:p>
             <a:pPr lvl="4"/>
             <a:r>
-              <a:rPr lang="en-US" smtClean="0"/>
+              <a:rPr lang="en-US"/>
               <a:t>Fifth level</a:t>
             </a:r>
-            <a:endParaRPr lang="en-US"/>
           </a:p>
         </p:txBody>
       </p:sp>
@@ -2117,7 +2117,7 @@
           <a:p>
             <a:fld id="{78C97017-6FC3-485B-9764-EAC9E56C1D49}" type="datetimeFigureOut">
               <a:rPr lang="en-US" smtClean="0"/>
-              <a:t>10/16/2016</a:t>
+              <a:t>11/12/2018</a:t>
             </a:fld>
             <a:endParaRPr lang="en-US"/>
           </a:p>
@@ -2211,10 +2211,9 @@
           <a:lstStyle/>
           <a:p>
             <a:r>
-              <a:rPr lang="en-US" smtClean="0"/>
+              <a:rPr lang="en-US"/>
               <a:t>Click to edit Master title style</a:t>
             </a:r>
-            <a:endParaRPr lang="en-US"/>
           </a:p>
         </p:txBody>
       </p:sp>
@@ -2235,7 +2234,7 @@
           <a:p>
             <a:fld id="{78C97017-6FC3-485B-9764-EAC9E56C1D49}" type="datetimeFigureOut">
               <a:rPr lang="en-US" smtClean="0"/>
-              <a:t>10/16/2016</a:t>
+              <a:t>11/12/2018</a:t>
             </a:fld>
             <a:endParaRPr lang="en-US"/>
           </a:p>
@@ -2330,7 +2329,7 @@
           <a:p>
             <a:fld id="{78C97017-6FC3-485B-9764-EAC9E56C1D49}" type="datetimeFigureOut">
               <a:rPr lang="en-US" smtClean="0"/>
-              <a:t>10/16/2016</a:t>
+              <a:t>11/12/2018</a:t>
             </a:fld>
             <a:endParaRPr lang="en-US"/>
           </a:p>
@@ -2433,10 +2432,9 @@
           </a:lstStyle>
           <a:p>
             <a:r>
-              <a:rPr lang="en-US" smtClean="0"/>
+              <a:rPr lang="en-US"/>
               <a:t>Click to edit Master title style</a:t>
             </a:r>
-            <a:endParaRPr lang="en-US"/>
           </a:p>
         </p:txBody>
       </p:sp>
@@ -2490,38 +2488,37 @@
           <a:p>
             <a:pPr lvl="0"/>
             <a:r>
-              <a:rPr lang="en-US" smtClean="0"/>
+              <a:rPr lang="en-US"/>
               <a:t>Click to edit Master text styles</a:t>
             </a:r>
           </a:p>
           <a:p>
             <a:pPr lvl="1"/>
             <a:r>
-              <a:rPr lang="en-US" smtClean="0"/>
+              <a:rPr lang="en-US"/>
               <a:t>Second level</a:t>
             </a:r>
           </a:p>
           <a:p>
             <a:pPr lvl="2"/>
             <a:r>
-              <a:rPr lang="en-US" smtClean="0"/>
+              <a:rPr lang="en-US"/>
               <a:t>Third level</a:t>
             </a:r>
           </a:p>
           <a:p>
             <a:pPr lvl="3"/>
             <a:r>
-              <a:rPr lang="en-US" smtClean="0"/>
+              <a:rPr lang="en-US"/>
               <a:t>Fourth level</a:t>
             </a:r>
           </a:p>
           <a:p>
             <a:pPr lvl="4"/>
             <a:r>
-              <a:rPr lang="en-US" smtClean="0"/>
+              <a:rPr lang="en-US"/>
               <a:t>Fifth level</a:t>
             </a:r>
-            <a:endParaRPr lang="en-US"/>
           </a:p>
         </p:txBody>
       </p:sp>
@@ -2584,7 +2581,7 @@
           <a:p>
             <a:pPr lvl="0"/>
             <a:r>
-              <a:rPr lang="en-US" smtClean="0"/>
+              <a:rPr lang="en-US"/>
               <a:t>Click to edit Master text styles</a:t>
             </a:r>
           </a:p>
@@ -2607,7 +2604,7 @@
           <a:p>
             <a:fld id="{78C97017-6FC3-485B-9764-EAC9E56C1D49}" type="datetimeFigureOut">
               <a:rPr lang="en-US" smtClean="0"/>
-              <a:t>10/16/2016</a:t>
+              <a:t>11/12/2018</a:t>
             </a:fld>
             <a:endParaRPr lang="en-US"/>
           </a:p>
@@ -2710,10 +2707,9 @@
           </a:lstStyle>
           <a:p>
             <a:r>
-              <a:rPr lang="en-US" smtClean="0"/>
+              <a:rPr lang="en-US"/>
               <a:t>Click to edit Master title style</a:t>
             </a:r>
-            <a:endParaRPr lang="en-US"/>
           </a:p>
         </p:txBody>
       </p:sp>
@@ -2837,7 +2833,7 @@
           <a:p>
             <a:pPr lvl="0"/>
             <a:r>
-              <a:rPr lang="en-US" smtClean="0"/>
+              <a:rPr lang="en-US"/>
               <a:t>Click to edit Master text styles</a:t>
             </a:r>
           </a:p>
@@ -2860,7 +2856,7 @@
           <a:p>
             <a:fld id="{78C97017-6FC3-485B-9764-EAC9E56C1D49}" type="datetimeFigureOut">
               <a:rPr lang="en-US" smtClean="0"/>
-              <a:t>10/16/2016</a:t>
+              <a:t>11/12/2018</a:t>
             </a:fld>
             <a:endParaRPr lang="en-US"/>
           </a:p>
@@ -2969,10 +2965,9 @@
           <a:lstStyle/>
           <a:p>
             <a:r>
-              <a:rPr lang="en-US" smtClean="0"/>
+              <a:rPr lang="en-US"/>
               <a:t>Click to edit Master title style</a:t>
             </a:r>
-            <a:endParaRPr lang="en-US"/>
           </a:p>
         </p:txBody>
       </p:sp>
@@ -3003,38 +2998,37 @@
           <a:p>
             <a:pPr lvl="0"/>
             <a:r>
-              <a:rPr lang="en-US" smtClean="0"/>
+              <a:rPr lang="en-US"/>
               <a:t>Click to edit Master text styles</a:t>
             </a:r>
           </a:p>
           <a:p>
             <a:pPr lvl="1"/>
             <a:r>
-              <a:rPr lang="en-US" smtClean="0"/>
+              <a:rPr lang="en-US"/>
               <a:t>Second level</a:t>
             </a:r>
           </a:p>
           <a:p>
             <a:pPr lvl="2"/>
             <a:r>
-              <a:rPr lang="en-US" smtClean="0"/>
+              <a:rPr lang="en-US"/>
               <a:t>Third level</a:t>
             </a:r>
           </a:p>
           <a:p>
             <a:pPr lvl="3"/>
             <a:r>
-              <a:rPr lang="en-US" smtClean="0"/>
+              <a:rPr lang="en-US"/>
               <a:t>Fourth level</a:t>
             </a:r>
           </a:p>
           <a:p>
             <a:pPr lvl="4"/>
             <a:r>
-              <a:rPr lang="en-US" smtClean="0"/>
+              <a:rPr lang="en-US"/>
               <a:t>Fifth level</a:t>
             </a:r>
-            <a:endParaRPr lang="en-US"/>
           </a:p>
         </p:txBody>
       </p:sp>
@@ -3073,7 +3067,7 @@
           <a:p>
             <a:fld id="{78C97017-6FC3-485B-9764-EAC9E56C1D49}" type="datetimeFigureOut">
               <a:rPr lang="en-US" smtClean="0"/>
-              <a:t>10/16/2016</a:t>
+              <a:t>11/12/2018</a:t>
             </a:fld>
             <a:endParaRPr lang="en-US"/>
           </a:p>
@@ -3494,7 +3488,7 @@
           <a:lstStyle/>
           <a:p>
             <a:r>
-              <a:rPr lang="en-US" sz="1200" b="1" dirty="0" smtClean="0">
+              <a:rPr lang="en-US" sz="1200" b="1" dirty="0">
                 <a:solidFill>
                   <a:schemeClr val="accent6">
                     <a:lumMod val="75000"/>
@@ -3561,7 +3555,7 @@
           <a:p>
             <a:pPr algn="ctr"/>
             <a:r>
-              <a:rPr lang="en-US" sz="1050" dirty="0" smtClean="0">
+              <a:rPr lang="en-US" sz="1050" dirty="0">
                 <a:solidFill>
                   <a:schemeClr val="bg1"/>
                 </a:solidFill>
@@ -3569,19 +3563,19 @@
               <a:t>&lt;&lt;interface&gt;&gt;</a:t>
             </a:r>
             <a:br>
-              <a:rPr lang="en-US" sz="1050" dirty="0" smtClean="0">
+              <a:rPr lang="en-US" sz="1050" dirty="0">
                 <a:solidFill>
                   <a:schemeClr val="bg1"/>
                 </a:solidFill>
               </a:rPr>
             </a:br>
             <a:r>
-              <a:rPr lang="en-US" sz="1050" dirty="0" err="1" smtClean="0">
+              <a:rPr lang="en-US" sz="1050" dirty="0" err="1">
                 <a:solidFill>
                   <a:schemeClr val="bg1"/>
                 </a:solidFill>
               </a:rPr>
-              <a:t>AddressBookStorage</a:t>
+              <a:t>ThaneParkStorage</a:t>
             </a:r>
             <a:endParaRPr lang="en-SG" sz="1050" dirty="0">
               <a:solidFill>
@@ -3639,7 +3633,7 @@
           <a:p>
             <a:pPr algn="ctr"/>
             <a:r>
-              <a:rPr lang="en-US" sz="1050" dirty="0" err="1" smtClean="0">
+              <a:rPr lang="en-US" sz="1050" dirty="0" err="1">
                 <a:solidFill>
                   <a:schemeClr val="bg1"/>
                 </a:solidFill>
@@ -3713,7 +3707,7 @@
           <a:p>
             <a:pPr algn="ctr"/>
             <a:r>
-              <a:rPr lang="en-US" sz="1050" dirty="0" smtClean="0">
+              <a:rPr lang="en-US" sz="1050" dirty="0">
                 <a:solidFill>
                   <a:schemeClr val="bg1"/>
                 </a:solidFill>
@@ -4147,27 +4141,17 @@
           <a:p>
             <a:pPr algn="ctr"/>
             <a:r>
-              <a:rPr lang="en-US" sz="1050" b="1" dirty="0" err="1" smtClean="0">
+              <a:rPr lang="en-US" sz="1050" b="1" dirty="0" err="1">
                 <a:solidFill>
                   <a:schemeClr val="accent6">
                     <a:lumMod val="75000"/>
                   </a:schemeClr>
                 </a:solidFill>
               </a:rPr>
-              <a:t>XmlAddressBook</a:t>
-            </a:r>
-            <a:r>
-              <a:rPr lang="en-US" sz="1050" b="1" dirty="0" smtClean="0">
-                <a:solidFill>
-                  <a:schemeClr val="accent6">
-                    <a:lumMod val="75000"/>
-                  </a:schemeClr>
-                </a:solidFill>
-              </a:rPr>
-              <a:t/>
+              <a:t>XmlThanePark</a:t>
             </a:r>
             <a:br>
-              <a:rPr lang="en-US" sz="1050" b="1" dirty="0" smtClean="0">
+              <a:rPr lang="en-US" sz="1050" b="1" dirty="0">
                 <a:solidFill>
                   <a:schemeClr val="accent6">
                     <a:lumMod val="75000"/>
@@ -4176,7 +4160,7 @@
               </a:rPr>
             </a:br>
             <a:r>
-              <a:rPr lang="en-US" sz="1050" b="1" dirty="0" smtClean="0">
+              <a:rPr lang="en-US" sz="1050" b="1" dirty="0">
                 <a:solidFill>
                   <a:schemeClr val="accent6">
                     <a:lumMod val="75000"/>
@@ -4243,7 +4227,7 @@
           <a:p>
             <a:pPr algn="ctr"/>
             <a:r>
-              <a:rPr lang="en-US" sz="1050" dirty="0" smtClean="0">
+              <a:rPr lang="en-US" sz="1050" dirty="0">
                 <a:solidFill>
                   <a:schemeClr val="bg1"/>
                 </a:solidFill>
@@ -4251,14 +4235,14 @@
               <a:t>&lt;&lt;interface&gt;&gt;</a:t>
             </a:r>
             <a:br>
-              <a:rPr lang="en-US" sz="1050" dirty="0" smtClean="0">
+              <a:rPr lang="en-US" sz="1050" dirty="0">
                 <a:solidFill>
                   <a:schemeClr val="bg1"/>
                 </a:solidFill>
               </a:rPr>
             </a:br>
             <a:r>
-              <a:rPr lang="en-US" sz="1050" dirty="0" err="1" smtClean="0">
+              <a:rPr lang="en-US" sz="1050" dirty="0" err="1">
                 <a:solidFill>
                   <a:schemeClr val="bg1"/>
                 </a:solidFill>
@@ -4516,30 +4500,22 @@
           <a:p>
             <a:pPr algn="ctr"/>
             <a:r>
-              <a:rPr lang="en-US" sz="1050" dirty="0" err="1" smtClean="0">
+              <a:rPr lang="en-US" sz="1050" dirty="0" err="1">
                 <a:solidFill>
                   <a:schemeClr val="bg1"/>
                 </a:solidFill>
               </a:rPr>
               <a:t>JsonUserPrefs</a:t>
             </a:r>
-            <a:r>
-              <a:rPr lang="en-US" sz="1050" dirty="0" smtClean="0">
-                <a:solidFill>
-                  <a:schemeClr val="bg1"/>
-                </a:solidFill>
-              </a:rPr>
-              <a:t/>
-            </a:r>
             <a:br>
-              <a:rPr lang="en-US" sz="1050" dirty="0" smtClean="0">
+              <a:rPr lang="en-US" sz="1050" dirty="0">
                 <a:solidFill>
                   <a:schemeClr val="bg1"/>
                 </a:solidFill>
               </a:rPr>
             </a:br>
             <a:r>
-              <a:rPr lang="en-US" sz="1050" dirty="0" smtClean="0">
+              <a:rPr lang="en-US" sz="1050" dirty="0">
                 <a:solidFill>
                   <a:schemeClr val="bg1"/>
                 </a:solidFill>
@@ -4591,7 +4567,7 @@
           <a:p>
             <a:pPr algn="ctr"/>
             <a:r>
-              <a:rPr lang="en-US" sz="1050" b="1" dirty="0" err="1" smtClean="0">
+              <a:rPr lang="en-US" sz="1050" b="1" dirty="0" err="1">
                 <a:solidFill>
                   <a:schemeClr val="accent6">
                     <a:lumMod val="75000"/>
@@ -4600,18 +4576,8 @@
               </a:rPr>
               <a:t>XmlSerializable</a:t>
             </a:r>
-            <a:r>
-              <a:rPr lang="en-US" sz="1050" b="1" dirty="0" smtClean="0">
-                <a:solidFill>
-                  <a:schemeClr val="accent6">
-                    <a:lumMod val="75000"/>
-                  </a:schemeClr>
-                </a:solidFill>
-              </a:rPr>
-              <a:t/>
-            </a:r>
             <a:br>
-              <a:rPr lang="en-US" sz="1050" b="1" dirty="0" smtClean="0">
+              <a:rPr lang="en-US" sz="1050" b="1" dirty="0">
                 <a:solidFill>
                   <a:schemeClr val="accent6">
                     <a:lumMod val="75000"/>
@@ -4620,14 +4586,14 @@
               </a:rPr>
             </a:br>
             <a:r>
-              <a:rPr lang="en-US" sz="1050" b="1" dirty="0" err="1" smtClean="0">
+              <a:rPr lang="en-US" sz="1050" b="1" dirty="0" err="1">
                 <a:solidFill>
                   <a:schemeClr val="accent6">
                     <a:lumMod val="75000"/>
                   </a:schemeClr>
                 </a:solidFill>
               </a:rPr>
-              <a:t>AddressBook</a:t>
+              <a:t>ThanePark</a:t>
             </a:r>
             <a:endParaRPr lang="en-SG" sz="1050" b="1" dirty="0">
               <a:solidFill>
@@ -4717,7 +4683,7 @@
           <a:p>
             <a:pPr algn="ctr"/>
             <a:r>
-              <a:rPr lang="en-US" sz="1050" b="1" dirty="0" err="1" smtClean="0">
+              <a:rPr lang="en-US" sz="1050" b="1" dirty="0" err="1">
                 <a:solidFill>
                   <a:schemeClr val="accent6">
                     <a:lumMod val="75000"/>
@@ -4773,14 +4739,14 @@
           <a:p>
             <a:pPr algn="ctr"/>
             <a:r>
-              <a:rPr lang="en-US" sz="1050" b="1" dirty="0" err="1" smtClean="0">
+              <a:rPr lang="en-US" sz="1050" b="1">
                 <a:solidFill>
                   <a:schemeClr val="accent6">
                     <a:lumMod val="75000"/>
                   </a:schemeClr>
                 </a:solidFill>
               </a:rPr>
-              <a:t>XmlAdaptedPerson</a:t>
+              <a:t>XmlAdaptedRide</a:t>
             </a:r>
             <a:endParaRPr lang="en-SG" sz="1050" b="1" dirty="0">
               <a:solidFill>
@@ -4843,13 +4809,6 @@
   <p:clrMapOvr>
     <a:masterClrMapping/>
   </p:clrMapOvr>
-  <p:timing>
-    <p:tnLst>
-      <p:par>
-        <p:cTn id="1" dur="indefinite" restart="never" nodeType="tmRoot"/>
-      </p:par>
-    </p:tnLst>
-  </p:timing>
 </p:sld>
 </file>
 

--- a/docs/diagrams/StorageComponentClassDiagram.pptx
+++ b/docs/diagrams/StorageComponentClassDiagram.pptx
@@ -107,6 +107,22 @@
       </a:defRPr>
     </a:lvl9pPr>
   </p:defaultTextStyle>
+  <p:extLst>
+    <p:ext uri="{EFAFB233-063F-42B5-8137-9DF3F51BA10A}">
+      <p15:sldGuideLst xmlns:p15="http://schemas.microsoft.com/office/powerpoint/2012/main">
+        <p15:guide id="1" orient="horz" pos="1488">
+          <p15:clr>
+            <a:srgbClr val="A4A3A4"/>
+          </p15:clr>
+        </p15:guide>
+        <p15:guide id="2" pos="2880">
+          <p15:clr>
+            <a:srgbClr val="A4A3A4"/>
+          </p15:clr>
+        </p15:guide>
+      </p15:sldGuideLst>
+    </p:ext>
+  </p:extLst>
 </p:presentation>
 </file>
 
@@ -192,7 +208,7 @@
           <a:p>
             <a:fld id="{F5CC4B3F-88C1-4FFA-B1B6-F41C21DC6924}" type="datetimeFigureOut">
               <a:rPr lang="en-US" smtClean="0"/>
-              <a:t>10/16/2016</a:t>
+              <a:t>11/12/2018</a:t>
             </a:fld>
             <a:endParaRPr lang="en-US"/>
           </a:p>
@@ -256,38 +272,37 @@
           <a:p>
             <a:pPr lvl="0"/>
             <a:r>
-              <a:rPr lang="en-US" smtClean="0"/>
+              <a:rPr lang="en-US"/>
               <a:t>Click to edit Master text styles</a:t>
             </a:r>
           </a:p>
           <a:p>
             <a:pPr lvl="1"/>
             <a:r>
-              <a:rPr lang="en-US" smtClean="0"/>
+              <a:rPr lang="en-US"/>
               <a:t>Second level</a:t>
             </a:r>
           </a:p>
           <a:p>
             <a:pPr lvl="2"/>
             <a:r>
-              <a:rPr lang="en-US" smtClean="0"/>
+              <a:rPr lang="en-US"/>
               <a:t>Third level</a:t>
             </a:r>
           </a:p>
           <a:p>
             <a:pPr lvl="3"/>
             <a:r>
-              <a:rPr lang="en-US" smtClean="0"/>
+              <a:rPr lang="en-US"/>
               <a:t>Fourth level</a:t>
             </a:r>
           </a:p>
           <a:p>
             <a:pPr lvl="4"/>
             <a:r>
-              <a:rPr lang="en-US" smtClean="0"/>
+              <a:rPr lang="en-US"/>
               <a:t>Fifth level</a:t>
             </a:r>
-            <a:endParaRPr lang="en-US"/>
           </a:p>
         </p:txBody>
       </p:sp>
@@ -498,10 +513,9 @@
           <a:lstStyle/>
           <a:p>
             <a:r>
-              <a:rPr lang="en-US" smtClean="0"/>
+              <a:rPr lang="en-US"/>
               <a:t>Click to edit Master title style</a:t>
             </a:r>
-            <a:endParaRPr lang="en-US"/>
           </a:p>
         </p:txBody>
       </p:sp>
@@ -617,10 +631,9 @@
           </a:lstStyle>
           <a:p>
             <a:r>
-              <a:rPr lang="en-US" smtClean="0"/>
+              <a:rPr lang="en-US"/>
               <a:t>Click to edit Master subtitle style</a:t>
             </a:r>
-            <a:endParaRPr lang="en-US"/>
           </a:p>
         </p:txBody>
       </p:sp>
@@ -641,7 +654,7 @@
           <a:p>
             <a:fld id="{78C97017-6FC3-485B-9764-EAC9E56C1D49}" type="datetimeFigureOut">
               <a:rPr lang="en-US" smtClean="0"/>
-              <a:t>10/16/2016</a:t>
+              <a:t>11/12/2018</a:t>
             </a:fld>
             <a:endParaRPr lang="en-US"/>
           </a:p>
@@ -735,10 +748,9 @@
           <a:lstStyle/>
           <a:p>
             <a:r>
-              <a:rPr lang="en-US" smtClean="0"/>
+              <a:rPr lang="en-US"/>
               <a:t>Click to edit Master title style</a:t>
             </a:r>
-            <a:endParaRPr lang="en-US"/>
           </a:p>
         </p:txBody>
       </p:sp>
@@ -759,38 +771,37 @@
           <a:p>
             <a:pPr lvl="0"/>
             <a:r>
-              <a:rPr lang="en-US" smtClean="0"/>
+              <a:rPr lang="en-US"/>
               <a:t>Click to edit Master text styles</a:t>
             </a:r>
           </a:p>
           <a:p>
             <a:pPr lvl="1"/>
             <a:r>
-              <a:rPr lang="en-US" smtClean="0"/>
+              <a:rPr lang="en-US"/>
               <a:t>Second level</a:t>
             </a:r>
           </a:p>
           <a:p>
             <a:pPr lvl="2"/>
             <a:r>
-              <a:rPr lang="en-US" smtClean="0"/>
+              <a:rPr lang="en-US"/>
               <a:t>Third level</a:t>
             </a:r>
           </a:p>
           <a:p>
             <a:pPr lvl="3"/>
             <a:r>
-              <a:rPr lang="en-US" smtClean="0"/>
+              <a:rPr lang="en-US"/>
               <a:t>Fourth level</a:t>
             </a:r>
           </a:p>
           <a:p>
             <a:pPr lvl="4"/>
             <a:r>
-              <a:rPr lang="en-US" smtClean="0"/>
+              <a:rPr lang="en-US"/>
               <a:t>Fifth level</a:t>
             </a:r>
-            <a:endParaRPr lang="en-US"/>
           </a:p>
         </p:txBody>
       </p:sp>
@@ -811,7 +822,7 @@
           <a:p>
             <a:fld id="{78C97017-6FC3-485B-9764-EAC9E56C1D49}" type="datetimeFigureOut">
               <a:rPr lang="en-US" smtClean="0"/>
-              <a:t>10/16/2016</a:t>
+              <a:t>11/12/2018</a:t>
             </a:fld>
             <a:endParaRPr lang="en-US"/>
           </a:p>
@@ -910,10 +921,9 @@
           <a:lstStyle/>
           <a:p>
             <a:r>
-              <a:rPr lang="en-US" smtClean="0"/>
+              <a:rPr lang="en-US"/>
               <a:t>Click to edit Master title style</a:t>
             </a:r>
-            <a:endParaRPr lang="en-US"/>
           </a:p>
         </p:txBody>
       </p:sp>
@@ -939,38 +949,37 @@
           <a:p>
             <a:pPr lvl="0"/>
             <a:r>
-              <a:rPr lang="en-US" smtClean="0"/>
+              <a:rPr lang="en-US"/>
               <a:t>Click to edit Master text styles</a:t>
             </a:r>
           </a:p>
           <a:p>
             <a:pPr lvl="1"/>
             <a:r>
-              <a:rPr lang="en-US" smtClean="0"/>
+              <a:rPr lang="en-US"/>
               <a:t>Second level</a:t>
             </a:r>
           </a:p>
           <a:p>
             <a:pPr lvl="2"/>
             <a:r>
-              <a:rPr lang="en-US" smtClean="0"/>
+              <a:rPr lang="en-US"/>
               <a:t>Third level</a:t>
             </a:r>
           </a:p>
           <a:p>
             <a:pPr lvl="3"/>
             <a:r>
-              <a:rPr lang="en-US" smtClean="0"/>
+              <a:rPr lang="en-US"/>
               <a:t>Fourth level</a:t>
             </a:r>
           </a:p>
           <a:p>
             <a:pPr lvl="4"/>
             <a:r>
-              <a:rPr lang="en-US" smtClean="0"/>
+              <a:rPr lang="en-US"/>
               <a:t>Fifth level</a:t>
             </a:r>
-            <a:endParaRPr lang="en-US"/>
           </a:p>
         </p:txBody>
       </p:sp>
@@ -991,7 +1000,7 @@
           <a:p>
             <a:fld id="{78C97017-6FC3-485B-9764-EAC9E56C1D49}" type="datetimeFigureOut">
               <a:rPr lang="en-US" smtClean="0"/>
-              <a:t>10/16/2016</a:t>
+              <a:t>11/12/2018</a:t>
             </a:fld>
             <a:endParaRPr lang="en-US"/>
           </a:p>
@@ -1085,10 +1094,9 @@
           <a:lstStyle/>
           <a:p>
             <a:r>
-              <a:rPr lang="en-US" smtClean="0"/>
+              <a:rPr lang="en-US"/>
               <a:t>Click to edit Master title style</a:t>
             </a:r>
-            <a:endParaRPr lang="en-US"/>
           </a:p>
         </p:txBody>
       </p:sp>
@@ -1109,38 +1117,37 @@
           <a:p>
             <a:pPr lvl="0"/>
             <a:r>
-              <a:rPr lang="en-US" smtClean="0"/>
+              <a:rPr lang="en-US"/>
               <a:t>Click to edit Master text styles</a:t>
             </a:r>
           </a:p>
           <a:p>
             <a:pPr lvl="1"/>
             <a:r>
-              <a:rPr lang="en-US" smtClean="0"/>
+              <a:rPr lang="en-US"/>
               <a:t>Second level</a:t>
             </a:r>
           </a:p>
           <a:p>
             <a:pPr lvl="2"/>
             <a:r>
-              <a:rPr lang="en-US" smtClean="0"/>
+              <a:rPr lang="en-US"/>
               <a:t>Third level</a:t>
             </a:r>
           </a:p>
           <a:p>
             <a:pPr lvl="3"/>
             <a:r>
-              <a:rPr lang="en-US" smtClean="0"/>
+              <a:rPr lang="en-US"/>
               <a:t>Fourth level</a:t>
             </a:r>
           </a:p>
           <a:p>
             <a:pPr lvl="4"/>
             <a:r>
-              <a:rPr lang="en-US" smtClean="0"/>
+              <a:rPr lang="en-US"/>
               <a:t>Fifth level</a:t>
             </a:r>
-            <a:endParaRPr lang="en-US"/>
           </a:p>
         </p:txBody>
       </p:sp>
@@ -1161,7 +1168,7 @@
           <a:p>
             <a:fld id="{78C97017-6FC3-485B-9764-EAC9E56C1D49}" type="datetimeFigureOut">
               <a:rPr lang="en-US" smtClean="0"/>
-              <a:t>10/16/2016</a:t>
+              <a:t>11/12/2018</a:t>
             </a:fld>
             <a:endParaRPr lang="en-US"/>
           </a:p>
@@ -1264,10 +1271,9 @@
           </a:lstStyle>
           <a:p>
             <a:r>
-              <a:rPr lang="en-US" smtClean="0"/>
+              <a:rPr lang="en-US"/>
               <a:t>Click to edit Master title style</a:t>
             </a:r>
-            <a:endParaRPr lang="en-US"/>
           </a:p>
         </p:txBody>
       </p:sp>
@@ -1384,7 +1390,7 @@
           <a:p>
             <a:pPr lvl="0"/>
             <a:r>
-              <a:rPr lang="en-US" smtClean="0"/>
+              <a:rPr lang="en-US"/>
               <a:t>Click to edit Master text styles</a:t>
             </a:r>
           </a:p>
@@ -1407,7 +1413,7 @@
           <a:p>
             <a:fld id="{78C97017-6FC3-485B-9764-EAC9E56C1D49}" type="datetimeFigureOut">
               <a:rPr lang="en-US" smtClean="0"/>
-              <a:t>10/16/2016</a:t>
+              <a:t>11/12/2018</a:t>
             </a:fld>
             <a:endParaRPr lang="en-US"/>
           </a:p>
@@ -1501,10 +1507,9 @@
           <a:lstStyle/>
           <a:p>
             <a:r>
-              <a:rPr lang="en-US" smtClean="0"/>
+              <a:rPr lang="en-US"/>
               <a:t>Click to edit Master title style</a:t>
             </a:r>
-            <a:endParaRPr lang="en-US"/>
           </a:p>
         </p:txBody>
       </p:sp>
@@ -1558,38 +1563,37 @@
           <a:p>
             <a:pPr lvl="0"/>
             <a:r>
-              <a:rPr lang="en-US" smtClean="0"/>
+              <a:rPr lang="en-US"/>
               <a:t>Click to edit Master text styles</a:t>
             </a:r>
           </a:p>
           <a:p>
             <a:pPr lvl="1"/>
             <a:r>
-              <a:rPr lang="en-US" smtClean="0"/>
+              <a:rPr lang="en-US"/>
               <a:t>Second level</a:t>
             </a:r>
           </a:p>
           <a:p>
             <a:pPr lvl="2"/>
             <a:r>
-              <a:rPr lang="en-US" smtClean="0"/>
+              <a:rPr lang="en-US"/>
               <a:t>Third level</a:t>
             </a:r>
           </a:p>
           <a:p>
             <a:pPr lvl="3"/>
             <a:r>
-              <a:rPr lang="en-US" smtClean="0"/>
+              <a:rPr lang="en-US"/>
               <a:t>Fourth level</a:t>
             </a:r>
           </a:p>
           <a:p>
             <a:pPr lvl="4"/>
             <a:r>
-              <a:rPr lang="en-US" smtClean="0"/>
+              <a:rPr lang="en-US"/>
               <a:t>Fifth level</a:t>
             </a:r>
-            <a:endParaRPr lang="en-US"/>
           </a:p>
         </p:txBody>
       </p:sp>
@@ -1643,38 +1647,37 @@
           <a:p>
             <a:pPr lvl="0"/>
             <a:r>
-              <a:rPr lang="en-US" smtClean="0"/>
+              <a:rPr lang="en-US"/>
               <a:t>Click to edit Master text styles</a:t>
             </a:r>
           </a:p>
           <a:p>
             <a:pPr lvl="1"/>
             <a:r>
-              <a:rPr lang="en-US" smtClean="0"/>
+              <a:rPr lang="en-US"/>
               <a:t>Second level</a:t>
             </a:r>
           </a:p>
           <a:p>
             <a:pPr lvl="2"/>
             <a:r>
-              <a:rPr lang="en-US" smtClean="0"/>
+              <a:rPr lang="en-US"/>
               <a:t>Third level</a:t>
             </a:r>
           </a:p>
           <a:p>
             <a:pPr lvl="3"/>
             <a:r>
-              <a:rPr lang="en-US" smtClean="0"/>
+              <a:rPr lang="en-US"/>
               <a:t>Fourth level</a:t>
             </a:r>
           </a:p>
           <a:p>
             <a:pPr lvl="4"/>
             <a:r>
-              <a:rPr lang="en-US" smtClean="0"/>
+              <a:rPr lang="en-US"/>
               <a:t>Fifth level</a:t>
             </a:r>
-            <a:endParaRPr lang="en-US"/>
           </a:p>
         </p:txBody>
       </p:sp>
@@ -1695,7 +1698,7 @@
           <a:p>
             <a:fld id="{78C97017-6FC3-485B-9764-EAC9E56C1D49}" type="datetimeFigureOut">
               <a:rPr lang="en-US" smtClean="0"/>
-              <a:t>10/16/2016</a:t>
+              <a:t>11/12/2018</a:t>
             </a:fld>
             <a:endParaRPr lang="en-US"/>
           </a:p>
@@ -1793,10 +1796,9 @@
           </a:lstStyle>
           <a:p>
             <a:r>
-              <a:rPr lang="en-US" smtClean="0"/>
+              <a:rPr lang="en-US"/>
               <a:t>Click to edit Master title style</a:t>
             </a:r>
-            <a:endParaRPr lang="en-US"/>
           </a:p>
         </p:txBody>
       </p:sp>
@@ -1859,7 +1861,7 @@
           <a:p>
             <a:pPr lvl="0"/>
             <a:r>
-              <a:rPr lang="en-US" smtClean="0"/>
+              <a:rPr lang="en-US"/>
               <a:t>Click to edit Master text styles</a:t>
             </a:r>
           </a:p>
@@ -1915,38 +1917,37 @@
           <a:p>
             <a:pPr lvl="0"/>
             <a:r>
-              <a:rPr lang="en-US" smtClean="0"/>
+              <a:rPr lang="en-US"/>
               <a:t>Click to edit Master text styles</a:t>
             </a:r>
           </a:p>
           <a:p>
             <a:pPr lvl="1"/>
             <a:r>
-              <a:rPr lang="en-US" smtClean="0"/>
+              <a:rPr lang="en-US"/>
               <a:t>Second level</a:t>
             </a:r>
           </a:p>
           <a:p>
             <a:pPr lvl="2"/>
             <a:r>
-              <a:rPr lang="en-US" smtClean="0"/>
+              <a:rPr lang="en-US"/>
               <a:t>Third level</a:t>
             </a:r>
           </a:p>
           <a:p>
             <a:pPr lvl="3"/>
             <a:r>
-              <a:rPr lang="en-US" smtClean="0"/>
+              <a:rPr lang="en-US"/>
               <a:t>Fourth level</a:t>
             </a:r>
           </a:p>
           <a:p>
             <a:pPr lvl="4"/>
             <a:r>
-              <a:rPr lang="en-US" smtClean="0"/>
+              <a:rPr lang="en-US"/>
               <a:t>Fifth level</a:t>
             </a:r>
-            <a:endParaRPr lang="en-US"/>
           </a:p>
         </p:txBody>
       </p:sp>
@@ -2009,7 +2010,7 @@
           <a:p>
             <a:pPr lvl="0"/>
             <a:r>
-              <a:rPr lang="en-US" smtClean="0"/>
+              <a:rPr lang="en-US"/>
               <a:t>Click to edit Master text styles</a:t>
             </a:r>
           </a:p>
@@ -2065,38 +2066,37 @@
           <a:p>
             <a:pPr lvl="0"/>
             <a:r>
-              <a:rPr lang="en-US" smtClean="0"/>
+              <a:rPr lang="en-US"/>
               <a:t>Click to edit Master text styles</a:t>
             </a:r>
           </a:p>
           <a:p>
             <a:pPr lvl="1"/>
             <a:r>
-              <a:rPr lang="en-US" smtClean="0"/>
+              <a:rPr lang="en-US"/>
               <a:t>Second level</a:t>
             </a:r>
           </a:p>
           <a:p>
             <a:pPr lvl="2"/>
             <a:r>
-              <a:rPr lang="en-US" smtClean="0"/>
+              <a:rPr lang="en-US"/>
               <a:t>Third level</a:t>
             </a:r>
           </a:p>
           <a:p>
             <a:pPr lvl="3"/>
             <a:r>
-              <a:rPr lang="en-US" smtClean="0"/>
+              <a:rPr lang="en-US"/>
               <a:t>Fourth level</a:t>
             </a:r>
           </a:p>
           <a:p>
             <a:pPr lvl="4"/>
             <a:r>
-              <a:rPr lang="en-US" smtClean="0"/>
+              <a:rPr lang="en-US"/>
               <a:t>Fifth level</a:t>
             </a:r>
-            <a:endParaRPr lang="en-US"/>
           </a:p>
         </p:txBody>
       </p:sp>
@@ -2117,7 +2117,7 @@
           <a:p>
             <a:fld id="{78C97017-6FC3-485B-9764-EAC9E56C1D49}" type="datetimeFigureOut">
               <a:rPr lang="en-US" smtClean="0"/>
-              <a:t>10/16/2016</a:t>
+              <a:t>11/12/2018</a:t>
             </a:fld>
             <a:endParaRPr lang="en-US"/>
           </a:p>
@@ -2211,10 +2211,9 @@
           <a:lstStyle/>
           <a:p>
             <a:r>
-              <a:rPr lang="en-US" smtClean="0"/>
+              <a:rPr lang="en-US"/>
               <a:t>Click to edit Master title style</a:t>
             </a:r>
-            <a:endParaRPr lang="en-US"/>
           </a:p>
         </p:txBody>
       </p:sp>
@@ -2235,7 +2234,7 @@
           <a:p>
             <a:fld id="{78C97017-6FC3-485B-9764-EAC9E56C1D49}" type="datetimeFigureOut">
               <a:rPr lang="en-US" smtClean="0"/>
-              <a:t>10/16/2016</a:t>
+              <a:t>11/12/2018</a:t>
             </a:fld>
             <a:endParaRPr lang="en-US"/>
           </a:p>
@@ -2330,7 +2329,7 @@
           <a:p>
             <a:fld id="{78C97017-6FC3-485B-9764-EAC9E56C1D49}" type="datetimeFigureOut">
               <a:rPr lang="en-US" smtClean="0"/>
-              <a:t>10/16/2016</a:t>
+              <a:t>11/12/2018</a:t>
             </a:fld>
             <a:endParaRPr lang="en-US"/>
           </a:p>
@@ -2433,10 +2432,9 @@
           </a:lstStyle>
           <a:p>
             <a:r>
-              <a:rPr lang="en-US" smtClean="0"/>
+              <a:rPr lang="en-US"/>
               <a:t>Click to edit Master title style</a:t>
             </a:r>
-            <a:endParaRPr lang="en-US"/>
           </a:p>
         </p:txBody>
       </p:sp>
@@ -2490,38 +2488,37 @@
           <a:p>
             <a:pPr lvl="0"/>
             <a:r>
-              <a:rPr lang="en-US" smtClean="0"/>
+              <a:rPr lang="en-US"/>
               <a:t>Click to edit Master text styles</a:t>
             </a:r>
           </a:p>
           <a:p>
             <a:pPr lvl="1"/>
             <a:r>
-              <a:rPr lang="en-US" smtClean="0"/>
+              <a:rPr lang="en-US"/>
               <a:t>Second level</a:t>
             </a:r>
           </a:p>
           <a:p>
             <a:pPr lvl="2"/>
             <a:r>
-              <a:rPr lang="en-US" smtClean="0"/>
+              <a:rPr lang="en-US"/>
               <a:t>Third level</a:t>
             </a:r>
           </a:p>
           <a:p>
             <a:pPr lvl="3"/>
             <a:r>
-              <a:rPr lang="en-US" smtClean="0"/>
+              <a:rPr lang="en-US"/>
               <a:t>Fourth level</a:t>
             </a:r>
           </a:p>
           <a:p>
             <a:pPr lvl="4"/>
             <a:r>
-              <a:rPr lang="en-US" smtClean="0"/>
+              <a:rPr lang="en-US"/>
               <a:t>Fifth level</a:t>
             </a:r>
-            <a:endParaRPr lang="en-US"/>
           </a:p>
         </p:txBody>
       </p:sp>
@@ -2584,7 +2581,7 @@
           <a:p>
             <a:pPr lvl="0"/>
             <a:r>
-              <a:rPr lang="en-US" smtClean="0"/>
+              <a:rPr lang="en-US"/>
               <a:t>Click to edit Master text styles</a:t>
             </a:r>
           </a:p>
@@ -2607,7 +2604,7 @@
           <a:p>
             <a:fld id="{78C97017-6FC3-485B-9764-EAC9E56C1D49}" type="datetimeFigureOut">
               <a:rPr lang="en-US" smtClean="0"/>
-              <a:t>10/16/2016</a:t>
+              <a:t>11/12/2018</a:t>
             </a:fld>
             <a:endParaRPr lang="en-US"/>
           </a:p>
@@ -2710,10 +2707,9 @@
           </a:lstStyle>
           <a:p>
             <a:r>
-              <a:rPr lang="en-US" smtClean="0"/>
+              <a:rPr lang="en-US"/>
               <a:t>Click to edit Master title style</a:t>
             </a:r>
-            <a:endParaRPr lang="en-US"/>
           </a:p>
         </p:txBody>
       </p:sp>
@@ -2837,7 +2833,7 @@
           <a:p>
             <a:pPr lvl="0"/>
             <a:r>
-              <a:rPr lang="en-US" smtClean="0"/>
+              <a:rPr lang="en-US"/>
               <a:t>Click to edit Master text styles</a:t>
             </a:r>
           </a:p>
@@ -2860,7 +2856,7 @@
           <a:p>
             <a:fld id="{78C97017-6FC3-485B-9764-EAC9E56C1D49}" type="datetimeFigureOut">
               <a:rPr lang="en-US" smtClean="0"/>
-              <a:t>10/16/2016</a:t>
+              <a:t>11/12/2018</a:t>
             </a:fld>
             <a:endParaRPr lang="en-US"/>
           </a:p>
@@ -2969,10 +2965,9 @@
           <a:lstStyle/>
           <a:p>
             <a:r>
-              <a:rPr lang="en-US" smtClean="0"/>
+              <a:rPr lang="en-US"/>
               <a:t>Click to edit Master title style</a:t>
             </a:r>
-            <a:endParaRPr lang="en-US"/>
           </a:p>
         </p:txBody>
       </p:sp>
@@ -3003,38 +2998,37 @@
           <a:p>
             <a:pPr lvl="0"/>
             <a:r>
-              <a:rPr lang="en-US" smtClean="0"/>
+              <a:rPr lang="en-US"/>
               <a:t>Click to edit Master text styles</a:t>
             </a:r>
           </a:p>
           <a:p>
             <a:pPr lvl="1"/>
             <a:r>
-              <a:rPr lang="en-US" smtClean="0"/>
+              <a:rPr lang="en-US"/>
               <a:t>Second level</a:t>
             </a:r>
           </a:p>
           <a:p>
             <a:pPr lvl="2"/>
             <a:r>
-              <a:rPr lang="en-US" smtClean="0"/>
+              <a:rPr lang="en-US"/>
               <a:t>Third level</a:t>
             </a:r>
           </a:p>
           <a:p>
             <a:pPr lvl="3"/>
             <a:r>
-              <a:rPr lang="en-US" smtClean="0"/>
+              <a:rPr lang="en-US"/>
               <a:t>Fourth level</a:t>
             </a:r>
           </a:p>
           <a:p>
             <a:pPr lvl="4"/>
             <a:r>
-              <a:rPr lang="en-US" smtClean="0"/>
+              <a:rPr lang="en-US"/>
               <a:t>Fifth level</a:t>
             </a:r>
-            <a:endParaRPr lang="en-US"/>
           </a:p>
         </p:txBody>
       </p:sp>
@@ -3073,7 +3067,7 @@
           <a:p>
             <a:fld id="{78C97017-6FC3-485B-9764-EAC9E56C1D49}" type="datetimeFigureOut">
               <a:rPr lang="en-US" smtClean="0"/>
-              <a:t>10/16/2016</a:t>
+              <a:t>11/12/2018</a:t>
             </a:fld>
             <a:endParaRPr lang="en-US"/>
           </a:p>
@@ -3457,7 +3451,7 @@
         <p:spPr>
           <a:xfrm>
             <a:off x="1119865" y="2086382"/>
-            <a:ext cx="7871735" cy="1723618"/>
+            <a:ext cx="7871735" cy="3983878"/>
           </a:xfrm>
           <a:prstGeom prst="roundRect">
             <a:avLst>
@@ -3494,7 +3488,7 @@
           <a:lstStyle/>
           <a:p>
             <a:r>
-              <a:rPr lang="en-US" sz="1200" b="1" dirty="0" smtClean="0">
+              <a:rPr lang="en-US" sz="1200" b="1" dirty="0">
                 <a:solidFill>
                   <a:schemeClr val="accent6">
                     <a:lumMod val="75000"/>
@@ -3561,7 +3555,7 @@
           <a:p>
             <a:pPr algn="ctr"/>
             <a:r>
-              <a:rPr lang="en-US" sz="1050" dirty="0" smtClean="0">
+              <a:rPr lang="en-US" sz="1050" dirty="0">
                 <a:solidFill>
                   <a:schemeClr val="bg1"/>
                 </a:solidFill>
@@ -3569,14 +3563,14 @@
               <a:t>&lt;&lt;interface&gt;&gt;</a:t>
             </a:r>
             <a:br>
-              <a:rPr lang="en-US" sz="1050" dirty="0" smtClean="0">
+              <a:rPr lang="en-US" sz="1050" dirty="0">
                 <a:solidFill>
                   <a:schemeClr val="bg1"/>
                 </a:solidFill>
               </a:rPr>
             </a:br>
             <a:r>
-              <a:rPr lang="en-US" sz="1050" dirty="0" err="1" smtClean="0">
+              <a:rPr lang="en-US" sz="1050" dirty="0" err="1">
                 <a:solidFill>
                   <a:schemeClr val="bg1"/>
                 </a:solidFill>
@@ -3599,8 +3593,8 @@
         </p:nvSpPr>
         <p:spPr>
           <a:xfrm rot="16200000">
-            <a:off x="1683963" y="2868687"/>
-            <a:ext cx="1093635" cy="346760"/>
+            <a:off x="506412" y="4042302"/>
+            <a:ext cx="3455838" cy="346760"/>
           </a:xfrm>
           <a:prstGeom prst="rect">
             <a:avLst/>
@@ -3639,7 +3633,7 @@
           <a:p>
             <a:pPr algn="ctr"/>
             <a:r>
-              <a:rPr lang="en-US" sz="1050" dirty="0" err="1" smtClean="0">
+              <a:rPr lang="en-US" sz="1050" dirty="0" err="1">
                 <a:solidFill>
                   <a:schemeClr val="bg1"/>
                 </a:solidFill>
@@ -3662,8 +3656,8 @@
         </p:nvSpPr>
         <p:spPr>
           <a:xfrm rot="16200000">
-            <a:off x="956202" y="2861202"/>
-            <a:ext cx="1093635" cy="346760"/>
+            <a:off x="-209256" y="4035158"/>
+            <a:ext cx="3441549" cy="346760"/>
           </a:xfrm>
           <a:prstGeom prst="rect">
             <a:avLst/>
@@ -3713,7 +3707,7 @@
           <a:p>
             <a:pPr algn="ctr"/>
             <a:r>
-              <a:rPr lang="en-US" sz="1050" dirty="0" smtClean="0">
+              <a:rPr lang="en-US" sz="1050" dirty="0">
                 <a:solidFill>
                   <a:schemeClr val="bg1"/>
                 </a:solidFill>
@@ -3736,7 +3730,7 @@
         </p:nvSpPr>
         <p:spPr>
           <a:xfrm rot="16200000">
-            <a:off x="1626910" y="2952291"/>
+            <a:off x="1643457" y="4141973"/>
             <a:ext cx="270504" cy="175523"/>
           </a:xfrm>
           <a:prstGeom prst="triangle">
@@ -3834,7 +3828,7 @@
         </p:nvCxnSpPr>
         <p:spPr>
           <a:xfrm>
-            <a:off x="910091" y="3040053"/>
+            <a:off x="905101" y="4215682"/>
             <a:ext cx="419548" cy="2860"/>
           </a:xfrm>
           <a:prstGeom prst="bentConnector3">
@@ -3873,13 +3867,13 @@
         <p:nvCxnSpPr>
           <p:cNvPr id="21" name="Straight Connector 20"/>
           <p:cNvCxnSpPr>
-            <a:stCxn id="120" idx="3"/>
+            <a:cxnSpLocks/>
           </p:cNvCxnSpPr>
           <p:nvPr/>
         </p:nvCxnSpPr>
         <p:spPr>
           <a:xfrm flipV="1">
-            <a:off x="1849924" y="3040052"/>
+            <a:off x="1877614" y="4215682"/>
             <a:ext cx="216105" cy="1"/>
           </a:xfrm>
           <a:prstGeom prst="line">
@@ -4147,7 +4141,7 @@
           <a:p>
             <a:pPr algn="ctr"/>
             <a:r>
-              <a:rPr lang="en-US" sz="1050" b="1" dirty="0" err="1" smtClean="0">
+              <a:rPr lang="en-US" sz="1050" b="1" dirty="0" err="1">
                 <a:solidFill>
                   <a:schemeClr val="accent6">
                     <a:lumMod val="75000"/>
@@ -4156,18 +4150,8 @@
               </a:rPr>
               <a:t>XmlAddressBook</a:t>
             </a:r>
-            <a:r>
-              <a:rPr lang="en-US" sz="1050" b="1" dirty="0" smtClean="0">
-                <a:solidFill>
-                  <a:schemeClr val="accent6">
-                    <a:lumMod val="75000"/>
-                  </a:schemeClr>
-                </a:solidFill>
-              </a:rPr>
-              <a:t/>
-            </a:r>
             <a:br>
-              <a:rPr lang="en-US" sz="1050" b="1" dirty="0" smtClean="0">
+              <a:rPr lang="en-US" sz="1050" b="1" dirty="0">
                 <a:solidFill>
                   <a:schemeClr val="accent6">
                     <a:lumMod val="75000"/>
@@ -4176,7 +4160,7 @@
               </a:rPr>
             </a:br>
             <a:r>
-              <a:rPr lang="en-US" sz="1050" b="1" dirty="0" smtClean="0">
+              <a:rPr lang="en-US" sz="1050" b="1" dirty="0">
                 <a:solidFill>
                   <a:schemeClr val="accent6">
                     <a:lumMod val="75000"/>
@@ -4243,7 +4227,7 @@
           <a:p>
             <a:pPr algn="ctr"/>
             <a:r>
-              <a:rPr lang="en-US" sz="1050" dirty="0" smtClean="0">
+              <a:rPr lang="en-US" sz="1050" dirty="0">
                 <a:solidFill>
                   <a:schemeClr val="bg1"/>
                 </a:solidFill>
@@ -4251,14 +4235,14 @@
               <a:t>&lt;&lt;interface&gt;&gt;</a:t>
             </a:r>
             <a:br>
-              <a:rPr lang="en-US" sz="1050" dirty="0" smtClean="0">
+              <a:rPr lang="en-US" sz="1050" dirty="0">
                 <a:solidFill>
                   <a:schemeClr val="bg1"/>
                 </a:solidFill>
               </a:rPr>
             </a:br>
             <a:r>
-              <a:rPr lang="en-US" sz="1050" dirty="0" err="1" smtClean="0">
+              <a:rPr lang="en-US" sz="1050" dirty="0" err="1">
                 <a:solidFill>
                   <a:schemeClr val="bg1"/>
                 </a:solidFill>
@@ -4516,30 +4500,22 @@
           <a:p>
             <a:pPr algn="ctr"/>
             <a:r>
-              <a:rPr lang="en-US" sz="1050" dirty="0" err="1" smtClean="0">
+              <a:rPr lang="en-US" sz="1050" dirty="0" err="1">
                 <a:solidFill>
                   <a:schemeClr val="bg1"/>
                 </a:solidFill>
               </a:rPr>
               <a:t>JsonUserPrefs</a:t>
             </a:r>
-            <a:r>
-              <a:rPr lang="en-US" sz="1050" dirty="0" smtClean="0">
-                <a:solidFill>
-                  <a:schemeClr val="bg1"/>
-                </a:solidFill>
-              </a:rPr>
-              <a:t/>
-            </a:r>
             <a:br>
-              <a:rPr lang="en-US" sz="1050" dirty="0" smtClean="0">
+              <a:rPr lang="en-US" sz="1050" dirty="0">
                 <a:solidFill>
                   <a:schemeClr val="bg1"/>
                 </a:solidFill>
               </a:rPr>
             </a:br>
             <a:r>
-              <a:rPr lang="en-US" sz="1050" dirty="0" smtClean="0">
+              <a:rPr lang="en-US" sz="1050" dirty="0">
                 <a:solidFill>
                   <a:schemeClr val="bg1"/>
                 </a:solidFill>
@@ -4591,7 +4567,7 @@
           <a:p>
             <a:pPr algn="ctr"/>
             <a:r>
-              <a:rPr lang="en-US" sz="1050" b="1" dirty="0" err="1" smtClean="0">
+              <a:rPr lang="en-US" sz="1050" b="1" dirty="0" err="1">
                 <a:solidFill>
                   <a:schemeClr val="accent6">
                     <a:lumMod val="75000"/>
@@ -4600,18 +4576,8 @@
               </a:rPr>
               <a:t>XmlSerializable</a:t>
             </a:r>
-            <a:r>
-              <a:rPr lang="en-US" sz="1050" b="1" dirty="0" smtClean="0">
-                <a:solidFill>
-                  <a:schemeClr val="accent6">
-                    <a:lumMod val="75000"/>
-                  </a:schemeClr>
-                </a:solidFill>
-              </a:rPr>
-              <a:t/>
-            </a:r>
             <a:br>
-              <a:rPr lang="en-US" sz="1050" b="1" dirty="0" smtClean="0">
+              <a:rPr lang="en-US" sz="1050" b="1" dirty="0">
                 <a:solidFill>
                   <a:schemeClr val="accent6">
                     <a:lumMod val="75000"/>
@@ -4620,7 +4586,7 @@
               </a:rPr>
             </a:br>
             <a:r>
-              <a:rPr lang="en-US" sz="1050" b="1" dirty="0" err="1" smtClean="0">
+              <a:rPr lang="en-US" sz="1050" b="1" dirty="0" err="1">
                 <a:solidFill>
                   <a:schemeClr val="accent6">
                     <a:lumMod val="75000"/>
@@ -4717,7 +4683,7 @@
           <a:p>
             <a:pPr algn="ctr"/>
             <a:r>
-              <a:rPr lang="en-US" sz="1050" b="1" dirty="0" err="1" smtClean="0">
+              <a:rPr lang="en-US" sz="1050" b="1" dirty="0" err="1">
                 <a:solidFill>
                   <a:schemeClr val="accent6">
                     <a:lumMod val="75000"/>
@@ -4773,7 +4739,7 @@
           <a:p>
             <a:pPr algn="ctr"/>
             <a:r>
-              <a:rPr lang="en-US" sz="1050" b="1" dirty="0" err="1" smtClean="0">
+              <a:rPr lang="en-US" sz="1050" b="1" dirty="0" err="1">
                 <a:solidFill>
                   <a:schemeClr val="accent6">
                     <a:lumMod val="75000"/>
@@ -4804,6 +4770,1883 @@
         <p:spPr>
           <a:xfrm flipV="1">
             <a:off x="7220507" y="3333004"/>
+            <a:ext cx="395231" cy="786"/>
+          </a:xfrm>
+          <a:prstGeom prst="bentConnector3">
+            <a:avLst>
+              <a:gd name="adj1" fmla="val 50000"/>
+            </a:avLst>
+          </a:prstGeom>
+          <a:ln w="19050">
+            <a:prstDash val="sysDot"/>
+            <a:headEnd type="none" w="med" len="med"/>
+            <a:tailEnd type="arrow" w="med" len="med"/>
+          </a:ln>
+          <a:effectLst/>
+        </p:spPr>
+        <p:style>
+          <a:lnRef idx="1">
+            <a:schemeClr val="accent6"/>
+          </a:lnRef>
+          <a:fillRef idx="2">
+            <a:schemeClr val="accent6"/>
+          </a:fillRef>
+          <a:effectRef idx="1">
+            <a:schemeClr val="accent6"/>
+          </a:effectRef>
+          <a:fontRef idx="minor">
+            <a:schemeClr val="dk1"/>
+          </a:fontRef>
+        </p:style>
+      </p:cxnSp>
+      <p:sp>
+        <p:nvSpPr>
+          <p:cNvPr id="26" name="Rectangle 8">
+            <a:extLst>
+              <a:ext uri="{FF2B5EF4-FFF2-40B4-BE49-F238E27FC236}">
+                <a16:creationId xmlns:a16="http://schemas.microsoft.com/office/drawing/2014/main" id="{B6C53FE2-B81F-4A9C-ACDB-68D33DA2EC64}"/>
+              </a:ext>
+            </a:extLst>
+          </p:cNvPr>
+          <p:cNvSpPr/>
+          <p:nvPr/>
+        </p:nvSpPr>
+        <p:spPr>
+          <a:xfrm>
+            <a:off x="2873943" y="3740023"/>
+            <a:ext cx="1323049" cy="346760"/>
+          </a:xfrm>
+          <a:prstGeom prst="rect">
+            <a:avLst/>
+          </a:prstGeom>
+          <a:solidFill>
+            <a:schemeClr val="accent6">
+              <a:lumMod val="75000"/>
+            </a:schemeClr>
+          </a:solidFill>
+          <a:ln w="19050">
+            <a:solidFill>
+              <a:schemeClr val="accent6">
+                <a:lumMod val="75000"/>
+              </a:schemeClr>
+            </a:solidFill>
+          </a:ln>
+          <a:effectLst/>
+        </p:spPr>
+        <p:style>
+          <a:lnRef idx="1">
+            <a:schemeClr val="accent2"/>
+          </a:lnRef>
+          <a:fillRef idx="2">
+            <a:schemeClr val="accent2"/>
+          </a:fillRef>
+          <a:effectRef idx="1">
+            <a:schemeClr val="accent2"/>
+          </a:effectRef>
+          <a:fontRef idx="minor">
+            <a:schemeClr val="dk1"/>
+          </a:fontRef>
+        </p:style>
+        <p:txBody>
+          <a:bodyPr rtlCol="0" anchor="ctr"/>
+          <a:lstStyle/>
+          <a:p>
+            <a:pPr algn="ctr"/>
+            <a:r>
+              <a:rPr lang="en-US" sz="1050" dirty="0">
+                <a:solidFill>
+                  <a:schemeClr val="bg1"/>
+                </a:solidFill>
+              </a:rPr>
+              <a:t>&lt;&lt;interface&gt;&gt;</a:t>
+            </a:r>
+            <a:br>
+              <a:rPr lang="en-US" sz="1050" dirty="0">
+                <a:solidFill>
+                  <a:schemeClr val="bg1"/>
+                </a:solidFill>
+              </a:rPr>
+            </a:br>
+            <a:r>
+              <a:rPr lang="en-US" sz="1050" dirty="0" err="1">
+                <a:solidFill>
+                  <a:schemeClr val="bg1"/>
+                </a:solidFill>
+              </a:rPr>
+              <a:t>CalendarStorage</a:t>
+            </a:r>
+            <a:endParaRPr lang="en-SG" sz="1050" dirty="0">
+              <a:solidFill>
+                <a:schemeClr val="bg1"/>
+              </a:solidFill>
+            </a:endParaRPr>
+          </a:p>
+        </p:txBody>
+      </p:sp>
+      <p:cxnSp>
+        <p:nvCxnSpPr>
+          <p:cNvPr id="27" name="Straight Arrow Connector 26">
+            <a:extLst>
+              <a:ext uri="{FF2B5EF4-FFF2-40B4-BE49-F238E27FC236}">
+                <a16:creationId xmlns:a16="http://schemas.microsoft.com/office/drawing/2014/main" id="{903B92AB-EDB2-49E9-9DDC-2F27ABC7E532}"/>
+              </a:ext>
+            </a:extLst>
+          </p:cNvPr>
+          <p:cNvCxnSpPr>
+            <a:stCxn id="28" idx="3"/>
+            <a:endCxn id="26" idx="1"/>
+          </p:cNvCxnSpPr>
+          <p:nvPr/>
+        </p:nvCxnSpPr>
+        <p:spPr>
+          <a:xfrm>
+            <a:off x="2653133" y="3908119"/>
+            <a:ext cx="220810" cy="5284"/>
+          </a:xfrm>
+          <a:prstGeom prst="straightConnector1">
+            <a:avLst/>
+          </a:prstGeom>
+          <a:ln w="19050">
+            <a:solidFill>
+              <a:schemeClr val="accent6">
+                <a:lumMod val="75000"/>
+              </a:schemeClr>
+            </a:solidFill>
+            <a:headEnd type="none" w="med" len="med"/>
+            <a:tailEnd type="arrow" w="med" len="med"/>
+          </a:ln>
+          <a:effectLst/>
+        </p:spPr>
+        <p:style>
+          <a:lnRef idx="1">
+            <a:schemeClr val="accent2"/>
+          </a:lnRef>
+          <a:fillRef idx="2">
+            <a:schemeClr val="accent2"/>
+          </a:fillRef>
+          <a:effectRef idx="1">
+            <a:schemeClr val="accent2"/>
+          </a:effectRef>
+          <a:fontRef idx="minor">
+            <a:schemeClr val="dk1"/>
+          </a:fontRef>
+        </p:style>
+      </p:cxnSp>
+      <p:sp>
+        <p:nvSpPr>
+          <p:cNvPr id="28" name="Flowchart: Decision 96">
+            <a:extLst>
+              <a:ext uri="{FF2B5EF4-FFF2-40B4-BE49-F238E27FC236}">
+                <a16:creationId xmlns:a16="http://schemas.microsoft.com/office/drawing/2014/main" id="{7E7B48CA-655A-4A10-B791-4E35ADEF70EB}"/>
+              </a:ext>
+            </a:extLst>
+          </p:cNvPr>
+          <p:cNvSpPr/>
+          <p:nvPr/>
+        </p:nvSpPr>
+        <p:spPr>
+          <a:xfrm>
+            <a:off x="2417085" y="3821429"/>
+            <a:ext cx="236048" cy="173380"/>
+          </a:xfrm>
+          <a:prstGeom prst="flowChartDecision">
+            <a:avLst/>
+          </a:prstGeom>
+          <a:noFill/>
+          <a:ln w="19050">
+            <a:solidFill>
+              <a:schemeClr val="accent6">
+                <a:lumMod val="75000"/>
+              </a:schemeClr>
+            </a:solidFill>
+          </a:ln>
+          <a:effectLst/>
+        </p:spPr>
+        <p:style>
+          <a:lnRef idx="1">
+            <a:schemeClr val="accent2"/>
+          </a:lnRef>
+          <a:fillRef idx="2">
+            <a:schemeClr val="accent2"/>
+          </a:fillRef>
+          <a:effectRef idx="1">
+            <a:schemeClr val="accent2"/>
+          </a:effectRef>
+          <a:fontRef idx="minor">
+            <a:schemeClr val="dk1"/>
+          </a:fontRef>
+        </p:style>
+        <p:txBody>
+          <a:bodyPr rtlCol="0" anchor="ctr"/>
+          <a:lstStyle/>
+          <a:p>
+            <a:pPr algn="ctr"/>
+            <a:endParaRPr lang="en-US" sz="1050">
+              <a:solidFill>
+                <a:schemeClr val="bg1"/>
+              </a:solidFill>
+            </a:endParaRPr>
+          </a:p>
+        </p:txBody>
+      </p:sp>
+      <p:cxnSp>
+        <p:nvCxnSpPr>
+          <p:cNvPr id="29" name="Elbow Connector 63">
+            <a:extLst>
+              <a:ext uri="{FF2B5EF4-FFF2-40B4-BE49-F238E27FC236}">
+                <a16:creationId xmlns:a16="http://schemas.microsoft.com/office/drawing/2014/main" id="{564C5AFA-509B-45A3-BF78-F8632CC75C15}"/>
+              </a:ext>
+            </a:extLst>
+          </p:cNvPr>
+          <p:cNvCxnSpPr>
+            <a:stCxn id="30" idx="3"/>
+            <a:endCxn id="31" idx="1"/>
+          </p:cNvCxnSpPr>
+          <p:nvPr/>
+        </p:nvCxnSpPr>
+        <p:spPr>
+          <a:xfrm flipV="1">
+            <a:off x="4394804" y="3913403"/>
+            <a:ext cx="223324" cy="1"/>
+          </a:xfrm>
+          <a:prstGeom prst="bentConnector3">
+            <a:avLst>
+              <a:gd name="adj1" fmla="val 50000"/>
+            </a:avLst>
+          </a:prstGeom>
+          <a:ln w="19050">
+            <a:solidFill>
+              <a:schemeClr val="accent6">
+                <a:lumMod val="75000"/>
+              </a:schemeClr>
+            </a:solidFill>
+            <a:prstDash val="sysDot"/>
+            <a:headEnd type="none" w="med" len="med"/>
+            <a:tailEnd type="none" w="med" len="med"/>
+          </a:ln>
+          <a:effectLst/>
+        </p:spPr>
+        <p:style>
+          <a:lnRef idx="1">
+            <a:schemeClr val="accent2"/>
+          </a:lnRef>
+          <a:fillRef idx="2">
+            <a:schemeClr val="accent2"/>
+          </a:fillRef>
+          <a:effectRef idx="1">
+            <a:schemeClr val="accent2"/>
+          </a:effectRef>
+          <a:fontRef idx="minor">
+            <a:schemeClr val="dk1"/>
+          </a:fontRef>
+        </p:style>
+      </p:cxnSp>
+      <p:sp>
+        <p:nvSpPr>
+          <p:cNvPr id="30" name="Isosceles Triangle 102">
+            <a:extLst>
+              <a:ext uri="{FF2B5EF4-FFF2-40B4-BE49-F238E27FC236}">
+                <a16:creationId xmlns:a16="http://schemas.microsoft.com/office/drawing/2014/main" id="{1429E53F-13AD-49A3-91E4-C9972D46AA8B}"/>
+              </a:ext>
+            </a:extLst>
+          </p:cNvPr>
+          <p:cNvSpPr/>
+          <p:nvPr/>
+        </p:nvSpPr>
+        <p:spPr>
+          <a:xfrm rot="5400000" flipV="1">
+            <a:off x="4171790" y="3825642"/>
+            <a:ext cx="270504" cy="175523"/>
+          </a:xfrm>
+          <a:prstGeom prst="triangle">
+            <a:avLst/>
+          </a:prstGeom>
+          <a:solidFill>
+            <a:schemeClr val="accent6">
+              <a:lumMod val="75000"/>
+            </a:schemeClr>
+          </a:solidFill>
+          <a:ln w="19050">
+            <a:solidFill>
+              <a:schemeClr val="accent6">
+                <a:lumMod val="75000"/>
+              </a:schemeClr>
+            </a:solidFill>
+          </a:ln>
+          <a:effectLst/>
+        </p:spPr>
+        <p:style>
+          <a:lnRef idx="1">
+            <a:schemeClr val="accent2"/>
+          </a:lnRef>
+          <a:fillRef idx="2">
+            <a:schemeClr val="accent2"/>
+          </a:fillRef>
+          <a:effectRef idx="1">
+            <a:schemeClr val="accent2"/>
+          </a:effectRef>
+          <a:fontRef idx="minor">
+            <a:schemeClr val="dk1"/>
+          </a:fontRef>
+        </p:style>
+        <p:txBody>
+          <a:bodyPr rtlCol="0" anchor="ctr"/>
+          <a:lstStyle/>
+          <a:p>
+            <a:pPr algn="ctr"/>
+            <a:endParaRPr lang="en-SG" sz="1050">
+              <a:solidFill>
+                <a:schemeClr val="bg1"/>
+              </a:solidFill>
+            </a:endParaRPr>
+          </a:p>
+        </p:txBody>
+      </p:sp>
+      <p:sp>
+        <p:nvSpPr>
+          <p:cNvPr id="31" name="Rectangle 8">
+            <a:extLst>
+              <a:ext uri="{FF2B5EF4-FFF2-40B4-BE49-F238E27FC236}">
+                <a16:creationId xmlns:a16="http://schemas.microsoft.com/office/drawing/2014/main" id="{C8F942F3-A516-4288-B4B7-45AA38B8BDA3}"/>
+              </a:ext>
+            </a:extLst>
+          </p:cNvPr>
+          <p:cNvSpPr/>
+          <p:nvPr/>
+        </p:nvSpPr>
+        <p:spPr>
+          <a:xfrm>
+            <a:off x="4618128" y="3740023"/>
+            <a:ext cx="1093635" cy="346760"/>
+          </a:xfrm>
+          <a:prstGeom prst="rect">
+            <a:avLst/>
+          </a:prstGeom>
+          <a:solidFill>
+            <a:schemeClr val="accent6">
+              <a:lumMod val="75000"/>
+            </a:schemeClr>
+          </a:solidFill>
+          <a:ln w="19050">
+            <a:solidFill>
+              <a:schemeClr val="accent6">
+                <a:lumMod val="75000"/>
+              </a:schemeClr>
+            </a:solidFill>
+          </a:ln>
+          <a:effectLst/>
+        </p:spPr>
+        <p:style>
+          <a:lnRef idx="1">
+            <a:schemeClr val="accent2"/>
+          </a:lnRef>
+          <a:fillRef idx="2">
+            <a:schemeClr val="accent2"/>
+          </a:fillRef>
+          <a:effectRef idx="1">
+            <a:schemeClr val="accent2"/>
+          </a:effectRef>
+          <a:fontRef idx="minor">
+            <a:schemeClr val="dk1"/>
+          </a:fontRef>
+        </p:style>
+        <p:txBody>
+          <a:bodyPr rtlCol="0" anchor="ctr"/>
+          <a:lstStyle/>
+          <a:p>
+            <a:pPr algn="ctr"/>
+            <a:r>
+              <a:rPr lang="en-US" sz="1050" dirty="0" err="1">
+                <a:solidFill>
+                  <a:schemeClr val="bg1"/>
+                </a:solidFill>
+              </a:rPr>
+              <a:t>IcsCalendar</a:t>
+            </a:r>
+            <a:endParaRPr lang="en-US" sz="1050" dirty="0">
+              <a:solidFill>
+                <a:schemeClr val="bg1"/>
+              </a:solidFill>
+            </a:endParaRPr>
+          </a:p>
+          <a:p>
+            <a:pPr algn="ctr"/>
+            <a:r>
+              <a:rPr lang="en-US" sz="1050" dirty="0">
+                <a:solidFill>
+                  <a:schemeClr val="bg1"/>
+                </a:solidFill>
+              </a:rPr>
+              <a:t>Storage</a:t>
+            </a:r>
+            <a:endParaRPr lang="en-SG" sz="1050" dirty="0">
+              <a:solidFill>
+                <a:schemeClr val="bg1"/>
+              </a:solidFill>
+            </a:endParaRPr>
+          </a:p>
+        </p:txBody>
+      </p:sp>
+      <p:sp>
+        <p:nvSpPr>
+          <p:cNvPr id="32" name="Rectangle 8">
+            <a:extLst>
+              <a:ext uri="{FF2B5EF4-FFF2-40B4-BE49-F238E27FC236}">
+                <a16:creationId xmlns:a16="http://schemas.microsoft.com/office/drawing/2014/main" id="{44AAE26F-7EBF-47A7-9AD3-AF383CBEB7EC}"/>
+              </a:ext>
+            </a:extLst>
+          </p:cNvPr>
+          <p:cNvSpPr/>
+          <p:nvPr/>
+        </p:nvSpPr>
+        <p:spPr>
+          <a:xfrm>
+            <a:off x="2872662" y="4283581"/>
+            <a:ext cx="1323049" cy="346760"/>
+          </a:xfrm>
+          <a:prstGeom prst="rect">
+            <a:avLst/>
+          </a:prstGeom>
+          <a:solidFill>
+            <a:schemeClr val="accent6">
+              <a:lumMod val="75000"/>
+            </a:schemeClr>
+          </a:solidFill>
+          <a:ln w="19050">
+            <a:solidFill>
+              <a:schemeClr val="accent6">
+                <a:lumMod val="75000"/>
+              </a:schemeClr>
+            </a:solidFill>
+          </a:ln>
+          <a:effectLst/>
+        </p:spPr>
+        <p:style>
+          <a:lnRef idx="1">
+            <a:schemeClr val="accent2"/>
+          </a:lnRef>
+          <a:fillRef idx="2">
+            <a:schemeClr val="accent2"/>
+          </a:fillRef>
+          <a:effectRef idx="1">
+            <a:schemeClr val="accent2"/>
+          </a:effectRef>
+          <a:fontRef idx="minor">
+            <a:schemeClr val="dk1"/>
+          </a:fontRef>
+        </p:style>
+        <p:txBody>
+          <a:bodyPr rtlCol="0" anchor="ctr"/>
+          <a:lstStyle/>
+          <a:p>
+            <a:pPr algn="ctr"/>
+            <a:r>
+              <a:rPr lang="en-US" sz="1050" dirty="0">
+                <a:solidFill>
+                  <a:schemeClr val="bg1"/>
+                </a:solidFill>
+              </a:rPr>
+              <a:t>&lt;&lt;interface&gt;&gt;</a:t>
+            </a:r>
+            <a:br>
+              <a:rPr lang="en-US" sz="1050" dirty="0">
+                <a:solidFill>
+                  <a:schemeClr val="bg1"/>
+                </a:solidFill>
+              </a:rPr>
+            </a:br>
+            <a:r>
+              <a:rPr lang="en-US" sz="1050" dirty="0" err="1">
+                <a:solidFill>
+                  <a:schemeClr val="bg1"/>
+                </a:solidFill>
+              </a:rPr>
+              <a:t>EmailStorage</a:t>
+            </a:r>
+            <a:endParaRPr lang="en-SG" sz="1050" dirty="0">
+              <a:solidFill>
+                <a:schemeClr val="bg1"/>
+              </a:solidFill>
+            </a:endParaRPr>
+          </a:p>
+        </p:txBody>
+      </p:sp>
+      <p:cxnSp>
+        <p:nvCxnSpPr>
+          <p:cNvPr id="33" name="Straight Arrow Connector 32">
+            <a:extLst>
+              <a:ext uri="{FF2B5EF4-FFF2-40B4-BE49-F238E27FC236}">
+                <a16:creationId xmlns:a16="http://schemas.microsoft.com/office/drawing/2014/main" id="{FA7B32E7-03A6-4998-BB46-5DABFA797326}"/>
+              </a:ext>
+            </a:extLst>
+          </p:cNvPr>
+          <p:cNvCxnSpPr>
+            <a:stCxn id="34" idx="3"/>
+            <a:endCxn id="32" idx="1"/>
+          </p:cNvCxnSpPr>
+          <p:nvPr/>
+        </p:nvCxnSpPr>
+        <p:spPr>
+          <a:xfrm>
+            <a:off x="2651852" y="4451677"/>
+            <a:ext cx="220810" cy="5284"/>
+          </a:xfrm>
+          <a:prstGeom prst="straightConnector1">
+            <a:avLst/>
+          </a:prstGeom>
+          <a:ln w="19050">
+            <a:solidFill>
+              <a:schemeClr val="accent6">
+                <a:lumMod val="75000"/>
+              </a:schemeClr>
+            </a:solidFill>
+            <a:headEnd type="none" w="med" len="med"/>
+            <a:tailEnd type="arrow" w="med" len="med"/>
+          </a:ln>
+          <a:effectLst/>
+        </p:spPr>
+        <p:style>
+          <a:lnRef idx="1">
+            <a:schemeClr val="accent2"/>
+          </a:lnRef>
+          <a:fillRef idx="2">
+            <a:schemeClr val="accent2"/>
+          </a:fillRef>
+          <a:effectRef idx="1">
+            <a:schemeClr val="accent2"/>
+          </a:effectRef>
+          <a:fontRef idx="minor">
+            <a:schemeClr val="dk1"/>
+          </a:fontRef>
+        </p:style>
+      </p:cxnSp>
+      <p:sp>
+        <p:nvSpPr>
+          <p:cNvPr id="34" name="Flowchart: Decision 96">
+            <a:extLst>
+              <a:ext uri="{FF2B5EF4-FFF2-40B4-BE49-F238E27FC236}">
+                <a16:creationId xmlns:a16="http://schemas.microsoft.com/office/drawing/2014/main" id="{24ACCF21-DB7E-431E-A30F-9B340265983F}"/>
+              </a:ext>
+            </a:extLst>
+          </p:cNvPr>
+          <p:cNvSpPr/>
+          <p:nvPr/>
+        </p:nvSpPr>
+        <p:spPr>
+          <a:xfrm>
+            <a:off x="2415804" y="4364987"/>
+            <a:ext cx="236048" cy="173380"/>
+          </a:xfrm>
+          <a:prstGeom prst="flowChartDecision">
+            <a:avLst/>
+          </a:prstGeom>
+          <a:noFill/>
+          <a:ln w="19050">
+            <a:solidFill>
+              <a:schemeClr val="accent6">
+                <a:lumMod val="75000"/>
+              </a:schemeClr>
+            </a:solidFill>
+          </a:ln>
+          <a:effectLst/>
+        </p:spPr>
+        <p:style>
+          <a:lnRef idx="1">
+            <a:schemeClr val="accent2"/>
+          </a:lnRef>
+          <a:fillRef idx="2">
+            <a:schemeClr val="accent2"/>
+          </a:fillRef>
+          <a:effectRef idx="1">
+            <a:schemeClr val="accent2"/>
+          </a:effectRef>
+          <a:fontRef idx="minor">
+            <a:schemeClr val="dk1"/>
+          </a:fontRef>
+        </p:style>
+        <p:txBody>
+          <a:bodyPr rtlCol="0" anchor="ctr"/>
+          <a:lstStyle/>
+          <a:p>
+            <a:pPr algn="ctr"/>
+            <a:endParaRPr lang="en-US" sz="1050">
+              <a:solidFill>
+                <a:schemeClr val="bg1"/>
+              </a:solidFill>
+            </a:endParaRPr>
+          </a:p>
+        </p:txBody>
+      </p:sp>
+      <p:cxnSp>
+        <p:nvCxnSpPr>
+          <p:cNvPr id="35" name="Elbow Connector 63">
+            <a:extLst>
+              <a:ext uri="{FF2B5EF4-FFF2-40B4-BE49-F238E27FC236}">
+                <a16:creationId xmlns:a16="http://schemas.microsoft.com/office/drawing/2014/main" id="{3AFF04D7-E950-4590-9F6F-31B2B1BF51F4}"/>
+              </a:ext>
+            </a:extLst>
+          </p:cNvPr>
+          <p:cNvCxnSpPr>
+            <a:stCxn id="36" idx="3"/>
+            <a:endCxn id="37" idx="1"/>
+          </p:cNvCxnSpPr>
+          <p:nvPr/>
+        </p:nvCxnSpPr>
+        <p:spPr>
+          <a:xfrm flipV="1">
+            <a:off x="4393523" y="4456961"/>
+            <a:ext cx="223324" cy="1"/>
+          </a:xfrm>
+          <a:prstGeom prst="bentConnector3">
+            <a:avLst>
+              <a:gd name="adj1" fmla="val 50000"/>
+            </a:avLst>
+          </a:prstGeom>
+          <a:ln w="19050">
+            <a:solidFill>
+              <a:schemeClr val="accent6">
+                <a:lumMod val="75000"/>
+              </a:schemeClr>
+            </a:solidFill>
+            <a:prstDash val="sysDot"/>
+            <a:headEnd type="none" w="med" len="med"/>
+            <a:tailEnd type="none" w="med" len="med"/>
+          </a:ln>
+          <a:effectLst/>
+        </p:spPr>
+        <p:style>
+          <a:lnRef idx="1">
+            <a:schemeClr val="accent2"/>
+          </a:lnRef>
+          <a:fillRef idx="2">
+            <a:schemeClr val="accent2"/>
+          </a:fillRef>
+          <a:effectRef idx="1">
+            <a:schemeClr val="accent2"/>
+          </a:effectRef>
+          <a:fontRef idx="minor">
+            <a:schemeClr val="dk1"/>
+          </a:fontRef>
+        </p:style>
+      </p:cxnSp>
+      <p:sp>
+        <p:nvSpPr>
+          <p:cNvPr id="36" name="Isosceles Triangle 102">
+            <a:extLst>
+              <a:ext uri="{FF2B5EF4-FFF2-40B4-BE49-F238E27FC236}">
+                <a16:creationId xmlns:a16="http://schemas.microsoft.com/office/drawing/2014/main" id="{61B57E67-6B48-4517-93AB-0C1E9B972D9B}"/>
+              </a:ext>
+            </a:extLst>
+          </p:cNvPr>
+          <p:cNvSpPr/>
+          <p:nvPr/>
+        </p:nvSpPr>
+        <p:spPr>
+          <a:xfrm rot="5400000" flipV="1">
+            <a:off x="4170509" y="4369200"/>
+            <a:ext cx="270504" cy="175523"/>
+          </a:xfrm>
+          <a:prstGeom prst="triangle">
+            <a:avLst/>
+          </a:prstGeom>
+          <a:solidFill>
+            <a:schemeClr val="accent6">
+              <a:lumMod val="75000"/>
+            </a:schemeClr>
+          </a:solidFill>
+          <a:ln w="19050">
+            <a:solidFill>
+              <a:schemeClr val="accent6">
+                <a:lumMod val="75000"/>
+              </a:schemeClr>
+            </a:solidFill>
+          </a:ln>
+          <a:effectLst/>
+        </p:spPr>
+        <p:style>
+          <a:lnRef idx="1">
+            <a:schemeClr val="accent2"/>
+          </a:lnRef>
+          <a:fillRef idx="2">
+            <a:schemeClr val="accent2"/>
+          </a:fillRef>
+          <a:effectRef idx="1">
+            <a:schemeClr val="accent2"/>
+          </a:effectRef>
+          <a:fontRef idx="minor">
+            <a:schemeClr val="dk1"/>
+          </a:fontRef>
+        </p:style>
+        <p:txBody>
+          <a:bodyPr rtlCol="0" anchor="ctr"/>
+          <a:lstStyle/>
+          <a:p>
+            <a:pPr algn="ctr"/>
+            <a:endParaRPr lang="en-SG" sz="1050">
+              <a:solidFill>
+                <a:schemeClr val="bg1"/>
+              </a:solidFill>
+            </a:endParaRPr>
+          </a:p>
+        </p:txBody>
+      </p:sp>
+      <p:sp>
+        <p:nvSpPr>
+          <p:cNvPr id="37" name="Rectangle 8">
+            <a:extLst>
+              <a:ext uri="{FF2B5EF4-FFF2-40B4-BE49-F238E27FC236}">
+                <a16:creationId xmlns:a16="http://schemas.microsoft.com/office/drawing/2014/main" id="{EEFE3555-C5B5-47D0-ABCF-71A22834F3D5}"/>
+              </a:ext>
+            </a:extLst>
+          </p:cNvPr>
+          <p:cNvSpPr/>
+          <p:nvPr/>
+        </p:nvSpPr>
+        <p:spPr>
+          <a:xfrm>
+            <a:off x="4616847" y="4283581"/>
+            <a:ext cx="1093635" cy="346760"/>
+          </a:xfrm>
+          <a:prstGeom prst="rect">
+            <a:avLst/>
+          </a:prstGeom>
+          <a:solidFill>
+            <a:schemeClr val="accent6">
+              <a:lumMod val="75000"/>
+            </a:schemeClr>
+          </a:solidFill>
+          <a:ln w="19050">
+            <a:solidFill>
+              <a:schemeClr val="accent6">
+                <a:lumMod val="75000"/>
+              </a:schemeClr>
+            </a:solidFill>
+          </a:ln>
+          <a:effectLst/>
+        </p:spPr>
+        <p:style>
+          <a:lnRef idx="1">
+            <a:schemeClr val="accent2"/>
+          </a:lnRef>
+          <a:fillRef idx="2">
+            <a:schemeClr val="accent2"/>
+          </a:fillRef>
+          <a:effectRef idx="1">
+            <a:schemeClr val="accent2"/>
+          </a:effectRef>
+          <a:fontRef idx="minor">
+            <a:schemeClr val="dk1"/>
+          </a:fontRef>
+        </p:style>
+        <p:txBody>
+          <a:bodyPr rtlCol="0" anchor="ctr"/>
+          <a:lstStyle/>
+          <a:p>
+            <a:pPr algn="ctr"/>
+            <a:r>
+              <a:rPr lang="en-US" sz="1050" dirty="0" err="1">
+                <a:solidFill>
+                  <a:schemeClr val="bg1"/>
+                </a:solidFill>
+              </a:rPr>
+              <a:t>EmailDir</a:t>
+            </a:r>
+            <a:endParaRPr lang="en-US" sz="1050" dirty="0">
+              <a:solidFill>
+                <a:schemeClr val="bg1"/>
+              </a:solidFill>
+            </a:endParaRPr>
+          </a:p>
+          <a:p>
+            <a:pPr algn="ctr"/>
+            <a:r>
+              <a:rPr lang="en-US" sz="1050" dirty="0">
+                <a:solidFill>
+                  <a:schemeClr val="bg1"/>
+                </a:solidFill>
+              </a:rPr>
+              <a:t>Storage</a:t>
+            </a:r>
+            <a:endParaRPr lang="en-SG" sz="1050" dirty="0">
+              <a:solidFill>
+                <a:schemeClr val="bg1"/>
+              </a:solidFill>
+            </a:endParaRPr>
+          </a:p>
+        </p:txBody>
+      </p:sp>
+      <p:sp>
+        <p:nvSpPr>
+          <p:cNvPr id="38" name="Rectangle 8">
+            <a:extLst>
+              <a:ext uri="{FF2B5EF4-FFF2-40B4-BE49-F238E27FC236}">
+                <a16:creationId xmlns:a16="http://schemas.microsoft.com/office/drawing/2014/main" id="{6E3EE044-7EFE-460D-8858-2C431E2ADDF9}"/>
+              </a:ext>
+            </a:extLst>
+          </p:cNvPr>
+          <p:cNvSpPr/>
+          <p:nvPr/>
+        </p:nvSpPr>
+        <p:spPr>
+          <a:xfrm>
+            <a:off x="2878058" y="5459773"/>
+            <a:ext cx="1323049" cy="346760"/>
+          </a:xfrm>
+          <a:prstGeom prst="rect">
+            <a:avLst/>
+          </a:prstGeom>
+          <a:solidFill>
+            <a:schemeClr val="accent6">
+              <a:lumMod val="75000"/>
+            </a:schemeClr>
+          </a:solidFill>
+          <a:ln w="19050">
+            <a:solidFill>
+              <a:schemeClr val="accent6">
+                <a:lumMod val="75000"/>
+              </a:schemeClr>
+            </a:solidFill>
+          </a:ln>
+          <a:effectLst/>
+        </p:spPr>
+        <p:style>
+          <a:lnRef idx="1">
+            <a:schemeClr val="accent2"/>
+          </a:lnRef>
+          <a:fillRef idx="2">
+            <a:schemeClr val="accent2"/>
+          </a:fillRef>
+          <a:effectRef idx="1">
+            <a:schemeClr val="accent2"/>
+          </a:effectRef>
+          <a:fontRef idx="minor">
+            <a:schemeClr val="dk1"/>
+          </a:fontRef>
+        </p:style>
+        <p:txBody>
+          <a:bodyPr rtlCol="0" anchor="ctr"/>
+          <a:lstStyle/>
+          <a:p>
+            <a:pPr algn="ctr"/>
+            <a:r>
+              <a:rPr lang="en-US" sz="1050" dirty="0">
+                <a:solidFill>
+                  <a:schemeClr val="bg1"/>
+                </a:solidFill>
+              </a:rPr>
+              <a:t>&lt;&lt;interface&gt;&gt;</a:t>
+            </a:r>
+          </a:p>
+          <a:p>
+            <a:pPr algn="ctr"/>
+            <a:r>
+              <a:rPr lang="en-US" sz="1050" dirty="0" err="1">
+                <a:solidFill>
+                  <a:schemeClr val="bg1"/>
+                </a:solidFill>
+              </a:rPr>
+              <a:t>BudgetBookStorage</a:t>
+            </a:r>
+            <a:endParaRPr lang="en-SG" sz="1050" dirty="0">
+              <a:solidFill>
+                <a:schemeClr val="bg1"/>
+              </a:solidFill>
+            </a:endParaRPr>
+          </a:p>
+        </p:txBody>
+      </p:sp>
+      <p:cxnSp>
+        <p:nvCxnSpPr>
+          <p:cNvPr id="39" name="Straight Arrow Connector 38">
+            <a:extLst>
+              <a:ext uri="{FF2B5EF4-FFF2-40B4-BE49-F238E27FC236}">
+                <a16:creationId xmlns:a16="http://schemas.microsoft.com/office/drawing/2014/main" id="{2E7079F3-CC30-4415-85CE-D866DC1F1D2E}"/>
+              </a:ext>
+            </a:extLst>
+          </p:cNvPr>
+          <p:cNvCxnSpPr>
+            <a:stCxn id="40" idx="3"/>
+            <a:endCxn id="38" idx="1"/>
+          </p:cNvCxnSpPr>
+          <p:nvPr/>
+        </p:nvCxnSpPr>
+        <p:spPr>
+          <a:xfrm>
+            <a:off x="2657248" y="5627869"/>
+            <a:ext cx="220810" cy="5284"/>
+          </a:xfrm>
+          <a:prstGeom prst="straightConnector1">
+            <a:avLst/>
+          </a:prstGeom>
+          <a:ln w="19050">
+            <a:solidFill>
+              <a:schemeClr val="accent6">
+                <a:lumMod val="75000"/>
+              </a:schemeClr>
+            </a:solidFill>
+            <a:headEnd type="none" w="med" len="med"/>
+            <a:tailEnd type="arrow" w="med" len="med"/>
+          </a:ln>
+          <a:effectLst/>
+        </p:spPr>
+        <p:style>
+          <a:lnRef idx="1">
+            <a:schemeClr val="accent2"/>
+          </a:lnRef>
+          <a:fillRef idx="2">
+            <a:schemeClr val="accent2"/>
+          </a:fillRef>
+          <a:effectRef idx="1">
+            <a:schemeClr val="accent2"/>
+          </a:effectRef>
+          <a:fontRef idx="minor">
+            <a:schemeClr val="dk1"/>
+          </a:fontRef>
+        </p:style>
+      </p:cxnSp>
+      <p:sp>
+        <p:nvSpPr>
+          <p:cNvPr id="40" name="Flowchart: Decision 96">
+            <a:extLst>
+              <a:ext uri="{FF2B5EF4-FFF2-40B4-BE49-F238E27FC236}">
+                <a16:creationId xmlns:a16="http://schemas.microsoft.com/office/drawing/2014/main" id="{AF1ADD3B-1A3C-4DE6-91F6-E190AD95A43E}"/>
+              </a:ext>
+            </a:extLst>
+          </p:cNvPr>
+          <p:cNvSpPr/>
+          <p:nvPr/>
+        </p:nvSpPr>
+        <p:spPr>
+          <a:xfrm>
+            <a:off x="2421200" y="5541179"/>
+            <a:ext cx="236048" cy="173380"/>
+          </a:xfrm>
+          <a:prstGeom prst="flowChartDecision">
+            <a:avLst/>
+          </a:prstGeom>
+          <a:noFill/>
+          <a:ln w="19050">
+            <a:solidFill>
+              <a:schemeClr val="accent6">
+                <a:lumMod val="75000"/>
+              </a:schemeClr>
+            </a:solidFill>
+          </a:ln>
+          <a:effectLst/>
+        </p:spPr>
+        <p:style>
+          <a:lnRef idx="1">
+            <a:schemeClr val="accent2"/>
+          </a:lnRef>
+          <a:fillRef idx="2">
+            <a:schemeClr val="accent2"/>
+          </a:fillRef>
+          <a:effectRef idx="1">
+            <a:schemeClr val="accent2"/>
+          </a:effectRef>
+          <a:fontRef idx="minor">
+            <a:schemeClr val="dk1"/>
+          </a:fontRef>
+        </p:style>
+        <p:txBody>
+          <a:bodyPr rtlCol="0" anchor="ctr"/>
+          <a:lstStyle/>
+          <a:p>
+            <a:pPr algn="ctr"/>
+            <a:endParaRPr lang="en-US" sz="1050">
+              <a:solidFill>
+                <a:schemeClr val="bg1"/>
+              </a:solidFill>
+            </a:endParaRPr>
+          </a:p>
+        </p:txBody>
+      </p:sp>
+      <p:cxnSp>
+        <p:nvCxnSpPr>
+          <p:cNvPr id="41" name="Elbow Connector 63">
+            <a:extLst>
+              <a:ext uri="{FF2B5EF4-FFF2-40B4-BE49-F238E27FC236}">
+                <a16:creationId xmlns:a16="http://schemas.microsoft.com/office/drawing/2014/main" id="{79BEB1C1-1B00-4370-9EB5-4C729B3612B0}"/>
+              </a:ext>
+            </a:extLst>
+          </p:cNvPr>
+          <p:cNvCxnSpPr>
+            <a:stCxn id="43" idx="3"/>
+            <a:endCxn id="45" idx="1"/>
+          </p:cNvCxnSpPr>
+          <p:nvPr/>
+        </p:nvCxnSpPr>
+        <p:spPr>
+          <a:xfrm flipV="1">
+            <a:off x="4398919" y="5633153"/>
+            <a:ext cx="223324" cy="1"/>
+          </a:xfrm>
+          <a:prstGeom prst="bentConnector3">
+            <a:avLst>
+              <a:gd name="adj1" fmla="val 50000"/>
+            </a:avLst>
+          </a:prstGeom>
+          <a:ln w="19050">
+            <a:solidFill>
+              <a:schemeClr val="accent6">
+                <a:lumMod val="75000"/>
+              </a:schemeClr>
+            </a:solidFill>
+            <a:prstDash val="sysDot"/>
+            <a:headEnd type="none" w="med" len="med"/>
+            <a:tailEnd type="none" w="med" len="med"/>
+          </a:ln>
+          <a:effectLst/>
+        </p:spPr>
+        <p:style>
+          <a:lnRef idx="1">
+            <a:schemeClr val="accent2"/>
+          </a:lnRef>
+          <a:fillRef idx="2">
+            <a:schemeClr val="accent2"/>
+          </a:fillRef>
+          <a:effectRef idx="1">
+            <a:schemeClr val="accent2"/>
+          </a:effectRef>
+          <a:fontRef idx="minor">
+            <a:schemeClr val="dk1"/>
+          </a:fontRef>
+        </p:style>
+      </p:cxnSp>
+      <p:sp>
+        <p:nvSpPr>
+          <p:cNvPr id="43" name="Isosceles Triangle 102">
+            <a:extLst>
+              <a:ext uri="{FF2B5EF4-FFF2-40B4-BE49-F238E27FC236}">
+                <a16:creationId xmlns:a16="http://schemas.microsoft.com/office/drawing/2014/main" id="{C94BAC32-1D0E-4755-ACA6-AFFE25BF15E4}"/>
+              </a:ext>
+            </a:extLst>
+          </p:cNvPr>
+          <p:cNvSpPr/>
+          <p:nvPr/>
+        </p:nvSpPr>
+        <p:spPr>
+          <a:xfrm rot="5400000" flipV="1">
+            <a:off x="4175905" y="5545392"/>
+            <a:ext cx="270504" cy="175523"/>
+          </a:xfrm>
+          <a:prstGeom prst="triangle">
+            <a:avLst/>
+          </a:prstGeom>
+          <a:solidFill>
+            <a:schemeClr val="accent6">
+              <a:lumMod val="75000"/>
+            </a:schemeClr>
+          </a:solidFill>
+          <a:ln w="19050">
+            <a:solidFill>
+              <a:schemeClr val="accent6">
+                <a:lumMod val="75000"/>
+              </a:schemeClr>
+            </a:solidFill>
+          </a:ln>
+          <a:effectLst/>
+        </p:spPr>
+        <p:style>
+          <a:lnRef idx="1">
+            <a:schemeClr val="accent2"/>
+          </a:lnRef>
+          <a:fillRef idx="2">
+            <a:schemeClr val="accent2"/>
+          </a:fillRef>
+          <a:effectRef idx="1">
+            <a:schemeClr val="accent2"/>
+          </a:effectRef>
+          <a:fontRef idx="minor">
+            <a:schemeClr val="dk1"/>
+          </a:fontRef>
+        </p:style>
+        <p:txBody>
+          <a:bodyPr rtlCol="0" anchor="ctr"/>
+          <a:lstStyle/>
+          <a:p>
+            <a:pPr algn="ctr"/>
+            <a:endParaRPr lang="en-SG" sz="1050">
+              <a:solidFill>
+                <a:schemeClr val="bg1"/>
+              </a:solidFill>
+            </a:endParaRPr>
+          </a:p>
+        </p:txBody>
+      </p:sp>
+      <p:cxnSp>
+        <p:nvCxnSpPr>
+          <p:cNvPr id="44" name="Elbow Connector 122">
+            <a:extLst>
+              <a:ext uri="{FF2B5EF4-FFF2-40B4-BE49-F238E27FC236}">
+                <a16:creationId xmlns:a16="http://schemas.microsoft.com/office/drawing/2014/main" id="{7542BAE2-FF11-4300-90E2-BDFB954DEE61}"/>
+              </a:ext>
+            </a:extLst>
+          </p:cNvPr>
+          <p:cNvCxnSpPr>
+            <a:stCxn id="45" idx="3"/>
+            <a:endCxn id="55" idx="1"/>
+          </p:cNvCxnSpPr>
+          <p:nvPr/>
+        </p:nvCxnSpPr>
+        <p:spPr>
+          <a:xfrm>
+            <a:off x="5792078" y="5633153"/>
+            <a:ext cx="228600" cy="1970"/>
+          </a:xfrm>
+          <a:prstGeom prst="bentConnector3">
+            <a:avLst>
+              <a:gd name="adj1" fmla="val 50000"/>
+            </a:avLst>
+          </a:prstGeom>
+          <a:ln w="19050">
+            <a:solidFill>
+              <a:schemeClr val="accent6">
+                <a:lumMod val="75000"/>
+              </a:schemeClr>
+            </a:solidFill>
+            <a:prstDash val="sysDot"/>
+            <a:headEnd type="none" w="med" len="med"/>
+            <a:tailEnd type="arrow" w="med" len="med"/>
+          </a:ln>
+          <a:effectLst/>
+        </p:spPr>
+        <p:style>
+          <a:lnRef idx="1">
+            <a:schemeClr val="accent2"/>
+          </a:lnRef>
+          <a:fillRef idx="2">
+            <a:schemeClr val="accent2"/>
+          </a:fillRef>
+          <a:effectRef idx="1">
+            <a:schemeClr val="accent2"/>
+          </a:effectRef>
+          <a:fontRef idx="minor">
+            <a:schemeClr val="dk1"/>
+          </a:fontRef>
+        </p:style>
+      </p:cxnSp>
+      <p:sp>
+        <p:nvSpPr>
+          <p:cNvPr id="45" name="Rectangle 8">
+            <a:extLst>
+              <a:ext uri="{FF2B5EF4-FFF2-40B4-BE49-F238E27FC236}">
+                <a16:creationId xmlns:a16="http://schemas.microsoft.com/office/drawing/2014/main" id="{4AA4C0AE-2CFF-4A56-9D9D-E9D1FE372117}"/>
+              </a:ext>
+            </a:extLst>
+          </p:cNvPr>
+          <p:cNvSpPr/>
+          <p:nvPr/>
+        </p:nvSpPr>
+        <p:spPr>
+          <a:xfrm>
+            <a:off x="4622243" y="5459773"/>
+            <a:ext cx="1169835" cy="346760"/>
+          </a:xfrm>
+          <a:prstGeom prst="rect">
+            <a:avLst/>
+          </a:prstGeom>
+          <a:ln w="19050"/>
+          <a:effectLst/>
+        </p:spPr>
+        <p:style>
+          <a:lnRef idx="1">
+            <a:schemeClr val="accent6"/>
+          </a:lnRef>
+          <a:fillRef idx="2">
+            <a:schemeClr val="accent6"/>
+          </a:fillRef>
+          <a:effectRef idx="1">
+            <a:schemeClr val="accent6"/>
+          </a:effectRef>
+          <a:fontRef idx="minor">
+            <a:schemeClr val="dk1"/>
+          </a:fontRef>
+        </p:style>
+        <p:txBody>
+          <a:bodyPr rtlCol="0" anchor="ctr"/>
+          <a:lstStyle/>
+          <a:p>
+            <a:pPr algn="ctr"/>
+            <a:r>
+              <a:rPr lang="en-US" sz="1050" b="1" dirty="0" err="1">
+                <a:solidFill>
+                  <a:schemeClr val="accent6">
+                    <a:lumMod val="75000"/>
+                  </a:schemeClr>
+                </a:solidFill>
+              </a:rPr>
+              <a:t>XmlBudgetBook</a:t>
+            </a:r>
+            <a:br>
+              <a:rPr lang="en-US" sz="1050" b="1" dirty="0">
+                <a:solidFill>
+                  <a:schemeClr val="accent6">
+                    <a:lumMod val="75000"/>
+                  </a:schemeClr>
+                </a:solidFill>
+              </a:rPr>
+            </a:br>
+            <a:r>
+              <a:rPr lang="en-US" sz="1050" b="1" dirty="0">
+                <a:solidFill>
+                  <a:schemeClr val="accent6">
+                    <a:lumMod val="75000"/>
+                  </a:schemeClr>
+                </a:solidFill>
+              </a:rPr>
+              <a:t>Storage</a:t>
+            </a:r>
+            <a:endParaRPr lang="en-SG" sz="1050" b="1" dirty="0">
+              <a:solidFill>
+                <a:schemeClr val="accent6">
+                  <a:lumMod val="75000"/>
+                </a:schemeClr>
+              </a:solidFill>
+            </a:endParaRPr>
+          </a:p>
+        </p:txBody>
+      </p:sp>
+      <p:sp>
+        <p:nvSpPr>
+          <p:cNvPr id="46" name="Rectangle 8">
+            <a:extLst>
+              <a:ext uri="{FF2B5EF4-FFF2-40B4-BE49-F238E27FC236}">
+                <a16:creationId xmlns:a16="http://schemas.microsoft.com/office/drawing/2014/main" id="{6E6666B6-9C46-4D12-8BF8-9AEE8CD94438}"/>
+              </a:ext>
+            </a:extLst>
+          </p:cNvPr>
+          <p:cNvSpPr/>
+          <p:nvPr/>
+        </p:nvSpPr>
+        <p:spPr>
+          <a:xfrm>
+            <a:off x="2874821" y="4859373"/>
+            <a:ext cx="1323049" cy="346760"/>
+          </a:xfrm>
+          <a:prstGeom prst="rect">
+            <a:avLst/>
+          </a:prstGeom>
+          <a:solidFill>
+            <a:schemeClr val="accent6">
+              <a:lumMod val="75000"/>
+            </a:schemeClr>
+          </a:solidFill>
+          <a:ln w="19050">
+            <a:solidFill>
+              <a:schemeClr val="accent6">
+                <a:lumMod val="75000"/>
+              </a:schemeClr>
+            </a:solidFill>
+          </a:ln>
+          <a:effectLst/>
+        </p:spPr>
+        <p:style>
+          <a:lnRef idx="1">
+            <a:schemeClr val="accent2"/>
+          </a:lnRef>
+          <a:fillRef idx="2">
+            <a:schemeClr val="accent2"/>
+          </a:fillRef>
+          <a:effectRef idx="1">
+            <a:schemeClr val="accent2"/>
+          </a:effectRef>
+          <a:fontRef idx="minor">
+            <a:schemeClr val="dk1"/>
+          </a:fontRef>
+        </p:style>
+        <p:txBody>
+          <a:bodyPr rtlCol="0" anchor="ctr"/>
+          <a:lstStyle/>
+          <a:p>
+            <a:pPr algn="ctr"/>
+            <a:r>
+              <a:rPr lang="en-US" sz="1050" dirty="0">
+                <a:solidFill>
+                  <a:schemeClr val="bg1"/>
+                </a:solidFill>
+              </a:rPr>
+              <a:t>&lt;&lt;interface&gt;&gt;</a:t>
+            </a:r>
+          </a:p>
+          <a:p>
+            <a:pPr algn="ctr"/>
+            <a:r>
+              <a:rPr lang="en-US" sz="1000" dirty="0" err="1">
+                <a:solidFill>
+                  <a:schemeClr val="bg1"/>
+                </a:solidFill>
+              </a:rPr>
+              <a:t>ProfilePictureStorage</a:t>
+            </a:r>
+            <a:endParaRPr lang="en-SG" sz="1000" dirty="0">
+              <a:solidFill>
+                <a:schemeClr val="bg1"/>
+              </a:solidFill>
+            </a:endParaRPr>
+          </a:p>
+        </p:txBody>
+      </p:sp>
+      <p:cxnSp>
+        <p:nvCxnSpPr>
+          <p:cNvPr id="47" name="Straight Arrow Connector 46">
+            <a:extLst>
+              <a:ext uri="{FF2B5EF4-FFF2-40B4-BE49-F238E27FC236}">
+                <a16:creationId xmlns:a16="http://schemas.microsoft.com/office/drawing/2014/main" id="{B7505D38-C7AB-423D-9437-2A37CECEC119}"/>
+              </a:ext>
+            </a:extLst>
+          </p:cNvPr>
+          <p:cNvCxnSpPr>
+            <a:cxnSpLocks/>
+            <a:stCxn id="48" idx="3"/>
+            <a:endCxn id="46" idx="1"/>
+          </p:cNvCxnSpPr>
+          <p:nvPr/>
+        </p:nvCxnSpPr>
+        <p:spPr>
+          <a:xfrm>
+            <a:off x="2654011" y="5027469"/>
+            <a:ext cx="220810" cy="5284"/>
+          </a:xfrm>
+          <a:prstGeom prst="straightConnector1">
+            <a:avLst/>
+          </a:prstGeom>
+          <a:ln w="19050">
+            <a:solidFill>
+              <a:schemeClr val="accent6">
+                <a:lumMod val="75000"/>
+              </a:schemeClr>
+            </a:solidFill>
+            <a:headEnd type="none" w="med" len="med"/>
+            <a:tailEnd type="arrow" w="med" len="med"/>
+          </a:ln>
+          <a:effectLst/>
+        </p:spPr>
+        <p:style>
+          <a:lnRef idx="1">
+            <a:schemeClr val="accent2"/>
+          </a:lnRef>
+          <a:fillRef idx="2">
+            <a:schemeClr val="accent2"/>
+          </a:fillRef>
+          <a:effectRef idx="1">
+            <a:schemeClr val="accent2"/>
+          </a:effectRef>
+          <a:fontRef idx="minor">
+            <a:schemeClr val="dk1"/>
+          </a:fontRef>
+        </p:style>
+      </p:cxnSp>
+      <p:sp>
+        <p:nvSpPr>
+          <p:cNvPr id="48" name="Flowchart: Decision 96">
+            <a:extLst>
+              <a:ext uri="{FF2B5EF4-FFF2-40B4-BE49-F238E27FC236}">
+                <a16:creationId xmlns:a16="http://schemas.microsoft.com/office/drawing/2014/main" id="{BF20A59F-D73E-4560-8D02-8B3627FA2474}"/>
+              </a:ext>
+            </a:extLst>
+          </p:cNvPr>
+          <p:cNvSpPr/>
+          <p:nvPr/>
+        </p:nvSpPr>
+        <p:spPr>
+          <a:xfrm>
+            <a:off x="2417963" y="4940779"/>
+            <a:ext cx="236048" cy="173380"/>
+          </a:xfrm>
+          <a:prstGeom prst="flowChartDecision">
+            <a:avLst/>
+          </a:prstGeom>
+          <a:noFill/>
+          <a:ln w="19050">
+            <a:solidFill>
+              <a:schemeClr val="accent6">
+                <a:lumMod val="75000"/>
+              </a:schemeClr>
+            </a:solidFill>
+          </a:ln>
+          <a:effectLst/>
+        </p:spPr>
+        <p:style>
+          <a:lnRef idx="1">
+            <a:schemeClr val="accent2"/>
+          </a:lnRef>
+          <a:fillRef idx="2">
+            <a:schemeClr val="accent2"/>
+          </a:fillRef>
+          <a:effectRef idx="1">
+            <a:schemeClr val="accent2"/>
+          </a:effectRef>
+          <a:fontRef idx="minor">
+            <a:schemeClr val="dk1"/>
+          </a:fontRef>
+        </p:style>
+        <p:txBody>
+          <a:bodyPr rtlCol="0" anchor="ctr"/>
+          <a:lstStyle/>
+          <a:p>
+            <a:pPr algn="ctr"/>
+            <a:endParaRPr lang="en-US" sz="1050">
+              <a:solidFill>
+                <a:schemeClr val="bg1"/>
+              </a:solidFill>
+            </a:endParaRPr>
+          </a:p>
+        </p:txBody>
+      </p:sp>
+      <p:cxnSp>
+        <p:nvCxnSpPr>
+          <p:cNvPr id="49" name="Elbow Connector 63">
+            <a:extLst>
+              <a:ext uri="{FF2B5EF4-FFF2-40B4-BE49-F238E27FC236}">
+                <a16:creationId xmlns:a16="http://schemas.microsoft.com/office/drawing/2014/main" id="{8D34732A-8D63-407D-8299-B384398952DE}"/>
+              </a:ext>
+            </a:extLst>
+          </p:cNvPr>
+          <p:cNvCxnSpPr>
+            <a:cxnSpLocks/>
+            <a:stCxn id="51" idx="3"/>
+            <a:endCxn id="53" idx="1"/>
+          </p:cNvCxnSpPr>
+          <p:nvPr/>
+        </p:nvCxnSpPr>
+        <p:spPr>
+          <a:xfrm flipV="1">
+            <a:off x="4395682" y="5032753"/>
+            <a:ext cx="223324" cy="1"/>
+          </a:xfrm>
+          <a:prstGeom prst="bentConnector3">
+            <a:avLst>
+              <a:gd name="adj1" fmla="val 50000"/>
+            </a:avLst>
+          </a:prstGeom>
+          <a:ln w="19050">
+            <a:solidFill>
+              <a:schemeClr val="accent6">
+                <a:lumMod val="75000"/>
+              </a:schemeClr>
+            </a:solidFill>
+            <a:prstDash val="sysDot"/>
+            <a:headEnd type="none" w="med" len="med"/>
+            <a:tailEnd type="none" w="med" len="med"/>
+          </a:ln>
+          <a:effectLst/>
+        </p:spPr>
+        <p:style>
+          <a:lnRef idx="1">
+            <a:schemeClr val="accent2"/>
+          </a:lnRef>
+          <a:fillRef idx="2">
+            <a:schemeClr val="accent2"/>
+          </a:fillRef>
+          <a:effectRef idx="1">
+            <a:schemeClr val="accent2"/>
+          </a:effectRef>
+          <a:fontRef idx="minor">
+            <a:schemeClr val="dk1"/>
+          </a:fontRef>
+        </p:style>
+      </p:cxnSp>
+      <p:sp>
+        <p:nvSpPr>
+          <p:cNvPr id="51" name="Isosceles Triangle 102">
+            <a:extLst>
+              <a:ext uri="{FF2B5EF4-FFF2-40B4-BE49-F238E27FC236}">
+                <a16:creationId xmlns:a16="http://schemas.microsoft.com/office/drawing/2014/main" id="{C9E5FC42-4C63-4D74-A11D-AE985AAB53D9}"/>
+              </a:ext>
+            </a:extLst>
+          </p:cNvPr>
+          <p:cNvSpPr/>
+          <p:nvPr/>
+        </p:nvSpPr>
+        <p:spPr>
+          <a:xfrm rot="5400000" flipV="1">
+            <a:off x="4172668" y="4944992"/>
+            <a:ext cx="270504" cy="175523"/>
+          </a:xfrm>
+          <a:prstGeom prst="triangle">
+            <a:avLst/>
+          </a:prstGeom>
+          <a:solidFill>
+            <a:schemeClr val="accent6">
+              <a:lumMod val="75000"/>
+            </a:schemeClr>
+          </a:solidFill>
+          <a:ln w="19050">
+            <a:solidFill>
+              <a:schemeClr val="accent6">
+                <a:lumMod val="75000"/>
+              </a:schemeClr>
+            </a:solidFill>
+          </a:ln>
+          <a:effectLst/>
+        </p:spPr>
+        <p:style>
+          <a:lnRef idx="1">
+            <a:schemeClr val="accent2"/>
+          </a:lnRef>
+          <a:fillRef idx="2">
+            <a:schemeClr val="accent2"/>
+          </a:fillRef>
+          <a:effectRef idx="1">
+            <a:schemeClr val="accent2"/>
+          </a:effectRef>
+          <a:fontRef idx="minor">
+            <a:schemeClr val="dk1"/>
+          </a:fontRef>
+        </p:style>
+        <p:txBody>
+          <a:bodyPr rtlCol="0" anchor="ctr"/>
+          <a:lstStyle/>
+          <a:p>
+            <a:pPr algn="ctr"/>
+            <a:endParaRPr lang="en-SG" sz="1050">
+              <a:solidFill>
+                <a:schemeClr val="bg1"/>
+              </a:solidFill>
+            </a:endParaRPr>
+          </a:p>
+        </p:txBody>
+      </p:sp>
+      <p:sp>
+        <p:nvSpPr>
+          <p:cNvPr id="53" name="Rectangle 8">
+            <a:extLst>
+              <a:ext uri="{FF2B5EF4-FFF2-40B4-BE49-F238E27FC236}">
+                <a16:creationId xmlns:a16="http://schemas.microsoft.com/office/drawing/2014/main" id="{B93A23D9-3630-41B2-B3E5-7131B3A06ECF}"/>
+              </a:ext>
+            </a:extLst>
+          </p:cNvPr>
+          <p:cNvSpPr/>
+          <p:nvPr/>
+        </p:nvSpPr>
+        <p:spPr>
+          <a:xfrm>
+            <a:off x="4619006" y="4859373"/>
+            <a:ext cx="1093635" cy="346760"/>
+          </a:xfrm>
+          <a:prstGeom prst="rect">
+            <a:avLst/>
+          </a:prstGeom>
+          <a:solidFill>
+            <a:schemeClr val="accent6">
+              <a:lumMod val="75000"/>
+            </a:schemeClr>
+          </a:solidFill>
+          <a:ln w="19050">
+            <a:solidFill>
+              <a:schemeClr val="accent6">
+                <a:lumMod val="75000"/>
+              </a:schemeClr>
+            </a:solidFill>
+          </a:ln>
+          <a:effectLst/>
+        </p:spPr>
+        <p:style>
+          <a:lnRef idx="1">
+            <a:schemeClr val="accent2"/>
+          </a:lnRef>
+          <a:fillRef idx="2">
+            <a:schemeClr val="accent2"/>
+          </a:fillRef>
+          <a:effectRef idx="1">
+            <a:schemeClr val="accent2"/>
+          </a:effectRef>
+          <a:fontRef idx="minor">
+            <a:schemeClr val="dk1"/>
+          </a:fontRef>
+        </p:style>
+        <p:txBody>
+          <a:bodyPr rtlCol="0" anchor="ctr"/>
+          <a:lstStyle/>
+          <a:p>
+            <a:pPr algn="ctr"/>
+            <a:r>
+              <a:rPr lang="en-US" sz="1050" dirty="0" err="1">
+                <a:solidFill>
+                  <a:schemeClr val="bg1"/>
+                </a:solidFill>
+              </a:rPr>
+              <a:t>ProfilePictureDirStorage</a:t>
+            </a:r>
+            <a:endParaRPr lang="en-SG" sz="1050" dirty="0">
+              <a:solidFill>
+                <a:schemeClr val="bg1"/>
+              </a:solidFill>
+            </a:endParaRPr>
+          </a:p>
+        </p:txBody>
+      </p:sp>
+      <p:sp>
+        <p:nvSpPr>
+          <p:cNvPr id="55" name="Rectangle 8">
+            <a:extLst>
+              <a:ext uri="{FF2B5EF4-FFF2-40B4-BE49-F238E27FC236}">
+                <a16:creationId xmlns:a16="http://schemas.microsoft.com/office/drawing/2014/main" id="{8A7F8F73-9D9F-407C-8CBE-95AE5D870561}"/>
+              </a:ext>
+            </a:extLst>
+          </p:cNvPr>
+          <p:cNvSpPr/>
+          <p:nvPr/>
+        </p:nvSpPr>
+        <p:spPr>
+          <a:xfrm>
+            <a:off x="6020678" y="5461743"/>
+            <a:ext cx="1200707" cy="346760"/>
+          </a:xfrm>
+          <a:prstGeom prst="rect">
+            <a:avLst/>
+          </a:prstGeom>
+          <a:ln w="19050"/>
+          <a:effectLst/>
+        </p:spPr>
+        <p:style>
+          <a:lnRef idx="1">
+            <a:schemeClr val="accent6"/>
+          </a:lnRef>
+          <a:fillRef idx="2">
+            <a:schemeClr val="accent6"/>
+          </a:fillRef>
+          <a:effectRef idx="1">
+            <a:schemeClr val="accent6"/>
+          </a:effectRef>
+          <a:fontRef idx="minor">
+            <a:schemeClr val="dk1"/>
+          </a:fontRef>
+        </p:style>
+        <p:txBody>
+          <a:bodyPr rtlCol="0" anchor="ctr"/>
+          <a:lstStyle/>
+          <a:p>
+            <a:pPr algn="ctr"/>
+            <a:r>
+              <a:rPr lang="en-US" sz="1050" b="1" dirty="0" err="1">
+                <a:solidFill>
+                  <a:schemeClr val="accent6">
+                    <a:lumMod val="75000"/>
+                  </a:schemeClr>
+                </a:solidFill>
+              </a:rPr>
+              <a:t>XmlSerializable</a:t>
+            </a:r>
+            <a:br>
+              <a:rPr lang="en-US" sz="1050" b="1" dirty="0">
+                <a:solidFill>
+                  <a:schemeClr val="accent6">
+                    <a:lumMod val="75000"/>
+                  </a:schemeClr>
+                </a:solidFill>
+              </a:rPr>
+            </a:br>
+            <a:r>
+              <a:rPr lang="en-US" sz="1050" b="1" dirty="0" err="1">
+                <a:solidFill>
+                  <a:schemeClr val="accent6">
+                    <a:lumMod val="75000"/>
+                  </a:schemeClr>
+                </a:solidFill>
+              </a:rPr>
+              <a:t>BudgetBook</a:t>
+            </a:r>
+            <a:endParaRPr lang="en-SG" sz="1050" b="1" dirty="0">
+              <a:solidFill>
+                <a:schemeClr val="accent6">
+                  <a:lumMod val="75000"/>
+                </a:schemeClr>
+              </a:solidFill>
+            </a:endParaRPr>
+          </a:p>
+        </p:txBody>
+      </p:sp>
+      <p:cxnSp>
+        <p:nvCxnSpPr>
+          <p:cNvPr id="57" name="Elbow Connector 122">
+            <a:extLst>
+              <a:ext uri="{FF2B5EF4-FFF2-40B4-BE49-F238E27FC236}">
+                <a16:creationId xmlns:a16="http://schemas.microsoft.com/office/drawing/2014/main" id="{EC050297-F8D8-463D-B166-3D9EFE68B137}"/>
+              </a:ext>
+            </a:extLst>
+          </p:cNvPr>
+          <p:cNvCxnSpPr>
+            <a:stCxn id="62" idx="0"/>
+            <a:endCxn id="59" idx="2"/>
+          </p:cNvCxnSpPr>
+          <p:nvPr/>
+        </p:nvCxnSpPr>
+        <p:spPr>
+          <a:xfrm rot="5400000" flipH="1" flipV="1">
+            <a:off x="8078871" y="5293353"/>
+            <a:ext cx="335208" cy="12700"/>
+          </a:xfrm>
+          <a:prstGeom prst="bentConnector3">
+            <a:avLst>
+              <a:gd name="adj1" fmla="val 50000"/>
+            </a:avLst>
+          </a:prstGeom>
+          <a:ln w="19050">
+            <a:prstDash val="sysDot"/>
+            <a:headEnd type="none" w="med" len="med"/>
+            <a:tailEnd type="arrow" w="med" len="med"/>
+          </a:ln>
+          <a:effectLst/>
+        </p:spPr>
+        <p:style>
+          <a:lnRef idx="1">
+            <a:schemeClr val="accent6"/>
+          </a:lnRef>
+          <a:fillRef idx="2">
+            <a:schemeClr val="accent6"/>
+          </a:fillRef>
+          <a:effectRef idx="1">
+            <a:schemeClr val="accent6"/>
+          </a:effectRef>
+          <a:fontRef idx="minor">
+            <a:schemeClr val="dk1"/>
+          </a:fontRef>
+        </p:style>
+      </p:cxnSp>
+      <p:sp>
+        <p:nvSpPr>
+          <p:cNvPr id="59" name="Rectangle 8">
+            <a:extLst>
+              <a:ext uri="{FF2B5EF4-FFF2-40B4-BE49-F238E27FC236}">
+                <a16:creationId xmlns:a16="http://schemas.microsoft.com/office/drawing/2014/main" id="{B5FA9745-E244-4EF7-8D94-4AC34AC01AB8}"/>
+              </a:ext>
+            </a:extLst>
+          </p:cNvPr>
+          <p:cNvSpPr/>
+          <p:nvPr/>
+        </p:nvSpPr>
+        <p:spPr>
+          <a:xfrm>
+            <a:off x="7616616" y="4778989"/>
+            <a:ext cx="1259718" cy="346760"/>
+          </a:xfrm>
+          <a:prstGeom prst="rect">
+            <a:avLst/>
+          </a:prstGeom>
+          <a:ln w="19050"/>
+          <a:effectLst/>
+        </p:spPr>
+        <p:style>
+          <a:lnRef idx="1">
+            <a:schemeClr val="accent6"/>
+          </a:lnRef>
+          <a:fillRef idx="2">
+            <a:schemeClr val="accent6"/>
+          </a:fillRef>
+          <a:effectRef idx="1">
+            <a:schemeClr val="accent6"/>
+          </a:effectRef>
+          <a:fontRef idx="minor">
+            <a:schemeClr val="dk1"/>
+          </a:fontRef>
+        </p:style>
+        <p:txBody>
+          <a:bodyPr rtlCol="0" anchor="ctr"/>
+          <a:lstStyle/>
+          <a:p>
+            <a:pPr algn="ctr"/>
+            <a:r>
+              <a:rPr lang="en-US" sz="1050" b="1" dirty="0" err="1">
+                <a:solidFill>
+                  <a:schemeClr val="accent6">
+                    <a:lumMod val="75000"/>
+                  </a:schemeClr>
+                </a:solidFill>
+              </a:rPr>
+              <a:t>XmlAdaptedEntry</a:t>
+            </a:r>
+            <a:endParaRPr lang="en-SG" sz="1050" b="1" dirty="0">
+              <a:solidFill>
+                <a:schemeClr val="accent6">
+                  <a:lumMod val="75000"/>
+                </a:schemeClr>
+              </a:solidFill>
+            </a:endParaRPr>
+          </a:p>
+        </p:txBody>
+      </p:sp>
+      <p:sp>
+        <p:nvSpPr>
+          <p:cNvPr id="62" name="Rectangle 8">
+            <a:extLst>
+              <a:ext uri="{FF2B5EF4-FFF2-40B4-BE49-F238E27FC236}">
+                <a16:creationId xmlns:a16="http://schemas.microsoft.com/office/drawing/2014/main" id="{7FD7CEA8-6393-40B8-BF02-96BE1B33896D}"/>
+              </a:ext>
+            </a:extLst>
+          </p:cNvPr>
+          <p:cNvSpPr/>
+          <p:nvPr/>
+        </p:nvSpPr>
+        <p:spPr>
+          <a:xfrm>
+            <a:off x="7616616" y="5460957"/>
+            <a:ext cx="1259718" cy="346760"/>
+          </a:xfrm>
+          <a:prstGeom prst="rect">
+            <a:avLst/>
+          </a:prstGeom>
+          <a:ln w="19050"/>
+          <a:effectLst/>
+        </p:spPr>
+        <p:style>
+          <a:lnRef idx="1">
+            <a:schemeClr val="accent6"/>
+          </a:lnRef>
+          <a:fillRef idx="2">
+            <a:schemeClr val="accent6"/>
+          </a:fillRef>
+          <a:effectRef idx="1">
+            <a:schemeClr val="accent6"/>
+          </a:effectRef>
+          <a:fontRef idx="minor">
+            <a:schemeClr val="dk1"/>
+          </a:fontRef>
+        </p:style>
+        <p:txBody>
+          <a:bodyPr rtlCol="0" anchor="ctr"/>
+          <a:lstStyle/>
+          <a:p>
+            <a:pPr algn="ctr"/>
+            <a:r>
+              <a:rPr lang="en-US" sz="1050" b="1" dirty="0" err="1">
+                <a:solidFill>
+                  <a:schemeClr val="accent6">
+                    <a:lumMod val="75000"/>
+                  </a:schemeClr>
+                </a:solidFill>
+              </a:rPr>
+              <a:t>XmlAdaptedCca</a:t>
+            </a:r>
+            <a:endParaRPr lang="en-SG" sz="1050" b="1" dirty="0">
+              <a:solidFill>
+                <a:schemeClr val="accent6">
+                  <a:lumMod val="75000"/>
+                </a:schemeClr>
+              </a:solidFill>
+            </a:endParaRPr>
+          </a:p>
+        </p:txBody>
+      </p:sp>
+      <p:cxnSp>
+        <p:nvCxnSpPr>
+          <p:cNvPr id="63" name="Elbow Connector 122">
+            <a:extLst>
+              <a:ext uri="{FF2B5EF4-FFF2-40B4-BE49-F238E27FC236}">
+                <a16:creationId xmlns:a16="http://schemas.microsoft.com/office/drawing/2014/main" id="{05678647-88A0-4AA2-8780-F34E72F8806A}"/>
+              </a:ext>
+            </a:extLst>
+          </p:cNvPr>
+          <p:cNvCxnSpPr>
+            <a:stCxn id="55" idx="3"/>
+            <a:endCxn id="62" idx="1"/>
+          </p:cNvCxnSpPr>
+          <p:nvPr/>
+        </p:nvCxnSpPr>
+        <p:spPr>
+          <a:xfrm flipV="1">
+            <a:off x="7221385" y="5634337"/>
             <a:ext cx="395231" cy="786"/>
           </a:xfrm>
           <a:prstGeom prst="bentConnector3">
@@ -4843,13 +6686,6 @@
   <p:clrMapOvr>
     <a:masterClrMapping/>
   </p:clrMapOvr>
-  <p:timing>
-    <p:tnLst>
-      <p:par>
-        <p:cTn id="1" dur="indefinite" restart="never" nodeType="tmRoot"/>
-      </p:par>
-    </p:tnLst>
-  </p:timing>
 </p:sld>
 </file>
 

--- a/docs/diagrams/StorageComponentClassDiagram.pptx
+++ b/docs/diagrams/StorageComponentClassDiagram.pptx
@@ -107,6 +107,22 @@
       </a:defRPr>
     </a:lvl9pPr>
   </p:defaultTextStyle>
+  <p:extLst>
+    <p:ext uri="{EFAFB233-063F-42B5-8137-9DF3F51BA10A}">
+      <p15:sldGuideLst xmlns:p15="http://schemas.microsoft.com/office/powerpoint/2012/main">
+        <p15:guide id="1" orient="horz" pos="1488">
+          <p15:clr>
+            <a:srgbClr val="A4A3A4"/>
+          </p15:clr>
+        </p15:guide>
+        <p15:guide id="2" pos="2880">
+          <p15:clr>
+            <a:srgbClr val="A4A3A4"/>
+          </p15:clr>
+        </p15:guide>
+      </p15:sldGuideLst>
+    </p:ext>
+  </p:extLst>
 </p:presentation>
 </file>
 
@@ -192,7 +208,7 @@
           <a:p>
             <a:fld id="{F5CC4B3F-88C1-4FFA-B1B6-F41C21DC6924}" type="datetimeFigureOut">
               <a:rPr lang="en-US" smtClean="0"/>
-              <a:t>10/16/2016</a:t>
+              <a:t>11/12/18</a:t>
             </a:fld>
             <a:endParaRPr lang="en-US"/>
           </a:p>
@@ -256,38 +272,37 @@
           <a:p>
             <a:pPr lvl="0"/>
             <a:r>
-              <a:rPr lang="en-US" smtClean="0"/>
+              <a:rPr lang="en-US"/>
               <a:t>Click to edit Master text styles</a:t>
             </a:r>
           </a:p>
           <a:p>
             <a:pPr lvl="1"/>
             <a:r>
-              <a:rPr lang="en-US" smtClean="0"/>
+              <a:rPr lang="en-US"/>
               <a:t>Second level</a:t>
             </a:r>
           </a:p>
           <a:p>
             <a:pPr lvl="2"/>
             <a:r>
-              <a:rPr lang="en-US" smtClean="0"/>
+              <a:rPr lang="en-US"/>
               <a:t>Third level</a:t>
             </a:r>
           </a:p>
           <a:p>
             <a:pPr lvl="3"/>
             <a:r>
-              <a:rPr lang="en-US" smtClean="0"/>
+              <a:rPr lang="en-US"/>
               <a:t>Fourth level</a:t>
             </a:r>
           </a:p>
           <a:p>
             <a:pPr lvl="4"/>
             <a:r>
-              <a:rPr lang="en-US" smtClean="0"/>
+              <a:rPr lang="en-US"/>
               <a:t>Fifth level</a:t>
             </a:r>
-            <a:endParaRPr lang="en-US"/>
           </a:p>
         </p:txBody>
       </p:sp>
@@ -498,10 +513,9 @@
           <a:lstStyle/>
           <a:p>
             <a:r>
-              <a:rPr lang="en-US" smtClean="0"/>
+              <a:rPr lang="en-US"/>
               <a:t>Click to edit Master title style</a:t>
             </a:r>
-            <a:endParaRPr lang="en-US"/>
           </a:p>
         </p:txBody>
       </p:sp>
@@ -617,10 +631,9 @@
           </a:lstStyle>
           <a:p>
             <a:r>
-              <a:rPr lang="en-US" smtClean="0"/>
+              <a:rPr lang="en-US"/>
               <a:t>Click to edit Master subtitle style</a:t>
             </a:r>
-            <a:endParaRPr lang="en-US"/>
           </a:p>
         </p:txBody>
       </p:sp>
@@ -641,7 +654,7 @@
           <a:p>
             <a:fld id="{78C97017-6FC3-485B-9764-EAC9E56C1D49}" type="datetimeFigureOut">
               <a:rPr lang="en-US" smtClean="0"/>
-              <a:t>10/16/2016</a:t>
+              <a:t>11/12/18</a:t>
             </a:fld>
             <a:endParaRPr lang="en-US"/>
           </a:p>
@@ -735,10 +748,9 @@
           <a:lstStyle/>
           <a:p>
             <a:r>
-              <a:rPr lang="en-US" smtClean="0"/>
+              <a:rPr lang="en-US"/>
               <a:t>Click to edit Master title style</a:t>
             </a:r>
-            <a:endParaRPr lang="en-US"/>
           </a:p>
         </p:txBody>
       </p:sp>
@@ -759,38 +771,37 @@
           <a:p>
             <a:pPr lvl="0"/>
             <a:r>
-              <a:rPr lang="en-US" smtClean="0"/>
+              <a:rPr lang="en-US"/>
               <a:t>Click to edit Master text styles</a:t>
             </a:r>
           </a:p>
           <a:p>
             <a:pPr lvl="1"/>
             <a:r>
-              <a:rPr lang="en-US" smtClean="0"/>
+              <a:rPr lang="en-US"/>
               <a:t>Second level</a:t>
             </a:r>
           </a:p>
           <a:p>
             <a:pPr lvl="2"/>
             <a:r>
-              <a:rPr lang="en-US" smtClean="0"/>
+              <a:rPr lang="en-US"/>
               <a:t>Third level</a:t>
             </a:r>
           </a:p>
           <a:p>
             <a:pPr lvl="3"/>
             <a:r>
-              <a:rPr lang="en-US" smtClean="0"/>
+              <a:rPr lang="en-US"/>
               <a:t>Fourth level</a:t>
             </a:r>
           </a:p>
           <a:p>
             <a:pPr lvl="4"/>
             <a:r>
-              <a:rPr lang="en-US" smtClean="0"/>
+              <a:rPr lang="en-US"/>
               <a:t>Fifth level</a:t>
             </a:r>
-            <a:endParaRPr lang="en-US"/>
           </a:p>
         </p:txBody>
       </p:sp>
@@ -811,7 +822,7 @@
           <a:p>
             <a:fld id="{78C97017-6FC3-485B-9764-EAC9E56C1D49}" type="datetimeFigureOut">
               <a:rPr lang="en-US" smtClean="0"/>
-              <a:t>10/16/2016</a:t>
+              <a:t>11/12/18</a:t>
             </a:fld>
             <a:endParaRPr lang="en-US"/>
           </a:p>
@@ -910,10 +921,9 @@
           <a:lstStyle/>
           <a:p>
             <a:r>
-              <a:rPr lang="en-US" smtClean="0"/>
+              <a:rPr lang="en-US"/>
               <a:t>Click to edit Master title style</a:t>
             </a:r>
-            <a:endParaRPr lang="en-US"/>
           </a:p>
         </p:txBody>
       </p:sp>
@@ -939,38 +949,37 @@
           <a:p>
             <a:pPr lvl="0"/>
             <a:r>
-              <a:rPr lang="en-US" smtClean="0"/>
+              <a:rPr lang="en-US"/>
               <a:t>Click to edit Master text styles</a:t>
             </a:r>
           </a:p>
           <a:p>
             <a:pPr lvl="1"/>
             <a:r>
-              <a:rPr lang="en-US" smtClean="0"/>
+              <a:rPr lang="en-US"/>
               <a:t>Second level</a:t>
             </a:r>
           </a:p>
           <a:p>
             <a:pPr lvl="2"/>
             <a:r>
-              <a:rPr lang="en-US" smtClean="0"/>
+              <a:rPr lang="en-US"/>
               <a:t>Third level</a:t>
             </a:r>
           </a:p>
           <a:p>
             <a:pPr lvl="3"/>
             <a:r>
-              <a:rPr lang="en-US" smtClean="0"/>
+              <a:rPr lang="en-US"/>
               <a:t>Fourth level</a:t>
             </a:r>
           </a:p>
           <a:p>
             <a:pPr lvl="4"/>
             <a:r>
-              <a:rPr lang="en-US" smtClean="0"/>
+              <a:rPr lang="en-US"/>
               <a:t>Fifth level</a:t>
             </a:r>
-            <a:endParaRPr lang="en-US"/>
           </a:p>
         </p:txBody>
       </p:sp>
@@ -991,7 +1000,7 @@
           <a:p>
             <a:fld id="{78C97017-6FC3-485B-9764-EAC9E56C1D49}" type="datetimeFigureOut">
               <a:rPr lang="en-US" smtClean="0"/>
-              <a:t>10/16/2016</a:t>
+              <a:t>11/12/18</a:t>
             </a:fld>
             <a:endParaRPr lang="en-US"/>
           </a:p>
@@ -1085,10 +1094,9 @@
           <a:lstStyle/>
           <a:p>
             <a:r>
-              <a:rPr lang="en-US" smtClean="0"/>
+              <a:rPr lang="en-US"/>
               <a:t>Click to edit Master title style</a:t>
             </a:r>
-            <a:endParaRPr lang="en-US"/>
           </a:p>
         </p:txBody>
       </p:sp>
@@ -1109,38 +1117,37 @@
           <a:p>
             <a:pPr lvl="0"/>
             <a:r>
-              <a:rPr lang="en-US" smtClean="0"/>
+              <a:rPr lang="en-US"/>
               <a:t>Click to edit Master text styles</a:t>
             </a:r>
           </a:p>
           <a:p>
             <a:pPr lvl="1"/>
             <a:r>
-              <a:rPr lang="en-US" smtClean="0"/>
+              <a:rPr lang="en-US"/>
               <a:t>Second level</a:t>
             </a:r>
           </a:p>
           <a:p>
             <a:pPr lvl="2"/>
             <a:r>
-              <a:rPr lang="en-US" smtClean="0"/>
+              <a:rPr lang="en-US"/>
               <a:t>Third level</a:t>
             </a:r>
           </a:p>
           <a:p>
             <a:pPr lvl="3"/>
             <a:r>
-              <a:rPr lang="en-US" smtClean="0"/>
+              <a:rPr lang="en-US"/>
               <a:t>Fourth level</a:t>
             </a:r>
           </a:p>
           <a:p>
             <a:pPr lvl="4"/>
             <a:r>
-              <a:rPr lang="en-US" smtClean="0"/>
+              <a:rPr lang="en-US"/>
               <a:t>Fifth level</a:t>
             </a:r>
-            <a:endParaRPr lang="en-US"/>
           </a:p>
         </p:txBody>
       </p:sp>
@@ -1161,7 +1168,7 @@
           <a:p>
             <a:fld id="{78C97017-6FC3-485B-9764-EAC9E56C1D49}" type="datetimeFigureOut">
               <a:rPr lang="en-US" smtClean="0"/>
-              <a:t>10/16/2016</a:t>
+              <a:t>11/12/18</a:t>
             </a:fld>
             <a:endParaRPr lang="en-US"/>
           </a:p>
@@ -1264,10 +1271,9 @@
           </a:lstStyle>
           <a:p>
             <a:r>
-              <a:rPr lang="en-US" smtClean="0"/>
+              <a:rPr lang="en-US"/>
               <a:t>Click to edit Master title style</a:t>
             </a:r>
-            <a:endParaRPr lang="en-US"/>
           </a:p>
         </p:txBody>
       </p:sp>
@@ -1384,7 +1390,7 @@
           <a:p>
             <a:pPr lvl="0"/>
             <a:r>
-              <a:rPr lang="en-US" smtClean="0"/>
+              <a:rPr lang="en-US"/>
               <a:t>Click to edit Master text styles</a:t>
             </a:r>
           </a:p>
@@ -1407,7 +1413,7 @@
           <a:p>
             <a:fld id="{78C97017-6FC3-485B-9764-EAC9E56C1D49}" type="datetimeFigureOut">
               <a:rPr lang="en-US" smtClean="0"/>
-              <a:t>10/16/2016</a:t>
+              <a:t>11/12/18</a:t>
             </a:fld>
             <a:endParaRPr lang="en-US"/>
           </a:p>
@@ -1501,10 +1507,9 @@
           <a:lstStyle/>
           <a:p>
             <a:r>
-              <a:rPr lang="en-US" smtClean="0"/>
+              <a:rPr lang="en-US"/>
               <a:t>Click to edit Master title style</a:t>
             </a:r>
-            <a:endParaRPr lang="en-US"/>
           </a:p>
         </p:txBody>
       </p:sp>
@@ -1558,38 +1563,37 @@
           <a:p>
             <a:pPr lvl="0"/>
             <a:r>
-              <a:rPr lang="en-US" smtClean="0"/>
+              <a:rPr lang="en-US"/>
               <a:t>Click to edit Master text styles</a:t>
             </a:r>
           </a:p>
           <a:p>
             <a:pPr lvl="1"/>
             <a:r>
-              <a:rPr lang="en-US" smtClean="0"/>
+              <a:rPr lang="en-US"/>
               <a:t>Second level</a:t>
             </a:r>
           </a:p>
           <a:p>
             <a:pPr lvl="2"/>
             <a:r>
-              <a:rPr lang="en-US" smtClean="0"/>
+              <a:rPr lang="en-US"/>
               <a:t>Third level</a:t>
             </a:r>
           </a:p>
           <a:p>
             <a:pPr lvl="3"/>
             <a:r>
-              <a:rPr lang="en-US" smtClean="0"/>
+              <a:rPr lang="en-US"/>
               <a:t>Fourth level</a:t>
             </a:r>
           </a:p>
           <a:p>
             <a:pPr lvl="4"/>
             <a:r>
-              <a:rPr lang="en-US" smtClean="0"/>
+              <a:rPr lang="en-US"/>
               <a:t>Fifth level</a:t>
             </a:r>
-            <a:endParaRPr lang="en-US"/>
           </a:p>
         </p:txBody>
       </p:sp>
@@ -1643,38 +1647,37 @@
           <a:p>
             <a:pPr lvl="0"/>
             <a:r>
-              <a:rPr lang="en-US" smtClean="0"/>
+              <a:rPr lang="en-US"/>
               <a:t>Click to edit Master text styles</a:t>
             </a:r>
           </a:p>
           <a:p>
             <a:pPr lvl="1"/>
             <a:r>
-              <a:rPr lang="en-US" smtClean="0"/>
+              <a:rPr lang="en-US"/>
               <a:t>Second level</a:t>
             </a:r>
           </a:p>
           <a:p>
             <a:pPr lvl="2"/>
             <a:r>
-              <a:rPr lang="en-US" smtClean="0"/>
+              <a:rPr lang="en-US"/>
               <a:t>Third level</a:t>
             </a:r>
           </a:p>
           <a:p>
             <a:pPr lvl="3"/>
             <a:r>
-              <a:rPr lang="en-US" smtClean="0"/>
+              <a:rPr lang="en-US"/>
               <a:t>Fourth level</a:t>
             </a:r>
           </a:p>
           <a:p>
             <a:pPr lvl="4"/>
             <a:r>
-              <a:rPr lang="en-US" smtClean="0"/>
+              <a:rPr lang="en-US"/>
               <a:t>Fifth level</a:t>
             </a:r>
-            <a:endParaRPr lang="en-US"/>
           </a:p>
         </p:txBody>
       </p:sp>
@@ -1695,7 +1698,7 @@
           <a:p>
             <a:fld id="{78C97017-6FC3-485B-9764-EAC9E56C1D49}" type="datetimeFigureOut">
               <a:rPr lang="en-US" smtClean="0"/>
-              <a:t>10/16/2016</a:t>
+              <a:t>11/12/18</a:t>
             </a:fld>
             <a:endParaRPr lang="en-US"/>
           </a:p>
@@ -1793,10 +1796,9 @@
           </a:lstStyle>
           <a:p>
             <a:r>
-              <a:rPr lang="en-US" smtClean="0"/>
+              <a:rPr lang="en-US"/>
               <a:t>Click to edit Master title style</a:t>
             </a:r>
-            <a:endParaRPr lang="en-US"/>
           </a:p>
         </p:txBody>
       </p:sp>
@@ -1859,7 +1861,7 @@
           <a:p>
             <a:pPr lvl="0"/>
             <a:r>
-              <a:rPr lang="en-US" smtClean="0"/>
+              <a:rPr lang="en-US"/>
               <a:t>Click to edit Master text styles</a:t>
             </a:r>
           </a:p>
@@ -1915,38 +1917,37 @@
           <a:p>
             <a:pPr lvl="0"/>
             <a:r>
-              <a:rPr lang="en-US" smtClean="0"/>
+              <a:rPr lang="en-US"/>
               <a:t>Click to edit Master text styles</a:t>
             </a:r>
           </a:p>
           <a:p>
             <a:pPr lvl="1"/>
             <a:r>
-              <a:rPr lang="en-US" smtClean="0"/>
+              <a:rPr lang="en-US"/>
               <a:t>Second level</a:t>
             </a:r>
           </a:p>
           <a:p>
             <a:pPr lvl="2"/>
             <a:r>
-              <a:rPr lang="en-US" smtClean="0"/>
+              <a:rPr lang="en-US"/>
               <a:t>Third level</a:t>
             </a:r>
           </a:p>
           <a:p>
             <a:pPr lvl="3"/>
             <a:r>
-              <a:rPr lang="en-US" smtClean="0"/>
+              <a:rPr lang="en-US"/>
               <a:t>Fourth level</a:t>
             </a:r>
           </a:p>
           <a:p>
             <a:pPr lvl="4"/>
             <a:r>
-              <a:rPr lang="en-US" smtClean="0"/>
+              <a:rPr lang="en-US"/>
               <a:t>Fifth level</a:t>
             </a:r>
-            <a:endParaRPr lang="en-US"/>
           </a:p>
         </p:txBody>
       </p:sp>
@@ -2009,7 +2010,7 @@
           <a:p>
             <a:pPr lvl="0"/>
             <a:r>
-              <a:rPr lang="en-US" smtClean="0"/>
+              <a:rPr lang="en-US"/>
               <a:t>Click to edit Master text styles</a:t>
             </a:r>
           </a:p>
@@ -2065,38 +2066,37 @@
           <a:p>
             <a:pPr lvl="0"/>
             <a:r>
-              <a:rPr lang="en-US" smtClean="0"/>
+              <a:rPr lang="en-US"/>
               <a:t>Click to edit Master text styles</a:t>
             </a:r>
           </a:p>
           <a:p>
             <a:pPr lvl="1"/>
             <a:r>
-              <a:rPr lang="en-US" smtClean="0"/>
+              <a:rPr lang="en-US"/>
               <a:t>Second level</a:t>
             </a:r>
           </a:p>
           <a:p>
             <a:pPr lvl="2"/>
             <a:r>
-              <a:rPr lang="en-US" smtClean="0"/>
+              <a:rPr lang="en-US"/>
               <a:t>Third level</a:t>
             </a:r>
           </a:p>
           <a:p>
             <a:pPr lvl="3"/>
             <a:r>
-              <a:rPr lang="en-US" smtClean="0"/>
+              <a:rPr lang="en-US"/>
               <a:t>Fourth level</a:t>
             </a:r>
           </a:p>
           <a:p>
             <a:pPr lvl="4"/>
             <a:r>
-              <a:rPr lang="en-US" smtClean="0"/>
+              <a:rPr lang="en-US"/>
               <a:t>Fifth level</a:t>
             </a:r>
-            <a:endParaRPr lang="en-US"/>
           </a:p>
         </p:txBody>
       </p:sp>
@@ -2117,7 +2117,7 @@
           <a:p>
             <a:fld id="{78C97017-6FC3-485B-9764-EAC9E56C1D49}" type="datetimeFigureOut">
               <a:rPr lang="en-US" smtClean="0"/>
-              <a:t>10/16/2016</a:t>
+              <a:t>11/12/18</a:t>
             </a:fld>
             <a:endParaRPr lang="en-US"/>
           </a:p>
@@ -2211,10 +2211,9 @@
           <a:lstStyle/>
           <a:p>
             <a:r>
-              <a:rPr lang="en-US" smtClean="0"/>
+              <a:rPr lang="en-US"/>
               <a:t>Click to edit Master title style</a:t>
             </a:r>
-            <a:endParaRPr lang="en-US"/>
           </a:p>
         </p:txBody>
       </p:sp>
@@ -2235,7 +2234,7 @@
           <a:p>
             <a:fld id="{78C97017-6FC3-485B-9764-EAC9E56C1D49}" type="datetimeFigureOut">
               <a:rPr lang="en-US" smtClean="0"/>
-              <a:t>10/16/2016</a:t>
+              <a:t>11/12/18</a:t>
             </a:fld>
             <a:endParaRPr lang="en-US"/>
           </a:p>
@@ -2330,7 +2329,7 @@
           <a:p>
             <a:fld id="{78C97017-6FC3-485B-9764-EAC9E56C1D49}" type="datetimeFigureOut">
               <a:rPr lang="en-US" smtClean="0"/>
-              <a:t>10/16/2016</a:t>
+              <a:t>11/12/18</a:t>
             </a:fld>
             <a:endParaRPr lang="en-US"/>
           </a:p>
@@ -2433,10 +2432,9 @@
           </a:lstStyle>
           <a:p>
             <a:r>
-              <a:rPr lang="en-US" smtClean="0"/>
+              <a:rPr lang="en-US"/>
               <a:t>Click to edit Master title style</a:t>
             </a:r>
-            <a:endParaRPr lang="en-US"/>
           </a:p>
         </p:txBody>
       </p:sp>
@@ -2490,38 +2488,37 @@
           <a:p>
             <a:pPr lvl="0"/>
             <a:r>
-              <a:rPr lang="en-US" smtClean="0"/>
+              <a:rPr lang="en-US"/>
               <a:t>Click to edit Master text styles</a:t>
             </a:r>
           </a:p>
           <a:p>
             <a:pPr lvl="1"/>
             <a:r>
-              <a:rPr lang="en-US" smtClean="0"/>
+              <a:rPr lang="en-US"/>
               <a:t>Second level</a:t>
             </a:r>
           </a:p>
           <a:p>
             <a:pPr lvl="2"/>
             <a:r>
-              <a:rPr lang="en-US" smtClean="0"/>
+              <a:rPr lang="en-US"/>
               <a:t>Third level</a:t>
             </a:r>
           </a:p>
           <a:p>
             <a:pPr lvl="3"/>
             <a:r>
-              <a:rPr lang="en-US" smtClean="0"/>
+              <a:rPr lang="en-US"/>
               <a:t>Fourth level</a:t>
             </a:r>
           </a:p>
           <a:p>
             <a:pPr lvl="4"/>
             <a:r>
-              <a:rPr lang="en-US" smtClean="0"/>
+              <a:rPr lang="en-US"/>
               <a:t>Fifth level</a:t>
             </a:r>
-            <a:endParaRPr lang="en-US"/>
           </a:p>
         </p:txBody>
       </p:sp>
@@ -2584,7 +2581,7 @@
           <a:p>
             <a:pPr lvl="0"/>
             <a:r>
-              <a:rPr lang="en-US" smtClean="0"/>
+              <a:rPr lang="en-US"/>
               <a:t>Click to edit Master text styles</a:t>
             </a:r>
           </a:p>
@@ -2607,7 +2604,7 @@
           <a:p>
             <a:fld id="{78C97017-6FC3-485B-9764-EAC9E56C1D49}" type="datetimeFigureOut">
               <a:rPr lang="en-US" smtClean="0"/>
-              <a:t>10/16/2016</a:t>
+              <a:t>11/12/18</a:t>
             </a:fld>
             <a:endParaRPr lang="en-US"/>
           </a:p>
@@ -2710,10 +2707,9 @@
           </a:lstStyle>
           <a:p>
             <a:r>
-              <a:rPr lang="en-US" smtClean="0"/>
+              <a:rPr lang="en-US"/>
               <a:t>Click to edit Master title style</a:t>
             </a:r>
-            <a:endParaRPr lang="en-US"/>
           </a:p>
         </p:txBody>
       </p:sp>
@@ -2837,7 +2833,7 @@
           <a:p>
             <a:pPr lvl="0"/>
             <a:r>
-              <a:rPr lang="en-US" smtClean="0"/>
+              <a:rPr lang="en-US"/>
               <a:t>Click to edit Master text styles</a:t>
             </a:r>
           </a:p>
@@ -2860,7 +2856,7 @@
           <a:p>
             <a:fld id="{78C97017-6FC3-485B-9764-EAC9E56C1D49}" type="datetimeFigureOut">
               <a:rPr lang="en-US" smtClean="0"/>
-              <a:t>10/16/2016</a:t>
+              <a:t>11/12/18</a:t>
             </a:fld>
             <a:endParaRPr lang="en-US"/>
           </a:p>
@@ -2969,10 +2965,9 @@
           <a:lstStyle/>
           <a:p>
             <a:r>
-              <a:rPr lang="en-US" smtClean="0"/>
+              <a:rPr lang="en-US"/>
               <a:t>Click to edit Master title style</a:t>
             </a:r>
-            <a:endParaRPr lang="en-US"/>
           </a:p>
         </p:txBody>
       </p:sp>
@@ -3003,38 +2998,37 @@
           <a:p>
             <a:pPr lvl="0"/>
             <a:r>
-              <a:rPr lang="en-US" smtClean="0"/>
+              <a:rPr lang="en-US"/>
               <a:t>Click to edit Master text styles</a:t>
             </a:r>
           </a:p>
           <a:p>
             <a:pPr lvl="1"/>
             <a:r>
-              <a:rPr lang="en-US" smtClean="0"/>
+              <a:rPr lang="en-US"/>
               <a:t>Second level</a:t>
             </a:r>
           </a:p>
           <a:p>
             <a:pPr lvl="2"/>
             <a:r>
-              <a:rPr lang="en-US" smtClean="0"/>
+              <a:rPr lang="en-US"/>
               <a:t>Third level</a:t>
             </a:r>
           </a:p>
           <a:p>
             <a:pPr lvl="3"/>
             <a:r>
-              <a:rPr lang="en-US" smtClean="0"/>
+              <a:rPr lang="en-US"/>
               <a:t>Fourth level</a:t>
             </a:r>
           </a:p>
           <a:p>
             <a:pPr lvl="4"/>
             <a:r>
-              <a:rPr lang="en-US" smtClean="0"/>
+              <a:rPr lang="en-US"/>
               <a:t>Fifth level</a:t>
             </a:r>
-            <a:endParaRPr lang="en-US"/>
           </a:p>
         </p:txBody>
       </p:sp>
@@ -3073,7 +3067,7 @@
           <a:p>
             <a:fld id="{78C97017-6FC3-485B-9764-EAC9E56C1D49}" type="datetimeFigureOut">
               <a:rPr lang="en-US" smtClean="0"/>
-              <a:t>10/16/2016</a:t>
+              <a:t>11/12/18</a:t>
             </a:fld>
             <a:endParaRPr lang="en-US"/>
           </a:p>
@@ -3456,8 +3450,8 @@
         </p:nvSpPr>
         <p:spPr>
           <a:xfrm>
-            <a:off x="1119865" y="2086382"/>
-            <a:ext cx="7871735" cy="1723618"/>
+            <a:off x="1003721" y="2079376"/>
+            <a:ext cx="8064079" cy="3019018"/>
           </a:xfrm>
           <a:prstGeom prst="roundRect">
             <a:avLst>
@@ -3494,7 +3488,7 @@
           <a:lstStyle/>
           <a:p>
             <a:r>
-              <a:rPr lang="en-US" sz="1200" b="1" dirty="0" smtClean="0">
+              <a:rPr lang="en-US" sz="1200" b="1" dirty="0">
                 <a:solidFill>
                   <a:schemeClr val="accent6">
                     <a:lumMod val="75000"/>
@@ -3561,7 +3555,7 @@
           <a:p>
             <a:pPr algn="ctr"/>
             <a:r>
-              <a:rPr lang="en-US" sz="1050" dirty="0" smtClean="0">
+              <a:rPr lang="en-US" sz="1050" dirty="0">
                 <a:solidFill>
                   <a:schemeClr val="bg1"/>
                 </a:solidFill>
@@ -3569,14 +3563,14 @@
               <a:t>&lt;&lt;interface&gt;&gt;</a:t>
             </a:r>
             <a:br>
-              <a:rPr lang="en-US" sz="1050" dirty="0" smtClean="0">
+              <a:rPr lang="en-US" sz="1050" dirty="0">
                 <a:solidFill>
                   <a:schemeClr val="bg1"/>
                 </a:solidFill>
               </a:rPr>
             </a:br>
             <a:r>
-              <a:rPr lang="en-US" sz="1050" dirty="0" err="1" smtClean="0">
+              <a:rPr lang="en-US" sz="1050" dirty="0" err="1">
                 <a:solidFill>
                   <a:schemeClr val="bg1"/>
                 </a:solidFill>
@@ -3639,7 +3633,7 @@
           <a:p>
             <a:pPr algn="ctr"/>
             <a:r>
-              <a:rPr lang="en-US" sz="1050" dirty="0" err="1" smtClean="0">
+              <a:rPr lang="en-US" sz="1050" dirty="0" err="1">
                 <a:solidFill>
                   <a:schemeClr val="bg1"/>
                 </a:solidFill>
@@ -3713,7 +3707,7 @@
           <a:p>
             <a:pPr algn="ctr"/>
             <a:r>
-              <a:rPr lang="en-US" sz="1050" dirty="0" smtClean="0">
+              <a:rPr lang="en-US" sz="1050" dirty="0">
                 <a:solidFill>
                   <a:schemeClr val="bg1"/>
                 </a:solidFill>
@@ -4147,7 +4141,7 @@
           <a:p>
             <a:pPr algn="ctr"/>
             <a:r>
-              <a:rPr lang="en-US" sz="1050" b="1" dirty="0" err="1" smtClean="0">
+              <a:rPr lang="en-US" sz="1050" b="1" dirty="0" err="1">
                 <a:solidFill>
                   <a:schemeClr val="accent6">
                     <a:lumMod val="75000"/>
@@ -4156,18 +4150,8 @@
               </a:rPr>
               <a:t>XmlAddressBook</a:t>
             </a:r>
-            <a:r>
-              <a:rPr lang="en-US" sz="1050" b="1" dirty="0" smtClean="0">
-                <a:solidFill>
-                  <a:schemeClr val="accent6">
-                    <a:lumMod val="75000"/>
-                  </a:schemeClr>
-                </a:solidFill>
-              </a:rPr>
-              <a:t/>
-            </a:r>
             <a:br>
-              <a:rPr lang="en-US" sz="1050" b="1" dirty="0" smtClean="0">
+              <a:rPr lang="en-US" sz="1050" b="1" dirty="0">
                 <a:solidFill>
                   <a:schemeClr val="accent6">
                     <a:lumMod val="75000"/>
@@ -4176,7 +4160,7 @@
               </a:rPr>
             </a:br>
             <a:r>
-              <a:rPr lang="en-US" sz="1050" b="1" dirty="0" smtClean="0">
+              <a:rPr lang="en-US" sz="1050" b="1" dirty="0">
                 <a:solidFill>
                   <a:schemeClr val="accent6">
                     <a:lumMod val="75000"/>
@@ -4243,7 +4227,7 @@
           <a:p>
             <a:pPr algn="ctr"/>
             <a:r>
-              <a:rPr lang="en-US" sz="1050" dirty="0" smtClean="0">
+              <a:rPr lang="en-US" sz="1050" dirty="0">
                 <a:solidFill>
                   <a:schemeClr val="bg1"/>
                 </a:solidFill>
@@ -4251,14 +4235,14 @@
               <a:t>&lt;&lt;interface&gt;&gt;</a:t>
             </a:r>
             <a:br>
-              <a:rPr lang="en-US" sz="1050" dirty="0" smtClean="0">
+              <a:rPr lang="en-US" sz="1050" dirty="0">
                 <a:solidFill>
                   <a:schemeClr val="bg1"/>
                 </a:solidFill>
               </a:rPr>
             </a:br>
             <a:r>
-              <a:rPr lang="en-US" sz="1050" dirty="0" err="1" smtClean="0">
+              <a:rPr lang="en-US" sz="1050" dirty="0" err="1">
                 <a:solidFill>
                   <a:schemeClr val="bg1"/>
                 </a:solidFill>
@@ -4516,30 +4500,22 @@
           <a:p>
             <a:pPr algn="ctr"/>
             <a:r>
-              <a:rPr lang="en-US" sz="1050" dirty="0" err="1" smtClean="0">
+              <a:rPr lang="en-US" sz="1050" dirty="0" err="1">
                 <a:solidFill>
                   <a:schemeClr val="bg1"/>
                 </a:solidFill>
               </a:rPr>
               <a:t>JsonUserPrefs</a:t>
             </a:r>
-            <a:r>
-              <a:rPr lang="en-US" sz="1050" dirty="0" smtClean="0">
-                <a:solidFill>
-                  <a:schemeClr val="bg1"/>
-                </a:solidFill>
-              </a:rPr>
-              <a:t/>
-            </a:r>
             <a:br>
-              <a:rPr lang="en-US" sz="1050" dirty="0" smtClean="0">
+              <a:rPr lang="en-US" sz="1050" dirty="0">
                 <a:solidFill>
                   <a:schemeClr val="bg1"/>
                 </a:solidFill>
               </a:rPr>
             </a:br>
             <a:r>
-              <a:rPr lang="en-US" sz="1050" dirty="0" smtClean="0">
+              <a:rPr lang="en-US" sz="1050" dirty="0">
                 <a:solidFill>
                   <a:schemeClr val="bg1"/>
                 </a:solidFill>
@@ -4591,7 +4567,7 @@
           <a:p>
             <a:pPr algn="ctr"/>
             <a:r>
-              <a:rPr lang="en-US" sz="1050" b="1" dirty="0" err="1" smtClean="0">
+              <a:rPr lang="en-US" sz="1050" b="1" dirty="0" err="1">
                 <a:solidFill>
                   <a:schemeClr val="accent6">
                     <a:lumMod val="75000"/>
@@ -4600,18 +4576,8 @@
               </a:rPr>
               <a:t>XmlSerializable</a:t>
             </a:r>
-            <a:r>
-              <a:rPr lang="en-US" sz="1050" b="1" dirty="0" smtClean="0">
-                <a:solidFill>
-                  <a:schemeClr val="accent6">
-                    <a:lumMod val="75000"/>
-                  </a:schemeClr>
-                </a:solidFill>
-              </a:rPr>
-              <a:t/>
-            </a:r>
             <a:br>
-              <a:rPr lang="en-US" sz="1050" b="1" dirty="0" smtClean="0">
+              <a:rPr lang="en-US" sz="1050" b="1" dirty="0">
                 <a:solidFill>
                   <a:schemeClr val="accent6">
                     <a:lumMod val="75000"/>
@@ -4620,7 +4586,7 @@
               </a:rPr>
             </a:br>
             <a:r>
-              <a:rPr lang="en-US" sz="1050" b="1" dirty="0" err="1" smtClean="0">
+              <a:rPr lang="en-US" sz="1050" b="1" dirty="0" err="1">
                 <a:solidFill>
                   <a:schemeClr val="accent6">
                     <a:lumMod val="75000"/>
@@ -4650,7 +4616,7 @@
         </p:nvCxnSpPr>
         <p:spPr>
           <a:xfrm rot="5400000" flipH="1" flipV="1">
-            <a:off x="8077993" y="2992020"/>
+            <a:off x="8077993" y="2724164"/>
             <a:ext cx="335208" cy="12700"/>
           </a:xfrm>
           <a:prstGeom prst="bentConnector3">
@@ -4688,7 +4654,7 @@
         </p:nvSpPr>
         <p:spPr>
           <a:xfrm>
-            <a:off x="7615738" y="2477656"/>
+            <a:off x="7615738" y="2209800"/>
             <a:ext cx="1259718" cy="346760"/>
           </a:xfrm>
           <a:prstGeom prst="rect">
@@ -4717,7 +4683,7 @@
           <a:p>
             <a:pPr algn="ctr"/>
             <a:r>
-              <a:rPr lang="en-US" sz="1050" b="1" dirty="0" err="1" smtClean="0">
+              <a:rPr lang="en-US" sz="1050" b="1" dirty="0" err="1">
                 <a:solidFill>
                   <a:schemeClr val="accent6">
                     <a:lumMod val="75000"/>
@@ -4744,7 +4710,7 @@
         </p:nvSpPr>
         <p:spPr>
           <a:xfrm>
-            <a:off x="7615738" y="3159624"/>
+            <a:off x="7615738" y="2891768"/>
             <a:ext cx="1259718" cy="346760"/>
           </a:xfrm>
           <a:prstGeom prst="rect">
@@ -4773,7 +4739,7 @@
           <a:p>
             <a:pPr algn="ctr"/>
             <a:r>
-              <a:rPr lang="en-US" sz="1050" b="1" dirty="0" err="1" smtClean="0">
+              <a:rPr lang="en-US" sz="1050" b="1" dirty="0" err="1">
                 <a:solidFill>
                   <a:schemeClr val="accent6">
                     <a:lumMod val="75000"/>
@@ -4803,8 +4769,246 @@
         </p:nvCxnSpPr>
         <p:spPr>
           <a:xfrm flipV="1">
-            <a:off x="7220507" y="3333004"/>
-            <a:ext cx="395231" cy="786"/>
+            <a:off x="7220507" y="3065148"/>
+            <a:ext cx="395231" cy="268642"/>
+          </a:xfrm>
+          <a:prstGeom prst="bentConnector3">
+            <a:avLst>
+              <a:gd name="adj1" fmla="val 50000"/>
+            </a:avLst>
+          </a:prstGeom>
+          <a:ln w="19050">
+            <a:prstDash val="sysDot"/>
+            <a:headEnd type="none" w="med" len="med"/>
+            <a:tailEnd type="arrow" w="med" len="med"/>
+          </a:ln>
+          <a:effectLst/>
+        </p:spPr>
+        <p:style>
+          <a:lnRef idx="1">
+            <a:schemeClr val="accent6"/>
+          </a:lnRef>
+          <a:fillRef idx="2">
+            <a:schemeClr val="accent6"/>
+          </a:fillRef>
+          <a:effectRef idx="1">
+            <a:schemeClr val="accent6"/>
+          </a:effectRef>
+          <a:fontRef idx="minor">
+            <a:schemeClr val="dk1"/>
+          </a:fontRef>
+        </p:style>
+      </p:cxnSp>
+      <p:sp>
+        <p:nvSpPr>
+          <p:cNvPr id="26" name="Rectangle 8">
+            <a:extLst>
+              <a:ext uri="{FF2B5EF4-FFF2-40B4-BE49-F238E27FC236}">
+                <a16:creationId xmlns:a16="http://schemas.microsoft.com/office/drawing/2014/main" id="{BC6CD1C5-E184-BB4C-9F0D-850174CDDE4F}"/>
+              </a:ext>
+            </a:extLst>
+          </p:cNvPr>
+          <p:cNvSpPr/>
+          <p:nvPr/>
+        </p:nvSpPr>
+        <p:spPr>
+          <a:xfrm>
+            <a:off x="7609388" y="3841592"/>
+            <a:ext cx="1259718" cy="346760"/>
+          </a:xfrm>
+          <a:prstGeom prst="rect">
+            <a:avLst/>
+          </a:prstGeom>
+          <a:ln w="19050"/>
+          <a:effectLst/>
+        </p:spPr>
+        <p:style>
+          <a:lnRef idx="1">
+            <a:schemeClr val="accent6"/>
+          </a:lnRef>
+          <a:fillRef idx="2">
+            <a:schemeClr val="accent6"/>
+          </a:fillRef>
+          <a:effectRef idx="1">
+            <a:schemeClr val="accent6"/>
+          </a:effectRef>
+          <a:fontRef idx="minor">
+            <a:schemeClr val="dk1"/>
+          </a:fontRef>
+        </p:style>
+        <p:txBody>
+          <a:bodyPr rtlCol="0" anchor="ctr"/>
+          <a:lstStyle/>
+          <a:p>
+            <a:pPr algn="ctr"/>
+            <a:r>
+              <a:rPr lang="en-US" sz="1050" b="1" dirty="0" err="1">
+                <a:solidFill>
+                  <a:schemeClr val="accent6">
+                    <a:lumMod val="75000"/>
+                  </a:schemeClr>
+                </a:solidFill>
+              </a:rPr>
+              <a:t>XmlAdaptedGroup</a:t>
+            </a:r>
+            <a:endParaRPr lang="en-SG" sz="1050" b="1" dirty="0">
+              <a:solidFill>
+                <a:schemeClr val="accent6">
+                  <a:lumMod val="75000"/>
+                </a:schemeClr>
+              </a:solidFill>
+            </a:endParaRPr>
+          </a:p>
+        </p:txBody>
+      </p:sp>
+      <p:cxnSp>
+        <p:nvCxnSpPr>
+          <p:cNvPr id="27" name="Elbow Connector 122">
+            <a:extLst>
+              <a:ext uri="{FF2B5EF4-FFF2-40B4-BE49-F238E27FC236}">
+                <a16:creationId xmlns:a16="http://schemas.microsoft.com/office/drawing/2014/main" id="{99E16E78-7566-F74C-AA55-F1AD0F2DD871}"/>
+              </a:ext>
+            </a:extLst>
+          </p:cNvPr>
+          <p:cNvCxnSpPr>
+            <a:cxnSpLocks/>
+            <a:stCxn id="66" idx="3"/>
+            <a:endCxn id="26" idx="0"/>
+          </p:cNvCxnSpPr>
+          <p:nvPr/>
+        </p:nvCxnSpPr>
+        <p:spPr>
+          <a:xfrm>
+            <a:off x="7220507" y="3333790"/>
+            <a:ext cx="1018740" cy="507802"/>
+          </a:xfrm>
+          <a:prstGeom prst="bentConnector2">
+            <a:avLst/>
+          </a:prstGeom>
+          <a:ln w="19050">
+            <a:prstDash val="sysDot"/>
+            <a:headEnd type="none" w="med" len="med"/>
+            <a:tailEnd type="arrow" w="med" len="med"/>
+          </a:ln>
+          <a:effectLst/>
+        </p:spPr>
+        <p:style>
+          <a:lnRef idx="1">
+            <a:schemeClr val="accent6"/>
+          </a:lnRef>
+          <a:fillRef idx="2">
+            <a:schemeClr val="accent6"/>
+          </a:fillRef>
+          <a:effectRef idx="1">
+            <a:schemeClr val="accent6"/>
+          </a:effectRef>
+          <a:fontRef idx="minor">
+            <a:schemeClr val="dk1"/>
+          </a:fontRef>
+        </p:style>
+      </p:cxnSp>
+      <p:sp>
+        <p:nvSpPr>
+          <p:cNvPr id="36" name="Rectangle 8">
+            <a:extLst>
+              <a:ext uri="{FF2B5EF4-FFF2-40B4-BE49-F238E27FC236}">
+                <a16:creationId xmlns:a16="http://schemas.microsoft.com/office/drawing/2014/main" id="{D175B004-7B42-5A45-80E3-83770E029563}"/>
+              </a:ext>
+            </a:extLst>
+          </p:cNvPr>
+          <p:cNvSpPr/>
+          <p:nvPr/>
+        </p:nvSpPr>
+        <p:spPr>
+          <a:xfrm>
+            <a:off x="7609388" y="4473496"/>
+            <a:ext cx="1259718" cy="346760"/>
+          </a:xfrm>
+          <a:prstGeom prst="rect">
+            <a:avLst/>
+          </a:prstGeom>
+          <a:ln w="19050"/>
+          <a:effectLst/>
+        </p:spPr>
+        <p:style>
+          <a:lnRef idx="1">
+            <a:schemeClr val="accent6"/>
+          </a:lnRef>
+          <a:fillRef idx="2">
+            <a:schemeClr val="accent6"/>
+          </a:fillRef>
+          <a:effectRef idx="1">
+            <a:schemeClr val="accent6"/>
+          </a:effectRef>
+          <a:fontRef idx="minor">
+            <a:schemeClr val="dk1"/>
+          </a:fontRef>
+        </p:style>
+        <p:txBody>
+          <a:bodyPr rtlCol="0" anchor="ctr"/>
+          <a:lstStyle/>
+          <a:p>
+            <a:pPr algn="ctr"/>
+            <a:r>
+              <a:rPr lang="en-US" sz="1050" b="1" dirty="0" err="1">
+                <a:solidFill>
+                  <a:schemeClr val="accent6">
+                    <a:lumMod val="75000"/>
+                  </a:schemeClr>
+                </a:solidFill>
+              </a:rPr>
+              <a:t>XmlAdapted</a:t>
+            </a:r>
+            <a:endParaRPr lang="en-US" sz="1050" b="1" dirty="0">
+              <a:solidFill>
+                <a:schemeClr val="accent6">
+                  <a:lumMod val="75000"/>
+                </a:schemeClr>
+              </a:solidFill>
+            </a:endParaRPr>
+          </a:p>
+          <a:p>
+            <a:pPr algn="ctr"/>
+            <a:r>
+              <a:rPr lang="en-US" sz="1050" b="1" dirty="0">
+                <a:solidFill>
+                  <a:schemeClr val="accent6">
+                    <a:lumMod val="75000"/>
+                  </a:schemeClr>
+                </a:solidFill>
+              </a:rPr>
+              <a:t>Meeting</a:t>
+            </a:r>
+            <a:endParaRPr lang="en-SG" sz="1050" b="1" dirty="0">
+              <a:solidFill>
+                <a:schemeClr val="accent6">
+                  <a:lumMod val="75000"/>
+                </a:schemeClr>
+              </a:solidFill>
+            </a:endParaRPr>
+          </a:p>
+        </p:txBody>
+      </p:sp>
+      <p:cxnSp>
+        <p:nvCxnSpPr>
+          <p:cNvPr id="37" name="Elbow Connector 122">
+            <a:extLst>
+              <a:ext uri="{FF2B5EF4-FFF2-40B4-BE49-F238E27FC236}">
+                <a16:creationId xmlns:a16="http://schemas.microsoft.com/office/drawing/2014/main" id="{CBFB0C81-22C0-384B-B424-C8E7DF47A45B}"/>
+              </a:ext>
+            </a:extLst>
+          </p:cNvPr>
+          <p:cNvCxnSpPr>
+            <a:cxnSpLocks/>
+            <a:stCxn id="26" idx="2"/>
+            <a:endCxn id="36" idx="0"/>
+          </p:cNvCxnSpPr>
+          <p:nvPr/>
+        </p:nvCxnSpPr>
+        <p:spPr>
+          <a:xfrm rot="5400000">
+            <a:off x="8096675" y="4330924"/>
+            <a:ext cx="285144" cy="12700"/>
           </a:xfrm>
           <a:prstGeom prst="bentConnector3">
             <a:avLst>
@@ -4843,13 +5047,6 @@
   <p:clrMapOvr>
     <a:masterClrMapping/>
   </p:clrMapOvr>
-  <p:timing>
-    <p:tnLst>
-      <p:par>
-        <p:cTn id="1" dur="indefinite" restart="never" nodeType="tmRoot"/>
-      </p:par>
-    </p:tnLst>
-  </p:timing>
 </p:sld>
 </file>
 

--- a/docs/diagrams/StorageComponentClassDiagram.pptx
+++ b/docs/diagrams/StorageComponentClassDiagram.pptx
@@ -208,7 +208,7 @@
           <a:p>
             <a:fld id="{F5CC4B3F-88C1-4FFA-B1B6-F41C21DC6924}" type="datetimeFigureOut">
               <a:rPr lang="en-US" smtClean="0"/>
-              <a:t>10/24/2018</a:t>
+              <a:t>11/12/2018</a:t>
             </a:fld>
             <a:endParaRPr lang="en-US"/>
           </a:p>
@@ -654,7 +654,7 @@
           <a:p>
             <a:fld id="{78C97017-6FC3-485B-9764-EAC9E56C1D49}" type="datetimeFigureOut">
               <a:rPr lang="en-US" smtClean="0"/>
-              <a:t>10/24/2018</a:t>
+              <a:t>11/12/2018</a:t>
             </a:fld>
             <a:endParaRPr lang="en-US"/>
           </a:p>
@@ -822,7 +822,7 @@
           <a:p>
             <a:fld id="{78C97017-6FC3-485B-9764-EAC9E56C1D49}" type="datetimeFigureOut">
               <a:rPr lang="en-US" smtClean="0"/>
-              <a:t>10/24/2018</a:t>
+              <a:t>11/12/2018</a:t>
             </a:fld>
             <a:endParaRPr lang="en-US"/>
           </a:p>
@@ -1000,7 +1000,7 @@
           <a:p>
             <a:fld id="{78C97017-6FC3-485B-9764-EAC9E56C1D49}" type="datetimeFigureOut">
               <a:rPr lang="en-US" smtClean="0"/>
-              <a:t>10/24/2018</a:t>
+              <a:t>11/12/2018</a:t>
             </a:fld>
             <a:endParaRPr lang="en-US"/>
           </a:p>
@@ -1168,7 +1168,7 @@
           <a:p>
             <a:fld id="{78C97017-6FC3-485B-9764-EAC9E56C1D49}" type="datetimeFigureOut">
               <a:rPr lang="en-US" smtClean="0"/>
-              <a:t>10/24/2018</a:t>
+              <a:t>11/12/2018</a:t>
             </a:fld>
             <a:endParaRPr lang="en-US"/>
           </a:p>
@@ -1413,7 +1413,7 @@
           <a:p>
             <a:fld id="{78C97017-6FC3-485B-9764-EAC9E56C1D49}" type="datetimeFigureOut">
               <a:rPr lang="en-US" smtClean="0"/>
-              <a:t>10/24/2018</a:t>
+              <a:t>11/12/2018</a:t>
             </a:fld>
             <a:endParaRPr lang="en-US"/>
           </a:p>
@@ -1698,7 +1698,7 @@
           <a:p>
             <a:fld id="{78C97017-6FC3-485B-9764-EAC9E56C1D49}" type="datetimeFigureOut">
               <a:rPr lang="en-US" smtClean="0"/>
-              <a:t>10/24/2018</a:t>
+              <a:t>11/12/2018</a:t>
             </a:fld>
             <a:endParaRPr lang="en-US"/>
           </a:p>
@@ -2117,7 +2117,7 @@
           <a:p>
             <a:fld id="{78C97017-6FC3-485B-9764-EAC9E56C1D49}" type="datetimeFigureOut">
               <a:rPr lang="en-US" smtClean="0"/>
-              <a:t>10/24/2018</a:t>
+              <a:t>11/12/2018</a:t>
             </a:fld>
             <a:endParaRPr lang="en-US"/>
           </a:p>
@@ -2234,7 +2234,7 @@
           <a:p>
             <a:fld id="{78C97017-6FC3-485B-9764-EAC9E56C1D49}" type="datetimeFigureOut">
               <a:rPr lang="en-US" smtClean="0"/>
-              <a:t>10/24/2018</a:t>
+              <a:t>11/12/2018</a:t>
             </a:fld>
             <a:endParaRPr lang="en-US"/>
           </a:p>
@@ -2329,7 +2329,7 @@
           <a:p>
             <a:fld id="{78C97017-6FC3-485B-9764-EAC9E56C1D49}" type="datetimeFigureOut">
               <a:rPr lang="en-US" smtClean="0"/>
-              <a:t>10/24/2018</a:t>
+              <a:t>11/12/2018</a:t>
             </a:fld>
             <a:endParaRPr lang="en-US"/>
           </a:p>
@@ -2604,7 +2604,7 @@
           <a:p>
             <a:fld id="{78C97017-6FC3-485B-9764-EAC9E56C1D49}" type="datetimeFigureOut">
               <a:rPr lang="en-US" smtClean="0"/>
-              <a:t>10/24/2018</a:t>
+              <a:t>11/12/2018</a:t>
             </a:fld>
             <a:endParaRPr lang="en-US"/>
           </a:p>
@@ -2856,7 +2856,7 @@
           <a:p>
             <a:fld id="{78C97017-6FC3-485B-9764-EAC9E56C1D49}" type="datetimeFigureOut">
               <a:rPr lang="en-US" smtClean="0"/>
-              <a:t>10/24/2018</a:t>
+              <a:t>11/12/2018</a:t>
             </a:fld>
             <a:endParaRPr lang="en-US"/>
           </a:p>
@@ -3067,7 +3067,7 @@
           <a:p>
             <a:fld id="{78C97017-6FC3-485B-9764-EAC9E56C1D49}" type="datetimeFigureOut">
               <a:rPr lang="en-US" smtClean="0"/>
-              <a:t>10/24/2018</a:t>
+              <a:t>11/12/2018</a:t>
             </a:fld>
             <a:endParaRPr lang="en-US"/>
           </a:p>
@@ -3450,8 +3450,8 @@
         </p:nvSpPr>
         <p:spPr>
           <a:xfrm>
-            <a:off x="381000" y="2182248"/>
-            <a:ext cx="8686800" cy="2892740"/>
+            <a:off x="381000" y="1224920"/>
+            <a:ext cx="8686800" cy="3850068"/>
           </a:xfrm>
           <a:prstGeom prst="roundRect">
             <a:avLst>
@@ -4610,15 +4610,13 @@
           <p:cNvPr id="70" name="Elbow Connector 122"/>
           <p:cNvCxnSpPr>
             <a:cxnSpLocks/>
-            <a:stCxn id="74" idx="0"/>
-            <a:endCxn id="73" idx="2"/>
           </p:cNvCxnSpPr>
           <p:nvPr/>
         </p:nvCxnSpPr>
         <p:spPr>
           <a:xfrm rot="16200000" flipV="1">
-            <a:off x="7686997" y="3076263"/>
-            <a:ext cx="254639" cy="6519"/>
+            <a:off x="6400198" y="2361598"/>
+            <a:ext cx="433488" cy="1244116"/>
           </a:xfrm>
           <a:prstGeom prst="bentConnector3">
             <a:avLst>
@@ -4655,7 +4653,7 @@
         </p:nvSpPr>
         <p:spPr>
           <a:xfrm>
-            <a:off x="7181197" y="2605443"/>
+            <a:off x="5369682" y="2438400"/>
             <a:ext cx="1259718" cy="346760"/>
           </a:xfrm>
           <a:prstGeom prst="rect">
@@ -5087,6 +5085,332 @@
           </a:p>
         </p:txBody>
       </p:sp>
+      <p:sp>
+        <p:nvSpPr>
+          <p:cNvPr id="36" name="Rectangle 8">
+            <a:extLst>
+              <a:ext uri="{FF2B5EF4-FFF2-40B4-BE49-F238E27FC236}">
+                <a16:creationId xmlns:a16="http://schemas.microsoft.com/office/drawing/2014/main" id="{36F21569-858D-4A55-BD4D-6A2D8F39E9A2}"/>
+              </a:ext>
+            </a:extLst>
+          </p:cNvPr>
+          <p:cNvSpPr/>
+          <p:nvPr/>
+        </p:nvSpPr>
+        <p:spPr>
+          <a:xfrm>
+            <a:off x="6959422" y="2438400"/>
+            <a:ext cx="1717862" cy="340238"/>
+          </a:xfrm>
+          <a:prstGeom prst="rect">
+            <a:avLst/>
+          </a:prstGeom>
+          <a:ln w="19050"/>
+          <a:effectLst/>
+        </p:spPr>
+        <p:style>
+          <a:lnRef idx="1">
+            <a:schemeClr val="accent6"/>
+          </a:lnRef>
+          <a:fillRef idx="2">
+            <a:schemeClr val="accent6"/>
+          </a:fillRef>
+          <a:effectRef idx="1">
+            <a:schemeClr val="accent6"/>
+          </a:effectRef>
+          <a:fontRef idx="minor">
+            <a:schemeClr val="dk1"/>
+          </a:fontRef>
+        </p:style>
+        <p:txBody>
+          <a:bodyPr rtlCol="0" anchor="ctr"/>
+          <a:lstStyle/>
+          <a:p>
+            <a:pPr algn="ctr"/>
+            <a:r>
+              <a:rPr lang="en-US" sz="1050" b="1" dirty="0" err="1">
+                <a:solidFill>
+                  <a:schemeClr val="accent6">
+                    <a:lumMod val="75000"/>
+                  </a:schemeClr>
+                </a:solidFill>
+              </a:rPr>
+              <a:t>XmlAdaptedMedicalHistory</a:t>
+            </a:r>
+            <a:endParaRPr lang="en-SG" sz="1050" b="1" dirty="0">
+              <a:solidFill>
+                <a:schemeClr val="accent6">
+                  <a:lumMod val="75000"/>
+                </a:schemeClr>
+              </a:solidFill>
+            </a:endParaRPr>
+          </a:p>
+        </p:txBody>
+      </p:sp>
+      <p:cxnSp>
+        <p:nvCxnSpPr>
+          <p:cNvPr id="37" name="Elbow Connector 122">
+            <a:extLst>
+              <a:ext uri="{FF2B5EF4-FFF2-40B4-BE49-F238E27FC236}">
+                <a16:creationId xmlns:a16="http://schemas.microsoft.com/office/drawing/2014/main" id="{F5A8DBD0-0247-4A04-87EF-E3CDBFDD43E9}"/>
+              </a:ext>
+            </a:extLst>
+          </p:cNvPr>
+          <p:cNvCxnSpPr>
+            <a:cxnSpLocks/>
+            <a:stCxn id="74" idx="0"/>
+            <a:endCxn id="36" idx="2"/>
+          </p:cNvCxnSpPr>
+          <p:nvPr/>
+        </p:nvCxnSpPr>
+        <p:spPr>
+          <a:xfrm rot="5400000" flipH="1" flipV="1">
+            <a:off x="7603862" y="2992351"/>
+            <a:ext cx="428204" cy="778"/>
+          </a:xfrm>
+          <a:prstGeom prst="bentConnector3">
+            <a:avLst>
+              <a:gd name="adj1" fmla="val 50000"/>
+            </a:avLst>
+          </a:prstGeom>
+          <a:ln w="19050">
+            <a:prstDash val="sysDot"/>
+            <a:headEnd type="none" w="med" len="med"/>
+            <a:tailEnd type="arrow" w="med" len="med"/>
+          </a:ln>
+          <a:effectLst/>
+        </p:spPr>
+        <p:style>
+          <a:lnRef idx="1">
+            <a:schemeClr val="accent6"/>
+          </a:lnRef>
+          <a:fillRef idx="2">
+            <a:schemeClr val="accent6"/>
+          </a:fillRef>
+          <a:effectRef idx="1">
+            <a:schemeClr val="accent6"/>
+          </a:effectRef>
+          <a:fontRef idx="minor">
+            <a:schemeClr val="dk1"/>
+          </a:fontRef>
+        </p:style>
+      </p:cxnSp>
+      <p:sp>
+        <p:nvSpPr>
+          <p:cNvPr id="40" name="Rectangle 8">
+            <a:extLst>
+              <a:ext uri="{FF2B5EF4-FFF2-40B4-BE49-F238E27FC236}">
+                <a16:creationId xmlns:a16="http://schemas.microsoft.com/office/drawing/2014/main" id="{479AE18E-325D-4841-8258-B962469B6FD6}"/>
+              </a:ext>
+            </a:extLst>
+          </p:cNvPr>
+          <p:cNvSpPr/>
+          <p:nvPr/>
+        </p:nvSpPr>
+        <p:spPr>
+          <a:xfrm>
+            <a:off x="5369682" y="1682026"/>
+            <a:ext cx="1259718" cy="346760"/>
+          </a:xfrm>
+          <a:prstGeom prst="rect">
+            <a:avLst/>
+          </a:prstGeom>
+          <a:ln w="19050"/>
+          <a:effectLst/>
+        </p:spPr>
+        <p:style>
+          <a:lnRef idx="1">
+            <a:schemeClr val="accent6"/>
+          </a:lnRef>
+          <a:fillRef idx="2">
+            <a:schemeClr val="accent6"/>
+          </a:fillRef>
+          <a:effectRef idx="1">
+            <a:schemeClr val="accent6"/>
+          </a:effectRef>
+          <a:fontRef idx="minor">
+            <a:schemeClr val="dk1"/>
+          </a:fontRef>
+        </p:style>
+        <p:txBody>
+          <a:bodyPr rtlCol="0" anchor="ctr"/>
+          <a:lstStyle/>
+          <a:p>
+            <a:pPr algn="ctr"/>
+            <a:r>
+              <a:rPr lang="en-US" sz="1050" b="1" dirty="0" err="1">
+                <a:solidFill>
+                  <a:schemeClr val="accent6">
+                    <a:lumMod val="75000"/>
+                  </a:schemeClr>
+                </a:solidFill>
+              </a:rPr>
+              <a:t>XmlAdaptedAllergy</a:t>
+            </a:r>
+            <a:endParaRPr lang="en-SG" sz="1050" b="1" dirty="0">
+              <a:solidFill>
+                <a:schemeClr val="accent6">
+                  <a:lumMod val="75000"/>
+                </a:schemeClr>
+              </a:solidFill>
+            </a:endParaRPr>
+          </a:p>
+        </p:txBody>
+      </p:sp>
+      <p:sp>
+        <p:nvSpPr>
+          <p:cNvPr id="41" name="Rectangle 8">
+            <a:extLst>
+              <a:ext uri="{FF2B5EF4-FFF2-40B4-BE49-F238E27FC236}">
+                <a16:creationId xmlns:a16="http://schemas.microsoft.com/office/drawing/2014/main" id="{6837279B-70B3-4F82-BFFC-DFFA9B767027}"/>
+              </a:ext>
+            </a:extLst>
+          </p:cNvPr>
+          <p:cNvSpPr/>
+          <p:nvPr/>
+        </p:nvSpPr>
+        <p:spPr>
+          <a:xfrm>
+            <a:off x="6972123" y="1682026"/>
+            <a:ext cx="1705161" cy="346760"/>
+          </a:xfrm>
+          <a:prstGeom prst="rect">
+            <a:avLst/>
+          </a:prstGeom>
+          <a:ln w="19050"/>
+          <a:effectLst/>
+        </p:spPr>
+        <p:style>
+          <a:lnRef idx="1">
+            <a:schemeClr val="accent6"/>
+          </a:lnRef>
+          <a:fillRef idx="2">
+            <a:schemeClr val="accent6"/>
+          </a:fillRef>
+          <a:effectRef idx="1">
+            <a:schemeClr val="accent6"/>
+          </a:effectRef>
+          <a:fontRef idx="minor">
+            <a:schemeClr val="dk1"/>
+          </a:fontRef>
+        </p:style>
+        <p:txBody>
+          <a:bodyPr rtlCol="0" anchor="ctr"/>
+          <a:lstStyle/>
+          <a:p>
+            <a:pPr algn="ctr"/>
+            <a:r>
+              <a:rPr lang="en-US" sz="1050" b="1" dirty="0" err="1">
+                <a:solidFill>
+                  <a:schemeClr val="accent6">
+                    <a:lumMod val="75000"/>
+                  </a:schemeClr>
+                </a:solidFill>
+              </a:rPr>
+              <a:t>XmlAdaptedCondition</a:t>
+            </a:r>
+            <a:endParaRPr lang="en-SG" sz="1050" b="1" dirty="0">
+              <a:solidFill>
+                <a:schemeClr val="accent6">
+                  <a:lumMod val="75000"/>
+                </a:schemeClr>
+              </a:solidFill>
+            </a:endParaRPr>
+          </a:p>
+        </p:txBody>
+      </p:sp>
+      <p:cxnSp>
+        <p:nvCxnSpPr>
+          <p:cNvPr id="43" name="Elbow Connector 122">
+            <a:extLst>
+              <a:ext uri="{FF2B5EF4-FFF2-40B4-BE49-F238E27FC236}">
+                <a16:creationId xmlns:a16="http://schemas.microsoft.com/office/drawing/2014/main" id="{86201BAD-CFCE-42A2-9A67-86FCD474DA24}"/>
+              </a:ext>
+            </a:extLst>
+          </p:cNvPr>
+          <p:cNvCxnSpPr>
+            <a:cxnSpLocks/>
+            <a:stCxn id="36" idx="0"/>
+            <a:endCxn id="41" idx="2"/>
+          </p:cNvCxnSpPr>
+          <p:nvPr/>
+        </p:nvCxnSpPr>
+        <p:spPr>
+          <a:xfrm flipV="1">
+            <a:off x="7818353" y="2028786"/>
+            <a:ext cx="6351" cy="409614"/>
+          </a:xfrm>
+          <a:prstGeom prst="straightConnector1">
+            <a:avLst/>
+          </a:prstGeom>
+          <a:ln w="19050">
+            <a:prstDash val="sysDot"/>
+            <a:headEnd type="none" w="med" len="med"/>
+            <a:tailEnd type="arrow" w="med" len="med"/>
+          </a:ln>
+          <a:effectLst/>
+        </p:spPr>
+        <p:style>
+          <a:lnRef idx="1">
+            <a:schemeClr val="accent6"/>
+          </a:lnRef>
+          <a:fillRef idx="2">
+            <a:schemeClr val="accent6"/>
+          </a:fillRef>
+          <a:effectRef idx="1">
+            <a:schemeClr val="accent6"/>
+          </a:effectRef>
+          <a:fontRef idx="minor">
+            <a:schemeClr val="dk1"/>
+          </a:fontRef>
+        </p:style>
+      </p:cxnSp>
+      <p:cxnSp>
+        <p:nvCxnSpPr>
+          <p:cNvPr id="53" name="Elbow Connector 122">
+            <a:extLst>
+              <a:ext uri="{FF2B5EF4-FFF2-40B4-BE49-F238E27FC236}">
+                <a16:creationId xmlns:a16="http://schemas.microsoft.com/office/drawing/2014/main" id="{46856893-6B3C-4A6A-9692-2726045C14DD}"/>
+              </a:ext>
+            </a:extLst>
+          </p:cNvPr>
+          <p:cNvCxnSpPr>
+            <a:cxnSpLocks/>
+          </p:cNvCxnSpPr>
+          <p:nvPr/>
+        </p:nvCxnSpPr>
+        <p:spPr>
+          <a:xfrm rot="16200000" flipV="1">
+            <a:off x="6400198" y="1599598"/>
+            <a:ext cx="433488" cy="1244116"/>
+          </a:xfrm>
+          <a:prstGeom prst="bentConnector3">
+            <a:avLst>
+              <a:gd name="adj1" fmla="val 50000"/>
+            </a:avLst>
+          </a:prstGeom>
+          <a:ln w="19050">
+            <a:prstDash val="sysDot"/>
+            <a:headEnd type="none" w="med" len="med"/>
+            <a:tailEnd type="arrow" w="med" len="med"/>
+          </a:ln>
+          <a:effectLst/>
+        </p:spPr>
+        <p:style>
+          <a:lnRef idx="1">
+            <a:schemeClr val="accent6"/>
+          </a:lnRef>
+          <a:fillRef idx="2">
+            <a:schemeClr val="accent6"/>
+          </a:fillRef>
+          <a:effectRef idx="1">
+            <a:schemeClr val="accent6"/>
+          </a:effectRef>
+          <a:fontRef idx="minor">
+            <a:schemeClr val="dk1"/>
+          </a:fontRef>
+        </p:style>
+      </p:cxnSp>
     </p:spTree>
     <p:extLst>
       <p:ext uri="{BB962C8B-B14F-4D97-AF65-F5344CB8AC3E}">

--- a/docs/diagrams/StorageComponentClassDiagram.pptx
+++ b/docs/diagrams/StorageComponentClassDiagram.pptx
@@ -208,7 +208,7 @@
           <a:p>
             <a:fld id="{F5CC4B3F-88C1-4FFA-B1B6-F41C21DC6924}" type="datetimeFigureOut">
               <a:rPr lang="en-US" smtClean="0"/>
-              <a:t>11/12/2018</a:t>
+              <a:t>10/24/2018</a:t>
             </a:fld>
             <a:endParaRPr lang="en-US"/>
           </a:p>
@@ -654,7 +654,7 @@
           <a:p>
             <a:fld id="{78C97017-6FC3-485B-9764-EAC9E56C1D49}" type="datetimeFigureOut">
               <a:rPr lang="en-US" smtClean="0"/>
-              <a:t>11/12/2018</a:t>
+              <a:t>10/24/2018</a:t>
             </a:fld>
             <a:endParaRPr lang="en-US"/>
           </a:p>
@@ -822,7 +822,7 @@
           <a:p>
             <a:fld id="{78C97017-6FC3-485B-9764-EAC9E56C1D49}" type="datetimeFigureOut">
               <a:rPr lang="en-US" smtClean="0"/>
-              <a:t>11/12/2018</a:t>
+              <a:t>10/24/2018</a:t>
             </a:fld>
             <a:endParaRPr lang="en-US"/>
           </a:p>
@@ -1000,7 +1000,7 @@
           <a:p>
             <a:fld id="{78C97017-6FC3-485B-9764-EAC9E56C1D49}" type="datetimeFigureOut">
               <a:rPr lang="en-US" smtClean="0"/>
-              <a:t>11/12/2018</a:t>
+              <a:t>10/24/2018</a:t>
             </a:fld>
             <a:endParaRPr lang="en-US"/>
           </a:p>
@@ -1168,7 +1168,7 @@
           <a:p>
             <a:fld id="{78C97017-6FC3-485B-9764-EAC9E56C1D49}" type="datetimeFigureOut">
               <a:rPr lang="en-US" smtClean="0"/>
-              <a:t>11/12/2018</a:t>
+              <a:t>10/24/2018</a:t>
             </a:fld>
             <a:endParaRPr lang="en-US"/>
           </a:p>
@@ -1413,7 +1413,7 @@
           <a:p>
             <a:fld id="{78C97017-6FC3-485B-9764-EAC9E56C1D49}" type="datetimeFigureOut">
               <a:rPr lang="en-US" smtClean="0"/>
-              <a:t>11/12/2018</a:t>
+              <a:t>10/24/2018</a:t>
             </a:fld>
             <a:endParaRPr lang="en-US"/>
           </a:p>
@@ -1698,7 +1698,7 @@
           <a:p>
             <a:fld id="{78C97017-6FC3-485B-9764-EAC9E56C1D49}" type="datetimeFigureOut">
               <a:rPr lang="en-US" smtClean="0"/>
-              <a:t>11/12/2018</a:t>
+              <a:t>10/24/2018</a:t>
             </a:fld>
             <a:endParaRPr lang="en-US"/>
           </a:p>
@@ -2117,7 +2117,7 @@
           <a:p>
             <a:fld id="{78C97017-6FC3-485B-9764-EAC9E56C1D49}" type="datetimeFigureOut">
               <a:rPr lang="en-US" smtClean="0"/>
-              <a:t>11/12/2018</a:t>
+              <a:t>10/24/2018</a:t>
             </a:fld>
             <a:endParaRPr lang="en-US"/>
           </a:p>
@@ -2234,7 +2234,7 @@
           <a:p>
             <a:fld id="{78C97017-6FC3-485B-9764-EAC9E56C1D49}" type="datetimeFigureOut">
               <a:rPr lang="en-US" smtClean="0"/>
-              <a:t>11/12/2018</a:t>
+              <a:t>10/24/2018</a:t>
             </a:fld>
             <a:endParaRPr lang="en-US"/>
           </a:p>
@@ -2329,7 +2329,7 @@
           <a:p>
             <a:fld id="{78C97017-6FC3-485B-9764-EAC9E56C1D49}" type="datetimeFigureOut">
               <a:rPr lang="en-US" smtClean="0"/>
-              <a:t>11/12/2018</a:t>
+              <a:t>10/24/2018</a:t>
             </a:fld>
             <a:endParaRPr lang="en-US"/>
           </a:p>
@@ -2604,7 +2604,7 @@
           <a:p>
             <a:fld id="{78C97017-6FC3-485B-9764-EAC9E56C1D49}" type="datetimeFigureOut">
               <a:rPr lang="en-US" smtClean="0"/>
-              <a:t>11/12/2018</a:t>
+              <a:t>10/24/2018</a:t>
             </a:fld>
             <a:endParaRPr lang="en-US"/>
           </a:p>
@@ -2856,7 +2856,7 @@
           <a:p>
             <a:fld id="{78C97017-6FC3-485B-9764-EAC9E56C1D49}" type="datetimeFigureOut">
               <a:rPr lang="en-US" smtClean="0"/>
-              <a:t>11/12/2018</a:t>
+              <a:t>10/24/2018</a:t>
             </a:fld>
             <a:endParaRPr lang="en-US"/>
           </a:p>
@@ -3067,7 +3067,7 @@
           <a:p>
             <a:fld id="{78C97017-6FC3-485B-9764-EAC9E56C1D49}" type="datetimeFigureOut">
               <a:rPr lang="en-US" smtClean="0"/>
-              <a:t>11/12/2018</a:t>
+              <a:t>10/24/2018</a:t>
             </a:fld>
             <a:endParaRPr lang="en-US"/>
           </a:p>
@@ -3450,8 +3450,8 @@
         </p:nvSpPr>
         <p:spPr>
           <a:xfrm>
-            <a:off x="381000" y="1224920"/>
-            <a:ext cx="8686800" cy="3850068"/>
+            <a:off x="381000" y="2182248"/>
+            <a:ext cx="8686800" cy="2892740"/>
           </a:xfrm>
           <a:prstGeom prst="roundRect">
             <a:avLst>
@@ -4610,13 +4610,15 @@
           <p:cNvPr id="70" name="Elbow Connector 122"/>
           <p:cNvCxnSpPr>
             <a:cxnSpLocks/>
+            <a:stCxn id="74" idx="0"/>
+            <a:endCxn id="73" idx="2"/>
           </p:cNvCxnSpPr>
           <p:nvPr/>
         </p:nvCxnSpPr>
         <p:spPr>
           <a:xfrm rot="16200000" flipV="1">
-            <a:off x="6400198" y="2361598"/>
-            <a:ext cx="433488" cy="1244116"/>
+            <a:off x="7686997" y="3076263"/>
+            <a:ext cx="254639" cy="6519"/>
           </a:xfrm>
           <a:prstGeom prst="bentConnector3">
             <a:avLst>
@@ -4653,7 +4655,7 @@
         </p:nvSpPr>
         <p:spPr>
           <a:xfrm>
-            <a:off x="5369682" y="2438400"/>
+            <a:off x="7181197" y="2605443"/>
             <a:ext cx="1259718" cy="346760"/>
           </a:xfrm>
           <a:prstGeom prst="rect">
@@ -5085,332 +5087,6 @@
           </a:p>
         </p:txBody>
       </p:sp>
-      <p:sp>
-        <p:nvSpPr>
-          <p:cNvPr id="36" name="Rectangle 8">
-            <a:extLst>
-              <a:ext uri="{FF2B5EF4-FFF2-40B4-BE49-F238E27FC236}">
-                <a16:creationId xmlns:a16="http://schemas.microsoft.com/office/drawing/2014/main" id="{36F21569-858D-4A55-BD4D-6A2D8F39E9A2}"/>
-              </a:ext>
-            </a:extLst>
-          </p:cNvPr>
-          <p:cNvSpPr/>
-          <p:nvPr/>
-        </p:nvSpPr>
-        <p:spPr>
-          <a:xfrm>
-            <a:off x="6959422" y="2438400"/>
-            <a:ext cx="1717862" cy="340238"/>
-          </a:xfrm>
-          <a:prstGeom prst="rect">
-            <a:avLst/>
-          </a:prstGeom>
-          <a:ln w="19050"/>
-          <a:effectLst/>
-        </p:spPr>
-        <p:style>
-          <a:lnRef idx="1">
-            <a:schemeClr val="accent6"/>
-          </a:lnRef>
-          <a:fillRef idx="2">
-            <a:schemeClr val="accent6"/>
-          </a:fillRef>
-          <a:effectRef idx="1">
-            <a:schemeClr val="accent6"/>
-          </a:effectRef>
-          <a:fontRef idx="minor">
-            <a:schemeClr val="dk1"/>
-          </a:fontRef>
-        </p:style>
-        <p:txBody>
-          <a:bodyPr rtlCol="0" anchor="ctr"/>
-          <a:lstStyle/>
-          <a:p>
-            <a:pPr algn="ctr"/>
-            <a:r>
-              <a:rPr lang="en-US" sz="1050" b="1" dirty="0" err="1">
-                <a:solidFill>
-                  <a:schemeClr val="accent6">
-                    <a:lumMod val="75000"/>
-                  </a:schemeClr>
-                </a:solidFill>
-              </a:rPr>
-              <a:t>XmlAdaptedMedicalHistory</a:t>
-            </a:r>
-            <a:endParaRPr lang="en-SG" sz="1050" b="1" dirty="0">
-              <a:solidFill>
-                <a:schemeClr val="accent6">
-                  <a:lumMod val="75000"/>
-                </a:schemeClr>
-              </a:solidFill>
-            </a:endParaRPr>
-          </a:p>
-        </p:txBody>
-      </p:sp>
-      <p:cxnSp>
-        <p:nvCxnSpPr>
-          <p:cNvPr id="37" name="Elbow Connector 122">
-            <a:extLst>
-              <a:ext uri="{FF2B5EF4-FFF2-40B4-BE49-F238E27FC236}">
-                <a16:creationId xmlns:a16="http://schemas.microsoft.com/office/drawing/2014/main" id="{F5A8DBD0-0247-4A04-87EF-E3CDBFDD43E9}"/>
-              </a:ext>
-            </a:extLst>
-          </p:cNvPr>
-          <p:cNvCxnSpPr>
-            <a:cxnSpLocks/>
-            <a:stCxn id="74" idx="0"/>
-            <a:endCxn id="36" idx="2"/>
-          </p:cNvCxnSpPr>
-          <p:nvPr/>
-        </p:nvCxnSpPr>
-        <p:spPr>
-          <a:xfrm rot="5400000" flipH="1" flipV="1">
-            <a:off x="7603862" y="2992351"/>
-            <a:ext cx="428204" cy="778"/>
-          </a:xfrm>
-          <a:prstGeom prst="bentConnector3">
-            <a:avLst>
-              <a:gd name="adj1" fmla="val 50000"/>
-            </a:avLst>
-          </a:prstGeom>
-          <a:ln w="19050">
-            <a:prstDash val="sysDot"/>
-            <a:headEnd type="none" w="med" len="med"/>
-            <a:tailEnd type="arrow" w="med" len="med"/>
-          </a:ln>
-          <a:effectLst/>
-        </p:spPr>
-        <p:style>
-          <a:lnRef idx="1">
-            <a:schemeClr val="accent6"/>
-          </a:lnRef>
-          <a:fillRef idx="2">
-            <a:schemeClr val="accent6"/>
-          </a:fillRef>
-          <a:effectRef idx="1">
-            <a:schemeClr val="accent6"/>
-          </a:effectRef>
-          <a:fontRef idx="minor">
-            <a:schemeClr val="dk1"/>
-          </a:fontRef>
-        </p:style>
-      </p:cxnSp>
-      <p:sp>
-        <p:nvSpPr>
-          <p:cNvPr id="40" name="Rectangle 8">
-            <a:extLst>
-              <a:ext uri="{FF2B5EF4-FFF2-40B4-BE49-F238E27FC236}">
-                <a16:creationId xmlns:a16="http://schemas.microsoft.com/office/drawing/2014/main" id="{479AE18E-325D-4841-8258-B962469B6FD6}"/>
-              </a:ext>
-            </a:extLst>
-          </p:cNvPr>
-          <p:cNvSpPr/>
-          <p:nvPr/>
-        </p:nvSpPr>
-        <p:spPr>
-          <a:xfrm>
-            <a:off x="5369682" y="1682026"/>
-            <a:ext cx="1259718" cy="346760"/>
-          </a:xfrm>
-          <a:prstGeom prst="rect">
-            <a:avLst/>
-          </a:prstGeom>
-          <a:ln w="19050"/>
-          <a:effectLst/>
-        </p:spPr>
-        <p:style>
-          <a:lnRef idx="1">
-            <a:schemeClr val="accent6"/>
-          </a:lnRef>
-          <a:fillRef idx="2">
-            <a:schemeClr val="accent6"/>
-          </a:fillRef>
-          <a:effectRef idx="1">
-            <a:schemeClr val="accent6"/>
-          </a:effectRef>
-          <a:fontRef idx="minor">
-            <a:schemeClr val="dk1"/>
-          </a:fontRef>
-        </p:style>
-        <p:txBody>
-          <a:bodyPr rtlCol="0" anchor="ctr"/>
-          <a:lstStyle/>
-          <a:p>
-            <a:pPr algn="ctr"/>
-            <a:r>
-              <a:rPr lang="en-US" sz="1050" b="1" dirty="0" err="1">
-                <a:solidFill>
-                  <a:schemeClr val="accent6">
-                    <a:lumMod val="75000"/>
-                  </a:schemeClr>
-                </a:solidFill>
-              </a:rPr>
-              <a:t>XmlAdaptedAllergy</a:t>
-            </a:r>
-            <a:endParaRPr lang="en-SG" sz="1050" b="1" dirty="0">
-              <a:solidFill>
-                <a:schemeClr val="accent6">
-                  <a:lumMod val="75000"/>
-                </a:schemeClr>
-              </a:solidFill>
-            </a:endParaRPr>
-          </a:p>
-        </p:txBody>
-      </p:sp>
-      <p:sp>
-        <p:nvSpPr>
-          <p:cNvPr id="41" name="Rectangle 8">
-            <a:extLst>
-              <a:ext uri="{FF2B5EF4-FFF2-40B4-BE49-F238E27FC236}">
-                <a16:creationId xmlns:a16="http://schemas.microsoft.com/office/drawing/2014/main" id="{6837279B-70B3-4F82-BFFC-DFFA9B767027}"/>
-              </a:ext>
-            </a:extLst>
-          </p:cNvPr>
-          <p:cNvSpPr/>
-          <p:nvPr/>
-        </p:nvSpPr>
-        <p:spPr>
-          <a:xfrm>
-            <a:off x="6972123" y="1682026"/>
-            <a:ext cx="1705161" cy="346760"/>
-          </a:xfrm>
-          <a:prstGeom prst="rect">
-            <a:avLst/>
-          </a:prstGeom>
-          <a:ln w="19050"/>
-          <a:effectLst/>
-        </p:spPr>
-        <p:style>
-          <a:lnRef idx="1">
-            <a:schemeClr val="accent6"/>
-          </a:lnRef>
-          <a:fillRef idx="2">
-            <a:schemeClr val="accent6"/>
-          </a:fillRef>
-          <a:effectRef idx="1">
-            <a:schemeClr val="accent6"/>
-          </a:effectRef>
-          <a:fontRef idx="minor">
-            <a:schemeClr val="dk1"/>
-          </a:fontRef>
-        </p:style>
-        <p:txBody>
-          <a:bodyPr rtlCol="0" anchor="ctr"/>
-          <a:lstStyle/>
-          <a:p>
-            <a:pPr algn="ctr"/>
-            <a:r>
-              <a:rPr lang="en-US" sz="1050" b="1" dirty="0" err="1">
-                <a:solidFill>
-                  <a:schemeClr val="accent6">
-                    <a:lumMod val="75000"/>
-                  </a:schemeClr>
-                </a:solidFill>
-              </a:rPr>
-              <a:t>XmlAdaptedCondition</a:t>
-            </a:r>
-            <a:endParaRPr lang="en-SG" sz="1050" b="1" dirty="0">
-              <a:solidFill>
-                <a:schemeClr val="accent6">
-                  <a:lumMod val="75000"/>
-                </a:schemeClr>
-              </a:solidFill>
-            </a:endParaRPr>
-          </a:p>
-        </p:txBody>
-      </p:sp>
-      <p:cxnSp>
-        <p:nvCxnSpPr>
-          <p:cNvPr id="43" name="Elbow Connector 122">
-            <a:extLst>
-              <a:ext uri="{FF2B5EF4-FFF2-40B4-BE49-F238E27FC236}">
-                <a16:creationId xmlns:a16="http://schemas.microsoft.com/office/drawing/2014/main" id="{86201BAD-CFCE-42A2-9A67-86FCD474DA24}"/>
-              </a:ext>
-            </a:extLst>
-          </p:cNvPr>
-          <p:cNvCxnSpPr>
-            <a:cxnSpLocks/>
-            <a:stCxn id="36" idx="0"/>
-            <a:endCxn id="41" idx="2"/>
-          </p:cNvCxnSpPr>
-          <p:nvPr/>
-        </p:nvCxnSpPr>
-        <p:spPr>
-          <a:xfrm flipV="1">
-            <a:off x="7818353" y="2028786"/>
-            <a:ext cx="6351" cy="409614"/>
-          </a:xfrm>
-          <a:prstGeom prst="straightConnector1">
-            <a:avLst/>
-          </a:prstGeom>
-          <a:ln w="19050">
-            <a:prstDash val="sysDot"/>
-            <a:headEnd type="none" w="med" len="med"/>
-            <a:tailEnd type="arrow" w="med" len="med"/>
-          </a:ln>
-          <a:effectLst/>
-        </p:spPr>
-        <p:style>
-          <a:lnRef idx="1">
-            <a:schemeClr val="accent6"/>
-          </a:lnRef>
-          <a:fillRef idx="2">
-            <a:schemeClr val="accent6"/>
-          </a:fillRef>
-          <a:effectRef idx="1">
-            <a:schemeClr val="accent6"/>
-          </a:effectRef>
-          <a:fontRef idx="minor">
-            <a:schemeClr val="dk1"/>
-          </a:fontRef>
-        </p:style>
-      </p:cxnSp>
-      <p:cxnSp>
-        <p:nvCxnSpPr>
-          <p:cNvPr id="53" name="Elbow Connector 122">
-            <a:extLst>
-              <a:ext uri="{FF2B5EF4-FFF2-40B4-BE49-F238E27FC236}">
-                <a16:creationId xmlns:a16="http://schemas.microsoft.com/office/drawing/2014/main" id="{46856893-6B3C-4A6A-9692-2726045C14DD}"/>
-              </a:ext>
-            </a:extLst>
-          </p:cNvPr>
-          <p:cNvCxnSpPr>
-            <a:cxnSpLocks/>
-          </p:cNvCxnSpPr>
-          <p:nvPr/>
-        </p:nvCxnSpPr>
-        <p:spPr>
-          <a:xfrm rot="16200000" flipV="1">
-            <a:off x="6400198" y="1599598"/>
-            <a:ext cx="433488" cy="1244116"/>
-          </a:xfrm>
-          <a:prstGeom prst="bentConnector3">
-            <a:avLst>
-              <a:gd name="adj1" fmla="val 50000"/>
-            </a:avLst>
-          </a:prstGeom>
-          <a:ln w="19050">
-            <a:prstDash val="sysDot"/>
-            <a:headEnd type="none" w="med" len="med"/>
-            <a:tailEnd type="arrow" w="med" len="med"/>
-          </a:ln>
-          <a:effectLst/>
-        </p:spPr>
-        <p:style>
-          <a:lnRef idx="1">
-            <a:schemeClr val="accent6"/>
-          </a:lnRef>
-          <a:fillRef idx="2">
-            <a:schemeClr val="accent6"/>
-          </a:fillRef>
-          <a:effectRef idx="1">
-            <a:schemeClr val="accent6"/>
-          </a:effectRef>
-          <a:fontRef idx="minor">
-            <a:schemeClr val="dk1"/>
-          </a:fontRef>
-        </p:style>
-      </p:cxnSp>
     </p:spTree>
     <p:extLst>
       <p:ext uri="{BB962C8B-B14F-4D97-AF65-F5344CB8AC3E}">

--- a/docs/diagrams/StorageComponentClassDiagram.pptx
+++ b/docs/diagrams/StorageComponentClassDiagram.pptx
@@ -208,7 +208,7 @@
           <a:p>
             <a:fld id="{F5CC4B3F-88C1-4FFA-B1B6-F41C21DC6924}" type="datetimeFigureOut">
               <a:rPr lang="en-US" smtClean="0"/>
-              <a:t>10/24/2018</a:t>
+              <a:t>11/12/2018</a:t>
             </a:fld>
             <a:endParaRPr lang="en-US"/>
           </a:p>
@@ -654,7 +654,7 @@
           <a:p>
             <a:fld id="{78C97017-6FC3-485B-9764-EAC9E56C1D49}" type="datetimeFigureOut">
               <a:rPr lang="en-US" smtClean="0"/>
-              <a:t>10/24/2018</a:t>
+              <a:t>11/12/2018</a:t>
             </a:fld>
             <a:endParaRPr lang="en-US"/>
           </a:p>
@@ -822,7 +822,7 @@
           <a:p>
             <a:fld id="{78C97017-6FC3-485B-9764-EAC9E56C1D49}" type="datetimeFigureOut">
               <a:rPr lang="en-US" smtClean="0"/>
-              <a:t>10/24/2018</a:t>
+              <a:t>11/12/2018</a:t>
             </a:fld>
             <a:endParaRPr lang="en-US"/>
           </a:p>
@@ -1000,7 +1000,7 @@
           <a:p>
             <a:fld id="{78C97017-6FC3-485B-9764-EAC9E56C1D49}" type="datetimeFigureOut">
               <a:rPr lang="en-US" smtClean="0"/>
-              <a:t>10/24/2018</a:t>
+              <a:t>11/12/2018</a:t>
             </a:fld>
             <a:endParaRPr lang="en-US"/>
           </a:p>
@@ -1168,7 +1168,7 @@
           <a:p>
             <a:fld id="{78C97017-6FC3-485B-9764-EAC9E56C1D49}" type="datetimeFigureOut">
               <a:rPr lang="en-US" smtClean="0"/>
-              <a:t>10/24/2018</a:t>
+              <a:t>11/12/2018</a:t>
             </a:fld>
             <a:endParaRPr lang="en-US"/>
           </a:p>
@@ -1413,7 +1413,7 @@
           <a:p>
             <a:fld id="{78C97017-6FC3-485B-9764-EAC9E56C1D49}" type="datetimeFigureOut">
               <a:rPr lang="en-US" smtClean="0"/>
-              <a:t>10/24/2018</a:t>
+              <a:t>11/12/2018</a:t>
             </a:fld>
             <a:endParaRPr lang="en-US"/>
           </a:p>
@@ -1698,7 +1698,7 @@
           <a:p>
             <a:fld id="{78C97017-6FC3-485B-9764-EAC9E56C1D49}" type="datetimeFigureOut">
               <a:rPr lang="en-US" smtClean="0"/>
-              <a:t>10/24/2018</a:t>
+              <a:t>11/12/2018</a:t>
             </a:fld>
             <a:endParaRPr lang="en-US"/>
           </a:p>
@@ -2117,7 +2117,7 @@
           <a:p>
             <a:fld id="{78C97017-6FC3-485B-9764-EAC9E56C1D49}" type="datetimeFigureOut">
               <a:rPr lang="en-US" smtClean="0"/>
-              <a:t>10/24/2018</a:t>
+              <a:t>11/12/2018</a:t>
             </a:fld>
             <a:endParaRPr lang="en-US"/>
           </a:p>
@@ -2234,7 +2234,7 @@
           <a:p>
             <a:fld id="{78C97017-6FC3-485B-9764-EAC9E56C1D49}" type="datetimeFigureOut">
               <a:rPr lang="en-US" smtClean="0"/>
-              <a:t>10/24/2018</a:t>
+              <a:t>11/12/2018</a:t>
             </a:fld>
             <a:endParaRPr lang="en-US"/>
           </a:p>
@@ -2329,7 +2329,7 @@
           <a:p>
             <a:fld id="{78C97017-6FC3-485B-9764-EAC9E56C1D49}" type="datetimeFigureOut">
               <a:rPr lang="en-US" smtClean="0"/>
-              <a:t>10/24/2018</a:t>
+              <a:t>11/12/2018</a:t>
             </a:fld>
             <a:endParaRPr lang="en-US"/>
           </a:p>
@@ -2604,7 +2604,7 @@
           <a:p>
             <a:fld id="{78C97017-6FC3-485B-9764-EAC9E56C1D49}" type="datetimeFigureOut">
               <a:rPr lang="en-US" smtClean="0"/>
-              <a:t>10/24/2018</a:t>
+              <a:t>11/12/2018</a:t>
             </a:fld>
             <a:endParaRPr lang="en-US"/>
           </a:p>
@@ -2856,7 +2856,7 @@
           <a:p>
             <a:fld id="{78C97017-6FC3-485B-9764-EAC9E56C1D49}" type="datetimeFigureOut">
               <a:rPr lang="en-US" smtClean="0"/>
-              <a:t>10/24/2018</a:t>
+              <a:t>11/12/2018</a:t>
             </a:fld>
             <a:endParaRPr lang="en-US"/>
           </a:p>
@@ -3067,7 +3067,7 @@
           <a:p>
             <a:fld id="{78C97017-6FC3-485B-9764-EAC9E56C1D49}" type="datetimeFigureOut">
               <a:rPr lang="en-US" smtClean="0"/>
-              <a:t>10/24/2018</a:t>
+              <a:t>11/12/2018</a:t>
             </a:fld>
             <a:endParaRPr lang="en-US"/>
           </a:p>
@@ -3450,8 +3450,8 @@
         </p:nvSpPr>
         <p:spPr>
           <a:xfrm>
-            <a:off x="381000" y="2182248"/>
-            <a:ext cx="8686800" cy="2892740"/>
+            <a:off x="381000" y="1447800"/>
+            <a:ext cx="8686800" cy="3627188"/>
           </a:xfrm>
           <a:prstGeom prst="roundRect">
             <a:avLst>
@@ -4610,15 +4610,13 @@
           <p:cNvPr id="70" name="Elbow Connector 122"/>
           <p:cNvCxnSpPr>
             <a:cxnSpLocks/>
-            <a:stCxn id="74" idx="0"/>
-            <a:endCxn id="73" idx="2"/>
           </p:cNvCxnSpPr>
           <p:nvPr/>
         </p:nvCxnSpPr>
         <p:spPr>
           <a:xfrm rot="16200000" flipV="1">
-            <a:off x="7686997" y="3076263"/>
-            <a:ext cx="254639" cy="6519"/>
+            <a:off x="6510681" y="2384937"/>
+            <a:ext cx="254824" cy="1388985"/>
           </a:xfrm>
           <a:prstGeom prst="bentConnector3">
             <a:avLst>
@@ -4655,7 +4653,7 @@
         </p:nvSpPr>
         <p:spPr>
           <a:xfrm>
-            <a:off x="7181197" y="2605443"/>
+            <a:off x="5369682" y="2605258"/>
             <a:ext cx="1259718" cy="346760"/>
           </a:xfrm>
           <a:prstGeom prst="rect">
@@ -5087,6 +5085,334 @@
           </a:p>
         </p:txBody>
       </p:sp>
+      <p:sp>
+        <p:nvSpPr>
+          <p:cNvPr id="35" name="Rectangle 8">
+            <a:extLst>
+              <a:ext uri="{FF2B5EF4-FFF2-40B4-BE49-F238E27FC236}">
+                <a16:creationId xmlns:a16="http://schemas.microsoft.com/office/drawing/2014/main" id="{C02CFF39-12C2-4707-A785-6E58251A1603}"/>
+              </a:ext>
+            </a:extLst>
+          </p:cNvPr>
+          <p:cNvSpPr/>
+          <p:nvPr/>
+        </p:nvSpPr>
+        <p:spPr>
+          <a:xfrm>
+            <a:off x="6959422" y="2599974"/>
+            <a:ext cx="1727377" cy="346760"/>
+          </a:xfrm>
+          <a:prstGeom prst="rect">
+            <a:avLst/>
+          </a:prstGeom>
+          <a:ln w="19050"/>
+          <a:effectLst/>
+        </p:spPr>
+        <p:style>
+          <a:lnRef idx="1">
+            <a:schemeClr val="accent6"/>
+          </a:lnRef>
+          <a:fillRef idx="2">
+            <a:schemeClr val="accent6"/>
+          </a:fillRef>
+          <a:effectRef idx="1">
+            <a:schemeClr val="accent6"/>
+          </a:effectRef>
+          <a:fontRef idx="minor">
+            <a:schemeClr val="dk1"/>
+          </a:fontRef>
+        </p:style>
+        <p:txBody>
+          <a:bodyPr rtlCol="0" anchor="ctr"/>
+          <a:lstStyle/>
+          <a:p>
+            <a:pPr algn="ctr"/>
+            <a:r>
+              <a:rPr lang="en-US" sz="1050" b="1" dirty="0" err="1">
+                <a:solidFill>
+                  <a:schemeClr val="accent6">
+                    <a:lumMod val="75000"/>
+                  </a:schemeClr>
+                </a:solidFill>
+              </a:rPr>
+              <a:t>XmlAdaptedMedicalHistory</a:t>
+            </a:r>
+            <a:endParaRPr lang="en-SG" sz="1050" b="1" dirty="0">
+              <a:solidFill>
+                <a:schemeClr val="accent6">
+                  <a:lumMod val="75000"/>
+                </a:schemeClr>
+              </a:solidFill>
+            </a:endParaRPr>
+          </a:p>
+        </p:txBody>
+      </p:sp>
+      <p:cxnSp>
+        <p:nvCxnSpPr>
+          <p:cNvPr id="36" name="Elbow Connector 122">
+            <a:extLst>
+              <a:ext uri="{FF2B5EF4-FFF2-40B4-BE49-F238E27FC236}">
+                <a16:creationId xmlns:a16="http://schemas.microsoft.com/office/drawing/2014/main" id="{6F76A3FC-1FA7-4F89-A98A-B93422827B95}"/>
+              </a:ext>
+            </a:extLst>
+          </p:cNvPr>
+          <p:cNvCxnSpPr>
+            <a:cxnSpLocks/>
+            <a:stCxn id="74" idx="0"/>
+            <a:endCxn id="35" idx="2"/>
+          </p:cNvCxnSpPr>
+          <p:nvPr/>
+        </p:nvCxnSpPr>
+        <p:spPr>
+          <a:xfrm rot="5400000" flipH="1" flipV="1">
+            <a:off x="7690289" y="3074020"/>
+            <a:ext cx="260108" cy="5536"/>
+          </a:xfrm>
+          <a:prstGeom prst="bentConnector3">
+            <a:avLst>
+              <a:gd name="adj1" fmla="val 50000"/>
+            </a:avLst>
+          </a:prstGeom>
+          <a:ln w="19050">
+            <a:prstDash val="sysDot"/>
+            <a:headEnd type="none" w="med" len="med"/>
+            <a:tailEnd type="arrow" w="med" len="med"/>
+          </a:ln>
+          <a:effectLst/>
+        </p:spPr>
+        <p:style>
+          <a:lnRef idx="1">
+            <a:schemeClr val="accent6"/>
+          </a:lnRef>
+          <a:fillRef idx="2">
+            <a:schemeClr val="accent6"/>
+          </a:fillRef>
+          <a:effectRef idx="1">
+            <a:schemeClr val="accent6"/>
+          </a:effectRef>
+          <a:fontRef idx="minor">
+            <a:schemeClr val="dk1"/>
+          </a:fontRef>
+        </p:style>
+      </p:cxnSp>
+      <p:sp>
+        <p:nvSpPr>
+          <p:cNvPr id="41" name="Rectangle 8">
+            <a:extLst>
+              <a:ext uri="{FF2B5EF4-FFF2-40B4-BE49-F238E27FC236}">
+                <a16:creationId xmlns:a16="http://schemas.microsoft.com/office/drawing/2014/main" id="{0ADBB218-8B60-4F7A-8AAE-4FB756E106AA}"/>
+              </a:ext>
+            </a:extLst>
+          </p:cNvPr>
+          <p:cNvSpPr/>
+          <p:nvPr/>
+        </p:nvSpPr>
+        <p:spPr>
+          <a:xfrm>
+            <a:off x="5357135" y="1925953"/>
+            <a:ext cx="1259718" cy="346760"/>
+          </a:xfrm>
+          <a:prstGeom prst="rect">
+            <a:avLst/>
+          </a:prstGeom>
+          <a:ln w="19050"/>
+          <a:effectLst/>
+        </p:spPr>
+        <p:style>
+          <a:lnRef idx="1">
+            <a:schemeClr val="accent6"/>
+          </a:lnRef>
+          <a:fillRef idx="2">
+            <a:schemeClr val="accent6"/>
+          </a:fillRef>
+          <a:effectRef idx="1">
+            <a:schemeClr val="accent6"/>
+          </a:effectRef>
+          <a:fontRef idx="minor">
+            <a:schemeClr val="dk1"/>
+          </a:fontRef>
+        </p:style>
+        <p:txBody>
+          <a:bodyPr rtlCol="0" anchor="ctr"/>
+          <a:lstStyle/>
+          <a:p>
+            <a:pPr algn="ctr"/>
+            <a:r>
+              <a:rPr lang="en-US" sz="1050" b="1" dirty="0" err="1">
+                <a:solidFill>
+                  <a:schemeClr val="accent6">
+                    <a:lumMod val="75000"/>
+                  </a:schemeClr>
+                </a:solidFill>
+              </a:rPr>
+              <a:t>XmlAdaptedAllergy</a:t>
+            </a:r>
+            <a:endParaRPr lang="en-SG" sz="1050" b="1" dirty="0">
+              <a:solidFill>
+                <a:schemeClr val="accent6">
+                  <a:lumMod val="75000"/>
+                </a:schemeClr>
+              </a:solidFill>
+            </a:endParaRPr>
+          </a:p>
+        </p:txBody>
+      </p:sp>
+      <p:cxnSp>
+        <p:nvCxnSpPr>
+          <p:cNvPr id="47" name="Elbow Connector 122">
+            <a:extLst>
+              <a:ext uri="{FF2B5EF4-FFF2-40B4-BE49-F238E27FC236}">
+                <a16:creationId xmlns:a16="http://schemas.microsoft.com/office/drawing/2014/main" id="{80498F87-DBCE-44E5-A05E-CBD237039A74}"/>
+              </a:ext>
+            </a:extLst>
+          </p:cNvPr>
+          <p:cNvCxnSpPr>
+            <a:cxnSpLocks/>
+          </p:cNvCxnSpPr>
+          <p:nvPr/>
+        </p:nvCxnSpPr>
+        <p:spPr>
+          <a:xfrm rot="16200000" flipV="1">
+            <a:off x="6489440" y="1756522"/>
+            <a:ext cx="254824" cy="1388985"/>
+          </a:xfrm>
+          <a:prstGeom prst="bentConnector3">
+            <a:avLst>
+              <a:gd name="adj1" fmla="val 50000"/>
+            </a:avLst>
+          </a:prstGeom>
+          <a:ln w="19050">
+            <a:prstDash val="sysDot"/>
+            <a:headEnd type="none" w="med" len="med"/>
+            <a:tailEnd type="arrow" w="med" len="med"/>
+          </a:ln>
+          <a:effectLst/>
+        </p:spPr>
+        <p:style>
+          <a:lnRef idx="1">
+            <a:schemeClr val="accent6"/>
+          </a:lnRef>
+          <a:fillRef idx="2">
+            <a:schemeClr val="accent6"/>
+          </a:fillRef>
+          <a:effectRef idx="1">
+            <a:schemeClr val="accent6"/>
+          </a:effectRef>
+          <a:fontRef idx="minor">
+            <a:schemeClr val="dk1"/>
+          </a:fontRef>
+        </p:style>
+      </p:cxnSp>
+      <p:sp>
+        <p:nvSpPr>
+          <p:cNvPr id="48" name="Rectangle 8">
+            <a:extLst>
+              <a:ext uri="{FF2B5EF4-FFF2-40B4-BE49-F238E27FC236}">
+                <a16:creationId xmlns:a16="http://schemas.microsoft.com/office/drawing/2014/main" id="{FE2CE093-A6E2-416E-BC4B-954EEAB5CCFB}"/>
+              </a:ext>
+            </a:extLst>
+          </p:cNvPr>
+          <p:cNvSpPr/>
+          <p:nvPr/>
+        </p:nvSpPr>
+        <p:spPr>
+          <a:xfrm>
+            <a:off x="6953073" y="1925953"/>
+            <a:ext cx="1733726" cy="346760"/>
+          </a:xfrm>
+          <a:prstGeom prst="rect">
+            <a:avLst/>
+          </a:prstGeom>
+          <a:ln w="19050"/>
+          <a:effectLst/>
+        </p:spPr>
+        <p:style>
+          <a:lnRef idx="1">
+            <a:schemeClr val="accent6"/>
+          </a:lnRef>
+          <a:fillRef idx="2">
+            <a:schemeClr val="accent6"/>
+          </a:fillRef>
+          <a:effectRef idx="1">
+            <a:schemeClr val="accent6"/>
+          </a:effectRef>
+          <a:fontRef idx="minor">
+            <a:schemeClr val="dk1"/>
+          </a:fontRef>
+        </p:style>
+        <p:txBody>
+          <a:bodyPr rtlCol="0" anchor="ctr"/>
+          <a:lstStyle/>
+          <a:p>
+            <a:pPr algn="ctr"/>
+            <a:r>
+              <a:rPr lang="en-US" sz="1050" b="1" dirty="0" err="1">
+                <a:solidFill>
+                  <a:schemeClr val="accent6">
+                    <a:lumMod val="75000"/>
+                  </a:schemeClr>
+                </a:solidFill>
+              </a:rPr>
+              <a:t>XmlAdaptedCondition</a:t>
+            </a:r>
+            <a:endParaRPr lang="en-SG" sz="1050" b="1" dirty="0">
+              <a:solidFill>
+                <a:schemeClr val="accent6">
+                  <a:lumMod val="75000"/>
+                </a:schemeClr>
+              </a:solidFill>
+            </a:endParaRPr>
+          </a:p>
+        </p:txBody>
+      </p:sp>
+      <p:cxnSp>
+        <p:nvCxnSpPr>
+          <p:cNvPr id="53" name="Elbow Connector 122">
+            <a:extLst>
+              <a:ext uri="{FF2B5EF4-FFF2-40B4-BE49-F238E27FC236}">
+                <a16:creationId xmlns:a16="http://schemas.microsoft.com/office/drawing/2014/main" id="{0EB61463-612D-4374-997A-356D494BCBB8}"/>
+              </a:ext>
+            </a:extLst>
+          </p:cNvPr>
+          <p:cNvCxnSpPr>
+            <a:cxnSpLocks/>
+            <a:stCxn id="35" idx="0"/>
+            <a:endCxn id="48" idx="2"/>
+          </p:cNvCxnSpPr>
+          <p:nvPr/>
+        </p:nvCxnSpPr>
+        <p:spPr>
+          <a:xfrm rot="16200000" flipV="1">
+            <a:off x="7657894" y="2434756"/>
+            <a:ext cx="327261" cy="3175"/>
+          </a:xfrm>
+          <a:prstGeom prst="bentConnector3">
+            <a:avLst>
+              <a:gd name="adj1" fmla="val 50000"/>
+            </a:avLst>
+          </a:prstGeom>
+          <a:ln w="19050">
+            <a:prstDash val="sysDot"/>
+            <a:headEnd type="none" w="med" len="med"/>
+            <a:tailEnd type="arrow" w="med" len="med"/>
+          </a:ln>
+          <a:effectLst/>
+        </p:spPr>
+        <p:style>
+          <a:lnRef idx="1">
+            <a:schemeClr val="accent6"/>
+          </a:lnRef>
+          <a:fillRef idx="2">
+            <a:schemeClr val="accent6"/>
+          </a:fillRef>
+          <a:effectRef idx="1">
+            <a:schemeClr val="accent6"/>
+          </a:effectRef>
+          <a:fontRef idx="minor">
+            <a:schemeClr val="dk1"/>
+          </a:fontRef>
+        </p:style>
+      </p:cxnSp>
     </p:spTree>
     <p:extLst>
       <p:ext uri="{BB962C8B-B14F-4D97-AF65-F5344CB8AC3E}">

--- a/docs/diagrams/StorageComponentClassDiagram.pptx
+++ b/docs/diagrams/StorageComponentClassDiagram.pptx
@@ -3516,7 +3516,7 @@
         <p:spPr>
           <a:xfrm>
             <a:off x="2877180" y="3158440"/>
-            <a:ext cx="1323049" cy="346760"/>
+            <a:ext cx="1430956" cy="346760"/>
           </a:xfrm>
           <a:prstGeom prst="rect">
             <a:avLst/>
@@ -3575,7 +3575,7 @@
                   <a:schemeClr val="bg1"/>
                 </a:solidFill>
               </a:rPr>
-              <a:t>AddressBookStorage</a:t>
+              <a:t>MeetingBookStorage</a:t>
             </a:r>
             <a:endParaRPr lang="en-SG" sz="1050" dirty="0">
               <a:solidFill>
@@ -3781,6 +3781,7 @@
         <p:nvCxnSpPr>
           <p:cNvPr id="58" name="Straight Arrow Connector 57"/>
           <p:cNvCxnSpPr>
+            <a:cxnSpLocks/>
             <a:stCxn id="42" idx="3"/>
             <a:endCxn id="2" idx="1"/>
           </p:cNvCxnSpPr>
@@ -3968,8 +3969,8 @@
         </p:nvCxnSpPr>
         <p:spPr>
           <a:xfrm flipV="1">
-            <a:off x="4398041" y="3331820"/>
-            <a:ext cx="223324" cy="1"/>
+            <a:off x="4469074" y="3331820"/>
+            <a:ext cx="152291" cy="2902"/>
           </a:xfrm>
           <a:prstGeom prst="bentConnector3">
             <a:avLst>
@@ -4011,7 +4012,7 @@
         </p:nvSpPr>
         <p:spPr>
           <a:xfrm rot="5400000" flipV="1">
-            <a:off x="4175027" y="3244059"/>
+            <a:off x="4246060" y="3246960"/>
             <a:ext cx="270504" cy="175523"/>
           </a:xfrm>
           <a:prstGeom prst="triangle">
@@ -4148,7 +4149,7 @@
                   </a:schemeClr>
                 </a:solidFill>
               </a:rPr>
-              <a:t>XmlAddressBook</a:t>
+              <a:t>XmlMeetingBook</a:t>
             </a:r>
             <a:br>
               <a:rPr lang="en-US" sz="1050" b="1" dirty="0">
@@ -4593,7 +4594,7 @@
                   </a:schemeClr>
                 </a:solidFill>
               </a:rPr>
-              <a:t>AddressBook</a:t>
+              <a:t>MeetingBook</a:t>
             </a:r>
             <a:endParaRPr lang="en-SG" sz="1050" b="1" dirty="0">
               <a:solidFill>
